--- a/presentation.pptx
+++ b/presentation.pptx
@@ -17,10 +17,9 @@
     <p:sldId id="265" r:id="rId11"/>
     <p:sldId id="266" r:id="rId12"/>
     <p:sldId id="267" r:id="rId13"/>
-    <p:sldId id="268" r:id="rId14"/>
-    <p:sldId id="269" r:id="rId15"/>
-    <p:sldId id="270" r:id="rId16"/>
-    <p:sldId id="271" r:id="rId17"/>
+    <p:sldId id="269" r:id="rId14"/>
+    <p:sldId id="270" r:id="rId15"/>
+    <p:sldId id="271" r:id="rId16"/>
   </p:sldIdLst>
   <p:sldSz cx="12192000" cy="6858000"/>
   <p:notesSz cx="6858000" cy="9144000"/>
@@ -119,6 +118,11 @@
       </a:defRPr>
     </a:lvl9pPr>
   </p:defaultTextStyle>
+  <p:extLst>
+    <p:ext uri="{EFAFB233-063F-42B5-8137-9DF3F51BA10A}">
+      <p15:sldGuideLst xmlns:p15="http://schemas.microsoft.com/office/powerpoint/2012/main"/>
+    </p:ext>
+  </p:extLst>
 </p:presentation>
 </file>
 
@@ -4145,7 +4149,7 @@
           <p:cNvPr id="2" name="Title 1">
             <a:extLst>
               <a:ext uri="{FF2B5EF4-FFF2-40B4-BE49-F238E27FC236}">
-                <a16:creationId xmlns:a16="http://schemas.microsoft.com/office/drawing/2014/main" id="{2595A3BD-30AD-7910-DA55-D57BF25CE563}"/>
+                <a16:creationId xmlns:a16="http://schemas.microsoft.com/office/drawing/2014/main" id="{B575AD7A-170B-B4D4-8812-0FBE62FAD3FF}"/>
               </a:ext>
             </a:extLst>
           </p:cNvPr>
@@ -4163,7 +4167,7 @@
           <a:p>
             <a:r>
               <a:rPr lang="en-US" b="1" dirty="0"/>
-              <a:t>System Structure</a:t>
+              <a:t>Running the Project</a:t>
             </a:r>
             <a:endParaRPr lang="en-US" dirty="0"/>
           </a:p>
@@ -4174,7 +4178,7 @@
           <p:cNvPr id="3" name="Content Placeholder 2">
             <a:extLst>
               <a:ext uri="{FF2B5EF4-FFF2-40B4-BE49-F238E27FC236}">
-                <a16:creationId xmlns:a16="http://schemas.microsoft.com/office/drawing/2014/main" id="{6F3415C1-904F-DEA7-A546-4CC3B6178EAD}"/>
+                <a16:creationId xmlns:a16="http://schemas.microsoft.com/office/drawing/2014/main" id="{C5517174-33F5-FBB3-4E23-59058B86427C}"/>
               </a:ext>
             </a:extLst>
           </p:cNvPr>
@@ -4190,81 +4194,15 @@
           <a:bodyPr/>
           <a:lstStyle/>
           <a:p>
-            <a:pPr marL="0" indent="0">
-              <a:buNone/>
-            </a:pPr>
-            <a:r>
-              <a:rPr lang="en-US" dirty="0"/>
-              <a:t>/</a:t>
-            </a:r>
-            <a:r>
-              <a:rPr lang="en-US" dirty="0" err="1"/>
-              <a:t>src</a:t>
-            </a:r>
-            <a:endParaRPr lang="en-US" dirty="0"/>
-          </a:p>
-          <a:p>
-            <a:pPr marL="0" indent="0">
-              <a:buNone/>
-            </a:pPr>
-            <a:r>
-              <a:rPr lang="en-US" dirty="0"/>
-              <a:t>   /environment</a:t>
-            </a:r>
-          </a:p>
-          <a:p>
-            <a:pPr marL="0" indent="0">
-              <a:buNone/>
-            </a:pPr>
-            <a:r>
-              <a:rPr lang="en-US" dirty="0"/>
-              <a:t>   /</a:t>
-            </a:r>
-            <a:r>
-              <a:rPr lang="en-US" dirty="0" err="1"/>
-              <a:t>arl_agent</a:t>
-            </a:r>
-            <a:endParaRPr lang="en-US" dirty="0"/>
-          </a:p>
-          <a:p>
-            <a:pPr marL="0" indent="0">
-              <a:buNone/>
-            </a:pPr>
-            <a:r>
-              <a:rPr lang="en-US" dirty="0"/>
-              <a:t>   /</a:t>
-            </a:r>
-            <a:r>
-              <a:rPr lang="en-US" dirty="0" err="1"/>
-              <a:t>egt_population</a:t>
-            </a:r>
-            <a:endParaRPr lang="en-US" dirty="0"/>
-          </a:p>
-          <a:p>
-            <a:pPr marL="0" indent="0">
-              <a:buNone/>
-            </a:pPr>
-            <a:r>
-              <a:rPr lang="en-US" dirty="0"/>
-              <a:t>   /utils</a:t>
-            </a:r>
-          </a:p>
-          <a:p>
-            <a:pPr marL="0" indent="0">
-              <a:buNone/>
-            </a:pPr>
-            <a:r>
-              <a:rPr lang="en-US" dirty="0"/>
-              <a:t>/results</a:t>
-            </a:r>
-          </a:p>
-          <a:p>
-            <a:pPr marL="0" indent="0">
-              <a:buNone/>
-            </a:pPr>
-            <a:r>
-              <a:rPr lang="en-US" dirty="0"/>
-              <a:t>/docs</a:t>
+            <a:r>
+              <a:rPr lang="en-US" dirty="0"/>
+              <a:t>pip install -r requirements.txt</a:t>
+            </a:r>
+          </a:p>
+          <a:p>
+            <a:r>
+              <a:rPr lang="en-US" dirty="0"/>
+              <a:t>python main.py</a:t>
             </a:r>
           </a:p>
         </p:txBody>
@@ -4272,7 +4210,7 @@
     </p:spTree>
     <p:extLst>
       <p:ext uri="{BB962C8B-B14F-4D97-AF65-F5344CB8AC3E}">
-        <p14:creationId xmlns:p14="http://schemas.microsoft.com/office/powerpoint/2010/main" val="1747614259"/>
+        <p14:creationId xmlns:p14="http://schemas.microsoft.com/office/powerpoint/2010/main" val="417649570"/>
       </p:ext>
     </p:extLst>
   </p:cSld>
@@ -4304,99 +4242,6 @@
           <p:cNvPr id="2" name="Title 1">
             <a:extLst>
               <a:ext uri="{FF2B5EF4-FFF2-40B4-BE49-F238E27FC236}">
-                <a16:creationId xmlns:a16="http://schemas.microsoft.com/office/drawing/2014/main" id="{B575AD7A-170B-B4D4-8812-0FBE62FAD3FF}"/>
-              </a:ext>
-            </a:extLst>
-          </p:cNvPr>
-          <p:cNvSpPr>
-            <a:spLocks noGrp="1"/>
-          </p:cNvSpPr>
-          <p:nvPr>
-            <p:ph type="title"/>
-          </p:nvPr>
-        </p:nvSpPr>
-        <p:spPr/>
-        <p:txBody>
-          <a:bodyPr/>
-          <a:lstStyle/>
-          <a:p>
-            <a:r>
-              <a:rPr lang="en-US" b="1" dirty="0"/>
-              <a:t>Running the Project</a:t>
-            </a:r>
-            <a:endParaRPr lang="en-US" dirty="0"/>
-          </a:p>
-        </p:txBody>
-      </p:sp>
-      <p:sp>
-        <p:nvSpPr>
-          <p:cNvPr id="3" name="Content Placeholder 2">
-            <a:extLst>
-              <a:ext uri="{FF2B5EF4-FFF2-40B4-BE49-F238E27FC236}">
-                <a16:creationId xmlns:a16="http://schemas.microsoft.com/office/drawing/2014/main" id="{C5517174-33F5-FBB3-4E23-59058B86427C}"/>
-              </a:ext>
-            </a:extLst>
-          </p:cNvPr>
-          <p:cNvSpPr>
-            <a:spLocks noGrp="1"/>
-          </p:cNvSpPr>
-          <p:nvPr>
-            <p:ph idx="1"/>
-          </p:nvPr>
-        </p:nvSpPr>
-        <p:spPr/>
-        <p:txBody>
-          <a:bodyPr/>
-          <a:lstStyle/>
-          <a:p>
-            <a:r>
-              <a:rPr lang="en-US" dirty="0"/>
-              <a:t>pip install -r requirements.txt</a:t>
-            </a:r>
-          </a:p>
-          <a:p>
-            <a:r>
-              <a:rPr lang="en-US" dirty="0"/>
-              <a:t>python main.py</a:t>
-            </a:r>
-          </a:p>
-        </p:txBody>
-      </p:sp>
-    </p:spTree>
-    <p:extLst>
-      <p:ext uri="{BB962C8B-B14F-4D97-AF65-F5344CB8AC3E}">
-        <p14:creationId xmlns:p14="http://schemas.microsoft.com/office/powerpoint/2010/main" val="417649570"/>
-      </p:ext>
-    </p:extLst>
-  </p:cSld>
-  <p:clrMapOvr>
-    <a:masterClrMapping/>
-  </p:clrMapOvr>
-</p:sld>
-</file>
-
-<file path=ppt/slides/slide15.xml><?xml version="1.0" encoding="utf-8"?>
-<p:sld xmlns:a="http://schemas.openxmlformats.org/drawingml/2006/main" xmlns:r="http://schemas.openxmlformats.org/officeDocument/2006/relationships" xmlns:p="http://schemas.openxmlformats.org/presentationml/2006/main">
-  <p:cSld>
-    <p:spTree>
-      <p:nvGrpSpPr>
-        <p:cNvPr id="1" name=""/>
-        <p:cNvGrpSpPr/>
-        <p:nvPr/>
-      </p:nvGrpSpPr>
-      <p:grpSpPr>
-        <a:xfrm>
-          <a:off x="0" y="0"/>
-          <a:ext cx="0" cy="0"/>
-          <a:chOff x="0" y="0"/>
-          <a:chExt cx="0" cy="0"/>
-        </a:xfrm>
-      </p:grpSpPr>
-      <p:sp>
-        <p:nvSpPr>
-          <p:cNvPr id="2" name="Title 1">
-            <a:extLst>
-              <a:ext uri="{FF2B5EF4-FFF2-40B4-BE49-F238E27FC236}">
                 <a16:creationId xmlns:a16="http://schemas.microsoft.com/office/drawing/2014/main" id="{381AF48A-03DF-D763-0CB2-D4EDFE140179}"/>
               </a:ext>
             </a:extLst>
@@ -4492,7 +4337,7 @@
 </p:sld>
 </file>
 
-<file path=ppt/slides/slide16.xml><?xml version="1.0" encoding="utf-8"?>
+<file path=ppt/slides/slide15.xml><?xml version="1.0" encoding="utf-8"?>
 <p:sld xmlns:a="http://schemas.openxmlformats.org/drawingml/2006/main" xmlns:r="http://schemas.openxmlformats.org/officeDocument/2006/relationships" xmlns:p="http://schemas.openxmlformats.org/presentationml/2006/main">
   <p:cSld>
     <p:spTree>

--- a/presentation.pptx
+++ b/presentation.pptx
@@ -7,19 +7,20 @@
   <p:sldIdLst>
     <p:sldId id="256" r:id="rId2"/>
     <p:sldId id="257" r:id="rId3"/>
-    <p:sldId id="258" r:id="rId4"/>
-    <p:sldId id="259" r:id="rId5"/>
+    <p:sldId id="272" r:id="rId4"/>
+    <p:sldId id="258" r:id="rId5"/>
     <p:sldId id="260" r:id="rId6"/>
     <p:sldId id="261" r:id="rId7"/>
     <p:sldId id="262" r:id="rId8"/>
-    <p:sldId id="263" r:id="rId9"/>
-    <p:sldId id="264" r:id="rId10"/>
-    <p:sldId id="265" r:id="rId11"/>
-    <p:sldId id="266" r:id="rId12"/>
-    <p:sldId id="267" r:id="rId13"/>
-    <p:sldId id="269" r:id="rId14"/>
-    <p:sldId id="270" r:id="rId15"/>
-    <p:sldId id="271" r:id="rId16"/>
+    <p:sldId id="278" r:id="rId9"/>
+    <p:sldId id="263" r:id="rId10"/>
+    <p:sldId id="273" r:id="rId11"/>
+    <p:sldId id="274" r:id="rId12"/>
+    <p:sldId id="275" r:id="rId13"/>
+    <p:sldId id="277" r:id="rId14"/>
+    <p:sldId id="279" r:id="rId15"/>
+    <p:sldId id="280" r:id="rId16"/>
+    <p:sldId id="281" r:id="rId17"/>
   </p:sldIdLst>
   <p:sldSz cx="12192000" cy="6858000"/>
   <p:notesSz cx="6858000" cy="9144000"/>
@@ -273,7 +274,7 @@
           <a:p>
             <a:fld id="{09D397A9-6129-4C50-B0E5-F102EDF526C0}" type="datetimeFigureOut">
               <a:rPr lang="en-US" smtClean="0"/>
-              <a:t>11/24/2025</a:t>
+              <a:t>11/28/2025</a:t>
             </a:fld>
             <a:endParaRPr lang="en-US"/>
           </a:p>
@@ -471,7 +472,7 @@
           <a:p>
             <a:fld id="{09D397A9-6129-4C50-B0E5-F102EDF526C0}" type="datetimeFigureOut">
               <a:rPr lang="en-US" smtClean="0"/>
-              <a:t>11/24/2025</a:t>
+              <a:t>11/28/2025</a:t>
             </a:fld>
             <a:endParaRPr lang="en-US"/>
           </a:p>
@@ -679,7 +680,7 @@
           <a:p>
             <a:fld id="{09D397A9-6129-4C50-B0E5-F102EDF526C0}" type="datetimeFigureOut">
               <a:rPr lang="en-US" smtClean="0"/>
-              <a:t>11/24/2025</a:t>
+              <a:t>11/28/2025</a:t>
             </a:fld>
             <a:endParaRPr lang="en-US"/>
           </a:p>
@@ -877,7 +878,7 @@
           <a:p>
             <a:fld id="{09D397A9-6129-4C50-B0E5-F102EDF526C0}" type="datetimeFigureOut">
               <a:rPr lang="en-US" smtClean="0"/>
-              <a:t>11/24/2025</a:t>
+              <a:t>11/28/2025</a:t>
             </a:fld>
             <a:endParaRPr lang="en-US"/>
           </a:p>
@@ -1152,7 +1153,7 @@
           <a:p>
             <a:fld id="{09D397A9-6129-4C50-B0E5-F102EDF526C0}" type="datetimeFigureOut">
               <a:rPr lang="en-US" smtClean="0"/>
-              <a:t>11/24/2025</a:t>
+              <a:t>11/28/2025</a:t>
             </a:fld>
             <a:endParaRPr lang="en-US"/>
           </a:p>
@@ -1417,7 +1418,7 @@
           <a:p>
             <a:fld id="{09D397A9-6129-4C50-B0E5-F102EDF526C0}" type="datetimeFigureOut">
               <a:rPr lang="en-US" smtClean="0"/>
-              <a:t>11/24/2025</a:t>
+              <a:t>11/28/2025</a:t>
             </a:fld>
             <a:endParaRPr lang="en-US"/>
           </a:p>
@@ -1829,7 +1830,7 @@
           <a:p>
             <a:fld id="{09D397A9-6129-4C50-B0E5-F102EDF526C0}" type="datetimeFigureOut">
               <a:rPr lang="en-US" smtClean="0"/>
-              <a:t>11/24/2025</a:t>
+              <a:t>11/28/2025</a:t>
             </a:fld>
             <a:endParaRPr lang="en-US"/>
           </a:p>
@@ -1970,7 +1971,7 @@
           <a:p>
             <a:fld id="{09D397A9-6129-4C50-B0E5-F102EDF526C0}" type="datetimeFigureOut">
               <a:rPr lang="en-US" smtClean="0"/>
-              <a:t>11/24/2025</a:t>
+              <a:t>11/28/2025</a:t>
             </a:fld>
             <a:endParaRPr lang="en-US"/>
           </a:p>
@@ -2083,7 +2084,7 @@
           <a:p>
             <a:fld id="{09D397A9-6129-4C50-B0E5-F102EDF526C0}" type="datetimeFigureOut">
               <a:rPr lang="en-US" smtClean="0"/>
-              <a:t>11/24/2025</a:t>
+              <a:t>11/28/2025</a:t>
             </a:fld>
             <a:endParaRPr lang="en-US"/>
           </a:p>
@@ -2394,7 +2395,7 @@
           <a:p>
             <a:fld id="{09D397A9-6129-4C50-B0E5-F102EDF526C0}" type="datetimeFigureOut">
               <a:rPr lang="en-US" smtClean="0"/>
-              <a:t>11/24/2025</a:t>
+              <a:t>11/28/2025</a:t>
             </a:fld>
             <a:endParaRPr lang="en-US"/>
           </a:p>
@@ -2682,7 +2683,7 @@
           <a:p>
             <a:fld id="{09D397A9-6129-4C50-B0E5-F102EDF526C0}" type="datetimeFigureOut">
               <a:rPr lang="en-US" smtClean="0"/>
-              <a:t>11/24/2025</a:t>
+              <a:t>11/28/2025</a:t>
             </a:fld>
             <a:endParaRPr lang="en-US"/>
           </a:p>
@@ -2923,7 +2924,7 @@
           <a:p>
             <a:fld id="{09D397A9-6129-4C50-B0E5-F102EDF526C0}" type="datetimeFigureOut">
               <a:rPr lang="en-US" smtClean="0"/>
-              <a:t>11/24/2025</a:t>
+              <a:t>11/28/2025</a:t>
             </a:fld>
             <a:endParaRPr lang="en-US"/>
           </a:p>
@@ -3386,9 +3387,16 @@
             <p:ph type="subTitle" idx="1"/>
           </p:nvPr>
         </p:nvSpPr>
-        <p:spPr/>
-        <p:txBody>
-          <a:bodyPr/>
+        <p:spPr>
+          <a:xfrm>
+            <a:off x="1524000" y="3602038"/>
+            <a:ext cx="3572933" cy="826029"/>
+          </a:xfrm>
+        </p:spPr>
+        <p:txBody>
+          <a:bodyPr>
+            <a:normAutofit lnSpcReduction="10000"/>
+          </a:bodyPr>
           <a:lstStyle/>
           <a:p>
             <a:r>
@@ -3616,8 +3624,8 @@
         </p:nvSpPr>
         <p:spPr>
           <a:xfrm>
-            <a:off x="1755648" y="4521994"/>
-            <a:ext cx="9144000" cy="1655762"/>
+            <a:off x="5743448" y="3754438"/>
+            <a:ext cx="3722285" cy="888206"/>
           </a:xfrm>
           <a:prstGeom prst="rect">
             <a:avLst/>
@@ -3625,7 +3633,7 @@
         </p:spPr>
         <p:txBody>
           <a:bodyPr vert="horz" lIns="91440" tIns="45720" rIns="91440" bIns="45720" rtlCol="0">
-            <a:normAutofit/>
+            <a:normAutofit fontScale="85000" lnSpcReduction="10000"/>
           </a:bodyPr>
           <a:lstStyle>
             <a:lvl1pPr marL="0" indent="0" algn="ctr" defTabSz="914400" rtl="0" eaLnBrk="1" latinLnBrk="0" hangingPunct="1">
@@ -3815,6 +3823,14 @@
 <file path=ppt/slides/slide10.xml><?xml version="1.0" encoding="utf-8"?>
 <p:sld xmlns:a="http://schemas.openxmlformats.org/drawingml/2006/main" xmlns:r="http://schemas.openxmlformats.org/officeDocument/2006/relationships" xmlns:p="http://schemas.openxmlformats.org/presentationml/2006/main">
   <p:cSld>
+    <p:bg>
+      <p:bgPr>
+        <a:solidFill>
+          <a:schemeClr val="bg1"/>
+        </a:solidFill>
+        <a:effectLst/>
+      </p:bgPr>
+    </p:bg>
     <p:spTree>
       <p:nvGrpSpPr>
         <p:cNvPr id="1" name=""/>
@@ -3829,12 +3845,72 @@
           <a:chExt cx="0" cy="0"/>
         </a:xfrm>
       </p:grpSpPr>
+      <p:sp useBgFill="1">
+        <p:nvSpPr>
+          <p:cNvPr id="17" name="Rectangle 16">
+            <a:extLst>
+              <a:ext uri="{FF2B5EF4-FFF2-40B4-BE49-F238E27FC236}">
+                <a16:creationId xmlns:a16="http://schemas.microsoft.com/office/drawing/2014/main" id="{058A14AF-9FB5-4CC7-BA35-E8E85D3EDF0E}"/>
+              </a:ext>
+              <a:ext uri="{C183D7F6-B498-43B3-948B-1728B52AA6E4}">
+                <adec:decorative xmlns:adec="http://schemas.microsoft.com/office/drawing/2017/decorative" val="1"/>
+              </a:ext>
+            </a:extLst>
+          </p:cNvPr>
+          <p:cNvSpPr>
+            <a:spLocks noGrp="1" noRot="1" noChangeAspect="1" noMove="1" noResize="1" noEditPoints="1" noAdjustHandles="1" noChangeArrowheads="1" noChangeShapeType="1" noTextEdit="1"/>
+          </p:cNvSpPr>
+          <p:nvPr>
+            <p:extLst>
+              <p:ext uri="{386F3935-93C4-4BCD-93E2-E3B085C9AB24}">
+                <p16:designElem xmlns:p16="http://schemas.microsoft.com/office/powerpoint/2015/main" val="1"/>
+              </p:ext>
+            </p:extLst>
+          </p:nvPr>
+        </p:nvSpPr>
+        <p:spPr>
+          <a:xfrm>
+            <a:off x="0" y="0"/>
+            <a:ext cx="12191999" cy="6857365"/>
+          </a:xfrm>
+          <a:prstGeom prst="rect">
+            <a:avLst/>
+          </a:prstGeom>
+          <a:ln>
+            <a:noFill/>
+          </a:ln>
+        </p:spPr>
+        <p:style>
+          <a:lnRef idx="2">
+            <a:schemeClr val="accent1">
+              <a:shade val="50000"/>
+            </a:schemeClr>
+          </a:lnRef>
+          <a:fillRef idx="1">
+            <a:schemeClr val="accent1"/>
+          </a:fillRef>
+          <a:effectRef idx="0">
+            <a:schemeClr val="accent1"/>
+          </a:effectRef>
+          <a:fontRef idx="minor">
+            <a:schemeClr val="lt1"/>
+          </a:fontRef>
+        </p:style>
+        <p:txBody>
+          <a:bodyPr rtlCol="0" anchor="ctr"/>
+          <a:lstStyle/>
+          <a:p>
+            <a:pPr algn="ctr"/>
+            <a:endParaRPr lang="en-US"/>
+          </a:p>
+        </p:txBody>
+      </p:sp>
       <p:sp>
         <p:nvSpPr>
           <p:cNvPr id="2" name="Title 1">
             <a:extLst>
               <a:ext uri="{FF2B5EF4-FFF2-40B4-BE49-F238E27FC236}">
-                <a16:creationId xmlns:a16="http://schemas.microsoft.com/office/drawing/2014/main" id="{CFC24DBF-1030-03F1-2FEE-B3A3885B0085}"/>
+                <a16:creationId xmlns:a16="http://schemas.microsoft.com/office/drawing/2014/main" id="{823E44DC-3740-2D30-28C6-24C3DA4C87D6}"/>
               </a:ext>
             </a:extLst>
           </p:cNvPr>
@@ -3845,69 +3921,346 @@
             <p:ph type="title"/>
           </p:nvPr>
         </p:nvSpPr>
-        <p:spPr/>
-        <p:txBody>
-          <a:bodyPr/>
-          <a:lstStyle/>
-          <a:p>
-            <a:r>
-              <a:rPr lang="en-US" b="1" dirty="0"/>
-              <a:t>Key Findings – EGT Population</a:t>
-            </a:r>
-            <a:endParaRPr lang="en-US" dirty="0"/>
-          </a:p>
-        </p:txBody>
-      </p:sp>
-      <p:sp>
-        <p:nvSpPr>
-          <p:cNvPr id="3" name="Content Placeholder 2">
-            <a:extLst>
-              <a:ext uri="{FF2B5EF4-FFF2-40B4-BE49-F238E27FC236}">
-                <a16:creationId xmlns:a16="http://schemas.microsoft.com/office/drawing/2014/main" id="{95A0415A-4D88-9224-B677-2A81AF6EFBF2}"/>
-              </a:ext>
-            </a:extLst>
-          </p:cNvPr>
-          <p:cNvSpPr>
-            <a:spLocks noGrp="1"/>
-          </p:cNvSpPr>
+        <p:spPr>
+          <a:xfrm>
+            <a:off x="793662" y="386930"/>
+            <a:ext cx="10066122" cy="1298448"/>
+          </a:xfrm>
+        </p:spPr>
+        <p:txBody>
+          <a:bodyPr vert="horz" lIns="91440" tIns="45720" rIns="91440" bIns="45720" rtlCol="0" anchor="b">
+            <a:normAutofit/>
+          </a:bodyPr>
+          <a:lstStyle/>
+          <a:p>
+            <a:r>
+              <a:rPr lang="en-US" sz="4800" b="1" kern="1200">
+                <a:solidFill>
+                  <a:schemeClr val="tx1"/>
+                </a:solidFill>
+                <a:latin typeface="+mj-lt"/>
+                <a:ea typeface="+mj-ea"/>
+                <a:cs typeface="+mj-cs"/>
+              </a:rPr>
+              <a:t>Overall Portfolio Performance</a:t>
+            </a:r>
+          </a:p>
+        </p:txBody>
+      </p:sp>
+      <p:sp>
+        <p:nvSpPr>
+          <p:cNvPr id="19" name="Rectangle 18">
+            <a:extLst>
+              <a:ext uri="{FF2B5EF4-FFF2-40B4-BE49-F238E27FC236}">
+                <a16:creationId xmlns:a16="http://schemas.microsoft.com/office/drawing/2014/main" id="{3A9A4357-BD1D-4622-A4FE-766E6AB8DE84}"/>
+              </a:ext>
+              <a:ext uri="{C183D7F6-B498-43B3-948B-1728B52AA6E4}">
+                <adec:decorative xmlns:adec="http://schemas.microsoft.com/office/drawing/2017/decorative" val="1"/>
+              </a:ext>
+            </a:extLst>
+          </p:cNvPr>
+          <p:cNvSpPr>
+            <a:spLocks noGrp="1" noRot="1" noChangeAspect="1" noMove="1" noResize="1" noEditPoints="1" noAdjustHandles="1" noChangeArrowheads="1" noChangeShapeType="1" noTextEdit="1"/>
+          </p:cNvSpPr>
+          <p:nvPr>
+            <p:extLst>
+              <p:ext uri="{386F3935-93C4-4BCD-93E2-E3B085C9AB24}">
+                <p16:designElem xmlns:p16="http://schemas.microsoft.com/office/powerpoint/2015/main" val="1"/>
+              </p:ext>
+            </p:extLst>
+          </p:nvPr>
+        </p:nvSpPr>
+        <p:spPr>
+          <a:xfrm flipH="1" flipV="1">
+            <a:off x="-2" y="1998845"/>
+            <a:ext cx="11454595" cy="781699"/>
+          </a:xfrm>
+          <a:prstGeom prst="rect">
+            <a:avLst/>
+          </a:prstGeom>
+          <a:solidFill>
+            <a:schemeClr val="accent4"/>
+          </a:solidFill>
+          <a:ln>
+            <a:noFill/>
+          </a:ln>
+        </p:spPr>
+        <p:style>
+          <a:lnRef idx="2">
+            <a:schemeClr val="accent1">
+              <a:shade val="50000"/>
+            </a:schemeClr>
+          </a:lnRef>
+          <a:fillRef idx="1">
+            <a:schemeClr val="accent1"/>
+          </a:fillRef>
+          <a:effectRef idx="0">
+            <a:schemeClr val="accent1"/>
+          </a:effectRef>
+          <a:fontRef idx="minor">
+            <a:schemeClr val="lt1"/>
+          </a:fontRef>
+        </p:style>
+        <p:txBody>
+          <a:bodyPr rtlCol="0" anchor="ctr"/>
+          <a:lstStyle/>
+          <a:p>
+            <a:pPr algn="ctr"/>
+            <a:endParaRPr lang="en-US"/>
+          </a:p>
+        </p:txBody>
+      </p:sp>
+      <p:sp>
+        <p:nvSpPr>
+          <p:cNvPr id="21" name="Rectangle 20">
+            <a:extLst>
+              <a:ext uri="{FF2B5EF4-FFF2-40B4-BE49-F238E27FC236}">
+                <a16:creationId xmlns:a16="http://schemas.microsoft.com/office/drawing/2014/main" id="{E659831F-0D9A-4C63-9EBB-8435B85A440F}"/>
+              </a:ext>
+              <a:ext uri="{C183D7F6-B498-43B3-948B-1728B52AA6E4}">
+                <adec:decorative xmlns:adec="http://schemas.microsoft.com/office/drawing/2017/decorative" val="1"/>
+              </a:ext>
+            </a:extLst>
+          </p:cNvPr>
+          <p:cNvSpPr>
+            <a:spLocks noGrp="1" noRot="1" noChangeAspect="1" noMove="1" noResize="1" noEditPoints="1" noAdjustHandles="1" noChangeArrowheads="1" noChangeShapeType="1" noTextEdit="1"/>
+          </p:cNvSpPr>
+          <p:nvPr>
+            <p:extLst>
+              <p:ext uri="{386F3935-93C4-4BCD-93E2-E3B085C9AB24}">
+                <p16:designElem xmlns:p16="http://schemas.microsoft.com/office/powerpoint/2015/main" val="1"/>
+              </p:ext>
+            </p:extLst>
+          </p:nvPr>
+        </p:nvSpPr>
+        <p:spPr>
+          <a:xfrm>
+            <a:off x="0" y="2203079"/>
+            <a:ext cx="11383362" cy="4267991"/>
+          </a:xfrm>
+          <a:prstGeom prst="rect">
+            <a:avLst/>
+          </a:prstGeom>
+          <a:solidFill>
+            <a:schemeClr val="bg1"/>
+          </a:solidFill>
+          <a:ln>
+            <a:noFill/>
+          </a:ln>
+          <a:effectLst>
+            <a:outerShdw blurRad="139700" dist="127000" dir="5400000" algn="t" rotWithShape="0">
+              <a:prstClr val="black">
+                <a:alpha val="15000"/>
+              </a:prstClr>
+            </a:outerShdw>
+          </a:effectLst>
+        </p:spPr>
+        <p:style>
+          <a:lnRef idx="2">
+            <a:schemeClr val="accent1">
+              <a:shade val="50000"/>
+            </a:schemeClr>
+          </a:lnRef>
+          <a:fillRef idx="1">
+            <a:schemeClr val="accent1"/>
+          </a:fillRef>
+          <a:effectRef idx="0">
+            <a:schemeClr val="accent1"/>
+          </a:effectRef>
+          <a:fontRef idx="minor">
+            <a:schemeClr val="lt1"/>
+          </a:fontRef>
+        </p:style>
+        <p:txBody>
+          <a:bodyPr rtlCol="0" anchor="ctr"/>
+          <a:lstStyle/>
+          <a:p>
+            <a:pPr algn="ctr"/>
+            <a:endParaRPr lang="en-US"/>
+          </a:p>
+        </p:txBody>
+      </p:sp>
+      <p:sp>
+        <p:nvSpPr>
+          <p:cNvPr id="12" name="TextBox 11">
+            <a:extLst>
+              <a:ext uri="{FF2B5EF4-FFF2-40B4-BE49-F238E27FC236}">
+                <a16:creationId xmlns:a16="http://schemas.microsoft.com/office/drawing/2014/main" id="{0E232222-CC7F-C3F9-1C47-10C613A35555}"/>
+              </a:ext>
+            </a:extLst>
+          </p:cNvPr>
+          <p:cNvSpPr txBox="1"/>
+          <p:nvPr/>
+        </p:nvSpPr>
+        <p:spPr>
+          <a:xfrm>
+            <a:off x="793661" y="2599509"/>
+            <a:ext cx="4530898" cy="3639450"/>
+          </a:xfrm>
+          <a:prstGeom prst="rect">
+            <a:avLst/>
+          </a:prstGeom>
+        </p:spPr>
+        <p:txBody>
+          <a:bodyPr vert="horz" lIns="91440" tIns="45720" rIns="91440" bIns="45720" rtlCol="0" anchor="ctr">
+            <a:normAutofit/>
+          </a:bodyPr>
+          <a:lstStyle/>
+          <a:p>
+            <a:pPr marL="285750" indent="-228600">
+              <a:lnSpc>
+                <a:spcPct val="90000"/>
+              </a:lnSpc>
+              <a:spcAft>
+                <a:spcPts val="600"/>
+              </a:spcAft>
+              <a:buFont typeface="Arial" panose="020B0604020202020204" pitchFamily="34" charset="0"/>
+              <a:buChar char="•"/>
+            </a:pPr>
+            <a:r>
+              <a:rPr lang="en-US" sz="2000"/>
+              <a:t>ARL achieved positive total returns (~1.5%). </a:t>
+            </a:r>
+          </a:p>
+          <a:p>
+            <a:pPr marL="285750" indent="-228600">
+              <a:lnSpc>
+                <a:spcPct val="90000"/>
+              </a:lnSpc>
+              <a:spcAft>
+                <a:spcPts val="600"/>
+              </a:spcAft>
+              <a:buFont typeface="Arial" panose="020B0604020202020204" pitchFamily="34" charset="0"/>
+              <a:buChar char="•"/>
+            </a:pPr>
+            <a:r>
+              <a:rPr lang="en-US" sz="2000"/>
+              <a:t>Performance stayed consistent across calm and volatile regimes. </a:t>
+            </a:r>
+          </a:p>
+          <a:p>
+            <a:pPr marL="285750" indent="-228600">
+              <a:lnSpc>
+                <a:spcPct val="90000"/>
+              </a:lnSpc>
+              <a:spcAft>
+                <a:spcPts val="600"/>
+              </a:spcAft>
+              <a:buFont typeface="Arial" panose="020B0604020202020204" pitchFamily="34" charset="0"/>
+              <a:buChar char="•"/>
+            </a:pPr>
+            <a:r>
+              <a:rPr lang="en-US" sz="2000"/>
+              <a:t>ARL remained stable even as the EGT population evolved.</a:t>
+            </a:r>
+          </a:p>
+        </p:txBody>
+      </p:sp>
+      <p:pic>
+        <p:nvPicPr>
+          <p:cNvPr id="9" name="Content Placeholder 8" descr="A graph showing a line graph&#10;&#10;AI-generated content may be incorrect.">
+            <a:extLst>
+              <a:ext uri="{FF2B5EF4-FFF2-40B4-BE49-F238E27FC236}">
+                <a16:creationId xmlns:a16="http://schemas.microsoft.com/office/drawing/2014/main" id="{1D0280F6-38F9-1083-200E-F6AA88A8AAD0}"/>
+              </a:ext>
+            </a:extLst>
+          </p:cNvPr>
+          <p:cNvPicPr>
+            <a:picLocks noGrp="1" noChangeAspect="1"/>
+          </p:cNvPicPr>
           <p:nvPr>
             <p:ph idx="1"/>
           </p:nvPr>
-        </p:nvSpPr>
-        <p:spPr/>
-        <p:txBody>
-          <a:bodyPr/>
-          <a:lstStyle/>
-          <a:p>
-            <a:r>
-              <a:rPr lang="en-US" dirty="0"/>
-              <a:t>Dominant convergence to Passive strategies (&gt;99%).</a:t>
-            </a:r>
-          </a:p>
-          <a:p>
-            <a:r>
-              <a:rPr lang="en-US" dirty="0"/>
-              <a:t>Aggressive &amp; Momentum strategies declined as the ARL widened spreads during high‑volatility phases.</a:t>
-            </a:r>
-          </a:p>
-          <a:p>
-            <a:r>
-              <a:rPr lang="en-US" dirty="0"/>
-              <a:t>Evolutionary cycles observed: after a Passive‑dominated regime, the ARL's tight‑spread phase allowed Aggressive to regain fitness briefly, creating short‑term oscillations.</a:t>
-            </a:r>
-          </a:p>
-          <a:p>
-            <a:r>
-              <a:rPr lang="en-US" dirty="0"/>
-              <a:t>Selection‑pressure evidence: Fitness plots show clear correlation between ARL spread adjustments and strategy frequency changes.</a:t>
-            </a:r>
+        </p:nvPicPr>
+        <p:blipFill>
+          <a:blip r:embed="rId2">
+            <a:extLst>
+              <a:ext uri="{28A0092B-C50C-407E-A947-70E740481C1C}">
+                <a14:useLocalDpi xmlns:a14="http://schemas.microsoft.com/office/drawing/2010/main" val="0"/>
+              </a:ext>
+            </a:extLst>
+          </a:blip>
+          <a:stretch>
+            <a:fillRect/>
+          </a:stretch>
+        </p:blipFill>
+        <p:spPr>
+          <a:xfrm>
+            <a:off x="6010509" y="2484255"/>
+            <a:ext cx="4952322" cy="3714244"/>
+          </a:xfrm>
+          <a:prstGeom prst="rect">
+            <a:avLst/>
+          </a:prstGeom>
+        </p:spPr>
+      </p:pic>
+      <p:sp>
+        <p:nvSpPr>
+          <p:cNvPr id="23" name="Rectangle 22">
+            <a:extLst>
+              <a:ext uri="{FF2B5EF4-FFF2-40B4-BE49-F238E27FC236}">
+                <a16:creationId xmlns:a16="http://schemas.microsoft.com/office/drawing/2014/main" id="{E6995CE5-F890-4ABA-82A2-26507CE8D2A3}"/>
+              </a:ext>
+              <a:ext uri="{C183D7F6-B498-43B3-948B-1728B52AA6E4}">
+                <adec:decorative xmlns:adec="http://schemas.microsoft.com/office/drawing/2017/decorative" val="1"/>
+              </a:ext>
+            </a:extLst>
+          </p:cNvPr>
+          <p:cNvSpPr>
+            <a:spLocks noGrp="1" noRot="1" noChangeAspect="1" noMove="1" noResize="1" noEditPoints="1" noAdjustHandles="1" noChangeArrowheads="1" noChangeShapeType="1" noTextEdit="1"/>
+          </p:cNvSpPr>
+          <p:nvPr>
+            <p:extLst>
+              <p:ext uri="{386F3935-93C4-4BCD-93E2-E3B085C9AB24}">
+                <p16:designElem xmlns:p16="http://schemas.microsoft.com/office/powerpoint/2015/main" val="1"/>
+              </p:ext>
+            </p:extLst>
+          </p:nvPr>
+        </p:nvSpPr>
+        <p:spPr>
+          <a:xfrm rot="5400000">
+            <a:off x="11228040" y="2313027"/>
+            <a:ext cx="781700" cy="152382"/>
+          </a:xfrm>
+          <a:prstGeom prst="rect">
+            <a:avLst/>
+          </a:prstGeom>
+          <a:solidFill>
+            <a:schemeClr val="accent4"/>
+          </a:solidFill>
+          <a:ln>
+            <a:noFill/>
+          </a:ln>
+        </p:spPr>
+        <p:style>
+          <a:lnRef idx="2">
+            <a:schemeClr val="accent1">
+              <a:shade val="50000"/>
+            </a:schemeClr>
+          </a:lnRef>
+          <a:fillRef idx="1">
+            <a:schemeClr val="accent1"/>
+          </a:fillRef>
+          <a:effectRef idx="0">
+            <a:schemeClr val="accent1"/>
+          </a:effectRef>
+          <a:fontRef idx="minor">
+            <a:schemeClr val="lt1"/>
+          </a:fontRef>
+        </p:style>
+        <p:txBody>
+          <a:bodyPr rtlCol="0" anchor="ctr"/>
+          <a:lstStyle/>
+          <a:p>
+            <a:pPr algn="ctr"/>
+            <a:endParaRPr lang="en-US"/>
           </a:p>
         </p:txBody>
       </p:sp>
     </p:spTree>
     <p:extLst>
       <p:ext uri="{BB962C8B-B14F-4D97-AF65-F5344CB8AC3E}">
-        <p14:creationId xmlns:p14="http://schemas.microsoft.com/office/powerpoint/2010/main" val="3485143030"/>
+        <p14:creationId xmlns:p14="http://schemas.microsoft.com/office/powerpoint/2010/main" val="3129656432"/>
       </p:ext>
     </p:extLst>
   </p:cSld>
@@ -3918,6 +4271,2246 @@
 </file>
 
 <file path=ppt/slides/slide11.xml><?xml version="1.0" encoding="utf-8"?>
+<p:sld xmlns:a="http://schemas.openxmlformats.org/drawingml/2006/main" xmlns:r="http://schemas.openxmlformats.org/officeDocument/2006/relationships" xmlns:p="http://schemas.openxmlformats.org/presentationml/2006/main">
+  <p:cSld>
+    <p:bg>
+      <p:bgPr>
+        <a:solidFill>
+          <a:schemeClr val="bg1"/>
+        </a:solidFill>
+        <a:effectLst/>
+      </p:bgPr>
+    </p:bg>
+    <p:spTree>
+      <p:nvGrpSpPr>
+        <p:cNvPr id="1" name=""/>
+        <p:cNvGrpSpPr/>
+        <p:nvPr/>
+      </p:nvGrpSpPr>
+      <p:grpSpPr>
+        <a:xfrm>
+          <a:off x="0" y="0"/>
+          <a:ext cx="0" cy="0"/>
+          <a:chOff x="0" y="0"/>
+          <a:chExt cx="0" cy="0"/>
+        </a:xfrm>
+      </p:grpSpPr>
+      <p:sp useBgFill="1">
+        <p:nvSpPr>
+          <p:cNvPr id="17" name="Rectangle 16">
+            <a:extLst>
+              <a:ext uri="{FF2B5EF4-FFF2-40B4-BE49-F238E27FC236}">
+                <a16:creationId xmlns:a16="http://schemas.microsoft.com/office/drawing/2014/main" id="{26CAED0A-2A45-4C9C-BCDD-21A8A092C5F3}"/>
+              </a:ext>
+              <a:ext uri="{C183D7F6-B498-43B3-948B-1728B52AA6E4}">
+                <adec:decorative xmlns:adec="http://schemas.microsoft.com/office/drawing/2017/decorative" val="1"/>
+              </a:ext>
+            </a:extLst>
+          </p:cNvPr>
+          <p:cNvSpPr>
+            <a:spLocks noGrp="1" noRot="1" noChangeAspect="1" noMove="1" noResize="1" noEditPoints="1" noAdjustHandles="1" noChangeArrowheads="1" noChangeShapeType="1" noTextEdit="1"/>
+          </p:cNvSpPr>
+          <p:nvPr>
+            <p:extLst>
+              <p:ext uri="{386F3935-93C4-4BCD-93E2-E3B085C9AB24}">
+                <p16:designElem xmlns:p16="http://schemas.microsoft.com/office/powerpoint/2015/main" val="1"/>
+              </p:ext>
+            </p:extLst>
+          </p:nvPr>
+        </p:nvSpPr>
+        <p:spPr>
+          <a:xfrm>
+            <a:off x="0" y="0"/>
+            <a:ext cx="12191999" cy="6857365"/>
+          </a:xfrm>
+          <a:prstGeom prst="rect">
+            <a:avLst/>
+          </a:prstGeom>
+          <a:ln>
+            <a:noFill/>
+          </a:ln>
+        </p:spPr>
+        <p:style>
+          <a:lnRef idx="2">
+            <a:schemeClr val="accent1">
+              <a:shade val="50000"/>
+            </a:schemeClr>
+          </a:lnRef>
+          <a:fillRef idx="1">
+            <a:schemeClr val="accent1"/>
+          </a:fillRef>
+          <a:effectRef idx="0">
+            <a:schemeClr val="accent1"/>
+          </a:effectRef>
+          <a:fontRef idx="minor">
+            <a:schemeClr val="lt1"/>
+          </a:fontRef>
+        </p:style>
+        <p:txBody>
+          <a:bodyPr rtlCol="0" anchor="ctr"/>
+          <a:lstStyle/>
+          <a:p>
+            <a:pPr algn="ctr"/>
+            <a:endParaRPr lang="en-US"/>
+          </a:p>
+        </p:txBody>
+      </p:sp>
+      <p:sp>
+        <p:nvSpPr>
+          <p:cNvPr id="2" name="Title 1">
+            <a:extLst>
+              <a:ext uri="{FF2B5EF4-FFF2-40B4-BE49-F238E27FC236}">
+                <a16:creationId xmlns:a16="http://schemas.microsoft.com/office/drawing/2014/main" id="{E77E6457-C4FF-4ADE-3F64-46F4A82DB9E2}"/>
+              </a:ext>
+            </a:extLst>
+          </p:cNvPr>
+          <p:cNvSpPr>
+            <a:spLocks noGrp="1"/>
+          </p:cNvSpPr>
+          <p:nvPr>
+            <p:ph type="title"/>
+          </p:nvPr>
+        </p:nvSpPr>
+        <p:spPr>
+          <a:xfrm>
+            <a:off x="793662" y="386930"/>
+            <a:ext cx="10066122" cy="1298448"/>
+          </a:xfrm>
+        </p:spPr>
+        <p:txBody>
+          <a:bodyPr vert="horz" lIns="91440" tIns="45720" rIns="91440" bIns="45720" rtlCol="0" anchor="b">
+            <a:normAutofit/>
+          </a:bodyPr>
+          <a:lstStyle/>
+          <a:p>
+            <a:r>
+              <a:rPr lang="en-US" sz="4800" b="1" kern="1200">
+                <a:solidFill>
+                  <a:schemeClr val="tx1"/>
+                </a:solidFill>
+                <a:latin typeface="+mj-lt"/>
+                <a:ea typeface="+mj-ea"/>
+                <a:cs typeface="+mj-cs"/>
+              </a:rPr>
+              <a:t>Risk Profile &amp; Return Distribution</a:t>
+            </a:r>
+          </a:p>
+        </p:txBody>
+      </p:sp>
+      <p:sp>
+        <p:nvSpPr>
+          <p:cNvPr id="19" name="Rectangle 18">
+            <a:extLst>
+              <a:ext uri="{FF2B5EF4-FFF2-40B4-BE49-F238E27FC236}">
+                <a16:creationId xmlns:a16="http://schemas.microsoft.com/office/drawing/2014/main" id="{3A9A4357-BD1D-4622-A4FE-766E6AB8DE84}"/>
+              </a:ext>
+              <a:ext uri="{C183D7F6-B498-43B3-948B-1728B52AA6E4}">
+                <adec:decorative xmlns:adec="http://schemas.microsoft.com/office/drawing/2017/decorative" val="1"/>
+              </a:ext>
+            </a:extLst>
+          </p:cNvPr>
+          <p:cNvSpPr>
+            <a:spLocks noGrp="1" noRot="1" noChangeAspect="1" noMove="1" noResize="1" noEditPoints="1" noAdjustHandles="1" noChangeArrowheads="1" noChangeShapeType="1" noTextEdit="1"/>
+          </p:cNvSpPr>
+          <p:nvPr>
+            <p:extLst>
+              <p:ext uri="{386F3935-93C4-4BCD-93E2-E3B085C9AB24}">
+                <p16:designElem xmlns:p16="http://schemas.microsoft.com/office/powerpoint/2015/main" val="1"/>
+              </p:ext>
+            </p:extLst>
+          </p:nvPr>
+        </p:nvSpPr>
+        <p:spPr>
+          <a:xfrm flipH="1" flipV="1">
+            <a:off x="-2" y="1998845"/>
+            <a:ext cx="11454595" cy="781699"/>
+          </a:xfrm>
+          <a:prstGeom prst="rect">
+            <a:avLst/>
+          </a:prstGeom>
+          <a:solidFill>
+            <a:schemeClr val="accent4"/>
+          </a:solidFill>
+          <a:ln>
+            <a:noFill/>
+          </a:ln>
+        </p:spPr>
+        <p:style>
+          <a:lnRef idx="2">
+            <a:schemeClr val="accent1">
+              <a:shade val="50000"/>
+            </a:schemeClr>
+          </a:lnRef>
+          <a:fillRef idx="1">
+            <a:schemeClr val="accent1"/>
+          </a:fillRef>
+          <a:effectRef idx="0">
+            <a:schemeClr val="accent1"/>
+          </a:effectRef>
+          <a:fontRef idx="minor">
+            <a:schemeClr val="lt1"/>
+          </a:fontRef>
+        </p:style>
+        <p:txBody>
+          <a:bodyPr rtlCol="0" anchor="ctr"/>
+          <a:lstStyle/>
+          <a:p>
+            <a:pPr algn="ctr"/>
+            <a:endParaRPr lang="en-US"/>
+          </a:p>
+        </p:txBody>
+      </p:sp>
+      <p:sp>
+        <p:nvSpPr>
+          <p:cNvPr id="21" name="Rectangle 20">
+            <a:extLst>
+              <a:ext uri="{FF2B5EF4-FFF2-40B4-BE49-F238E27FC236}">
+                <a16:creationId xmlns:a16="http://schemas.microsoft.com/office/drawing/2014/main" id="{E659831F-0D9A-4C63-9EBB-8435B85A440F}"/>
+              </a:ext>
+              <a:ext uri="{C183D7F6-B498-43B3-948B-1728B52AA6E4}">
+                <adec:decorative xmlns:adec="http://schemas.microsoft.com/office/drawing/2017/decorative" val="1"/>
+              </a:ext>
+            </a:extLst>
+          </p:cNvPr>
+          <p:cNvSpPr>
+            <a:spLocks noGrp="1" noRot="1" noChangeAspect="1" noMove="1" noResize="1" noEditPoints="1" noAdjustHandles="1" noChangeArrowheads="1" noChangeShapeType="1" noTextEdit="1"/>
+          </p:cNvSpPr>
+          <p:nvPr>
+            <p:extLst>
+              <p:ext uri="{386F3935-93C4-4BCD-93E2-E3B085C9AB24}">
+                <p16:designElem xmlns:p16="http://schemas.microsoft.com/office/powerpoint/2015/main" val="1"/>
+              </p:ext>
+            </p:extLst>
+          </p:nvPr>
+        </p:nvSpPr>
+        <p:spPr>
+          <a:xfrm>
+            <a:off x="0" y="2203079"/>
+            <a:ext cx="11383362" cy="4267991"/>
+          </a:xfrm>
+          <a:prstGeom prst="rect">
+            <a:avLst/>
+          </a:prstGeom>
+          <a:solidFill>
+            <a:schemeClr val="bg1"/>
+          </a:solidFill>
+          <a:ln>
+            <a:noFill/>
+          </a:ln>
+          <a:effectLst>
+            <a:outerShdw blurRad="139700" dist="127000" dir="5400000" algn="t" rotWithShape="0">
+              <a:prstClr val="black">
+                <a:alpha val="15000"/>
+              </a:prstClr>
+            </a:outerShdw>
+          </a:effectLst>
+        </p:spPr>
+        <p:style>
+          <a:lnRef idx="2">
+            <a:schemeClr val="accent1">
+              <a:shade val="50000"/>
+            </a:schemeClr>
+          </a:lnRef>
+          <a:fillRef idx="1">
+            <a:schemeClr val="accent1"/>
+          </a:fillRef>
+          <a:effectRef idx="0">
+            <a:schemeClr val="accent1"/>
+          </a:effectRef>
+          <a:fontRef idx="minor">
+            <a:schemeClr val="lt1"/>
+          </a:fontRef>
+        </p:style>
+        <p:txBody>
+          <a:bodyPr rtlCol="0" anchor="ctr"/>
+          <a:lstStyle/>
+          <a:p>
+            <a:pPr algn="ctr"/>
+            <a:endParaRPr lang="en-US"/>
+          </a:p>
+        </p:txBody>
+      </p:sp>
+      <p:sp>
+        <p:nvSpPr>
+          <p:cNvPr id="12" name="TextBox 11">
+            <a:extLst>
+              <a:ext uri="{FF2B5EF4-FFF2-40B4-BE49-F238E27FC236}">
+                <a16:creationId xmlns:a16="http://schemas.microsoft.com/office/drawing/2014/main" id="{2ADAFF66-64D9-C27E-A480-7FB701E80F16}"/>
+              </a:ext>
+            </a:extLst>
+          </p:cNvPr>
+          <p:cNvSpPr txBox="1"/>
+          <p:nvPr/>
+        </p:nvSpPr>
+        <p:spPr>
+          <a:xfrm>
+            <a:off x="793660" y="2599509"/>
+            <a:ext cx="4160725" cy="3598989"/>
+          </a:xfrm>
+          <a:prstGeom prst="rect">
+            <a:avLst/>
+          </a:prstGeom>
+        </p:spPr>
+        <p:txBody>
+          <a:bodyPr vert="horz" lIns="91440" tIns="45720" rIns="91440" bIns="45720" rtlCol="0" anchor="ctr">
+            <a:normAutofit/>
+          </a:bodyPr>
+          <a:lstStyle/>
+          <a:p>
+            <a:pPr marL="285750" indent="-228600">
+              <a:lnSpc>
+                <a:spcPct val="90000"/>
+              </a:lnSpc>
+              <a:spcAft>
+                <a:spcPts val="600"/>
+              </a:spcAft>
+              <a:buFont typeface="Arial" panose="020B0604020202020204" pitchFamily="34" charset="0"/>
+              <a:buChar char="•"/>
+            </a:pPr>
+            <a:r>
+              <a:rPr lang="en-US" sz="2000"/>
+              <a:t>Maximum drawdown remained low due to inventory-aware safeguards. </a:t>
+            </a:r>
+          </a:p>
+          <a:p>
+            <a:pPr marL="285750" indent="-228600">
+              <a:lnSpc>
+                <a:spcPct val="90000"/>
+              </a:lnSpc>
+              <a:spcAft>
+                <a:spcPts val="600"/>
+              </a:spcAft>
+              <a:buFont typeface="Arial" panose="020B0604020202020204" pitchFamily="34" charset="0"/>
+              <a:buChar char="•"/>
+            </a:pPr>
+            <a:r>
+              <a:rPr lang="en-US" sz="2000"/>
+              <a:t>Return distribution is positively skewed; tail risks are suppressed.</a:t>
+            </a:r>
+          </a:p>
+        </p:txBody>
+      </p:sp>
+      <p:pic>
+        <p:nvPicPr>
+          <p:cNvPr id="11" name="Picture 10" descr="A diagram of a distribution of step returns&#10;&#10;AI-generated content may be incorrect.">
+            <a:extLst>
+              <a:ext uri="{FF2B5EF4-FFF2-40B4-BE49-F238E27FC236}">
+                <a16:creationId xmlns:a16="http://schemas.microsoft.com/office/drawing/2014/main" id="{04C8F6B4-E99E-230D-EFA9-63C8E4E9D9E9}"/>
+              </a:ext>
+            </a:extLst>
+          </p:cNvPr>
+          <p:cNvPicPr>
+            <a:picLocks noChangeAspect="1"/>
+          </p:cNvPicPr>
+          <p:nvPr/>
+        </p:nvPicPr>
+        <p:blipFill>
+          <a:blip r:embed="rId2">
+            <a:extLst>
+              <a:ext uri="{28A0092B-C50C-407E-A947-70E740481C1C}">
+                <a14:useLocalDpi xmlns:a14="http://schemas.microsoft.com/office/drawing/2010/main" val="0"/>
+              </a:ext>
+            </a:extLst>
+          </a:blip>
+          <a:srcRect l="18722" r="24778" b="4"/>
+          <a:stretch>
+            <a:fillRect/>
+          </a:stretch>
+        </p:blipFill>
+        <p:spPr>
+          <a:xfrm>
+            <a:off x="5418759" y="2559047"/>
+            <a:ext cx="2741805" cy="3639451"/>
+          </a:xfrm>
+          <a:prstGeom prst="rect">
+            <a:avLst/>
+          </a:prstGeom>
+        </p:spPr>
+      </p:pic>
+      <p:pic>
+        <p:nvPicPr>
+          <p:cNvPr id="9" name="Content Placeholder 8" descr="A graph showing a graph&#10;&#10;AI-generated content may be incorrect.">
+            <a:extLst>
+              <a:ext uri="{FF2B5EF4-FFF2-40B4-BE49-F238E27FC236}">
+                <a16:creationId xmlns:a16="http://schemas.microsoft.com/office/drawing/2014/main" id="{A0841157-F5AB-0774-7BAC-CE7B4C1A230C}"/>
+              </a:ext>
+            </a:extLst>
+          </p:cNvPr>
+          <p:cNvPicPr>
+            <a:picLocks noGrp="1" noChangeAspect="1"/>
+          </p:cNvPicPr>
+          <p:nvPr>
+            <p:ph idx="1"/>
+          </p:nvPr>
+        </p:nvPicPr>
+        <p:blipFill>
+          <a:blip r:embed="rId3">
+            <a:extLst>
+              <a:ext uri="{28A0092B-C50C-407E-A947-70E740481C1C}">
+                <a14:useLocalDpi xmlns:a14="http://schemas.microsoft.com/office/drawing/2010/main" val="0"/>
+              </a:ext>
+            </a:extLst>
+          </a:blip>
+          <a:srcRect l="32048" r="11415" b="4"/>
+          <a:stretch>
+            <a:fillRect/>
+          </a:stretch>
+        </p:blipFill>
+        <p:spPr>
+          <a:xfrm>
+            <a:off x="8412616" y="2559047"/>
+            <a:ext cx="2743620" cy="3639451"/>
+          </a:xfrm>
+          <a:prstGeom prst="rect">
+            <a:avLst/>
+          </a:prstGeom>
+        </p:spPr>
+      </p:pic>
+      <p:sp>
+        <p:nvSpPr>
+          <p:cNvPr id="23" name="Rectangle 22">
+            <a:extLst>
+              <a:ext uri="{FF2B5EF4-FFF2-40B4-BE49-F238E27FC236}">
+                <a16:creationId xmlns:a16="http://schemas.microsoft.com/office/drawing/2014/main" id="{E6995CE5-F890-4ABA-82A2-26507CE8D2A3}"/>
+              </a:ext>
+              <a:ext uri="{C183D7F6-B498-43B3-948B-1728B52AA6E4}">
+                <adec:decorative xmlns:adec="http://schemas.microsoft.com/office/drawing/2017/decorative" val="1"/>
+              </a:ext>
+            </a:extLst>
+          </p:cNvPr>
+          <p:cNvSpPr>
+            <a:spLocks noGrp="1" noRot="1" noChangeAspect="1" noMove="1" noResize="1" noEditPoints="1" noAdjustHandles="1" noChangeArrowheads="1" noChangeShapeType="1" noTextEdit="1"/>
+          </p:cNvSpPr>
+          <p:nvPr>
+            <p:extLst>
+              <p:ext uri="{386F3935-93C4-4BCD-93E2-E3B085C9AB24}">
+                <p16:designElem xmlns:p16="http://schemas.microsoft.com/office/powerpoint/2015/main" val="1"/>
+              </p:ext>
+            </p:extLst>
+          </p:nvPr>
+        </p:nvSpPr>
+        <p:spPr>
+          <a:xfrm rot="5400000">
+            <a:off x="11228040" y="2313027"/>
+            <a:ext cx="781700" cy="152382"/>
+          </a:xfrm>
+          <a:prstGeom prst="rect">
+            <a:avLst/>
+          </a:prstGeom>
+          <a:solidFill>
+            <a:schemeClr val="accent4"/>
+          </a:solidFill>
+          <a:ln>
+            <a:noFill/>
+          </a:ln>
+        </p:spPr>
+        <p:style>
+          <a:lnRef idx="2">
+            <a:schemeClr val="accent1">
+              <a:shade val="50000"/>
+            </a:schemeClr>
+          </a:lnRef>
+          <a:fillRef idx="1">
+            <a:schemeClr val="accent1"/>
+          </a:fillRef>
+          <a:effectRef idx="0">
+            <a:schemeClr val="accent1"/>
+          </a:effectRef>
+          <a:fontRef idx="minor">
+            <a:schemeClr val="lt1"/>
+          </a:fontRef>
+        </p:style>
+        <p:txBody>
+          <a:bodyPr rtlCol="0" anchor="ctr"/>
+          <a:lstStyle/>
+          <a:p>
+            <a:pPr algn="ctr"/>
+            <a:endParaRPr lang="en-US"/>
+          </a:p>
+        </p:txBody>
+      </p:sp>
+    </p:spTree>
+    <p:extLst>
+      <p:ext uri="{BB962C8B-B14F-4D97-AF65-F5344CB8AC3E}">
+        <p14:creationId xmlns:p14="http://schemas.microsoft.com/office/powerpoint/2010/main" val="3799872161"/>
+      </p:ext>
+    </p:extLst>
+  </p:cSld>
+  <p:clrMapOvr>
+    <a:masterClrMapping/>
+  </p:clrMapOvr>
+</p:sld>
+</file>
+
+<file path=ppt/slides/slide12.xml><?xml version="1.0" encoding="utf-8"?>
+<p:sld xmlns:a="http://schemas.openxmlformats.org/drawingml/2006/main" xmlns:r="http://schemas.openxmlformats.org/officeDocument/2006/relationships" xmlns:p="http://schemas.openxmlformats.org/presentationml/2006/main">
+  <p:cSld>
+    <p:bg>
+      <p:bgPr>
+        <a:solidFill>
+          <a:schemeClr val="bg1"/>
+        </a:solidFill>
+        <a:effectLst/>
+      </p:bgPr>
+    </p:bg>
+    <p:spTree>
+      <p:nvGrpSpPr>
+        <p:cNvPr id="1" name=""/>
+        <p:cNvGrpSpPr/>
+        <p:nvPr/>
+      </p:nvGrpSpPr>
+      <p:grpSpPr>
+        <a:xfrm>
+          <a:off x="0" y="0"/>
+          <a:ext cx="0" cy="0"/>
+          <a:chOff x="0" y="0"/>
+          <a:chExt cx="0" cy="0"/>
+        </a:xfrm>
+      </p:grpSpPr>
+      <p:sp useBgFill="1">
+        <p:nvSpPr>
+          <p:cNvPr id="10" name="Rectangle 9">
+            <a:extLst>
+              <a:ext uri="{FF2B5EF4-FFF2-40B4-BE49-F238E27FC236}">
+                <a16:creationId xmlns:a16="http://schemas.microsoft.com/office/drawing/2014/main" id="{058A14AF-9FB5-4CC7-BA35-E8E85D3EDF0E}"/>
+              </a:ext>
+              <a:ext uri="{C183D7F6-B498-43B3-948B-1728B52AA6E4}">
+                <adec:decorative xmlns:adec="http://schemas.microsoft.com/office/drawing/2017/decorative" val="1"/>
+              </a:ext>
+            </a:extLst>
+          </p:cNvPr>
+          <p:cNvSpPr>
+            <a:spLocks noGrp="1" noRot="1" noChangeAspect="1" noMove="1" noResize="1" noEditPoints="1" noAdjustHandles="1" noChangeArrowheads="1" noChangeShapeType="1" noTextEdit="1"/>
+          </p:cNvSpPr>
+          <p:nvPr>
+            <p:extLst>
+              <p:ext uri="{386F3935-93C4-4BCD-93E2-E3B085C9AB24}">
+                <p16:designElem xmlns:p16="http://schemas.microsoft.com/office/powerpoint/2015/main" val="1"/>
+              </p:ext>
+            </p:extLst>
+          </p:nvPr>
+        </p:nvSpPr>
+        <p:spPr>
+          <a:xfrm>
+            <a:off x="0" y="0"/>
+            <a:ext cx="12191999" cy="6857365"/>
+          </a:xfrm>
+          <a:prstGeom prst="rect">
+            <a:avLst/>
+          </a:prstGeom>
+          <a:ln>
+            <a:noFill/>
+          </a:ln>
+        </p:spPr>
+        <p:style>
+          <a:lnRef idx="2">
+            <a:schemeClr val="accent1">
+              <a:shade val="50000"/>
+            </a:schemeClr>
+          </a:lnRef>
+          <a:fillRef idx="1">
+            <a:schemeClr val="accent1"/>
+          </a:fillRef>
+          <a:effectRef idx="0">
+            <a:schemeClr val="accent1"/>
+          </a:effectRef>
+          <a:fontRef idx="minor">
+            <a:schemeClr val="lt1"/>
+          </a:fontRef>
+        </p:style>
+        <p:txBody>
+          <a:bodyPr rtlCol="0" anchor="ctr"/>
+          <a:lstStyle/>
+          <a:p>
+            <a:pPr algn="ctr"/>
+            <a:endParaRPr lang="en-US"/>
+          </a:p>
+        </p:txBody>
+      </p:sp>
+      <p:sp>
+        <p:nvSpPr>
+          <p:cNvPr id="2" name="Title 1">
+            <a:extLst>
+              <a:ext uri="{FF2B5EF4-FFF2-40B4-BE49-F238E27FC236}">
+                <a16:creationId xmlns:a16="http://schemas.microsoft.com/office/drawing/2014/main" id="{2DF9E08C-1337-BDB0-6D31-3AE8EAC51C62}"/>
+              </a:ext>
+            </a:extLst>
+          </p:cNvPr>
+          <p:cNvSpPr>
+            <a:spLocks noGrp="1"/>
+          </p:cNvSpPr>
+          <p:nvPr>
+            <p:ph type="title"/>
+          </p:nvPr>
+        </p:nvSpPr>
+        <p:spPr>
+          <a:xfrm>
+            <a:off x="793662" y="386930"/>
+            <a:ext cx="10066122" cy="1298448"/>
+          </a:xfrm>
+        </p:spPr>
+        <p:txBody>
+          <a:bodyPr anchor="b">
+            <a:normAutofit/>
+          </a:bodyPr>
+          <a:lstStyle/>
+          <a:p>
+            <a:r>
+              <a:rPr lang="en-US" sz="4800" b="1"/>
+              <a:t>Inventory Stability</a:t>
+            </a:r>
+          </a:p>
+        </p:txBody>
+      </p:sp>
+      <p:sp>
+        <p:nvSpPr>
+          <p:cNvPr id="12" name="Rectangle 11">
+            <a:extLst>
+              <a:ext uri="{FF2B5EF4-FFF2-40B4-BE49-F238E27FC236}">
+                <a16:creationId xmlns:a16="http://schemas.microsoft.com/office/drawing/2014/main" id="{3A9A4357-BD1D-4622-A4FE-766E6AB8DE84}"/>
+              </a:ext>
+              <a:ext uri="{C183D7F6-B498-43B3-948B-1728B52AA6E4}">
+                <adec:decorative xmlns:adec="http://schemas.microsoft.com/office/drawing/2017/decorative" val="1"/>
+              </a:ext>
+            </a:extLst>
+          </p:cNvPr>
+          <p:cNvSpPr>
+            <a:spLocks noGrp="1" noRot="1" noChangeAspect="1" noMove="1" noResize="1" noEditPoints="1" noAdjustHandles="1" noChangeArrowheads="1" noChangeShapeType="1" noTextEdit="1"/>
+          </p:cNvSpPr>
+          <p:nvPr>
+            <p:extLst>
+              <p:ext uri="{386F3935-93C4-4BCD-93E2-E3B085C9AB24}">
+                <p16:designElem xmlns:p16="http://schemas.microsoft.com/office/powerpoint/2015/main" val="1"/>
+              </p:ext>
+            </p:extLst>
+          </p:nvPr>
+        </p:nvSpPr>
+        <p:spPr>
+          <a:xfrm flipH="1" flipV="1">
+            <a:off x="-2" y="1998845"/>
+            <a:ext cx="11454595" cy="781699"/>
+          </a:xfrm>
+          <a:prstGeom prst="rect">
+            <a:avLst/>
+          </a:prstGeom>
+          <a:solidFill>
+            <a:schemeClr val="accent4"/>
+          </a:solidFill>
+          <a:ln>
+            <a:noFill/>
+          </a:ln>
+        </p:spPr>
+        <p:style>
+          <a:lnRef idx="2">
+            <a:schemeClr val="accent1">
+              <a:shade val="50000"/>
+            </a:schemeClr>
+          </a:lnRef>
+          <a:fillRef idx="1">
+            <a:schemeClr val="accent1"/>
+          </a:fillRef>
+          <a:effectRef idx="0">
+            <a:schemeClr val="accent1"/>
+          </a:effectRef>
+          <a:fontRef idx="minor">
+            <a:schemeClr val="lt1"/>
+          </a:fontRef>
+        </p:style>
+        <p:txBody>
+          <a:bodyPr rtlCol="0" anchor="ctr"/>
+          <a:lstStyle/>
+          <a:p>
+            <a:pPr algn="ctr"/>
+            <a:endParaRPr lang="en-US"/>
+          </a:p>
+        </p:txBody>
+      </p:sp>
+      <p:sp>
+        <p:nvSpPr>
+          <p:cNvPr id="14" name="Rectangle 13">
+            <a:extLst>
+              <a:ext uri="{FF2B5EF4-FFF2-40B4-BE49-F238E27FC236}">
+                <a16:creationId xmlns:a16="http://schemas.microsoft.com/office/drawing/2014/main" id="{E659831F-0D9A-4C63-9EBB-8435B85A440F}"/>
+              </a:ext>
+              <a:ext uri="{C183D7F6-B498-43B3-948B-1728B52AA6E4}">
+                <adec:decorative xmlns:adec="http://schemas.microsoft.com/office/drawing/2017/decorative" val="1"/>
+              </a:ext>
+            </a:extLst>
+          </p:cNvPr>
+          <p:cNvSpPr>
+            <a:spLocks noGrp="1" noRot="1" noChangeAspect="1" noMove="1" noResize="1" noEditPoints="1" noAdjustHandles="1" noChangeArrowheads="1" noChangeShapeType="1" noTextEdit="1"/>
+          </p:cNvSpPr>
+          <p:nvPr>
+            <p:extLst>
+              <p:ext uri="{386F3935-93C4-4BCD-93E2-E3B085C9AB24}">
+                <p16:designElem xmlns:p16="http://schemas.microsoft.com/office/powerpoint/2015/main" val="1"/>
+              </p:ext>
+            </p:extLst>
+          </p:nvPr>
+        </p:nvSpPr>
+        <p:spPr>
+          <a:xfrm>
+            <a:off x="0" y="2203079"/>
+            <a:ext cx="11383362" cy="4267991"/>
+          </a:xfrm>
+          <a:prstGeom prst="rect">
+            <a:avLst/>
+          </a:prstGeom>
+          <a:solidFill>
+            <a:schemeClr val="bg1"/>
+          </a:solidFill>
+          <a:ln>
+            <a:noFill/>
+          </a:ln>
+          <a:effectLst>
+            <a:outerShdw blurRad="139700" dist="127000" dir="5400000" algn="t" rotWithShape="0">
+              <a:prstClr val="black">
+                <a:alpha val="15000"/>
+              </a:prstClr>
+            </a:outerShdw>
+          </a:effectLst>
+        </p:spPr>
+        <p:style>
+          <a:lnRef idx="2">
+            <a:schemeClr val="accent1">
+              <a:shade val="50000"/>
+            </a:schemeClr>
+          </a:lnRef>
+          <a:fillRef idx="1">
+            <a:schemeClr val="accent1"/>
+          </a:fillRef>
+          <a:effectRef idx="0">
+            <a:schemeClr val="accent1"/>
+          </a:effectRef>
+          <a:fontRef idx="minor">
+            <a:schemeClr val="lt1"/>
+          </a:fontRef>
+        </p:style>
+        <p:txBody>
+          <a:bodyPr rtlCol="0" anchor="ctr"/>
+          <a:lstStyle/>
+          <a:p>
+            <a:pPr algn="ctr"/>
+            <a:endParaRPr lang="en-US"/>
+          </a:p>
+        </p:txBody>
+      </p:sp>
+      <p:sp>
+        <p:nvSpPr>
+          <p:cNvPr id="3" name="Content Placeholder 2">
+            <a:extLst>
+              <a:ext uri="{FF2B5EF4-FFF2-40B4-BE49-F238E27FC236}">
+                <a16:creationId xmlns:a16="http://schemas.microsoft.com/office/drawing/2014/main" id="{60F0EB90-C826-1C56-45AE-E56EB4082199}"/>
+              </a:ext>
+            </a:extLst>
+          </p:cNvPr>
+          <p:cNvSpPr>
+            <a:spLocks noGrp="1"/>
+          </p:cNvSpPr>
+          <p:nvPr>
+            <p:ph idx="1"/>
+          </p:nvPr>
+        </p:nvSpPr>
+        <p:spPr>
+          <a:xfrm>
+            <a:off x="793661" y="2599509"/>
+            <a:ext cx="4530898" cy="3639450"/>
+          </a:xfrm>
+        </p:spPr>
+        <p:txBody>
+          <a:bodyPr anchor="ctr">
+            <a:normAutofit/>
+          </a:bodyPr>
+          <a:lstStyle/>
+          <a:p>
+            <a:r>
+              <a:rPr lang="en-US" sz="2000"/>
+              <a:t>ARL learned to keep inventory tightly controlled. </a:t>
+            </a:r>
+          </a:p>
+          <a:p>
+            <a:r>
+              <a:rPr lang="en-US" sz="2000"/>
+              <a:t>Spread widening during high volatility prevented runaway exposure. </a:t>
+            </a:r>
+          </a:p>
+          <a:p>
+            <a:r>
+              <a:rPr lang="en-US" sz="2000"/>
+              <a:t>Inventory variance &lt; 0.02.</a:t>
+            </a:r>
+          </a:p>
+        </p:txBody>
+      </p:sp>
+      <p:pic>
+        <p:nvPicPr>
+          <p:cNvPr id="5" name="Picture 4" descr="A graph showing a number of data&#10;&#10;AI-generated content may be incorrect.">
+            <a:extLst>
+              <a:ext uri="{FF2B5EF4-FFF2-40B4-BE49-F238E27FC236}">
+                <a16:creationId xmlns:a16="http://schemas.microsoft.com/office/drawing/2014/main" id="{F32A8CAB-A74A-01D3-F570-6A87383E7286}"/>
+              </a:ext>
+            </a:extLst>
+          </p:cNvPr>
+          <p:cNvPicPr>
+            <a:picLocks noChangeAspect="1"/>
+          </p:cNvPicPr>
+          <p:nvPr/>
+        </p:nvPicPr>
+        <p:blipFill>
+          <a:blip r:embed="rId2">
+            <a:extLst>
+              <a:ext uri="{28A0092B-C50C-407E-A947-70E740481C1C}">
+                <a14:useLocalDpi xmlns:a14="http://schemas.microsoft.com/office/drawing/2010/main" val="0"/>
+              </a:ext>
+            </a:extLst>
+          </a:blip>
+          <a:stretch>
+            <a:fillRect/>
+          </a:stretch>
+        </p:blipFill>
+        <p:spPr>
+          <a:xfrm>
+            <a:off x="5911532" y="2731914"/>
+            <a:ext cx="5150277" cy="3218926"/>
+          </a:xfrm>
+          <a:prstGeom prst="rect">
+            <a:avLst/>
+          </a:prstGeom>
+        </p:spPr>
+      </p:pic>
+      <p:sp>
+        <p:nvSpPr>
+          <p:cNvPr id="16" name="Rectangle 15">
+            <a:extLst>
+              <a:ext uri="{FF2B5EF4-FFF2-40B4-BE49-F238E27FC236}">
+                <a16:creationId xmlns:a16="http://schemas.microsoft.com/office/drawing/2014/main" id="{E6995CE5-F890-4ABA-82A2-26507CE8D2A3}"/>
+              </a:ext>
+              <a:ext uri="{C183D7F6-B498-43B3-948B-1728B52AA6E4}">
+                <adec:decorative xmlns:adec="http://schemas.microsoft.com/office/drawing/2017/decorative" val="1"/>
+              </a:ext>
+            </a:extLst>
+          </p:cNvPr>
+          <p:cNvSpPr>
+            <a:spLocks noGrp="1" noRot="1" noChangeAspect="1" noMove="1" noResize="1" noEditPoints="1" noAdjustHandles="1" noChangeArrowheads="1" noChangeShapeType="1" noTextEdit="1"/>
+          </p:cNvSpPr>
+          <p:nvPr>
+            <p:extLst>
+              <p:ext uri="{386F3935-93C4-4BCD-93E2-E3B085C9AB24}">
+                <p16:designElem xmlns:p16="http://schemas.microsoft.com/office/powerpoint/2015/main" val="1"/>
+              </p:ext>
+            </p:extLst>
+          </p:nvPr>
+        </p:nvSpPr>
+        <p:spPr>
+          <a:xfrm rot="5400000">
+            <a:off x="11228040" y="2313027"/>
+            <a:ext cx="781700" cy="152382"/>
+          </a:xfrm>
+          <a:prstGeom prst="rect">
+            <a:avLst/>
+          </a:prstGeom>
+          <a:solidFill>
+            <a:schemeClr val="accent4"/>
+          </a:solidFill>
+          <a:ln>
+            <a:noFill/>
+          </a:ln>
+        </p:spPr>
+        <p:style>
+          <a:lnRef idx="2">
+            <a:schemeClr val="accent1">
+              <a:shade val="50000"/>
+            </a:schemeClr>
+          </a:lnRef>
+          <a:fillRef idx="1">
+            <a:schemeClr val="accent1"/>
+          </a:fillRef>
+          <a:effectRef idx="0">
+            <a:schemeClr val="accent1"/>
+          </a:effectRef>
+          <a:fontRef idx="minor">
+            <a:schemeClr val="lt1"/>
+          </a:fontRef>
+        </p:style>
+        <p:txBody>
+          <a:bodyPr rtlCol="0" anchor="ctr"/>
+          <a:lstStyle/>
+          <a:p>
+            <a:pPr algn="ctr"/>
+            <a:endParaRPr lang="en-US"/>
+          </a:p>
+        </p:txBody>
+      </p:sp>
+    </p:spTree>
+    <p:extLst>
+      <p:ext uri="{BB962C8B-B14F-4D97-AF65-F5344CB8AC3E}">
+        <p14:creationId xmlns:p14="http://schemas.microsoft.com/office/powerpoint/2010/main" val="434229740"/>
+      </p:ext>
+    </p:extLst>
+  </p:cSld>
+  <p:clrMapOvr>
+    <a:masterClrMapping/>
+  </p:clrMapOvr>
+</p:sld>
+</file>
+
+<file path=ppt/slides/slide13.xml><?xml version="1.0" encoding="utf-8"?>
+<p:sld xmlns:a="http://schemas.openxmlformats.org/drawingml/2006/main" xmlns:r="http://schemas.openxmlformats.org/officeDocument/2006/relationships" xmlns:p="http://schemas.openxmlformats.org/presentationml/2006/main">
+  <p:cSld>
+    <p:bg>
+      <p:bgPr>
+        <a:solidFill>
+          <a:schemeClr val="bg1"/>
+        </a:solidFill>
+        <a:effectLst/>
+      </p:bgPr>
+    </p:bg>
+    <p:spTree>
+      <p:nvGrpSpPr>
+        <p:cNvPr id="1" name=""/>
+        <p:cNvGrpSpPr/>
+        <p:nvPr/>
+      </p:nvGrpSpPr>
+      <p:grpSpPr>
+        <a:xfrm>
+          <a:off x="0" y="0"/>
+          <a:ext cx="0" cy="0"/>
+          <a:chOff x="0" y="0"/>
+          <a:chExt cx="0" cy="0"/>
+        </a:xfrm>
+      </p:grpSpPr>
+      <p:sp useBgFill="1">
+        <p:nvSpPr>
+          <p:cNvPr id="10" name="Rectangle 9">
+            <a:extLst>
+              <a:ext uri="{FF2B5EF4-FFF2-40B4-BE49-F238E27FC236}">
+                <a16:creationId xmlns:a16="http://schemas.microsoft.com/office/drawing/2014/main" id="{058A14AF-9FB5-4CC7-BA35-E8E85D3EDF0E}"/>
+              </a:ext>
+              <a:ext uri="{C183D7F6-B498-43B3-948B-1728B52AA6E4}">
+                <adec:decorative xmlns:adec="http://schemas.microsoft.com/office/drawing/2017/decorative" val="1"/>
+              </a:ext>
+            </a:extLst>
+          </p:cNvPr>
+          <p:cNvSpPr>
+            <a:spLocks noGrp="1" noRot="1" noChangeAspect="1" noMove="1" noResize="1" noEditPoints="1" noAdjustHandles="1" noChangeArrowheads="1" noChangeShapeType="1" noTextEdit="1"/>
+          </p:cNvSpPr>
+          <p:nvPr>
+            <p:extLst>
+              <p:ext uri="{386F3935-93C4-4BCD-93E2-E3B085C9AB24}">
+                <p16:designElem xmlns:p16="http://schemas.microsoft.com/office/powerpoint/2015/main" val="1"/>
+              </p:ext>
+            </p:extLst>
+          </p:nvPr>
+        </p:nvSpPr>
+        <p:spPr>
+          <a:xfrm>
+            <a:off x="0" y="0"/>
+            <a:ext cx="12191999" cy="6857365"/>
+          </a:xfrm>
+          <a:prstGeom prst="rect">
+            <a:avLst/>
+          </a:prstGeom>
+          <a:ln>
+            <a:noFill/>
+          </a:ln>
+        </p:spPr>
+        <p:style>
+          <a:lnRef idx="2">
+            <a:schemeClr val="accent1">
+              <a:shade val="50000"/>
+            </a:schemeClr>
+          </a:lnRef>
+          <a:fillRef idx="1">
+            <a:schemeClr val="accent1"/>
+          </a:fillRef>
+          <a:effectRef idx="0">
+            <a:schemeClr val="accent1"/>
+          </a:effectRef>
+          <a:fontRef idx="minor">
+            <a:schemeClr val="lt1"/>
+          </a:fontRef>
+        </p:style>
+        <p:txBody>
+          <a:bodyPr rtlCol="0" anchor="ctr"/>
+          <a:lstStyle/>
+          <a:p>
+            <a:pPr algn="ctr"/>
+            <a:endParaRPr lang="en-US"/>
+          </a:p>
+        </p:txBody>
+      </p:sp>
+      <p:sp>
+        <p:nvSpPr>
+          <p:cNvPr id="2" name="Title 1">
+            <a:extLst>
+              <a:ext uri="{FF2B5EF4-FFF2-40B4-BE49-F238E27FC236}">
+                <a16:creationId xmlns:a16="http://schemas.microsoft.com/office/drawing/2014/main" id="{6BA3617D-5C5D-90D4-7FA6-AF2D86211F30}"/>
+              </a:ext>
+            </a:extLst>
+          </p:cNvPr>
+          <p:cNvSpPr>
+            <a:spLocks noGrp="1"/>
+          </p:cNvSpPr>
+          <p:nvPr>
+            <p:ph type="title"/>
+          </p:nvPr>
+        </p:nvSpPr>
+        <p:spPr>
+          <a:xfrm>
+            <a:off x="793662" y="386930"/>
+            <a:ext cx="10066122" cy="1298448"/>
+          </a:xfrm>
+        </p:spPr>
+        <p:txBody>
+          <a:bodyPr anchor="b">
+            <a:normAutofit/>
+          </a:bodyPr>
+          <a:lstStyle/>
+          <a:p>
+            <a:r>
+              <a:rPr lang="en-US" sz="4800" b="1"/>
+              <a:t>Policy Behavior &amp; Learned Strategy</a:t>
+            </a:r>
+          </a:p>
+        </p:txBody>
+      </p:sp>
+      <p:sp>
+        <p:nvSpPr>
+          <p:cNvPr id="12" name="Rectangle 11">
+            <a:extLst>
+              <a:ext uri="{FF2B5EF4-FFF2-40B4-BE49-F238E27FC236}">
+                <a16:creationId xmlns:a16="http://schemas.microsoft.com/office/drawing/2014/main" id="{3A9A4357-BD1D-4622-A4FE-766E6AB8DE84}"/>
+              </a:ext>
+              <a:ext uri="{C183D7F6-B498-43B3-948B-1728B52AA6E4}">
+                <adec:decorative xmlns:adec="http://schemas.microsoft.com/office/drawing/2017/decorative" val="1"/>
+              </a:ext>
+            </a:extLst>
+          </p:cNvPr>
+          <p:cNvSpPr>
+            <a:spLocks noGrp="1" noRot="1" noChangeAspect="1" noMove="1" noResize="1" noEditPoints="1" noAdjustHandles="1" noChangeArrowheads="1" noChangeShapeType="1" noTextEdit="1"/>
+          </p:cNvSpPr>
+          <p:nvPr>
+            <p:extLst>
+              <p:ext uri="{386F3935-93C4-4BCD-93E2-E3B085C9AB24}">
+                <p16:designElem xmlns:p16="http://schemas.microsoft.com/office/powerpoint/2015/main" val="1"/>
+              </p:ext>
+            </p:extLst>
+          </p:nvPr>
+        </p:nvSpPr>
+        <p:spPr>
+          <a:xfrm flipH="1" flipV="1">
+            <a:off x="-2" y="1998845"/>
+            <a:ext cx="11454595" cy="781699"/>
+          </a:xfrm>
+          <a:prstGeom prst="rect">
+            <a:avLst/>
+          </a:prstGeom>
+          <a:solidFill>
+            <a:schemeClr val="accent4"/>
+          </a:solidFill>
+          <a:ln>
+            <a:noFill/>
+          </a:ln>
+        </p:spPr>
+        <p:style>
+          <a:lnRef idx="2">
+            <a:schemeClr val="accent1">
+              <a:shade val="50000"/>
+            </a:schemeClr>
+          </a:lnRef>
+          <a:fillRef idx="1">
+            <a:schemeClr val="accent1"/>
+          </a:fillRef>
+          <a:effectRef idx="0">
+            <a:schemeClr val="accent1"/>
+          </a:effectRef>
+          <a:fontRef idx="minor">
+            <a:schemeClr val="lt1"/>
+          </a:fontRef>
+        </p:style>
+        <p:txBody>
+          <a:bodyPr rtlCol="0" anchor="ctr"/>
+          <a:lstStyle/>
+          <a:p>
+            <a:pPr algn="ctr"/>
+            <a:endParaRPr lang="en-US"/>
+          </a:p>
+        </p:txBody>
+      </p:sp>
+      <p:sp>
+        <p:nvSpPr>
+          <p:cNvPr id="14" name="Rectangle 13">
+            <a:extLst>
+              <a:ext uri="{FF2B5EF4-FFF2-40B4-BE49-F238E27FC236}">
+                <a16:creationId xmlns:a16="http://schemas.microsoft.com/office/drawing/2014/main" id="{E659831F-0D9A-4C63-9EBB-8435B85A440F}"/>
+              </a:ext>
+              <a:ext uri="{C183D7F6-B498-43B3-948B-1728B52AA6E4}">
+                <adec:decorative xmlns:adec="http://schemas.microsoft.com/office/drawing/2017/decorative" val="1"/>
+              </a:ext>
+            </a:extLst>
+          </p:cNvPr>
+          <p:cNvSpPr>
+            <a:spLocks noGrp="1" noRot="1" noChangeAspect="1" noMove="1" noResize="1" noEditPoints="1" noAdjustHandles="1" noChangeArrowheads="1" noChangeShapeType="1" noTextEdit="1"/>
+          </p:cNvSpPr>
+          <p:nvPr>
+            <p:extLst>
+              <p:ext uri="{386F3935-93C4-4BCD-93E2-E3B085C9AB24}">
+                <p16:designElem xmlns:p16="http://schemas.microsoft.com/office/powerpoint/2015/main" val="1"/>
+              </p:ext>
+            </p:extLst>
+          </p:nvPr>
+        </p:nvSpPr>
+        <p:spPr>
+          <a:xfrm>
+            <a:off x="0" y="2203079"/>
+            <a:ext cx="11383362" cy="4267991"/>
+          </a:xfrm>
+          <a:prstGeom prst="rect">
+            <a:avLst/>
+          </a:prstGeom>
+          <a:solidFill>
+            <a:schemeClr val="bg1"/>
+          </a:solidFill>
+          <a:ln>
+            <a:noFill/>
+          </a:ln>
+          <a:effectLst>
+            <a:outerShdw blurRad="139700" dist="127000" dir="5400000" algn="t" rotWithShape="0">
+              <a:prstClr val="black">
+                <a:alpha val="15000"/>
+              </a:prstClr>
+            </a:outerShdw>
+          </a:effectLst>
+        </p:spPr>
+        <p:style>
+          <a:lnRef idx="2">
+            <a:schemeClr val="accent1">
+              <a:shade val="50000"/>
+            </a:schemeClr>
+          </a:lnRef>
+          <a:fillRef idx="1">
+            <a:schemeClr val="accent1"/>
+          </a:fillRef>
+          <a:effectRef idx="0">
+            <a:schemeClr val="accent1"/>
+          </a:effectRef>
+          <a:fontRef idx="minor">
+            <a:schemeClr val="lt1"/>
+          </a:fontRef>
+        </p:style>
+        <p:txBody>
+          <a:bodyPr rtlCol="0" anchor="ctr"/>
+          <a:lstStyle/>
+          <a:p>
+            <a:pPr algn="ctr"/>
+            <a:endParaRPr lang="en-US"/>
+          </a:p>
+        </p:txBody>
+      </p:sp>
+      <p:sp>
+        <p:nvSpPr>
+          <p:cNvPr id="3" name="Content Placeholder 2">
+            <a:extLst>
+              <a:ext uri="{FF2B5EF4-FFF2-40B4-BE49-F238E27FC236}">
+                <a16:creationId xmlns:a16="http://schemas.microsoft.com/office/drawing/2014/main" id="{13FE6EC4-0180-CA9F-9562-2750BAB8A153}"/>
+              </a:ext>
+            </a:extLst>
+          </p:cNvPr>
+          <p:cNvSpPr>
+            <a:spLocks noGrp="1"/>
+          </p:cNvSpPr>
+          <p:nvPr>
+            <p:ph idx="1"/>
+          </p:nvPr>
+        </p:nvSpPr>
+        <p:spPr>
+          <a:xfrm>
+            <a:off x="793661" y="2599509"/>
+            <a:ext cx="4530898" cy="3639450"/>
+          </a:xfrm>
+        </p:spPr>
+        <p:txBody>
+          <a:bodyPr anchor="ctr">
+            <a:normAutofit/>
+          </a:bodyPr>
+          <a:lstStyle/>
+          <a:p>
+            <a:r>
+              <a:rPr lang="en-US" sz="2000"/>
+              <a:t>Observed Behavioral Patterns </a:t>
+            </a:r>
+          </a:p>
+          <a:p>
+            <a:r>
+              <a:rPr lang="en-US" sz="2000"/>
+              <a:t>Tight spreads when volatility is low and inventory is near zero</a:t>
+            </a:r>
+          </a:p>
+          <a:p>
+            <a:r>
+              <a:rPr lang="en-US" sz="2000"/>
+              <a:t>Wider spreads when EGT becomes aggressive </a:t>
+            </a:r>
+          </a:p>
+          <a:p>
+            <a:r>
+              <a:rPr lang="en-US" sz="2000"/>
+              <a:t>Stable quoting during passive EGT regimes</a:t>
+            </a:r>
+          </a:p>
+          <a:p>
+            <a:r>
+              <a:rPr lang="en-US" sz="2000"/>
+              <a:t>Reinforces that ARL learned context-dependent microstructure tactics.</a:t>
+            </a:r>
+          </a:p>
+        </p:txBody>
+      </p:sp>
+      <p:pic>
+        <p:nvPicPr>
+          <p:cNvPr id="5" name="Picture 4" descr="A graph with different colored bars&#10;&#10;AI-generated content may be incorrect.">
+            <a:extLst>
+              <a:ext uri="{FF2B5EF4-FFF2-40B4-BE49-F238E27FC236}">
+                <a16:creationId xmlns:a16="http://schemas.microsoft.com/office/drawing/2014/main" id="{67DCFD4C-D355-48C4-638C-AD9233B3C685}"/>
+              </a:ext>
+            </a:extLst>
+          </p:cNvPr>
+          <p:cNvPicPr>
+            <a:picLocks noChangeAspect="1"/>
+          </p:cNvPicPr>
+          <p:nvPr/>
+        </p:nvPicPr>
+        <p:blipFill>
+          <a:blip r:embed="rId2">
+            <a:extLst>
+              <a:ext uri="{28A0092B-C50C-407E-A947-70E740481C1C}">
+                <a14:useLocalDpi xmlns:a14="http://schemas.microsoft.com/office/drawing/2010/main" val="0"/>
+              </a:ext>
+            </a:extLst>
+          </a:blip>
+          <a:stretch>
+            <a:fillRect/>
+          </a:stretch>
+        </p:blipFill>
+        <p:spPr>
+          <a:xfrm>
+            <a:off x="6010509" y="2484255"/>
+            <a:ext cx="4952322" cy="3714244"/>
+          </a:xfrm>
+          <a:prstGeom prst="rect">
+            <a:avLst/>
+          </a:prstGeom>
+        </p:spPr>
+      </p:pic>
+      <p:sp>
+        <p:nvSpPr>
+          <p:cNvPr id="16" name="Rectangle 15">
+            <a:extLst>
+              <a:ext uri="{FF2B5EF4-FFF2-40B4-BE49-F238E27FC236}">
+                <a16:creationId xmlns:a16="http://schemas.microsoft.com/office/drawing/2014/main" id="{E6995CE5-F890-4ABA-82A2-26507CE8D2A3}"/>
+              </a:ext>
+              <a:ext uri="{C183D7F6-B498-43B3-948B-1728B52AA6E4}">
+                <adec:decorative xmlns:adec="http://schemas.microsoft.com/office/drawing/2017/decorative" val="1"/>
+              </a:ext>
+            </a:extLst>
+          </p:cNvPr>
+          <p:cNvSpPr>
+            <a:spLocks noGrp="1" noRot="1" noChangeAspect="1" noMove="1" noResize="1" noEditPoints="1" noAdjustHandles="1" noChangeArrowheads="1" noChangeShapeType="1" noTextEdit="1"/>
+          </p:cNvSpPr>
+          <p:nvPr>
+            <p:extLst>
+              <p:ext uri="{386F3935-93C4-4BCD-93E2-E3B085C9AB24}">
+                <p16:designElem xmlns:p16="http://schemas.microsoft.com/office/powerpoint/2015/main" val="1"/>
+              </p:ext>
+            </p:extLst>
+          </p:nvPr>
+        </p:nvSpPr>
+        <p:spPr>
+          <a:xfrm rot="5400000">
+            <a:off x="11228040" y="2313027"/>
+            <a:ext cx="781700" cy="152382"/>
+          </a:xfrm>
+          <a:prstGeom prst="rect">
+            <a:avLst/>
+          </a:prstGeom>
+          <a:solidFill>
+            <a:schemeClr val="accent4"/>
+          </a:solidFill>
+          <a:ln>
+            <a:noFill/>
+          </a:ln>
+        </p:spPr>
+        <p:style>
+          <a:lnRef idx="2">
+            <a:schemeClr val="accent1">
+              <a:shade val="50000"/>
+            </a:schemeClr>
+          </a:lnRef>
+          <a:fillRef idx="1">
+            <a:schemeClr val="accent1"/>
+          </a:fillRef>
+          <a:effectRef idx="0">
+            <a:schemeClr val="accent1"/>
+          </a:effectRef>
+          <a:fontRef idx="minor">
+            <a:schemeClr val="lt1"/>
+          </a:fontRef>
+        </p:style>
+        <p:txBody>
+          <a:bodyPr rtlCol="0" anchor="ctr"/>
+          <a:lstStyle/>
+          <a:p>
+            <a:pPr algn="ctr"/>
+            <a:endParaRPr lang="en-US"/>
+          </a:p>
+        </p:txBody>
+      </p:sp>
+    </p:spTree>
+    <p:extLst>
+      <p:ext uri="{BB962C8B-B14F-4D97-AF65-F5344CB8AC3E}">
+        <p14:creationId xmlns:p14="http://schemas.microsoft.com/office/powerpoint/2010/main" val="1205668723"/>
+      </p:ext>
+    </p:extLst>
+  </p:cSld>
+  <p:clrMapOvr>
+    <a:masterClrMapping/>
+  </p:clrMapOvr>
+</p:sld>
+</file>
+
+<file path=ppt/slides/slide14.xml><?xml version="1.0" encoding="utf-8"?>
+<p:sld xmlns:a="http://schemas.openxmlformats.org/drawingml/2006/main" xmlns:r="http://schemas.openxmlformats.org/officeDocument/2006/relationships" xmlns:p="http://schemas.openxmlformats.org/presentationml/2006/main">
+  <p:cSld>
+    <p:bg>
+      <p:bgPr>
+        <a:solidFill>
+          <a:schemeClr val="bg1"/>
+        </a:solidFill>
+        <a:effectLst/>
+      </p:bgPr>
+    </p:bg>
+    <p:spTree>
+      <p:nvGrpSpPr>
+        <p:cNvPr id="1" name=""/>
+        <p:cNvGrpSpPr/>
+        <p:nvPr/>
+      </p:nvGrpSpPr>
+      <p:grpSpPr>
+        <a:xfrm>
+          <a:off x="0" y="0"/>
+          <a:ext cx="0" cy="0"/>
+          <a:chOff x="0" y="0"/>
+          <a:chExt cx="0" cy="0"/>
+        </a:xfrm>
+      </p:grpSpPr>
+      <p:sp useBgFill="1">
+        <p:nvSpPr>
+          <p:cNvPr id="8" name="Rectangle 7">
+            <a:extLst>
+              <a:ext uri="{FF2B5EF4-FFF2-40B4-BE49-F238E27FC236}">
+                <a16:creationId xmlns:a16="http://schemas.microsoft.com/office/drawing/2014/main" id="{DBF61EA3-B236-439E-9C0B-340980D56BEE}"/>
+              </a:ext>
+              <a:ext uri="{C183D7F6-B498-43B3-948B-1728B52AA6E4}">
+                <adec:decorative xmlns:adec="http://schemas.microsoft.com/office/drawing/2017/decorative" val="1"/>
+              </a:ext>
+            </a:extLst>
+          </p:cNvPr>
+          <p:cNvSpPr>
+            <a:spLocks noGrp="1" noRot="1" noChangeAspect="1" noMove="1" noResize="1" noEditPoints="1" noAdjustHandles="1" noChangeArrowheads="1" noChangeShapeType="1" noTextEdit="1"/>
+          </p:cNvSpPr>
+          <p:nvPr>
+            <p:extLst>
+              <p:ext uri="{386F3935-93C4-4BCD-93E2-E3B085C9AB24}">
+                <p16:designElem xmlns:p16="http://schemas.microsoft.com/office/powerpoint/2015/main" val="1"/>
+              </p:ext>
+            </p:extLst>
+          </p:nvPr>
+        </p:nvSpPr>
+        <p:spPr>
+          <a:xfrm>
+            <a:off x="0" y="0"/>
+            <a:ext cx="12191999" cy="6857365"/>
+          </a:xfrm>
+          <a:prstGeom prst="rect">
+            <a:avLst/>
+          </a:prstGeom>
+          <a:ln>
+            <a:noFill/>
+          </a:ln>
+        </p:spPr>
+        <p:style>
+          <a:lnRef idx="2">
+            <a:schemeClr val="accent1">
+              <a:shade val="50000"/>
+            </a:schemeClr>
+          </a:lnRef>
+          <a:fillRef idx="1">
+            <a:schemeClr val="accent1"/>
+          </a:fillRef>
+          <a:effectRef idx="0">
+            <a:schemeClr val="accent1"/>
+          </a:effectRef>
+          <a:fontRef idx="minor">
+            <a:schemeClr val="lt1"/>
+          </a:fontRef>
+        </p:style>
+        <p:txBody>
+          <a:bodyPr rtlCol="0" anchor="ctr"/>
+          <a:lstStyle/>
+          <a:p>
+            <a:pPr algn="ctr"/>
+            <a:endParaRPr lang="en-US"/>
+          </a:p>
+        </p:txBody>
+      </p:sp>
+      <p:sp>
+        <p:nvSpPr>
+          <p:cNvPr id="2" name="Title 1">
+            <a:extLst>
+              <a:ext uri="{FF2B5EF4-FFF2-40B4-BE49-F238E27FC236}">
+                <a16:creationId xmlns:a16="http://schemas.microsoft.com/office/drawing/2014/main" id="{E25A9364-1118-20C6-36B0-046A6E2A0D07}"/>
+              </a:ext>
+            </a:extLst>
+          </p:cNvPr>
+          <p:cNvSpPr>
+            <a:spLocks noGrp="1"/>
+          </p:cNvSpPr>
+          <p:nvPr>
+            <p:ph type="title"/>
+          </p:nvPr>
+        </p:nvSpPr>
+        <p:spPr>
+          <a:xfrm>
+            <a:off x="808638" y="386930"/>
+            <a:ext cx="9236700" cy="1188950"/>
+          </a:xfrm>
+        </p:spPr>
+        <p:txBody>
+          <a:bodyPr anchor="b">
+            <a:normAutofit/>
+          </a:bodyPr>
+          <a:lstStyle/>
+          <a:p>
+            <a:r>
+              <a:rPr lang="en-US" sz="5400" b="1"/>
+              <a:t>Novelty and Contribution</a:t>
+            </a:r>
+          </a:p>
+        </p:txBody>
+      </p:sp>
+      <p:grpSp>
+        <p:nvGrpSpPr>
+          <p:cNvPr id="10" name="Group 9">
+            <a:extLst>
+              <a:ext uri="{FF2B5EF4-FFF2-40B4-BE49-F238E27FC236}">
+                <a16:creationId xmlns:a16="http://schemas.microsoft.com/office/drawing/2014/main" id="{28FAF094-D087-493F-8DF9-A486C2D6BBAA}"/>
+              </a:ext>
+              <a:ext uri="{C183D7F6-B498-43B3-948B-1728B52AA6E4}">
+                <adec:decorative xmlns:adec="http://schemas.microsoft.com/office/drawing/2017/decorative" val="1"/>
+              </a:ext>
+            </a:extLst>
+          </p:cNvPr>
+          <p:cNvGrpSpPr>
+            <a:grpSpLocks noGrp="1" noUngrp="1" noRot="1" noChangeAspect="1" noMove="1" noResize="1"/>
+          </p:cNvGrpSpPr>
+          <p:nvPr>
+            <p:extLst>
+              <p:ext uri="{386F3935-93C4-4BCD-93E2-E3B085C9AB24}">
+                <p16:designElem xmlns:p16="http://schemas.microsoft.com/office/powerpoint/2015/main" val="1"/>
+              </p:ext>
+            </p:extLst>
+          </p:nvPr>
+        </p:nvGrpSpPr>
+        <p:grpSpPr>
+          <a:xfrm>
+            <a:off x="-2" y="1998368"/>
+            <a:ext cx="11695083" cy="782176"/>
+            <a:chOff x="-2" y="1998368"/>
+            <a:chExt cx="11695083" cy="782176"/>
+          </a:xfrm>
+        </p:grpSpPr>
+        <p:sp>
+          <p:nvSpPr>
+            <p:cNvPr id="11" name="Rectangle 10">
+              <a:extLst>
+                <a:ext uri="{FF2B5EF4-FFF2-40B4-BE49-F238E27FC236}">
+                  <a16:creationId xmlns:a16="http://schemas.microsoft.com/office/drawing/2014/main" id="{8D7C88D8-5509-4514-925A-9CE148E5CBD6}"/>
+                </a:ext>
+                <a:ext uri="{C183D7F6-B498-43B3-948B-1728B52AA6E4}">
+                  <adec:decorative xmlns:adec="http://schemas.microsoft.com/office/drawing/2017/decorative" val="1"/>
+                </a:ext>
+              </a:extLst>
+            </p:cNvPr>
+            <p:cNvSpPr/>
+            <p:nvPr>
+              <p:extLst>
+                <p:ext uri="{386F3935-93C4-4BCD-93E2-E3B085C9AB24}">
+                  <p16:designElem xmlns:p16="http://schemas.microsoft.com/office/powerpoint/2015/main" val="1"/>
+                </p:ext>
+              </p:extLst>
+            </p:nvPr>
+          </p:nvSpPr>
+          <p:spPr>
+            <a:xfrm rot="5400000">
+              <a:off x="11228040" y="2313027"/>
+              <a:ext cx="781700" cy="152382"/>
+            </a:xfrm>
+            <a:prstGeom prst="rect">
+              <a:avLst/>
+            </a:prstGeom>
+            <a:solidFill>
+              <a:schemeClr val="accent4"/>
+            </a:solidFill>
+            <a:ln>
+              <a:noFill/>
+            </a:ln>
+          </p:spPr>
+          <p:style>
+            <a:lnRef idx="2">
+              <a:schemeClr val="accent1">
+                <a:shade val="50000"/>
+              </a:schemeClr>
+            </a:lnRef>
+            <a:fillRef idx="1">
+              <a:schemeClr val="accent1"/>
+            </a:fillRef>
+            <a:effectRef idx="0">
+              <a:schemeClr val="accent1"/>
+            </a:effectRef>
+            <a:fontRef idx="minor">
+              <a:schemeClr val="lt1"/>
+            </a:fontRef>
+          </p:style>
+          <p:txBody>
+            <a:bodyPr rtlCol="0" anchor="ctr"/>
+            <a:lstStyle/>
+            <a:p>
+              <a:pPr algn="ctr"/>
+              <a:endParaRPr lang="en-US"/>
+            </a:p>
+          </p:txBody>
+        </p:sp>
+        <p:sp>
+          <p:nvSpPr>
+            <p:cNvPr id="12" name="Rectangle 11">
+              <a:extLst>
+                <a:ext uri="{FF2B5EF4-FFF2-40B4-BE49-F238E27FC236}">
+                  <a16:creationId xmlns:a16="http://schemas.microsoft.com/office/drawing/2014/main" id="{7275593D-F75E-4426-AE3E-2CDEFD228D25}"/>
+                </a:ext>
+                <a:ext uri="{C183D7F6-B498-43B3-948B-1728B52AA6E4}">
+                  <adec:decorative xmlns:adec="http://schemas.microsoft.com/office/drawing/2017/decorative" val="1"/>
+                </a:ext>
+              </a:extLst>
+            </p:cNvPr>
+            <p:cNvSpPr/>
+            <p:nvPr>
+              <p:extLst>
+                <p:ext uri="{386F3935-93C4-4BCD-93E2-E3B085C9AB24}">
+                  <p16:designElem xmlns:p16="http://schemas.microsoft.com/office/powerpoint/2015/main" val="1"/>
+                </p:ext>
+              </p:extLst>
+            </p:nvPr>
+          </p:nvSpPr>
+          <p:spPr>
+            <a:xfrm flipH="1" flipV="1">
+              <a:off x="-2" y="1998845"/>
+              <a:ext cx="11454595" cy="781699"/>
+            </a:xfrm>
+            <a:prstGeom prst="rect">
+              <a:avLst/>
+            </a:prstGeom>
+            <a:solidFill>
+              <a:schemeClr val="accent4"/>
+            </a:solidFill>
+            <a:ln>
+              <a:noFill/>
+            </a:ln>
+          </p:spPr>
+          <p:style>
+            <a:lnRef idx="2">
+              <a:schemeClr val="accent1">
+                <a:shade val="50000"/>
+              </a:schemeClr>
+            </a:lnRef>
+            <a:fillRef idx="1">
+              <a:schemeClr val="accent1"/>
+            </a:fillRef>
+            <a:effectRef idx="0">
+              <a:schemeClr val="accent1"/>
+            </a:effectRef>
+            <a:fontRef idx="minor">
+              <a:schemeClr val="lt1"/>
+            </a:fontRef>
+          </p:style>
+          <p:txBody>
+            <a:bodyPr rtlCol="0" anchor="ctr"/>
+            <a:lstStyle/>
+            <a:p>
+              <a:pPr algn="ctr"/>
+              <a:endParaRPr lang="en-US"/>
+            </a:p>
+          </p:txBody>
+        </p:sp>
+      </p:grpSp>
+      <p:sp>
+        <p:nvSpPr>
+          <p:cNvPr id="14" name="Rectangle 13">
+            <a:extLst>
+              <a:ext uri="{FF2B5EF4-FFF2-40B4-BE49-F238E27FC236}">
+                <a16:creationId xmlns:a16="http://schemas.microsoft.com/office/drawing/2014/main" id="{E659831F-0D9A-4C63-9EBB-8435B85A440F}"/>
+              </a:ext>
+              <a:ext uri="{C183D7F6-B498-43B3-948B-1728B52AA6E4}">
+                <adec:decorative xmlns:adec="http://schemas.microsoft.com/office/drawing/2017/decorative" val="1"/>
+              </a:ext>
+            </a:extLst>
+          </p:cNvPr>
+          <p:cNvSpPr>
+            <a:spLocks noGrp="1" noRot="1" noChangeAspect="1" noMove="1" noResize="1" noEditPoints="1" noAdjustHandles="1" noChangeArrowheads="1" noChangeShapeType="1" noTextEdit="1"/>
+          </p:cNvSpPr>
+          <p:nvPr>
+            <p:extLst>
+              <p:ext uri="{386F3935-93C4-4BCD-93E2-E3B085C9AB24}">
+                <p16:designElem xmlns:p16="http://schemas.microsoft.com/office/powerpoint/2015/main" val="1"/>
+              </p:ext>
+            </p:extLst>
+          </p:nvPr>
+        </p:nvSpPr>
+        <p:spPr>
+          <a:xfrm>
+            <a:off x="0" y="2203079"/>
+            <a:ext cx="11383362" cy="4147845"/>
+          </a:xfrm>
+          <a:prstGeom prst="rect">
+            <a:avLst/>
+          </a:prstGeom>
+          <a:solidFill>
+            <a:schemeClr val="bg1"/>
+          </a:solidFill>
+          <a:ln>
+            <a:noFill/>
+          </a:ln>
+          <a:effectLst>
+            <a:outerShdw blurRad="139700" dist="127000" dir="5400000" algn="t" rotWithShape="0">
+              <a:prstClr val="black">
+                <a:alpha val="15000"/>
+              </a:prstClr>
+            </a:outerShdw>
+          </a:effectLst>
+        </p:spPr>
+        <p:style>
+          <a:lnRef idx="2">
+            <a:schemeClr val="accent1">
+              <a:shade val="50000"/>
+            </a:schemeClr>
+          </a:lnRef>
+          <a:fillRef idx="1">
+            <a:schemeClr val="accent1"/>
+          </a:fillRef>
+          <a:effectRef idx="0">
+            <a:schemeClr val="accent1"/>
+          </a:effectRef>
+          <a:fontRef idx="minor">
+            <a:schemeClr val="lt1"/>
+          </a:fontRef>
+        </p:style>
+        <p:txBody>
+          <a:bodyPr rtlCol="0" anchor="ctr"/>
+          <a:lstStyle/>
+          <a:p>
+            <a:pPr algn="ctr"/>
+            <a:endParaRPr lang="en-US"/>
+          </a:p>
+        </p:txBody>
+      </p:sp>
+      <p:sp>
+        <p:nvSpPr>
+          <p:cNvPr id="3" name="Content Placeholder 2">
+            <a:extLst>
+              <a:ext uri="{FF2B5EF4-FFF2-40B4-BE49-F238E27FC236}">
+                <a16:creationId xmlns:a16="http://schemas.microsoft.com/office/drawing/2014/main" id="{99FD18AA-5EFB-B1FB-1979-862BD2DCB017}"/>
+              </a:ext>
+            </a:extLst>
+          </p:cNvPr>
+          <p:cNvSpPr>
+            <a:spLocks noGrp="1"/>
+          </p:cNvSpPr>
+          <p:nvPr>
+            <p:ph idx="1"/>
+          </p:nvPr>
+        </p:nvSpPr>
+        <p:spPr>
+          <a:xfrm>
+            <a:off x="793660" y="2599509"/>
+            <a:ext cx="10143668" cy="3435531"/>
+          </a:xfrm>
+        </p:spPr>
+        <p:txBody>
+          <a:bodyPr anchor="ctr">
+            <a:normAutofit/>
+          </a:bodyPr>
+          <a:lstStyle/>
+          <a:p>
+            <a:r>
+              <a:rPr lang="en-US" sz="1700" b="1"/>
+              <a:t>Why This Work Is Novel</a:t>
+            </a:r>
+            <a:endParaRPr lang="en-US" sz="1700"/>
+          </a:p>
+          <a:p>
+            <a:pPr lvl="1"/>
+            <a:r>
+              <a:rPr lang="en-US" sz="1700"/>
+              <a:t>Combines </a:t>
+            </a:r>
+            <a:r>
+              <a:rPr lang="en-US" sz="1700" b="1"/>
+              <a:t>Deep RL + Evolutionary Game Theory</a:t>
+            </a:r>
+            <a:r>
+              <a:rPr lang="en-US" sz="1700"/>
+              <a:t> inside a dynamic market microstructure.</a:t>
+            </a:r>
+          </a:p>
+          <a:p>
+            <a:pPr lvl="1"/>
+            <a:r>
+              <a:rPr lang="en-US" sz="1700"/>
+              <a:t>Studies </a:t>
+            </a:r>
+            <a:r>
+              <a:rPr lang="en-US" sz="1700" b="1"/>
+              <a:t>co-evolution</a:t>
+            </a:r>
+            <a:r>
+              <a:rPr lang="en-US" sz="1700"/>
+              <a:t>, not just performance — rare in RL finance research.</a:t>
+            </a:r>
+          </a:p>
+          <a:p>
+            <a:pPr lvl="1"/>
+            <a:r>
+              <a:rPr lang="en-US" sz="1700"/>
+              <a:t>Uses </a:t>
+            </a:r>
+            <a:r>
+              <a:rPr lang="en-US" sz="1700" b="1"/>
+              <a:t>inventory-aware DDQN</a:t>
+            </a:r>
+            <a:r>
+              <a:rPr lang="en-US" sz="1700"/>
+              <a:t> with spread-capture incentives.</a:t>
+            </a:r>
+          </a:p>
+          <a:p>
+            <a:pPr lvl="1"/>
+            <a:r>
+              <a:rPr lang="en-US" sz="1700"/>
+              <a:t>Creates an evolving adversarial environment rather than a static backtest.</a:t>
+            </a:r>
+          </a:p>
+          <a:p>
+            <a:r>
+              <a:rPr lang="en-US" sz="1700" b="1"/>
+              <a:t>Community Contribution</a:t>
+            </a:r>
+            <a:endParaRPr lang="en-US" sz="1700"/>
+          </a:p>
+          <a:p>
+            <a:pPr lvl="1"/>
+            <a:r>
+              <a:rPr lang="en-US" sz="1700"/>
+              <a:t>Open-source simulation for studying AI robustness &amp; adaptation.</a:t>
+            </a:r>
+          </a:p>
+          <a:p>
+            <a:pPr lvl="1"/>
+            <a:r>
+              <a:rPr lang="en-US" sz="1700"/>
+              <a:t>Useful for education in RL, multi-agent systems, and market simulation.</a:t>
+            </a:r>
+          </a:p>
+          <a:p>
+            <a:pPr lvl="1"/>
+            <a:r>
+              <a:rPr lang="en-US" sz="1700"/>
+              <a:t>Seeds a benchmark for testing RL agents under evolving adversaries.</a:t>
+            </a:r>
+          </a:p>
+          <a:p>
+            <a:pPr lvl="1"/>
+            <a:r>
+              <a:rPr lang="en-US" sz="1700"/>
+              <a:t>Enables safe experimentation on multi-agent strategic behavior.</a:t>
+            </a:r>
+          </a:p>
+        </p:txBody>
+      </p:sp>
+    </p:spTree>
+    <p:extLst>
+      <p:ext uri="{BB962C8B-B14F-4D97-AF65-F5344CB8AC3E}">
+        <p14:creationId xmlns:p14="http://schemas.microsoft.com/office/powerpoint/2010/main" val="650839254"/>
+      </p:ext>
+    </p:extLst>
+  </p:cSld>
+  <p:clrMapOvr>
+    <a:masterClrMapping/>
+  </p:clrMapOvr>
+</p:sld>
+</file>
+
+<file path=ppt/slides/slide15.xml><?xml version="1.0" encoding="utf-8"?>
+<p:sld xmlns:a="http://schemas.openxmlformats.org/drawingml/2006/main" xmlns:r="http://schemas.openxmlformats.org/officeDocument/2006/relationships" xmlns:p="http://schemas.openxmlformats.org/presentationml/2006/main">
+  <p:cSld>
+    <p:bg>
+      <p:bgPr>
+        <a:solidFill>
+          <a:schemeClr val="bg1"/>
+        </a:solidFill>
+        <a:effectLst/>
+      </p:bgPr>
+    </p:bg>
+    <p:spTree>
+      <p:nvGrpSpPr>
+        <p:cNvPr id="1" name=""/>
+        <p:cNvGrpSpPr/>
+        <p:nvPr/>
+      </p:nvGrpSpPr>
+      <p:grpSpPr>
+        <a:xfrm>
+          <a:off x="0" y="0"/>
+          <a:ext cx="0" cy="0"/>
+          <a:chOff x="0" y="0"/>
+          <a:chExt cx="0" cy="0"/>
+        </a:xfrm>
+      </p:grpSpPr>
+      <p:sp useBgFill="1">
+        <p:nvSpPr>
+          <p:cNvPr id="8" name="Rectangle 7">
+            <a:extLst>
+              <a:ext uri="{FF2B5EF4-FFF2-40B4-BE49-F238E27FC236}">
+                <a16:creationId xmlns:a16="http://schemas.microsoft.com/office/drawing/2014/main" id="{DBF61EA3-B236-439E-9C0B-340980D56BEE}"/>
+              </a:ext>
+              <a:ext uri="{C183D7F6-B498-43B3-948B-1728B52AA6E4}">
+                <adec:decorative xmlns:adec="http://schemas.microsoft.com/office/drawing/2017/decorative" val="1"/>
+              </a:ext>
+            </a:extLst>
+          </p:cNvPr>
+          <p:cNvSpPr>
+            <a:spLocks noGrp="1" noRot="1" noChangeAspect="1" noMove="1" noResize="1" noEditPoints="1" noAdjustHandles="1" noChangeArrowheads="1" noChangeShapeType="1" noTextEdit="1"/>
+          </p:cNvSpPr>
+          <p:nvPr>
+            <p:extLst>
+              <p:ext uri="{386F3935-93C4-4BCD-93E2-E3B085C9AB24}">
+                <p16:designElem xmlns:p16="http://schemas.microsoft.com/office/powerpoint/2015/main" val="1"/>
+              </p:ext>
+            </p:extLst>
+          </p:nvPr>
+        </p:nvSpPr>
+        <p:spPr>
+          <a:xfrm>
+            <a:off x="0" y="0"/>
+            <a:ext cx="12191999" cy="6857365"/>
+          </a:xfrm>
+          <a:prstGeom prst="rect">
+            <a:avLst/>
+          </a:prstGeom>
+          <a:ln>
+            <a:noFill/>
+          </a:ln>
+        </p:spPr>
+        <p:style>
+          <a:lnRef idx="2">
+            <a:schemeClr val="accent1">
+              <a:shade val="50000"/>
+            </a:schemeClr>
+          </a:lnRef>
+          <a:fillRef idx="1">
+            <a:schemeClr val="accent1"/>
+          </a:fillRef>
+          <a:effectRef idx="0">
+            <a:schemeClr val="accent1"/>
+          </a:effectRef>
+          <a:fontRef idx="minor">
+            <a:schemeClr val="lt1"/>
+          </a:fontRef>
+        </p:style>
+        <p:txBody>
+          <a:bodyPr rtlCol="0" anchor="ctr"/>
+          <a:lstStyle/>
+          <a:p>
+            <a:pPr algn="ctr"/>
+            <a:endParaRPr lang="en-US"/>
+          </a:p>
+        </p:txBody>
+      </p:sp>
+      <p:sp>
+        <p:nvSpPr>
+          <p:cNvPr id="2" name="Title 1">
+            <a:extLst>
+              <a:ext uri="{FF2B5EF4-FFF2-40B4-BE49-F238E27FC236}">
+                <a16:creationId xmlns:a16="http://schemas.microsoft.com/office/drawing/2014/main" id="{298CA2D8-94A1-BCCE-1CDD-3F7C69B006F7}"/>
+              </a:ext>
+            </a:extLst>
+          </p:cNvPr>
+          <p:cNvSpPr>
+            <a:spLocks noGrp="1"/>
+          </p:cNvSpPr>
+          <p:nvPr>
+            <p:ph type="title"/>
+          </p:nvPr>
+        </p:nvSpPr>
+        <p:spPr>
+          <a:xfrm>
+            <a:off x="808638" y="386930"/>
+            <a:ext cx="9236700" cy="1188950"/>
+          </a:xfrm>
+        </p:spPr>
+        <p:txBody>
+          <a:bodyPr anchor="b">
+            <a:normAutofit/>
+          </a:bodyPr>
+          <a:lstStyle/>
+          <a:p>
+            <a:r>
+              <a:rPr lang="en-US" sz="5400" b="1"/>
+              <a:t>Conclusion</a:t>
+            </a:r>
+          </a:p>
+        </p:txBody>
+      </p:sp>
+      <p:grpSp>
+        <p:nvGrpSpPr>
+          <p:cNvPr id="10" name="Group 9">
+            <a:extLst>
+              <a:ext uri="{FF2B5EF4-FFF2-40B4-BE49-F238E27FC236}">
+                <a16:creationId xmlns:a16="http://schemas.microsoft.com/office/drawing/2014/main" id="{28FAF094-D087-493F-8DF9-A486C2D6BBAA}"/>
+              </a:ext>
+              <a:ext uri="{C183D7F6-B498-43B3-948B-1728B52AA6E4}">
+                <adec:decorative xmlns:adec="http://schemas.microsoft.com/office/drawing/2017/decorative" val="1"/>
+              </a:ext>
+            </a:extLst>
+          </p:cNvPr>
+          <p:cNvGrpSpPr>
+            <a:grpSpLocks noGrp="1" noUngrp="1" noRot="1" noChangeAspect="1" noMove="1" noResize="1"/>
+          </p:cNvGrpSpPr>
+          <p:nvPr>
+            <p:extLst>
+              <p:ext uri="{386F3935-93C4-4BCD-93E2-E3B085C9AB24}">
+                <p16:designElem xmlns:p16="http://schemas.microsoft.com/office/powerpoint/2015/main" val="1"/>
+              </p:ext>
+            </p:extLst>
+          </p:nvPr>
+        </p:nvGrpSpPr>
+        <p:grpSpPr>
+          <a:xfrm>
+            <a:off x="-2" y="1998368"/>
+            <a:ext cx="11695083" cy="782176"/>
+            <a:chOff x="-2" y="1998368"/>
+            <a:chExt cx="11695083" cy="782176"/>
+          </a:xfrm>
+        </p:grpSpPr>
+        <p:sp>
+          <p:nvSpPr>
+            <p:cNvPr id="11" name="Rectangle 10">
+              <a:extLst>
+                <a:ext uri="{FF2B5EF4-FFF2-40B4-BE49-F238E27FC236}">
+                  <a16:creationId xmlns:a16="http://schemas.microsoft.com/office/drawing/2014/main" id="{8D7C88D8-5509-4514-925A-9CE148E5CBD6}"/>
+                </a:ext>
+                <a:ext uri="{C183D7F6-B498-43B3-948B-1728B52AA6E4}">
+                  <adec:decorative xmlns:adec="http://schemas.microsoft.com/office/drawing/2017/decorative" val="1"/>
+                </a:ext>
+              </a:extLst>
+            </p:cNvPr>
+            <p:cNvSpPr/>
+            <p:nvPr>
+              <p:extLst>
+                <p:ext uri="{386F3935-93C4-4BCD-93E2-E3B085C9AB24}">
+                  <p16:designElem xmlns:p16="http://schemas.microsoft.com/office/powerpoint/2015/main" val="1"/>
+                </p:ext>
+              </p:extLst>
+            </p:nvPr>
+          </p:nvSpPr>
+          <p:spPr>
+            <a:xfrm rot="5400000">
+              <a:off x="11228040" y="2313027"/>
+              <a:ext cx="781700" cy="152382"/>
+            </a:xfrm>
+            <a:prstGeom prst="rect">
+              <a:avLst/>
+            </a:prstGeom>
+            <a:solidFill>
+              <a:schemeClr val="accent4"/>
+            </a:solidFill>
+            <a:ln>
+              <a:noFill/>
+            </a:ln>
+          </p:spPr>
+          <p:style>
+            <a:lnRef idx="2">
+              <a:schemeClr val="accent1">
+                <a:shade val="50000"/>
+              </a:schemeClr>
+            </a:lnRef>
+            <a:fillRef idx="1">
+              <a:schemeClr val="accent1"/>
+            </a:fillRef>
+            <a:effectRef idx="0">
+              <a:schemeClr val="accent1"/>
+            </a:effectRef>
+            <a:fontRef idx="minor">
+              <a:schemeClr val="lt1"/>
+            </a:fontRef>
+          </p:style>
+          <p:txBody>
+            <a:bodyPr rtlCol="0" anchor="ctr"/>
+            <a:lstStyle/>
+            <a:p>
+              <a:pPr algn="ctr"/>
+              <a:endParaRPr lang="en-US"/>
+            </a:p>
+          </p:txBody>
+        </p:sp>
+        <p:sp>
+          <p:nvSpPr>
+            <p:cNvPr id="12" name="Rectangle 11">
+              <a:extLst>
+                <a:ext uri="{FF2B5EF4-FFF2-40B4-BE49-F238E27FC236}">
+                  <a16:creationId xmlns:a16="http://schemas.microsoft.com/office/drawing/2014/main" id="{7275593D-F75E-4426-AE3E-2CDEFD228D25}"/>
+                </a:ext>
+                <a:ext uri="{C183D7F6-B498-43B3-948B-1728B52AA6E4}">
+                  <adec:decorative xmlns:adec="http://schemas.microsoft.com/office/drawing/2017/decorative" val="1"/>
+                </a:ext>
+              </a:extLst>
+            </p:cNvPr>
+            <p:cNvSpPr/>
+            <p:nvPr>
+              <p:extLst>
+                <p:ext uri="{386F3935-93C4-4BCD-93E2-E3B085C9AB24}">
+                  <p16:designElem xmlns:p16="http://schemas.microsoft.com/office/powerpoint/2015/main" val="1"/>
+                </p:ext>
+              </p:extLst>
+            </p:nvPr>
+          </p:nvSpPr>
+          <p:spPr>
+            <a:xfrm flipH="1" flipV="1">
+              <a:off x="-2" y="1998845"/>
+              <a:ext cx="11454595" cy="781699"/>
+            </a:xfrm>
+            <a:prstGeom prst="rect">
+              <a:avLst/>
+            </a:prstGeom>
+            <a:solidFill>
+              <a:schemeClr val="accent4"/>
+            </a:solidFill>
+            <a:ln>
+              <a:noFill/>
+            </a:ln>
+          </p:spPr>
+          <p:style>
+            <a:lnRef idx="2">
+              <a:schemeClr val="accent1">
+                <a:shade val="50000"/>
+              </a:schemeClr>
+            </a:lnRef>
+            <a:fillRef idx="1">
+              <a:schemeClr val="accent1"/>
+            </a:fillRef>
+            <a:effectRef idx="0">
+              <a:schemeClr val="accent1"/>
+            </a:effectRef>
+            <a:fontRef idx="minor">
+              <a:schemeClr val="lt1"/>
+            </a:fontRef>
+          </p:style>
+          <p:txBody>
+            <a:bodyPr rtlCol="0" anchor="ctr"/>
+            <a:lstStyle/>
+            <a:p>
+              <a:pPr algn="ctr"/>
+              <a:endParaRPr lang="en-US"/>
+            </a:p>
+          </p:txBody>
+        </p:sp>
+      </p:grpSp>
+      <p:sp>
+        <p:nvSpPr>
+          <p:cNvPr id="14" name="Rectangle 13">
+            <a:extLst>
+              <a:ext uri="{FF2B5EF4-FFF2-40B4-BE49-F238E27FC236}">
+                <a16:creationId xmlns:a16="http://schemas.microsoft.com/office/drawing/2014/main" id="{E659831F-0D9A-4C63-9EBB-8435B85A440F}"/>
+              </a:ext>
+              <a:ext uri="{C183D7F6-B498-43B3-948B-1728B52AA6E4}">
+                <adec:decorative xmlns:adec="http://schemas.microsoft.com/office/drawing/2017/decorative" val="1"/>
+              </a:ext>
+            </a:extLst>
+          </p:cNvPr>
+          <p:cNvSpPr>
+            <a:spLocks noGrp="1" noRot="1" noChangeAspect="1" noMove="1" noResize="1" noEditPoints="1" noAdjustHandles="1" noChangeArrowheads="1" noChangeShapeType="1" noTextEdit="1"/>
+          </p:cNvSpPr>
+          <p:nvPr>
+            <p:extLst>
+              <p:ext uri="{386F3935-93C4-4BCD-93E2-E3B085C9AB24}">
+                <p16:designElem xmlns:p16="http://schemas.microsoft.com/office/powerpoint/2015/main" val="1"/>
+              </p:ext>
+            </p:extLst>
+          </p:nvPr>
+        </p:nvSpPr>
+        <p:spPr>
+          <a:xfrm>
+            <a:off x="0" y="2203079"/>
+            <a:ext cx="11383362" cy="4147845"/>
+          </a:xfrm>
+          <a:prstGeom prst="rect">
+            <a:avLst/>
+          </a:prstGeom>
+          <a:solidFill>
+            <a:schemeClr val="bg1"/>
+          </a:solidFill>
+          <a:ln>
+            <a:noFill/>
+          </a:ln>
+          <a:effectLst>
+            <a:outerShdw blurRad="139700" dist="127000" dir="5400000" algn="t" rotWithShape="0">
+              <a:prstClr val="black">
+                <a:alpha val="15000"/>
+              </a:prstClr>
+            </a:outerShdw>
+          </a:effectLst>
+        </p:spPr>
+        <p:style>
+          <a:lnRef idx="2">
+            <a:schemeClr val="accent1">
+              <a:shade val="50000"/>
+            </a:schemeClr>
+          </a:lnRef>
+          <a:fillRef idx="1">
+            <a:schemeClr val="accent1"/>
+          </a:fillRef>
+          <a:effectRef idx="0">
+            <a:schemeClr val="accent1"/>
+          </a:effectRef>
+          <a:fontRef idx="minor">
+            <a:schemeClr val="lt1"/>
+          </a:fontRef>
+        </p:style>
+        <p:txBody>
+          <a:bodyPr rtlCol="0" anchor="ctr"/>
+          <a:lstStyle/>
+          <a:p>
+            <a:pPr algn="ctr"/>
+            <a:endParaRPr lang="en-US"/>
+          </a:p>
+        </p:txBody>
+      </p:sp>
+      <p:sp>
+        <p:nvSpPr>
+          <p:cNvPr id="3" name="Content Placeholder 2">
+            <a:extLst>
+              <a:ext uri="{FF2B5EF4-FFF2-40B4-BE49-F238E27FC236}">
+                <a16:creationId xmlns:a16="http://schemas.microsoft.com/office/drawing/2014/main" id="{900A2329-C602-DD51-E112-BE83EAB18AAD}"/>
+              </a:ext>
+            </a:extLst>
+          </p:cNvPr>
+          <p:cNvSpPr>
+            <a:spLocks noGrp="1"/>
+          </p:cNvSpPr>
+          <p:nvPr>
+            <p:ph idx="1"/>
+          </p:nvPr>
+        </p:nvSpPr>
+        <p:spPr>
+          <a:xfrm>
+            <a:off x="793660" y="2599509"/>
+            <a:ext cx="10143668" cy="3435531"/>
+          </a:xfrm>
+        </p:spPr>
+        <p:txBody>
+          <a:bodyPr anchor="ctr">
+            <a:normAutofit/>
+          </a:bodyPr>
+          <a:lstStyle/>
+          <a:p>
+            <a:r>
+              <a:rPr lang="en-US" sz="1700" b="1"/>
+              <a:t>What We Accomplished</a:t>
+            </a:r>
+            <a:endParaRPr lang="en-US" sz="1700"/>
+          </a:p>
+          <a:p>
+            <a:pPr lvl="1"/>
+            <a:r>
+              <a:rPr lang="en-US" sz="1700"/>
+              <a:t>Built a multi-agent market environment combining RL and EGT.</a:t>
+            </a:r>
+          </a:p>
+          <a:p>
+            <a:pPr lvl="1"/>
+            <a:r>
+              <a:rPr lang="en-US" sz="1700"/>
+              <a:t>Showed the ARL agent can learn stable, risk-aware, profitable policies.</a:t>
+            </a:r>
+          </a:p>
+          <a:p>
+            <a:pPr lvl="1"/>
+            <a:r>
+              <a:rPr lang="en-US" sz="1700"/>
+              <a:t>Observed clear co-adaptation between ARL and EGT populations.</a:t>
+            </a:r>
+          </a:p>
+          <a:p>
+            <a:pPr lvl="1"/>
+            <a:r>
+              <a:rPr lang="en-US" sz="1700"/>
+              <a:t>Demonstrated that agent behavior and population dynamics shape each other.</a:t>
+            </a:r>
+          </a:p>
+          <a:p>
+            <a:r>
+              <a:rPr lang="en-US" sz="1700" b="1"/>
+              <a:t>Why It Matters</a:t>
+            </a:r>
+            <a:endParaRPr lang="en-US" sz="1700"/>
+          </a:p>
+          <a:p>
+            <a:pPr lvl="1"/>
+            <a:r>
+              <a:rPr lang="en-US" sz="1700"/>
+              <a:t>Helps researchers understand RL robustness in adversarial, adaptive settings.</a:t>
+            </a:r>
+          </a:p>
+          <a:p>
+            <a:pPr lvl="1"/>
+            <a:r>
+              <a:rPr lang="en-US" sz="1700"/>
+              <a:t>Provides a platform for exploring multi-agent learning, AI safety, and market microstructure.</a:t>
+            </a:r>
+          </a:p>
+          <a:p>
+            <a:pPr lvl="1"/>
+            <a:r>
+              <a:rPr lang="en-US" sz="1700"/>
+              <a:t>Lays groundwork for richer future experiments with smarter EGT agents or multi-ARL ecosystems.</a:t>
+            </a:r>
+          </a:p>
+          <a:p>
+            <a:endParaRPr lang="en-US" sz="1700"/>
+          </a:p>
+        </p:txBody>
+      </p:sp>
+    </p:spTree>
+    <p:extLst>
+      <p:ext uri="{BB962C8B-B14F-4D97-AF65-F5344CB8AC3E}">
+        <p14:creationId xmlns:p14="http://schemas.microsoft.com/office/powerpoint/2010/main" val="2797832486"/>
+      </p:ext>
+    </p:extLst>
+  </p:cSld>
+  <p:clrMapOvr>
+    <a:masterClrMapping/>
+  </p:clrMapOvr>
+</p:sld>
+</file>
+
+<file path=ppt/slides/slide16.xml><?xml version="1.0" encoding="utf-8"?>
 <p:sld xmlns:a="http://schemas.openxmlformats.org/drawingml/2006/main" xmlns:r="http://schemas.openxmlformats.org/officeDocument/2006/relationships" xmlns:p="http://schemas.openxmlformats.org/presentationml/2006/main">
   <p:cSld>
     <p:spTree>
@@ -3939,7 +6532,7 @@
           <p:cNvPr id="2" name="Title 1">
             <a:extLst>
               <a:ext uri="{FF2B5EF4-FFF2-40B4-BE49-F238E27FC236}">
-                <a16:creationId xmlns:a16="http://schemas.microsoft.com/office/drawing/2014/main" id="{E962FC68-99AE-7AF4-1837-DF12D18C7B77}"/>
+                <a16:creationId xmlns:a16="http://schemas.microsoft.com/office/drawing/2014/main" id="{898EE578-B6ED-0102-6AA0-CF8EEC4365F6}"/>
               </a:ext>
             </a:extLst>
           </p:cNvPr>
@@ -3955,11 +6548,7 @@
           <a:bodyPr/>
           <a:lstStyle/>
           <a:p>
-            <a:r>
-              <a:rPr lang="en-US" b="1" dirty="0"/>
-              <a:t>Positive Community Impact</a:t>
-            </a:r>
-            <a:endParaRPr lang="en-US" dirty="0"/>
+            <a:endParaRPr lang="en-US"/>
           </a:p>
         </p:txBody>
       </p:sp>
@@ -3968,7 +6557,7 @@
           <p:cNvPr id="3" name="Content Placeholder 2">
             <a:extLst>
               <a:ext uri="{FF2B5EF4-FFF2-40B4-BE49-F238E27FC236}">
-                <a16:creationId xmlns:a16="http://schemas.microsoft.com/office/drawing/2014/main" id="{4D3031BC-2541-289D-114A-07CE881EBB82}"/>
+                <a16:creationId xmlns:a16="http://schemas.microsoft.com/office/drawing/2014/main" id="{0FA1253E-0B67-CC2E-623F-4E78087E6C48}"/>
               </a:ext>
             </a:extLst>
           </p:cNvPr>
@@ -3984,41 +6573,14 @@
           <a:bodyPr/>
           <a:lstStyle/>
           <a:p>
-            <a:r>
-              <a:rPr lang="en-US" dirty="0"/>
-              <a:t>Open‑source release for reproducibility and extension.</a:t>
-            </a:r>
-          </a:p>
-          <a:p>
-            <a:r>
-              <a:rPr lang="en-US" dirty="0"/>
-              <a:t>Educational resource for AI, RL, and multi‑agent courses.</a:t>
-            </a:r>
-          </a:p>
-          <a:p>
-            <a:r>
-              <a:rPr lang="en-US" dirty="0"/>
-              <a:t>Research catalyst for AI safety, robustness, and complex‑system studies.</a:t>
-            </a:r>
-          </a:p>
-          <a:p>
-            <a:r>
-              <a:rPr lang="en-US" dirty="0"/>
-              <a:t>Cross‑domain relevance: techniques transferable to cybersecurity, autonomous systems, and other multi‑agent environments.</a:t>
-            </a:r>
-          </a:p>
-          <a:p>
-            <a:r>
-              <a:rPr lang="en-US" dirty="0"/>
-              <a:t>Collaboration invitation for contributions and benchmarking across institutions.</a:t>
-            </a:r>
+            <a:endParaRPr lang="en-US"/>
           </a:p>
         </p:txBody>
       </p:sp>
     </p:spTree>
     <p:extLst>
       <p:ext uri="{BB962C8B-B14F-4D97-AF65-F5344CB8AC3E}">
-        <p14:creationId xmlns:p14="http://schemas.microsoft.com/office/powerpoint/2010/main" val="807734501"/>
+        <p14:creationId xmlns:p14="http://schemas.microsoft.com/office/powerpoint/2010/main" val="4039386225"/>
       </p:ext>
     </p:extLst>
   </p:cSld>
@@ -4028,9 +6590,17 @@
 </p:sld>
 </file>
 
-<file path=ppt/slides/slide12.xml><?xml version="1.0" encoding="utf-8"?>
+<file path=ppt/slides/slide2.xml><?xml version="1.0" encoding="utf-8"?>
 <p:sld xmlns:a="http://schemas.openxmlformats.org/drawingml/2006/main" xmlns:r="http://schemas.openxmlformats.org/officeDocument/2006/relationships" xmlns:p="http://schemas.openxmlformats.org/presentationml/2006/main">
   <p:cSld>
+    <p:bg>
+      <p:bgPr>
+        <a:solidFill>
+          <a:schemeClr val="bg1"/>
+        </a:solidFill>
+        <a:effectLst/>
+      </p:bgPr>
+    </p:bg>
     <p:spTree>
       <p:nvGrpSpPr>
         <p:cNvPr id="1" name=""/>
@@ -4045,12 +6615,72 @@
           <a:chExt cx="0" cy="0"/>
         </a:xfrm>
       </p:grpSpPr>
+      <p:sp useBgFill="1">
+        <p:nvSpPr>
+          <p:cNvPr id="8" name="Rectangle 7">
+            <a:extLst>
+              <a:ext uri="{FF2B5EF4-FFF2-40B4-BE49-F238E27FC236}">
+                <a16:creationId xmlns:a16="http://schemas.microsoft.com/office/drawing/2014/main" id="{DBF61EA3-B236-439E-9C0B-340980D56BEE}"/>
+              </a:ext>
+              <a:ext uri="{C183D7F6-B498-43B3-948B-1728B52AA6E4}">
+                <adec:decorative xmlns:adec="http://schemas.microsoft.com/office/drawing/2017/decorative" val="1"/>
+              </a:ext>
+            </a:extLst>
+          </p:cNvPr>
+          <p:cNvSpPr>
+            <a:spLocks noGrp="1" noRot="1" noChangeAspect="1" noMove="1" noResize="1" noEditPoints="1" noAdjustHandles="1" noChangeArrowheads="1" noChangeShapeType="1" noTextEdit="1"/>
+          </p:cNvSpPr>
+          <p:nvPr>
+            <p:extLst>
+              <p:ext uri="{386F3935-93C4-4BCD-93E2-E3B085C9AB24}">
+                <p16:designElem xmlns:p16="http://schemas.microsoft.com/office/powerpoint/2015/main" val="1"/>
+              </p:ext>
+            </p:extLst>
+          </p:nvPr>
+        </p:nvSpPr>
+        <p:spPr>
+          <a:xfrm>
+            <a:off x="0" y="0"/>
+            <a:ext cx="12191999" cy="6857365"/>
+          </a:xfrm>
+          <a:prstGeom prst="rect">
+            <a:avLst/>
+          </a:prstGeom>
+          <a:ln>
+            <a:noFill/>
+          </a:ln>
+        </p:spPr>
+        <p:style>
+          <a:lnRef idx="2">
+            <a:schemeClr val="accent1">
+              <a:shade val="50000"/>
+            </a:schemeClr>
+          </a:lnRef>
+          <a:fillRef idx="1">
+            <a:schemeClr val="accent1"/>
+          </a:fillRef>
+          <a:effectRef idx="0">
+            <a:schemeClr val="accent1"/>
+          </a:effectRef>
+          <a:fontRef idx="minor">
+            <a:schemeClr val="lt1"/>
+          </a:fontRef>
+        </p:style>
+        <p:txBody>
+          <a:bodyPr rtlCol="0" anchor="ctr"/>
+          <a:lstStyle/>
+          <a:p>
+            <a:pPr algn="ctr"/>
+            <a:endParaRPr lang="en-US"/>
+          </a:p>
+        </p:txBody>
+      </p:sp>
       <p:sp>
         <p:nvSpPr>
           <p:cNvPr id="2" name="Title 1">
             <a:extLst>
               <a:ext uri="{FF2B5EF4-FFF2-40B4-BE49-F238E27FC236}">
-                <a16:creationId xmlns:a16="http://schemas.microsoft.com/office/drawing/2014/main" id="{C3D93810-0F47-9CB9-DCF2-9D4672C6CD2B}"/>
+                <a16:creationId xmlns:a16="http://schemas.microsoft.com/office/drawing/2014/main" id="{788436D2-C349-4E5C-61EF-DF2174A71BFC}"/>
               </a:ext>
             </a:extLst>
           </p:cNvPr>
@@ -4061,414 +6691,247 @@
             <p:ph type="title"/>
           </p:nvPr>
         </p:nvSpPr>
-        <p:spPr/>
-        <p:txBody>
-          <a:bodyPr/>
-          <a:lstStyle/>
-          <a:p>
-            <a:r>
-              <a:rPr lang="en-US" b="1" dirty="0"/>
-              <a:t>Why This Matters</a:t>
-            </a:r>
-            <a:endParaRPr lang="en-US" dirty="0"/>
-          </a:p>
-        </p:txBody>
-      </p:sp>
-      <p:sp>
-        <p:nvSpPr>
-          <p:cNvPr id="3" name="Content Placeholder 2">
-            <a:extLst>
-              <a:ext uri="{FF2B5EF4-FFF2-40B4-BE49-F238E27FC236}">
-                <a16:creationId xmlns:a16="http://schemas.microsoft.com/office/drawing/2014/main" id="{7D4E378D-FF33-3A0E-16E7-0BA3FA85B7F5}"/>
-              </a:ext>
-            </a:extLst>
-          </p:cNvPr>
-          <p:cNvSpPr>
-            <a:spLocks noGrp="1"/>
-          </p:cNvSpPr>
-          <p:nvPr>
-            <p:ph idx="1"/>
-          </p:nvPr>
-        </p:nvSpPr>
-        <p:spPr/>
-        <p:txBody>
-          <a:bodyPr/>
-          <a:lstStyle/>
-          <a:p>
-            <a:r>
-              <a:rPr lang="en-US" dirty="0"/>
-              <a:t>Demonstrates intelligent behavior under uncertainty and adversarial pressure.</a:t>
-            </a:r>
-          </a:p>
-          <a:p>
-            <a:r>
-              <a:rPr lang="en-US" dirty="0"/>
-              <a:t>Provides a testbed for AI robustness, adaptation, and generalization.</a:t>
-            </a:r>
-          </a:p>
-          <a:p>
-            <a:r>
-              <a:rPr lang="en-US" dirty="0"/>
-              <a:t>Bridges RL with evolutionary dynamics, advancing multi‑agent AI research.</a:t>
-            </a:r>
-          </a:p>
-        </p:txBody>
-      </p:sp>
-    </p:spTree>
-    <p:extLst>
-      <p:ext uri="{BB962C8B-B14F-4D97-AF65-F5344CB8AC3E}">
-        <p14:creationId xmlns:p14="http://schemas.microsoft.com/office/powerpoint/2010/main" val="2597669334"/>
-      </p:ext>
-    </p:extLst>
-  </p:cSld>
-  <p:clrMapOvr>
-    <a:masterClrMapping/>
-  </p:clrMapOvr>
-</p:sld>
-</file>
-
-<file path=ppt/slides/slide13.xml><?xml version="1.0" encoding="utf-8"?>
-<p:sld xmlns:a="http://schemas.openxmlformats.org/drawingml/2006/main" xmlns:r="http://schemas.openxmlformats.org/officeDocument/2006/relationships" xmlns:p="http://schemas.openxmlformats.org/presentationml/2006/main">
-  <p:cSld>
-    <p:spTree>
-      <p:nvGrpSpPr>
-        <p:cNvPr id="1" name=""/>
-        <p:cNvGrpSpPr/>
-        <p:nvPr/>
-      </p:nvGrpSpPr>
-      <p:grpSpPr>
-        <a:xfrm>
-          <a:off x="0" y="0"/>
-          <a:ext cx="0" cy="0"/>
-          <a:chOff x="0" y="0"/>
-          <a:chExt cx="0" cy="0"/>
-        </a:xfrm>
-      </p:grpSpPr>
-      <p:sp>
-        <p:nvSpPr>
-          <p:cNvPr id="2" name="Title 1">
-            <a:extLst>
-              <a:ext uri="{FF2B5EF4-FFF2-40B4-BE49-F238E27FC236}">
-                <a16:creationId xmlns:a16="http://schemas.microsoft.com/office/drawing/2014/main" id="{B575AD7A-170B-B4D4-8812-0FBE62FAD3FF}"/>
-              </a:ext>
-            </a:extLst>
-          </p:cNvPr>
-          <p:cNvSpPr>
-            <a:spLocks noGrp="1"/>
-          </p:cNvSpPr>
-          <p:nvPr>
-            <p:ph type="title"/>
-          </p:nvPr>
-        </p:nvSpPr>
-        <p:spPr/>
-        <p:txBody>
-          <a:bodyPr/>
-          <a:lstStyle/>
-          <a:p>
-            <a:r>
-              <a:rPr lang="en-US" b="1" dirty="0"/>
-              <a:t>Running the Project</a:t>
-            </a:r>
-            <a:endParaRPr lang="en-US" dirty="0"/>
-          </a:p>
-        </p:txBody>
-      </p:sp>
-      <p:sp>
-        <p:nvSpPr>
-          <p:cNvPr id="3" name="Content Placeholder 2">
-            <a:extLst>
-              <a:ext uri="{FF2B5EF4-FFF2-40B4-BE49-F238E27FC236}">
-                <a16:creationId xmlns:a16="http://schemas.microsoft.com/office/drawing/2014/main" id="{C5517174-33F5-FBB3-4E23-59058B86427C}"/>
-              </a:ext>
-            </a:extLst>
-          </p:cNvPr>
-          <p:cNvSpPr>
-            <a:spLocks noGrp="1"/>
-          </p:cNvSpPr>
-          <p:nvPr>
-            <p:ph idx="1"/>
-          </p:nvPr>
-        </p:nvSpPr>
-        <p:spPr/>
-        <p:txBody>
-          <a:bodyPr/>
-          <a:lstStyle/>
-          <a:p>
-            <a:r>
-              <a:rPr lang="en-US" dirty="0"/>
-              <a:t>pip install -r requirements.txt</a:t>
-            </a:r>
-          </a:p>
-          <a:p>
-            <a:r>
-              <a:rPr lang="en-US" dirty="0"/>
-              <a:t>python main.py</a:t>
-            </a:r>
-          </a:p>
-        </p:txBody>
-      </p:sp>
-    </p:spTree>
-    <p:extLst>
-      <p:ext uri="{BB962C8B-B14F-4D97-AF65-F5344CB8AC3E}">
-        <p14:creationId xmlns:p14="http://schemas.microsoft.com/office/powerpoint/2010/main" val="417649570"/>
-      </p:ext>
-    </p:extLst>
-  </p:cSld>
-  <p:clrMapOvr>
-    <a:masterClrMapping/>
-  </p:clrMapOvr>
-</p:sld>
-</file>
-
-<file path=ppt/slides/slide14.xml><?xml version="1.0" encoding="utf-8"?>
-<p:sld xmlns:a="http://schemas.openxmlformats.org/drawingml/2006/main" xmlns:r="http://schemas.openxmlformats.org/officeDocument/2006/relationships" xmlns:p="http://schemas.openxmlformats.org/presentationml/2006/main">
-  <p:cSld>
-    <p:spTree>
-      <p:nvGrpSpPr>
-        <p:cNvPr id="1" name=""/>
-        <p:cNvGrpSpPr/>
-        <p:nvPr/>
-      </p:nvGrpSpPr>
-      <p:grpSpPr>
-        <a:xfrm>
-          <a:off x="0" y="0"/>
-          <a:ext cx="0" cy="0"/>
-          <a:chOff x="0" y="0"/>
-          <a:chExt cx="0" cy="0"/>
-        </a:xfrm>
-      </p:grpSpPr>
-      <p:sp>
-        <p:nvSpPr>
-          <p:cNvPr id="2" name="Title 1">
-            <a:extLst>
-              <a:ext uri="{FF2B5EF4-FFF2-40B4-BE49-F238E27FC236}">
-                <a16:creationId xmlns:a16="http://schemas.microsoft.com/office/drawing/2014/main" id="{381AF48A-03DF-D763-0CB2-D4EDFE140179}"/>
-              </a:ext>
-            </a:extLst>
-          </p:cNvPr>
-          <p:cNvSpPr>
-            <a:spLocks noGrp="1"/>
-          </p:cNvSpPr>
-          <p:nvPr>
-            <p:ph type="title"/>
-          </p:nvPr>
-        </p:nvSpPr>
-        <p:spPr/>
-        <p:txBody>
-          <a:bodyPr/>
-          <a:lstStyle/>
-          <a:p>
-            <a:r>
-              <a:rPr lang="en-US" b="1" dirty="0"/>
-              <a:t>Future Work</a:t>
-            </a:r>
-            <a:endParaRPr lang="en-US" dirty="0"/>
-          </a:p>
-        </p:txBody>
-      </p:sp>
-      <p:sp>
-        <p:nvSpPr>
-          <p:cNvPr id="3" name="Content Placeholder 2">
-            <a:extLst>
-              <a:ext uri="{FF2B5EF4-FFF2-40B4-BE49-F238E27FC236}">
-                <a16:creationId xmlns:a16="http://schemas.microsoft.com/office/drawing/2014/main" id="{63C6A4FF-3D22-852B-42AC-8784149239E5}"/>
-              </a:ext>
-            </a:extLst>
-          </p:cNvPr>
-          <p:cNvSpPr>
-            <a:spLocks noGrp="1"/>
-          </p:cNvSpPr>
-          <p:nvPr>
-            <p:ph idx="1"/>
-          </p:nvPr>
-        </p:nvSpPr>
-        <p:spPr/>
-        <p:txBody>
-          <a:bodyPr/>
-          <a:lstStyle/>
-          <a:p>
-            <a:r>
-              <a:rPr lang="en-US" dirty="0"/>
-              <a:t>Add richer strategy families (e.g., RL‑based EGT agents).</a:t>
-            </a:r>
-          </a:p>
-          <a:p>
-            <a:r>
-              <a:rPr lang="en-US" dirty="0"/>
-              <a:t>Expand state space with order‑book depth and micro‑structure features.</a:t>
-            </a:r>
-          </a:p>
-          <a:p>
-            <a:r>
-              <a:rPr lang="en-US" dirty="0"/>
-              <a:t>Test across diverse market regimes (bull, bear, sideways) and multiple assets.</a:t>
-            </a:r>
-          </a:p>
-          <a:p>
-            <a:r>
-              <a:rPr lang="en-US" dirty="0"/>
-              <a:t>Integrate explainability analyses (SHAP, saliency maps) to interpret ARL's spread decisions.</a:t>
-            </a:r>
-          </a:p>
-          <a:p>
-            <a:r>
-              <a:rPr lang="en-US" dirty="0"/>
-              <a:t>Investigate multi‑agent RL where several ARL agents co‑exist.</a:t>
-            </a:r>
-          </a:p>
-          <a:p>
-            <a:pPr marL="0" indent="0">
-              <a:buNone/>
-            </a:pPr>
-            <a:endParaRPr lang="en-US" dirty="0"/>
-          </a:p>
-        </p:txBody>
-      </p:sp>
-    </p:spTree>
-    <p:extLst>
-      <p:ext uri="{BB962C8B-B14F-4D97-AF65-F5344CB8AC3E}">
-        <p14:creationId xmlns:p14="http://schemas.microsoft.com/office/powerpoint/2010/main" val="1362664001"/>
-      </p:ext>
-    </p:extLst>
-  </p:cSld>
-  <p:clrMapOvr>
-    <a:masterClrMapping/>
-  </p:clrMapOvr>
-</p:sld>
-</file>
-
-<file path=ppt/slides/slide15.xml><?xml version="1.0" encoding="utf-8"?>
-<p:sld xmlns:a="http://schemas.openxmlformats.org/drawingml/2006/main" xmlns:r="http://schemas.openxmlformats.org/officeDocument/2006/relationships" xmlns:p="http://schemas.openxmlformats.org/presentationml/2006/main">
-  <p:cSld>
-    <p:spTree>
-      <p:nvGrpSpPr>
-        <p:cNvPr id="1" name=""/>
-        <p:cNvGrpSpPr/>
-        <p:nvPr/>
-      </p:nvGrpSpPr>
-      <p:grpSpPr>
-        <a:xfrm>
-          <a:off x="0" y="0"/>
-          <a:ext cx="0" cy="0"/>
-          <a:chOff x="0" y="0"/>
-          <a:chExt cx="0" cy="0"/>
-        </a:xfrm>
-      </p:grpSpPr>
-      <p:sp>
-        <p:nvSpPr>
-          <p:cNvPr id="2" name="Title 1">
-            <a:extLst>
-              <a:ext uri="{FF2B5EF4-FFF2-40B4-BE49-F238E27FC236}">
-                <a16:creationId xmlns:a16="http://schemas.microsoft.com/office/drawing/2014/main" id="{C2163B31-12FA-D46A-1FCB-72E8DE2A4839}"/>
-              </a:ext>
-            </a:extLst>
-          </p:cNvPr>
-          <p:cNvSpPr>
-            <a:spLocks noGrp="1"/>
-          </p:cNvSpPr>
-          <p:nvPr>
-            <p:ph type="title"/>
-          </p:nvPr>
-        </p:nvSpPr>
-        <p:spPr/>
-        <p:txBody>
-          <a:bodyPr/>
-          <a:lstStyle/>
-          <a:p>
-            <a:r>
-              <a:rPr lang="en-US" b="1" dirty="0"/>
-              <a:t>Conclusion</a:t>
-            </a:r>
-            <a:endParaRPr lang="en-US" dirty="0"/>
-          </a:p>
-        </p:txBody>
-      </p:sp>
-      <p:sp>
-        <p:nvSpPr>
-          <p:cNvPr id="3" name="Content Placeholder 2">
-            <a:extLst>
-              <a:ext uri="{FF2B5EF4-FFF2-40B4-BE49-F238E27FC236}">
-                <a16:creationId xmlns:a16="http://schemas.microsoft.com/office/drawing/2014/main" id="{2799A3D0-9C2A-EE45-5C22-064B5FF35CF6}"/>
-              </a:ext>
-            </a:extLst>
-          </p:cNvPr>
-          <p:cNvSpPr>
-            <a:spLocks noGrp="1"/>
-          </p:cNvSpPr>
-          <p:nvPr>
-            <p:ph idx="1"/>
-          </p:nvPr>
-        </p:nvSpPr>
-        <p:spPr/>
-        <p:txBody>
-          <a:bodyPr/>
-          <a:lstStyle/>
-          <a:p>
-            <a:r>
-              <a:rPr lang="en-US" dirty="0"/>
-              <a:t>The simulated market serves as a powerful research playground where learning, evolution, and strategic interaction emerge naturally. This project shows how an ARL agent can both exploit and safeguard against an evolving EGT population, offering valuable insights for broader AI robustness research.</a:t>
-            </a:r>
-          </a:p>
-        </p:txBody>
-      </p:sp>
-    </p:spTree>
-    <p:extLst>
-      <p:ext uri="{BB962C8B-B14F-4D97-AF65-F5344CB8AC3E}">
-        <p14:creationId xmlns:p14="http://schemas.microsoft.com/office/powerpoint/2010/main" val="2320002069"/>
-      </p:ext>
-    </p:extLst>
-  </p:cSld>
-  <p:clrMapOvr>
-    <a:masterClrMapping/>
-  </p:clrMapOvr>
-</p:sld>
-</file>
-
-<file path=ppt/slides/slide2.xml><?xml version="1.0" encoding="utf-8"?>
-<p:sld xmlns:a="http://schemas.openxmlformats.org/drawingml/2006/main" xmlns:r="http://schemas.openxmlformats.org/officeDocument/2006/relationships" xmlns:p="http://schemas.openxmlformats.org/presentationml/2006/main">
-  <p:cSld>
-    <p:spTree>
-      <p:nvGrpSpPr>
-        <p:cNvPr id="1" name=""/>
-        <p:cNvGrpSpPr/>
-        <p:nvPr/>
-      </p:nvGrpSpPr>
-      <p:grpSpPr>
-        <a:xfrm>
-          <a:off x="0" y="0"/>
-          <a:ext cx="0" cy="0"/>
-          <a:chOff x="0" y="0"/>
-          <a:chExt cx="0" cy="0"/>
-        </a:xfrm>
-      </p:grpSpPr>
-      <p:sp>
-        <p:nvSpPr>
-          <p:cNvPr id="2" name="Title 1">
-            <a:extLst>
-              <a:ext uri="{FF2B5EF4-FFF2-40B4-BE49-F238E27FC236}">
-                <a16:creationId xmlns:a16="http://schemas.microsoft.com/office/drawing/2014/main" id="{788436D2-C349-4E5C-61EF-DF2174A71BFC}"/>
-              </a:ext>
-            </a:extLst>
-          </p:cNvPr>
-          <p:cNvSpPr>
-            <a:spLocks noGrp="1"/>
-          </p:cNvSpPr>
-          <p:nvPr>
-            <p:ph type="title"/>
-          </p:nvPr>
-        </p:nvSpPr>
-        <p:spPr/>
-        <p:txBody>
-          <a:bodyPr>
+        <p:spPr>
+          <a:xfrm>
+            <a:off x="808638" y="386930"/>
+            <a:ext cx="9236700" cy="1188950"/>
+          </a:xfrm>
+        </p:spPr>
+        <p:txBody>
+          <a:bodyPr anchor="b">
             <a:normAutofit/>
           </a:bodyPr>
           <a:lstStyle/>
           <a:p>
             <a:r>
-              <a:rPr lang="en-US" b="1" dirty="0"/>
-              <a:t>Introduction &amp; Research Question</a:t>
-            </a:r>
-            <a:endParaRPr lang="en-US" dirty="0"/>
+              <a:rPr lang="en-US" sz="4600" b="1"/>
+              <a:t>Research Question and Motivation</a:t>
+            </a:r>
+            <a:endParaRPr lang="en-US" sz="4600"/>
+          </a:p>
+        </p:txBody>
+      </p:sp>
+      <p:grpSp>
+        <p:nvGrpSpPr>
+          <p:cNvPr id="10" name="Group 9">
+            <a:extLst>
+              <a:ext uri="{FF2B5EF4-FFF2-40B4-BE49-F238E27FC236}">
+                <a16:creationId xmlns:a16="http://schemas.microsoft.com/office/drawing/2014/main" id="{28FAF094-D087-493F-8DF9-A486C2D6BBAA}"/>
+              </a:ext>
+              <a:ext uri="{C183D7F6-B498-43B3-948B-1728B52AA6E4}">
+                <adec:decorative xmlns:adec="http://schemas.microsoft.com/office/drawing/2017/decorative" val="1"/>
+              </a:ext>
+            </a:extLst>
+          </p:cNvPr>
+          <p:cNvGrpSpPr>
+            <a:grpSpLocks noGrp="1" noUngrp="1" noRot="1" noChangeAspect="1" noMove="1" noResize="1"/>
+          </p:cNvGrpSpPr>
+          <p:nvPr>
+            <p:extLst>
+              <p:ext uri="{386F3935-93C4-4BCD-93E2-E3B085C9AB24}">
+                <p16:designElem xmlns:p16="http://schemas.microsoft.com/office/powerpoint/2015/main" val="1"/>
+              </p:ext>
+            </p:extLst>
+          </p:nvPr>
+        </p:nvGrpSpPr>
+        <p:grpSpPr>
+          <a:xfrm>
+            <a:off x="-2" y="1998368"/>
+            <a:ext cx="11695083" cy="782176"/>
+            <a:chOff x="-2" y="1998368"/>
+            <a:chExt cx="11695083" cy="782176"/>
+          </a:xfrm>
+        </p:grpSpPr>
+        <p:sp>
+          <p:nvSpPr>
+            <p:cNvPr id="11" name="Rectangle 10">
+              <a:extLst>
+                <a:ext uri="{FF2B5EF4-FFF2-40B4-BE49-F238E27FC236}">
+                  <a16:creationId xmlns:a16="http://schemas.microsoft.com/office/drawing/2014/main" id="{8D7C88D8-5509-4514-925A-9CE148E5CBD6}"/>
+                </a:ext>
+                <a:ext uri="{C183D7F6-B498-43B3-948B-1728B52AA6E4}">
+                  <adec:decorative xmlns:adec="http://schemas.microsoft.com/office/drawing/2017/decorative" val="1"/>
+                </a:ext>
+              </a:extLst>
+            </p:cNvPr>
+            <p:cNvSpPr/>
+            <p:nvPr>
+              <p:extLst>
+                <p:ext uri="{386F3935-93C4-4BCD-93E2-E3B085C9AB24}">
+                  <p16:designElem xmlns:p16="http://schemas.microsoft.com/office/powerpoint/2015/main" val="1"/>
+                </p:ext>
+              </p:extLst>
+            </p:nvPr>
+          </p:nvSpPr>
+          <p:spPr>
+            <a:xfrm rot="5400000">
+              <a:off x="11228040" y="2313027"/>
+              <a:ext cx="781700" cy="152382"/>
+            </a:xfrm>
+            <a:prstGeom prst="rect">
+              <a:avLst/>
+            </a:prstGeom>
+            <a:solidFill>
+              <a:schemeClr val="accent4"/>
+            </a:solidFill>
+            <a:ln>
+              <a:noFill/>
+            </a:ln>
+          </p:spPr>
+          <p:style>
+            <a:lnRef idx="2">
+              <a:schemeClr val="accent1">
+                <a:shade val="50000"/>
+              </a:schemeClr>
+            </a:lnRef>
+            <a:fillRef idx="1">
+              <a:schemeClr val="accent1"/>
+            </a:fillRef>
+            <a:effectRef idx="0">
+              <a:schemeClr val="accent1"/>
+            </a:effectRef>
+            <a:fontRef idx="minor">
+              <a:schemeClr val="lt1"/>
+            </a:fontRef>
+          </p:style>
+          <p:txBody>
+            <a:bodyPr rtlCol="0" anchor="ctr"/>
+            <a:lstStyle/>
+            <a:p>
+              <a:pPr algn="ctr"/>
+              <a:endParaRPr lang="en-US"/>
+            </a:p>
+          </p:txBody>
+        </p:sp>
+        <p:sp>
+          <p:nvSpPr>
+            <p:cNvPr id="12" name="Rectangle 11">
+              <a:extLst>
+                <a:ext uri="{FF2B5EF4-FFF2-40B4-BE49-F238E27FC236}">
+                  <a16:creationId xmlns:a16="http://schemas.microsoft.com/office/drawing/2014/main" id="{7275593D-F75E-4426-AE3E-2CDEFD228D25}"/>
+                </a:ext>
+                <a:ext uri="{C183D7F6-B498-43B3-948B-1728B52AA6E4}">
+                  <adec:decorative xmlns:adec="http://schemas.microsoft.com/office/drawing/2017/decorative" val="1"/>
+                </a:ext>
+              </a:extLst>
+            </p:cNvPr>
+            <p:cNvSpPr/>
+            <p:nvPr>
+              <p:extLst>
+                <p:ext uri="{386F3935-93C4-4BCD-93E2-E3B085C9AB24}">
+                  <p16:designElem xmlns:p16="http://schemas.microsoft.com/office/powerpoint/2015/main" val="1"/>
+                </p:ext>
+              </p:extLst>
+            </p:nvPr>
+          </p:nvSpPr>
+          <p:spPr>
+            <a:xfrm flipH="1" flipV="1">
+              <a:off x="-2" y="1998845"/>
+              <a:ext cx="11454595" cy="781699"/>
+            </a:xfrm>
+            <a:prstGeom prst="rect">
+              <a:avLst/>
+            </a:prstGeom>
+            <a:solidFill>
+              <a:schemeClr val="accent4"/>
+            </a:solidFill>
+            <a:ln>
+              <a:noFill/>
+            </a:ln>
+          </p:spPr>
+          <p:style>
+            <a:lnRef idx="2">
+              <a:schemeClr val="accent1">
+                <a:shade val="50000"/>
+              </a:schemeClr>
+            </a:lnRef>
+            <a:fillRef idx="1">
+              <a:schemeClr val="accent1"/>
+            </a:fillRef>
+            <a:effectRef idx="0">
+              <a:schemeClr val="accent1"/>
+            </a:effectRef>
+            <a:fontRef idx="minor">
+              <a:schemeClr val="lt1"/>
+            </a:fontRef>
+          </p:style>
+          <p:txBody>
+            <a:bodyPr rtlCol="0" anchor="ctr"/>
+            <a:lstStyle/>
+            <a:p>
+              <a:pPr algn="ctr"/>
+              <a:endParaRPr lang="en-US"/>
+            </a:p>
+          </p:txBody>
+        </p:sp>
+      </p:grpSp>
+      <p:sp>
+        <p:nvSpPr>
+          <p:cNvPr id="14" name="Rectangle 13">
+            <a:extLst>
+              <a:ext uri="{FF2B5EF4-FFF2-40B4-BE49-F238E27FC236}">
+                <a16:creationId xmlns:a16="http://schemas.microsoft.com/office/drawing/2014/main" id="{E659831F-0D9A-4C63-9EBB-8435B85A440F}"/>
+              </a:ext>
+              <a:ext uri="{C183D7F6-B498-43B3-948B-1728B52AA6E4}">
+                <adec:decorative xmlns:adec="http://schemas.microsoft.com/office/drawing/2017/decorative" val="1"/>
+              </a:ext>
+            </a:extLst>
+          </p:cNvPr>
+          <p:cNvSpPr>
+            <a:spLocks noGrp="1" noRot="1" noChangeAspect="1" noMove="1" noResize="1" noEditPoints="1" noAdjustHandles="1" noChangeArrowheads="1" noChangeShapeType="1" noTextEdit="1"/>
+          </p:cNvSpPr>
+          <p:nvPr>
+            <p:extLst>
+              <p:ext uri="{386F3935-93C4-4BCD-93E2-E3B085C9AB24}">
+                <p16:designElem xmlns:p16="http://schemas.microsoft.com/office/powerpoint/2015/main" val="1"/>
+              </p:ext>
+            </p:extLst>
+          </p:nvPr>
+        </p:nvSpPr>
+        <p:spPr>
+          <a:xfrm>
+            <a:off x="0" y="2203079"/>
+            <a:ext cx="11383362" cy="4147845"/>
+          </a:xfrm>
+          <a:prstGeom prst="rect">
+            <a:avLst/>
+          </a:prstGeom>
+          <a:solidFill>
+            <a:schemeClr val="bg1"/>
+          </a:solidFill>
+          <a:ln>
+            <a:noFill/>
+          </a:ln>
+          <a:effectLst>
+            <a:outerShdw blurRad="139700" dist="127000" dir="5400000" algn="t" rotWithShape="0">
+              <a:prstClr val="black">
+                <a:alpha val="15000"/>
+              </a:prstClr>
+            </a:outerShdw>
+          </a:effectLst>
+        </p:spPr>
+        <p:style>
+          <a:lnRef idx="2">
+            <a:schemeClr val="accent1">
+              <a:shade val="50000"/>
+            </a:schemeClr>
+          </a:lnRef>
+          <a:fillRef idx="1">
+            <a:schemeClr val="accent1"/>
+          </a:fillRef>
+          <a:effectRef idx="0">
+            <a:schemeClr val="accent1"/>
+          </a:effectRef>
+          <a:fontRef idx="minor">
+            <a:schemeClr val="lt1"/>
+          </a:fontRef>
+        </p:style>
+        <p:txBody>
+          <a:bodyPr rtlCol="0" anchor="ctr"/>
+          <a:lstStyle/>
+          <a:p>
+            <a:pPr algn="ctr"/>
+            <a:endParaRPr lang="en-US"/>
           </a:p>
         </p:txBody>
       </p:sp>
@@ -4488,43 +6951,65 @@
             <p:ph idx="1"/>
           </p:nvPr>
         </p:nvSpPr>
-        <p:spPr/>
-        <p:txBody>
-          <a:bodyPr/>
-          <a:lstStyle/>
-          <a:p>
-            <a:r>
-              <a:rPr lang="en-US" b="1" dirty="0"/>
-              <a:t>Goal</a:t>
-            </a:r>
-            <a:r>
-              <a:rPr lang="en-US" dirty="0"/>
-              <a:t>: Use a high‑noise, non‑stationary simulated stock market as a </a:t>
-            </a:r>
-            <a:r>
-              <a:rPr lang="en-US" i="1" dirty="0"/>
-              <a:t>research playground</a:t>
-            </a:r>
-            <a:r>
-              <a:rPr lang="en-US" dirty="0"/>
-              <a:t> to study AI robustness, adaptation, and complex‑system dynamics.</a:t>
-            </a:r>
-          </a:p>
-          <a:p>
-            <a:r>
-              <a:rPr lang="en-US" b="1" dirty="0"/>
+        <p:spPr>
+          <a:xfrm>
+            <a:off x="793660" y="2599509"/>
+            <a:ext cx="10143668" cy="3435531"/>
+          </a:xfrm>
+        </p:spPr>
+        <p:txBody>
+          <a:bodyPr anchor="ctr">
+            <a:normAutofit/>
+          </a:bodyPr>
+          <a:lstStyle/>
+          <a:p>
+            <a:r>
+              <a:rPr lang="en-US" sz="2000" b="1" dirty="0"/>
               <a:t>Research Question</a:t>
             </a:r>
-            <a:r>
-              <a:rPr lang="en-US" dirty="0"/>
-              <a:t>: How does an Adaptive Reinforcement Learning (ARL) agent perform, adapt, and influence an evolving population of heuristic traders (EGT) in this environment?</a:t>
-            </a:r>
-          </a:p>
-          <a:p>
-            <a:pPr marL="0" indent="0">
-              <a:buNone/>
-            </a:pPr>
-            <a:endParaRPr lang="en-US" dirty="0"/>
+            <a:endParaRPr lang="en-US" sz="2000" dirty="0"/>
+          </a:p>
+          <a:p>
+            <a:pPr lvl="1"/>
+            <a:r>
+              <a:rPr lang="en-US" sz="2000" dirty="0"/>
+              <a:t>How does an Adaptive Reinforcement Learning (ARL) agent perform and adapt against an evolving population of heuristic traders governed by Evolutionary Game Theory (EGT)?</a:t>
+            </a:r>
+          </a:p>
+          <a:p>
+            <a:r>
+              <a:rPr lang="en-US" sz="2000" b="1" dirty="0"/>
+              <a:t>Motivation</a:t>
+            </a:r>
+            <a:endParaRPr lang="en-US" sz="2000" dirty="0"/>
+          </a:p>
+          <a:p>
+            <a:pPr lvl="1"/>
+            <a:r>
+              <a:rPr lang="en-US" sz="2000" dirty="0"/>
+              <a:t>Markets are noisy, adversarial, and non-stationary - ideal for stress-testing AI.</a:t>
+            </a:r>
+          </a:p>
+          <a:p>
+            <a:pPr lvl="1"/>
+            <a:r>
+              <a:rPr lang="en-US" sz="2000" dirty="0"/>
+              <a:t>Safe environment for studying RL adaptation and robustness.</a:t>
+            </a:r>
+          </a:p>
+          <a:p>
+            <a:pPr lvl="1"/>
+            <a:r>
+              <a:rPr lang="en-US" sz="2000" dirty="0"/>
+              <a:t>EGT provides an adaptive adversary that changes over time, not a fixed opponent.</a:t>
+            </a:r>
+          </a:p>
+          <a:p>
+            <a:pPr lvl="1"/>
+            <a:r>
+              <a:rPr lang="en-US" sz="2000" dirty="0"/>
+              <a:t>Connects to AI themes: search, reasoning, planning, learning, and multi-agent interaction</a:t>
+            </a:r>
           </a:p>
         </p:txBody>
       </p:sp>
@@ -4544,6 +7029,14 @@
 <file path=ppt/slides/slide3.xml><?xml version="1.0" encoding="utf-8"?>
 <p:sld xmlns:a="http://schemas.openxmlformats.org/drawingml/2006/main" xmlns:r="http://schemas.openxmlformats.org/officeDocument/2006/relationships" xmlns:p="http://schemas.openxmlformats.org/presentationml/2006/main">
   <p:cSld>
+    <p:bg>
+      <p:bgPr>
+        <a:solidFill>
+          <a:schemeClr val="bg1"/>
+        </a:solidFill>
+        <a:effectLst/>
+      </p:bgPr>
+    </p:bg>
     <p:spTree>
       <p:nvGrpSpPr>
         <p:cNvPr id="1" name=""/>
@@ -4558,12 +7051,72 @@
           <a:chExt cx="0" cy="0"/>
         </a:xfrm>
       </p:grpSpPr>
+      <p:sp useBgFill="1">
+        <p:nvSpPr>
+          <p:cNvPr id="12" name="Rectangle 11">
+            <a:extLst>
+              <a:ext uri="{FF2B5EF4-FFF2-40B4-BE49-F238E27FC236}">
+                <a16:creationId xmlns:a16="http://schemas.microsoft.com/office/drawing/2014/main" id="{058A14AF-9FB5-4CC7-BA35-E8E85D3EDF0E}"/>
+              </a:ext>
+              <a:ext uri="{C183D7F6-B498-43B3-948B-1728B52AA6E4}">
+                <adec:decorative xmlns:adec="http://schemas.microsoft.com/office/drawing/2017/decorative" val="1"/>
+              </a:ext>
+            </a:extLst>
+          </p:cNvPr>
+          <p:cNvSpPr>
+            <a:spLocks noGrp="1" noRot="1" noChangeAspect="1" noMove="1" noResize="1" noEditPoints="1" noAdjustHandles="1" noChangeArrowheads="1" noChangeShapeType="1" noTextEdit="1"/>
+          </p:cNvSpPr>
+          <p:nvPr>
+            <p:extLst>
+              <p:ext uri="{386F3935-93C4-4BCD-93E2-E3B085C9AB24}">
+                <p16:designElem xmlns:p16="http://schemas.microsoft.com/office/powerpoint/2015/main" val="1"/>
+              </p:ext>
+            </p:extLst>
+          </p:nvPr>
+        </p:nvSpPr>
+        <p:spPr>
+          <a:xfrm>
+            <a:off x="0" y="0"/>
+            <a:ext cx="12191999" cy="6857365"/>
+          </a:xfrm>
+          <a:prstGeom prst="rect">
+            <a:avLst/>
+          </a:prstGeom>
+          <a:ln>
+            <a:noFill/>
+          </a:ln>
+        </p:spPr>
+        <p:style>
+          <a:lnRef idx="2">
+            <a:schemeClr val="accent1">
+              <a:shade val="50000"/>
+            </a:schemeClr>
+          </a:lnRef>
+          <a:fillRef idx="1">
+            <a:schemeClr val="accent1"/>
+          </a:fillRef>
+          <a:effectRef idx="0">
+            <a:schemeClr val="accent1"/>
+          </a:effectRef>
+          <a:fontRef idx="minor">
+            <a:schemeClr val="lt1"/>
+          </a:fontRef>
+        </p:style>
+        <p:txBody>
+          <a:bodyPr rtlCol="0" anchor="ctr"/>
+          <a:lstStyle/>
+          <a:p>
+            <a:pPr algn="ctr"/>
+            <a:endParaRPr lang="en-US"/>
+          </a:p>
+        </p:txBody>
+      </p:sp>
       <p:sp>
         <p:nvSpPr>
           <p:cNvPr id="2" name="Title 1">
             <a:extLst>
               <a:ext uri="{FF2B5EF4-FFF2-40B4-BE49-F238E27FC236}">
-                <a16:creationId xmlns:a16="http://schemas.microsoft.com/office/drawing/2014/main" id="{A5BA1BFB-DCD3-6DE5-7359-6A3CDD184496}"/>
+                <a16:creationId xmlns:a16="http://schemas.microsoft.com/office/drawing/2014/main" id="{C1E3122C-E13C-E170-C61A-C5041BFBF023}"/>
               </a:ext>
             </a:extLst>
           </p:cNvPr>
@@ -4574,16 +7127,155 @@
             <p:ph type="title"/>
           </p:nvPr>
         </p:nvSpPr>
-        <p:spPr/>
-        <p:txBody>
-          <a:bodyPr/>
-          <a:lstStyle/>
-          <a:p>
-            <a:r>
-              <a:rPr lang="en-US" b="1" dirty="0"/>
-              <a:t>Motivation</a:t>
-            </a:r>
-            <a:endParaRPr lang="en-US" dirty="0"/>
+        <p:spPr>
+          <a:xfrm>
+            <a:off x="793662" y="386930"/>
+            <a:ext cx="10066122" cy="1298448"/>
+          </a:xfrm>
+        </p:spPr>
+        <p:txBody>
+          <a:bodyPr anchor="b">
+            <a:normAutofit/>
+          </a:bodyPr>
+          <a:lstStyle/>
+          <a:p>
+            <a:r>
+              <a:rPr lang="en-US" sz="4800" b="1"/>
+              <a:t>Tested Market Patterns</a:t>
+            </a:r>
+          </a:p>
+        </p:txBody>
+      </p:sp>
+      <p:sp>
+        <p:nvSpPr>
+          <p:cNvPr id="14" name="Rectangle 13">
+            <a:extLst>
+              <a:ext uri="{FF2B5EF4-FFF2-40B4-BE49-F238E27FC236}">
+                <a16:creationId xmlns:a16="http://schemas.microsoft.com/office/drawing/2014/main" id="{3A9A4357-BD1D-4622-A4FE-766E6AB8DE84}"/>
+              </a:ext>
+              <a:ext uri="{C183D7F6-B498-43B3-948B-1728B52AA6E4}">
+                <adec:decorative xmlns:adec="http://schemas.microsoft.com/office/drawing/2017/decorative" val="1"/>
+              </a:ext>
+            </a:extLst>
+          </p:cNvPr>
+          <p:cNvSpPr>
+            <a:spLocks noGrp="1" noRot="1" noChangeAspect="1" noMove="1" noResize="1" noEditPoints="1" noAdjustHandles="1" noChangeArrowheads="1" noChangeShapeType="1" noTextEdit="1"/>
+          </p:cNvSpPr>
+          <p:nvPr>
+            <p:extLst>
+              <p:ext uri="{386F3935-93C4-4BCD-93E2-E3B085C9AB24}">
+                <p16:designElem xmlns:p16="http://schemas.microsoft.com/office/powerpoint/2015/main" val="1"/>
+              </p:ext>
+            </p:extLst>
+          </p:nvPr>
+        </p:nvSpPr>
+        <p:spPr>
+          <a:xfrm flipH="1" flipV="1">
+            <a:off x="-2" y="1998845"/>
+            <a:ext cx="11454595" cy="781699"/>
+          </a:xfrm>
+          <a:prstGeom prst="rect">
+            <a:avLst/>
+          </a:prstGeom>
+          <a:solidFill>
+            <a:schemeClr val="accent4"/>
+          </a:solidFill>
+          <a:ln>
+            <a:noFill/>
+          </a:ln>
+        </p:spPr>
+        <p:style>
+          <a:lnRef idx="2">
+            <a:schemeClr val="accent1">
+              <a:shade val="50000"/>
+            </a:schemeClr>
+          </a:lnRef>
+          <a:fillRef idx="1">
+            <a:schemeClr val="accent1"/>
+          </a:fillRef>
+          <a:effectRef idx="0">
+            <a:schemeClr val="accent1"/>
+          </a:effectRef>
+          <a:fontRef idx="minor">
+            <a:schemeClr val="lt1"/>
+          </a:fontRef>
+        </p:style>
+        <p:txBody>
+          <a:bodyPr rtlCol="0" anchor="ctr"/>
+          <a:lstStyle/>
+          <a:p>
+            <a:pPr algn="ctr"/>
+            <a:endParaRPr lang="en-US"/>
+          </a:p>
+        </p:txBody>
+      </p:sp>
+      <p:sp>
+        <p:nvSpPr>
+          <p:cNvPr id="16" name="Rectangle 15">
+            <a:extLst>
+              <a:ext uri="{FF2B5EF4-FFF2-40B4-BE49-F238E27FC236}">
+                <a16:creationId xmlns:a16="http://schemas.microsoft.com/office/drawing/2014/main" id="{E659831F-0D9A-4C63-9EBB-8435B85A440F}"/>
+              </a:ext>
+              <a:ext uri="{C183D7F6-B498-43B3-948B-1728B52AA6E4}">
+                <adec:decorative xmlns:adec="http://schemas.microsoft.com/office/drawing/2017/decorative" val="1"/>
+              </a:ext>
+            </a:extLst>
+          </p:cNvPr>
+          <p:cNvSpPr>
+            <a:spLocks noGrp="1" noRot="1" noChangeAspect="1" noMove="1" noResize="1" noEditPoints="1" noAdjustHandles="1" noChangeArrowheads="1" noChangeShapeType="1" noTextEdit="1"/>
+          </p:cNvSpPr>
+          <p:nvPr>
+            <p:extLst>
+              <p:ext uri="{386F3935-93C4-4BCD-93E2-E3B085C9AB24}">
+                <p16:designElem xmlns:p16="http://schemas.microsoft.com/office/powerpoint/2015/main" val="1"/>
+              </p:ext>
+            </p:extLst>
+          </p:nvPr>
+        </p:nvSpPr>
+        <p:spPr>
+          <a:xfrm>
+            <a:off x="0" y="2203079"/>
+            <a:ext cx="11383362" cy="4267991"/>
+          </a:xfrm>
+          <a:prstGeom prst="rect">
+            <a:avLst/>
+          </a:prstGeom>
+          <a:solidFill>
+            <a:schemeClr val="bg1"/>
+          </a:solidFill>
+          <a:ln>
+            <a:noFill/>
+          </a:ln>
+          <a:effectLst>
+            <a:outerShdw blurRad="139700" dist="127000" dir="5400000" algn="t" rotWithShape="0">
+              <a:prstClr val="black">
+                <a:alpha val="15000"/>
+              </a:prstClr>
+            </a:outerShdw>
+          </a:effectLst>
+        </p:spPr>
+        <p:style>
+          <a:lnRef idx="2">
+            <a:schemeClr val="accent1">
+              <a:shade val="50000"/>
+            </a:schemeClr>
+          </a:lnRef>
+          <a:fillRef idx="1">
+            <a:schemeClr val="accent1"/>
+          </a:fillRef>
+          <a:effectRef idx="0">
+            <a:schemeClr val="accent1"/>
+          </a:effectRef>
+          <a:fontRef idx="minor">
+            <a:schemeClr val="lt1"/>
+          </a:fontRef>
+        </p:style>
+        <p:txBody>
+          <a:bodyPr rtlCol="0" anchor="ctr"/>
+          <a:lstStyle/>
+          <a:p>
+            <a:pPr algn="ctr"/>
+            <a:endParaRPr lang="en-US"/>
           </a:p>
         </p:txBody>
       </p:sp>
@@ -4592,7 +7284,7 @@
           <p:cNvPr id="3" name="Content Placeholder 2">
             <a:extLst>
               <a:ext uri="{FF2B5EF4-FFF2-40B4-BE49-F238E27FC236}">
-                <a16:creationId xmlns:a16="http://schemas.microsoft.com/office/drawing/2014/main" id="{48BE6CC0-3AF8-4D35-2925-925C9DA26460}"/>
+                <a16:creationId xmlns:a16="http://schemas.microsoft.com/office/drawing/2014/main" id="{C9C1416E-60CE-93DF-05AA-604C02C5CF02}"/>
               </a:ext>
             </a:extLst>
           </p:cNvPr>
@@ -4603,42 +7295,157 @@
             <p:ph idx="1"/>
           </p:nvPr>
         </p:nvSpPr>
-        <p:spPr/>
-        <p:txBody>
-          <a:bodyPr/>
-          <a:lstStyle/>
-          <a:p>
-            <a:r>
-              <a:rPr lang="en-US" dirty="0"/>
-              <a:t>Markets provide adversarial, non‑stationary dynamics that stress‑test learning algorithms.</a:t>
-            </a:r>
-          </a:p>
-          <a:p>
-            <a:r>
-              <a:rPr lang="en-US" dirty="0"/>
-              <a:t>Safe experimentation on </a:t>
-            </a:r>
-            <a:r>
-              <a:rPr lang="en-US" b="1" dirty="0"/>
-              <a:t>general AI capabilities</a:t>
-            </a:r>
-            <a:r>
-              <a:rPr lang="en-US" dirty="0"/>
-              <a:t> without real‑world financial risk.</a:t>
-            </a:r>
-          </a:p>
-          <a:p>
-            <a:r>
-              <a:rPr lang="en-US" dirty="0"/>
-              <a:t>Directly ties to AI syllabus themes: search, problem solving, knowledge representation, reasoning, and learning.</a:t>
-            </a:r>
+        <p:spPr>
+          <a:xfrm>
+            <a:off x="793661" y="2599509"/>
+            <a:ext cx="4530898" cy="3639450"/>
+          </a:xfrm>
+        </p:spPr>
+        <p:txBody>
+          <a:bodyPr anchor="ctr">
+            <a:normAutofit/>
+          </a:bodyPr>
+          <a:lstStyle/>
+          <a:p>
+            <a:r>
+              <a:rPr lang="en-US" sz="2000" b="1"/>
+              <a:t>Why Multiple Patterns?</a:t>
+            </a:r>
+            <a:endParaRPr lang="en-US" sz="2000"/>
+          </a:p>
+          <a:p>
+            <a:pPr lvl="1"/>
+            <a:r>
+              <a:rPr lang="en-US" sz="2000"/>
+              <a:t>We tested several market trajectories (trend, range, high volatility).</a:t>
+            </a:r>
+          </a:p>
+          <a:p>
+            <a:pPr lvl="1"/>
+            <a:r>
+              <a:rPr lang="en-US" sz="2000"/>
+              <a:t>ARL behavior remained consistent across patterns.</a:t>
+            </a:r>
+          </a:p>
+          <a:p>
+            <a:r>
+              <a:rPr lang="en-US" sz="2000" b="1"/>
+              <a:t>Presentation Note:</a:t>
+            </a:r>
+            <a:endParaRPr lang="en-US" sz="2000"/>
+          </a:p>
+          <a:p>
+            <a:pPr lvl="1"/>
+            <a:r>
+              <a:rPr lang="en-US" sz="2000"/>
+              <a:t>For time, we show results for one representative market.</a:t>
+            </a:r>
+          </a:p>
+        </p:txBody>
+      </p:sp>
+      <p:pic>
+        <p:nvPicPr>
+          <p:cNvPr id="7" name="Picture 6" descr="A graph with red lines and numbers&#10;&#10;AI-generated content may be incorrect.">
+            <a:extLst>
+              <a:ext uri="{FF2B5EF4-FFF2-40B4-BE49-F238E27FC236}">
+                <a16:creationId xmlns:a16="http://schemas.microsoft.com/office/drawing/2014/main" id="{CA3BE041-281B-F4D4-EF2A-0DCA60E2B879}"/>
+              </a:ext>
+            </a:extLst>
+          </p:cNvPr>
+          <p:cNvPicPr>
+            <a:picLocks noChangeAspect="1"/>
+          </p:cNvPicPr>
+          <p:nvPr/>
+        </p:nvPicPr>
+        <p:blipFill>
+          <a:blip r:embed="rId2">
+            <a:extLst>
+              <a:ext uri="{28A0092B-C50C-407E-A947-70E740481C1C}">
+                <a14:useLocalDpi xmlns:a14="http://schemas.microsoft.com/office/drawing/2010/main" val="0"/>
+              </a:ext>
+            </a:extLst>
+          </a:blip>
+          <a:stretch>
+            <a:fillRect/>
+          </a:stretch>
+        </p:blipFill>
+        <p:spPr>
+          <a:xfrm>
+            <a:off x="5911532" y="2487277"/>
+            <a:ext cx="5150277" cy="3708199"/>
+          </a:xfrm>
+          <a:prstGeom prst="rect">
+            <a:avLst/>
+          </a:prstGeom>
+        </p:spPr>
+      </p:pic>
+      <p:sp>
+        <p:nvSpPr>
+          <p:cNvPr id="18" name="Rectangle 17">
+            <a:extLst>
+              <a:ext uri="{FF2B5EF4-FFF2-40B4-BE49-F238E27FC236}">
+                <a16:creationId xmlns:a16="http://schemas.microsoft.com/office/drawing/2014/main" id="{E6995CE5-F890-4ABA-82A2-26507CE8D2A3}"/>
+              </a:ext>
+              <a:ext uri="{C183D7F6-B498-43B3-948B-1728B52AA6E4}">
+                <adec:decorative xmlns:adec="http://schemas.microsoft.com/office/drawing/2017/decorative" val="1"/>
+              </a:ext>
+            </a:extLst>
+          </p:cNvPr>
+          <p:cNvSpPr>
+            <a:spLocks noGrp="1" noRot="1" noChangeAspect="1" noMove="1" noResize="1" noEditPoints="1" noAdjustHandles="1" noChangeArrowheads="1" noChangeShapeType="1" noTextEdit="1"/>
+          </p:cNvSpPr>
+          <p:nvPr>
+            <p:extLst>
+              <p:ext uri="{386F3935-93C4-4BCD-93E2-E3B085C9AB24}">
+                <p16:designElem xmlns:p16="http://schemas.microsoft.com/office/powerpoint/2015/main" val="1"/>
+              </p:ext>
+            </p:extLst>
+          </p:nvPr>
+        </p:nvSpPr>
+        <p:spPr>
+          <a:xfrm rot="5400000">
+            <a:off x="11228040" y="2313027"/>
+            <a:ext cx="781700" cy="152382"/>
+          </a:xfrm>
+          <a:prstGeom prst="rect">
+            <a:avLst/>
+          </a:prstGeom>
+          <a:solidFill>
+            <a:schemeClr val="accent4"/>
+          </a:solidFill>
+          <a:ln>
+            <a:noFill/>
+          </a:ln>
+        </p:spPr>
+        <p:style>
+          <a:lnRef idx="2">
+            <a:schemeClr val="accent1">
+              <a:shade val="50000"/>
+            </a:schemeClr>
+          </a:lnRef>
+          <a:fillRef idx="1">
+            <a:schemeClr val="accent1"/>
+          </a:fillRef>
+          <a:effectRef idx="0">
+            <a:schemeClr val="accent1"/>
+          </a:effectRef>
+          <a:fontRef idx="minor">
+            <a:schemeClr val="lt1"/>
+          </a:fontRef>
+        </p:style>
+        <p:txBody>
+          <a:bodyPr rtlCol="0" anchor="ctr"/>
+          <a:lstStyle/>
+          <a:p>
+            <a:pPr algn="ctr"/>
+            <a:endParaRPr lang="en-US"/>
           </a:p>
         </p:txBody>
       </p:sp>
     </p:spTree>
     <p:extLst>
       <p:ext uri="{BB962C8B-B14F-4D97-AF65-F5344CB8AC3E}">
-        <p14:creationId xmlns:p14="http://schemas.microsoft.com/office/powerpoint/2010/main" val="3508238934"/>
+        <p14:creationId xmlns:p14="http://schemas.microsoft.com/office/powerpoint/2010/main" val="3903271773"/>
       </p:ext>
     </p:extLst>
   </p:cSld>
@@ -4651,6 +7458,14 @@
 <file path=ppt/slides/slide4.xml><?xml version="1.0" encoding="utf-8"?>
 <p:sld xmlns:a="http://schemas.openxmlformats.org/drawingml/2006/main" xmlns:r="http://schemas.openxmlformats.org/officeDocument/2006/relationships" xmlns:p="http://schemas.openxmlformats.org/presentationml/2006/main">
   <p:cSld>
+    <p:bg>
+      <p:bgPr>
+        <a:solidFill>
+          <a:schemeClr val="bg1"/>
+        </a:solidFill>
+        <a:effectLst/>
+      </p:bgPr>
+    </p:bg>
     <p:spTree>
       <p:nvGrpSpPr>
         <p:cNvPr id="1" name=""/>
@@ -4665,12 +7480,72 @@
           <a:chExt cx="0" cy="0"/>
         </a:xfrm>
       </p:grpSpPr>
+      <p:sp useBgFill="1">
+        <p:nvSpPr>
+          <p:cNvPr id="16" name="Rectangle 15">
+            <a:extLst>
+              <a:ext uri="{FF2B5EF4-FFF2-40B4-BE49-F238E27FC236}">
+                <a16:creationId xmlns:a16="http://schemas.microsoft.com/office/drawing/2014/main" id="{058A14AF-9FB5-4CC7-BA35-E8E85D3EDF0E}"/>
+              </a:ext>
+              <a:ext uri="{C183D7F6-B498-43B3-948B-1728B52AA6E4}">
+                <adec:decorative xmlns:adec="http://schemas.microsoft.com/office/drawing/2017/decorative" val="1"/>
+              </a:ext>
+            </a:extLst>
+          </p:cNvPr>
+          <p:cNvSpPr>
+            <a:spLocks noGrp="1" noRot="1" noChangeAspect="1" noMove="1" noResize="1" noEditPoints="1" noAdjustHandles="1" noChangeArrowheads="1" noChangeShapeType="1" noTextEdit="1"/>
+          </p:cNvSpPr>
+          <p:nvPr>
+            <p:extLst>
+              <p:ext uri="{386F3935-93C4-4BCD-93E2-E3B085C9AB24}">
+                <p16:designElem xmlns:p16="http://schemas.microsoft.com/office/powerpoint/2015/main" val="1"/>
+              </p:ext>
+            </p:extLst>
+          </p:nvPr>
+        </p:nvSpPr>
+        <p:spPr>
+          <a:xfrm>
+            <a:off x="0" y="0"/>
+            <a:ext cx="12191999" cy="6857365"/>
+          </a:xfrm>
+          <a:prstGeom prst="rect">
+            <a:avLst/>
+          </a:prstGeom>
+          <a:ln>
+            <a:noFill/>
+          </a:ln>
+        </p:spPr>
+        <p:style>
+          <a:lnRef idx="2">
+            <a:schemeClr val="accent1">
+              <a:shade val="50000"/>
+            </a:schemeClr>
+          </a:lnRef>
+          <a:fillRef idx="1">
+            <a:schemeClr val="accent1"/>
+          </a:fillRef>
+          <a:effectRef idx="0">
+            <a:schemeClr val="accent1"/>
+          </a:effectRef>
+          <a:fontRef idx="minor">
+            <a:schemeClr val="lt1"/>
+          </a:fontRef>
+        </p:style>
+        <p:txBody>
+          <a:bodyPr rtlCol="0" anchor="ctr"/>
+          <a:lstStyle/>
+          <a:p>
+            <a:pPr algn="ctr"/>
+            <a:endParaRPr lang="en-US"/>
+          </a:p>
+        </p:txBody>
+      </p:sp>
       <p:sp>
         <p:nvSpPr>
           <p:cNvPr id="2" name="Title 1">
             <a:extLst>
               <a:ext uri="{FF2B5EF4-FFF2-40B4-BE49-F238E27FC236}">
-                <a16:creationId xmlns:a16="http://schemas.microsoft.com/office/drawing/2014/main" id="{7ADF8621-571F-AB04-E155-C55E40D62905}"/>
+                <a16:creationId xmlns:a16="http://schemas.microsoft.com/office/drawing/2014/main" id="{A5BA1BFB-DCD3-6DE5-7359-6A3CDD184496}"/>
               </a:ext>
             </a:extLst>
           </p:cNvPr>
@@ -4681,16 +7556,155 @@
             <p:ph type="title"/>
           </p:nvPr>
         </p:nvSpPr>
-        <p:spPr/>
-        <p:txBody>
-          <a:bodyPr/>
+        <p:spPr>
+          <a:xfrm>
+            <a:off x="793662" y="386930"/>
+            <a:ext cx="10066122" cy="1298448"/>
+          </a:xfrm>
+        </p:spPr>
+        <p:txBody>
+          <a:bodyPr anchor="b">
+            <a:normAutofit/>
+          </a:bodyPr>
           <a:lstStyle/>
           <a:p>
             <a:r>
               <a:rPr lang="en-US" b="1" dirty="0"/>
-              <a:t>AI Foundations</a:t>
-            </a:r>
-            <a:endParaRPr lang="en-US" dirty="0"/>
+              <a:t>Simulation Environment / Market Setup</a:t>
+            </a:r>
+          </a:p>
+        </p:txBody>
+      </p:sp>
+      <p:sp>
+        <p:nvSpPr>
+          <p:cNvPr id="18" name="Rectangle 17">
+            <a:extLst>
+              <a:ext uri="{FF2B5EF4-FFF2-40B4-BE49-F238E27FC236}">
+                <a16:creationId xmlns:a16="http://schemas.microsoft.com/office/drawing/2014/main" id="{3A9A4357-BD1D-4622-A4FE-766E6AB8DE84}"/>
+              </a:ext>
+              <a:ext uri="{C183D7F6-B498-43B3-948B-1728B52AA6E4}">
+                <adec:decorative xmlns:adec="http://schemas.microsoft.com/office/drawing/2017/decorative" val="1"/>
+              </a:ext>
+            </a:extLst>
+          </p:cNvPr>
+          <p:cNvSpPr>
+            <a:spLocks noGrp="1" noRot="1" noChangeAspect="1" noMove="1" noResize="1" noEditPoints="1" noAdjustHandles="1" noChangeArrowheads="1" noChangeShapeType="1" noTextEdit="1"/>
+          </p:cNvSpPr>
+          <p:nvPr>
+            <p:extLst>
+              <p:ext uri="{386F3935-93C4-4BCD-93E2-E3B085C9AB24}">
+                <p16:designElem xmlns:p16="http://schemas.microsoft.com/office/powerpoint/2015/main" val="1"/>
+              </p:ext>
+            </p:extLst>
+          </p:nvPr>
+        </p:nvSpPr>
+        <p:spPr>
+          <a:xfrm flipH="1" flipV="1">
+            <a:off x="-2" y="1998845"/>
+            <a:ext cx="11454595" cy="781699"/>
+          </a:xfrm>
+          <a:prstGeom prst="rect">
+            <a:avLst/>
+          </a:prstGeom>
+          <a:solidFill>
+            <a:schemeClr val="accent4"/>
+          </a:solidFill>
+          <a:ln>
+            <a:noFill/>
+          </a:ln>
+        </p:spPr>
+        <p:style>
+          <a:lnRef idx="2">
+            <a:schemeClr val="accent1">
+              <a:shade val="50000"/>
+            </a:schemeClr>
+          </a:lnRef>
+          <a:fillRef idx="1">
+            <a:schemeClr val="accent1"/>
+          </a:fillRef>
+          <a:effectRef idx="0">
+            <a:schemeClr val="accent1"/>
+          </a:effectRef>
+          <a:fontRef idx="minor">
+            <a:schemeClr val="lt1"/>
+          </a:fontRef>
+        </p:style>
+        <p:txBody>
+          <a:bodyPr rtlCol="0" anchor="ctr"/>
+          <a:lstStyle/>
+          <a:p>
+            <a:pPr algn="ctr"/>
+            <a:endParaRPr lang="en-US"/>
+          </a:p>
+        </p:txBody>
+      </p:sp>
+      <p:sp>
+        <p:nvSpPr>
+          <p:cNvPr id="20" name="Rectangle 19">
+            <a:extLst>
+              <a:ext uri="{FF2B5EF4-FFF2-40B4-BE49-F238E27FC236}">
+                <a16:creationId xmlns:a16="http://schemas.microsoft.com/office/drawing/2014/main" id="{E659831F-0D9A-4C63-9EBB-8435B85A440F}"/>
+              </a:ext>
+              <a:ext uri="{C183D7F6-B498-43B3-948B-1728B52AA6E4}">
+                <adec:decorative xmlns:adec="http://schemas.microsoft.com/office/drawing/2017/decorative" val="1"/>
+              </a:ext>
+            </a:extLst>
+          </p:cNvPr>
+          <p:cNvSpPr>
+            <a:spLocks noGrp="1" noRot="1" noChangeAspect="1" noMove="1" noResize="1" noEditPoints="1" noAdjustHandles="1" noChangeArrowheads="1" noChangeShapeType="1" noTextEdit="1"/>
+          </p:cNvSpPr>
+          <p:nvPr>
+            <p:extLst>
+              <p:ext uri="{386F3935-93C4-4BCD-93E2-E3B085C9AB24}">
+                <p16:designElem xmlns:p16="http://schemas.microsoft.com/office/powerpoint/2015/main" val="1"/>
+              </p:ext>
+            </p:extLst>
+          </p:nvPr>
+        </p:nvSpPr>
+        <p:spPr>
+          <a:xfrm>
+            <a:off x="0" y="2203079"/>
+            <a:ext cx="11383362" cy="4267991"/>
+          </a:xfrm>
+          <a:prstGeom prst="rect">
+            <a:avLst/>
+          </a:prstGeom>
+          <a:solidFill>
+            <a:schemeClr val="bg1"/>
+          </a:solidFill>
+          <a:ln>
+            <a:noFill/>
+          </a:ln>
+          <a:effectLst>
+            <a:outerShdw blurRad="139700" dist="127000" dir="5400000" algn="t" rotWithShape="0">
+              <a:prstClr val="black">
+                <a:alpha val="15000"/>
+              </a:prstClr>
+            </a:outerShdw>
+          </a:effectLst>
+        </p:spPr>
+        <p:style>
+          <a:lnRef idx="2">
+            <a:schemeClr val="accent1">
+              <a:shade val="50000"/>
+            </a:schemeClr>
+          </a:lnRef>
+          <a:fillRef idx="1">
+            <a:schemeClr val="accent1"/>
+          </a:fillRef>
+          <a:effectRef idx="0">
+            <a:schemeClr val="accent1"/>
+          </a:effectRef>
+          <a:fontRef idx="minor">
+            <a:schemeClr val="lt1"/>
+          </a:fontRef>
+        </p:style>
+        <p:txBody>
+          <a:bodyPr rtlCol="0" anchor="ctr"/>
+          <a:lstStyle/>
+          <a:p>
+            <a:pPr algn="ctr"/>
+            <a:endParaRPr lang="en-US"/>
           </a:p>
         </p:txBody>
       </p:sp>
@@ -4699,7 +7713,7 @@
           <p:cNvPr id="3" name="Content Placeholder 2">
             <a:extLst>
               <a:ext uri="{FF2B5EF4-FFF2-40B4-BE49-F238E27FC236}">
-                <a16:creationId xmlns:a16="http://schemas.microsoft.com/office/drawing/2014/main" id="{1C2B7280-0B9C-BB12-98CC-A56D2F415F2D}"/>
+                <a16:creationId xmlns:a16="http://schemas.microsoft.com/office/drawing/2014/main" id="{48BE6CC0-3AF8-4D35-2925-925C9DA26460}"/>
               </a:ext>
             </a:extLst>
           </p:cNvPr>
@@ -4710,48 +7724,140 @@
             <p:ph idx="1"/>
           </p:nvPr>
         </p:nvSpPr>
-        <p:spPr/>
-        <p:txBody>
-          <a:bodyPr>
-            <a:normAutofit lnSpcReduction="10000"/>
+        <p:spPr>
+          <a:xfrm>
+            <a:off x="793661" y="2599509"/>
+            <a:ext cx="4530898" cy="3639450"/>
+          </a:xfrm>
+        </p:spPr>
+        <p:txBody>
+          <a:bodyPr anchor="ctr">
+            <a:normAutofit/>
           </a:bodyPr>
           <a:lstStyle/>
           <a:p>
             <a:r>
-              <a:rPr lang="en-US" dirty="0"/>
-              <a:t>Search &amp; Optimization – ARL explores a discrete action‑space of bid/ask spreads.</a:t>
-            </a:r>
-          </a:p>
-          <a:p>
-            <a:r>
-              <a:rPr lang="en-US" dirty="0"/>
-              <a:t>Problem Solving &amp; Planning – Market simulation is an MDP (states → actions → rewards).</a:t>
-            </a:r>
-          </a:p>
-          <a:p>
-            <a:r>
-              <a:rPr lang="en-US" dirty="0"/>
-              <a:t>Knowledge &amp; Reasoning – State fuses market indicators (volatility, momentum, RSI) with inventory knowledge.</a:t>
-            </a:r>
-          </a:p>
-          <a:p>
-            <a:r>
-              <a:rPr lang="en-US" dirty="0"/>
-              <a:t>Learning Paradigms – DDQN (deep RL) combined with Evolutionary Game Theory (replicator dynamics).</a:t>
-            </a:r>
-          </a:p>
-          <a:p>
-            <a:r>
-              <a:rPr lang="en-US" dirty="0"/>
-              <a:t>Ethical Impact – Demonstrates AI behavior in high‑risk, multi‑agent systems.</a:t>
-            </a:r>
+              <a:rPr lang="en-US" sz="2000"/>
+              <a:t>Mid-price evolves using stochastic volatility. </a:t>
+            </a:r>
+          </a:p>
+          <a:p>
+            <a:r>
+              <a:rPr lang="en-US" sz="2000"/>
+              <a:t>Agents interact via crossing quotes (order-book style). </a:t>
+            </a:r>
+          </a:p>
+          <a:p>
+            <a:r>
+              <a:rPr lang="en-US" sz="2000"/>
+              <a:t>ARL posts bid/ask spreads; EGT evaluates and trades.</a:t>
+            </a:r>
+          </a:p>
+        </p:txBody>
+      </p:sp>
+      <p:pic>
+        <p:nvPicPr>
+          <p:cNvPr id="11" name="Picture 10" descr="A graph with different colored bars&#10;&#10;AI-generated content may be incorrect.">
+            <a:extLst>
+              <a:ext uri="{FF2B5EF4-FFF2-40B4-BE49-F238E27FC236}">
+                <a16:creationId xmlns:a16="http://schemas.microsoft.com/office/drawing/2014/main" id="{C11E6100-FD36-B157-5EA8-2B762439510C}"/>
+              </a:ext>
+            </a:extLst>
+          </p:cNvPr>
+          <p:cNvPicPr>
+            <a:picLocks noChangeAspect="1"/>
+          </p:cNvPicPr>
+          <p:nvPr/>
+        </p:nvPicPr>
+        <p:blipFill>
+          <a:blip r:embed="rId2">
+            <a:extLst>
+              <a:ext uri="{28A0092B-C50C-407E-A947-70E740481C1C}">
+                <a14:useLocalDpi xmlns:a14="http://schemas.microsoft.com/office/drawing/2010/main" val="0"/>
+              </a:ext>
+            </a:extLst>
+          </a:blip>
+          <a:stretch>
+            <a:fillRect/>
+          </a:stretch>
+        </p:blipFill>
+        <p:spPr>
+          <a:xfrm>
+            <a:off x="6010509" y="2484255"/>
+            <a:ext cx="4952322" cy="3714244"/>
+          </a:xfrm>
+          <a:prstGeom prst="rect">
+            <a:avLst/>
+          </a:prstGeom>
+        </p:spPr>
+      </p:pic>
+      <p:sp>
+        <p:nvSpPr>
+          <p:cNvPr id="22" name="Rectangle 21">
+            <a:extLst>
+              <a:ext uri="{FF2B5EF4-FFF2-40B4-BE49-F238E27FC236}">
+                <a16:creationId xmlns:a16="http://schemas.microsoft.com/office/drawing/2014/main" id="{E6995CE5-F890-4ABA-82A2-26507CE8D2A3}"/>
+              </a:ext>
+              <a:ext uri="{C183D7F6-B498-43B3-948B-1728B52AA6E4}">
+                <adec:decorative xmlns:adec="http://schemas.microsoft.com/office/drawing/2017/decorative" val="1"/>
+              </a:ext>
+            </a:extLst>
+          </p:cNvPr>
+          <p:cNvSpPr>
+            <a:spLocks noGrp="1" noRot="1" noChangeAspect="1" noMove="1" noResize="1" noEditPoints="1" noAdjustHandles="1" noChangeArrowheads="1" noChangeShapeType="1" noTextEdit="1"/>
+          </p:cNvSpPr>
+          <p:nvPr>
+            <p:extLst>
+              <p:ext uri="{386F3935-93C4-4BCD-93E2-E3B085C9AB24}">
+                <p16:designElem xmlns:p16="http://schemas.microsoft.com/office/powerpoint/2015/main" val="1"/>
+              </p:ext>
+            </p:extLst>
+          </p:nvPr>
+        </p:nvSpPr>
+        <p:spPr>
+          <a:xfrm rot="5400000">
+            <a:off x="11228040" y="2313027"/>
+            <a:ext cx="781700" cy="152382"/>
+          </a:xfrm>
+          <a:prstGeom prst="rect">
+            <a:avLst/>
+          </a:prstGeom>
+          <a:solidFill>
+            <a:schemeClr val="accent4"/>
+          </a:solidFill>
+          <a:ln>
+            <a:noFill/>
+          </a:ln>
+        </p:spPr>
+        <p:style>
+          <a:lnRef idx="2">
+            <a:schemeClr val="accent1">
+              <a:shade val="50000"/>
+            </a:schemeClr>
+          </a:lnRef>
+          <a:fillRef idx="1">
+            <a:schemeClr val="accent1"/>
+          </a:fillRef>
+          <a:effectRef idx="0">
+            <a:schemeClr val="accent1"/>
+          </a:effectRef>
+          <a:fontRef idx="minor">
+            <a:schemeClr val="lt1"/>
+          </a:fontRef>
+        </p:style>
+        <p:txBody>
+          <a:bodyPr rtlCol="0" anchor="ctr"/>
+          <a:lstStyle/>
+          <a:p>
+            <a:pPr algn="ctr"/>
+            <a:endParaRPr lang="en-US"/>
           </a:p>
         </p:txBody>
       </p:sp>
     </p:spTree>
     <p:extLst>
       <p:ext uri="{BB962C8B-B14F-4D97-AF65-F5344CB8AC3E}">
-        <p14:creationId xmlns:p14="http://schemas.microsoft.com/office/powerpoint/2010/main" val="3640470003"/>
+        <p14:creationId xmlns:p14="http://schemas.microsoft.com/office/powerpoint/2010/main" val="3508238934"/>
       </p:ext>
     </p:extLst>
   </p:cSld>
@@ -4764,6 +7870,14 @@
 <file path=ppt/slides/slide5.xml><?xml version="1.0" encoding="utf-8"?>
 <p:sld xmlns:a="http://schemas.openxmlformats.org/drawingml/2006/main" xmlns:r="http://schemas.openxmlformats.org/officeDocument/2006/relationships" xmlns:p="http://schemas.openxmlformats.org/presentationml/2006/main">
   <p:cSld>
+    <p:bg>
+      <p:bgPr>
+        <a:solidFill>
+          <a:schemeClr val="bg1"/>
+        </a:solidFill>
+        <a:effectLst/>
+      </p:bgPr>
+    </p:bg>
     <p:spTree>
       <p:nvGrpSpPr>
         <p:cNvPr id="1" name=""/>
@@ -4778,6 +7892,66 @@
           <a:chExt cx="0" cy="0"/>
         </a:xfrm>
       </p:grpSpPr>
+      <p:sp useBgFill="1">
+        <p:nvSpPr>
+          <p:cNvPr id="13" name="Rectangle 12">
+            <a:extLst>
+              <a:ext uri="{FF2B5EF4-FFF2-40B4-BE49-F238E27FC236}">
+                <a16:creationId xmlns:a16="http://schemas.microsoft.com/office/drawing/2014/main" id="{058A14AF-9FB5-4CC7-BA35-E8E85D3EDF0E}"/>
+              </a:ext>
+              <a:ext uri="{C183D7F6-B498-43B3-948B-1728B52AA6E4}">
+                <adec:decorative xmlns:adec="http://schemas.microsoft.com/office/drawing/2017/decorative" val="1"/>
+              </a:ext>
+            </a:extLst>
+          </p:cNvPr>
+          <p:cNvSpPr>
+            <a:spLocks noGrp="1" noRot="1" noChangeAspect="1" noMove="1" noResize="1" noEditPoints="1" noAdjustHandles="1" noChangeArrowheads="1" noChangeShapeType="1" noTextEdit="1"/>
+          </p:cNvSpPr>
+          <p:nvPr>
+            <p:extLst>
+              <p:ext uri="{386F3935-93C4-4BCD-93E2-E3B085C9AB24}">
+                <p16:designElem xmlns:p16="http://schemas.microsoft.com/office/powerpoint/2015/main" val="1"/>
+              </p:ext>
+            </p:extLst>
+          </p:nvPr>
+        </p:nvSpPr>
+        <p:spPr>
+          <a:xfrm>
+            <a:off x="0" y="0"/>
+            <a:ext cx="12191999" cy="6857365"/>
+          </a:xfrm>
+          <a:prstGeom prst="rect">
+            <a:avLst/>
+          </a:prstGeom>
+          <a:ln>
+            <a:noFill/>
+          </a:ln>
+        </p:spPr>
+        <p:style>
+          <a:lnRef idx="2">
+            <a:schemeClr val="accent1">
+              <a:shade val="50000"/>
+            </a:schemeClr>
+          </a:lnRef>
+          <a:fillRef idx="1">
+            <a:schemeClr val="accent1"/>
+          </a:fillRef>
+          <a:effectRef idx="0">
+            <a:schemeClr val="accent1"/>
+          </a:effectRef>
+          <a:fontRef idx="minor">
+            <a:schemeClr val="lt1"/>
+          </a:fontRef>
+        </p:style>
+        <p:txBody>
+          <a:bodyPr rtlCol="0" anchor="ctr"/>
+          <a:lstStyle/>
+          <a:p>
+            <a:pPr algn="ctr"/>
+            <a:endParaRPr lang="en-US"/>
+          </a:p>
+        </p:txBody>
+      </p:sp>
       <p:sp>
         <p:nvSpPr>
           <p:cNvPr id="2" name="Title 1">
@@ -4794,16 +7968,156 @@
             <p:ph type="title"/>
           </p:nvPr>
         </p:nvSpPr>
-        <p:spPr/>
-        <p:txBody>
-          <a:bodyPr/>
-          <a:lstStyle/>
-          <a:p>
-            <a:r>
-              <a:rPr lang="en-US" b="1" dirty="0"/>
+        <p:spPr>
+          <a:xfrm>
+            <a:off x="793662" y="386930"/>
+            <a:ext cx="10066122" cy="1298448"/>
+          </a:xfrm>
+        </p:spPr>
+        <p:txBody>
+          <a:bodyPr anchor="b">
+            <a:normAutofit/>
+          </a:bodyPr>
+          <a:lstStyle/>
+          <a:p>
+            <a:r>
+              <a:rPr lang="en-US" sz="4800" b="1"/>
               <a:t>Methodology – ARL Agent</a:t>
             </a:r>
-            <a:endParaRPr lang="en-US" dirty="0"/>
+            <a:endParaRPr lang="en-US" sz="4800"/>
+          </a:p>
+        </p:txBody>
+      </p:sp>
+      <p:sp>
+        <p:nvSpPr>
+          <p:cNvPr id="15" name="Rectangle 14">
+            <a:extLst>
+              <a:ext uri="{FF2B5EF4-FFF2-40B4-BE49-F238E27FC236}">
+                <a16:creationId xmlns:a16="http://schemas.microsoft.com/office/drawing/2014/main" id="{3A9A4357-BD1D-4622-A4FE-766E6AB8DE84}"/>
+              </a:ext>
+              <a:ext uri="{C183D7F6-B498-43B3-948B-1728B52AA6E4}">
+                <adec:decorative xmlns:adec="http://schemas.microsoft.com/office/drawing/2017/decorative" val="1"/>
+              </a:ext>
+            </a:extLst>
+          </p:cNvPr>
+          <p:cNvSpPr>
+            <a:spLocks noGrp="1" noRot="1" noChangeAspect="1" noMove="1" noResize="1" noEditPoints="1" noAdjustHandles="1" noChangeArrowheads="1" noChangeShapeType="1" noTextEdit="1"/>
+          </p:cNvSpPr>
+          <p:nvPr>
+            <p:extLst>
+              <p:ext uri="{386F3935-93C4-4BCD-93E2-E3B085C9AB24}">
+                <p16:designElem xmlns:p16="http://schemas.microsoft.com/office/powerpoint/2015/main" val="1"/>
+              </p:ext>
+            </p:extLst>
+          </p:nvPr>
+        </p:nvSpPr>
+        <p:spPr>
+          <a:xfrm flipH="1" flipV="1">
+            <a:off x="-2" y="1998845"/>
+            <a:ext cx="11454595" cy="781699"/>
+          </a:xfrm>
+          <a:prstGeom prst="rect">
+            <a:avLst/>
+          </a:prstGeom>
+          <a:solidFill>
+            <a:schemeClr val="accent4"/>
+          </a:solidFill>
+          <a:ln>
+            <a:noFill/>
+          </a:ln>
+        </p:spPr>
+        <p:style>
+          <a:lnRef idx="2">
+            <a:schemeClr val="accent1">
+              <a:shade val="50000"/>
+            </a:schemeClr>
+          </a:lnRef>
+          <a:fillRef idx="1">
+            <a:schemeClr val="accent1"/>
+          </a:fillRef>
+          <a:effectRef idx="0">
+            <a:schemeClr val="accent1"/>
+          </a:effectRef>
+          <a:fontRef idx="minor">
+            <a:schemeClr val="lt1"/>
+          </a:fontRef>
+        </p:style>
+        <p:txBody>
+          <a:bodyPr rtlCol="0" anchor="ctr"/>
+          <a:lstStyle/>
+          <a:p>
+            <a:pPr algn="ctr"/>
+            <a:endParaRPr lang="en-US"/>
+          </a:p>
+        </p:txBody>
+      </p:sp>
+      <p:sp>
+        <p:nvSpPr>
+          <p:cNvPr id="17" name="Rectangle 16">
+            <a:extLst>
+              <a:ext uri="{FF2B5EF4-FFF2-40B4-BE49-F238E27FC236}">
+                <a16:creationId xmlns:a16="http://schemas.microsoft.com/office/drawing/2014/main" id="{E659831F-0D9A-4C63-9EBB-8435B85A440F}"/>
+              </a:ext>
+              <a:ext uri="{C183D7F6-B498-43B3-948B-1728B52AA6E4}">
+                <adec:decorative xmlns:adec="http://schemas.microsoft.com/office/drawing/2017/decorative" val="1"/>
+              </a:ext>
+            </a:extLst>
+          </p:cNvPr>
+          <p:cNvSpPr>
+            <a:spLocks noGrp="1" noRot="1" noChangeAspect="1" noMove="1" noResize="1" noEditPoints="1" noAdjustHandles="1" noChangeArrowheads="1" noChangeShapeType="1" noTextEdit="1"/>
+          </p:cNvSpPr>
+          <p:nvPr>
+            <p:extLst>
+              <p:ext uri="{386F3935-93C4-4BCD-93E2-E3B085C9AB24}">
+                <p16:designElem xmlns:p16="http://schemas.microsoft.com/office/powerpoint/2015/main" val="1"/>
+              </p:ext>
+            </p:extLst>
+          </p:nvPr>
+        </p:nvSpPr>
+        <p:spPr>
+          <a:xfrm>
+            <a:off x="0" y="2203079"/>
+            <a:ext cx="11383362" cy="4267991"/>
+          </a:xfrm>
+          <a:prstGeom prst="rect">
+            <a:avLst/>
+          </a:prstGeom>
+          <a:solidFill>
+            <a:schemeClr val="bg1"/>
+          </a:solidFill>
+          <a:ln>
+            <a:noFill/>
+          </a:ln>
+          <a:effectLst>
+            <a:outerShdw blurRad="139700" dist="127000" dir="5400000" algn="t" rotWithShape="0">
+              <a:prstClr val="black">
+                <a:alpha val="15000"/>
+              </a:prstClr>
+            </a:outerShdw>
+          </a:effectLst>
+        </p:spPr>
+        <p:style>
+          <a:lnRef idx="2">
+            <a:schemeClr val="accent1">
+              <a:shade val="50000"/>
+            </a:schemeClr>
+          </a:lnRef>
+          <a:fillRef idx="1">
+            <a:schemeClr val="accent1"/>
+          </a:fillRef>
+          <a:effectRef idx="0">
+            <a:schemeClr val="accent1"/>
+          </a:effectRef>
+          <a:fontRef idx="minor">
+            <a:schemeClr val="lt1"/>
+          </a:fontRef>
+        </p:style>
+        <p:txBody>
+          <a:bodyPr rtlCol="0" anchor="ctr"/>
+          <a:lstStyle/>
+          <a:p>
+            <a:pPr algn="ctr"/>
+            <a:endParaRPr lang="en-US"/>
           </a:p>
         </p:txBody>
       </p:sp>
@@ -4823,84 +8137,178 @@
             <p:ph idx="1"/>
           </p:nvPr>
         </p:nvSpPr>
-        <p:spPr/>
-        <p:txBody>
-          <a:bodyPr>
-            <a:normAutofit fontScale="77500" lnSpcReduction="20000"/>
+        <p:spPr>
+          <a:xfrm>
+            <a:off x="793661" y="2599509"/>
+            <a:ext cx="4530898" cy="3639450"/>
+          </a:xfrm>
+        </p:spPr>
+        <p:txBody>
+          <a:bodyPr anchor="ctr">
+            <a:normAutofit/>
           </a:bodyPr>
           <a:lstStyle/>
           <a:p>
             <a:r>
-              <a:rPr lang="en-US" dirty="0"/>
-              <a:t>Architecture: Double Deep Q‑Network (DDQN) for value approximation.</a:t>
-            </a:r>
-          </a:p>
-          <a:p>
-            <a:r>
-              <a:rPr lang="en-US" dirty="0"/>
-              <a:t>State Vector: Inventory level, volatility, momentum, normalized volume, RSI, time‑remaining.</a:t>
-            </a:r>
-          </a:p>
-          <a:p>
-            <a:r>
-              <a:rPr lang="en-US" dirty="0"/>
-              <a:t>Action Space: Discrete set of bid/ask spread pairs (tight, medium, wide).</a:t>
-            </a:r>
-          </a:p>
-          <a:p>
-            <a:r>
-              <a:rPr lang="en-US" dirty="0"/>
-              <a:t>Exploitation / Safeguard Mechanisms:</a:t>
-            </a:r>
+              <a:rPr lang="en-US" sz="1100" b="1" dirty="0"/>
+              <a:t>ARL Architecture</a:t>
+            </a:r>
+            <a:endParaRPr lang="en-US" sz="1100" dirty="0"/>
           </a:p>
           <a:p>
             <a:pPr lvl="1"/>
             <a:r>
-              <a:rPr lang="en-US" dirty="0"/>
+              <a:rPr lang="en-US" sz="1100" dirty="0"/>
+              <a:t>Neural-Network based Q learning agent</a:t>
+            </a:r>
+          </a:p>
+          <a:p>
+            <a:pPr lvl="1"/>
+            <a:r>
+              <a:rPr lang="en-US" sz="1100" dirty="0"/>
+              <a:t>State includes: volatility, momentum, RSI, normalized volume, inventory, time-remaining</a:t>
+            </a:r>
+          </a:p>
+          <a:p>
+            <a:pPr lvl="1"/>
+            <a:r>
+              <a:rPr lang="en-US" sz="1100" dirty="0"/>
+              <a:t>Actions: discrete bid/ask spread pairs (tight - medium - wide)</a:t>
+            </a:r>
+          </a:p>
+          <a:p>
+            <a:r>
+              <a:rPr lang="en-US" sz="1100" b="1" dirty="0"/>
+              <a:t>Reward</a:t>
+            </a:r>
+            <a:endParaRPr lang="en-US" sz="1100" dirty="0"/>
+          </a:p>
+          <a:p>
+            <a:pPr lvl="1"/>
+            <a:r>
+              <a:rPr lang="en-US" sz="1100" dirty="0"/>
+              <a:t>Profit, risk penalty, transaction cost + spread-capture bonus.</a:t>
+            </a:r>
+          </a:p>
+          <a:p>
+            <a:r>
+              <a:rPr lang="en-US" sz="1100" b="1" dirty="0"/>
+              <a:t>Exploitation / Safeguard Mechanisms</a:t>
+            </a:r>
+            <a:endParaRPr lang="en-US" sz="1100" dirty="0"/>
+          </a:p>
+          <a:p>
+            <a:pPr lvl="1"/>
+            <a:r>
+              <a:rPr lang="en-US" sz="1100" dirty="0"/>
               <a:t>Exploitation – When volatility is high and the EGT population is passive, the ARL tightens spreads to capture the spread profit.</a:t>
             </a:r>
           </a:p>
           <a:p>
             <a:pPr lvl="1"/>
             <a:r>
-              <a:rPr lang="en-US" dirty="0"/>
+              <a:rPr lang="en-US" sz="1100" dirty="0"/>
               <a:t>Safeguard – When inventory grows large or market volatility spikes, the ARL widens spreads or reduces quote frequency, limiting exposure and keeping the EGT population in check.</a:t>
             </a:r>
           </a:p>
-          <a:p>
-            <a:r>
-              <a:rPr lang="en-US" dirty="0"/>
-              <a:t>Reward Function:</a:t>
-            </a:r>
-          </a:p>
-          <a:p>
-            <a:pPr lvl="1"/>
-            <a:r>
-              <a:rPr lang="en-US" dirty="0"/>
-              <a:t>Hybrid of absolute </a:t>
-            </a:r>
-            <a:r>
-              <a:rPr lang="en-US" dirty="0" err="1"/>
-              <a:t>PnL</a:t>
-            </a:r>
-            <a:r>
-              <a:rPr lang="en-US" dirty="0"/>
-              <a:t> and relative return.</a:t>
-            </a:r>
-          </a:p>
-          <a:p>
-            <a:pPr lvl="1"/>
-            <a:r>
-              <a:rPr lang="en-US" dirty="0"/>
-              <a:t>Penalties for inventory risk and transaction costs.</a:t>
-            </a:r>
-          </a:p>
-          <a:p>
-            <a:pPr lvl="1"/>
-            <a:r>
-              <a:rPr lang="en-US" dirty="0"/>
-              <a:t>Spread‑capture bonus when the ARL's quote is crossed and the market moves against the EGT population.</a:t>
-            </a:r>
+        </p:txBody>
+      </p:sp>
+      <p:pic>
+        <p:nvPicPr>
+          <p:cNvPr id="8" name="Picture 7" descr="A graph of a graph&#10;&#10;AI-generated content may be incorrect.">
+            <a:extLst>
+              <a:ext uri="{FF2B5EF4-FFF2-40B4-BE49-F238E27FC236}">
+                <a16:creationId xmlns:a16="http://schemas.microsoft.com/office/drawing/2014/main" id="{6F0C939C-A19F-8BA2-F67B-DB400710D0B4}"/>
+              </a:ext>
+            </a:extLst>
+          </p:cNvPr>
+          <p:cNvPicPr>
+            <a:picLocks noChangeAspect="1"/>
+          </p:cNvPicPr>
+          <p:nvPr/>
+        </p:nvPicPr>
+        <p:blipFill>
+          <a:blip r:embed="rId2">
+            <a:extLst>
+              <a:ext uri="{28A0092B-C50C-407E-A947-70E740481C1C}">
+                <a14:useLocalDpi xmlns:a14="http://schemas.microsoft.com/office/drawing/2010/main" val="0"/>
+              </a:ext>
+            </a:extLst>
+          </a:blip>
+          <a:stretch>
+            <a:fillRect/>
+          </a:stretch>
+        </p:blipFill>
+        <p:spPr>
+          <a:xfrm>
+            <a:off x="6010509" y="2484255"/>
+            <a:ext cx="4952322" cy="3714244"/>
+          </a:xfrm>
+          <a:prstGeom prst="rect">
+            <a:avLst/>
+          </a:prstGeom>
+        </p:spPr>
+      </p:pic>
+      <p:sp>
+        <p:nvSpPr>
+          <p:cNvPr id="19" name="Rectangle 18">
+            <a:extLst>
+              <a:ext uri="{FF2B5EF4-FFF2-40B4-BE49-F238E27FC236}">
+                <a16:creationId xmlns:a16="http://schemas.microsoft.com/office/drawing/2014/main" id="{E6995CE5-F890-4ABA-82A2-26507CE8D2A3}"/>
+              </a:ext>
+              <a:ext uri="{C183D7F6-B498-43B3-948B-1728B52AA6E4}">
+                <adec:decorative xmlns:adec="http://schemas.microsoft.com/office/drawing/2017/decorative" val="1"/>
+              </a:ext>
+            </a:extLst>
+          </p:cNvPr>
+          <p:cNvSpPr>
+            <a:spLocks noGrp="1" noRot="1" noChangeAspect="1" noMove="1" noResize="1" noEditPoints="1" noAdjustHandles="1" noChangeArrowheads="1" noChangeShapeType="1" noTextEdit="1"/>
+          </p:cNvSpPr>
+          <p:nvPr>
+            <p:extLst>
+              <p:ext uri="{386F3935-93C4-4BCD-93E2-E3B085C9AB24}">
+                <p16:designElem xmlns:p16="http://schemas.microsoft.com/office/powerpoint/2015/main" val="1"/>
+              </p:ext>
+            </p:extLst>
+          </p:nvPr>
+        </p:nvSpPr>
+        <p:spPr>
+          <a:xfrm rot="5400000">
+            <a:off x="11228040" y="2313027"/>
+            <a:ext cx="781700" cy="152382"/>
+          </a:xfrm>
+          <a:prstGeom prst="rect">
+            <a:avLst/>
+          </a:prstGeom>
+          <a:solidFill>
+            <a:schemeClr val="accent4"/>
+          </a:solidFill>
+          <a:ln>
+            <a:noFill/>
+          </a:ln>
+        </p:spPr>
+        <p:style>
+          <a:lnRef idx="2">
+            <a:schemeClr val="accent1">
+              <a:shade val="50000"/>
+            </a:schemeClr>
+          </a:lnRef>
+          <a:fillRef idx="1">
+            <a:schemeClr val="accent1"/>
+          </a:fillRef>
+          <a:effectRef idx="0">
+            <a:schemeClr val="accent1"/>
+          </a:effectRef>
+          <a:fontRef idx="minor">
+            <a:schemeClr val="lt1"/>
+          </a:fontRef>
+        </p:style>
+        <p:txBody>
+          <a:bodyPr rtlCol="0" anchor="ctr"/>
+          <a:lstStyle/>
+          <a:p>
+            <a:pPr algn="ctr"/>
+            <a:endParaRPr lang="en-US"/>
           </a:p>
         </p:txBody>
       </p:sp>
@@ -4920,6 +8328,14 @@
 <file path=ppt/slides/slide6.xml><?xml version="1.0" encoding="utf-8"?>
 <p:sld xmlns:a="http://schemas.openxmlformats.org/drawingml/2006/main" xmlns:r="http://schemas.openxmlformats.org/officeDocument/2006/relationships" xmlns:p="http://schemas.openxmlformats.org/presentationml/2006/main">
   <p:cSld>
+    <p:bg>
+      <p:bgPr>
+        <a:solidFill>
+          <a:schemeClr val="bg1"/>
+        </a:solidFill>
+        <a:effectLst/>
+      </p:bgPr>
+    </p:bg>
     <p:spTree>
       <p:nvGrpSpPr>
         <p:cNvPr id="1" name=""/>
@@ -4934,6 +8350,66 @@
           <a:chExt cx="0" cy="0"/>
         </a:xfrm>
       </p:grpSpPr>
+      <p:sp useBgFill="1">
+        <p:nvSpPr>
+          <p:cNvPr id="12" name="Rectangle 11">
+            <a:extLst>
+              <a:ext uri="{FF2B5EF4-FFF2-40B4-BE49-F238E27FC236}">
+                <a16:creationId xmlns:a16="http://schemas.microsoft.com/office/drawing/2014/main" id="{058A14AF-9FB5-4CC7-BA35-E8E85D3EDF0E}"/>
+              </a:ext>
+              <a:ext uri="{C183D7F6-B498-43B3-948B-1728B52AA6E4}">
+                <adec:decorative xmlns:adec="http://schemas.microsoft.com/office/drawing/2017/decorative" val="1"/>
+              </a:ext>
+            </a:extLst>
+          </p:cNvPr>
+          <p:cNvSpPr>
+            <a:spLocks noGrp="1" noRot="1" noChangeAspect="1" noMove="1" noResize="1" noEditPoints="1" noAdjustHandles="1" noChangeArrowheads="1" noChangeShapeType="1" noTextEdit="1"/>
+          </p:cNvSpPr>
+          <p:nvPr>
+            <p:extLst>
+              <p:ext uri="{386F3935-93C4-4BCD-93E2-E3B085C9AB24}">
+                <p16:designElem xmlns:p16="http://schemas.microsoft.com/office/powerpoint/2015/main" val="1"/>
+              </p:ext>
+            </p:extLst>
+          </p:nvPr>
+        </p:nvSpPr>
+        <p:spPr>
+          <a:xfrm>
+            <a:off x="0" y="0"/>
+            <a:ext cx="12191999" cy="6857365"/>
+          </a:xfrm>
+          <a:prstGeom prst="rect">
+            <a:avLst/>
+          </a:prstGeom>
+          <a:ln>
+            <a:noFill/>
+          </a:ln>
+        </p:spPr>
+        <p:style>
+          <a:lnRef idx="2">
+            <a:schemeClr val="accent1">
+              <a:shade val="50000"/>
+            </a:schemeClr>
+          </a:lnRef>
+          <a:fillRef idx="1">
+            <a:schemeClr val="accent1"/>
+          </a:fillRef>
+          <a:effectRef idx="0">
+            <a:schemeClr val="accent1"/>
+          </a:effectRef>
+          <a:fontRef idx="minor">
+            <a:schemeClr val="lt1"/>
+          </a:fontRef>
+        </p:style>
+        <p:txBody>
+          <a:bodyPr rtlCol="0" anchor="ctr"/>
+          <a:lstStyle/>
+          <a:p>
+            <a:pPr algn="ctr"/>
+            <a:endParaRPr lang="en-US"/>
+          </a:p>
+        </p:txBody>
+      </p:sp>
       <p:sp>
         <p:nvSpPr>
           <p:cNvPr id="2" name="Title 1">
@@ -4950,16 +8426,156 @@
             <p:ph type="title"/>
           </p:nvPr>
         </p:nvSpPr>
-        <p:spPr/>
-        <p:txBody>
-          <a:bodyPr/>
-          <a:lstStyle/>
-          <a:p>
-            <a:r>
-              <a:rPr lang="en-US" b="1" dirty="0"/>
+        <p:spPr>
+          <a:xfrm>
+            <a:off x="793662" y="386930"/>
+            <a:ext cx="10066122" cy="1298448"/>
+          </a:xfrm>
+        </p:spPr>
+        <p:txBody>
+          <a:bodyPr anchor="b">
+            <a:normAutofit/>
+          </a:bodyPr>
+          <a:lstStyle/>
+          <a:p>
+            <a:r>
+              <a:rPr lang="en-US" sz="4800" b="1"/>
               <a:t>Methodology – EGT Population</a:t>
             </a:r>
-            <a:endParaRPr lang="en-US" dirty="0"/>
+            <a:endParaRPr lang="en-US" sz="4800"/>
+          </a:p>
+        </p:txBody>
+      </p:sp>
+      <p:sp>
+        <p:nvSpPr>
+          <p:cNvPr id="14" name="Rectangle 13">
+            <a:extLst>
+              <a:ext uri="{FF2B5EF4-FFF2-40B4-BE49-F238E27FC236}">
+                <a16:creationId xmlns:a16="http://schemas.microsoft.com/office/drawing/2014/main" id="{3A9A4357-BD1D-4622-A4FE-766E6AB8DE84}"/>
+              </a:ext>
+              <a:ext uri="{C183D7F6-B498-43B3-948B-1728B52AA6E4}">
+                <adec:decorative xmlns:adec="http://schemas.microsoft.com/office/drawing/2017/decorative" val="1"/>
+              </a:ext>
+            </a:extLst>
+          </p:cNvPr>
+          <p:cNvSpPr>
+            <a:spLocks noGrp="1" noRot="1" noChangeAspect="1" noMove="1" noResize="1" noEditPoints="1" noAdjustHandles="1" noChangeArrowheads="1" noChangeShapeType="1" noTextEdit="1"/>
+          </p:cNvSpPr>
+          <p:nvPr>
+            <p:extLst>
+              <p:ext uri="{386F3935-93C4-4BCD-93E2-E3B085C9AB24}">
+                <p16:designElem xmlns:p16="http://schemas.microsoft.com/office/powerpoint/2015/main" val="1"/>
+              </p:ext>
+            </p:extLst>
+          </p:nvPr>
+        </p:nvSpPr>
+        <p:spPr>
+          <a:xfrm flipH="1" flipV="1">
+            <a:off x="-2" y="1998845"/>
+            <a:ext cx="11454595" cy="781699"/>
+          </a:xfrm>
+          <a:prstGeom prst="rect">
+            <a:avLst/>
+          </a:prstGeom>
+          <a:solidFill>
+            <a:schemeClr val="accent4"/>
+          </a:solidFill>
+          <a:ln>
+            <a:noFill/>
+          </a:ln>
+        </p:spPr>
+        <p:style>
+          <a:lnRef idx="2">
+            <a:schemeClr val="accent1">
+              <a:shade val="50000"/>
+            </a:schemeClr>
+          </a:lnRef>
+          <a:fillRef idx="1">
+            <a:schemeClr val="accent1"/>
+          </a:fillRef>
+          <a:effectRef idx="0">
+            <a:schemeClr val="accent1"/>
+          </a:effectRef>
+          <a:fontRef idx="minor">
+            <a:schemeClr val="lt1"/>
+          </a:fontRef>
+        </p:style>
+        <p:txBody>
+          <a:bodyPr rtlCol="0" anchor="ctr"/>
+          <a:lstStyle/>
+          <a:p>
+            <a:pPr algn="ctr"/>
+            <a:endParaRPr lang="en-US"/>
+          </a:p>
+        </p:txBody>
+      </p:sp>
+      <p:sp>
+        <p:nvSpPr>
+          <p:cNvPr id="16" name="Rectangle 15">
+            <a:extLst>
+              <a:ext uri="{FF2B5EF4-FFF2-40B4-BE49-F238E27FC236}">
+                <a16:creationId xmlns:a16="http://schemas.microsoft.com/office/drawing/2014/main" id="{E659831F-0D9A-4C63-9EBB-8435B85A440F}"/>
+              </a:ext>
+              <a:ext uri="{C183D7F6-B498-43B3-948B-1728B52AA6E4}">
+                <adec:decorative xmlns:adec="http://schemas.microsoft.com/office/drawing/2017/decorative" val="1"/>
+              </a:ext>
+            </a:extLst>
+          </p:cNvPr>
+          <p:cNvSpPr>
+            <a:spLocks noGrp="1" noRot="1" noChangeAspect="1" noMove="1" noResize="1" noEditPoints="1" noAdjustHandles="1" noChangeArrowheads="1" noChangeShapeType="1" noTextEdit="1"/>
+          </p:cNvSpPr>
+          <p:nvPr>
+            <p:extLst>
+              <p:ext uri="{386F3935-93C4-4BCD-93E2-E3B085C9AB24}">
+                <p16:designElem xmlns:p16="http://schemas.microsoft.com/office/powerpoint/2015/main" val="1"/>
+              </p:ext>
+            </p:extLst>
+          </p:nvPr>
+        </p:nvSpPr>
+        <p:spPr>
+          <a:xfrm>
+            <a:off x="0" y="2203079"/>
+            <a:ext cx="11383362" cy="4267991"/>
+          </a:xfrm>
+          <a:prstGeom prst="rect">
+            <a:avLst/>
+          </a:prstGeom>
+          <a:solidFill>
+            <a:schemeClr val="bg1"/>
+          </a:solidFill>
+          <a:ln>
+            <a:noFill/>
+          </a:ln>
+          <a:effectLst>
+            <a:outerShdw blurRad="139700" dist="127000" dir="5400000" algn="t" rotWithShape="0">
+              <a:prstClr val="black">
+                <a:alpha val="15000"/>
+              </a:prstClr>
+            </a:outerShdw>
+          </a:effectLst>
+        </p:spPr>
+        <p:style>
+          <a:lnRef idx="2">
+            <a:schemeClr val="accent1">
+              <a:shade val="50000"/>
+            </a:schemeClr>
+          </a:lnRef>
+          <a:fillRef idx="1">
+            <a:schemeClr val="accent1"/>
+          </a:fillRef>
+          <a:effectRef idx="0">
+            <a:schemeClr val="accent1"/>
+          </a:effectRef>
+          <a:fontRef idx="minor">
+            <a:schemeClr val="lt1"/>
+          </a:fontRef>
+        </p:style>
+        <p:txBody>
+          <a:bodyPr rtlCol="0" anchor="ctr"/>
+          <a:lstStyle/>
+          <a:p>
+            <a:pPr algn="ctr"/>
+            <a:endParaRPr lang="en-US"/>
           </a:p>
         </p:txBody>
       </p:sp>
@@ -4979,41 +8595,169 @@
             <p:ph idx="1"/>
           </p:nvPr>
         </p:nvSpPr>
-        <p:spPr/>
-        <p:txBody>
-          <a:bodyPr>
-            <a:normAutofit fontScale="92500"/>
+        <p:spPr>
+          <a:xfrm>
+            <a:off x="793661" y="2599509"/>
+            <a:ext cx="4530898" cy="3639450"/>
+          </a:xfrm>
+        </p:spPr>
+        <p:txBody>
+          <a:bodyPr anchor="ctr">
+            <a:normAutofit/>
           </a:bodyPr>
           <a:lstStyle/>
           <a:p>
             <a:r>
-              <a:rPr lang="en-US" dirty="0"/>
-              <a:t>Heuristic Strategies: Aggressive, Passive, Momentum, Random.</a:t>
-            </a:r>
-          </a:p>
-          <a:p>
-            <a:r>
-              <a:rPr lang="en-US" dirty="0"/>
-              <a:t>Fitness Evaluation: Profitability of each trader over a rolling window (e.g., last 500 steps).</a:t>
-            </a:r>
-          </a:p>
-          <a:p>
-            <a:r>
-              <a:rPr lang="en-US" dirty="0"/>
-              <a:t>Selection Mechanism: Replicator dynamics – strategy frequencies are updated proportionally to fitness; higher‑profit strategies replicate, lower‑profit shrink.</a:t>
-            </a:r>
-          </a:p>
-          <a:p>
-            <a:r>
-              <a:rPr lang="en-US" dirty="0"/>
-              <a:t>Mutation: Small random perturbation (~2%) introduces new strategy variants, preserving diversity.</a:t>
-            </a:r>
-          </a:p>
-          <a:p>
-            <a:r>
-              <a:rPr lang="en-US" dirty="0"/>
-              <a:t>Effect on ARL: The evolving mix of strategies changes market pressure, forcing the ARL to continuously adapt its spread‑quoting policy.</a:t>
-            </a:r>
+              <a:rPr lang="en-US" sz="1700" b="1"/>
+              <a:t>Heuristic Strategies</a:t>
+            </a:r>
+          </a:p>
+          <a:p>
+            <a:pPr lvl="1"/>
+            <a:r>
+              <a:rPr lang="en-US" sz="1700"/>
+              <a:t> Aggressive, Passive, Momentum, Random.</a:t>
+            </a:r>
+          </a:p>
+          <a:p>
+            <a:r>
+              <a:rPr lang="en-US" sz="1700" b="1"/>
+              <a:t>Evolution Mechanism</a:t>
+            </a:r>
+            <a:endParaRPr lang="en-US" sz="1700"/>
+          </a:p>
+          <a:p>
+            <a:pPr lvl="1"/>
+            <a:r>
+              <a:rPr lang="en-US" sz="1700"/>
+              <a:t>Trader fitness = rolling profitability</a:t>
+            </a:r>
+          </a:p>
+          <a:p>
+            <a:pPr lvl="1"/>
+            <a:r>
+              <a:rPr lang="en-US" sz="1700"/>
+              <a:t>Replicator dynamics adjust strategy frequencies</a:t>
+            </a:r>
+          </a:p>
+          <a:p>
+            <a:pPr lvl="1"/>
+            <a:r>
+              <a:rPr lang="en-US" sz="1700"/>
+              <a:t>Mutation (~2%) introduces fresh variants</a:t>
+            </a:r>
+          </a:p>
+          <a:p>
+            <a:r>
+              <a:rPr lang="en-US" sz="1700" b="1"/>
+              <a:t>Effect on ARL</a:t>
+            </a:r>
+          </a:p>
+          <a:p>
+            <a:pPr lvl="1"/>
+            <a:r>
+              <a:rPr lang="en-US" sz="1700"/>
+              <a:t> Changing population creates a non-stationary, adaptive environment.</a:t>
+            </a:r>
+          </a:p>
+        </p:txBody>
+      </p:sp>
+      <p:pic>
+        <p:nvPicPr>
+          <p:cNvPr id="7" name="Picture 6" descr="A graph of different colors&#10;&#10;AI-generated content may be incorrect.">
+            <a:extLst>
+              <a:ext uri="{FF2B5EF4-FFF2-40B4-BE49-F238E27FC236}">
+                <a16:creationId xmlns:a16="http://schemas.microsoft.com/office/drawing/2014/main" id="{39E28CFD-E2A0-C35F-97B5-7AEB966880DF}"/>
+              </a:ext>
+            </a:extLst>
+          </p:cNvPr>
+          <p:cNvPicPr>
+            <a:picLocks noChangeAspect="1"/>
+          </p:cNvPicPr>
+          <p:nvPr/>
+        </p:nvPicPr>
+        <p:blipFill>
+          <a:blip r:embed="rId2">
+            <a:extLst>
+              <a:ext uri="{28A0092B-C50C-407E-A947-70E740481C1C}">
+                <a14:useLocalDpi xmlns:a14="http://schemas.microsoft.com/office/drawing/2010/main" val="0"/>
+              </a:ext>
+            </a:extLst>
+          </a:blip>
+          <a:stretch>
+            <a:fillRect/>
+          </a:stretch>
+        </p:blipFill>
+        <p:spPr>
+          <a:xfrm>
+            <a:off x="6010509" y="2484255"/>
+            <a:ext cx="4952322" cy="3714244"/>
+          </a:xfrm>
+          <a:prstGeom prst="rect">
+            <a:avLst/>
+          </a:prstGeom>
+        </p:spPr>
+      </p:pic>
+      <p:sp>
+        <p:nvSpPr>
+          <p:cNvPr id="18" name="Rectangle 17">
+            <a:extLst>
+              <a:ext uri="{FF2B5EF4-FFF2-40B4-BE49-F238E27FC236}">
+                <a16:creationId xmlns:a16="http://schemas.microsoft.com/office/drawing/2014/main" id="{E6995CE5-F890-4ABA-82A2-26507CE8D2A3}"/>
+              </a:ext>
+              <a:ext uri="{C183D7F6-B498-43B3-948B-1728B52AA6E4}">
+                <adec:decorative xmlns:adec="http://schemas.microsoft.com/office/drawing/2017/decorative" val="1"/>
+              </a:ext>
+            </a:extLst>
+          </p:cNvPr>
+          <p:cNvSpPr>
+            <a:spLocks noGrp="1" noRot="1" noChangeAspect="1" noMove="1" noResize="1" noEditPoints="1" noAdjustHandles="1" noChangeArrowheads="1" noChangeShapeType="1" noTextEdit="1"/>
+          </p:cNvSpPr>
+          <p:nvPr>
+            <p:extLst>
+              <p:ext uri="{386F3935-93C4-4BCD-93E2-E3B085C9AB24}">
+                <p16:designElem xmlns:p16="http://schemas.microsoft.com/office/powerpoint/2015/main" val="1"/>
+              </p:ext>
+            </p:extLst>
+          </p:nvPr>
+        </p:nvSpPr>
+        <p:spPr>
+          <a:xfrm rot="5400000">
+            <a:off x="11228040" y="2313027"/>
+            <a:ext cx="781700" cy="152382"/>
+          </a:xfrm>
+          <a:prstGeom prst="rect">
+            <a:avLst/>
+          </a:prstGeom>
+          <a:solidFill>
+            <a:schemeClr val="accent4"/>
+          </a:solidFill>
+          <a:ln>
+            <a:noFill/>
+          </a:ln>
+        </p:spPr>
+        <p:style>
+          <a:lnRef idx="2">
+            <a:schemeClr val="accent1">
+              <a:shade val="50000"/>
+            </a:schemeClr>
+          </a:lnRef>
+          <a:fillRef idx="1">
+            <a:schemeClr val="accent1"/>
+          </a:fillRef>
+          <a:effectRef idx="0">
+            <a:schemeClr val="accent1"/>
+          </a:effectRef>
+          <a:fontRef idx="minor">
+            <a:schemeClr val="lt1"/>
+          </a:fontRef>
+        </p:style>
+        <p:txBody>
+          <a:bodyPr rtlCol="0" anchor="ctr"/>
+          <a:lstStyle/>
+          <a:p>
+            <a:pPr algn="ctr"/>
+            <a:endParaRPr lang="en-US"/>
           </a:p>
         </p:txBody>
       </p:sp>
@@ -5033,6 +8777,14 @@
 <file path=ppt/slides/slide7.xml><?xml version="1.0" encoding="utf-8"?>
 <p:sld xmlns:a="http://schemas.openxmlformats.org/drawingml/2006/main" xmlns:r="http://schemas.openxmlformats.org/officeDocument/2006/relationships" xmlns:p="http://schemas.openxmlformats.org/presentationml/2006/main">
   <p:cSld>
+    <p:bg>
+      <p:bgPr>
+        <a:solidFill>
+          <a:schemeClr val="bg1"/>
+        </a:solidFill>
+        <a:effectLst/>
+      </p:bgPr>
+    </p:bg>
     <p:spTree>
       <p:nvGrpSpPr>
         <p:cNvPr id="1" name=""/>
@@ -5047,6 +8799,66 @@
           <a:chExt cx="0" cy="0"/>
         </a:xfrm>
       </p:grpSpPr>
+      <p:sp useBgFill="1">
+        <p:nvSpPr>
+          <p:cNvPr id="8" name="Rectangle 7">
+            <a:extLst>
+              <a:ext uri="{FF2B5EF4-FFF2-40B4-BE49-F238E27FC236}">
+                <a16:creationId xmlns:a16="http://schemas.microsoft.com/office/drawing/2014/main" id="{DBF61EA3-B236-439E-9C0B-340980D56BEE}"/>
+              </a:ext>
+              <a:ext uri="{C183D7F6-B498-43B3-948B-1728B52AA6E4}">
+                <adec:decorative xmlns:adec="http://schemas.microsoft.com/office/drawing/2017/decorative" val="1"/>
+              </a:ext>
+            </a:extLst>
+          </p:cNvPr>
+          <p:cNvSpPr>
+            <a:spLocks noGrp="1" noRot="1" noChangeAspect="1" noMove="1" noResize="1" noEditPoints="1" noAdjustHandles="1" noChangeArrowheads="1" noChangeShapeType="1" noTextEdit="1"/>
+          </p:cNvSpPr>
+          <p:nvPr>
+            <p:extLst>
+              <p:ext uri="{386F3935-93C4-4BCD-93E2-E3B085C9AB24}">
+                <p16:designElem xmlns:p16="http://schemas.microsoft.com/office/powerpoint/2015/main" val="1"/>
+              </p:ext>
+            </p:extLst>
+          </p:nvPr>
+        </p:nvSpPr>
+        <p:spPr>
+          <a:xfrm>
+            <a:off x="0" y="0"/>
+            <a:ext cx="12191999" cy="6857365"/>
+          </a:xfrm>
+          <a:prstGeom prst="rect">
+            <a:avLst/>
+          </a:prstGeom>
+          <a:ln>
+            <a:noFill/>
+          </a:ln>
+        </p:spPr>
+        <p:style>
+          <a:lnRef idx="2">
+            <a:schemeClr val="accent1">
+              <a:shade val="50000"/>
+            </a:schemeClr>
+          </a:lnRef>
+          <a:fillRef idx="1">
+            <a:schemeClr val="accent1"/>
+          </a:fillRef>
+          <a:effectRef idx="0">
+            <a:schemeClr val="accent1"/>
+          </a:effectRef>
+          <a:fontRef idx="minor">
+            <a:schemeClr val="lt1"/>
+          </a:fontRef>
+        </p:style>
+        <p:txBody>
+          <a:bodyPr rtlCol="0" anchor="ctr"/>
+          <a:lstStyle/>
+          <a:p>
+            <a:pPr algn="ctr"/>
+            <a:endParaRPr lang="en-US"/>
+          </a:p>
+        </p:txBody>
+      </p:sp>
       <p:sp>
         <p:nvSpPr>
           <p:cNvPr id="2" name="Title 1">
@@ -5063,16 +8875,247 @@
             <p:ph type="title"/>
           </p:nvPr>
         </p:nvSpPr>
-        <p:spPr/>
-        <p:txBody>
-          <a:bodyPr/>
-          <a:lstStyle/>
-          <a:p>
-            <a:r>
-              <a:rPr lang="en-US" b="1" dirty="0"/>
+        <p:spPr>
+          <a:xfrm>
+            <a:off x="808638" y="386930"/>
+            <a:ext cx="9236700" cy="1188950"/>
+          </a:xfrm>
+        </p:spPr>
+        <p:txBody>
+          <a:bodyPr anchor="b">
+            <a:normAutofit/>
+          </a:bodyPr>
+          <a:lstStyle/>
+          <a:p>
+            <a:r>
+              <a:rPr lang="en-US" sz="5400" b="1"/>
               <a:t>Interaction Loop</a:t>
             </a:r>
-            <a:endParaRPr lang="en-US" dirty="0"/>
+            <a:endParaRPr lang="en-US" sz="5400"/>
+          </a:p>
+        </p:txBody>
+      </p:sp>
+      <p:grpSp>
+        <p:nvGrpSpPr>
+          <p:cNvPr id="10" name="Group 9">
+            <a:extLst>
+              <a:ext uri="{FF2B5EF4-FFF2-40B4-BE49-F238E27FC236}">
+                <a16:creationId xmlns:a16="http://schemas.microsoft.com/office/drawing/2014/main" id="{28FAF094-D087-493F-8DF9-A486C2D6BBAA}"/>
+              </a:ext>
+              <a:ext uri="{C183D7F6-B498-43B3-948B-1728B52AA6E4}">
+                <adec:decorative xmlns:adec="http://schemas.microsoft.com/office/drawing/2017/decorative" val="1"/>
+              </a:ext>
+            </a:extLst>
+          </p:cNvPr>
+          <p:cNvGrpSpPr>
+            <a:grpSpLocks noGrp="1" noUngrp="1" noRot="1" noChangeAspect="1" noMove="1" noResize="1"/>
+          </p:cNvGrpSpPr>
+          <p:nvPr>
+            <p:extLst>
+              <p:ext uri="{386F3935-93C4-4BCD-93E2-E3B085C9AB24}">
+                <p16:designElem xmlns:p16="http://schemas.microsoft.com/office/powerpoint/2015/main" val="1"/>
+              </p:ext>
+            </p:extLst>
+          </p:nvPr>
+        </p:nvGrpSpPr>
+        <p:grpSpPr>
+          <a:xfrm>
+            <a:off x="-2" y="1998368"/>
+            <a:ext cx="11695083" cy="782176"/>
+            <a:chOff x="-2" y="1998368"/>
+            <a:chExt cx="11695083" cy="782176"/>
+          </a:xfrm>
+        </p:grpSpPr>
+        <p:sp>
+          <p:nvSpPr>
+            <p:cNvPr id="11" name="Rectangle 10">
+              <a:extLst>
+                <a:ext uri="{FF2B5EF4-FFF2-40B4-BE49-F238E27FC236}">
+                  <a16:creationId xmlns:a16="http://schemas.microsoft.com/office/drawing/2014/main" id="{8D7C88D8-5509-4514-925A-9CE148E5CBD6}"/>
+                </a:ext>
+                <a:ext uri="{C183D7F6-B498-43B3-948B-1728B52AA6E4}">
+                  <adec:decorative xmlns:adec="http://schemas.microsoft.com/office/drawing/2017/decorative" val="1"/>
+                </a:ext>
+              </a:extLst>
+            </p:cNvPr>
+            <p:cNvSpPr/>
+            <p:nvPr>
+              <p:extLst>
+                <p:ext uri="{386F3935-93C4-4BCD-93E2-E3B085C9AB24}">
+                  <p16:designElem xmlns:p16="http://schemas.microsoft.com/office/powerpoint/2015/main" val="1"/>
+                </p:ext>
+              </p:extLst>
+            </p:nvPr>
+          </p:nvSpPr>
+          <p:spPr>
+            <a:xfrm rot="5400000">
+              <a:off x="11228040" y="2313027"/>
+              <a:ext cx="781700" cy="152382"/>
+            </a:xfrm>
+            <a:prstGeom prst="rect">
+              <a:avLst/>
+            </a:prstGeom>
+            <a:solidFill>
+              <a:schemeClr val="accent4"/>
+            </a:solidFill>
+            <a:ln>
+              <a:noFill/>
+            </a:ln>
+          </p:spPr>
+          <p:style>
+            <a:lnRef idx="2">
+              <a:schemeClr val="accent1">
+                <a:shade val="50000"/>
+              </a:schemeClr>
+            </a:lnRef>
+            <a:fillRef idx="1">
+              <a:schemeClr val="accent1"/>
+            </a:fillRef>
+            <a:effectRef idx="0">
+              <a:schemeClr val="accent1"/>
+            </a:effectRef>
+            <a:fontRef idx="minor">
+              <a:schemeClr val="lt1"/>
+            </a:fontRef>
+          </p:style>
+          <p:txBody>
+            <a:bodyPr rtlCol="0" anchor="ctr"/>
+            <a:lstStyle/>
+            <a:p>
+              <a:pPr algn="ctr"/>
+              <a:endParaRPr lang="en-US"/>
+            </a:p>
+          </p:txBody>
+        </p:sp>
+        <p:sp>
+          <p:nvSpPr>
+            <p:cNvPr id="12" name="Rectangle 11">
+              <a:extLst>
+                <a:ext uri="{FF2B5EF4-FFF2-40B4-BE49-F238E27FC236}">
+                  <a16:creationId xmlns:a16="http://schemas.microsoft.com/office/drawing/2014/main" id="{7275593D-F75E-4426-AE3E-2CDEFD228D25}"/>
+                </a:ext>
+                <a:ext uri="{C183D7F6-B498-43B3-948B-1728B52AA6E4}">
+                  <adec:decorative xmlns:adec="http://schemas.microsoft.com/office/drawing/2017/decorative" val="1"/>
+                </a:ext>
+              </a:extLst>
+            </p:cNvPr>
+            <p:cNvSpPr/>
+            <p:nvPr>
+              <p:extLst>
+                <p:ext uri="{386F3935-93C4-4BCD-93E2-E3B085C9AB24}">
+                  <p16:designElem xmlns:p16="http://schemas.microsoft.com/office/powerpoint/2015/main" val="1"/>
+                </p:ext>
+              </p:extLst>
+            </p:nvPr>
+          </p:nvSpPr>
+          <p:spPr>
+            <a:xfrm flipH="1" flipV="1">
+              <a:off x="-2" y="1998845"/>
+              <a:ext cx="11454595" cy="781699"/>
+            </a:xfrm>
+            <a:prstGeom prst="rect">
+              <a:avLst/>
+            </a:prstGeom>
+            <a:solidFill>
+              <a:schemeClr val="accent4"/>
+            </a:solidFill>
+            <a:ln>
+              <a:noFill/>
+            </a:ln>
+          </p:spPr>
+          <p:style>
+            <a:lnRef idx="2">
+              <a:schemeClr val="accent1">
+                <a:shade val="50000"/>
+              </a:schemeClr>
+            </a:lnRef>
+            <a:fillRef idx="1">
+              <a:schemeClr val="accent1"/>
+            </a:fillRef>
+            <a:effectRef idx="0">
+              <a:schemeClr val="accent1"/>
+            </a:effectRef>
+            <a:fontRef idx="minor">
+              <a:schemeClr val="lt1"/>
+            </a:fontRef>
+          </p:style>
+          <p:txBody>
+            <a:bodyPr rtlCol="0" anchor="ctr"/>
+            <a:lstStyle/>
+            <a:p>
+              <a:pPr algn="ctr"/>
+              <a:endParaRPr lang="en-US"/>
+            </a:p>
+          </p:txBody>
+        </p:sp>
+      </p:grpSp>
+      <p:sp>
+        <p:nvSpPr>
+          <p:cNvPr id="14" name="Rectangle 13">
+            <a:extLst>
+              <a:ext uri="{FF2B5EF4-FFF2-40B4-BE49-F238E27FC236}">
+                <a16:creationId xmlns:a16="http://schemas.microsoft.com/office/drawing/2014/main" id="{E659831F-0D9A-4C63-9EBB-8435B85A440F}"/>
+              </a:ext>
+              <a:ext uri="{C183D7F6-B498-43B3-948B-1728B52AA6E4}">
+                <adec:decorative xmlns:adec="http://schemas.microsoft.com/office/drawing/2017/decorative" val="1"/>
+              </a:ext>
+            </a:extLst>
+          </p:cNvPr>
+          <p:cNvSpPr>
+            <a:spLocks noGrp="1" noRot="1" noChangeAspect="1" noMove="1" noResize="1" noEditPoints="1" noAdjustHandles="1" noChangeArrowheads="1" noChangeShapeType="1" noTextEdit="1"/>
+          </p:cNvSpPr>
+          <p:nvPr>
+            <p:extLst>
+              <p:ext uri="{386F3935-93C4-4BCD-93E2-E3B085C9AB24}">
+                <p16:designElem xmlns:p16="http://schemas.microsoft.com/office/powerpoint/2015/main" val="1"/>
+              </p:ext>
+            </p:extLst>
+          </p:nvPr>
+        </p:nvSpPr>
+        <p:spPr>
+          <a:xfrm>
+            <a:off x="0" y="2203079"/>
+            <a:ext cx="11383362" cy="4147845"/>
+          </a:xfrm>
+          <a:prstGeom prst="rect">
+            <a:avLst/>
+          </a:prstGeom>
+          <a:solidFill>
+            <a:schemeClr val="bg1"/>
+          </a:solidFill>
+          <a:ln>
+            <a:noFill/>
+          </a:ln>
+          <a:effectLst>
+            <a:outerShdw blurRad="139700" dist="127000" dir="5400000" algn="t" rotWithShape="0">
+              <a:prstClr val="black">
+                <a:alpha val="15000"/>
+              </a:prstClr>
+            </a:outerShdw>
+          </a:effectLst>
+        </p:spPr>
+        <p:style>
+          <a:lnRef idx="2">
+            <a:schemeClr val="accent1">
+              <a:shade val="50000"/>
+            </a:schemeClr>
+          </a:lnRef>
+          <a:fillRef idx="1">
+            <a:schemeClr val="accent1"/>
+          </a:fillRef>
+          <a:effectRef idx="0">
+            <a:schemeClr val="accent1"/>
+          </a:effectRef>
+          <a:fontRef idx="minor">
+            <a:schemeClr val="lt1"/>
+          </a:fontRef>
+        </p:style>
+        <p:txBody>
+          <a:bodyPr rtlCol="0" anchor="ctr"/>
+          <a:lstStyle/>
+          <a:p>
+            <a:pPr algn="ctr"/>
+            <a:endParaRPr lang="en-US"/>
           </a:p>
         </p:txBody>
       </p:sp>
@@ -5092,68 +9135,59 @@
             <p:ph idx="1"/>
           </p:nvPr>
         </p:nvSpPr>
-        <p:spPr/>
-        <p:txBody>
-          <a:bodyPr>
-            <a:normAutofit fontScale="92500" lnSpcReduction="20000"/>
+        <p:spPr>
+          <a:xfrm>
+            <a:off x="793660" y="2599509"/>
+            <a:ext cx="10143668" cy="3435531"/>
+          </a:xfrm>
+        </p:spPr>
+        <p:txBody>
+          <a:bodyPr anchor="ctr">
+            <a:normAutofit/>
           </a:bodyPr>
           <a:lstStyle/>
           <a:p>
             <a:r>
-              <a:rPr lang="en-US" dirty="0"/>
-              <a:t>ARL posts bid/ask quotes based on its current Q‑network.</a:t>
-            </a:r>
-          </a:p>
-          <a:p>
-            <a:r>
-              <a:rPr lang="en-US" dirty="0"/>
-              <a:t>EGT traders evaluate quotes against their heuristic rules and decide to buy/sell.</a:t>
-            </a:r>
-          </a:p>
-          <a:p>
-            <a:r>
-              <a:rPr lang="en-US" dirty="0"/>
-              <a:t>Trades execute if a trader's price crosses the ARL's quote.</a:t>
-            </a:r>
-          </a:p>
-          <a:p>
-            <a:r>
-              <a:rPr lang="en-US" dirty="0"/>
-              <a:t>Payoffs:</a:t>
-            </a:r>
-          </a:p>
-          <a:p>
-            <a:pPr lvl="1"/>
-            <a:r>
-              <a:rPr lang="en-US" dirty="0"/>
+              <a:rPr lang="en-US" sz="2400" dirty="0"/>
+              <a:t>ARL posts quotes </a:t>
+            </a:r>
+          </a:p>
+          <a:p>
+            <a:r>
+              <a:rPr lang="en-US" sz="2400" dirty="0"/>
+              <a:t>EGT agents decide to buy/sell using heuristics </a:t>
+            </a:r>
+          </a:p>
+          <a:p>
+            <a:r>
+              <a:rPr lang="en-US" sz="2400" dirty="0"/>
+              <a:t>Trades execute when quotes cross </a:t>
+            </a:r>
+          </a:p>
+          <a:p>
+            <a:r>
+              <a:rPr lang="en-US" sz="2400" dirty="0"/>
               <a:t>ARL receives </a:t>
             </a:r>
             <a:r>
-              <a:rPr lang="en-US" dirty="0" err="1"/>
+              <a:rPr lang="en-US" sz="2400" dirty="0" err="1"/>
               <a:t>PnL</a:t>
             </a:r>
             <a:r>
-              <a:rPr lang="en-US" dirty="0"/>
-              <a:t>, inventory‑risk penalty, transaction cost, and spread‑capture bonus.</a:t>
-            </a:r>
-          </a:p>
-          <a:p>
-            <a:pPr lvl="1"/>
-            <a:r>
-              <a:rPr lang="en-US" dirty="0"/>
-              <a:t>EGT receives profit → fitness score.</a:t>
-            </a:r>
-          </a:p>
-          <a:p>
-            <a:r>
-              <a:rPr lang="en-US" dirty="0"/>
-              <a:t>Population Update: After a fixed number of steps, EGT frequencies are updated via replicator dynamics.</a:t>
-            </a:r>
-          </a:p>
-          <a:p>
-            <a:r>
-              <a:rPr lang="en-US" dirty="0"/>
-              <a:t>Learning Update: ARL stores the transition in its replay buffer and performs a DDQN training step.</a:t>
+              <a:rPr lang="en-US" sz="2400" dirty="0"/>
+              <a:t>, risk penalty, spread bonus </a:t>
+            </a:r>
+          </a:p>
+          <a:p>
+            <a:r>
+              <a:rPr lang="en-US" sz="2400" dirty="0"/>
+              <a:t>EGT strategies earn fitness </a:t>
+            </a:r>
+          </a:p>
+          <a:p>
+            <a:r>
+              <a:rPr lang="en-US" sz="2400" dirty="0"/>
+              <a:t>ARL updates via DDQN; EGT population evolves</a:t>
             </a:r>
           </a:p>
         </p:txBody>
@@ -5174,6 +9208,14 @@
 <file path=ppt/slides/slide8.xml><?xml version="1.0" encoding="utf-8"?>
 <p:sld xmlns:a="http://schemas.openxmlformats.org/drawingml/2006/main" xmlns:r="http://schemas.openxmlformats.org/officeDocument/2006/relationships" xmlns:p="http://schemas.openxmlformats.org/presentationml/2006/main">
   <p:cSld>
+    <p:bg>
+      <p:bgPr>
+        <a:solidFill>
+          <a:schemeClr val="bg1"/>
+        </a:solidFill>
+        <a:effectLst/>
+      </p:bgPr>
+    </p:bg>
     <p:spTree>
       <p:nvGrpSpPr>
         <p:cNvPr id="1" name=""/>
@@ -5188,12 +9230,72 @@
           <a:chExt cx="0" cy="0"/>
         </a:xfrm>
       </p:grpSpPr>
+      <p:sp useBgFill="1">
+        <p:nvSpPr>
+          <p:cNvPr id="10" name="Rectangle 9">
+            <a:extLst>
+              <a:ext uri="{FF2B5EF4-FFF2-40B4-BE49-F238E27FC236}">
+                <a16:creationId xmlns:a16="http://schemas.microsoft.com/office/drawing/2014/main" id="{058A14AF-9FB5-4CC7-BA35-E8E85D3EDF0E}"/>
+              </a:ext>
+              <a:ext uri="{C183D7F6-B498-43B3-948B-1728B52AA6E4}">
+                <adec:decorative xmlns:adec="http://schemas.microsoft.com/office/drawing/2017/decorative" val="1"/>
+              </a:ext>
+            </a:extLst>
+          </p:cNvPr>
+          <p:cNvSpPr>
+            <a:spLocks noGrp="1" noRot="1" noChangeAspect="1" noMove="1" noResize="1" noEditPoints="1" noAdjustHandles="1" noChangeArrowheads="1" noChangeShapeType="1" noTextEdit="1"/>
+          </p:cNvSpPr>
+          <p:nvPr>
+            <p:extLst>
+              <p:ext uri="{386F3935-93C4-4BCD-93E2-E3B085C9AB24}">
+                <p16:designElem xmlns:p16="http://schemas.microsoft.com/office/powerpoint/2015/main" val="1"/>
+              </p:ext>
+            </p:extLst>
+          </p:nvPr>
+        </p:nvSpPr>
+        <p:spPr>
+          <a:xfrm>
+            <a:off x="0" y="0"/>
+            <a:ext cx="12191999" cy="6857365"/>
+          </a:xfrm>
+          <a:prstGeom prst="rect">
+            <a:avLst/>
+          </a:prstGeom>
+          <a:ln>
+            <a:noFill/>
+          </a:ln>
+        </p:spPr>
+        <p:style>
+          <a:lnRef idx="2">
+            <a:schemeClr val="accent1">
+              <a:shade val="50000"/>
+            </a:schemeClr>
+          </a:lnRef>
+          <a:fillRef idx="1">
+            <a:schemeClr val="accent1"/>
+          </a:fillRef>
+          <a:effectRef idx="0">
+            <a:schemeClr val="accent1"/>
+          </a:effectRef>
+          <a:fontRef idx="minor">
+            <a:schemeClr val="lt1"/>
+          </a:fontRef>
+        </p:style>
+        <p:txBody>
+          <a:bodyPr rtlCol="0" anchor="ctr"/>
+          <a:lstStyle/>
+          <a:p>
+            <a:pPr algn="ctr"/>
+            <a:endParaRPr lang="en-US"/>
+          </a:p>
+        </p:txBody>
+      </p:sp>
       <p:sp>
         <p:nvSpPr>
           <p:cNvPr id="2" name="Title 1">
             <a:extLst>
               <a:ext uri="{FF2B5EF4-FFF2-40B4-BE49-F238E27FC236}">
-                <a16:creationId xmlns:a16="http://schemas.microsoft.com/office/drawing/2014/main" id="{90A1F16A-0DDF-2A09-4C54-EAF3E3158767}"/>
+                <a16:creationId xmlns:a16="http://schemas.microsoft.com/office/drawing/2014/main" id="{76615CC0-D6B8-6ACA-747A-6B7122105529}"/>
               </a:ext>
             </a:extLst>
           </p:cNvPr>
@@ -5204,16 +9306,155 @@
             <p:ph type="title"/>
           </p:nvPr>
         </p:nvSpPr>
-        <p:spPr/>
-        <p:txBody>
-          <a:bodyPr/>
-          <a:lstStyle/>
-          <a:p>
-            <a:r>
-              <a:rPr lang="en-US" b="1" dirty="0"/>
-              <a:t>Detailed Influence Between ARL &amp; EGT</a:t>
-            </a:r>
-            <a:endParaRPr lang="en-US" dirty="0"/>
+        <p:spPr>
+          <a:xfrm>
+            <a:off x="793662" y="386930"/>
+            <a:ext cx="10066122" cy="1298448"/>
+          </a:xfrm>
+        </p:spPr>
+        <p:txBody>
+          <a:bodyPr anchor="b">
+            <a:normAutofit/>
+          </a:bodyPr>
+          <a:lstStyle/>
+          <a:p>
+            <a:r>
+              <a:rPr lang="en-US" sz="4100" b="1"/>
+              <a:t>ARL and EGT Co-Adaptation and Influence</a:t>
+            </a:r>
+          </a:p>
+        </p:txBody>
+      </p:sp>
+      <p:sp>
+        <p:nvSpPr>
+          <p:cNvPr id="12" name="Rectangle 11">
+            <a:extLst>
+              <a:ext uri="{FF2B5EF4-FFF2-40B4-BE49-F238E27FC236}">
+                <a16:creationId xmlns:a16="http://schemas.microsoft.com/office/drawing/2014/main" id="{3A9A4357-BD1D-4622-A4FE-766E6AB8DE84}"/>
+              </a:ext>
+              <a:ext uri="{C183D7F6-B498-43B3-948B-1728B52AA6E4}">
+                <adec:decorative xmlns:adec="http://schemas.microsoft.com/office/drawing/2017/decorative" val="1"/>
+              </a:ext>
+            </a:extLst>
+          </p:cNvPr>
+          <p:cNvSpPr>
+            <a:spLocks noGrp="1" noRot="1" noChangeAspect="1" noMove="1" noResize="1" noEditPoints="1" noAdjustHandles="1" noChangeArrowheads="1" noChangeShapeType="1" noTextEdit="1"/>
+          </p:cNvSpPr>
+          <p:nvPr>
+            <p:extLst>
+              <p:ext uri="{386F3935-93C4-4BCD-93E2-E3B085C9AB24}">
+                <p16:designElem xmlns:p16="http://schemas.microsoft.com/office/powerpoint/2015/main" val="1"/>
+              </p:ext>
+            </p:extLst>
+          </p:nvPr>
+        </p:nvSpPr>
+        <p:spPr>
+          <a:xfrm flipH="1" flipV="1">
+            <a:off x="-2" y="1998845"/>
+            <a:ext cx="11454595" cy="781699"/>
+          </a:xfrm>
+          <a:prstGeom prst="rect">
+            <a:avLst/>
+          </a:prstGeom>
+          <a:solidFill>
+            <a:schemeClr val="accent4"/>
+          </a:solidFill>
+          <a:ln>
+            <a:noFill/>
+          </a:ln>
+        </p:spPr>
+        <p:style>
+          <a:lnRef idx="2">
+            <a:schemeClr val="accent1">
+              <a:shade val="50000"/>
+            </a:schemeClr>
+          </a:lnRef>
+          <a:fillRef idx="1">
+            <a:schemeClr val="accent1"/>
+          </a:fillRef>
+          <a:effectRef idx="0">
+            <a:schemeClr val="accent1"/>
+          </a:effectRef>
+          <a:fontRef idx="minor">
+            <a:schemeClr val="lt1"/>
+          </a:fontRef>
+        </p:style>
+        <p:txBody>
+          <a:bodyPr rtlCol="0" anchor="ctr"/>
+          <a:lstStyle/>
+          <a:p>
+            <a:pPr algn="ctr"/>
+            <a:endParaRPr lang="en-US"/>
+          </a:p>
+        </p:txBody>
+      </p:sp>
+      <p:sp>
+        <p:nvSpPr>
+          <p:cNvPr id="14" name="Rectangle 13">
+            <a:extLst>
+              <a:ext uri="{FF2B5EF4-FFF2-40B4-BE49-F238E27FC236}">
+                <a16:creationId xmlns:a16="http://schemas.microsoft.com/office/drawing/2014/main" id="{E659831F-0D9A-4C63-9EBB-8435B85A440F}"/>
+              </a:ext>
+              <a:ext uri="{C183D7F6-B498-43B3-948B-1728B52AA6E4}">
+                <adec:decorative xmlns:adec="http://schemas.microsoft.com/office/drawing/2017/decorative" val="1"/>
+              </a:ext>
+            </a:extLst>
+          </p:cNvPr>
+          <p:cNvSpPr>
+            <a:spLocks noGrp="1" noRot="1" noChangeAspect="1" noMove="1" noResize="1" noEditPoints="1" noAdjustHandles="1" noChangeArrowheads="1" noChangeShapeType="1" noTextEdit="1"/>
+          </p:cNvSpPr>
+          <p:nvPr>
+            <p:extLst>
+              <p:ext uri="{386F3935-93C4-4BCD-93E2-E3B085C9AB24}">
+                <p16:designElem xmlns:p16="http://schemas.microsoft.com/office/powerpoint/2015/main" val="1"/>
+              </p:ext>
+            </p:extLst>
+          </p:nvPr>
+        </p:nvSpPr>
+        <p:spPr>
+          <a:xfrm>
+            <a:off x="0" y="2203079"/>
+            <a:ext cx="11383362" cy="4267991"/>
+          </a:xfrm>
+          <a:prstGeom prst="rect">
+            <a:avLst/>
+          </a:prstGeom>
+          <a:solidFill>
+            <a:schemeClr val="bg1"/>
+          </a:solidFill>
+          <a:ln>
+            <a:noFill/>
+          </a:ln>
+          <a:effectLst>
+            <a:outerShdw blurRad="139700" dist="127000" dir="5400000" algn="t" rotWithShape="0">
+              <a:prstClr val="black">
+                <a:alpha val="15000"/>
+              </a:prstClr>
+            </a:outerShdw>
+          </a:effectLst>
+        </p:spPr>
+        <p:style>
+          <a:lnRef idx="2">
+            <a:schemeClr val="accent1">
+              <a:shade val="50000"/>
+            </a:schemeClr>
+          </a:lnRef>
+          <a:fillRef idx="1">
+            <a:schemeClr val="accent1"/>
+          </a:fillRef>
+          <a:effectRef idx="0">
+            <a:schemeClr val="accent1"/>
+          </a:effectRef>
+          <a:fontRef idx="minor">
+            <a:schemeClr val="lt1"/>
+          </a:fontRef>
+        </p:style>
+        <p:txBody>
+          <a:bodyPr rtlCol="0" anchor="ctr"/>
+          <a:lstStyle/>
+          <a:p>
+            <a:pPr algn="ctr"/>
+            <a:endParaRPr lang="en-US"/>
           </a:p>
         </p:txBody>
       </p:sp>
@@ -5222,7 +9463,7 @@
           <p:cNvPr id="3" name="Content Placeholder 2">
             <a:extLst>
               <a:ext uri="{FF2B5EF4-FFF2-40B4-BE49-F238E27FC236}">
-                <a16:creationId xmlns:a16="http://schemas.microsoft.com/office/drawing/2014/main" id="{02716AD3-5A45-82AD-5B2D-4809D953D6AA}"/>
+                <a16:creationId xmlns:a16="http://schemas.microsoft.com/office/drawing/2014/main" id="{3918A197-E6E5-D98D-9A4A-B1A12635617C}"/>
               </a:ext>
             </a:extLst>
           </p:cNvPr>
@@ -5233,70 +9474,146 @@
             <p:ph idx="1"/>
           </p:nvPr>
         </p:nvSpPr>
-        <p:spPr/>
-        <p:txBody>
-          <a:bodyPr>
-            <a:normAutofit fontScale="85000" lnSpcReduction="20000"/>
+        <p:spPr>
+          <a:xfrm>
+            <a:off x="793661" y="2599509"/>
+            <a:ext cx="4530898" cy="3639450"/>
+          </a:xfrm>
+        </p:spPr>
+        <p:txBody>
+          <a:bodyPr anchor="ctr">
+            <a:normAutofit/>
           </a:bodyPr>
           <a:lstStyle/>
           <a:p>
             <a:r>
-              <a:rPr lang="en-US" dirty="0"/>
-              <a:t>ARL → EGT</a:t>
-            </a:r>
-          </a:p>
-          <a:p>
-            <a:pPr lvl="1"/>
-            <a:r>
-              <a:rPr lang="en-US" dirty="0"/>
-              <a:t>Spread widening during high‑volatility periods reduces the execution probability for Aggressive traders, lowering their profit and fitness.</a:t>
-            </a:r>
-          </a:p>
-          <a:p>
-            <a:pPr lvl="1"/>
-            <a:r>
-              <a:rPr lang="en-US" dirty="0"/>
-              <a:t>Tight spreads when inventory is low create price pressure that Aggressive traders can exploit, temporarily boosting their fitness; the ARL then learns to adjust.</a:t>
-            </a:r>
-          </a:p>
-          <a:p>
-            <a:r>
-              <a:rPr lang="en-US" dirty="0"/>
-              <a:t>EGT → ARL</a:t>
-            </a:r>
-          </a:p>
-          <a:p>
-            <a:pPr lvl="1"/>
-            <a:r>
-              <a:rPr lang="en-US" dirty="0"/>
-              <a:t>A surge of Passive strategies places many limit orders near the mid‑price, increasing the likelihood that the ARL's quotes are crossed, which the ARL learns to exploit for spread capture.</a:t>
-            </a:r>
-          </a:p>
-          <a:p>
-            <a:pPr lvl="1"/>
-            <a:r>
-              <a:rPr lang="en-US" dirty="0"/>
-              <a:t>When Aggressive or Momentum strategies dominate, trade frequency spikes, raising inventory turnover and prompting the ARL to adopt a risk‑averse (wider‑spread) policy.</a:t>
-            </a:r>
-          </a:p>
-          <a:p>
-            <a:r>
-              <a:rPr lang="en-US" dirty="0"/>
-              <a:t>Co‑adaptation Cycle</a:t>
-            </a:r>
-          </a:p>
-          <a:p>
-            <a:r>
-              <a:rPr lang="en-US" dirty="0"/>
-              <a:t>Each iteration creates a feedback loop: the ARL's quoting policy reshapes the EGT fitness landscape, and the evolving EGT mix reshapes the ARL's optimal policy.</a:t>
-            </a:r>
+              <a:rPr lang="en-US" sz="2000" dirty="0"/>
+              <a:t>ARL → EGT: Tight spreads temporarily boost Aggressive strategy fitness. </a:t>
+            </a:r>
+          </a:p>
+          <a:p>
+            <a:r>
+              <a:rPr lang="en-US" sz="2000" dirty="0"/>
+              <a:t>EGT → ARL: When Aggressive dominates, ARL widens spreads to reduce risk. </a:t>
+            </a:r>
+          </a:p>
+          <a:p>
+            <a:r>
+              <a:rPr lang="en-US" sz="2000" dirty="0"/>
+              <a:t>Passive traders eventually dominate (&gt;99%) due to ARL pressure. </a:t>
+            </a:r>
+          </a:p>
+          <a:p>
+            <a:r>
+              <a:rPr lang="en-US" sz="2000" dirty="0"/>
+              <a:t>Clear feedback loop emerges: each agent type shapes the other’s behavior.</a:t>
+            </a:r>
+          </a:p>
+        </p:txBody>
+      </p:sp>
+      <p:pic>
+        <p:nvPicPr>
+          <p:cNvPr id="5" name="Picture 4" descr="A graph with orange lines&#10;&#10;AI-generated content may be incorrect.">
+            <a:extLst>
+              <a:ext uri="{FF2B5EF4-FFF2-40B4-BE49-F238E27FC236}">
+                <a16:creationId xmlns:a16="http://schemas.microsoft.com/office/drawing/2014/main" id="{9BD73CC6-A6D8-7737-ED7E-E741BCD0D68C}"/>
+              </a:ext>
+            </a:extLst>
+          </p:cNvPr>
+          <p:cNvPicPr>
+            <a:picLocks noChangeAspect="1"/>
+          </p:cNvPicPr>
+          <p:nvPr/>
+        </p:nvPicPr>
+        <p:blipFill>
+          <a:blip r:embed="rId2">
+            <a:extLst>
+              <a:ext uri="{28A0092B-C50C-407E-A947-70E740481C1C}">
+                <a14:useLocalDpi xmlns:a14="http://schemas.microsoft.com/office/drawing/2010/main" val="0"/>
+              </a:ext>
+            </a:extLst>
+          </a:blip>
+          <a:stretch>
+            <a:fillRect/>
+          </a:stretch>
+        </p:blipFill>
+        <p:spPr>
+          <a:xfrm>
+            <a:off x="6010509" y="2484255"/>
+            <a:ext cx="4952322" cy="3714244"/>
+          </a:xfrm>
+          <a:prstGeom prst="rect">
+            <a:avLst/>
+          </a:prstGeom>
+        </p:spPr>
+      </p:pic>
+      <p:sp>
+        <p:nvSpPr>
+          <p:cNvPr id="16" name="Rectangle 15">
+            <a:extLst>
+              <a:ext uri="{FF2B5EF4-FFF2-40B4-BE49-F238E27FC236}">
+                <a16:creationId xmlns:a16="http://schemas.microsoft.com/office/drawing/2014/main" id="{E6995CE5-F890-4ABA-82A2-26507CE8D2A3}"/>
+              </a:ext>
+              <a:ext uri="{C183D7F6-B498-43B3-948B-1728B52AA6E4}">
+                <adec:decorative xmlns:adec="http://schemas.microsoft.com/office/drawing/2017/decorative" val="1"/>
+              </a:ext>
+            </a:extLst>
+          </p:cNvPr>
+          <p:cNvSpPr>
+            <a:spLocks noGrp="1" noRot="1" noChangeAspect="1" noMove="1" noResize="1" noEditPoints="1" noAdjustHandles="1" noChangeArrowheads="1" noChangeShapeType="1" noTextEdit="1"/>
+          </p:cNvSpPr>
+          <p:nvPr>
+            <p:extLst>
+              <p:ext uri="{386F3935-93C4-4BCD-93E2-E3B085C9AB24}">
+                <p16:designElem xmlns:p16="http://schemas.microsoft.com/office/powerpoint/2015/main" val="1"/>
+              </p:ext>
+            </p:extLst>
+          </p:nvPr>
+        </p:nvSpPr>
+        <p:spPr>
+          <a:xfrm rot="5400000">
+            <a:off x="11228040" y="2313027"/>
+            <a:ext cx="781700" cy="152382"/>
+          </a:xfrm>
+          <a:prstGeom prst="rect">
+            <a:avLst/>
+          </a:prstGeom>
+          <a:solidFill>
+            <a:schemeClr val="accent4"/>
+          </a:solidFill>
+          <a:ln>
+            <a:noFill/>
+          </a:ln>
+        </p:spPr>
+        <p:style>
+          <a:lnRef idx="2">
+            <a:schemeClr val="accent1">
+              <a:shade val="50000"/>
+            </a:schemeClr>
+          </a:lnRef>
+          <a:fillRef idx="1">
+            <a:schemeClr val="accent1"/>
+          </a:fillRef>
+          <a:effectRef idx="0">
+            <a:schemeClr val="accent1"/>
+          </a:effectRef>
+          <a:fontRef idx="minor">
+            <a:schemeClr val="lt1"/>
+          </a:fontRef>
+        </p:style>
+        <p:txBody>
+          <a:bodyPr rtlCol="0" anchor="ctr"/>
+          <a:lstStyle/>
+          <a:p>
+            <a:pPr algn="ctr"/>
+            <a:endParaRPr lang="en-US"/>
           </a:p>
         </p:txBody>
       </p:sp>
     </p:spTree>
     <p:extLst>
       <p:ext uri="{BB962C8B-B14F-4D97-AF65-F5344CB8AC3E}">
-        <p14:creationId xmlns:p14="http://schemas.microsoft.com/office/powerpoint/2010/main" val="3502722188"/>
+        <p14:creationId xmlns:p14="http://schemas.microsoft.com/office/powerpoint/2010/main" val="3743521334"/>
       </p:ext>
     </p:extLst>
   </p:cSld>
@@ -5309,6 +9626,14 @@
 <file path=ppt/slides/slide9.xml><?xml version="1.0" encoding="utf-8"?>
 <p:sld xmlns:a="http://schemas.openxmlformats.org/drawingml/2006/main" xmlns:r="http://schemas.openxmlformats.org/officeDocument/2006/relationships" xmlns:p="http://schemas.openxmlformats.org/presentationml/2006/main">
   <p:cSld>
+    <p:bg>
+      <p:bgPr>
+        <a:solidFill>
+          <a:schemeClr val="bg1"/>
+        </a:solidFill>
+        <a:effectLst/>
+      </p:bgPr>
+    </p:bg>
     <p:spTree>
       <p:nvGrpSpPr>
         <p:cNvPr id="1" name=""/>
@@ -5323,12 +9648,72 @@
           <a:chExt cx="0" cy="0"/>
         </a:xfrm>
       </p:grpSpPr>
+      <p:sp useBgFill="1">
+        <p:nvSpPr>
+          <p:cNvPr id="10" name="Rectangle 9">
+            <a:extLst>
+              <a:ext uri="{FF2B5EF4-FFF2-40B4-BE49-F238E27FC236}">
+                <a16:creationId xmlns:a16="http://schemas.microsoft.com/office/drawing/2014/main" id="{058A14AF-9FB5-4CC7-BA35-E8E85D3EDF0E}"/>
+              </a:ext>
+              <a:ext uri="{C183D7F6-B498-43B3-948B-1728B52AA6E4}">
+                <adec:decorative xmlns:adec="http://schemas.microsoft.com/office/drawing/2017/decorative" val="1"/>
+              </a:ext>
+            </a:extLst>
+          </p:cNvPr>
+          <p:cNvSpPr>
+            <a:spLocks noGrp="1" noRot="1" noChangeAspect="1" noMove="1" noResize="1" noEditPoints="1" noAdjustHandles="1" noChangeArrowheads="1" noChangeShapeType="1" noTextEdit="1"/>
+          </p:cNvSpPr>
+          <p:nvPr>
+            <p:extLst>
+              <p:ext uri="{386F3935-93C4-4BCD-93E2-E3B085C9AB24}">
+                <p16:designElem xmlns:p16="http://schemas.microsoft.com/office/powerpoint/2015/main" val="1"/>
+              </p:ext>
+            </p:extLst>
+          </p:nvPr>
+        </p:nvSpPr>
+        <p:spPr>
+          <a:xfrm>
+            <a:off x="0" y="0"/>
+            <a:ext cx="12191999" cy="6857365"/>
+          </a:xfrm>
+          <a:prstGeom prst="rect">
+            <a:avLst/>
+          </a:prstGeom>
+          <a:ln>
+            <a:noFill/>
+          </a:ln>
+        </p:spPr>
+        <p:style>
+          <a:lnRef idx="2">
+            <a:schemeClr val="accent1">
+              <a:shade val="50000"/>
+            </a:schemeClr>
+          </a:lnRef>
+          <a:fillRef idx="1">
+            <a:schemeClr val="accent1"/>
+          </a:fillRef>
+          <a:effectRef idx="0">
+            <a:schemeClr val="accent1"/>
+          </a:effectRef>
+          <a:fontRef idx="minor">
+            <a:schemeClr val="lt1"/>
+          </a:fontRef>
+        </p:style>
+        <p:txBody>
+          <a:bodyPr rtlCol="0" anchor="ctr"/>
+          <a:lstStyle/>
+          <a:p>
+            <a:pPr algn="ctr"/>
+            <a:endParaRPr lang="en-US"/>
+          </a:p>
+        </p:txBody>
+      </p:sp>
       <p:sp>
         <p:nvSpPr>
           <p:cNvPr id="2" name="Title 1">
             <a:extLst>
               <a:ext uri="{FF2B5EF4-FFF2-40B4-BE49-F238E27FC236}">
-                <a16:creationId xmlns:a16="http://schemas.microsoft.com/office/drawing/2014/main" id="{23869A86-A7DC-EFAA-F4E8-7281A5D92791}"/>
+                <a16:creationId xmlns:a16="http://schemas.microsoft.com/office/drawing/2014/main" id="{90A1F16A-0DDF-2A09-4C54-EAF3E3158767}"/>
               </a:ext>
             </a:extLst>
           </p:cNvPr>
@@ -5339,14 +9724,21 @@
             <p:ph type="title"/>
           </p:nvPr>
         </p:nvSpPr>
-        <p:spPr/>
-        <p:txBody>
-          <a:bodyPr/>
+        <p:spPr>
+          <a:xfrm>
+            <a:off x="793662" y="386930"/>
+            <a:ext cx="10066122" cy="1298448"/>
+          </a:xfrm>
+        </p:spPr>
+        <p:txBody>
+          <a:bodyPr anchor="b">
+            <a:normAutofit/>
+          </a:bodyPr>
           <a:lstStyle/>
           <a:p>
             <a:r>
               <a:rPr lang="en-US" b="1" dirty="0"/>
-              <a:t>Key Findings – ARL Agent</a:t>
+              <a:t>Detailed Influence Between ARL &amp; EGT</a:t>
             </a:r>
             <a:endParaRPr lang="en-US" dirty="0"/>
           </a:p>
@@ -5354,10 +9746,143 @@
       </p:sp>
       <p:sp>
         <p:nvSpPr>
+          <p:cNvPr id="12" name="Rectangle 11">
+            <a:extLst>
+              <a:ext uri="{FF2B5EF4-FFF2-40B4-BE49-F238E27FC236}">
+                <a16:creationId xmlns:a16="http://schemas.microsoft.com/office/drawing/2014/main" id="{3A9A4357-BD1D-4622-A4FE-766E6AB8DE84}"/>
+              </a:ext>
+              <a:ext uri="{C183D7F6-B498-43B3-948B-1728B52AA6E4}">
+                <adec:decorative xmlns:adec="http://schemas.microsoft.com/office/drawing/2017/decorative" val="1"/>
+              </a:ext>
+            </a:extLst>
+          </p:cNvPr>
+          <p:cNvSpPr>
+            <a:spLocks noGrp="1" noRot="1" noChangeAspect="1" noMove="1" noResize="1" noEditPoints="1" noAdjustHandles="1" noChangeArrowheads="1" noChangeShapeType="1" noTextEdit="1"/>
+          </p:cNvSpPr>
+          <p:nvPr>
+            <p:extLst>
+              <p:ext uri="{386F3935-93C4-4BCD-93E2-E3B085C9AB24}">
+                <p16:designElem xmlns:p16="http://schemas.microsoft.com/office/powerpoint/2015/main" val="1"/>
+              </p:ext>
+            </p:extLst>
+          </p:nvPr>
+        </p:nvSpPr>
+        <p:spPr>
+          <a:xfrm flipH="1" flipV="1">
+            <a:off x="-2" y="1998845"/>
+            <a:ext cx="11454595" cy="781699"/>
+          </a:xfrm>
+          <a:prstGeom prst="rect">
+            <a:avLst/>
+          </a:prstGeom>
+          <a:solidFill>
+            <a:schemeClr val="accent4"/>
+          </a:solidFill>
+          <a:ln>
+            <a:noFill/>
+          </a:ln>
+        </p:spPr>
+        <p:style>
+          <a:lnRef idx="2">
+            <a:schemeClr val="accent1">
+              <a:shade val="50000"/>
+            </a:schemeClr>
+          </a:lnRef>
+          <a:fillRef idx="1">
+            <a:schemeClr val="accent1"/>
+          </a:fillRef>
+          <a:effectRef idx="0">
+            <a:schemeClr val="accent1"/>
+          </a:effectRef>
+          <a:fontRef idx="minor">
+            <a:schemeClr val="lt1"/>
+          </a:fontRef>
+        </p:style>
+        <p:txBody>
+          <a:bodyPr rtlCol="0" anchor="ctr"/>
+          <a:lstStyle/>
+          <a:p>
+            <a:pPr algn="ctr"/>
+            <a:endParaRPr lang="en-US"/>
+          </a:p>
+        </p:txBody>
+      </p:sp>
+      <p:sp>
+        <p:nvSpPr>
+          <p:cNvPr id="14" name="Rectangle 13">
+            <a:extLst>
+              <a:ext uri="{FF2B5EF4-FFF2-40B4-BE49-F238E27FC236}">
+                <a16:creationId xmlns:a16="http://schemas.microsoft.com/office/drawing/2014/main" id="{E659831F-0D9A-4C63-9EBB-8435B85A440F}"/>
+              </a:ext>
+              <a:ext uri="{C183D7F6-B498-43B3-948B-1728B52AA6E4}">
+                <adec:decorative xmlns:adec="http://schemas.microsoft.com/office/drawing/2017/decorative" val="1"/>
+              </a:ext>
+            </a:extLst>
+          </p:cNvPr>
+          <p:cNvSpPr>
+            <a:spLocks noGrp="1" noRot="1" noChangeAspect="1" noMove="1" noResize="1" noEditPoints="1" noAdjustHandles="1" noChangeArrowheads="1" noChangeShapeType="1" noTextEdit="1"/>
+          </p:cNvSpPr>
+          <p:nvPr>
+            <p:extLst>
+              <p:ext uri="{386F3935-93C4-4BCD-93E2-E3B085C9AB24}">
+                <p16:designElem xmlns:p16="http://schemas.microsoft.com/office/powerpoint/2015/main" val="1"/>
+              </p:ext>
+            </p:extLst>
+          </p:nvPr>
+        </p:nvSpPr>
+        <p:spPr>
+          <a:xfrm>
+            <a:off x="0" y="2203079"/>
+            <a:ext cx="11383362" cy="4267991"/>
+          </a:xfrm>
+          <a:prstGeom prst="rect">
+            <a:avLst/>
+          </a:prstGeom>
+          <a:solidFill>
+            <a:schemeClr val="bg1"/>
+          </a:solidFill>
+          <a:ln>
+            <a:noFill/>
+          </a:ln>
+          <a:effectLst>
+            <a:outerShdw blurRad="139700" dist="127000" dir="5400000" algn="t" rotWithShape="0">
+              <a:prstClr val="black">
+                <a:alpha val="15000"/>
+              </a:prstClr>
+            </a:outerShdw>
+          </a:effectLst>
+        </p:spPr>
+        <p:style>
+          <a:lnRef idx="2">
+            <a:schemeClr val="accent1">
+              <a:shade val="50000"/>
+            </a:schemeClr>
+          </a:lnRef>
+          <a:fillRef idx="1">
+            <a:schemeClr val="accent1"/>
+          </a:fillRef>
+          <a:effectRef idx="0">
+            <a:schemeClr val="accent1"/>
+          </a:effectRef>
+          <a:fontRef idx="minor">
+            <a:schemeClr val="lt1"/>
+          </a:fontRef>
+        </p:style>
+        <p:txBody>
+          <a:bodyPr rtlCol="0" anchor="ctr"/>
+          <a:lstStyle/>
+          <a:p>
+            <a:pPr algn="ctr"/>
+            <a:endParaRPr lang="en-US"/>
+          </a:p>
+        </p:txBody>
+      </p:sp>
+      <p:sp>
+        <p:nvSpPr>
           <p:cNvPr id="3" name="Content Placeholder 2">
             <a:extLst>
               <a:ext uri="{FF2B5EF4-FFF2-40B4-BE49-F238E27FC236}">
-                <a16:creationId xmlns:a16="http://schemas.microsoft.com/office/drawing/2014/main" id="{2DD402E4-27C4-92B8-3069-1B149C9C85E2}"/>
+                <a16:creationId xmlns:a16="http://schemas.microsoft.com/office/drawing/2014/main" id="{02716AD3-5A45-82AD-5B2D-4809D953D6AA}"/>
               </a:ext>
             </a:extLst>
           </p:cNvPr>
@@ -5368,46 +9893,154 @@
             <p:ph idx="1"/>
           </p:nvPr>
         </p:nvSpPr>
-        <p:spPr/>
-        <p:txBody>
-          <a:bodyPr/>
-          <a:lstStyle/>
-          <a:p>
-            <a:r>
-              <a:rPr lang="en-US" dirty="0"/>
-              <a:t>Positive returns (~1.5% total).</a:t>
-            </a:r>
-          </a:p>
-          <a:p>
-            <a:r>
-              <a:rPr lang="en-US" dirty="0"/>
-              <a:t>High risk‑adjusted performance (Sharpe ≈ 49.7, Sortino ≈ 50.1).</a:t>
-            </a:r>
-          </a:p>
-          <a:p>
-            <a:r>
-              <a:rPr lang="en-US" dirty="0"/>
-              <a:t>Inventory stability: Safeguard mechanism kept inventory variance low (&lt;0.02).</a:t>
-            </a:r>
-          </a:p>
-          <a:p>
-            <a:r>
-              <a:rPr lang="en-US" dirty="0"/>
-              <a:t>Spread capture: Earned ~0.12% per trade by exploiting low‑EGT activity periods.</a:t>
-            </a:r>
-          </a:p>
-          <a:p>
-            <a:r>
-              <a:rPr lang="en-US" dirty="0"/>
-              <a:t>Adaptation speed: Policy converged within ~10k steps after a regime shift in EGT composition.</a:t>
-            </a:r>
+        <p:spPr>
+          <a:xfrm>
+            <a:off x="793661" y="2599509"/>
+            <a:ext cx="4530898" cy="3639450"/>
+          </a:xfrm>
+        </p:spPr>
+        <p:txBody>
+          <a:bodyPr anchor="ctr">
+            <a:normAutofit/>
+          </a:bodyPr>
+          <a:lstStyle/>
+          <a:p>
+            <a:r>
+              <a:rPr lang="en-US" sz="2000" b="1"/>
+              <a:t>ARL → EGT:</a:t>
+            </a:r>
+            <a:r>
+              <a:rPr lang="en-US" sz="2000"/>
+              <a:t> Tight spreads temporarily boost Aggressive strategy fitness.</a:t>
+            </a:r>
+          </a:p>
+          <a:p>
+            <a:r>
+              <a:rPr lang="en-US" sz="2000" b="1"/>
+              <a:t>EGT → ARL:</a:t>
+            </a:r>
+            <a:r>
+              <a:rPr lang="en-US" sz="2000"/>
+              <a:t> When Aggressive dominates, ARL widens spreads to reduce risk.</a:t>
+            </a:r>
+          </a:p>
+          <a:p>
+            <a:r>
+              <a:rPr lang="en-US" sz="2000"/>
+              <a:t>Passive traders eventually dominate (&gt;99%) due to ARL pressure.</a:t>
+            </a:r>
+          </a:p>
+          <a:p>
+            <a:r>
+              <a:rPr lang="en-US" sz="2000"/>
+              <a:t>Clear feedback loop emerges: each agent type shapes the other’s behavior.</a:t>
+            </a:r>
+          </a:p>
+        </p:txBody>
+      </p:sp>
+      <p:pic>
+        <p:nvPicPr>
+          <p:cNvPr id="5" name="Picture 4" descr="A graph with orange lines&#10;&#10;AI-generated content may be incorrect.">
+            <a:extLst>
+              <a:ext uri="{FF2B5EF4-FFF2-40B4-BE49-F238E27FC236}">
+                <a16:creationId xmlns:a16="http://schemas.microsoft.com/office/drawing/2014/main" id="{24A44C00-F34C-5EE0-1D65-91DEFDE21548}"/>
+              </a:ext>
+            </a:extLst>
+          </p:cNvPr>
+          <p:cNvPicPr>
+            <a:picLocks noChangeAspect="1"/>
+          </p:cNvPicPr>
+          <p:nvPr/>
+        </p:nvPicPr>
+        <p:blipFill>
+          <a:blip r:embed="rId2">
+            <a:extLst>
+              <a:ext uri="{28A0092B-C50C-407E-A947-70E740481C1C}">
+                <a14:useLocalDpi xmlns:a14="http://schemas.microsoft.com/office/drawing/2010/main" val="0"/>
+              </a:ext>
+            </a:extLst>
+          </a:blip>
+          <a:stretch>
+            <a:fillRect/>
+          </a:stretch>
+        </p:blipFill>
+        <p:spPr>
+          <a:xfrm>
+            <a:off x="6010509" y="2484255"/>
+            <a:ext cx="4952322" cy="3714244"/>
+          </a:xfrm>
+          <a:prstGeom prst="rect">
+            <a:avLst/>
+          </a:prstGeom>
+        </p:spPr>
+      </p:pic>
+      <p:sp>
+        <p:nvSpPr>
+          <p:cNvPr id="16" name="Rectangle 15">
+            <a:extLst>
+              <a:ext uri="{FF2B5EF4-FFF2-40B4-BE49-F238E27FC236}">
+                <a16:creationId xmlns:a16="http://schemas.microsoft.com/office/drawing/2014/main" id="{E6995CE5-F890-4ABA-82A2-26507CE8D2A3}"/>
+              </a:ext>
+              <a:ext uri="{C183D7F6-B498-43B3-948B-1728B52AA6E4}">
+                <adec:decorative xmlns:adec="http://schemas.microsoft.com/office/drawing/2017/decorative" val="1"/>
+              </a:ext>
+            </a:extLst>
+          </p:cNvPr>
+          <p:cNvSpPr>
+            <a:spLocks noGrp="1" noRot="1" noChangeAspect="1" noMove="1" noResize="1" noEditPoints="1" noAdjustHandles="1" noChangeArrowheads="1" noChangeShapeType="1" noTextEdit="1"/>
+          </p:cNvSpPr>
+          <p:nvPr>
+            <p:extLst>
+              <p:ext uri="{386F3935-93C4-4BCD-93E2-E3B085C9AB24}">
+                <p16:designElem xmlns:p16="http://schemas.microsoft.com/office/powerpoint/2015/main" val="1"/>
+              </p:ext>
+            </p:extLst>
+          </p:nvPr>
+        </p:nvSpPr>
+        <p:spPr>
+          <a:xfrm rot="5400000">
+            <a:off x="11228040" y="2313027"/>
+            <a:ext cx="781700" cy="152382"/>
+          </a:xfrm>
+          <a:prstGeom prst="rect">
+            <a:avLst/>
+          </a:prstGeom>
+          <a:solidFill>
+            <a:schemeClr val="accent4"/>
+          </a:solidFill>
+          <a:ln>
+            <a:noFill/>
+          </a:ln>
+        </p:spPr>
+        <p:style>
+          <a:lnRef idx="2">
+            <a:schemeClr val="accent1">
+              <a:shade val="50000"/>
+            </a:schemeClr>
+          </a:lnRef>
+          <a:fillRef idx="1">
+            <a:schemeClr val="accent1"/>
+          </a:fillRef>
+          <a:effectRef idx="0">
+            <a:schemeClr val="accent1"/>
+          </a:effectRef>
+          <a:fontRef idx="minor">
+            <a:schemeClr val="lt1"/>
+          </a:fontRef>
+        </p:style>
+        <p:txBody>
+          <a:bodyPr rtlCol="0" anchor="ctr"/>
+          <a:lstStyle/>
+          <a:p>
+            <a:pPr algn="ctr"/>
+            <a:endParaRPr lang="en-US"/>
           </a:p>
         </p:txBody>
       </p:sp>
     </p:spTree>
     <p:extLst>
       <p:ext uri="{BB962C8B-B14F-4D97-AF65-F5344CB8AC3E}">
-        <p14:creationId xmlns:p14="http://schemas.microsoft.com/office/powerpoint/2010/main" val="2674918354"/>
+        <p14:creationId xmlns:p14="http://schemas.microsoft.com/office/powerpoint/2010/main" val="3502722188"/>
       </p:ext>
     </p:extLst>
   </p:cSld>

--- a/presentation.pptx
+++ b/presentation.pptx
@@ -12,15 +12,14 @@
     <p:sldId id="260" r:id="rId6"/>
     <p:sldId id="261" r:id="rId7"/>
     <p:sldId id="262" r:id="rId8"/>
-    <p:sldId id="278" r:id="rId9"/>
-    <p:sldId id="263" r:id="rId10"/>
-    <p:sldId id="273" r:id="rId11"/>
-    <p:sldId id="274" r:id="rId12"/>
-    <p:sldId id="275" r:id="rId13"/>
-    <p:sldId id="277" r:id="rId14"/>
-    <p:sldId id="279" r:id="rId15"/>
-    <p:sldId id="280" r:id="rId16"/>
-    <p:sldId id="281" r:id="rId17"/>
+    <p:sldId id="263" r:id="rId9"/>
+    <p:sldId id="273" r:id="rId10"/>
+    <p:sldId id="274" r:id="rId11"/>
+    <p:sldId id="275" r:id="rId12"/>
+    <p:sldId id="277" r:id="rId13"/>
+    <p:sldId id="279" r:id="rId14"/>
+    <p:sldId id="280" r:id="rId15"/>
+    <p:sldId id="281" r:id="rId16"/>
   </p:sldIdLst>
   <p:sldSz cx="12192000" cy="6858000"/>
   <p:notesSz cx="6858000" cy="9144000"/>
@@ -3850,7 +3849,7 @@
           <p:cNvPr id="17" name="Rectangle 16">
             <a:extLst>
               <a:ext uri="{FF2B5EF4-FFF2-40B4-BE49-F238E27FC236}">
-                <a16:creationId xmlns:a16="http://schemas.microsoft.com/office/drawing/2014/main" id="{058A14AF-9FB5-4CC7-BA35-E8E85D3EDF0E}"/>
+                <a16:creationId xmlns:a16="http://schemas.microsoft.com/office/drawing/2014/main" id="{26CAED0A-2A45-4C9C-BCDD-21A8A092C5F3}"/>
               </a:ext>
               <a:ext uri="{C183D7F6-B498-43B3-948B-1728B52AA6E4}">
                 <adec:decorative xmlns:adec="http://schemas.microsoft.com/office/drawing/2017/decorative" val="1"/>
@@ -3910,7 +3909,7 @@
           <p:cNvPr id="2" name="Title 1">
             <a:extLst>
               <a:ext uri="{FF2B5EF4-FFF2-40B4-BE49-F238E27FC236}">
-                <a16:creationId xmlns:a16="http://schemas.microsoft.com/office/drawing/2014/main" id="{823E44DC-3740-2D30-28C6-24C3DA4C87D6}"/>
+                <a16:creationId xmlns:a16="http://schemas.microsoft.com/office/drawing/2014/main" id="{E77E6457-C4FF-4ADE-3F64-46F4A82DB9E2}"/>
               </a:ext>
             </a:extLst>
           </p:cNvPr>
@@ -3942,7 +3941,7 @@
                 <a:ea typeface="+mj-ea"/>
                 <a:cs typeface="+mj-cs"/>
               </a:rPr>
-              <a:t>Overall Portfolio Performance</a:t>
+              <a:t>Risk Profile &amp; Return Distribution</a:t>
             </a:r>
           </a:p>
         </p:txBody>
@@ -4085,7 +4084,7 @@
           <p:cNvPr id="12" name="TextBox 11">
             <a:extLst>
               <a:ext uri="{FF2B5EF4-FFF2-40B4-BE49-F238E27FC236}">
-                <a16:creationId xmlns:a16="http://schemas.microsoft.com/office/drawing/2014/main" id="{0E232222-CC7F-C3F9-1C47-10C613A35555}"/>
+                <a16:creationId xmlns:a16="http://schemas.microsoft.com/office/drawing/2014/main" id="{2ADAFF66-64D9-C27E-A480-7FB701E80F16}"/>
               </a:ext>
             </a:extLst>
           </p:cNvPr>
@@ -4094,8 +4093,8 @@
         </p:nvSpPr>
         <p:spPr>
           <a:xfrm>
-            <a:off x="793661" y="2599509"/>
-            <a:ext cx="4530898" cy="3639450"/>
+            <a:off x="793660" y="2599509"/>
+            <a:ext cx="4160725" cy="3598989"/>
           </a:xfrm>
           <a:prstGeom prst="rect">
             <a:avLst/>
@@ -4119,7 +4118,7 @@
             </a:pPr>
             <a:r>
               <a:rPr lang="en-US" sz="2000"/>
-              <a:t>ARL achieved positive total returns (~1.5%). </a:t>
+              <a:t>Maximum drawdown remained low due to inventory-aware safeguards. </a:t>
             </a:r>
           </a:p>
           <a:p>
@@ -4135,42 +4134,24 @@
             </a:pPr>
             <a:r>
               <a:rPr lang="en-US" sz="2000"/>
-              <a:t>Performance stayed consistent across calm and volatile regimes. </a:t>
-            </a:r>
-          </a:p>
-          <a:p>
-            <a:pPr marL="285750" indent="-228600">
-              <a:lnSpc>
-                <a:spcPct val="90000"/>
-              </a:lnSpc>
-              <a:spcAft>
-                <a:spcPts val="600"/>
-              </a:spcAft>
-              <a:buFont typeface="Arial" panose="020B0604020202020204" pitchFamily="34" charset="0"/>
-              <a:buChar char="•"/>
-            </a:pPr>
-            <a:r>
-              <a:rPr lang="en-US" sz="2000"/>
-              <a:t>ARL remained stable even as the EGT population evolved.</a:t>
+              <a:t>Return distribution is positively skewed; tail risks are suppressed.</a:t>
             </a:r>
           </a:p>
         </p:txBody>
       </p:sp>
       <p:pic>
         <p:nvPicPr>
-          <p:cNvPr id="9" name="Content Placeholder 8" descr="A graph showing a line graph&#10;&#10;AI-generated content may be incorrect.">
-            <a:extLst>
-              <a:ext uri="{FF2B5EF4-FFF2-40B4-BE49-F238E27FC236}">
-                <a16:creationId xmlns:a16="http://schemas.microsoft.com/office/drawing/2014/main" id="{1D0280F6-38F9-1083-200E-F6AA88A8AAD0}"/>
+          <p:cNvPr id="11" name="Picture 10" descr="A diagram of a distribution of step returns&#10;&#10;AI-generated content may be incorrect.">
+            <a:extLst>
+              <a:ext uri="{FF2B5EF4-FFF2-40B4-BE49-F238E27FC236}">
+                <a16:creationId xmlns:a16="http://schemas.microsoft.com/office/drawing/2014/main" id="{04C8F6B4-E99E-230D-EFA9-63C8E4E9D9E9}"/>
               </a:ext>
             </a:extLst>
           </p:cNvPr>
           <p:cNvPicPr>
-            <a:picLocks noGrp="1" noChangeAspect="1"/>
+            <a:picLocks noChangeAspect="1"/>
           </p:cNvPicPr>
-          <p:nvPr>
-            <p:ph idx="1"/>
-          </p:nvPr>
+          <p:nvPr/>
         </p:nvPicPr>
         <p:blipFill>
           <a:blip r:embed="rId2">
@@ -4180,14 +4161,54 @@
               </a:ext>
             </a:extLst>
           </a:blip>
+          <a:srcRect l="18722" r="24778" b="4"/>
           <a:stretch>
             <a:fillRect/>
           </a:stretch>
         </p:blipFill>
         <p:spPr>
           <a:xfrm>
-            <a:off x="6010509" y="2484255"/>
-            <a:ext cx="4952322" cy="3714244"/>
+            <a:off x="5418759" y="2559047"/>
+            <a:ext cx="2741805" cy="3639451"/>
+          </a:xfrm>
+          <a:prstGeom prst="rect">
+            <a:avLst/>
+          </a:prstGeom>
+        </p:spPr>
+      </p:pic>
+      <p:pic>
+        <p:nvPicPr>
+          <p:cNvPr id="9" name="Content Placeholder 8" descr="A graph showing a graph&#10;&#10;AI-generated content may be incorrect.">
+            <a:extLst>
+              <a:ext uri="{FF2B5EF4-FFF2-40B4-BE49-F238E27FC236}">
+                <a16:creationId xmlns:a16="http://schemas.microsoft.com/office/drawing/2014/main" id="{A0841157-F5AB-0774-7BAC-CE7B4C1A230C}"/>
+              </a:ext>
+            </a:extLst>
+          </p:cNvPr>
+          <p:cNvPicPr>
+            <a:picLocks noGrp="1" noChangeAspect="1"/>
+          </p:cNvPicPr>
+          <p:nvPr>
+            <p:ph idx="1"/>
+          </p:nvPr>
+        </p:nvPicPr>
+        <p:blipFill>
+          <a:blip r:embed="rId3">
+            <a:extLst>
+              <a:ext uri="{28A0092B-C50C-407E-A947-70E740481C1C}">
+                <a14:useLocalDpi xmlns:a14="http://schemas.microsoft.com/office/drawing/2010/main" val="0"/>
+              </a:ext>
+            </a:extLst>
+          </a:blip>
+          <a:srcRect l="32048" r="11415" b="4"/>
+          <a:stretch>
+            <a:fillRect/>
+          </a:stretch>
+        </p:blipFill>
+        <p:spPr>
+          <a:xfrm>
+            <a:off x="8412616" y="2559047"/>
+            <a:ext cx="2743620" cy="3639451"/>
           </a:xfrm>
           <a:prstGeom prst="rect">
             <a:avLst/>
@@ -4260,7 +4281,7 @@
     </p:spTree>
     <p:extLst>
       <p:ext uri="{BB962C8B-B14F-4D97-AF65-F5344CB8AC3E}">
-        <p14:creationId xmlns:p14="http://schemas.microsoft.com/office/powerpoint/2010/main" val="3129656432"/>
+        <p14:creationId xmlns:p14="http://schemas.microsoft.com/office/powerpoint/2010/main" val="3799872161"/>
       </p:ext>
     </p:extLst>
   </p:cSld>
@@ -4297,10 +4318,10 @@
       </p:grpSpPr>
       <p:sp useBgFill="1">
         <p:nvSpPr>
-          <p:cNvPr id="17" name="Rectangle 16">
-            <a:extLst>
-              <a:ext uri="{FF2B5EF4-FFF2-40B4-BE49-F238E27FC236}">
-                <a16:creationId xmlns:a16="http://schemas.microsoft.com/office/drawing/2014/main" id="{26CAED0A-2A45-4C9C-BCDD-21A8A092C5F3}"/>
+          <p:cNvPr id="10" name="Rectangle 9">
+            <a:extLst>
+              <a:ext uri="{FF2B5EF4-FFF2-40B4-BE49-F238E27FC236}">
+                <a16:creationId xmlns:a16="http://schemas.microsoft.com/office/drawing/2014/main" id="{058A14AF-9FB5-4CC7-BA35-E8E85D3EDF0E}"/>
               </a:ext>
               <a:ext uri="{C183D7F6-B498-43B3-948B-1728B52AA6E4}">
                 <adec:decorative xmlns:adec="http://schemas.microsoft.com/office/drawing/2017/decorative" val="1"/>
@@ -4360,7 +4381,7 @@
           <p:cNvPr id="2" name="Title 1">
             <a:extLst>
               <a:ext uri="{FF2B5EF4-FFF2-40B4-BE49-F238E27FC236}">
-                <a16:creationId xmlns:a16="http://schemas.microsoft.com/office/drawing/2014/main" id="{E77E6457-C4FF-4ADE-3F64-46F4A82DB9E2}"/>
+                <a16:creationId xmlns:a16="http://schemas.microsoft.com/office/drawing/2014/main" id="{2DF9E08C-1337-BDB0-6D31-3AE8EAC51C62}"/>
               </a:ext>
             </a:extLst>
           </p:cNvPr>
@@ -4378,28 +4399,21 @@
           </a:xfrm>
         </p:spPr>
         <p:txBody>
-          <a:bodyPr vert="horz" lIns="91440" tIns="45720" rIns="91440" bIns="45720" rtlCol="0" anchor="b">
+          <a:bodyPr anchor="b">
             <a:normAutofit/>
           </a:bodyPr>
           <a:lstStyle/>
           <a:p>
             <a:r>
-              <a:rPr lang="en-US" sz="4800" b="1" kern="1200">
-                <a:solidFill>
-                  <a:schemeClr val="tx1"/>
-                </a:solidFill>
-                <a:latin typeface="+mj-lt"/>
-                <a:ea typeface="+mj-ea"/>
-                <a:cs typeface="+mj-cs"/>
-              </a:rPr>
-              <a:t>Risk Profile &amp; Return Distribution</a:t>
-            </a:r>
-          </a:p>
-        </p:txBody>
-      </p:sp>
-      <p:sp>
-        <p:nvSpPr>
-          <p:cNvPr id="19" name="Rectangle 18">
+              <a:rPr lang="en-US" sz="4800" b="1"/>
+              <a:t>Inventory Stability</a:t>
+            </a:r>
+          </a:p>
+        </p:txBody>
+      </p:sp>
+      <p:sp>
+        <p:nvSpPr>
+          <p:cNvPr id="12" name="Rectangle 11">
             <a:extLst>
               <a:ext uri="{FF2B5EF4-FFF2-40B4-BE49-F238E27FC236}">
                 <a16:creationId xmlns:a16="http://schemas.microsoft.com/office/drawing/2014/main" id="{3A9A4357-BD1D-4622-A4FE-766E6AB8DE84}"/>
@@ -4462,7 +4476,7 @@
       </p:sp>
       <p:sp>
         <p:nvSpPr>
-          <p:cNvPr id="21" name="Rectangle 20">
+          <p:cNvPr id="14" name="Rectangle 13">
             <a:extLst>
               <a:ext uri="{FF2B5EF4-FFF2-40B4-BE49-F238E27FC236}">
                 <a16:creationId xmlns:a16="http://schemas.microsoft.com/office/drawing/2014/main" id="{E659831F-0D9A-4C63-9EBB-8435B85A440F}"/>
@@ -4532,70 +4546,57 @@
       </p:sp>
       <p:sp>
         <p:nvSpPr>
-          <p:cNvPr id="12" name="TextBox 11">
-            <a:extLst>
-              <a:ext uri="{FF2B5EF4-FFF2-40B4-BE49-F238E27FC236}">
-                <a16:creationId xmlns:a16="http://schemas.microsoft.com/office/drawing/2014/main" id="{2ADAFF66-64D9-C27E-A480-7FB701E80F16}"/>
-              </a:ext>
-            </a:extLst>
-          </p:cNvPr>
-          <p:cNvSpPr txBox="1"/>
-          <p:nvPr/>
+          <p:cNvPr id="3" name="Content Placeholder 2">
+            <a:extLst>
+              <a:ext uri="{FF2B5EF4-FFF2-40B4-BE49-F238E27FC236}">
+                <a16:creationId xmlns:a16="http://schemas.microsoft.com/office/drawing/2014/main" id="{60F0EB90-C826-1C56-45AE-E56EB4082199}"/>
+              </a:ext>
+            </a:extLst>
+          </p:cNvPr>
+          <p:cNvSpPr>
+            <a:spLocks noGrp="1"/>
+          </p:cNvSpPr>
+          <p:nvPr>
+            <p:ph idx="1"/>
+          </p:nvPr>
         </p:nvSpPr>
         <p:spPr>
           <a:xfrm>
-            <a:off x="793660" y="2599509"/>
-            <a:ext cx="4160725" cy="3598989"/>
-          </a:xfrm>
-          <a:prstGeom prst="rect">
-            <a:avLst/>
-          </a:prstGeom>
-        </p:spPr>
-        <p:txBody>
-          <a:bodyPr vert="horz" lIns="91440" tIns="45720" rIns="91440" bIns="45720" rtlCol="0" anchor="ctr">
+            <a:off x="793661" y="2599509"/>
+            <a:ext cx="4530898" cy="3639450"/>
+          </a:xfrm>
+        </p:spPr>
+        <p:txBody>
+          <a:bodyPr anchor="ctr">
             <a:normAutofit/>
           </a:bodyPr>
           <a:lstStyle/>
           <a:p>
-            <a:pPr marL="285750" indent="-228600">
-              <a:lnSpc>
-                <a:spcPct val="90000"/>
-              </a:lnSpc>
-              <a:spcAft>
-                <a:spcPts val="600"/>
-              </a:spcAft>
-              <a:buFont typeface="Arial" panose="020B0604020202020204" pitchFamily="34" charset="0"/>
-              <a:buChar char="•"/>
-            </a:pPr>
             <a:r>
               <a:rPr lang="en-US" sz="2000"/>
-              <a:t>Maximum drawdown remained low due to inventory-aware safeguards. </a:t>
-            </a:r>
-          </a:p>
-          <a:p>
-            <a:pPr marL="285750" indent="-228600">
-              <a:lnSpc>
-                <a:spcPct val="90000"/>
-              </a:lnSpc>
-              <a:spcAft>
-                <a:spcPts val="600"/>
-              </a:spcAft>
-              <a:buFont typeface="Arial" panose="020B0604020202020204" pitchFamily="34" charset="0"/>
-              <a:buChar char="•"/>
-            </a:pPr>
+              <a:t>ARL learned to keep inventory tightly controlled. </a:t>
+            </a:r>
+          </a:p>
+          <a:p>
             <a:r>
               <a:rPr lang="en-US" sz="2000"/>
-              <a:t>Return distribution is positively skewed; tail risks are suppressed.</a:t>
+              <a:t>Spread widening during high volatility prevented runaway exposure. </a:t>
+            </a:r>
+          </a:p>
+          <a:p>
+            <a:r>
+              <a:rPr lang="en-US" sz="2000"/>
+              <a:t>Inventory variance &lt; 0.02.</a:t>
             </a:r>
           </a:p>
         </p:txBody>
       </p:sp>
       <p:pic>
         <p:nvPicPr>
-          <p:cNvPr id="11" name="Picture 10" descr="A diagram of a distribution of step returns&#10;&#10;AI-generated content may be incorrect.">
-            <a:extLst>
-              <a:ext uri="{FF2B5EF4-FFF2-40B4-BE49-F238E27FC236}">
-                <a16:creationId xmlns:a16="http://schemas.microsoft.com/office/drawing/2014/main" id="{04C8F6B4-E99E-230D-EFA9-63C8E4E9D9E9}"/>
+          <p:cNvPr id="5" name="Picture 4" descr="A graph showing a number of data&#10;&#10;AI-generated content may be incorrect.">
+            <a:extLst>
+              <a:ext uri="{FF2B5EF4-FFF2-40B4-BE49-F238E27FC236}">
+                <a16:creationId xmlns:a16="http://schemas.microsoft.com/office/drawing/2014/main" id="{F32A8CAB-A74A-01D3-F570-6A87383E7286}"/>
               </a:ext>
             </a:extLst>
           </p:cNvPr>
@@ -4612,63 +4613,23 @@
               </a:ext>
             </a:extLst>
           </a:blip>
-          <a:srcRect l="18722" r="24778" b="4"/>
           <a:stretch>
             <a:fillRect/>
           </a:stretch>
         </p:blipFill>
         <p:spPr>
           <a:xfrm>
-            <a:off x="5418759" y="2559047"/>
-            <a:ext cx="2741805" cy="3639451"/>
+            <a:off x="5911532" y="2731914"/>
+            <a:ext cx="5150277" cy="3218926"/>
           </a:xfrm>
           <a:prstGeom prst="rect">
             <a:avLst/>
           </a:prstGeom>
         </p:spPr>
       </p:pic>
-      <p:pic>
-        <p:nvPicPr>
-          <p:cNvPr id="9" name="Content Placeholder 8" descr="A graph showing a graph&#10;&#10;AI-generated content may be incorrect.">
-            <a:extLst>
-              <a:ext uri="{FF2B5EF4-FFF2-40B4-BE49-F238E27FC236}">
-                <a16:creationId xmlns:a16="http://schemas.microsoft.com/office/drawing/2014/main" id="{A0841157-F5AB-0774-7BAC-CE7B4C1A230C}"/>
-              </a:ext>
-            </a:extLst>
-          </p:cNvPr>
-          <p:cNvPicPr>
-            <a:picLocks noGrp="1" noChangeAspect="1"/>
-          </p:cNvPicPr>
-          <p:nvPr>
-            <p:ph idx="1"/>
-          </p:nvPr>
-        </p:nvPicPr>
-        <p:blipFill>
-          <a:blip r:embed="rId3">
-            <a:extLst>
-              <a:ext uri="{28A0092B-C50C-407E-A947-70E740481C1C}">
-                <a14:useLocalDpi xmlns:a14="http://schemas.microsoft.com/office/drawing/2010/main" val="0"/>
-              </a:ext>
-            </a:extLst>
-          </a:blip>
-          <a:srcRect l="32048" r="11415" b="4"/>
-          <a:stretch>
-            <a:fillRect/>
-          </a:stretch>
-        </p:blipFill>
-        <p:spPr>
-          <a:xfrm>
-            <a:off x="8412616" y="2559047"/>
-            <a:ext cx="2743620" cy="3639451"/>
-          </a:xfrm>
-          <a:prstGeom prst="rect">
-            <a:avLst/>
-          </a:prstGeom>
-        </p:spPr>
-      </p:pic>
-      <p:sp>
-        <p:nvSpPr>
-          <p:cNvPr id="23" name="Rectangle 22">
+      <p:sp>
+        <p:nvSpPr>
+          <p:cNvPr id="16" name="Rectangle 15">
             <a:extLst>
               <a:ext uri="{FF2B5EF4-FFF2-40B4-BE49-F238E27FC236}">
                 <a16:creationId xmlns:a16="http://schemas.microsoft.com/office/drawing/2014/main" id="{E6995CE5-F890-4ABA-82A2-26507CE8D2A3}"/>
@@ -4732,7 +4693,7 @@
     </p:spTree>
     <p:extLst>
       <p:ext uri="{BB962C8B-B14F-4D97-AF65-F5344CB8AC3E}">
-        <p14:creationId xmlns:p14="http://schemas.microsoft.com/office/powerpoint/2010/main" val="3799872161"/>
+        <p14:creationId xmlns:p14="http://schemas.microsoft.com/office/powerpoint/2010/main" val="434229740"/>
       </p:ext>
     </p:extLst>
   </p:cSld>
@@ -4832,7 +4793,7 @@
           <p:cNvPr id="2" name="Title 1">
             <a:extLst>
               <a:ext uri="{FF2B5EF4-FFF2-40B4-BE49-F238E27FC236}">
-                <a16:creationId xmlns:a16="http://schemas.microsoft.com/office/drawing/2014/main" id="{2DF9E08C-1337-BDB0-6D31-3AE8EAC51C62}"/>
+                <a16:creationId xmlns:a16="http://schemas.microsoft.com/office/drawing/2014/main" id="{6BA3617D-5C5D-90D4-7FA6-AF2D86211F30}"/>
               </a:ext>
             </a:extLst>
           </p:cNvPr>
@@ -4857,7 +4818,7 @@
           <a:p>
             <a:r>
               <a:rPr lang="en-US" sz="4800" b="1"/>
-              <a:t>Inventory Stability</a:t>
+              <a:t>Policy Behavior &amp; Learned Strategy</a:t>
             </a:r>
           </a:p>
         </p:txBody>
@@ -5000,7 +4961,7 @@
           <p:cNvPr id="3" name="Content Placeholder 2">
             <a:extLst>
               <a:ext uri="{FF2B5EF4-FFF2-40B4-BE49-F238E27FC236}">
-                <a16:creationId xmlns:a16="http://schemas.microsoft.com/office/drawing/2014/main" id="{60F0EB90-C826-1C56-45AE-E56EB4082199}"/>
+                <a16:creationId xmlns:a16="http://schemas.microsoft.com/office/drawing/2014/main" id="{13FE6EC4-0180-CA9F-9562-2750BAB8A153}"/>
               </a:ext>
             </a:extLst>
           </p:cNvPr>
@@ -5025,29 +4986,41 @@
           <a:p>
             <a:r>
               <a:rPr lang="en-US" sz="2000"/>
-              <a:t>ARL learned to keep inventory tightly controlled. </a:t>
+              <a:t>Observed Behavioral Patterns </a:t>
             </a:r>
           </a:p>
           <a:p>
             <a:r>
               <a:rPr lang="en-US" sz="2000"/>
-              <a:t>Spread widening during high volatility prevented runaway exposure. </a:t>
+              <a:t>Tight spreads when volatility is low and inventory is near zero</a:t>
             </a:r>
           </a:p>
           <a:p>
             <a:r>
               <a:rPr lang="en-US" sz="2000"/>
-              <a:t>Inventory variance &lt; 0.02.</a:t>
+              <a:t>Wider spreads when EGT becomes aggressive </a:t>
+            </a:r>
+          </a:p>
+          <a:p>
+            <a:r>
+              <a:rPr lang="en-US" sz="2000"/>
+              <a:t>Stable quoting during passive EGT regimes</a:t>
+            </a:r>
+          </a:p>
+          <a:p>
+            <a:r>
+              <a:rPr lang="en-US" sz="2000"/>
+              <a:t>Reinforces that ARL learned context-dependent microstructure tactics.</a:t>
             </a:r>
           </a:p>
         </p:txBody>
       </p:sp>
       <p:pic>
         <p:nvPicPr>
-          <p:cNvPr id="5" name="Picture 4" descr="A graph showing a number of data&#10;&#10;AI-generated content may be incorrect.">
-            <a:extLst>
-              <a:ext uri="{FF2B5EF4-FFF2-40B4-BE49-F238E27FC236}">
-                <a16:creationId xmlns:a16="http://schemas.microsoft.com/office/drawing/2014/main" id="{F32A8CAB-A74A-01D3-F570-6A87383E7286}"/>
+          <p:cNvPr id="5" name="Picture 4" descr="A graph with different colored bars&#10;&#10;AI-generated content may be incorrect.">
+            <a:extLst>
+              <a:ext uri="{FF2B5EF4-FFF2-40B4-BE49-F238E27FC236}">
+                <a16:creationId xmlns:a16="http://schemas.microsoft.com/office/drawing/2014/main" id="{67DCFD4C-D355-48C4-638C-AD9233B3C685}"/>
               </a:ext>
             </a:extLst>
           </p:cNvPr>
@@ -5070,8 +5043,8 @@
         </p:blipFill>
         <p:spPr>
           <a:xfrm>
-            <a:off x="5911532" y="2731914"/>
-            <a:ext cx="5150277" cy="3218926"/>
+            <a:off x="6010509" y="2484255"/>
+            <a:ext cx="4952322" cy="3714244"/>
           </a:xfrm>
           <a:prstGeom prst="rect">
             <a:avLst/>
@@ -5144,7 +5117,7 @@
     </p:spTree>
     <p:extLst>
       <p:ext uri="{BB962C8B-B14F-4D97-AF65-F5344CB8AC3E}">
-        <p14:creationId xmlns:p14="http://schemas.microsoft.com/office/powerpoint/2010/main" val="434229740"/>
+        <p14:creationId xmlns:p14="http://schemas.microsoft.com/office/powerpoint/2010/main" val="1205668723"/>
       </p:ext>
     </p:extLst>
   </p:cSld>
@@ -5155,430 +5128,6 @@
 </file>
 
 <file path=ppt/slides/slide13.xml><?xml version="1.0" encoding="utf-8"?>
-<p:sld xmlns:a="http://schemas.openxmlformats.org/drawingml/2006/main" xmlns:r="http://schemas.openxmlformats.org/officeDocument/2006/relationships" xmlns:p="http://schemas.openxmlformats.org/presentationml/2006/main">
-  <p:cSld>
-    <p:bg>
-      <p:bgPr>
-        <a:solidFill>
-          <a:schemeClr val="bg1"/>
-        </a:solidFill>
-        <a:effectLst/>
-      </p:bgPr>
-    </p:bg>
-    <p:spTree>
-      <p:nvGrpSpPr>
-        <p:cNvPr id="1" name=""/>
-        <p:cNvGrpSpPr/>
-        <p:nvPr/>
-      </p:nvGrpSpPr>
-      <p:grpSpPr>
-        <a:xfrm>
-          <a:off x="0" y="0"/>
-          <a:ext cx="0" cy="0"/>
-          <a:chOff x="0" y="0"/>
-          <a:chExt cx="0" cy="0"/>
-        </a:xfrm>
-      </p:grpSpPr>
-      <p:sp useBgFill="1">
-        <p:nvSpPr>
-          <p:cNvPr id="10" name="Rectangle 9">
-            <a:extLst>
-              <a:ext uri="{FF2B5EF4-FFF2-40B4-BE49-F238E27FC236}">
-                <a16:creationId xmlns:a16="http://schemas.microsoft.com/office/drawing/2014/main" id="{058A14AF-9FB5-4CC7-BA35-E8E85D3EDF0E}"/>
-              </a:ext>
-              <a:ext uri="{C183D7F6-B498-43B3-948B-1728B52AA6E4}">
-                <adec:decorative xmlns:adec="http://schemas.microsoft.com/office/drawing/2017/decorative" val="1"/>
-              </a:ext>
-            </a:extLst>
-          </p:cNvPr>
-          <p:cNvSpPr>
-            <a:spLocks noGrp="1" noRot="1" noChangeAspect="1" noMove="1" noResize="1" noEditPoints="1" noAdjustHandles="1" noChangeArrowheads="1" noChangeShapeType="1" noTextEdit="1"/>
-          </p:cNvSpPr>
-          <p:nvPr>
-            <p:extLst>
-              <p:ext uri="{386F3935-93C4-4BCD-93E2-E3B085C9AB24}">
-                <p16:designElem xmlns:p16="http://schemas.microsoft.com/office/powerpoint/2015/main" val="1"/>
-              </p:ext>
-            </p:extLst>
-          </p:nvPr>
-        </p:nvSpPr>
-        <p:spPr>
-          <a:xfrm>
-            <a:off x="0" y="0"/>
-            <a:ext cx="12191999" cy="6857365"/>
-          </a:xfrm>
-          <a:prstGeom prst="rect">
-            <a:avLst/>
-          </a:prstGeom>
-          <a:ln>
-            <a:noFill/>
-          </a:ln>
-        </p:spPr>
-        <p:style>
-          <a:lnRef idx="2">
-            <a:schemeClr val="accent1">
-              <a:shade val="50000"/>
-            </a:schemeClr>
-          </a:lnRef>
-          <a:fillRef idx="1">
-            <a:schemeClr val="accent1"/>
-          </a:fillRef>
-          <a:effectRef idx="0">
-            <a:schemeClr val="accent1"/>
-          </a:effectRef>
-          <a:fontRef idx="minor">
-            <a:schemeClr val="lt1"/>
-          </a:fontRef>
-        </p:style>
-        <p:txBody>
-          <a:bodyPr rtlCol="0" anchor="ctr"/>
-          <a:lstStyle/>
-          <a:p>
-            <a:pPr algn="ctr"/>
-            <a:endParaRPr lang="en-US"/>
-          </a:p>
-        </p:txBody>
-      </p:sp>
-      <p:sp>
-        <p:nvSpPr>
-          <p:cNvPr id="2" name="Title 1">
-            <a:extLst>
-              <a:ext uri="{FF2B5EF4-FFF2-40B4-BE49-F238E27FC236}">
-                <a16:creationId xmlns:a16="http://schemas.microsoft.com/office/drawing/2014/main" id="{6BA3617D-5C5D-90D4-7FA6-AF2D86211F30}"/>
-              </a:ext>
-            </a:extLst>
-          </p:cNvPr>
-          <p:cNvSpPr>
-            <a:spLocks noGrp="1"/>
-          </p:cNvSpPr>
-          <p:nvPr>
-            <p:ph type="title"/>
-          </p:nvPr>
-        </p:nvSpPr>
-        <p:spPr>
-          <a:xfrm>
-            <a:off x="793662" y="386930"/>
-            <a:ext cx="10066122" cy="1298448"/>
-          </a:xfrm>
-        </p:spPr>
-        <p:txBody>
-          <a:bodyPr anchor="b">
-            <a:normAutofit/>
-          </a:bodyPr>
-          <a:lstStyle/>
-          <a:p>
-            <a:r>
-              <a:rPr lang="en-US" sz="4800" b="1"/>
-              <a:t>Policy Behavior &amp; Learned Strategy</a:t>
-            </a:r>
-          </a:p>
-        </p:txBody>
-      </p:sp>
-      <p:sp>
-        <p:nvSpPr>
-          <p:cNvPr id="12" name="Rectangle 11">
-            <a:extLst>
-              <a:ext uri="{FF2B5EF4-FFF2-40B4-BE49-F238E27FC236}">
-                <a16:creationId xmlns:a16="http://schemas.microsoft.com/office/drawing/2014/main" id="{3A9A4357-BD1D-4622-A4FE-766E6AB8DE84}"/>
-              </a:ext>
-              <a:ext uri="{C183D7F6-B498-43B3-948B-1728B52AA6E4}">
-                <adec:decorative xmlns:adec="http://schemas.microsoft.com/office/drawing/2017/decorative" val="1"/>
-              </a:ext>
-            </a:extLst>
-          </p:cNvPr>
-          <p:cNvSpPr>
-            <a:spLocks noGrp="1" noRot="1" noChangeAspect="1" noMove="1" noResize="1" noEditPoints="1" noAdjustHandles="1" noChangeArrowheads="1" noChangeShapeType="1" noTextEdit="1"/>
-          </p:cNvSpPr>
-          <p:nvPr>
-            <p:extLst>
-              <p:ext uri="{386F3935-93C4-4BCD-93E2-E3B085C9AB24}">
-                <p16:designElem xmlns:p16="http://schemas.microsoft.com/office/powerpoint/2015/main" val="1"/>
-              </p:ext>
-            </p:extLst>
-          </p:nvPr>
-        </p:nvSpPr>
-        <p:spPr>
-          <a:xfrm flipH="1" flipV="1">
-            <a:off x="-2" y="1998845"/>
-            <a:ext cx="11454595" cy="781699"/>
-          </a:xfrm>
-          <a:prstGeom prst="rect">
-            <a:avLst/>
-          </a:prstGeom>
-          <a:solidFill>
-            <a:schemeClr val="accent4"/>
-          </a:solidFill>
-          <a:ln>
-            <a:noFill/>
-          </a:ln>
-        </p:spPr>
-        <p:style>
-          <a:lnRef idx="2">
-            <a:schemeClr val="accent1">
-              <a:shade val="50000"/>
-            </a:schemeClr>
-          </a:lnRef>
-          <a:fillRef idx="1">
-            <a:schemeClr val="accent1"/>
-          </a:fillRef>
-          <a:effectRef idx="0">
-            <a:schemeClr val="accent1"/>
-          </a:effectRef>
-          <a:fontRef idx="minor">
-            <a:schemeClr val="lt1"/>
-          </a:fontRef>
-        </p:style>
-        <p:txBody>
-          <a:bodyPr rtlCol="0" anchor="ctr"/>
-          <a:lstStyle/>
-          <a:p>
-            <a:pPr algn="ctr"/>
-            <a:endParaRPr lang="en-US"/>
-          </a:p>
-        </p:txBody>
-      </p:sp>
-      <p:sp>
-        <p:nvSpPr>
-          <p:cNvPr id="14" name="Rectangle 13">
-            <a:extLst>
-              <a:ext uri="{FF2B5EF4-FFF2-40B4-BE49-F238E27FC236}">
-                <a16:creationId xmlns:a16="http://schemas.microsoft.com/office/drawing/2014/main" id="{E659831F-0D9A-4C63-9EBB-8435B85A440F}"/>
-              </a:ext>
-              <a:ext uri="{C183D7F6-B498-43B3-948B-1728B52AA6E4}">
-                <adec:decorative xmlns:adec="http://schemas.microsoft.com/office/drawing/2017/decorative" val="1"/>
-              </a:ext>
-            </a:extLst>
-          </p:cNvPr>
-          <p:cNvSpPr>
-            <a:spLocks noGrp="1" noRot="1" noChangeAspect="1" noMove="1" noResize="1" noEditPoints="1" noAdjustHandles="1" noChangeArrowheads="1" noChangeShapeType="1" noTextEdit="1"/>
-          </p:cNvSpPr>
-          <p:nvPr>
-            <p:extLst>
-              <p:ext uri="{386F3935-93C4-4BCD-93E2-E3B085C9AB24}">
-                <p16:designElem xmlns:p16="http://schemas.microsoft.com/office/powerpoint/2015/main" val="1"/>
-              </p:ext>
-            </p:extLst>
-          </p:nvPr>
-        </p:nvSpPr>
-        <p:spPr>
-          <a:xfrm>
-            <a:off x="0" y="2203079"/>
-            <a:ext cx="11383362" cy="4267991"/>
-          </a:xfrm>
-          <a:prstGeom prst="rect">
-            <a:avLst/>
-          </a:prstGeom>
-          <a:solidFill>
-            <a:schemeClr val="bg1"/>
-          </a:solidFill>
-          <a:ln>
-            <a:noFill/>
-          </a:ln>
-          <a:effectLst>
-            <a:outerShdw blurRad="139700" dist="127000" dir="5400000" algn="t" rotWithShape="0">
-              <a:prstClr val="black">
-                <a:alpha val="15000"/>
-              </a:prstClr>
-            </a:outerShdw>
-          </a:effectLst>
-        </p:spPr>
-        <p:style>
-          <a:lnRef idx="2">
-            <a:schemeClr val="accent1">
-              <a:shade val="50000"/>
-            </a:schemeClr>
-          </a:lnRef>
-          <a:fillRef idx="1">
-            <a:schemeClr val="accent1"/>
-          </a:fillRef>
-          <a:effectRef idx="0">
-            <a:schemeClr val="accent1"/>
-          </a:effectRef>
-          <a:fontRef idx="minor">
-            <a:schemeClr val="lt1"/>
-          </a:fontRef>
-        </p:style>
-        <p:txBody>
-          <a:bodyPr rtlCol="0" anchor="ctr"/>
-          <a:lstStyle/>
-          <a:p>
-            <a:pPr algn="ctr"/>
-            <a:endParaRPr lang="en-US"/>
-          </a:p>
-        </p:txBody>
-      </p:sp>
-      <p:sp>
-        <p:nvSpPr>
-          <p:cNvPr id="3" name="Content Placeholder 2">
-            <a:extLst>
-              <a:ext uri="{FF2B5EF4-FFF2-40B4-BE49-F238E27FC236}">
-                <a16:creationId xmlns:a16="http://schemas.microsoft.com/office/drawing/2014/main" id="{13FE6EC4-0180-CA9F-9562-2750BAB8A153}"/>
-              </a:ext>
-            </a:extLst>
-          </p:cNvPr>
-          <p:cNvSpPr>
-            <a:spLocks noGrp="1"/>
-          </p:cNvSpPr>
-          <p:nvPr>
-            <p:ph idx="1"/>
-          </p:nvPr>
-        </p:nvSpPr>
-        <p:spPr>
-          <a:xfrm>
-            <a:off x="793661" y="2599509"/>
-            <a:ext cx="4530898" cy="3639450"/>
-          </a:xfrm>
-        </p:spPr>
-        <p:txBody>
-          <a:bodyPr anchor="ctr">
-            <a:normAutofit/>
-          </a:bodyPr>
-          <a:lstStyle/>
-          <a:p>
-            <a:r>
-              <a:rPr lang="en-US" sz="2000"/>
-              <a:t>Observed Behavioral Patterns </a:t>
-            </a:r>
-          </a:p>
-          <a:p>
-            <a:r>
-              <a:rPr lang="en-US" sz="2000"/>
-              <a:t>Tight spreads when volatility is low and inventory is near zero</a:t>
-            </a:r>
-          </a:p>
-          <a:p>
-            <a:r>
-              <a:rPr lang="en-US" sz="2000"/>
-              <a:t>Wider spreads when EGT becomes aggressive </a:t>
-            </a:r>
-          </a:p>
-          <a:p>
-            <a:r>
-              <a:rPr lang="en-US" sz="2000"/>
-              <a:t>Stable quoting during passive EGT regimes</a:t>
-            </a:r>
-          </a:p>
-          <a:p>
-            <a:r>
-              <a:rPr lang="en-US" sz="2000"/>
-              <a:t>Reinforces that ARL learned context-dependent microstructure tactics.</a:t>
-            </a:r>
-          </a:p>
-        </p:txBody>
-      </p:sp>
-      <p:pic>
-        <p:nvPicPr>
-          <p:cNvPr id="5" name="Picture 4" descr="A graph with different colored bars&#10;&#10;AI-generated content may be incorrect.">
-            <a:extLst>
-              <a:ext uri="{FF2B5EF4-FFF2-40B4-BE49-F238E27FC236}">
-                <a16:creationId xmlns:a16="http://schemas.microsoft.com/office/drawing/2014/main" id="{67DCFD4C-D355-48C4-638C-AD9233B3C685}"/>
-              </a:ext>
-            </a:extLst>
-          </p:cNvPr>
-          <p:cNvPicPr>
-            <a:picLocks noChangeAspect="1"/>
-          </p:cNvPicPr>
-          <p:nvPr/>
-        </p:nvPicPr>
-        <p:blipFill>
-          <a:blip r:embed="rId2">
-            <a:extLst>
-              <a:ext uri="{28A0092B-C50C-407E-A947-70E740481C1C}">
-                <a14:useLocalDpi xmlns:a14="http://schemas.microsoft.com/office/drawing/2010/main" val="0"/>
-              </a:ext>
-            </a:extLst>
-          </a:blip>
-          <a:stretch>
-            <a:fillRect/>
-          </a:stretch>
-        </p:blipFill>
-        <p:spPr>
-          <a:xfrm>
-            <a:off x="6010509" y="2484255"/>
-            <a:ext cx="4952322" cy="3714244"/>
-          </a:xfrm>
-          <a:prstGeom prst="rect">
-            <a:avLst/>
-          </a:prstGeom>
-        </p:spPr>
-      </p:pic>
-      <p:sp>
-        <p:nvSpPr>
-          <p:cNvPr id="16" name="Rectangle 15">
-            <a:extLst>
-              <a:ext uri="{FF2B5EF4-FFF2-40B4-BE49-F238E27FC236}">
-                <a16:creationId xmlns:a16="http://schemas.microsoft.com/office/drawing/2014/main" id="{E6995CE5-F890-4ABA-82A2-26507CE8D2A3}"/>
-              </a:ext>
-              <a:ext uri="{C183D7F6-B498-43B3-948B-1728B52AA6E4}">
-                <adec:decorative xmlns:adec="http://schemas.microsoft.com/office/drawing/2017/decorative" val="1"/>
-              </a:ext>
-            </a:extLst>
-          </p:cNvPr>
-          <p:cNvSpPr>
-            <a:spLocks noGrp="1" noRot="1" noChangeAspect="1" noMove="1" noResize="1" noEditPoints="1" noAdjustHandles="1" noChangeArrowheads="1" noChangeShapeType="1" noTextEdit="1"/>
-          </p:cNvSpPr>
-          <p:nvPr>
-            <p:extLst>
-              <p:ext uri="{386F3935-93C4-4BCD-93E2-E3B085C9AB24}">
-                <p16:designElem xmlns:p16="http://schemas.microsoft.com/office/powerpoint/2015/main" val="1"/>
-              </p:ext>
-            </p:extLst>
-          </p:nvPr>
-        </p:nvSpPr>
-        <p:spPr>
-          <a:xfrm rot="5400000">
-            <a:off x="11228040" y="2313027"/>
-            <a:ext cx="781700" cy="152382"/>
-          </a:xfrm>
-          <a:prstGeom prst="rect">
-            <a:avLst/>
-          </a:prstGeom>
-          <a:solidFill>
-            <a:schemeClr val="accent4"/>
-          </a:solidFill>
-          <a:ln>
-            <a:noFill/>
-          </a:ln>
-        </p:spPr>
-        <p:style>
-          <a:lnRef idx="2">
-            <a:schemeClr val="accent1">
-              <a:shade val="50000"/>
-            </a:schemeClr>
-          </a:lnRef>
-          <a:fillRef idx="1">
-            <a:schemeClr val="accent1"/>
-          </a:fillRef>
-          <a:effectRef idx="0">
-            <a:schemeClr val="accent1"/>
-          </a:effectRef>
-          <a:fontRef idx="minor">
-            <a:schemeClr val="lt1"/>
-          </a:fontRef>
-        </p:style>
-        <p:txBody>
-          <a:bodyPr rtlCol="0" anchor="ctr"/>
-          <a:lstStyle/>
-          <a:p>
-            <a:pPr algn="ctr"/>
-            <a:endParaRPr lang="en-US"/>
-          </a:p>
-        </p:txBody>
-      </p:sp>
-    </p:spTree>
-    <p:extLst>
-      <p:ext uri="{BB962C8B-B14F-4D97-AF65-F5344CB8AC3E}">
-        <p14:creationId xmlns:p14="http://schemas.microsoft.com/office/powerpoint/2010/main" val="1205668723"/>
-      </p:ext>
-    </p:extLst>
-  </p:cSld>
-  <p:clrMapOvr>
-    <a:masterClrMapping/>
-  </p:clrMapOvr>
-</p:sld>
-</file>
-
-<file path=ppt/slides/slide14.xml><?xml version="1.0" encoding="utf-8"?>
 <p:sld xmlns:a="http://schemas.openxmlformats.org/drawingml/2006/main" xmlns:r="http://schemas.openxmlformats.org/officeDocument/2006/relationships" xmlns:p="http://schemas.openxmlformats.org/presentationml/2006/main">
   <p:cSld>
     <p:bg>
@@ -6058,7 +5607,7 @@
 </p:sld>
 </file>
 
-<file path=ppt/slides/slide15.xml><?xml version="1.0" encoding="utf-8"?>
+<file path=ppt/slides/slide14.xml><?xml version="1.0" encoding="utf-8"?>
 <p:sld xmlns:a="http://schemas.openxmlformats.org/drawingml/2006/main" xmlns:r="http://schemas.openxmlformats.org/officeDocument/2006/relationships" xmlns:p="http://schemas.openxmlformats.org/presentationml/2006/main">
   <p:cSld>
     <p:bg>
@@ -6510,7 +6059,7 @@
 </p:sld>
 </file>
 
-<file path=ppt/slides/slide16.xml><?xml version="1.0" encoding="utf-8"?>
+<file path=ppt/slides/slide15.xml><?xml version="1.0" encoding="utf-8"?>
 <p:sld xmlns:a="http://schemas.openxmlformats.org/drawingml/2006/main" xmlns:r="http://schemas.openxmlformats.org/officeDocument/2006/relationships" xmlns:p="http://schemas.openxmlformats.org/presentationml/2006/main">
   <p:cSld>
     <p:spTree>
@@ -9295,7 +8844,7 @@
           <p:cNvPr id="2" name="Title 1">
             <a:extLst>
               <a:ext uri="{FF2B5EF4-FFF2-40B4-BE49-F238E27FC236}">
-                <a16:creationId xmlns:a16="http://schemas.microsoft.com/office/drawing/2014/main" id="{76615CC0-D6B8-6ACA-747A-6B7122105529}"/>
+                <a16:creationId xmlns:a16="http://schemas.microsoft.com/office/drawing/2014/main" id="{90A1F16A-0DDF-2A09-4C54-EAF3E3158767}"/>
               </a:ext>
             </a:extLst>
           </p:cNvPr>
@@ -9319,9 +8868,10 @@
           <a:lstStyle/>
           <a:p>
             <a:r>
-              <a:rPr lang="en-US" sz="4100" b="1"/>
-              <a:t>ARL and EGT Co-Adaptation and Influence</a:t>
-            </a:r>
+              <a:rPr lang="en-US" b="1" dirty="0"/>
+              <a:t>Detailed Influence Between ARL &amp; EGT</a:t>
+            </a:r>
+            <a:endParaRPr lang="en-US" dirty="0"/>
           </a:p>
         </p:txBody>
       </p:sp>
@@ -9463,7 +9013,7 @@
           <p:cNvPr id="3" name="Content Placeholder 2">
             <a:extLst>
               <a:ext uri="{FF2B5EF4-FFF2-40B4-BE49-F238E27FC236}">
-                <a16:creationId xmlns:a16="http://schemas.microsoft.com/office/drawing/2014/main" id="{3918A197-E6E5-D98D-9A4A-B1A12635617C}"/>
+                <a16:creationId xmlns:a16="http://schemas.microsoft.com/office/drawing/2014/main" id="{02716AD3-5A45-82AD-5B2D-4809D953D6AA}"/>
               </a:ext>
             </a:extLst>
           </p:cNvPr>
@@ -9487,25 +9037,33 @@
           <a:lstStyle/>
           <a:p>
             <a:r>
-              <a:rPr lang="en-US" sz="2000" dirty="0"/>
-              <a:t>ARL → EGT: Tight spreads temporarily boost Aggressive strategy fitness. </a:t>
-            </a:r>
-          </a:p>
-          <a:p>
-            <a:r>
-              <a:rPr lang="en-US" sz="2000" dirty="0"/>
-              <a:t>EGT → ARL: When Aggressive dominates, ARL widens spreads to reduce risk. </a:t>
-            </a:r>
-          </a:p>
-          <a:p>
-            <a:r>
-              <a:rPr lang="en-US" sz="2000" dirty="0"/>
-              <a:t>Passive traders eventually dominate (&gt;99%) due to ARL pressure. </a:t>
-            </a:r>
-          </a:p>
-          <a:p>
-            <a:r>
-              <a:rPr lang="en-US" sz="2000" dirty="0"/>
+              <a:rPr lang="en-US" sz="2000" b="1"/>
+              <a:t>ARL → EGT:</a:t>
+            </a:r>
+            <a:r>
+              <a:rPr lang="en-US" sz="2000"/>
+              <a:t> Tight spreads temporarily boost Aggressive strategy fitness.</a:t>
+            </a:r>
+          </a:p>
+          <a:p>
+            <a:r>
+              <a:rPr lang="en-US" sz="2000" b="1"/>
+              <a:t>EGT → ARL:</a:t>
+            </a:r>
+            <a:r>
+              <a:rPr lang="en-US" sz="2000"/>
+              <a:t> When Aggressive dominates, ARL widens spreads to reduce risk.</a:t>
+            </a:r>
+          </a:p>
+          <a:p>
+            <a:r>
+              <a:rPr lang="en-US" sz="2000"/>
+              <a:t>Passive traders eventually dominate (&gt;99%) due to ARL pressure.</a:t>
+            </a:r>
+          </a:p>
+          <a:p>
+            <a:r>
+              <a:rPr lang="en-US" sz="2000"/>
               <a:t>Clear feedback loop emerges: each agent type shapes the other’s behavior.</a:t>
             </a:r>
           </a:p>
@@ -9516,7 +9074,7 @@
           <p:cNvPr id="5" name="Picture 4" descr="A graph with orange lines&#10;&#10;AI-generated content may be incorrect.">
             <a:extLst>
               <a:ext uri="{FF2B5EF4-FFF2-40B4-BE49-F238E27FC236}">
-                <a16:creationId xmlns:a16="http://schemas.microsoft.com/office/drawing/2014/main" id="{9BD73CC6-A6D8-7737-ED7E-E741BCD0D68C}"/>
+                <a16:creationId xmlns:a16="http://schemas.microsoft.com/office/drawing/2014/main" id="{24A44C00-F34C-5EE0-1D65-91DEFDE21548}"/>
               </a:ext>
             </a:extLst>
           </p:cNvPr>
@@ -9613,7 +9171,7 @@
     </p:spTree>
     <p:extLst>
       <p:ext uri="{BB962C8B-B14F-4D97-AF65-F5344CB8AC3E}">
-        <p14:creationId xmlns:p14="http://schemas.microsoft.com/office/powerpoint/2010/main" val="3743521334"/>
+        <p14:creationId xmlns:p14="http://schemas.microsoft.com/office/powerpoint/2010/main" val="3502722188"/>
       </p:ext>
     </p:extLst>
   </p:cSld>
@@ -9650,7 +9208,7 @@
       </p:grpSpPr>
       <p:sp useBgFill="1">
         <p:nvSpPr>
-          <p:cNvPr id="10" name="Rectangle 9">
+          <p:cNvPr id="17" name="Rectangle 16">
             <a:extLst>
               <a:ext uri="{FF2B5EF4-FFF2-40B4-BE49-F238E27FC236}">
                 <a16:creationId xmlns:a16="http://schemas.microsoft.com/office/drawing/2014/main" id="{058A14AF-9FB5-4CC7-BA35-E8E85D3EDF0E}"/>
@@ -9713,7 +9271,7 @@
           <p:cNvPr id="2" name="Title 1">
             <a:extLst>
               <a:ext uri="{FF2B5EF4-FFF2-40B4-BE49-F238E27FC236}">
-                <a16:creationId xmlns:a16="http://schemas.microsoft.com/office/drawing/2014/main" id="{90A1F16A-0DDF-2A09-4C54-EAF3E3158767}"/>
+                <a16:creationId xmlns:a16="http://schemas.microsoft.com/office/drawing/2014/main" id="{823E44DC-3740-2D30-28C6-24C3DA4C87D6}"/>
               </a:ext>
             </a:extLst>
           </p:cNvPr>
@@ -9731,22 +9289,28 @@
           </a:xfrm>
         </p:spPr>
         <p:txBody>
-          <a:bodyPr anchor="b">
+          <a:bodyPr vert="horz" lIns="91440" tIns="45720" rIns="91440" bIns="45720" rtlCol="0" anchor="b">
             <a:normAutofit/>
           </a:bodyPr>
           <a:lstStyle/>
           <a:p>
             <a:r>
-              <a:rPr lang="en-US" b="1" dirty="0"/>
-              <a:t>Detailed Influence Between ARL &amp; EGT</a:t>
-            </a:r>
-            <a:endParaRPr lang="en-US" dirty="0"/>
-          </a:p>
-        </p:txBody>
-      </p:sp>
-      <p:sp>
-        <p:nvSpPr>
-          <p:cNvPr id="12" name="Rectangle 11">
+              <a:rPr lang="en-US" sz="4800" b="1" kern="1200">
+                <a:solidFill>
+                  <a:schemeClr val="tx1"/>
+                </a:solidFill>
+                <a:latin typeface="+mj-lt"/>
+                <a:ea typeface="+mj-ea"/>
+                <a:cs typeface="+mj-cs"/>
+              </a:rPr>
+              <a:t>Overall Portfolio Performance</a:t>
+            </a:r>
+          </a:p>
+        </p:txBody>
+      </p:sp>
+      <p:sp>
+        <p:nvSpPr>
+          <p:cNvPr id="19" name="Rectangle 18">
             <a:extLst>
               <a:ext uri="{FF2B5EF4-FFF2-40B4-BE49-F238E27FC236}">
                 <a16:creationId xmlns:a16="http://schemas.microsoft.com/office/drawing/2014/main" id="{3A9A4357-BD1D-4622-A4FE-766E6AB8DE84}"/>
@@ -9809,7 +9373,7 @@
       </p:sp>
       <p:sp>
         <p:nvSpPr>
-          <p:cNvPr id="14" name="Rectangle 13">
+          <p:cNvPr id="21" name="Rectangle 20">
             <a:extLst>
               <a:ext uri="{FF2B5EF4-FFF2-40B4-BE49-F238E27FC236}">
                 <a16:creationId xmlns:a16="http://schemas.microsoft.com/office/drawing/2014/main" id="{E659831F-0D9A-4C63-9EBB-8435B85A440F}"/>
@@ -9879,78 +9443,95 @@
       </p:sp>
       <p:sp>
         <p:nvSpPr>
-          <p:cNvPr id="3" name="Content Placeholder 2">
-            <a:extLst>
-              <a:ext uri="{FF2B5EF4-FFF2-40B4-BE49-F238E27FC236}">
-                <a16:creationId xmlns:a16="http://schemas.microsoft.com/office/drawing/2014/main" id="{02716AD3-5A45-82AD-5B2D-4809D953D6AA}"/>
-              </a:ext>
-            </a:extLst>
-          </p:cNvPr>
-          <p:cNvSpPr>
-            <a:spLocks noGrp="1"/>
-          </p:cNvSpPr>
-          <p:nvPr>
-            <p:ph idx="1"/>
-          </p:nvPr>
+          <p:cNvPr id="12" name="TextBox 11">
+            <a:extLst>
+              <a:ext uri="{FF2B5EF4-FFF2-40B4-BE49-F238E27FC236}">
+                <a16:creationId xmlns:a16="http://schemas.microsoft.com/office/drawing/2014/main" id="{0E232222-CC7F-C3F9-1C47-10C613A35555}"/>
+              </a:ext>
+            </a:extLst>
+          </p:cNvPr>
+          <p:cNvSpPr txBox="1"/>
+          <p:nvPr/>
         </p:nvSpPr>
         <p:spPr>
           <a:xfrm>
             <a:off x="793661" y="2599509"/>
             <a:ext cx="4530898" cy="3639450"/>
           </a:xfrm>
-        </p:spPr>
-        <p:txBody>
-          <a:bodyPr anchor="ctr">
+          <a:prstGeom prst="rect">
+            <a:avLst/>
+          </a:prstGeom>
+        </p:spPr>
+        <p:txBody>
+          <a:bodyPr vert="horz" lIns="91440" tIns="45720" rIns="91440" bIns="45720" rtlCol="0" anchor="ctr">
             <a:normAutofit/>
           </a:bodyPr>
           <a:lstStyle/>
           <a:p>
-            <a:r>
-              <a:rPr lang="en-US" sz="2000" b="1"/>
-              <a:t>ARL → EGT:</a:t>
-            </a:r>
+            <a:pPr marL="285750" indent="-228600">
+              <a:lnSpc>
+                <a:spcPct val="90000"/>
+              </a:lnSpc>
+              <a:spcAft>
+                <a:spcPts val="600"/>
+              </a:spcAft>
+              <a:buFont typeface="Arial" panose="020B0604020202020204" pitchFamily="34" charset="0"/>
+              <a:buChar char="•"/>
+            </a:pPr>
             <a:r>
               <a:rPr lang="en-US" sz="2000"/>
-              <a:t> Tight spreads temporarily boost Aggressive strategy fitness.</a:t>
-            </a:r>
-          </a:p>
-          <a:p>
-            <a:r>
-              <a:rPr lang="en-US" sz="2000" b="1"/>
-              <a:t>EGT → ARL:</a:t>
-            </a:r>
+              <a:t>ARL achieved positive total returns (~1.5%). </a:t>
+            </a:r>
+          </a:p>
+          <a:p>
+            <a:pPr marL="285750" indent="-228600">
+              <a:lnSpc>
+                <a:spcPct val="90000"/>
+              </a:lnSpc>
+              <a:spcAft>
+                <a:spcPts val="600"/>
+              </a:spcAft>
+              <a:buFont typeface="Arial" panose="020B0604020202020204" pitchFamily="34" charset="0"/>
+              <a:buChar char="•"/>
+            </a:pPr>
             <a:r>
               <a:rPr lang="en-US" sz="2000"/>
-              <a:t> When Aggressive dominates, ARL widens spreads to reduce risk.</a:t>
-            </a:r>
-          </a:p>
-          <a:p>
+              <a:t>Performance stayed consistent across calm and volatile regimes. </a:t>
+            </a:r>
+          </a:p>
+          <a:p>
+            <a:pPr marL="285750" indent="-228600">
+              <a:lnSpc>
+                <a:spcPct val="90000"/>
+              </a:lnSpc>
+              <a:spcAft>
+                <a:spcPts val="600"/>
+              </a:spcAft>
+              <a:buFont typeface="Arial" panose="020B0604020202020204" pitchFamily="34" charset="0"/>
+              <a:buChar char="•"/>
+            </a:pPr>
             <a:r>
               <a:rPr lang="en-US" sz="2000"/>
-              <a:t>Passive traders eventually dominate (&gt;99%) due to ARL pressure.</a:t>
-            </a:r>
-          </a:p>
-          <a:p>
-            <a:r>
-              <a:rPr lang="en-US" sz="2000"/>
-              <a:t>Clear feedback loop emerges: each agent type shapes the other’s behavior.</a:t>
+              <a:t>ARL remained stable even as the EGT population evolved.</a:t>
             </a:r>
           </a:p>
         </p:txBody>
       </p:sp>
       <p:pic>
         <p:nvPicPr>
-          <p:cNvPr id="5" name="Picture 4" descr="A graph with orange lines&#10;&#10;AI-generated content may be incorrect.">
-            <a:extLst>
-              <a:ext uri="{FF2B5EF4-FFF2-40B4-BE49-F238E27FC236}">
-                <a16:creationId xmlns:a16="http://schemas.microsoft.com/office/drawing/2014/main" id="{24A44C00-F34C-5EE0-1D65-91DEFDE21548}"/>
+          <p:cNvPr id="9" name="Content Placeholder 8" descr="A graph showing a line graph&#10;&#10;AI-generated content may be incorrect.">
+            <a:extLst>
+              <a:ext uri="{FF2B5EF4-FFF2-40B4-BE49-F238E27FC236}">
+                <a16:creationId xmlns:a16="http://schemas.microsoft.com/office/drawing/2014/main" id="{1D0280F6-38F9-1083-200E-F6AA88A8AAD0}"/>
               </a:ext>
             </a:extLst>
           </p:cNvPr>
           <p:cNvPicPr>
-            <a:picLocks noChangeAspect="1"/>
+            <a:picLocks noGrp="1" noChangeAspect="1"/>
           </p:cNvPicPr>
-          <p:nvPr/>
+          <p:nvPr>
+            <p:ph idx="1"/>
+          </p:nvPr>
         </p:nvPicPr>
         <p:blipFill>
           <a:blip r:embed="rId2">
@@ -9976,7 +9557,7 @@
       </p:pic>
       <p:sp>
         <p:nvSpPr>
-          <p:cNvPr id="16" name="Rectangle 15">
+          <p:cNvPr id="23" name="Rectangle 22">
             <a:extLst>
               <a:ext uri="{FF2B5EF4-FFF2-40B4-BE49-F238E27FC236}">
                 <a16:creationId xmlns:a16="http://schemas.microsoft.com/office/drawing/2014/main" id="{E6995CE5-F890-4ABA-82A2-26507CE8D2A3}"/>
@@ -10040,7 +9621,7 @@
     </p:spTree>
     <p:extLst>
       <p:ext uri="{BB962C8B-B14F-4D97-AF65-F5344CB8AC3E}">
-        <p14:creationId xmlns:p14="http://schemas.microsoft.com/office/powerpoint/2010/main" val="3502722188"/>
+        <p14:creationId xmlns:p14="http://schemas.microsoft.com/office/powerpoint/2010/main" val="3129656432"/>
       </p:ext>
     </p:extLst>
   </p:cSld>

--- a/presentation.pptx
+++ b/presentation.pptx
@@ -273,7 +273,7 @@
           <a:p>
             <a:fld id="{09D397A9-6129-4C50-B0E5-F102EDF526C0}" type="datetimeFigureOut">
               <a:rPr lang="en-US" smtClean="0"/>
-              <a:t>11/28/2025</a:t>
+              <a:t>12/2/2025</a:t>
             </a:fld>
             <a:endParaRPr lang="en-US"/>
           </a:p>
@@ -471,7 +471,7 @@
           <a:p>
             <a:fld id="{09D397A9-6129-4C50-B0E5-F102EDF526C0}" type="datetimeFigureOut">
               <a:rPr lang="en-US" smtClean="0"/>
-              <a:t>11/28/2025</a:t>
+              <a:t>12/2/2025</a:t>
             </a:fld>
             <a:endParaRPr lang="en-US"/>
           </a:p>
@@ -679,7 +679,7 @@
           <a:p>
             <a:fld id="{09D397A9-6129-4C50-B0E5-F102EDF526C0}" type="datetimeFigureOut">
               <a:rPr lang="en-US" smtClean="0"/>
-              <a:t>11/28/2025</a:t>
+              <a:t>12/2/2025</a:t>
             </a:fld>
             <a:endParaRPr lang="en-US"/>
           </a:p>
@@ -877,7 +877,7 @@
           <a:p>
             <a:fld id="{09D397A9-6129-4C50-B0E5-F102EDF526C0}" type="datetimeFigureOut">
               <a:rPr lang="en-US" smtClean="0"/>
-              <a:t>11/28/2025</a:t>
+              <a:t>12/2/2025</a:t>
             </a:fld>
             <a:endParaRPr lang="en-US"/>
           </a:p>
@@ -1152,7 +1152,7 @@
           <a:p>
             <a:fld id="{09D397A9-6129-4C50-B0E5-F102EDF526C0}" type="datetimeFigureOut">
               <a:rPr lang="en-US" smtClean="0"/>
-              <a:t>11/28/2025</a:t>
+              <a:t>12/2/2025</a:t>
             </a:fld>
             <a:endParaRPr lang="en-US"/>
           </a:p>
@@ -1417,7 +1417,7 @@
           <a:p>
             <a:fld id="{09D397A9-6129-4C50-B0E5-F102EDF526C0}" type="datetimeFigureOut">
               <a:rPr lang="en-US" smtClean="0"/>
-              <a:t>11/28/2025</a:t>
+              <a:t>12/2/2025</a:t>
             </a:fld>
             <a:endParaRPr lang="en-US"/>
           </a:p>
@@ -1829,7 +1829,7 @@
           <a:p>
             <a:fld id="{09D397A9-6129-4C50-B0E5-F102EDF526C0}" type="datetimeFigureOut">
               <a:rPr lang="en-US" smtClean="0"/>
-              <a:t>11/28/2025</a:t>
+              <a:t>12/2/2025</a:t>
             </a:fld>
             <a:endParaRPr lang="en-US"/>
           </a:p>
@@ -1970,7 +1970,7 @@
           <a:p>
             <a:fld id="{09D397A9-6129-4C50-B0E5-F102EDF526C0}" type="datetimeFigureOut">
               <a:rPr lang="en-US" smtClean="0"/>
-              <a:t>11/28/2025</a:t>
+              <a:t>12/2/2025</a:t>
             </a:fld>
             <a:endParaRPr lang="en-US"/>
           </a:p>
@@ -2083,7 +2083,7 @@
           <a:p>
             <a:fld id="{09D397A9-6129-4C50-B0E5-F102EDF526C0}" type="datetimeFigureOut">
               <a:rPr lang="en-US" smtClean="0"/>
-              <a:t>11/28/2025</a:t>
+              <a:t>12/2/2025</a:t>
             </a:fld>
             <a:endParaRPr lang="en-US"/>
           </a:p>
@@ -2394,7 +2394,7 @@
           <a:p>
             <a:fld id="{09D397A9-6129-4C50-B0E5-F102EDF526C0}" type="datetimeFigureOut">
               <a:rPr lang="en-US" smtClean="0"/>
-              <a:t>11/28/2025</a:t>
+              <a:t>12/2/2025</a:t>
             </a:fld>
             <a:endParaRPr lang="en-US"/>
           </a:p>
@@ -2682,7 +2682,7 @@
           <a:p>
             <a:fld id="{09D397A9-6129-4C50-B0E5-F102EDF526C0}" type="datetimeFigureOut">
               <a:rPr lang="en-US" smtClean="0"/>
-              <a:t>11/28/2025</a:t>
+              <a:t>12/2/2025</a:t>
             </a:fld>
             <a:endParaRPr lang="en-US"/>
           </a:p>
@@ -2923,7 +2923,7 @@
           <a:p>
             <a:fld id="{09D397A9-6129-4C50-B0E5-F102EDF526C0}" type="datetimeFigureOut">
               <a:rPr lang="en-US" smtClean="0"/>
-              <a:t>11/28/2025</a:t>
+              <a:t>12/2/2025</a:t>
             </a:fld>
             <a:endParaRPr lang="en-US"/>
           </a:p>
@@ -7031,7 +7031,7 @@
       </p:grpSpPr>
       <p:sp useBgFill="1">
         <p:nvSpPr>
-          <p:cNvPr id="16" name="Rectangle 15">
+          <p:cNvPr id="27" name="Rectangle 26">
             <a:extLst>
               <a:ext uri="{FF2B5EF4-FFF2-40B4-BE49-F238E27FC236}">
                 <a16:creationId xmlns:a16="http://schemas.microsoft.com/office/drawing/2014/main" id="{058A14AF-9FB5-4CC7-BA35-E8E85D3EDF0E}"/>
@@ -7126,7 +7126,7 @@
       </p:sp>
       <p:sp>
         <p:nvSpPr>
-          <p:cNvPr id="18" name="Rectangle 17">
+          <p:cNvPr id="29" name="Rectangle 28">
             <a:extLst>
               <a:ext uri="{FF2B5EF4-FFF2-40B4-BE49-F238E27FC236}">
                 <a16:creationId xmlns:a16="http://schemas.microsoft.com/office/drawing/2014/main" id="{3A9A4357-BD1D-4622-A4FE-766E6AB8DE84}"/>
@@ -7189,7 +7189,7 @@
       </p:sp>
       <p:sp>
         <p:nvSpPr>
-          <p:cNvPr id="20" name="Rectangle 19">
+          <p:cNvPr id="31" name="Rectangle 30">
             <a:extLst>
               <a:ext uri="{FF2B5EF4-FFF2-40B4-BE49-F238E27FC236}">
                 <a16:creationId xmlns:a16="http://schemas.microsoft.com/office/drawing/2014/main" id="{E659831F-0D9A-4C63-9EBB-8435B85A440F}"/>
@@ -7306,10 +7306,10 @@
       </p:sp>
       <p:pic>
         <p:nvPicPr>
-          <p:cNvPr id="11" name="Picture 10" descr="A graph with different colored bars&#10;&#10;AI-generated content may be incorrect.">
-            <a:extLst>
-              <a:ext uri="{FF2B5EF4-FFF2-40B4-BE49-F238E27FC236}">
-                <a16:creationId xmlns:a16="http://schemas.microsoft.com/office/drawing/2014/main" id="{C11E6100-FD36-B157-5EA8-2B762439510C}"/>
+          <p:cNvPr id="5" name="Picture 4" descr="A graph of a chart&#10;&#10;AI-generated content may be incorrect.">
+            <a:extLst>
+              <a:ext uri="{FF2B5EF4-FFF2-40B4-BE49-F238E27FC236}">
+                <a16:creationId xmlns:a16="http://schemas.microsoft.com/office/drawing/2014/main" id="{D85EAB36-F868-A5A1-4735-54720E4959C4}"/>
               </a:ext>
             </a:extLst>
           </p:cNvPr>
@@ -7342,7 +7342,7 @@
       </p:pic>
       <p:sp>
         <p:nvSpPr>
-          <p:cNvPr id="22" name="Rectangle 21">
+          <p:cNvPr id="33" name="Rectangle 32">
             <a:extLst>
               <a:ext uri="{FF2B5EF4-FFF2-40B4-BE49-F238E27FC236}">
                 <a16:creationId xmlns:a16="http://schemas.microsoft.com/office/drawing/2014/main" id="{E6995CE5-F890-4ABA-82A2-26507CE8D2A3}"/>

--- a/presentation.pptx
+++ b/presentation.pptx
@@ -4,21 +4,24 @@
   <p:sldMasterIdLst>
     <p:sldMasterId id="2147483648" r:id="rId1"/>
   </p:sldMasterIdLst>
+  <p:notesMasterIdLst>
+    <p:notesMasterId r:id="rId17"/>
+  </p:notesMasterIdLst>
   <p:sldIdLst>
     <p:sldId id="256" r:id="rId2"/>
     <p:sldId id="257" r:id="rId3"/>
-    <p:sldId id="272" r:id="rId4"/>
-    <p:sldId id="258" r:id="rId5"/>
-    <p:sldId id="260" r:id="rId6"/>
-    <p:sldId id="261" r:id="rId7"/>
-    <p:sldId id="262" r:id="rId8"/>
-    <p:sldId id="263" r:id="rId9"/>
-    <p:sldId id="273" r:id="rId10"/>
-    <p:sldId id="274" r:id="rId11"/>
-    <p:sldId id="275" r:id="rId12"/>
-    <p:sldId id="277" r:id="rId13"/>
-    <p:sldId id="279" r:id="rId14"/>
-    <p:sldId id="280" r:id="rId15"/>
+    <p:sldId id="289" r:id="rId4"/>
+    <p:sldId id="290" r:id="rId5"/>
+    <p:sldId id="291" r:id="rId6"/>
+    <p:sldId id="292" r:id="rId7"/>
+    <p:sldId id="293" r:id="rId8"/>
+    <p:sldId id="295" r:id="rId9"/>
+    <p:sldId id="294" r:id="rId10"/>
+    <p:sldId id="297" r:id="rId11"/>
+    <p:sldId id="296" r:id="rId12"/>
+    <p:sldId id="299" r:id="rId13"/>
+    <p:sldId id="298" r:id="rId14"/>
+    <p:sldId id="301" r:id="rId15"/>
     <p:sldId id="281" r:id="rId16"/>
   </p:sldIdLst>
   <p:sldSz cx="12192000" cy="6858000"/>
@@ -126,6 +129,1687 @@
 </p:presentation>
 </file>
 
+<file path=ppt/notesMasters/notesMaster1.xml><?xml version="1.0" encoding="utf-8"?>
+<p:notesMaster xmlns:a="http://schemas.openxmlformats.org/drawingml/2006/main" xmlns:r="http://schemas.openxmlformats.org/officeDocument/2006/relationships" xmlns:p="http://schemas.openxmlformats.org/presentationml/2006/main">
+  <p:cSld>
+    <p:bg>
+      <p:bgRef idx="1001">
+        <a:schemeClr val="bg1"/>
+      </p:bgRef>
+    </p:bg>
+    <p:spTree>
+      <p:nvGrpSpPr>
+        <p:cNvPr id="1" name=""/>
+        <p:cNvGrpSpPr/>
+        <p:nvPr/>
+      </p:nvGrpSpPr>
+      <p:grpSpPr>
+        <a:xfrm>
+          <a:off x="0" y="0"/>
+          <a:ext cx="0" cy="0"/>
+          <a:chOff x="0" y="0"/>
+          <a:chExt cx="0" cy="0"/>
+        </a:xfrm>
+      </p:grpSpPr>
+      <p:sp>
+        <p:nvSpPr>
+          <p:cNvPr id="2" name="Header Placeholder 1"/>
+          <p:cNvSpPr>
+            <a:spLocks noGrp="1"/>
+          </p:cNvSpPr>
+          <p:nvPr>
+            <p:ph type="hdr" sz="quarter"/>
+          </p:nvPr>
+        </p:nvSpPr>
+        <p:spPr>
+          <a:xfrm>
+            <a:off x="0" y="0"/>
+            <a:ext cx="2971800" cy="458788"/>
+          </a:xfrm>
+          <a:prstGeom prst="rect">
+            <a:avLst/>
+          </a:prstGeom>
+        </p:spPr>
+        <p:txBody>
+          <a:bodyPr vert="horz" lIns="91440" tIns="45720" rIns="91440" bIns="45720" rtlCol="0"/>
+          <a:lstStyle>
+            <a:lvl1pPr algn="l">
+              <a:defRPr sz="1200"/>
+            </a:lvl1pPr>
+          </a:lstStyle>
+          <a:p>
+            <a:endParaRPr lang="en-US"/>
+          </a:p>
+        </p:txBody>
+      </p:sp>
+      <p:sp>
+        <p:nvSpPr>
+          <p:cNvPr id="3" name="Date Placeholder 2"/>
+          <p:cNvSpPr>
+            <a:spLocks noGrp="1"/>
+          </p:cNvSpPr>
+          <p:nvPr>
+            <p:ph type="dt" idx="1"/>
+          </p:nvPr>
+        </p:nvSpPr>
+        <p:spPr>
+          <a:xfrm>
+            <a:off x="3884613" y="0"/>
+            <a:ext cx="2971800" cy="458788"/>
+          </a:xfrm>
+          <a:prstGeom prst="rect">
+            <a:avLst/>
+          </a:prstGeom>
+        </p:spPr>
+        <p:txBody>
+          <a:bodyPr vert="horz" lIns="91440" tIns="45720" rIns="91440" bIns="45720" rtlCol="0"/>
+          <a:lstStyle>
+            <a:lvl1pPr algn="r">
+              <a:defRPr sz="1200"/>
+            </a:lvl1pPr>
+          </a:lstStyle>
+          <a:p>
+            <a:fld id="{008829AC-564D-4DC6-A57F-0801BB802372}" type="datetimeFigureOut">
+              <a:rPr lang="en-US" smtClean="0"/>
+              <a:t>12/5/2025</a:t>
+            </a:fld>
+            <a:endParaRPr lang="en-US"/>
+          </a:p>
+        </p:txBody>
+      </p:sp>
+      <p:sp>
+        <p:nvSpPr>
+          <p:cNvPr id="4" name="Slide Image Placeholder 3"/>
+          <p:cNvSpPr>
+            <a:spLocks noGrp="1" noRot="1" noChangeAspect="1"/>
+          </p:cNvSpPr>
+          <p:nvPr>
+            <p:ph type="sldImg" idx="2"/>
+          </p:nvPr>
+        </p:nvSpPr>
+        <p:spPr>
+          <a:xfrm>
+            <a:off x="685800" y="1143000"/>
+            <a:ext cx="5486400" cy="3086100"/>
+          </a:xfrm>
+          <a:prstGeom prst="rect">
+            <a:avLst/>
+          </a:prstGeom>
+          <a:noFill/>
+          <a:ln w="12700">
+            <a:solidFill>
+              <a:prstClr val="black"/>
+            </a:solidFill>
+          </a:ln>
+        </p:spPr>
+        <p:txBody>
+          <a:bodyPr vert="horz" lIns="91440" tIns="45720" rIns="91440" bIns="45720" rtlCol="0" anchor="ctr"/>
+          <a:lstStyle/>
+          <a:p>
+            <a:endParaRPr lang="en-US"/>
+          </a:p>
+        </p:txBody>
+      </p:sp>
+      <p:sp>
+        <p:nvSpPr>
+          <p:cNvPr id="5" name="Notes Placeholder 4"/>
+          <p:cNvSpPr>
+            <a:spLocks noGrp="1"/>
+          </p:cNvSpPr>
+          <p:nvPr>
+            <p:ph type="body" sz="quarter" idx="3"/>
+          </p:nvPr>
+        </p:nvSpPr>
+        <p:spPr>
+          <a:xfrm>
+            <a:off x="685800" y="4400550"/>
+            <a:ext cx="5486400" cy="3600450"/>
+          </a:xfrm>
+          <a:prstGeom prst="rect">
+            <a:avLst/>
+          </a:prstGeom>
+        </p:spPr>
+        <p:txBody>
+          <a:bodyPr vert="horz" lIns="91440" tIns="45720" rIns="91440" bIns="45720" rtlCol="0"/>
+          <a:lstStyle/>
+          <a:p>
+            <a:pPr lvl="0"/>
+            <a:r>
+              <a:rPr lang="en-US"/>
+              <a:t>Click to edit Master text styles</a:t>
+            </a:r>
+          </a:p>
+          <a:p>
+            <a:pPr lvl="1"/>
+            <a:r>
+              <a:rPr lang="en-US"/>
+              <a:t>Second level</a:t>
+            </a:r>
+          </a:p>
+          <a:p>
+            <a:pPr lvl="2"/>
+            <a:r>
+              <a:rPr lang="en-US"/>
+              <a:t>Third level</a:t>
+            </a:r>
+          </a:p>
+          <a:p>
+            <a:pPr lvl="3"/>
+            <a:r>
+              <a:rPr lang="en-US"/>
+              <a:t>Fourth level</a:t>
+            </a:r>
+          </a:p>
+          <a:p>
+            <a:pPr lvl="4"/>
+            <a:r>
+              <a:rPr lang="en-US"/>
+              <a:t>Fifth level</a:t>
+            </a:r>
+          </a:p>
+        </p:txBody>
+      </p:sp>
+      <p:sp>
+        <p:nvSpPr>
+          <p:cNvPr id="6" name="Footer Placeholder 5"/>
+          <p:cNvSpPr>
+            <a:spLocks noGrp="1"/>
+          </p:cNvSpPr>
+          <p:nvPr>
+            <p:ph type="ftr" sz="quarter" idx="4"/>
+          </p:nvPr>
+        </p:nvSpPr>
+        <p:spPr>
+          <a:xfrm>
+            <a:off x="0" y="8685213"/>
+            <a:ext cx="2971800" cy="458787"/>
+          </a:xfrm>
+          <a:prstGeom prst="rect">
+            <a:avLst/>
+          </a:prstGeom>
+        </p:spPr>
+        <p:txBody>
+          <a:bodyPr vert="horz" lIns="91440" tIns="45720" rIns="91440" bIns="45720" rtlCol="0" anchor="b"/>
+          <a:lstStyle>
+            <a:lvl1pPr algn="l">
+              <a:defRPr sz="1200"/>
+            </a:lvl1pPr>
+          </a:lstStyle>
+          <a:p>
+            <a:endParaRPr lang="en-US"/>
+          </a:p>
+        </p:txBody>
+      </p:sp>
+      <p:sp>
+        <p:nvSpPr>
+          <p:cNvPr id="7" name="Slide Number Placeholder 6"/>
+          <p:cNvSpPr>
+            <a:spLocks noGrp="1"/>
+          </p:cNvSpPr>
+          <p:nvPr>
+            <p:ph type="sldNum" sz="quarter" idx="5"/>
+          </p:nvPr>
+        </p:nvSpPr>
+        <p:spPr>
+          <a:xfrm>
+            <a:off x="3884613" y="8685213"/>
+            <a:ext cx="2971800" cy="458787"/>
+          </a:xfrm>
+          <a:prstGeom prst="rect">
+            <a:avLst/>
+          </a:prstGeom>
+        </p:spPr>
+        <p:txBody>
+          <a:bodyPr vert="horz" lIns="91440" tIns="45720" rIns="91440" bIns="45720" rtlCol="0" anchor="b"/>
+          <a:lstStyle>
+            <a:lvl1pPr algn="r">
+              <a:defRPr sz="1200"/>
+            </a:lvl1pPr>
+          </a:lstStyle>
+          <a:p>
+            <a:fld id="{A929F50D-DFCC-4B3A-825A-C312089DAB73}" type="slidenum">
+              <a:rPr lang="en-US" smtClean="0"/>
+              <a:t>‹#›</a:t>
+            </a:fld>
+            <a:endParaRPr lang="en-US"/>
+          </a:p>
+        </p:txBody>
+      </p:sp>
+    </p:spTree>
+    <p:extLst>
+      <p:ext uri="{BB962C8B-B14F-4D97-AF65-F5344CB8AC3E}">
+        <p14:creationId xmlns:p14="http://schemas.microsoft.com/office/powerpoint/2010/main" val="1458114245"/>
+      </p:ext>
+    </p:extLst>
+  </p:cSld>
+  <p:clrMap bg1="lt1" tx1="dk1" bg2="lt2" tx2="dk2" accent1="accent1" accent2="accent2" accent3="accent3" accent4="accent4" accent5="accent5" accent6="accent6" hlink="hlink" folHlink="folHlink"/>
+  <p:notesStyle>
+    <a:lvl1pPr marL="0" algn="l" defTabSz="914400" rtl="0" eaLnBrk="1" latinLnBrk="0" hangingPunct="1">
+      <a:defRPr sz="1200" kern="1200">
+        <a:solidFill>
+          <a:schemeClr val="tx1"/>
+        </a:solidFill>
+        <a:latin typeface="+mn-lt"/>
+        <a:ea typeface="+mn-ea"/>
+        <a:cs typeface="+mn-cs"/>
+      </a:defRPr>
+    </a:lvl1pPr>
+    <a:lvl2pPr marL="457200" algn="l" defTabSz="914400" rtl="0" eaLnBrk="1" latinLnBrk="0" hangingPunct="1">
+      <a:defRPr sz="1200" kern="1200">
+        <a:solidFill>
+          <a:schemeClr val="tx1"/>
+        </a:solidFill>
+        <a:latin typeface="+mn-lt"/>
+        <a:ea typeface="+mn-ea"/>
+        <a:cs typeface="+mn-cs"/>
+      </a:defRPr>
+    </a:lvl2pPr>
+    <a:lvl3pPr marL="914400" algn="l" defTabSz="914400" rtl="0" eaLnBrk="1" latinLnBrk="0" hangingPunct="1">
+      <a:defRPr sz="1200" kern="1200">
+        <a:solidFill>
+          <a:schemeClr val="tx1"/>
+        </a:solidFill>
+        <a:latin typeface="+mn-lt"/>
+        <a:ea typeface="+mn-ea"/>
+        <a:cs typeface="+mn-cs"/>
+      </a:defRPr>
+    </a:lvl3pPr>
+    <a:lvl4pPr marL="1371600" algn="l" defTabSz="914400" rtl="0" eaLnBrk="1" latinLnBrk="0" hangingPunct="1">
+      <a:defRPr sz="1200" kern="1200">
+        <a:solidFill>
+          <a:schemeClr val="tx1"/>
+        </a:solidFill>
+        <a:latin typeface="+mn-lt"/>
+        <a:ea typeface="+mn-ea"/>
+        <a:cs typeface="+mn-cs"/>
+      </a:defRPr>
+    </a:lvl4pPr>
+    <a:lvl5pPr marL="1828800" algn="l" defTabSz="914400" rtl="0" eaLnBrk="1" latinLnBrk="0" hangingPunct="1">
+      <a:defRPr sz="1200" kern="1200">
+        <a:solidFill>
+          <a:schemeClr val="tx1"/>
+        </a:solidFill>
+        <a:latin typeface="+mn-lt"/>
+        <a:ea typeface="+mn-ea"/>
+        <a:cs typeface="+mn-cs"/>
+      </a:defRPr>
+    </a:lvl5pPr>
+    <a:lvl6pPr marL="2286000" algn="l" defTabSz="914400" rtl="0" eaLnBrk="1" latinLnBrk="0" hangingPunct="1">
+      <a:defRPr sz="1200" kern="1200">
+        <a:solidFill>
+          <a:schemeClr val="tx1"/>
+        </a:solidFill>
+        <a:latin typeface="+mn-lt"/>
+        <a:ea typeface="+mn-ea"/>
+        <a:cs typeface="+mn-cs"/>
+      </a:defRPr>
+    </a:lvl6pPr>
+    <a:lvl7pPr marL="2743200" algn="l" defTabSz="914400" rtl="0" eaLnBrk="1" latinLnBrk="0" hangingPunct="1">
+      <a:defRPr sz="1200" kern="1200">
+        <a:solidFill>
+          <a:schemeClr val="tx1"/>
+        </a:solidFill>
+        <a:latin typeface="+mn-lt"/>
+        <a:ea typeface="+mn-ea"/>
+        <a:cs typeface="+mn-cs"/>
+      </a:defRPr>
+    </a:lvl7pPr>
+    <a:lvl8pPr marL="3200400" algn="l" defTabSz="914400" rtl="0" eaLnBrk="1" latinLnBrk="0" hangingPunct="1">
+      <a:defRPr sz="1200" kern="1200">
+        <a:solidFill>
+          <a:schemeClr val="tx1"/>
+        </a:solidFill>
+        <a:latin typeface="+mn-lt"/>
+        <a:ea typeface="+mn-ea"/>
+        <a:cs typeface="+mn-cs"/>
+      </a:defRPr>
+    </a:lvl8pPr>
+    <a:lvl9pPr marL="3657600" algn="l" defTabSz="914400" rtl="0" eaLnBrk="1" latinLnBrk="0" hangingPunct="1">
+      <a:defRPr sz="1200" kern="1200">
+        <a:solidFill>
+          <a:schemeClr val="tx1"/>
+        </a:solidFill>
+        <a:latin typeface="+mn-lt"/>
+        <a:ea typeface="+mn-ea"/>
+        <a:cs typeface="+mn-cs"/>
+      </a:defRPr>
+    </a:lvl9pPr>
+  </p:notesStyle>
+</p:notesMaster>
+</file>
+
+<file path=ppt/notesSlides/notesSlide1.xml><?xml version="1.0" encoding="utf-8"?>
+<p:notes xmlns:a="http://schemas.openxmlformats.org/drawingml/2006/main" xmlns:r="http://schemas.openxmlformats.org/officeDocument/2006/relationships" xmlns:p="http://schemas.openxmlformats.org/presentationml/2006/main">
+  <p:cSld>
+    <p:spTree>
+      <p:nvGrpSpPr>
+        <p:cNvPr id="1" name=""/>
+        <p:cNvGrpSpPr/>
+        <p:nvPr/>
+      </p:nvGrpSpPr>
+      <p:grpSpPr>
+        <a:xfrm>
+          <a:off x="0" y="0"/>
+          <a:ext cx="0" cy="0"/>
+          <a:chOff x="0" y="0"/>
+          <a:chExt cx="0" cy="0"/>
+        </a:xfrm>
+      </p:grpSpPr>
+      <p:sp>
+        <p:nvSpPr>
+          <p:cNvPr id="2" name="Slide Image Placeholder 1"/>
+          <p:cNvSpPr>
+            <a:spLocks noGrp="1" noRot="1" noChangeAspect="1"/>
+          </p:cNvSpPr>
+          <p:nvPr>
+            <p:ph type="sldImg"/>
+          </p:nvPr>
+        </p:nvSpPr>
+        <p:spPr/>
+      </p:sp>
+      <p:sp>
+        <p:nvSpPr>
+          <p:cNvPr id="3" name="Notes Placeholder 2"/>
+          <p:cNvSpPr>
+            <a:spLocks noGrp="1"/>
+          </p:cNvSpPr>
+          <p:nvPr>
+            <p:ph type="body" idx="1"/>
+          </p:nvPr>
+        </p:nvSpPr>
+        <p:spPr/>
+        <p:txBody>
+          <a:bodyPr/>
+          <a:lstStyle/>
+          <a:p>
+            <a:r>
+              <a:rPr lang="en-US" dirty="0"/>
+              <a:t>Include market data graph</a:t>
+            </a:r>
+          </a:p>
+        </p:txBody>
+      </p:sp>
+      <p:sp>
+        <p:nvSpPr>
+          <p:cNvPr id="4" name="Slide Number Placeholder 3"/>
+          <p:cNvSpPr>
+            <a:spLocks noGrp="1"/>
+          </p:cNvSpPr>
+          <p:nvPr>
+            <p:ph type="sldNum" sz="quarter" idx="5"/>
+          </p:nvPr>
+        </p:nvSpPr>
+        <p:spPr/>
+        <p:txBody>
+          <a:bodyPr/>
+          <a:lstStyle/>
+          <a:p>
+            <a:fld id="{A929F50D-DFCC-4B3A-825A-C312089DAB73}" type="slidenum">
+              <a:rPr lang="en-US" smtClean="0"/>
+              <a:t>3</a:t>
+            </a:fld>
+            <a:endParaRPr lang="en-US"/>
+          </a:p>
+        </p:txBody>
+      </p:sp>
+    </p:spTree>
+    <p:extLst>
+      <p:ext uri="{BB962C8B-B14F-4D97-AF65-F5344CB8AC3E}">
+        <p14:creationId xmlns:p14="http://schemas.microsoft.com/office/powerpoint/2010/main" val="2992733140"/>
+      </p:ext>
+    </p:extLst>
+  </p:cSld>
+  <p:clrMapOvr>
+    <a:masterClrMapping/>
+  </p:clrMapOvr>
+</p:notes>
+</file>
+
+<file path=ppt/notesSlides/notesSlide10.xml><?xml version="1.0" encoding="utf-8"?>
+<p:notes xmlns:a="http://schemas.openxmlformats.org/drawingml/2006/main" xmlns:r="http://schemas.openxmlformats.org/officeDocument/2006/relationships" xmlns:p="http://schemas.openxmlformats.org/presentationml/2006/main">
+  <p:cSld>
+    <p:spTree>
+      <p:nvGrpSpPr>
+        <p:cNvPr id="1" name="">
+          <a:extLst>
+            <a:ext uri="{FF2B5EF4-FFF2-40B4-BE49-F238E27FC236}">
+              <a16:creationId xmlns:a16="http://schemas.microsoft.com/office/drawing/2014/main" id="{AE51DD62-2596-F7C5-0C42-0DF99DB82641}"/>
+            </a:ext>
+          </a:extLst>
+        </p:cNvPr>
+        <p:cNvGrpSpPr/>
+        <p:nvPr/>
+      </p:nvGrpSpPr>
+      <p:grpSpPr>
+        <a:xfrm>
+          <a:off x="0" y="0"/>
+          <a:ext cx="0" cy="0"/>
+          <a:chOff x="0" y="0"/>
+          <a:chExt cx="0" cy="0"/>
+        </a:xfrm>
+      </p:grpSpPr>
+      <p:sp>
+        <p:nvSpPr>
+          <p:cNvPr id="2" name="Slide Image Placeholder 1">
+            <a:extLst>
+              <a:ext uri="{FF2B5EF4-FFF2-40B4-BE49-F238E27FC236}">
+                <a16:creationId xmlns:a16="http://schemas.microsoft.com/office/drawing/2014/main" id="{A23604CF-6BF6-6B28-8FE0-EEA884A60C1C}"/>
+              </a:ext>
+            </a:extLst>
+          </p:cNvPr>
+          <p:cNvSpPr>
+            <a:spLocks noGrp="1" noRot="1" noChangeAspect="1"/>
+          </p:cNvSpPr>
+          <p:nvPr>
+            <p:ph type="sldImg"/>
+          </p:nvPr>
+        </p:nvSpPr>
+        <p:spPr/>
+      </p:sp>
+      <p:sp>
+        <p:nvSpPr>
+          <p:cNvPr id="3" name="Notes Placeholder 2">
+            <a:extLst>
+              <a:ext uri="{FF2B5EF4-FFF2-40B4-BE49-F238E27FC236}">
+                <a16:creationId xmlns:a16="http://schemas.microsoft.com/office/drawing/2014/main" id="{44775F9D-9328-ED15-AC82-B9F64A5E07F1}"/>
+              </a:ext>
+            </a:extLst>
+          </p:cNvPr>
+          <p:cNvSpPr>
+            <a:spLocks noGrp="1"/>
+          </p:cNvSpPr>
+          <p:nvPr>
+            <p:ph type="body" idx="1"/>
+          </p:nvPr>
+        </p:nvSpPr>
+        <p:spPr/>
+        <p:txBody>
+          <a:bodyPr/>
+          <a:lstStyle/>
+          <a:p>
+            <a:endParaRPr lang="en-US" dirty="0"/>
+          </a:p>
+        </p:txBody>
+      </p:sp>
+      <p:sp>
+        <p:nvSpPr>
+          <p:cNvPr id="4" name="Slide Number Placeholder 3">
+            <a:extLst>
+              <a:ext uri="{FF2B5EF4-FFF2-40B4-BE49-F238E27FC236}">
+                <a16:creationId xmlns:a16="http://schemas.microsoft.com/office/drawing/2014/main" id="{ACF8478D-7155-7319-E0F3-4997AA3DE32E}"/>
+              </a:ext>
+            </a:extLst>
+          </p:cNvPr>
+          <p:cNvSpPr>
+            <a:spLocks noGrp="1"/>
+          </p:cNvSpPr>
+          <p:nvPr>
+            <p:ph type="sldNum" sz="quarter" idx="5"/>
+          </p:nvPr>
+        </p:nvSpPr>
+        <p:spPr/>
+        <p:txBody>
+          <a:bodyPr/>
+          <a:lstStyle/>
+          <a:p>
+            <a:fld id="{A929F50D-DFCC-4B3A-825A-C312089DAB73}" type="slidenum">
+              <a:rPr lang="en-US" smtClean="0"/>
+              <a:t>12</a:t>
+            </a:fld>
+            <a:endParaRPr lang="en-US"/>
+          </a:p>
+        </p:txBody>
+      </p:sp>
+    </p:spTree>
+    <p:extLst>
+      <p:ext uri="{BB962C8B-B14F-4D97-AF65-F5344CB8AC3E}">
+        <p14:creationId xmlns:p14="http://schemas.microsoft.com/office/powerpoint/2010/main" val="1941060577"/>
+      </p:ext>
+    </p:extLst>
+  </p:cSld>
+  <p:clrMapOvr>
+    <a:masterClrMapping/>
+  </p:clrMapOvr>
+</p:notes>
+</file>
+
+<file path=ppt/notesSlides/notesSlide11.xml><?xml version="1.0" encoding="utf-8"?>
+<p:notes xmlns:a="http://schemas.openxmlformats.org/drawingml/2006/main" xmlns:r="http://schemas.openxmlformats.org/officeDocument/2006/relationships" xmlns:p="http://schemas.openxmlformats.org/presentationml/2006/main">
+  <p:cSld>
+    <p:spTree>
+      <p:nvGrpSpPr>
+        <p:cNvPr id="1" name="">
+          <a:extLst>
+            <a:ext uri="{FF2B5EF4-FFF2-40B4-BE49-F238E27FC236}">
+              <a16:creationId xmlns:a16="http://schemas.microsoft.com/office/drawing/2014/main" id="{A3120969-1875-73F3-C0D8-247599C9256F}"/>
+            </a:ext>
+          </a:extLst>
+        </p:cNvPr>
+        <p:cNvGrpSpPr/>
+        <p:nvPr/>
+      </p:nvGrpSpPr>
+      <p:grpSpPr>
+        <a:xfrm>
+          <a:off x="0" y="0"/>
+          <a:ext cx="0" cy="0"/>
+          <a:chOff x="0" y="0"/>
+          <a:chExt cx="0" cy="0"/>
+        </a:xfrm>
+      </p:grpSpPr>
+      <p:sp>
+        <p:nvSpPr>
+          <p:cNvPr id="2" name="Slide Image Placeholder 1">
+            <a:extLst>
+              <a:ext uri="{FF2B5EF4-FFF2-40B4-BE49-F238E27FC236}">
+                <a16:creationId xmlns:a16="http://schemas.microsoft.com/office/drawing/2014/main" id="{5BFA39F2-91A8-91CE-DC80-6F6DA05DBA93}"/>
+              </a:ext>
+            </a:extLst>
+          </p:cNvPr>
+          <p:cNvSpPr>
+            <a:spLocks noGrp="1" noRot="1" noChangeAspect="1"/>
+          </p:cNvSpPr>
+          <p:nvPr>
+            <p:ph type="sldImg"/>
+          </p:nvPr>
+        </p:nvSpPr>
+        <p:spPr/>
+      </p:sp>
+      <p:sp>
+        <p:nvSpPr>
+          <p:cNvPr id="3" name="Notes Placeholder 2">
+            <a:extLst>
+              <a:ext uri="{FF2B5EF4-FFF2-40B4-BE49-F238E27FC236}">
+                <a16:creationId xmlns:a16="http://schemas.microsoft.com/office/drawing/2014/main" id="{5A843803-0772-606A-3873-F81F725E4D15}"/>
+              </a:ext>
+            </a:extLst>
+          </p:cNvPr>
+          <p:cNvSpPr>
+            <a:spLocks noGrp="1"/>
+          </p:cNvSpPr>
+          <p:nvPr>
+            <p:ph type="body" idx="1"/>
+          </p:nvPr>
+        </p:nvSpPr>
+        <p:spPr/>
+        <p:txBody>
+          <a:bodyPr/>
+          <a:lstStyle/>
+          <a:p>
+            <a:endParaRPr lang="en-US" dirty="0"/>
+          </a:p>
+        </p:txBody>
+      </p:sp>
+      <p:sp>
+        <p:nvSpPr>
+          <p:cNvPr id="4" name="Slide Number Placeholder 3">
+            <a:extLst>
+              <a:ext uri="{FF2B5EF4-FFF2-40B4-BE49-F238E27FC236}">
+                <a16:creationId xmlns:a16="http://schemas.microsoft.com/office/drawing/2014/main" id="{9233BE9A-5543-F914-02ED-EB02EBAEFB36}"/>
+              </a:ext>
+            </a:extLst>
+          </p:cNvPr>
+          <p:cNvSpPr>
+            <a:spLocks noGrp="1"/>
+          </p:cNvSpPr>
+          <p:nvPr>
+            <p:ph type="sldNum" sz="quarter" idx="5"/>
+          </p:nvPr>
+        </p:nvSpPr>
+        <p:spPr/>
+        <p:txBody>
+          <a:bodyPr/>
+          <a:lstStyle/>
+          <a:p>
+            <a:fld id="{A929F50D-DFCC-4B3A-825A-C312089DAB73}" type="slidenum">
+              <a:rPr lang="en-US" smtClean="0"/>
+              <a:t>13</a:t>
+            </a:fld>
+            <a:endParaRPr lang="en-US"/>
+          </a:p>
+        </p:txBody>
+      </p:sp>
+    </p:spTree>
+    <p:extLst>
+      <p:ext uri="{BB962C8B-B14F-4D97-AF65-F5344CB8AC3E}">
+        <p14:creationId xmlns:p14="http://schemas.microsoft.com/office/powerpoint/2010/main" val="2292641711"/>
+      </p:ext>
+    </p:extLst>
+  </p:cSld>
+  <p:clrMapOvr>
+    <a:masterClrMapping/>
+  </p:clrMapOvr>
+</p:notes>
+</file>
+
+<file path=ppt/notesSlides/notesSlide12.xml><?xml version="1.0" encoding="utf-8"?>
+<p:notes xmlns:a="http://schemas.openxmlformats.org/drawingml/2006/main" xmlns:r="http://schemas.openxmlformats.org/officeDocument/2006/relationships" xmlns:p="http://schemas.openxmlformats.org/presentationml/2006/main">
+  <p:cSld>
+    <p:spTree>
+      <p:nvGrpSpPr>
+        <p:cNvPr id="1" name="">
+          <a:extLst>
+            <a:ext uri="{FF2B5EF4-FFF2-40B4-BE49-F238E27FC236}">
+              <a16:creationId xmlns:a16="http://schemas.microsoft.com/office/drawing/2014/main" id="{F7884F04-0532-0CA3-627F-6223B3DD0842}"/>
+            </a:ext>
+          </a:extLst>
+        </p:cNvPr>
+        <p:cNvGrpSpPr/>
+        <p:nvPr/>
+      </p:nvGrpSpPr>
+      <p:grpSpPr>
+        <a:xfrm>
+          <a:off x="0" y="0"/>
+          <a:ext cx="0" cy="0"/>
+          <a:chOff x="0" y="0"/>
+          <a:chExt cx="0" cy="0"/>
+        </a:xfrm>
+      </p:grpSpPr>
+      <p:sp>
+        <p:nvSpPr>
+          <p:cNvPr id="2" name="Slide Image Placeholder 1">
+            <a:extLst>
+              <a:ext uri="{FF2B5EF4-FFF2-40B4-BE49-F238E27FC236}">
+                <a16:creationId xmlns:a16="http://schemas.microsoft.com/office/drawing/2014/main" id="{F775B574-15DC-049E-38E3-239E87E9FA81}"/>
+              </a:ext>
+            </a:extLst>
+          </p:cNvPr>
+          <p:cNvSpPr>
+            <a:spLocks noGrp="1" noRot="1" noChangeAspect="1"/>
+          </p:cNvSpPr>
+          <p:nvPr>
+            <p:ph type="sldImg"/>
+          </p:nvPr>
+        </p:nvSpPr>
+        <p:spPr/>
+      </p:sp>
+      <p:sp>
+        <p:nvSpPr>
+          <p:cNvPr id="3" name="Notes Placeholder 2">
+            <a:extLst>
+              <a:ext uri="{FF2B5EF4-FFF2-40B4-BE49-F238E27FC236}">
+                <a16:creationId xmlns:a16="http://schemas.microsoft.com/office/drawing/2014/main" id="{17AE58A6-8747-3FB9-9FC4-15BCADE0A032}"/>
+              </a:ext>
+            </a:extLst>
+          </p:cNvPr>
+          <p:cNvSpPr>
+            <a:spLocks noGrp="1"/>
+          </p:cNvSpPr>
+          <p:nvPr>
+            <p:ph type="body" idx="1"/>
+          </p:nvPr>
+        </p:nvSpPr>
+        <p:spPr/>
+        <p:txBody>
+          <a:bodyPr/>
+          <a:lstStyle/>
+          <a:p>
+            <a:endParaRPr lang="en-US" dirty="0"/>
+          </a:p>
+        </p:txBody>
+      </p:sp>
+      <p:sp>
+        <p:nvSpPr>
+          <p:cNvPr id="4" name="Slide Number Placeholder 3">
+            <a:extLst>
+              <a:ext uri="{FF2B5EF4-FFF2-40B4-BE49-F238E27FC236}">
+                <a16:creationId xmlns:a16="http://schemas.microsoft.com/office/drawing/2014/main" id="{49BD0188-DAD5-9EF1-FDF0-A17351F32B4B}"/>
+              </a:ext>
+            </a:extLst>
+          </p:cNvPr>
+          <p:cNvSpPr>
+            <a:spLocks noGrp="1"/>
+          </p:cNvSpPr>
+          <p:nvPr>
+            <p:ph type="sldNum" sz="quarter" idx="5"/>
+          </p:nvPr>
+        </p:nvSpPr>
+        <p:spPr/>
+        <p:txBody>
+          <a:bodyPr/>
+          <a:lstStyle/>
+          <a:p>
+            <a:fld id="{A929F50D-DFCC-4B3A-825A-C312089DAB73}" type="slidenum">
+              <a:rPr lang="en-US" smtClean="0"/>
+              <a:t>14</a:t>
+            </a:fld>
+            <a:endParaRPr lang="en-US"/>
+          </a:p>
+        </p:txBody>
+      </p:sp>
+    </p:spTree>
+    <p:extLst>
+      <p:ext uri="{BB962C8B-B14F-4D97-AF65-F5344CB8AC3E}">
+        <p14:creationId xmlns:p14="http://schemas.microsoft.com/office/powerpoint/2010/main" val="2479956179"/>
+      </p:ext>
+    </p:extLst>
+  </p:cSld>
+  <p:clrMapOvr>
+    <a:masterClrMapping/>
+  </p:clrMapOvr>
+</p:notes>
+</file>
+
+<file path=ppt/notesSlides/notesSlide2.xml><?xml version="1.0" encoding="utf-8"?>
+<p:notes xmlns:a="http://schemas.openxmlformats.org/drawingml/2006/main" xmlns:r="http://schemas.openxmlformats.org/officeDocument/2006/relationships" xmlns:p="http://schemas.openxmlformats.org/presentationml/2006/main">
+  <p:cSld>
+    <p:spTree>
+      <p:nvGrpSpPr>
+        <p:cNvPr id="1" name="">
+          <a:extLst>
+            <a:ext uri="{FF2B5EF4-FFF2-40B4-BE49-F238E27FC236}">
+              <a16:creationId xmlns:a16="http://schemas.microsoft.com/office/drawing/2014/main" id="{A2520FB0-B03A-9160-17EF-1B094CF0DA13}"/>
+            </a:ext>
+          </a:extLst>
+        </p:cNvPr>
+        <p:cNvGrpSpPr/>
+        <p:nvPr/>
+      </p:nvGrpSpPr>
+      <p:grpSpPr>
+        <a:xfrm>
+          <a:off x="0" y="0"/>
+          <a:ext cx="0" cy="0"/>
+          <a:chOff x="0" y="0"/>
+          <a:chExt cx="0" cy="0"/>
+        </a:xfrm>
+      </p:grpSpPr>
+      <p:sp>
+        <p:nvSpPr>
+          <p:cNvPr id="2" name="Slide Image Placeholder 1">
+            <a:extLst>
+              <a:ext uri="{FF2B5EF4-FFF2-40B4-BE49-F238E27FC236}">
+                <a16:creationId xmlns:a16="http://schemas.microsoft.com/office/drawing/2014/main" id="{986C3428-9B05-F9A0-40AF-8CD8D2BFD570}"/>
+              </a:ext>
+            </a:extLst>
+          </p:cNvPr>
+          <p:cNvSpPr>
+            <a:spLocks noGrp="1" noRot="1" noChangeAspect="1"/>
+          </p:cNvSpPr>
+          <p:nvPr>
+            <p:ph type="sldImg"/>
+          </p:nvPr>
+        </p:nvSpPr>
+        <p:spPr/>
+      </p:sp>
+      <p:sp>
+        <p:nvSpPr>
+          <p:cNvPr id="3" name="Notes Placeholder 2">
+            <a:extLst>
+              <a:ext uri="{FF2B5EF4-FFF2-40B4-BE49-F238E27FC236}">
+                <a16:creationId xmlns:a16="http://schemas.microsoft.com/office/drawing/2014/main" id="{A47A1767-D694-231C-4A01-7817AA46F1E0}"/>
+              </a:ext>
+            </a:extLst>
+          </p:cNvPr>
+          <p:cNvSpPr>
+            <a:spLocks noGrp="1"/>
+          </p:cNvSpPr>
+          <p:nvPr>
+            <p:ph type="body" idx="1"/>
+          </p:nvPr>
+        </p:nvSpPr>
+        <p:spPr/>
+        <p:txBody>
+          <a:bodyPr/>
+          <a:lstStyle/>
+          <a:p>
+            <a:endParaRPr lang="en-US" dirty="0"/>
+          </a:p>
+        </p:txBody>
+      </p:sp>
+      <p:sp>
+        <p:nvSpPr>
+          <p:cNvPr id="4" name="Slide Number Placeholder 3">
+            <a:extLst>
+              <a:ext uri="{FF2B5EF4-FFF2-40B4-BE49-F238E27FC236}">
+                <a16:creationId xmlns:a16="http://schemas.microsoft.com/office/drawing/2014/main" id="{0AD8E0EA-8416-76FD-0C16-56F1BD29B1AF}"/>
+              </a:ext>
+            </a:extLst>
+          </p:cNvPr>
+          <p:cNvSpPr>
+            <a:spLocks noGrp="1"/>
+          </p:cNvSpPr>
+          <p:nvPr>
+            <p:ph type="sldNum" sz="quarter" idx="5"/>
+          </p:nvPr>
+        </p:nvSpPr>
+        <p:spPr/>
+        <p:txBody>
+          <a:bodyPr/>
+          <a:lstStyle/>
+          <a:p>
+            <a:fld id="{A929F50D-DFCC-4B3A-825A-C312089DAB73}" type="slidenum">
+              <a:rPr lang="en-US" smtClean="0"/>
+              <a:t>4</a:t>
+            </a:fld>
+            <a:endParaRPr lang="en-US"/>
+          </a:p>
+        </p:txBody>
+      </p:sp>
+    </p:spTree>
+    <p:extLst>
+      <p:ext uri="{BB962C8B-B14F-4D97-AF65-F5344CB8AC3E}">
+        <p14:creationId xmlns:p14="http://schemas.microsoft.com/office/powerpoint/2010/main" val="2066544441"/>
+      </p:ext>
+    </p:extLst>
+  </p:cSld>
+  <p:clrMapOvr>
+    <a:masterClrMapping/>
+  </p:clrMapOvr>
+</p:notes>
+</file>
+
+<file path=ppt/notesSlides/notesSlide3.xml><?xml version="1.0" encoding="utf-8"?>
+<p:notes xmlns:a="http://schemas.openxmlformats.org/drawingml/2006/main" xmlns:r="http://schemas.openxmlformats.org/officeDocument/2006/relationships" xmlns:p="http://schemas.openxmlformats.org/presentationml/2006/main">
+  <p:cSld>
+    <p:spTree>
+      <p:nvGrpSpPr>
+        <p:cNvPr id="1" name="">
+          <a:extLst>
+            <a:ext uri="{FF2B5EF4-FFF2-40B4-BE49-F238E27FC236}">
+              <a16:creationId xmlns:a16="http://schemas.microsoft.com/office/drawing/2014/main" id="{D502EBC4-20D3-FE4F-6D5E-9476FE96923C}"/>
+            </a:ext>
+          </a:extLst>
+        </p:cNvPr>
+        <p:cNvGrpSpPr/>
+        <p:nvPr/>
+      </p:nvGrpSpPr>
+      <p:grpSpPr>
+        <a:xfrm>
+          <a:off x="0" y="0"/>
+          <a:ext cx="0" cy="0"/>
+          <a:chOff x="0" y="0"/>
+          <a:chExt cx="0" cy="0"/>
+        </a:xfrm>
+      </p:grpSpPr>
+      <p:sp>
+        <p:nvSpPr>
+          <p:cNvPr id="2" name="Slide Image Placeholder 1">
+            <a:extLst>
+              <a:ext uri="{FF2B5EF4-FFF2-40B4-BE49-F238E27FC236}">
+                <a16:creationId xmlns:a16="http://schemas.microsoft.com/office/drawing/2014/main" id="{844B4D5A-7772-EAF3-C0F1-A088CF1A940B}"/>
+              </a:ext>
+            </a:extLst>
+          </p:cNvPr>
+          <p:cNvSpPr>
+            <a:spLocks noGrp="1" noRot="1" noChangeAspect="1"/>
+          </p:cNvSpPr>
+          <p:nvPr>
+            <p:ph type="sldImg"/>
+          </p:nvPr>
+        </p:nvSpPr>
+        <p:spPr/>
+      </p:sp>
+      <p:sp>
+        <p:nvSpPr>
+          <p:cNvPr id="3" name="Notes Placeholder 2">
+            <a:extLst>
+              <a:ext uri="{FF2B5EF4-FFF2-40B4-BE49-F238E27FC236}">
+                <a16:creationId xmlns:a16="http://schemas.microsoft.com/office/drawing/2014/main" id="{3DE493EE-6EB1-DF15-8B40-C777D72B9E4A}"/>
+              </a:ext>
+            </a:extLst>
+          </p:cNvPr>
+          <p:cNvSpPr>
+            <a:spLocks noGrp="1"/>
+          </p:cNvSpPr>
+          <p:nvPr>
+            <p:ph type="body" idx="1"/>
+          </p:nvPr>
+        </p:nvSpPr>
+        <p:spPr/>
+        <p:txBody>
+          <a:bodyPr/>
+          <a:lstStyle/>
+          <a:p>
+            <a:endParaRPr lang="en-US" dirty="0"/>
+          </a:p>
+        </p:txBody>
+      </p:sp>
+      <p:sp>
+        <p:nvSpPr>
+          <p:cNvPr id="4" name="Slide Number Placeholder 3">
+            <a:extLst>
+              <a:ext uri="{FF2B5EF4-FFF2-40B4-BE49-F238E27FC236}">
+                <a16:creationId xmlns:a16="http://schemas.microsoft.com/office/drawing/2014/main" id="{92A0AE9E-FA52-1880-418C-98D9C7BC60BC}"/>
+              </a:ext>
+            </a:extLst>
+          </p:cNvPr>
+          <p:cNvSpPr>
+            <a:spLocks noGrp="1"/>
+          </p:cNvSpPr>
+          <p:nvPr>
+            <p:ph type="sldNum" sz="quarter" idx="5"/>
+          </p:nvPr>
+        </p:nvSpPr>
+        <p:spPr/>
+        <p:txBody>
+          <a:bodyPr/>
+          <a:lstStyle/>
+          <a:p>
+            <a:fld id="{A929F50D-DFCC-4B3A-825A-C312089DAB73}" type="slidenum">
+              <a:rPr lang="en-US" smtClean="0"/>
+              <a:t>5</a:t>
+            </a:fld>
+            <a:endParaRPr lang="en-US"/>
+          </a:p>
+        </p:txBody>
+      </p:sp>
+    </p:spTree>
+    <p:extLst>
+      <p:ext uri="{BB962C8B-B14F-4D97-AF65-F5344CB8AC3E}">
+        <p14:creationId xmlns:p14="http://schemas.microsoft.com/office/powerpoint/2010/main" val="3431015633"/>
+      </p:ext>
+    </p:extLst>
+  </p:cSld>
+  <p:clrMapOvr>
+    <a:masterClrMapping/>
+  </p:clrMapOvr>
+</p:notes>
+</file>
+
+<file path=ppt/notesSlides/notesSlide4.xml><?xml version="1.0" encoding="utf-8"?>
+<p:notes xmlns:a="http://schemas.openxmlformats.org/drawingml/2006/main" xmlns:r="http://schemas.openxmlformats.org/officeDocument/2006/relationships" xmlns:p="http://schemas.openxmlformats.org/presentationml/2006/main">
+  <p:cSld>
+    <p:spTree>
+      <p:nvGrpSpPr>
+        <p:cNvPr id="1" name="">
+          <a:extLst>
+            <a:ext uri="{FF2B5EF4-FFF2-40B4-BE49-F238E27FC236}">
+              <a16:creationId xmlns:a16="http://schemas.microsoft.com/office/drawing/2014/main" id="{10B3A77C-893B-A10B-B390-C0B498B45B76}"/>
+            </a:ext>
+          </a:extLst>
+        </p:cNvPr>
+        <p:cNvGrpSpPr/>
+        <p:nvPr/>
+      </p:nvGrpSpPr>
+      <p:grpSpPr>
+        <a:xfrm>
+          <a:off x="0" y="0"/>
+          <a:ext cx="0" cy="0"/>
+          <a:chOff x="0" y="0"/>
+          <a:chExt cx="0" cy="0"/>
+        </a:xfrm>
+      </p:grpSpPr>
+      <p:sp>
+        <p:nvSpPr>
+          <p:cNvPr id="2" name="Slide Image Placeholder 1">
+            <a:extLst>
+              <a:ext uri="{FF2B5EF4-FFF2-40B4-BE49-F238E27FC236}">
+                <a16:creationId xmlns:a16="http://schemas.microsoft.com/office/drawing/2014/main" id="{480B1FB0-C8D4-735A-A6E6-4C1CA166F017}"/>
+              </a:ext>
+            </a:extLst>
+          </p:cNvPr>
+          <p:cNvSpPr>
+            <a:spLocks noGrp="1" noRot="1" noChangeAspect="1"/>
+          </p:cNvSpPr>
+          <p:nvPr>
+            <p:ph type="sldImg"/>
+          </p:nvPr>
+        </p:nvSpPr>
+        <p:spPr/>
+      </p:sp>
+      <p:sp>
+        <p:nvSpPr>
+          <p:cNvPr id="3" name="Notes Placeholder 2">
+            <a:extLst>
+              <a:ext uri="{FF2B5EF4-FFF2-40B4-BE49-F238E27FC236}">
+                <a16:creationId xmlns:a16="http://schemas.microsoft.com/office/drawing/2014/main" id="{266D7EAF-9205-70C2-1725-63622F5AED15}"/>
+              </a:ext>
+            </a:extLst>
+          </p:cNvPr>
+          <p:cNvSpPr>
+            <a:spLocks noGrp="1"/>
+          </p:cNvSpPr>
+          <p:nvPr>
+            <p:ph type="body" idx="1"/>
+          </p:nvPr>
+        </p:nvSpPr>
+        <p:spPr/>
+        <p:txBody>
+          <a:bodyPr/>
+          <a:lstStyle/>
+          <a:p>
+            <a:endParaRPr lang="en-US" dirty="0"/>
+          </a:p>
+        </p:txBody>
+      </p:sp>
+      <p:sp>
+        <p:nvSpPr>
+          <p:cNvPr id="4" name="Slide Number Placeholder 3">
+            <a:extLst>
+              <a:ext uri="{FF2B5EF4-FFF2-40B4-BE49-F238E27FC236}">
+                <a16:creationId xmlns:a16="http://schemas.microsoft.com/office/drawing/2014/main" id="{E77D1C90-26E1-F92E-A552-04C2B0B73307}"/>
+              </a:ext>
+            </a:extLst>
+          </p:cNvPr>
+          <p:cNvSpPr>
+            <a:spLocks noGrp="1"/>
+          </p:cNvSpPr>
+          <p:nvPr>
+            <p:ph type="sldNum" sz="quarter" idx="5"/>
+          </p:nvPr>
+        </p:nvSpPr>
+        <p:spPr/>
+        <p:txBody>
+          <a:bodyPr/>
+          <a:lstStyle/>
+          <a:p>
+            <a:fld id="{A929F50D-DFCC-4B3A-825A-C312089DAB73}" type="slidenum">
+              <a:rPr lang="en-US" smtClean="0"/>
+              <a:t>6</a:t>
+            </a:fld>
+            <a:endParaRPr lang="en-US"/>
+          </a:p>
+        </p:txBody>
+      </p:sp>
+    </p:spTree>
+    <p:extLst>
+      <p:ext uri="{BB962C8B-B14F-4D97-AF65-F5344CB8AC3E}">
+        <p14:creationId xmlns:p14="http://schemas.microsoft.com/office/powerpoint/2010/main" val="1385436118"/>
+      </p:ext>
+    </p:extLst>
+  </p:cSld>
+  <p:clrMapOvr>
+    <a:masterClrMapping/>
+  </p:clrMapOvr>
+</p:notes>
+</file>
+
+<file path=ppt/notesSlides/notesSlide5.xml><?xml version="1.0" encoding="utf-8"?>
+<p:notes xmlns:a="http://schemas.openxmlformats.org/drawingml/2006/main" xmlns:r="http://schemas.openxmlformats.org/officeDocument/2006/relationships" xmlns:p="http://schemas.openxmlformats.org/presentationml/2006/main">
+  <p:cSld>
+    <p:spTree>
+      <p:nvGrpSpPr>
+        <p:cNvPr id="1" name="">
+          <a:extLst>
+            <a:ext uri="{FF2B5EF4-FFF2-40B4-BE49-F238E27FC236}">
+              <a16:creationId xmlns:a16="http://schemas.microsoft.com/office/drawing/2014/main" id="{FD7D8F93-B74F-A024-15E2-072FEB47D961}"/>
+            </a:ext>
+          </a:extLst>
+        </p:cNvPr>
+        <p:cNvGrpSpPr/>
+        <p:nvPr/>
+      </p:nvGrpSpPr>
+      <p:grpSpPr>
+        <a:xfrm>
+          <a:off x="0" y="0"/>
+          <a:ext cx="0" cy="0"/>
+          <a:chOff x="0" y="0"/>
+          <a:chExt cx="0" cy="0"/>
+        </a:xfrm>
+      </p:grpSpPr>
+      <p:sp>
+        <p:nvSpPr>
+          <p:cNvPr id="2" name="Slide Image Placeholder 1">
+            <a:extLst>
+              <a:ext uri="{FF2B5EF4-FFF2-40B4-BE49-F238E27FC236}">
+                <a16:creationId xmlns:a16="http://schemas.microsoft.com/office/drawing/2014/main" id="{F002B49C-3D20-731C-7108-024B27E17F27}"/>
+              </a:ext>
+            </a:extLst>
+          </p:cNvPr>
+          <p:cNvSpPr>
+            <a:spLocks noGrp="1" noRot="1" noChangeAspect="1"/>
+          </p:cNvSpPr>
+          <p:nvPr>
+            <p:ph type="sldImg"/>
+          </p:nvPr>
+        </p:nvSpPr>
+        <p:spPr/>
+      </p:sp>
+      <p:sp>
+        <p:nvSpPr>
+          <p:cNvPr id="3" name="Notes Placeholder 2">
+            <a:extLst>
+              <a:ext uri="{FF2B5EF4-FFF2-40B4-BE49-F238E27FC236}">
+                <a16:creationId xmlns:a16="http://schemas.microsoft.com/office/drawing/2014/main" id="{94D93C45-4F02-0AD9-A25D-ED518D1A114C}"/>
+              </a:ext>
+            </a:extLst>
+          </p:cNvPr>
+          <p:cNvSpPr>
+            <a:spLocks noGrp="1"/>
+          </p:cNvSpPr>
+          <p:nvPr>
+            <p:ph type="body" idx="1"/>
+          </p:nvPr>
+        </p:nvSpPr>
+        <p:spPr/>
+        <p:txBody>
+          <a:bodyPr/>
+          <a:lstStyle/>
+          <a:p>
+            <a:endParaRPr lang="en-US" dirty="0"/>
+          </a:p>
+        </p:txBody>
+      </p:sp>
+      <p:sp>
+        <p:nvSpPr>
+          <p:cNvPr id="4" name="Slide Number Placeholder 3">
+            <a:extLst>
+              <a:ext uri="{FF2B5EF4-FFF2-40B4-BE49-F238E27FC236}">
+                <a16:creationId xmlns:a16="http://schemas.microsoft.com/office/drawing/2014/main" id="{223F212E-CED2-72BD-4F08-CFB78A0DD42A}"/>
+              </a:ext>
+            </a:extLst>
+          </p:cNvPr>
+          <p:cNvSpPr>
+            <a:spLocks noGrp="1"/>
+          </p:cNvSpPr>
+          <p:nvPr>
+            <p:ph type="sldNum" sz="quarter" idx="5"/>
+          </p:nvPr>
+        </p:nvSpPr>
+        <p:spPr/>
+        <p:txBody>
+          <a:bodyPr/>
+          <a:lstStyle/>
+          <a:p>
+            <a:fld id="{A929F50D-DFCC-4B3A-825A-C312089DAB73}" type="slidenum">
+              <a:rPr lang="en-US" smtClean="0"/>
+              <a:t>7</a:t>
+            </a:fld>
+            <a:endParaRPr lang="en-US"/>
+          </a:p>
+        </p:txBody>
+      </p:sp>
+    </p:spTree>
+    <p:extLst>
+      <p:ext uri="{BB962C8B-B14F-4D97-AF65-F5344CB8AC3E}">
+        <p14:creationId xmlns:p14="http://schemas.microsoft.com/office/powerpoint/2010/main" val="3977444627"/>
+      </p:ext>
+    </p:extLst>
+  </p:cSld>
+  <p:clrMapOvr>
+    <a:masterClrMapping/>
+  </p:clrMapOvr>
+</p:notes>
+</file>
+
+<file path=ppt/notesSlides/notesSlide6.xml><?xml version="1.0" encoding="utf-8"?>
+<p:notes xmlns:a="http://schemas.openxmlformats.org/drawingml/2006/main" xmlns:r="http://schemas.openxmlformats.org/officeDocument/2006/relationships" xmlns:p="http://schemas.openxmlformats.org/presentationml/2006/main">
+  <p:cSld>
+    <p:spTree>
+      <p:nvGrpSpPr>
+        <p:cNvPr id="1" name="">
+          <a:extLst>
+            <a:ext uri="{FF2B5EF4-FFF2-40B4-BE49-F238E27FC236}">
+              <a16:creationId xmlns:a16="http://schemas.microsoft.com/office/drawing/2014/main" id="{F6B75079-7C97-94E0-CC30-175E589EA837}"/>
+            </a:ext>
+          </a:extLst>
+        </p:cNvPr>
+        <p:cNvGrpSpPr/>
+        <p:nvPr/>
+      </p:nvGrpSpPr>
+      <p:grpSpPr>
+        <a:xfrm>
+          <a:off x="0" y="0"/>
+          <a:ext cx="0" cy="0"/>
+          <a:chOff x="0" y="0"/>
+          <a:chExt cx="0" cy="0"/>
+        </a:xfrm>
+      </p:grpSpPr>
+      <p:sp>
+        <p:nvSpPr>
+          <p:cNvPr id="2" name="Slide Image Placeholder 1">
+            <a:extLst>
+              <a:ext uri="{FF2B5EF4-FFF2-40B4-BE49-F238E27FC236}">
+                <a16:creationId xmlns:a16="http://schemas.microsoft.com/office/drawing/2014/main" id="{F0B81732-C99F-D64B-7357-D53E00E72697}"/>
+              </a:ext>
+            </a:extLst>
+          </p:cNvPr>
+          <p:cNvSpPr>
+            <a:spLocks noGrp="1" noRot="1" noChangeAspect="1"/>
+          </p:cNvSpPr>
+          <p:nvPr>
+            <p:ph type="sldImg"/>
+          </p:nvPr>
+        </p:nvSpPr>
+        <p:spPr/>
+      </p:sp>
+      <p:sp>
+        <p:nvSpPr>
+          <p:cNvPr id="3" name="Notes Placeholder 2">
+            <a:extLst>
+              <a:ext uri="{FF2B5EF4-FFF2-40B4-BE49-F238E27FC236}">
+                <a16:creationId xmlns:a16="http://schemas.microsoft.com/office/drawing/2014/main" id="{5ADF0381-6D43-5B31-DC76-6932019CEDE1}"/>
+              </a:ext>
+            </a:extLst>
+          </p:cNvPr>
+          <p:cNvSpPr>
+            <a:spLocks noGrp="1"/>
+          </p:cNvSpPr>
+          <p:nvPr>
+            <p:ph type="body" idx="1"/>
+          </p:nvPr>
+        </p:nvSpPr>
+        <p:spPr/>
+        <p:txBody>
+          <a:bodyPr/>
+          <a:lstStyle/>
+          <a:p>
+            <a:r>
+              <a:rPr lang="en-US" dirty="0"/>
+              <a:t>Plot1 and 5</a:t>
+            </a:r>
+          </a:p>
+        </p:txBody>
+      </p:sp>
+      <p:sp>
+        <p:nvSpPr>
+          <p:cNvPr id="4" name="Slide Number Placeholder 3">
+            <a:extLst>
+              <a:ext uri="{FF2B5EF4-FFF2-40B4-BE49-F238E27FC236}">
+                <a16:creationId xmlns:a16="http://schemas.microsoft.com/office/drawing/2014/main" id="{5F4C3860-190B-9456-FBF3-0745B87777C1}"/>
+              </a:ext>
+            </a:extLst>
+          </p:cNvPr>
+          <p:cNvSpPr>
+            <a:spLocks noGrp="1"/>
+          </p:cNvSpPr>
+          <p:nvPr>
+            <p:ph type="sldNum" sz="quarter" idx="5"/>
+          </p:nvPr>
+        </p:nvSpPr>
+        <p:spPr/>
+        <p:txBody>
+          <a:bodyPr/>
+          <a:lstStyle/>
+          <a:p>
+            <a:fld id="{A929F50D-DFCC-4B3A-825A-C312089DAB73}" type="slidenum">
+              <a:rPr lang="en-US" smtClean="0"/>
+              <a:t>8</a:t>
+            </a:fld>
+            <a:endParaRPr lang="en-US"/>
+          </a:p>
+        </p:txBody>
+      </p:sp>
+    </p:spTree>
+    <p:extLst>
+      <p:ext uri="{BB962C8B-B14F-4D97-AF65-F5344CB8AC3E}">
+        <p14:creationId xmlns:p14="http://schemas.microsoft.com/office/powerpoint/2010/main" val="1599368796"/>
+      </p:ext>
+    </p:extLst>
+  </p:cSld>
+  <p:clrMapOvr>
+    <a:masterClrMapping/>
+  </p:clrMapOvr>
+</p:notes>
+</file>
+
+<file path=ppt/notesSlides/notesSlide7.xml><?xml version="1.0" encoding="utf-8"?>
+<p:notes xmlns:a="http://schemas.openxmlformats.org/drawingml/2006/main" xmlns:r="http://schemas.openxmlformats.org/officeDocument/2006/relationships" xmlns:p="http://schemas.openxmlformats.org/presentationml/2006/main">
+  <p:cSld>
+    <p:spTree>
+      <p:nvGrpSpPr>
+        <p:cNvPr id="1" name="">
+          <a:extLst>
+            <a:ext uri="{FF2B5EF4-FFF2-40B4-BE49-F238E27FC236}">
+              <a16:creationId xmlns:a16="http://schemas.microsoft.com/office/drawing/2014/main" id="{3F750800-C7F5-62F5-17B4-12C37C413077}"/>
+            </a:ext>
+          </a:extLst>
+        </p:cNvPr>
+        <p:cNvGrpSpPr/>
+        <p:nvPr/>
+      </p:nvGrpSpPr>
+      <p:grpSpPr>
+        <a:xfrm>
+          <a:off x="0" y="0"/>
+          <a:ext cx="0" cy="0"/>
+          <a:chOff x="0" y="0"/>
+          <a:chExt cx="0" cy="0"/>
+        </a:xfrm>
+      </p:grpSpPr>
+      <p:sp>
+        <p:nvSpPr>
+          <p:cNvPr id="2" name="Slide Image Placeholder 1">
+            <a:extLst>
+              <a:ext uri="{FF2B5EF4-FFF2-40B4-BE49-F238E27FC236}">
+                <a16:creationId xmlns:a16="http://schemas.microsoft.com/office/drawing/2014/main" id="{46765951-B4DF-3B6F-0165-BE4F2C83DCE7}"/>
+              </a:ext>
+            </a:extLst>
+          </p:cNvPr>
+          <p:cNvSpPr>
+            <a:spLocks noGrp="1" noRot="1" noChangeAspect="1"/>
+          </p:cNvSpPr>
+          <p:nvPr>
+            <p:ph type="sldImg"/>
+          </p:nvPr>
+        </p:nvSpPr>
+        <p:spPr/>
+      </p:sp>
+      <p:sp>
+        <p:nvSpPr>
+          <p:cNvPr id="3" name="Notes Placeholder 2">
+            <a:extLst>
+              <a:ext uri="{FF2B5EF4-FFF2-40B4-BE49-F238E27FC236}">
+                <a16:creationId xmlns:a16="http://schemas.microsoft.com/office/drawing/2014/main" id="{DFFE9631-8BD3-C20D-3858-7E3CEB0CB261}"/>
+              </a:ext>
+            </a:extLst>
+          </p:cNvPr>
+          <p:cNvSpPr>
+            <a:spLocks noGrp="1"/>
+          </p:cNvSpPr>
+          <p:nvPr>
+            <p:ph type="body" idx="1"/>
+          </p:nvPr>
+        </p:nvSpPr>
+        <p:spPr/>
+        <p:txBody>
+          <a:bodyPr/>
+          <a:lstStyle/>
+          <a:p>
+            <a:r>
+              <a:rPr lang="en-US" dirty="0"/>
+              <a:t>Plot3 and 7</a:t>
+            </a:r>
+          </a:p>
+        </p:txBody>
+      </p:sp>
+      <p:sp>
+        <p:nvSpPr>
+          <p:cNvPr id="4" name="Slide Number Placeholder 3">
+            <a:extLst>
+              <a:ext uri="{FF2B5EF4-FFF2-40B4-BE49-F238E27FC236}">
+                <a16:creationId xmlns:a16="http://schemas.microsoft.com/office/drawing/2014/main" id="{712C39F3-DC1E-BFC9-1054-754EC11484A3}"/>
+              </a:ext>
+            </a:extLst>
+          </p:cNvPr>
+          <p:cNvSpPr>
+            <a:spLocks noGrp="1"/>
+          </p:cNvSpPr>
+          <p:nvPr>
+            <p:ph type="sldNum" sz="quarter" idx="5"/>
+          </p:nvPr>
+        </p:nvSpPr>
+        <p:spPr/>
+        <p:txBody>
+          <a:bodyPr/>
+          <a:lstStyle/>
+          <a:p>
+            <a:fld id="{A929F50D-DFCC-4B3A-825A-C312089DAB73}" type="slidenum">
+              <a:rPr lang="en-US" smtClean="0"/>
+              <a:t>9</a:t>
+            </a:fld>
+            <a:endParaRPr lang="en-US"/>
+          </a:p>
+        </p:txBody>
+      </p:sp>
+    </p:spTree>
+    <p:extLst>
+      <p:ext uri="{BB962C8B-B14F-4D97-AF65-F5344CB8AC3E}">
+        <p14:creationId xmlns:p14="http://schemas.microsoft.com/office/powerpoint/2010/main" val="1330222036"/>
+      </p:ext>
+    </p:extLst>
+  </p:cSld>
+  <p:clrMapOvr>
+    <a:masterClrMapping/>
+  </p:clrMapOvr>
+</p:notes>
+</file>
+
+<file path=ppt/notesSlides/notesSlide8.xml><?xml version="1.0" encoding="utf-8"?>
+<p:notes xmlns:a="http://schemas.openxmlformats.org/drawingml/2006/main" xmlns:r="http://schemas.openxmlformats.org/officeDocument/2006/relationships" xmlns:p="http://schemas.openxmlformats.org/presentationml/2006/main">
+  <p:cSld>
+    <p:spTree>
+      <p:nvGrpSpPr>
+        <p:cNvPr id="1" name="">
+          <a:extLst>
+            <a:ext uri="{FF2B5EF4-FFF2-40B4-BE49-F238E27FC236}">
+              <a16:creationId xmlns:a16="http://schemas.microsoft.com/office/drawing/2014/main" id="{6D9152CF-DC87-4D88-A3EF-DE0C91FE2507}"/>
+            </a:ext>
+          </a:extLst>
+        </p:cNvPr>
+        <p:cNvGrpSpPr/>
+        <p:nvPr/>
+      </p:nvGrpSpPr>
+      <p:grpSpPr>
+        <a:xfrm>
+          <a:off x="0" y="0"/>
+          <a:ext cx="0" cy="0"/>
+          <a:chOff x="0" y="0"/>
+          <a:chExt cx="0" cy="0"/>
+        </a:xfrm>
+      </p:grpSpPr>
+      <p:sp>
+        <p:nvSpPr>
+          <p:cNvPr id="2" name="Slide Image Placeholder 1">
+            <a:extLst>
+              <a:ext uri="{FF2B5EF4-FFF2-40B4-BE49-F238E27FC236}">
+                <a16:creationId xmlns:a16="http://schemas.microsoft.com/office/drawing/2014/main" id="{96DAAF61-8741-3E98-7FA7-A5283A041C76}"/>
+              </a:ext>
+            </a:extLst>
+          </p:cNvPr>
+          <p:cNvSpPr>
+            <a:spLocks noGrp="1" noRot="1" noChangeAspect="1"/>
+          </p:cNvSpPr>
+          <p:nvPr>
+            <p:ph type="sldImg"/>
+          </p:nvPr>
+        </p:nvSpPr>
+        <p:spPr/>
+      </p:sp>
+      <p:sp>
+        <p:nvSpPr>
+          <p:cNvPr id="3" name="Notes Placeholder 2">
+            <a:extLst>
+              <a:ext uri="{FF2B5EF4-FFF2-40B4-BE49-F238E27FC236}">
+                <a16:creationId xmlns:a16="http://schemas.microsoft.com/office/drawing/2014/main" id="{A654065E-3ECE-3933-69FD-7666F30CA240}"/>
+              </a:ext>
+            </a:extLst>
+          </p:cNvPr>
+          <p:cNvSpPr>
+            <a:spLocks noGrp="1"/>
+          </p:cNvSpPr>
+          <p:nvPr>
+            <p:ph type="body" idx="1"/>
+          </p:nvPr>
+        </p:nvSpPr>
+        <p:spPr/>
+        <p:txBody>
+          <a:bodyPr/>
+          <a:lstStyle/>
+          <a:p>
+            <a:r>
+              <a:rPr lang="en-US" dirty="0"/>
+              <a:t>Plot4 and 6</a:t>
+            </a:r>
+          </a:p>
+        </p:txBody>
+      </p:sp>
+      <p:sp>
+        <p:nvSpPr>
+          <p:cNvPr id="4" name="Slide Number Placeholder 3">
+            <a:extLst>
+              <a:ext uri="{FF2B5EF4-FFF2-40B4-BE49-F238E27FC236}">
+                <a16:creationId xmlns:a16="http://schemas.microsoft.com/office/drawing/2014/main" id="{1D9D1279-304B-91BC-16F1-C7F66E30984F}"/>
+              </a:ext>
+            </a:extLst>
+          </p:cNvPr>
+          <p:cNvSpPr>
+            <a:spLocks noGrp="1"/>
+          </p:cNvSpPr>
+          <p:nvPr>
+            <p:ph type="sldNum" sz="quarter" idx="5"/>
+          </p:nvPr>
+        </p:nvSpPr>
+        <p:spPr/>
+        <p:txBody>
+          <a:bodyPr/>
+          <a:lstStyle/>
+          <a:p>
+            <a:fld id="{A929F50D-DFCC-4B3A-825A-C312089DAB73}" type="slidenum">
+              <a:rPr lang="en-US" smtClean="0"/>
+              <a:t>10</a:t>
+            </a:fld>
+            <a:endParaRPr lang="en-US"/>
+          </a:p>
+        </p:txBody>
+      </p:sp>
+    </p:spTree>
+    <p:extLst>
+      <p:ext uri="{BB962C8B-B14F-4D97-AF65-F5344CB8AC3E}">
+        <p14:creationId xmlns:p14="http://schemas.microsoft.com/office/powerpoint/2010/main" val="2437820996"/>
+      </p:ext>
+    </p:extLst>
+  </p:cSld>
+  <p:clrMapOvr>
+    <a:masterClrMapping/>
+  </p:clrMapOvr>
+</p:notes>
+</file>
+
+<file path=ppt/notesSlides/notesSlide9.xml><?xml version="1.0" encoding="utf-8"?>
+<p:notes xmlns:a="http://schemas.openxmlformats.org/drawingml/2006/main" xmlns:r="http://schemas.openxmlformats.org/officeDocument/2006/relationships" xmlns:p="http://schemas.openxmlformats.org/presentationml/2006/main">
+  <p:cSld>
+    <p:spTree>
+      <p:nvGrpSpPr>
+        <p:cNvPr id="1" name="">
+          <a:extLst>
+            <a:ext uri="{FF2B5EF4-FFF2-40B4-BE49-F238E27FC236}">
+              <a16:creationId xmlns:a16="http://schemas.microsoft.com/office/drawing/2014/main" id="{9AB13723-7E81-9751-B60F-BCFA3CEA6D9B}"/>
+            </a:ext>
+          </a:extLst>
+        </p:cNvPr>
+        <p:cNvGrpSpPr/>
+        <p:nvPr/>
+      </p:nvGrpSpPr>
+      <p:grpSpPr>
+        <a:xfrm>
+          <a:off x="0" y="0"/>
+          <a:ext cx="0" cy="0"/>
+          <a:chOff x="0" y="0"/>
+          <a:chExt cx="0" cy="0"/>
+        </a:xfrm>
+      </p:grpSpPr>
+      <p:sp>
+        <p:nvSpPr>
+          <p:cNvPr id="2" name="Slide Image Placeholder 1">
+            <a:extLst>
+              <a:ext uri="{FF2B5EF4-FFF2-40B4-BE49-F238E27FC236}">
+                <a16:creationId xmlns:a16="http://schemas.microsoft.com/office/drawing/2014/main" id="{6392B452-FFB5-F291-980D-6B2BCEC8C46D}"/>
+              </a:ext>
+            </a:extLst>
+          </p:cNvPr>
+          <p:cNvSpPr>
+            <a:spLocks noGrp="1" noRot="1" noChangeAspect="1"/>
+          </p:cNvSpPr>
+          <p:nvPr>
+            <p:ph type="sldImg"/>
+          </p:nvPr>
+        </p:nvSpPr>
+        <p:spPr/>
+      </p:sp>
+      <p:sp>
+        <p:nvSpPr>
+          <p:cNvPr id="3" name="Notes Placeholder 2">
+            <a:extLst>
+              <a:ext uri="{FF2B5EF4-FFF2-40B4-BE49-F238E27FC236}">
+                <a16:creationId xmlns:a16="http://schemas.microsoft.com/office/drawing/2014/main" id="{170C1012-8E05-421A-43EB-919FCC18BD46}"/>
+              </a:ext>
+            </a:extLst>
+          </p:cNvPr>
+          <p:cNvSpPr>
+            <a:spLocks noGrp="1"/>
+          </p:cNvSpPr>
+          <p:nvPr>
+            <p:ph type="body" idx="1"/>
+          </p:nvPr>
+        </p:nvSpPr>
+        <p:spPr/>
+        <p:txBody>
+          <a:bodyPr/>
+          <a:lstStyle/>
+          <a:p>
+            <a:r>
+              <a:rPr lang="en-US" sz="1200" kern="1200" dirty="0">
+                <a:solidFill>
+                  <a:schemeClr val="tx1"/>
+                </a:solidFill>
+                <a:latin typeface="+mn-lt"/>
+                <a:ea typeface="+mn-ea"/>
+                <a:cs typeface="+mn-cs"/>
+              </a:rPr>
+              <a:t>plot_2_inventory_heatmap.png</a:t>
+            </a:r>
+            <a:r>
+              <a:rPr lang="en-US" dirty="0"/>
+              <a:t> (Inventory concentration)</a:t>
+            </a:r>
+          </a:p>
+          <a:p>
+            <a:r>
+              <a:rPr lang="en-US" sz="1200" kern="1200" dirty="0">
+                <a:solidFill>
+                  <a:schemeClr val="tx1"/>
+                </a:solidFill>
+                <a:latin typeface="+mn-lt"/>
+                <a:ea typeface="+mn-ea"/>
+                <a:cs typeface="+mn-cs"/>
+              </a:rPr>
+              <a:t>plot_support_drawdown.png</a:t>
+            </a:r>
+            <a:r>
+              <a:rPr lang="en-US" dirty="0"/>
+              <a:t> (Max loss)</a:t>
+            </a:r>
+          </a:p>
+          <a:p>
+            <a:r>
+              <a:rPr lang="en-US" sz="1200" kern="1200" dirty="0">
+                <a:solidFill>
+                  <a:schemeClr val="tx1"/>
+                </a:solidFill>
+                <a:latin typeface="+mn-lt"/>
+                <a:ea typeface="+mn-ea"/>
+                <a:cs typeface="+mn-cs"/>
+              </a:rPr>
+              <a:t>plot_support_return_dist.png</a:t>
+            </a:r>
+            <a:r>
+              <a:rPr lang="en-US" dirty="0"/>
+              <a:t> (Histogram)</a:t>
+            </a:r>
+          </a:p>
+        </p:txBody>
+      </p:sp>
+      <p:sp>
+        <p:nvSpPr>
+          <p:cNvPr id="4" name="Slide Number Placeholder 3">
+            <a:extLst>
+              <a:ext uri="{FF2B5EF4-FFF2-40B4-BE49-F238E27FC236}">
+                <a16:creationId xmlns:a16="http://schemas.microsoft.com/office/drawing/2014/main" id="{5948B800-FE2D-4CA2-4C78-648AC7AA6114}"/>
+              </a:ext>
+            </a:extLst>
+          </p:cNvPr>
+          <p:cNvSpPr>
+            <a:spLocks noGrp="1"/>
+          </p:cNvSpPr>
+          <p:nvPr>
+            <p:ph type="sldNum" sz="quarter" idx="5"/>
+          </p:nvPr>
+        </p:nvSpPr>
+        <p:spPr/>
+        <p:txBody>
+          <a:bodyPr/>
+          <a:lstStyle/>
+          <a:p>
+            <a:fld id="{A929F50D-DFCC-4B3A-825A-C312089DAB73}" type="slidenum">
+              <a:rPr lang="en-US" smtClean="0"/>
+              <a:t>11</a:t>
+            </a:fld>
+            <a:endParaRPr lang="en-US"/>
+          </a:p>
+        </p:txBody>
+      </p:sp>
+    </p:spTree>
+    <p:extLst>
+      <p:ext uri="{BB962C8B-B14F-4D97-AF65-F5344CB8AC3E}">
+        <p14:creationId xmlns:p14="http://schemas.microsoft.com/office/powerpoint/2010/main" val="3756665449"/>
+      </p:ext>
+    </p:extLst>
+  </p:cSld>
+  <p:clrMapOvr>
+    <a:masterClrMapping/>
+  </p:clrMapOvr>
+</p:notes>
+</file>
+
 <file path=ppt/slideLayouts/slideLayout1.xml><?xml version="1.0" encoding="utf-8"?>
 <p:sldLayout xmlns:a="http://schemas.openxmlformats.org/drawingml/2006/main" xmlns:r="http://schemas.openxmlformats.org/officeDocument/2006/relationships" xmlns:p="http://schemas.openxmlformats.org/presentationml/2006/main" type="title" preserve="1">
   <p:cSld name="Title Slide">
@@ -273,7 +1957,7 @@
           <a:p>
             <a:fld id="{09D397A9-6129-4C50-B0E5-F102EDF526C0}" type="datetimeFigureOut">
               <a:rPr lang="en-US" smtClean="0"/>
-              <a:t>12/2/2025</a:t>
+              <a:t>12/5/2025</a:t>
             </a:fld>
             <a:endParaRPr lang="en-US"/>
           </a:p>
@@ -471,7 +2155,7 @@
           <a:p>
             <a:fld id="{09D397A9-6129-4C50-B0E5-F102EDF526C0}" type="datetimeFigureOut">
               <a:rPr lang="en-US" smtClean="0"/>
-              <a:t>12/2/2025</a:t>
+              <a:t>12/5/2025</a:t>
             </a:fld>
             <a:endParaRPr lang="en-US"/>
           </a:p>
@@ -679,7 +2363,7 @@
           <a:p>
             <a:fld id="{09D397A9-6129-4C50-B0E5-F102EDF526C0}" type="datetimeFigureOut">
               <a:rPr lang="en-US" smtClean="0"/>
-              <a:t>12/2/2025</a:t>
+              <a:t>12/5/2025</a:t>
             </a:fld>
             <a:endParaRPr lang="en-US"/>
           </a:p>
@@ -877,7 +2561,7 @@
           <a:p>
             <a:fld id="{09D397A9-6129-4C50-B0E5-F102EDF526C0}" type="datetimeFigureOut">
               <a:rPr lang="en-US" smtClean="0"/>
-              <a:t>12/2/2025</a:t>
+              <a:t>12/5/2025</a:t>
             </a:fld>
             <a:endParaRPr lang="en-US"/>
           </a:p>
@@ -1152,7 +2836,7 @@
           <a:p>
             <a:fld id="{09D397A9-6129-4C50-B0E5-F102EDF526C0}" type="datetimeFigureOut">
               <a:rPr lang="en-US" smtClean="0"/>
-              <a:t>12/2/2025</a:t>
+              <a:t>12/5/2025</a:t>
             </a:fld>
             <a:endParaRPr lang="en-US"/>
           </a:p>
@@ -1417,7 +3101,7 @@
           <a:p>
             <a:fld id="{09D397A9-6129-4C50-B0E5-F102EDF526C0}" type="datetimeFigureOut">
               <a:rPr lang="en-US" smtClean="0"/>
-              <a:t>12/2/2025</a:t>
+              <a:t>12/5/2025</a:t>
             </a:fld>
             <a:endParaRPr lang="en-US"/>
           </a:p>
@@ -1829,7 +3513,7 @@
           <a:p>
             <a:fld id="{09D397A9-6129-4C50-B0E5-F102EDF526C0}" type="datetimeFigureOut">
               <a:rPr lang="en-US" smtClean="0"/>
-              <a:t>12/2/2025</a:t>
+              <a:t>12/5/2025</a:t>
             </a:fld>
             <a:endParaRPr lang="en-US"/>
           </a:p>
@@ -1970,7 +3654,7 @@
           <a:p>
             <a:fld id="{09D397A9-6129-4C50-B0E5-F102EDF526C0}" type="datetimeFigureOut">
               <a:rPr lang="en-US" smtClean="0"/>
-              <a:t>12/2/2025</a:t>
+              <a:t>12/5/2025</a:t>
             </a:fld>
             <a:endParaRPr lang="en-US"/>
           </a:p>
@@ -2083,7 +3767,7 @@
           <a:p>
             <a:fld id="{09D397A9-6129-4C50-B0E5-F102EDF526C0}" type="datetimeFigureOut">
               <a:rPr lang="en-US" smtClean="0"/>
-              <a:t>12/2/2025</a:t>
+              <a:t>12/5/2025</a:t>
             </a:fld>
             <a:endParaRPr lang="en-US"/>
           </a:p>
@@ -2394,7 +4078,7 @@
           <a:p>
             <a:fld id="{09D397A9-6129-4C50-B0E5-F102EDF526C0}" type="datetimeFigureOut">
               <a:rPr lang="en-US" smtClean="0"/>
-              <a:t>12/2/2025</a:t>
+              <a:t>12/5/2025</a:t>
             </a:fld>
             <a:endParaRPr lang="en-US"/>
           </a:p>
@@ -2682,7 +4366,7 @@
           <a:p>
             <a:fld id="{09D397A9-6129-4C50-B0E5-F102EDF526C0}" type="datetimeFigureOut">
               <a:rPr lang="en-US" smtClean="0"/>
-              <a:t>12/2/2025</a:t>
+              <a:t>12/5/2025</a:t>
             </a:fld>
             <a:endParaRPr lang="en-US"/>
           </a:p>
@@ -2923,7 +4607,7 @@
           <a:p>
             <a:fld id="{09D397A9-6129-4C50-B0E5-F102EDF526C0}" type="datetimeFigureOut">
               <a:rPr lang="en-US" smtClean="0"/>
-              <a:t>12/2/2025</a:t>
+              <a:t>12/5/2025</a:t>
             </a:fld>
             <a:endParaRPr lang="en-US"/>
           </a:p>
@@ -3326,6 +5010,14 @@
 <file path=ppt/slides/slide1.xml><?xml version="1.0" encoding="utf-8"?>
 <p:sld xmlns:a="http://schemas.openxmlformats.org/drawingml/2006/main" xmlns:r="http://schemas.openxmlformats.org/officeDocument/2006/relationships" xmlns:p="http://schemas.openxmlformats.org/presentationml/2006/main">
   <p:cSld>
+    <p:bg>
+      <p:bgPr>
+        <a:solidFill>
+          <a:schemeClr val="bg1"/>
+        </a:solidFill>
+        <a:effectLst/>
+      </p:bgPr>
+    </p:bg>
     <p:spTree>
       <p:nvGrpSpPr>
         <p:cNvPr id="1" name=""/>
@@ -3340,72 +5032,352 @@
           <a:chExt cx="0" cy="0"/>
         </a:xfrm>
       </p:grpSpPr>
-      <p:sp>
-        <p:nvSpPr>
-          <p:cNvPr id="2" name="Title 1">
-            <a:extLst>
-              <a:ext uri="{FF2B5EF4-FFF2-40B4-BE49-F238E27FC236}">
-                <a16:creationId xmlns:a16="http://schemas.microsoft.com/office/drawing/2014/main" id="{6A69A247-CB4C-647E-3233-44E4EE9E14BB}"/>
-              </a:ext>
-            </a:extLst>
-          </p:cNvPr>
-          <p:cNvSpPr>
-            <a:spLocks noGrp="1"/>
-          </p:cNvSpPr>
-          <p:nvPr>
-            <p:ph type="ctrTitle"/>
-          </p:nvPr>
-        </p:nvSpPr>
-        <p:spPr/>
-        <p:txBody>
-          <a:bodyPr>
-            <a:normAutofit fontScale="90000"/>
-          </a:bodyPr>
-          <a:lstStyle/>
-          <a:p>
-            <a:r>
-              <a:rPr lang="en-US" dirty="0"/>
-              <a:t>Can an ARL Agent Outperform EGT Populations in a Simulated Market?</a:t>
-            </a:r>
-          </a:p>
-        </p:txBody>
-      </p:sp>
-      <p:sp>
-        <p:nvSpPr>
-          <p:cNvPr id="3" name="Subtitle 2">
-            <a:extLst>
-              <a:ext uri="{FF2B5EF4-FFF2-40B4-BE49-F238E27FC236}">
-                <a16:creationId xmlns:a16="http://schemas.microsoft.com/office/drawing/2014/main" id="{D1B84906-9D30-7164-FCFB-21ED43ABD301}"/>
-              </a:ext>
-            </a:extLst>
-          </p:cNvPr>
-          <p:cNvSpPr>
-            <a:spLocks noGrp="1"/>
-          </p:cNvSpPr>
-          <p:nvPr>
-            <p:ph type="subTitle" idx="1"/>
+      <p:sp useBgFill="1">
+        <p:nvSpPr>
+          <p:cNvPr id="9" name="Rectangle 8">
+            <a:extLst>
+              <a:ext uri="{FF2B5EF4-FFF2-40B4-BE49-F238E27FC236}">
+                <a16:creationId xmlns:a16="http://schemas.microsoft.com/office/drawing/2014/main" id="{9095C1F4-AE7F-44E4-8693-40D3D6831140}"/>
+              </a:ext>
+              <a:ext uri="{C183D7F6-B498-43B3-948B-1728B52AA6E4}">
+                <adec:decorative xmlns:adec="http://schemas.microsoft.com/office/drawing/2017/decorative" val="1"/>
+              </a:ext>
+            </a:extLst>
+          </p:cNvPr>
+          <p:cNvSpPr>
+            <a:spLocks noGrp="1" noRot="1" noChangeAspect="1" noMove="1" noResize="1" noEditPoints="1" noAdjustHandles="1" noChangeArrowheads="1" noChangeShapeType="1" noTextEdit="1"/>
+          </p:cNvSpPr>
+          <p:nvPr>
+            <p:extLst>
+              <p:ext uri="{386F3935-93C4-4BCD-93E2-E3B085C9AB24}">
+                <p16:designElem xmlns:p16="http://schemas.microsoft.com/office/powerpoint/2015/main" val="1"/>
+              </p:ext>
+            </p:extLst>
           </p:nvPr>
         </p:nvSpPr>
         <p:spPr>
           <a:xfrm>
-            <a:off x="1524000" y="3602038"/>
-            <a:ext cx="3572933" cy="826029"/>
+            <a:off x="0" y="0"/>
+            <a:ext cx="12191999" cy="6857365"/>
+          </a:xfrm>
+          <a:prstGeom prst="rect">
+            <a:avLst/>
+          </a:prstGeom>
+          <a:ln>
+            <a:noFill/>
+          </a:ln>
+        </p:spPr>
+        <p:style>
+          <a:lnRef idx="2">
+            <a:schemeClr val="accent1">
+              <a:shade val="50000"/>
+            </a:schemeClr>
+          </a:lnRef>
+          <a:fillRef idx="1">
+            <a:schemeClr val="accent1"/>
+          </a:fillRef>
+          <a:effectRef idx="0">
+            <a:schemeClr val="accent1"/>
+          </a:effectRef>
+          <a:fontRef idx="minor">
+            <a:schemeClr val="lt1"/>
+          </a:fontRef>
+        </p:style>
+        <p:txBody>
+          <a:bodyPr rtlCol="0" anchor="ctr"/>
+          <a:lstStyle/>
+          <a:p>
+            <a:pPr algn="ctr"/>
+            <a:endParaRPr lang="en-US"/>
+          </a:p>
+        </p:txBody>
+      </p:sp>
+      <p:grpSp>
+        <p:nvGrpSpPr>
+          <p:cNvPr id="11" name="Group 10">
+            <a:extLst>
+              <a:ext uri="{FF2B5EF4-FFF2-40B4-BE49-F238E27FC236}">
+                <a16:creationId xmlns:a16="http://schemas.microsoft.com/office/drawing/2014/main" id="{8734DDD3-F723-4DD3-8ABE-EC0B2AC87D74}"/>
+              </a:ext>
+              <a:ext uri="{C183D7F6-B498-43B3-948B-1728B52AA6E4}">
+                <adec:decorative xmlns:adec="http://schemas.microsoft.com/office/drawing/2017/decorative" val="1"/>
+              </a:ext>
+            </a:extLst>
+          </p:cNvPr>
+          <p:cNvGrpSpPr>
+            <a:grpSpLocks noGrp="1" noUngrp="1" noRot="1" noChangeAspect="1" noMove="1" noResize="1"/>
+          </p:cNvGrpSpPr>
+          <p:nvPr>
+            <p:extLst>
+              <p:ext uri="{386F3935-93C4-4BCD-93E2-E3B085C9AB24}">
+                <p16:designElem xmlns:p16="http://schemas.microsoft.com/office/powerpoint/2015/main" val="1"/>
+              </p:ext>
+            </p:extLst>
+          </p:nvPr>
+        </p:nvGrpSpPr>
+        <p:grpSpPr>
+          <a:xfrm>
+            <a:off x="2522324" y="-15978"/>
+            <a:ext cx="7147352" cy="5876916"/>
+            <a:chOff x="329184" y="-99107"/>
+            <a:chExt cx="524256" cy="5876916"/>
+          </a:xfrm>
+        </p:grpSpPr>
+        <p:cxnSp>
+          <p:nvCxnSpPr>
+            <p:cNvPr id="12" name="Straight Connector 11">
+              <a:extLst>
+                <a:ext uri="{FF2B5EF4-FFF2-40B4-BE49-F238E27FC236}">
+                  <a16:creationId xmlns:a16="http://schemas.microsoft.com/office/drawing/2014/main" id="{F7C8EA93-3210-4C62-99E9-153C275E3A87}"/>
+                </a:ext>
+                <a:ext uri="{C183D7F6-B498-43B3-948B-1728B52AA6E4}">
+                  <adec:decorative xmlns:adec="http://schemas.microsoft.com/office/drawing/2017/decorative" val="1"/>
+                </a:ext>
+              </a:extLst>
+            </p:cNvPr>
+            <p:cNvCxnSpPr>
+              <a:cxnSpLocks/>
+            </p:cNvCxnSpPr>
+            <p:nvPr>
+              <p:extLst>
+                <p:ext uri="{386F3935-93C4-4BCD-93E2-E3B085C9AB24}">
+                  <p16:designElem xmlns:p16="http://schemas.microsoft.com/office/powerpoint/2015/main" val="1"/>
+                </p:ext>
+              </p:extLst>
+            </p:nvPr>
+          </p:nvCxnSpPr>
+          <p:spPr>
+            <a:xfrm flipH="1">
+              <a:off x="329184" y="5777809"/>
+              <a:ext cx="523824" cy="0"/>
+            </a:xfrm>
+            <a:prstGeom prst="line">
+              <a:avLst/>
+            </a:prstGeom>
+            <a:ln w="152400">
+              <a:solidFill>
+                <a:schemeClr val="accent4"/>
+              </a:solidFill>
+            </a:ln>
+          </p:spPr>
+          <p:style>
+            <a:lnRef idx="1">
+              <a:schemeClr val="accent1"/>
+            </a:lnRef>
+            <a:fillRef idx="0">
+              <a:schemeClr val="accent1"/>
+            </a:fillRef>
+            <a:effectRef idx="0">
+              <a:schemeClr val="accent1"/>
+            </a:effectRef>
+            <a:fontRef idx="minor">
+              <a:schemeClr val="tx1"/>
+            </a:fontRef>
+          </p:style>
+        </p:cxnSp>
+        <p:sp>
+          <p:nvSpPr>
+            <p:cNvPr id="13" name="Rectangle 12">
+              <a:extLst>
+                <a:ext uri="{FF2B5EF4-FFF2-40B4-BE49-F238E27FC236}">
+                  <a16:creationId xmlns:a16="http://schemas.microsoft.com/office/drawing/2014/main" id="{5EB7D2A2-F448-44D4-938C-DC84CBCB3B1E}"/>
+                </a:ext>
+                <a:ext uri="{C183D7F6-B498-43B3-948B-1728B52AA6E4}">
+                  <adec:decorative xmlns:adec="http://schemas.microsoft.com/office/drawing/2017/decorative" val="1"/>
+                </a:ext>
+              </a:extLst>
+            </p:cNvPr>
+            <p:cNvSpPr/>
+            <p:nvPr>
+              <p:extLst>
+                <p:ext uri="{386F3935-93C4-4BCD-93E2-E3B085C9AB24}">
+                  <p16:designElem xmlns:p16="http://schemas.microsoft.com/office/powerpoint/2015/main" val="1"/>
+                </p:ext>
+              </p:extLst>
+            </p:nvPr>
+          </p:nvSpPr>
+          <p:spPr>
+            <a:xfrm>
+              <a:off x="329184" y="-99107"/>
+              <a:ext cx="524256" cy="5631228"/>
+            </a:xfrm>
+            <a:prstGeom prst="rect">
+              <a:avLst/>
+            </a:prstGeom>
+            <a:solidFill>
+              <a:schemeClr val="accent4"/>
+            </a:solidFill>
+            <a:ln>
+              <a:noFill/>
+            </a:ln>
+          </p:spPr>
+          <p:style>
+            <a:lnRef idx="2">
+              <a:schemeClr val="accent1">
+                <a:shade val="50000"/>
+              </a:schemeClr>
+            </a:lnRef>
+            <a:fillRef idx="1">
+              <a:schemeClr val="accent1"/>
+            </a:fillRef>
+            <a:effectRef idx="0">
+              <a:schemeClr val="accent1"/>
+            </a:effectRef>
+            <a:fontRef idx="minor">
+              <a:schemeClr val="lt1"/>
+            </a:fontRef>
+          </p:style>
+          <p:txBody>
+            <a:bodyPr rtlCol="0" anchor="ctr"/>
+            <a:lstStyle/>
+            <a:p>
+              <a:pPr algn="ctr"/>
+              <a:endParaRPr lang="en-US" dirty="0"/>
+            </a:p>
+          </p:txBody>
+        </p:sp>
+      </p:grpSp>
+      <p:sp>
+        <p:nvSpPr>
+          <p:cNvPr id="15" name="Rectangle 14">
+            <a:extLst>
+              <a:ext uri="{FF2B5EF4-FFF2-40B4-BE49-F238E27FC236}">
+                <a16:creationId xmlns:a16="http://schemas.microsoft.com/office/drawing/2014/main" id="{871AEA07-1E14-44B4-8E55-64EF049CD66F}"/>
+              </a:ext>
+              <a:ext uri="{C183D7F6-B498-43B3-948B-1728B52AA6E4}">
+                <adec:decorative xmlns:adec="http://schemas.microsoft.com/office/drawing/2017/decorative" val="1"/>
+              </a:ext>
+            </a:extLst>
+          </p:cNvPr>
+          <p:cNvSpPr>
+            <a:spLocks noGrp="1" noRot="1" noChangeAspect="1" noMove="1" noResize="1" noEditPoints="1" noAdjustHandles="1" noChangeArrowheads="1" noChangeShapeType="1" noTextEdit="1"/>
+          </p:cNvSpPr>
+          <p:nvPr>
+            <p:extLst>
+              <p:ext uri="{386F3935-93C4-4BCD-93E2-E3B085C9AB24}">
+                <p16:designElem xmlns:p16="http://schemas.microsoft.com/office/powerpoint/2015/main" val="1"/>
+              </p:ext>
+            </p:extLst>
+          </p:nvPr>
+        </p:nvSpPr>
+        <p:spPr>
+          <a:xfrm>
+            <a:off x="596464" y="1055718"/>
+            <a:ext cx="10999072" cy="3358344"/>
+          </a:xfrm>
+          <a:prstGeom prst="rect">
+            <a:avLst/>
+          </a:prstGeom>
+          <a:solidFill>
+            <a:schemeClr val="bg1"/>
+          </a:solidFill>
+          <a:ln>
+            <a:noFill/>
+          </a:ln>
+          <a:effectLst>
+            <a:outerShdw blurRad="139700" dist="127000" dir="5400000" algn="t" rotWithShape="0">
+              <a:prstClr val="black">
+                <a:alpha val="15000"/>
+              </a:prstClr>
+            </a:outerShdw>
+          </a:effectLst>
+        </p:spPr>
+        <p:style>
+          <a:lnRef idx="2">
+            <a:schemeClr val="accent1">
+              <a:shade val="50000"/>
+            </a:schemeClr>
+          </a:lnRef>
+          <a:fillRef idx="1">
+            <a:schemeClr val="accent1"/>
+          </a:fillRef>
+          <a:effectRef idx="0">
+            <a:schemeClr val="accent1"/>
+          </a:effectRef>
+          <a:fontRef idx="minor">
+            <a:schemeClr val="lt1"/>
+          </a:fontRef>
+        </p:style>
+        <p:txBody>
+          <a:bodyPr rtlCol="0" anchor="ctr"/>
+          <a:lstStyle/>
+          <a:p>
+            <a:pPr algn="ctr"/>
+            <a:endParaRPr lang="en-US"/>
+          </a:p>
+        </p:txBody>
+      </p:sp>
+      <p:sp>
+        <p:nvSpPr>
+          <p:cNvPr id="2" name="Title 1">
+            <a:extLst>
+              <a:ext uri="{FF2B5EF4-FFF2-40B4-BE49-F238E27FC236}">
+                <a16:creationId xmlns:a16="http://schemas.microsoft.com/office/drawing/2014/main" id="{6A69A247-CB4C-647E-3233-44E4EE9E14BB}"/>
+              </a:ext>
+            </a:extLst>
+          </p:cNvPr>
+          <p:cNvSpPr>
+            <a:spLocks noGrp="1"/>
+          </p:cNvSpPr>
+          <p:nvPr>
+            <p:ph type="ctrTitle"/>
+          </p:nvPr>
+        </p:nvSpPr>
+        <p:spPr>
+          <a:xfrm>
+            <a:off x="1524000" y="1584683"/>
+            <a:ext cx="9144000" cy="2551829"/>
           </a:xfrm>
         </p:spPr>
         <p:txBody>
-          <a:bodyPr>
-            <a:normAutofit lnSpcReduction="10000"/>
+          <a:bodyPr anchor="ctr">
+            <a:normAutofit/>
           </a:bodyPr>
           <a:lstStyle/>
           <a:p>
             <a:r>
-              <a:rPr lang="en-US" dirty="0"/>
+              <a:rPr lang="en-US" sz="5600"/>
+              <a:t>Can an ARL Agent Outperform EGT Populations in a Simulated Market?</a:t>
+            </a:r>
+          </a:p>
+        </p:txBody>
+      </p:sp>
+      <p:sp>
+        <p:nvSpPr>
+          <p:cNvPr id="3" name="Subtitle 2">
+            <a:extLst>
+              <a:ext uri="{FF2B5EF4-FFF2-40B4-BE49-F238E27FC236}">
+                <a16:creationId xmlns:a16="http://schemas.microsoft.com/office/drawing/2014/main" id="{D1B84906-9D30-7164-FCFB-21ED43ABD301}"/>
+              </a:ext>
+            </a:extLst>
+          </p:cNvPr>
+          <p:cNvSpPr>
+            <a:spLocks noGrp="1"/>
+          </p:cNvSpPr>
+          <p:nvPr>
+            <p:ph type="subTitle" idx="1"/>
+          </p:nvPr>
+        </p:nvSpPr>
+        <p:spPr>
+          <a:xfrm>
+            <a:off x="1524000" y="4473753"/>
+            <a:ext cx="9144000" cy="1182135"/>
+          </a:xfrm>
+        </p:spPr>
+        <p:txBody>
+          <a:bodyPr anchor="ctr">
+            <a:normAutofit/>
+          </a:bodyPr>
+          <a:lstStyle/>
+          <a:p>
+            <a:r>
+              <a:rPr lang="en-US" sz="2600" dirty="0"/>
               <a:t>Rithwak Somepalli</a:t>
             </a:r>
           </a:p>
           <a:p>
             <a:r>
-              <a:rPr lang="en-US" dirty="0"/>
+              <a:rPr lang="en-US" sz="2600" dirty="0"/>
               <a:t>Praneeth Rangarajan</a:t>
             </a:r>
           </a:p>
@@ -3607,205 +5579,6 @@
           </a:p>
         </p:txBody>
       </p:sp>
-      <p:sp>
-        <p:nvSpPr>
-          <p:cNvPr id="5" name="Subtitle 2">
-            <a:extLst>
-              <a:ext uri="{FF2B5EF4-FFF2-40B4-BE49-F238E27FC236}">
-                <a16:creationId xmlns:a16="http://schemas.microsoft.com/office/drawing/2014/main" id="{7091FCEB-18FF-7E34-8E17-E17456A20F7E}"/>
-              </a:ext>
-            </a:extLst>
-          </p:cNvPr>
-          <p:cNvSpPr txBox="1">
-            <a:spLocks/>
-          </p:cNvSpPr>
-          <p:nvPr/>
-        </p:nvSpPr>
-        <p:spPr>
-          <a:xfrm>
-            <a:off x="5743448" y="3754438"/>
-            <a:ext cx="3722285" cy="888206"/>
-          </a:xfrm>
-          <a:prstGeom prst="rect">
-            <a:avLst/>
-          </a:prstGeom>
-        </p:spPr>
-        <p:txBody>
-          <a:bodyPr vert="horz" lIns="91440" tIns="45720" rIns="91440" bIns="45720" rtlCol="0">
-            <a:normAutofit fontScale="85000" lnSpcReduction="10000"/>
-          </a:bodyPr>
-          <a:lstStyle>
-            <a:lvl1pPr marL="0" indent="0" algn="ctr" defTabSz="914400" rtl="0" eaLnBrk="1" latinLnBrk="0" hangingPunct="1">
-              <a:lnSpc>
-                <a:spcPct val="90000"/>
-              </a:lnSpc>
-              <a:spcBef>
-                <a:spcPts val="1000"/>
-              </a:spcBef>
-              <a:buFont typeface="Arial" panose="020B0604020202020204" pitchFamily="34" charset="0"/>
-              <a:buNone/>
-              <a:defRPr sz="2400" kern="1200">
-                <a:solidFill>
-                  <a:schemeClr val="tx1"/>
-                </a:solidFill>
-                <a:latin typeface="+mn-lt"/>
-                <a:ea typeface="+mn-ea"/>
-                <a:cs typeface="+mn-cs"/>
-              </a:defRPr>
-            </a:lvl1pPr>
-            <a:lvl2pPr marL="457200" indent="0" algn="ctr" defTabSz="914400" rtl="0" eaLnBrk="1" latinLnBrk="0" hangingPunct="1">
-              <a:lnSpc>
-                <a:spcPct val="90000"/>
-              </a:lnSpc>
-              <a:spcBef>
-                <a:spcPts val="500"/>
-              </a:spcBef>
-              <a:buFont typeface="Arial" panose="020B0604020202020204" pitchFamily="34" charset="0"/>
-              <a:buNone/>
-              <a:defRPr sz="2000" kern="1200">
-                <a:solidFill>
-                  <a:schemeClr val="tx1"/>
-                </a:solidFill>
-                <a:latin typeface="+mn-lt"/>
-                <a:ea typeface="+mn-ea"/>
-                <a:cs typeface="+mn-cs"/>
-              </a:defRPr>
-            </a:lvl2pPr>
-            <a:lvl3pPr marL="914400" indent="0" algn="ctr" defTabSz="914400" rtl="0" eaLnBrk="1" latinLnBrk="0" hangingPunct="1">
-              <a:lnSpc>
-                <a:spcPct val="90000"/>
-              </a:lnSpc>
-              <a:spcBef>
-                <a:spcPts val="500"/>
-              </a:spcBef>
-              <a:buFont typeface="Arial" panose="020B0604020202020204" pitchFamily="34" charset="0"/>
-              <a:buNone/>
-              <a:defRPr sz="1800" kern="1200">
-                <a:solidFill>
-                  <a:schemeClr val="tx1"/>
-                </a:solidFill>
-                <a:latin typeface="+mn-lt"/>
-                <a:ea typeface="+mn-ea"/>
-                <a:cs typeface="+mn-cs"/>
-              </a:defRPr>
-            </a:lvl3pPr>
-            <a:lvl4pPr marL="1371600" indent="0" algn="ctr" defTabSz="914400" rtl="0" eaLnBrk="1" latinLnBrk="0" hangingPunct="1">
-              <a:lnSpc>
-                <a:spcPct val="90000"/>
-              </a:lnSpc>
-              <a:spcBef>
-                <a:spcPts val="500"/>
-              </a:spcBef>
-              <a:buFont typeface="Arial" panose="020B0604020202020204" pitchFamily="34" charset="0"/>
-              <a:buNone/>
-              <a:defRPr sz="1600" kern="1200">
-                <a:solidFill>
-                  <a:schemeClr val="tx1"/>
-                </a:solidFill>
-                <a:latin typeface="+mn-lt"/>
-                <a:ea typeface="+mn-ea"/>
-                <a:cs typeface="+mn-cs"/>
-              </a:defRPr>
-            </a:lvl4pPr>
-            <a:lvl5pPr marL="1828800" indent="0" algn="ctr" defTabSz="914400" rtl="0" eaLnBrk="1" latinLnBrk="0" hangingPunct="1">
-              <a:lnSpc>
-                <a:spcPct val="90000"/>
-              </a:lnSpc>
-              <a:spcBef>
-                <a:spcPts val="500"/>
-              </a:spcBef>
-              <a:buFont typeface="Arial" panose="020B0604020202020204" pitchFamily="34" charset="0"/>
-              <a:buNone/>
-              <a:defRPr sz="1600" kern="1200">
-                <a:solidFill>
-                  <a:schemeClr val="tx1"/>
-                </a:solidFill>
-                <a:latin typeface="+mn-lt"/>
-                <a:ea typeface="+mn-ea"/>
-                <a:cs typeface="+mn-cs"/>
-              </a:defRPr>
-            </a:lvl5pPr>
-            <a:lvl6pPr marL="2286000" indent="0" algn="ctr" defTabSz="914400" rtl="0" eaLnBrk="1" latinLnBrk="0" hangingPunct="1">
-              <a:lnSpc>
-                <a:spcPct val="90000"/>
-              </a:lnSpc>
-              <a:spcBef>
-                <a:spcPts val="500"/>
-              </a:spcBef>
-              <a:buFont typeface="Arial" panose="020B0604020202020204" pitchFamily="34" charset="0"/>
-              <a:buNone/>
-              <a:defRPr sz="1600" kern="1200">
-                <a:solidFill>
-                  <a:schemeClr val="tx1"/>
-                </a:solidFill>
-                <a:latin typeface="+mn-lt"/>
-                <a:ea typeface="+mn-ea"/>
-                <a:cs typeface="+mn-cs"/>
-              </a:defRPr>
-            </a:lvl6pPr>
-            <a:lvl7pPr marL="2743200" indent="0" algn="ctr" defTabSz="914400" rtl="0" eaLnBrk="1" latinLnBrk="0" hangingPunct="1">
-              <a:lnSpc>
-                <a:spcPct val="90000"/>
-              </a:lnSpc>
-              <a:spcBef>
-                <a:spcPts val="500"/>
-              </a:spcBef>
-              <a:buFont typeface="Arial" panose="020B0604020202020204" pitchFamily="34" charset="0"/>
-              <a:buNone/>
-              <a:defRPr sz="1600" kern="1200">
-                <a:solidFill>
-                  <a:schemeClr val="tx1"/>
-                </a:solidFill>
-                <a:latin typeface="+mn-lt"/>
-                <a:ea typeface="+mn-ea"/>
-                <a:cs typeface="+mn-cs"/>
-              </a:defRPr>
-            </a:lvl7pPr>
-            <a:lvl8pPr marL="3200400" indent="0" algn="ctr" defTabSz="914400" rtl="0" eaLnBrk="1" latinLnBrk="0" hangingPunct="1">
-              <a:lnSpc>
-                <a:spcPct val="90000"/>
-              </a:lnSpc>
-              <a:spcBef>
-                <a:spcPts val="500"/>
-              </a:spcBef>
-              <a:buFont typeface="Arial" panose="020B0604020202020204" pitchFamily="34" charset="0"/>
-              <a:buNone/>
-              <a:defRPr sz="1600" kern="1200">
-                <a:solidFill>
-                  <a:schemeClr val="tx1"/>
-                </a:solidFill>
-                <a:latin typeface="+mn-lt"/>
-                <a:ea typeface="+mn-ea"/>
-                <a:cs typeface="+mn-cs"/>
-              </a:defRPr>
-            </a:lvl8pPr>
-            <a:lvl9pPr marL="3657600" indent="0" algn="ctr" defTabSz="914400" rtl="0" eaLnBrk="1" latinLnBrk="0" hangingPunct="1">
-              <a:lnSpc>
-                <a:spcPct val="90000"/>
-              </a:lnSpc>
-              <a:spcBef>
-                <a:spcPts val="500"/>
-              </a:spcBef>
-              <a:buFont typeface="Arial" panose="020B0604020202020204" pitchFamily="34" charset="0"/>
-              <a:buNone/>
-              <a:defRPr sz="1600" kern="1200">
-                <a:solidFill>
-                  <a:schemeClr val="tx1"/>
-                </a:solidFill>
-                <a:latin typeface="+mn-lt"/>
-                <a:ea typeface="+mn-ea"/>
-                <a:cs typeface="+mn-cs"/>
-              </a:defRPr>
-            </a:lvl9pPr>
-          </a:lstStyle>
-          <a:p>
-            <a:r>
-              <a:rPr lang="en-US" dirty="0"/>
-              <a:t>Using Financial Markets to Test Deep Reinforcement Learning against Adaptive Adversaries</a:t>
-            </a:r>
-          </a:p>
-        </p:txBody>
-      </p:sp>
     </p:spTree>
     <p:extLst>
       <p:ext uri="{BB962C8B-B14F-4D97-AF65-F5344CB8AC3E}">
@@ -3832,7 +5605,13 @@
     </p:bg>
     <p:spTree>
       <p:nvGrpSpPr>
-        <p:cNvPr id="1" name=""/>
+        <p:cNvPr id="1" name="">
+          <a:extLst>
+            <a:ext uri="{FF2B5EF4-FFF2-40B4-BE49-F238E27FC236}">
+              <a16:creationId xmlns:a16="http://schemas.microsoft.com/office/drawing/2014/main" id="{E14BE7F4-4A37-BDE2-AE94-CB4CDDD9D550}"/>
+            </a:ext>
+          </a:extLst>
+        </p:cNvPr>
         <p:cNvGrpSpPr/>
         <p:nvPr/>
       </p:nvGrpSpPr>
@@ -3846,10 +5625,10 @@
       </p:grpSpPr>
       <p:sp useBgFill="1">
         <p:nvSpPr>
-          <p:cNvPr id="17" name="Rectangle 16">
-            <a:extLst>
-              <a:ext uri="{FF2B5EF4-FFF2-40B4-BE49-F238E27FC236}">
-                <a16:creationId xmlns:a16="http://schemas.microsoft.com/office/drawing/2014/main" id="{26CAED0A-2A45-4C9C-BCDD-21A8A092C5F3}"/>
+          <p:cNvPr id="8" name="Rectangle 7">
+            <a:extLst>
+              <a:ext uri="{FF2B5EF4-FFF2-40B4-BE49-F238E27FC236}">
+                <a16:creationId xmlns:a16="http://schemas.microsoft.com/office/drawing/2014/main" id="{510CBB79-57EA-72FE-51C0-9FE61E12913F}"/>
               </a:ext>
               <a:ext uri="{C183D7F6-B498-43B3-948B-1728B52AA6E4}">
                 <adec:decorative xmlns:adec="http://schemas.microsoft.com/office/drawing/2017/decorative" val="1"/>
@@ -3909,7 +5688,7 @@
           <p:cNvPr id="2" name="Title 1">
             <a:extLst>
               <a:ext uri="{FF2B5EF4-FFF2-40B4-BE49-F238E27FC236}">
-                <a16:creationId xmlns:a16="http://schemas.microsoft.com/office/drawing/2014/main" id="{E77E6457-C4FF-4ADE-3F64-46F4A82DB9E2}"/>
+                <a16:creationId xmlns:a16="http://schemas.microsoft.com/office/drawing/2014/main" id="{EC548DE2-0A9D-D7BD-C282-547BE017CDF5}"/>
               </a:ext>
             </a:extLst>
           </p:cNvPr>
@@ -3922,45 +5701,39 @@
         </p:nvSpPr>
         <p:spPr>
           <a:xfrm>
-            <a:off x="793662" y="386930"/>
-            <a:ext cx="10066122" cy="1298448"/>
+            <a:off x="808638" y="386930"/>
+            <a:ext cx="9236700" cy="1188950"/>
           </a:xfrm>
         </p:spPr>
         <p:txBody>
-          <a:bodyPr vert="horz" lIns="91440" tIns="45720" rIns="91440" bIns="45720" rtlCol="0" anchor="b">
+          <a:bodyPr anchor="b">
             <a:normAutofit/>
           </a:bodyPr>
           <a:lstStyle/>
           <a:p>
             <a:r>
-              <a:rPr lang="en-US" sz="4800" b="1" kern="1200">
-                <a:solidFill>
-                  <a:schemeClr val="tx1"/>
-                </a:solidFill>
-                <a:latin typeface="+mj-lt"/>
-                <a:ea typeface="+mj-ea"/>
-                <a:cs typeface="+mj-cs"/>
-              </a:rPr>
-              <a:t>Risk Profile &amp; Return Distribution</a:t>
-            </a:r>
-          </a:p>
-        </p:txBody>
-      </p:sp>
-      <p:sp>
-        <p:nvSpPr>
-          <p:cNvPr id="19" name="Rectangle 18">
-            <a:extLst>
-              <a:ext uri="{FF2B5EF4-FFF2-40B4-BE49-F238E27FC236}">
-                <a16:creationId xmlns:a16="http://schemas.microsoft.com/office/drawing/2014/main" id="{3A9A4357-BD1D-4622-A4FE-766E6AB8DE84}"/>
+              <a:rPr lang="af-ZA" sz="4600" b="1" dirty="0"/>
+              <a:t>Results (continued)</a:t>
+            </a:r>
+            <a:endParaRPr lang="en-US" sz="4600" dirty="0"/>
+          </a:p>
+        </p:txBody>
+      </p:sp>
+      <p:grpSp>
+        <p:nvGrpSpPr>
+          <p:cNvPr id="10" name="Group 9">
+            <a:extLst>
+              <a:ext uri="{FF2B5EF4-FFF2-40B4-BE49-F238E27FC236}">
+                <a16:creationId xmlns:a16="http://schemas.microsoft.com/office/drawing/2014/main" id="{A1C60D5F-7129-DC58-E722-84F25BBEAF77}"/>
               </a:ext>
               <a:ext uri="{C183D7F6-B498-43B3-948B-1728B52AA6E4}">
                 <adec:decorative xmlns:adec="http://schemas.microsoft.com/office/drawing/2017/decorative" val="1"/>
               </a:ext>
             </a:extLst>
           </p:cNvPr>
-          <p:cNvSpPr>
-            <a:spLocks noGrp="1" noRot="1" noChangeAspect="1" noMove="1" noResize="1" noEditPoints="1" noAdjustHandles="1" noChangeArrowheads="1" noChangeShapeType="1" noTextEdit="1"/>
-          </p:cNvSpPr>
+          <p:cNvGrpSpPr>
+            <a:grpSpLocks noGrp="1" noUngrp="1" noRot="1" noChangeAspect="1" noMove="1" noResize="1"/>
+          </p:cNvGrpSpPr>
           <p:nvPr>
             <p:extLst>
               <p:ext uri="{386F3935-93C4-4BCD-93E2-E3B085C9AB24}">
@@ -3968,53 +5741,144 @@
               </p:ext>
             </p:extLst>
           </p:nvPr>
-        </p:nvSpPr>
-        <p:spPr>
-          <a:xfrm flipH="1" flipV="1">
-            <a:off x="-2" y="1998845"/>
-            <a:ext cx="11454595" cy="781699"/>
+        </p:nvGrpSpPr>
+        <p:grpSpPr>
+          <a:xfrm>
+            <a:off x="-2" y="1998368"/>
+            <a:ext cx="11695083" cy="782176"/>
+            <a:chOff x="-2" y="1998368"/>
+            <a:chExt cx="11695083" cy="782176"/>
           </a:xfrm>
-          <a:prstGeom prst="rect">
-            <a:avLst/>
-          </a:prstGeom>
-          <a:solidFill>
-            <a:schemeClr val="accent4"/>
-          </a:solidFill>
-          <a:ln>
-            <a:noFill/>
-          </a:ln>
-        </p:spPr>
-        <p:style>
-          <a:lnRef idx="2">
-            <a:schemeClr val="accent1">
-              <a:shade val="50000"/>
-            </a:schemeClr>
-          </a:lnRef>
-          <a:fillRef idx="1">
-            <a:schemeClr val="accent1"/>
-          </a:fillRef>
-          <a:effectRef idx="0">
-            <a:schemeClr val="accent1"/>
-          </a:effectRef>
-          <a:fontRef idx="minor">
-            <a:schemeClr val="lt1"/>
-          </a:fontRef>
-        </p:style>
-        <p:txBody>
-          <a:bodyPr rtlCol="0" anchor="ctr"/>
-          <a:lstStyle/>
-          <a:p>
-            <a:pPr algn="ctr"/>
-            <a:endParaRPr lang="en-US"/>
-          </a:p>
-        </p:txBody>
-      </p:sp>
-      <p:sp>
-        <p:nvSpPr>
-          <p:cNvPr id="21" name="Rectangle 20">
-            <a:extLst>
-              <a:ext uri="{FF2B5EF4-FFF2-40B4-BE49-F238E27FC236}">
-                <a16:creationId xmlns:a16="http://schemas.microsoft.com/office/drawing/2014/main" id="{E659831F-0D9A-4C63-9EBB-8435B85A440F}"/>
+        </p:grpSpPr>
+        <p:sp>
+          <p:nvSpPr>
+            <p:cNvPr id="11" name="Rectangle 10">
+              <a:extLst>
+                <a:ext uri="{FF2B5EF4-FFF2-40B4-BE49-F238E27FC236}">
+                  <a16:creationId xmlns:a16="http://schemas.microsoft.com/office/drawing/2014/main" id="{F5B295F5-2DEB-1174-15FE-4593B520BF73}"/>
+                </a:ext>
+                <a:ext uri="{C183D7F6-B498-43B3-948B-1728B52AA6E4}">
+                  <adec:decorative xmlns:adec="http://schemas.microsoft.com/office/drawing/2017/decorative" val="1"/>
+                </a:ext>
+              </a:extLst>
+            </p:cNvPr>
+            <p:cNvSpPr/>
+            <p:nvPr>
+              <p:extLst>
+                <p:ext uri="{386F3935-93C4-4BCD-93E2-E3B085C9AB24}">
+                  <p16:designElem xmlns:p16="http://schemas.microsoft.com/office/powerpoint/2015/main" val="1"/>
+                </p:ext>
+              </p:extLst>
+            </p:nvPr>
+          </p:nvSpPr>
+          <p:spPr>
+            <a:xfrm rot="5400000">
+              <a:off x="11228040" y="2313027"/>
+              <a:ext cx="781700" cy="152382"/>
+            </a:xfrm>
+            <a:prstGeom prst="rect">
+              <a:avLst/>
+            </a:prstGeom>
+            <a:solidFill>
+              <a:schemeClr val="accent4"/>
+            </a:solidFill>
+            <a:ln>
+              <a:noFill/>
+            </a:ln>
+          </p:spPr>
+          <p:style>
+            <a:lnRef idx="2">
+              <a:schemeClr val="accent1">
+                <a:shade val="50000"/>
+              </a:schemeClr>
+            </a:lnRef>
+            <a:fillRef idx="1">
+              <a:schemeClr val="accent1"/>
+            </a:fillRef>
+            <a:effectRef idx="0">
+              <a:schemeClr val="accent1"/>
+            </a:effectRef>
+            <a:fontRef idx="minor">
+              <a:schemeClr val="lt1"/>
+            </a:fontRef>
+          </p:style>
+          <p:txBody>
+            <a:bodyPr rtlCol="0" anchor="ctr"/>
+            <a:lstStyle/>
+            <a:p>
+              <a:pPr algn="ctr"/>
+              <a:endParaRPr lang="en-US"/>
+            </a:p>
+          </p:txBody>
+        </p:sp>
+        <p:sp>
+          <p:nvSpPr>
+            <p:cNvPr id="12" name="Rectangle 11">
+              <a:extLst>
+                <a:ext uri="{FF2B5EF4-FFF2-40B4-BE49-F238E27FC236}">
+                  <a16:creationId xmlns:a16="http://schemas.microsoft.com/office/drawing/2014/main" id="{41A861FC-494B-6065-3691-F80FD8817862}"/>
+                </a:ext>
+                <a:ext uri="{C183D7F6-B498-43B3-948B-1728B52AA6E4}">
+                  <adec:decorative xmlns:adec="http://schemas.microsoft.com/office/drawing/2017/decorative" val="1"/>
+                </a:ext>
+              </a:extLst>
+            </p:cNvPr>
+            <p:cNvSpPr/>
+            <p:nvPr>
+              <p:extLst>
+                <p:ext uri="{386F3935-93C4-4BCD-93E2-E3B085C9AB24}">
+                  <p16:designElem xmlns:p16="http://schemas.microsoft.com/office/powerpoint/2015/main" val="1"/>
+                </p:ext>
+              </p:extLst>
+            </p:nvPr>
+          </p:nvSpPr>
+          <p:spPr>
+            <a:xfrm flipH="1" flipV="1">
+              <a:off x="-2" y="1998845"/>
+              <a:ext cx="11454595" cy="781699"/>
+            </a:xfrm>
+            <a:prstGeom prst="rect">
+              <a:avLst/>
+            </a:prstGeom>
+            <a:solidFill>
+              <a:schemeClr val="accent4"/>
+            </a:solidFill>
+            <a:ln>
+              <a:noFill/>
+            </a:ln>
+          </p:spPr>
+          <p:style>
+            <a:lnRef idx="2">
+              <a:schemeClr val="accent1">
+                <a:shade val="50000"/>
+              </a:schemeClr>
+            </a:lnRef>
+            <a:fillRef idx="1">
+              <a:schemeClr val="accent1"/>
+            </a:fillRef>
+            <a:effectRef idx="0">
+              <a:schemeClr val="accent1"/>
+            </a:effectRef>
+            <a:fontRef idx="minor">
+              <a:schemeClr val="lt1"/>
+            </a:fontRef>
+          </p:style>
+          <p:txBody>
+            <a:bodyPr rtlCol="0" anchor="ctr"/>
+            <a:lstStyle/>
+            <a:p>
+              <a:pPr algn="ctr"/>
+              <a:endParaRPr lang="en-US"/>
+            </a:p>
+          </p:txBody>
+        </p:sp>
+      </p:grpSp>
+      <p:sp>
+        <p:nvSpPr>
+          <p:cNvPr id="14" name="Rectangle 13">
+            <a:extLst>
+              <a:ext uri="{FF2B5EF4-FFF2-40B4-BE49-F238E27FC236}">
+                <a16:creationId xmlns:a16="http://schemas.microsoft.com/office/drawing/2014/main" id="{A88BD134-D570-B0E0-1F02-BB8790AD30D3}"/>
               </a:ext>
               <a:ext uri="{C183D7F6-B498-43B3-948B-1728B52AA6E4}">
                 <adec:decorative xmlns:adec="http://schemas.microsoft.com/office/drawing/2017/decorative" val="1"/>
@@ -4035,7 +5899,7 @@
         <p:spPr>
           <a:xfrm>
             <a:off x="0" y="2203079"/>
-            <a:ext cx="11383362" cy="4267991"/>
+            <a:ext cx="11383362" cy="4147845"/>
           </a:xfrm>
           <a:prstGeom prst="rect">
             <a:avLst/>
@@ -4081,207 +5945,61 @@
       </p:sp>
       <p:sp>
         <p:nvSpPr>
-          <p:cNvPr id="12" name="TextBox 11">
-            <a:extLst>
-              <a:ext uri="{FF2B5EF4-FFF2-40B4-BE49-F238E27FC236}">
-                <a16:creationId xmlns:a16="http://schemas.microsoft.com/office/drawing/2014/main" id="{2ADAFF66-64D9-C27E-A480-7FB701E80F16}"/>
-              </a:ext>
-            </a:extLst>
-          </p:cNvPr>
-          <p:cNvSpPr txBox="1"/>
-          <p:nvPr/>
+          <p:cNvPr id="3" name="Content Placeholder 2">
+            <a:extLst>
+              <a:ext uri="{FF2B5EF4-FFF2-40B4-BE49-F238E27FC236}">
+                <a16:creationId xmlns:a16="http://schemas.microsoft.com/office/drawing/2014/main" id="{E7E997FF-C878-B61B-B3C3-130D90585FFC}"/>
+              </a:ext>
+            </a:extLst>
+          </p:cNvPr>
+          <p:cNvSpPr>
+            <a:spLocks noGrp="1"/>
+          </p:cNvSpPr>
+          <p:nvPr>
+            <p:ph idx="1"/>
+          </p:nvPr>
         </p:nvSpPr>
         <p:spPr>
           <a:xfrm>
             <a:off x="793660" y="2599509"/>
-            <a:ext cx="4160725" cy="3598989"/>
+            <a:ext cx="10119873" cy="3435531"/>
           </a:xfrm>
-          <a:prstGeom prst="rect">
-            <a:avLst/>
-          </a:prstGeom>
         </p:spPr>
         <p:txBody>
-          <a:bodyPr vert="horz" lIns="91440" tIns="45720" rIns="91440" bIns="45720" rtlCol="0" anchor="ctr">
+          <a:bodyPr anchor="ctr">
             <a:normAutofit/>
           </a:bodyPr>
           <a:lstStyle/>
           <a:p>
-            <a:pPr marL="285750" indent="-228600">
-              <a:lnSpc>
-                <a:spcPct val="90000"/>
-              </a:lnSpc>
-              <a:spcAft>
-                <a:spcPts val="600"/>
-              </a:spcAft>
-              <a:buFont typeface="Arial" panose="020B0604020202020204" pitchFamily="34" charset="0"/>
-              <a:buChar char="•"/>
-            </a:pPr>
-            <a:r>
-              <a:rPr lang="en-US" sz="2000"/>
-              <a:t>Maximum drawdown remained low due to inventory-aware safeguards. </a:t>
-            </a:r>
-          </a:p>
-          <a:p>
-            <a:pPr marL="285750" indent="-228600">
-              <a:lnSpc>
-                <a:spcPct val="90000"/>
-              </a:lnSpc>
-              <a:spcAft>
-                <a:spcPts val="600"/>
-              </a:spcAft>
-              <a:buFont typeface="Arial" panose="020B0604020202020204" pitchFamily="34" charset="0"/>
-              <a:buChar char="•"/>
-            </a:pPr>
-            <a:r>
-              <a:rPr lang="en-US" sz="2000"/>
-              <a:t>Return distribution is positively skewed; tail risks are suppressed.</a:t>
-            </a:r>
-          </a:p>
-        </p:txBody>
-      </p:sp>
-      <p:pic>
-        <p:nvPicPr>
-          <p:cNvPr id="11" name="Picture 10" descr="A diagram of a distribution of step returns&#10;&#10;AI-generated content may be incorrect.">
-            <a:extLst>
-              <a:ext uri="{FF2B5EF4-FFF2-40B4-BE49-F238E27FC236}">
-                <a16:creationId xmlns:a16="http://schemas.microsoft.com/office/drawing/2014/main" id="{04C8F6B4-E99E-230D-EFA9-63C8E4E9D9E9}"/>
-              </a:ext>
-            </a:extLst>
-          </p:cNvPr>
-          <p:cNvPicPr>
-            <a:picLocks noChangeAspect="1"/>
-          </p:cNvPicPr>
-          <p:nvPr/>
-        </p:nvPicPr>
-        <p:blipFill>
-          <a:blip r:embed="rId2">
-            <a:extLst>
-              <a:ext uri="{28A0092B-C50C-407E-A947-70E740481C1C}">
-                <a14:useLocalDpi xmlns:a14="http://schemas.microsoft.com/office/drawing/2010/main" val="0"/>
-              </a:ext>
-            </a:extLst>
-          </a:blip>
-          <a:srcRect l="18722" r="24778" b="4"/>
-          <a:stretch>
-            <a:fillRect/>
-          </a:stretch>
-        </p:blipFill>
-        <p:spPr>
-          <a:xfrm>
-            <a:off x="5418759" y="2559047"/>
-            <a:ext cx="2741805" cy="3639451"/>
-          </a:xfrm>
-          <a:prstGeom prst="rect">
-            <a:avLst/>
-          </a:prstGeom>
-        </p:spPr>
-      </p:pic>
-      <p:pic>
-        <p:nvPicPr>
-          <p:cNvPr id="9" name="Content Placeholder 8" descr="A graph showing a graph&#10;&#10;AI-generated content may be incorrect.">
-            <a:extLst>
-              <a:ext uri="{FF2B5EF4-FFF2-40B4-BE49-F238E27FC236}">
-                <a16:creationId xmlns:a16="http://schemas.microsoft.com/office/drawing/2014/main" id="{A0841157-F5AB-0774-7BAC-CE7B4C1A230C}"/>
-              </a:ext>
-            </a:extLst>
-          </p:cNvPr>
-          <p:cNvPicPr>
-            <a:picLocks noGrp="1" noChangeAspect="1"/>
-          </p:cNvPicPr>
-          <p:nvPr>
-            <p:ph idx="1"/>
-          </p:nvPr>
-        </p:nvPicPr>
-        <p:blipFill>
-          <a:blip r:embed="rId3">
-            <a:extLst>
-              <a:ext uri="{28A0092B-C50C-407E-A947-70E740481C1C}">
-                <a14:useLocalDpi xmlns:a14="http://schemas.microsoft.com/office/drawing/2010/main" val="0"/>
-              </a:ext>
-            </a:extLst>
-          </a:blip>
-          <a:srcRect l="32048" r="11415" b="4"/>
-          <a:stretch>
-            <a:fillRect/>
-          </a:stretch>
-        </p:blipFill>
-        <p:spPr>
-          <a:xfrm>
-            <a:off x="8412616" y="2559047"/>
-            <a:ext cx="2743620" cy="3639451"/>
-          </a:xfrm>
-          <a:prstGeom prst="rect">
-            <a:avLst/>
-          </a:prstGeom>
-        </p:spPr>
-      </p:pic>
-      <p:sp>
-        <p:nvSpPr>
-          <p:cNvPr id="23" name="Rectangle 22">
-            <a:extLst>
-              <a:ext uri="{FF2B5EF4-FFF2-40B4-BE49-F238E27FC236}">
-                <a16:creationId xmlns:a16="http://schemas.microsoft.com/office/drawing/2014/main" id="{E6995CE5-F890-4ABA-82A2-26507CE8D2A3}"/>
-              </a:ext>
-              <a:ext uri="{C183D7F6-B498-43B3-948B-1728B52AA6E4}">
-                <adec:decorative xmlns:adec="http://schemas.microsoft.com/office/drawing/2017/decorative" val="1"/>
-              </a:ext>
-            </a:extLst>
-          </p:cNvPr>
-          <p:cNvSpPr>
-            <a:spLocks noGrp="1" noRot="1" noChangeAspect="1" noMove="1" noResize="1" noEditPoints="1" noAdjustHandles="1" noChangeArrowheads="1" noChangeShapeType="1" noTextEdit="1"/>
-          </p:cNvSpPr>
-          <p:nvPr>
-            <p:extLst>
-              <p:ext uri="{386F3935-93C4-4BCD-93E2-E3B085C9AB24}">
-                <p16:designElem xmlns:p16="http://schemas.microsoft.com/office/powerpoint/2015/main" val="1"/>
-              </p:ext>
-            </p:extLst>
-          </p:nvPr>
-        </p:nvSpPr>
-        <p:spPr>
-          <a:xfrm rot="5400000">
-            <a:off x="11228040" y="2313027"/>
-            <a:ext cx="781700" cy="152382"/>
-          </a:xfrm>
-          <a:prstGeom prst="rect">
-            <a:avLst/>
-          </a:prstGeom>
-          <a:solidFill>
-            <a:schemeClr val="accent4"/>
-          </a:solidFill>
-          <a:ln>
-            <a:noFill/>
-          </a:ln>
-        </p:spPr>
-        <p:style>
-          <a:lnRef idx="2">
-            <a:schemeClr val="accent1">
-              <a:shade val="50000"/>
-            </a:schemeClr>
-          </a:lnRef>
-          <a:fillRef idx="1">
-            <a:schemeClr val="accent1"/>
-          </a:fillRef>
-          <a:effectRef idx="0">
-            <a:schemeClr val="accent1"/>
-          </a:effectRef>
-          <a:fontRef idx="minor">
-            <a:schemeClr val="lt1"/>
-          </a:fontRef>
-        </p:style>
-        <p:txBody>
-          <a:bodyPr rtlCol="0" anchor="ctr"/>
-          <a:lstStyle/>
-          <a:p>
-            <a:pPr algn="ctr"/>
-            <a:endParaRPr lang="en-US"/>
+            <a:r>
+              <a:rPr lang="en-US" sz="2000" dirty="0"/>
+              <a:t>The "Spread Width" plot shows spikes (red lines) matching periods of high volatility.</a:t>
+            </a:r>
+          </a:p>
+          <a:p>
+            <a:r>
+              <a:rPr lang="en-US" sz="2000" dirty="0"/>
+              <a:t>The "Epsilon" line (grey) shows the transition from random exploration to exploiting learned knowledge.</a:t>
+            </a:r>
+          </a:p>
+          <a:p>
+            <a:r>
+              <a:rPr lang="en-US" sz="2000" dirty="0"/>
+              <a:t>The Policy Distribution shows a preference for tight spreads (0.2/0.4) to capture volume, but retains wide spreads for safety.</a:t>
+            </a:r>
+          </a:p>
+          <a:p>
+            <a:r>
+              <a:rPr lang="en-US" sz="2000" dirty="0"/>
+              <a:t>The AI learned "Context-Dependent Tactics." It acts like a human market maker: tight spreads when calm, wide spreads when scared. </a:t>
+            </a:r>
           </a:p>
         </p:txBody>
       </p:sp>
     </p:spTree>
     <p:extLst>
       <p:ext uri="{BB962C8B-B14F-4D97-AF65-F5344CB8AC3E}">
-        <p14:creationId xmlns:p14="http://schemas.microsoft.com/office/powerpoint/2010/main" val="3799872161"/>
+        <p14:creationId xmlns:p14="http://schemas.microsoft.com/office/powerpoint/2010/main" val="727695004"/>
       </p:ext>
     </p:extLst>
   </p:cSld>
@@ -4304,7 +6022,13 @@
     </p:bg>
     <p:spTree>
       <p:nvGrpSpPr>
-        <p:cNvPr id="1" name=""/>
+        <p:cNvPr id="1" name="">
+          <a:extLst>
+            <a:ext uri="{FF2B5EF4-FFF2-40B4-BE49-F238E27FC236}">
+              <a16:creationId xmlns:a16="http://schemas.microsoft.com/office/drawing/2014/main" id="{B257B853-2B7D-E8F8-FDE9-C556A5D54CD4}"/>
+            </a:ext>
+          </a:extLst>
+        </p:cNvPr>
         <p:cNvGrpSpPr/>
         <p:nvPr/>
       </p:nvGrpSpPr>
@@ -4318,10 +6042,10 @@
       </p:grpSpPr>
       <p:sp useBgFill="1">
         <p:nvSpPr>
-          <p:cNvPr id="10" name="Rectangle 9">
-            <a:extLst>
-              <a:ext uri="{FF2B5EF4-FFF2-40B4-BE49-F238E27FC236}">
-                <a16:creationId xmlns:a16="http://schemas.microsoft.com/office/drawing/2014/main" id="{058A14AF-9FB5-4CC7-BA35-E8E85D3EDF0E}"/>
+          <p:cNvPr id="8" name="Rectangle 7">
+            <a:extLst>
+              <a:ext uri="{FF2B5EF4-FFF2-40B4-BE49-F238E27FC236}">
+                <a16:creationId xmlns:a16="http://schemas.microsoft.com/office/drawing/2014/main" id="{A7D330AD-FE8F-B9D6-05DE-81B3D08AC635}"/>
               </a:ext>
               <a:ext uri="{C183D7F6-B498-43B3-948B-1728B52AA6E4}">
                 <adec:decorative xmlns:adec="http://schemas.microsoft.com/office/drawing/2017/decorative" val="1"/>
@@ -4381,7 +6105,7 @@
           <p:cNvPr id="2" name="Title 1">
             <a:extLst>
               <a:ext uri="{FF2B5EF4-FFF2-40B4-BE49-F238E27FC236}">
-                <a16:creationId xmlns:a16="http://schemas.microsoft.com/office/drawing/2014/main" id="{2DF9E08C-1337-BDB0-6D31-3AE8EAC51C62}"/>
+                <a16:creationId xmlns:a16="http://schemas.microsoft.com/office/drawing/2014/main" id="{3D3EDDA2-0AA5-1A81-8047-8A4E33335E65}"/>
               </a:ext>
             </a:extLst>
           </p:cNvPr>
@@ -4394,8 +6118,8 @@
         </p:nvSpPr>
         <p:spPr>
           <a:xfrm>
-            <a:off x="793662" y="386930"/>
-            <a:ext cx="10066122" cy="1298448"/>
+            <a:off x="808638" y="386930"/>
+            <a:ext cx="9236700" cy="1188950"/>
           </a:xfrm>
         </p:spPr>
         <p:txBody>
@@ -4405,27 +6129,28 @@
           <a:lstStyle/>
           <a:p>
             <a:r>
-              <a:rPr lang="en-US" sz="4800" b="1"/>
-              <a:t>Inventory Stability</a:t>
-            </a:r>
-          </a:p>
-        </p:txBody>
-      </p:sp>
-      <p:sp>
-        <p:nvSpPr>
-          <p:cNvPr id="12" name="Rectangle 11">
-            <a:extLst>
-              <a:ext uri="{FF2B5EF4-FFF2-40B4-BE49-F238E27FC236}">
-                <a16:creationId xmlns:a16="http://schemas.microsoft.com/office/drawing/2014/main" id="{3A9A4357-BD1D-4622-A4FE-766E6AB8DE84}"/>
+              <a:rPr lang="en-US" sz="4600" b="1" dirty="0"/>
+              <a:t>Methodology</a:t>
+            </a:r>
+            <a:endParaRPr lang="en-US" sz="4600" dirty="0"/>
+          </a:p>
+        </p:txBody>
+      </p:sp>
+      <p:grpSp>
+        <p:nvGrpSpPr>
+          <p:cNvPr id="10" name="Group 9">
+            <a:extLst>
+              <a:ext uri="{FF2B5EF4-FFF2-40B4-BE49-F238E27FC236}">
+                <a16:creationId xmlns:a16="http://schemas.microsoft.com/office/drawing/2014/main" id="{8C26B811-43C7-FD5C-867E-95C2EE02E6AC}"/>
               </a:ext>
               <a:ext uri="{C183D7F6-B498-43B3-948B-1728B52AA6E4}">
                 <adec:decorative xmlns:adec="http://schemas.microsoft.com/office/drawing/2017/decorative" val="1"/>
               </a:ext>
             </a:extLst>
           </p:cNvPr>
-          <p:cNvSpPr>
-            <a:spLocks noGrp="1" noRot="1" noChangeAspect="1" noMove="1" noResize="1" noEditPoints="1" noAdjustHandles="1" noChangeArrowheads="1" noChangeShapeType="1" noTextEdit="1"/>
-          </p:cNvSpPr>
+          <p:cNvGrpSpPr>
+            <a:grpSpLocks noGrp="1" noUngrp="1" noRot="1" noChangeAspect="1" noMove="1" noResize="1"/>
+          </p:cNvGrpSpPr>
           <p:nvPr>
             <p:extLst>
               <p:ext uri="{386F3935-93C4-4BCD-93E2-E3B085C9AB24}">
@@ -4433,53 +6158,144 @@
               </p:ext>
             </p:extLst>
           </p:nvPr>
-        </p:nvSpPr>
-        <p:spPr>
-          <a:xfrm flipH="1" flipV="1">
-            <a:off x="-2" y="1998845"/>
-            <a:ext cx="11454595" cy="781699"/>
+        </p:nvGrpSpPr>
+        <p:grpSpPr>
+          <a:xfrm>
+            <a:off x="-2" y="1998368"/>
+            <a:ext cx="11695083" cy="782176"/>
+            <a:chOff x="-2" y="1998368"/>
+            <a:chExt cx="11695083" cy="782176"/>
           </a:xfrm>
-          <a:prstGeom prst="rect">
-            <a:avLst/>
-          </a:prstGeom>
-          <a:solidFill>
-            <a:schemeClr val="accent4"/>
-          </a:solidFill>
-          <a:ln>
-            <a:noFill/>
-          </a:ln>
-        </p:spPr>
-        <p:style>
-          <a:lnRef idx="2">
-            <a:schemeClr val="accent1">
-              <a:shade val="50000"/>
-            </a:schemeClr>
-          </a:lnRef>
-          <a:fillRef idx="1">
-            <a:schemeClr val="accent1"/>
-          </a:fillRef>
-          <a:effectRef idx="0">
-            <a:schemeClr val="accent1"/>
-          </a:effectRef>
-          <a:fontRef idx="minor">
-            <a:schemeClr val="lt1"/>
-          </a:fontRef>
-        </p:style>
-        <p:txBody>
-          <a:bodyPr rtlCol="0" anchor="ctr"/>
-          <a:lstStyle/>
-          <a:p>
-            <a:pPr algn="ctr"/>
-            <a:endParaRPr lang="en-US"/>
-          </a:p>
-        </p:txBody>
-      </p:sp>
+        </p:grpSpPr>
+        <p:sp>
+          <p:nvSpPr>
+            <p:cNvPr id="11" name="Rectangle 10">
+              <a:extLst>
+                <a:ext uri="{FF2B5EF4-FFF2-40B4-BE49-F238E27FC236}">
+                  <a16:creationId xmlns:a16="http://schemas.microsoft.com/office/drawing/2014/main" id="{B4ACC544-8599-F93A-79B6-0E2AB2C889B7}"/>
+                </a:ext>
+                <a:ext uri="{C183D7F6-B498-43B3-948B-1728B52AA6E4}">
+                  <adec:decorative xmlns:adec="http://schemas.microsoft.com/office/drawing/2017/decorative" val="1"/>
+                </a:ext>
+              </a:extLst>
+            </p:cNvPr>
+            <p:cNvSpPr/>
+            <p:nvPr>
+              <p:extLst>
+                <p:ext uri="{386F3935-93C4-4BCD-93E2-E3B085C9AB24}">
+                  <p16:designElem xmlns:p16="http://schemas.microsoft.com/office/powerpoint/2015/main" val="1"/>
+                </p:ext>
+              </p:extLst>
+            </p:nvPr>
+          </p:nvSpPr>
+          <p:spPr>
+            <a:xfrm rot="5400000">
+              <a:off x="11228040" y="2313027"/>
+              <a:ext cx="781700" cy="152382"/>
+            </a:xfrm>
+            <a:prstGeom prst="rect">
+              <a:avLst/>
+            </a:prstGeom>
+            <a:solidFill>
+              <a:schemeClr val="accent4"/>
+            </a:solidFill>
+            <a:ln>
+              <a:noFill/>
+            </a:ln>
+          </p:spPr>
+          <p:style>
+            <a:lnRef idx="2">
+              <a:schemeClr val="accent1">
+                <a:shade val="50000"/>
+              </a:schemeClr>
+            </a:lnRef>
+            <a:fillRef idx="1">
+              <a:schemeClr val="accent1"/>
+            </a:fillRef>
+            <a:effectRef idx="0">
+              <a:schemeClr val="accent1"/>
+            </a:effectRef>
+            <a:fontRef idx="minor">
+              <a:schemeClr val="lt1"/>
+            </a:fontRef>
+          </p:style>
+          <p:txBody>
+            <a:bodyPr rtlCol="0" anchor="ctr"/>
+            <a:lstStyle/>
+            <a:p>
+              <a:pPr algn="ctr"/>
+              <a:endParaRPr lang="en-US"/>
+            </a:p>
+          </p:txBody>
+        </p:sp>
+        <p:sp>
+          <p:nvSpPr>
+            <p:cNvPr id="12" name="Rectangle 11">
+              <a:extLst>
+                <a:ext uri="{FF2B5EF4-FFF2-40B4-BE49-F238E27FC236}">
+                  <a16:creationId xmlns:a16="http://schemas.microsoft.com/office/drawing/2014/main" id="{792B45D3-63B6-B36D-953F-319434BB7344}"/>
+                </a:ext>
+                <a:ext uri="{C183D7F6-B498-43B3-948B-1728B52AA6E4}">
+                  <adec:decorative xmlns:adec="http://schemas.microsoft.com/office/drawing/2017/decorative" val="1"/>
+                </a:ext>
+              </a:extLst>
+            </p:cNvPr>
+            <p:cNvSpPr/>
+            <p:nvPr>
+              <p:extLst>
+                <p:ext uri="{386F3935-93C4-4BCD-93E2-E3B085C9AB24}">
+                  <p16:designElem xmlns:p16="http://schemas.microsoft.com/office/powerpoint/2015/main" val="1"/>
+                </p:ext>
+              </p:extLst>
+            </p:nvPr>
+          </p:nvSpPr>
+          <p:spPr>
+            <a:xfrm flipH="1" flipV="1">
+              <a:off x="-2" y="1998845"/>
+              <a:ext cx="11454595" cy="781699"/>
+            </a:xfrm>
+            <a:prstGeom prst="rect">
+              <a:avLst/>
+            </a:prstGeom>
+            <a:solidFill>
+              <a:schemeClr val="accent4"/>
+            </a:solidFill>
+            <a:ln>
+              <a:noFill/>
+            </a:ln>
+          </p:spPr>
+          <p:style>
+            <a:lnRef idx="2">
+              <a:schemeClr val="accent1">
+                <a:shade val="50000"/>
+              </a:schemeClr>
+            </a:lnRef>
+            <a:fillRef idx="1">
+              <a:schemeClr val="accent1"/>
+            </a:fillRef>
+            <a:effectRef idx="0">
+              <a:schemeClr val="accent1"/>
+            </a:effectRef>
+            <a:fontRef idx="minor">
+              <a:schemeClr val="lt1"/>
+            </a:fontRef>
+          </p:style>
+          <p:txBody>
+            <a:bodyPr rtlCol="0" anchor="ctr"/>
+            <a:lstStyle/>
+            <a:p>
+              <a:pPr algn="ctr"/>
+              <a:endParaRPr lang="en-US"/>
+            </a:p>
+          </p:txBody>
+        </p:sp>
+      </p:grpSp>
       <p:sp>
         <p:nvSpPr>
           <p:cNvPr id="14" name="Rectangle 13">
             <a:extLst>
               <a:ext uri="{FF2B5EF4-FFF2-40B4-BE49-F238E27FC236}">
-                <a16:creationId xmlns:a16="http://schemas.microsoft.com/office/drawing/2014/main" id="{E659831F-0D9A-4C63-9EBB-8435B85A440F}"/>
+                <a16:creationId xmlns:a16="http://schemas.microsoft.com/office/drawing/2014/main" id="{1D7100C2-E21E-9EC4-F8BD-1861D0276BB7}"/>
               </a:ext>
               <a:ext uri="{C183D7F6-B498-43B3-948B-1728B52AA6E4}">
                 <adec:decorative xmlns:adec="http://schemas.microsoft.com/office/drawing/2017/decorative" val="1"/>
@@ -4500,7 +6316,7 @@
         <p:spPr>
           <a:xfrm>
             <a:off x="0" y="2203079"/>
-            <a:ext cx="11383362" cy="4267991"/>
+            <a:ext cx="11383362" cy="4147845"/>
           </a:xfrm>
           <a:prstGeom prst="rect">
             <a:avLst/>
@@ -4549,7 +6365,7 @@
           <p:cNvPr id="3" name="Content Placeholder 2">
             <a:extLst>
               <a:ext uri="{FF2B5EF4-FFF2-40B4-BE49-F238E27FC236}">
-                <a16:creationId xmlns:a16="http://schemas.microsoft.com/office/drawing/2014/main" id="{60F0EB90-C826-1C56-45AE-E56EB4082199}"/>
+                <a16:creationId xmlns:a16="http://schemas.microsoft.com/office/drawing/2014/main" id="{0D1F8855-E818-4AE1-3BDE-006BAFEB9F2B}"/>
               </a:ext>
             </a:extLst>
           </p:cNvPr>
@@ -4562,8 +6378,8 @@
         </p:nvSpPr>
         <p:spPr>
           <a:xfrm>
-            <a:off x="793661" y="2599509"/>
-            <a:ext cx="4530898" cy="3639450"/>
+            <a:off x="793660" y="2599509"/>
+            <a:ext cx="10119873" cy="3435531"/>
           </a:xfrm>
         </p:spPr>
         <p:txBody>
@@ -4573,127 +6389,27 @@
           <a:lstStyle/>
           <a:p>
             <a:r>
-              <a:rPr lang="en-US" sz="2000"/>
-              <a:t>ARL learned to keep inventory tightly controlled. </a:t>
-            </a:r>
-          </a:p>
-          <a:p>
-            <a:r>
-              <a:rPr lang="en-US" sz="2000"/>
-              <a:t>Spread widening during high volatility prevented runaway exposure. </a:t>
-            </a:r>
-          </a:p>
-          <a:p>
-            <a:r>
-              <a:rPr lang="en-US" sz="2000"/>
-              <a:t>Inventory variance &lt; 0.02.</a:t>
-            </a:r>
-          </a:p>
-        </p:txBody>
-      </p:sp>
-      <p:pic>
-        <p:nvPicPr>
-          <p:cNvPr id="5" name="Picture 4" descr="A graph showing a number of data&#10;&#10;AI-generated content may be incorrect.">
-            <a:extLst>
-              <a:ext uri="{FF2B5EF4-FFF2-40B4-BE49-F238E27FC236}">
-                <a16:creationId xmlns:a16="http://schemas.microsoft.com/office/drawing/2014/main" id="{F32A8CAB-A74A-01D3-F570-6A87383E7286}"/>
-              </a:ext>
-            </a:extLst>
-          </p:cNvPr>
-          <p:cNvPicPr>
-            <a:picLocks noChangeAspect="1"/>
-          </p:cNvPicPr>
-          <p:nvPr/>
-        </p:nvPicPr>
-        <p:blipFill>
-          <a:blip r:embed="rId2">
-            <a:extLst>
-              <a:ext uri="{28A0092B-C50C-407E-A947-70E740481C1C}">
-                <a14:useLocalDpi xmlns:a14="http://schemas.microsoft.com/office/drawing/2010/main" val="0"/>
-              </a:ext>
-            </a:extLst>
-          </a:blip>
-          <a:stretch>
-            <a:fillRect/>
-          </a:stretch>
-        </p:blipFill>
-        <p:spPr>
-          <a:xfrm>
-            <a:off x="5911532" y="2731914"/>
-            <a:ext cx="5150277" cy="3218926"/>
-          </a:xfrm>
-          <a:prstGeom prst="rect">
-            <a:avLst/>
-          </a:prstGeom>
-        </p:spPr>
-      </p:pic>
-      <p:sp>
-        <p:nvSpPr>
-          <p:cNvPr id="16" name="Rectangle 15">
-            <a:extLst>
-              <a:ext uri="{FF2B5EF4-FFF2-40B4-BE49-F238E27FC236}">
-                <a16:creationId xmlns:a16="http://schemas.microsoft.com/office/drawing/2014/main" id="{E6995CE5-F890-4ABA-82A2-26507CE8D2A3}"/>
-              </a:ext>
-              <a:ext uri="{C183D7F6-B498-43B3-948B-1728B52AA6E4}">
-                <adec:decorative xmlns:adec="http://schemas.microsoft.com/office/drawing/2017/decorative" val="1"/>
-              </a:ext>
-            </a:extLst>
-          </p:cNvPr>
-          <p:cNvSpPr>
-            <a:spLocks noGrp="1" noRot="1" noChangeAspect="1" noMove="1" noResize="1" noEditPoints="1" noAdjustHandles="1" noChangeArrowheads="1" noChangeShapeType="1" noTextEdit="1"/>
-          </p:cNvSpPr>
-          <p:nvPr>
-            <p:extLst>
-              <p:ext uri="{386F3935-93C4-4BCD-93E2-E3B085C9AB24}">
-                <p16:designElem xmlns:p16="http://schemas.microsoft.com/office/powerpoint/2015/main" val="1"/>
-              </p:ext>
-            </p:extLst>
-          </p:nvPr>
-        </p:nvSpPr>
-        <p:spPr>
-          <a:xfrm rot="5400000">
-            <a:off x="11228040" y="2313027"/>
-            <a:ext cx="781700" cy="152382"/>
-          </a:xfrm>
-          <a:prstGeom prst="rect">
-            <a:avLst/>
-          </a:prstGeom>
-          <a:solidFill>
-            <a:schemeClr val="accent4"/>
-          </a:solidFill>
-          <a:ln>
-            <a:noFill/>
-          </a:ln>
-        </p:spPr>
-        <p:style>
-          <a:lnRef idx="2">
-            <a:schemeClr val="accent1">
-              <a:shade val="50000"/>
-            </a:schemeClr>
-          </a:lnRef>
-          <a:fillRef idx="1">
-            <a:schemeClr val="accent1"/>
-          </a:fillRef>
-          <a:effectRef idx="0">
-            <a:schemeClr val="accent1"/>
-          </a:effectRef>
-          <a:fontRef idx="minor">
-            <a:schemeClr val="lt1"/>
-          </a:fontRef>
-        </p:style>
-        <p:txBody>
-          <a:bodyPr rtlCol="0" anchor="ctr"/>
-          <a:lstStyle/>
-          <a:p>
-            <a:pPr algn="ctr"/>
-            <a:endParaRPr lang="en-US"/>
+              <a:rPr lang="af-ZA" sz="2000" b="1" dirty="0"/>
+              <a:t>Inventory: </a:t>
+            </a:r>
+            <a:r>
+              <a:rPr lang="en-US" sz="2000" dirty="0"/>
+              <a:t>The heatmap shows the agent keeps inventory near zero (bright yellow center). Variance was &lt; 0.02.</a:t>
+            </a:r>
+          </a:p>
+          <a:p>
+            <a:r>
+              <a:rPr lang="en-US" sz="2000" dirty="0"/>
+              <a:t>The agent learned to be efficient. It didn't hoard assets (which is risky/wasteful). It maximized reward while minimizing resource usage (capital exposure), aligning with Green AI principles of efficiency.</a:t>
+            </a:r>
+            <a:endParaRPr lang="en-US" sz="2000" b="1" dirty="0"/>
           </a:p>
         </p:txBody>
       </p:sp>
     </p:spTree>
     <p:extLst>
       <p:ext uri="{BB962C8B-B14F-4D97-AF65-F5344CB8AC3E}">
-        <p14:creationId xmlns:p14="http://schemas.microsoft.com/office/powerpoint/2010/main" val="434229740"/>
+        <p14:creationId xmlns:p14="http://schemas.microsoft.com/office/powerpoint/2010/main" val="1997859247"/>
       </p:ext>
     </p:extLst>
   </p:cSld>
@@ -4716,7 +6432,13 @@
     </p:bg>
     <p:spTree>
       <p:nvGrpSpPr>
-        <p:cNvPr id="1" name=""/>
+        <p:cNvPr id="1" name="">
+          <a:extLst>
+            <a:ext uri="{FF2B5EF4-FFF2-40B4-BE49-F238E27FC236}">
+              <a16:creationId xmlns:a16="http://schemas.microsoft.com/office/drawing/2014/main" id="{BA06DD47-23A6-1D83-05B1-379A41033938}"/>
+            </a:ext>
+          </a:extLst>
+        </p:cNvPr>
         <p:cNvGrpSpPr/>
         <p:nvPr/>
       </p:nvGrpSpPr>
@@ -4730,10 +6452,10 @@
       </p:grpSpPr>
       <p:sp useBgFill="1">
         <p:nvSpPr>
-          <p:cNvPr id="10" name="Rectangle 9">
-            <a:extLst>
-              <a:ext uri="{FF2B5EF4-FFF2-40B4-BE49-F238E27FC236}">
-                <a16:creationId xmlns:a16="http://schemas.microsoft.com/office/drawing/2014/main" id="{058A14AF-9FB5-4CC7-BA35-E8E85D3EDF0E}"/>
+          <p:cNvPr id="8" name="Rectangle 7">
+            <a:extLst>
+              <a:ext uri="{FF2B5EF4-FFF2-40B4-BE49-F238E27FC236}">
+                <a16:creationId xmlns:a16="http://schemas.microsoft.com/office/drawing/2014/main" id="{310278F9-E854-BF73-BB72-4BF83ADF0650}"/>
               </a:ext>
               <a:ext uri="{C183D7F6-B498-43B3-948B-1728B52AA6E4}">
                 <adec:decorative xmlns:adec="http://schemas.microsoft.com/office/drawing/2017/decorative" val="1"/>
@@ -4793,7 +6515,7 @@
           <p:cNvPr id="2" name="Title 1">
             <a:extLst>
               <a:ext uri="{FF2B5EF4-FFF2-40B4-BE49-F238E27FC236}">
-                <a16:creationId xmlns:a16="http://schemas.microsoft.com/office/drawing/2014/main" id="{6BA3617D-5C5D-90D4-7FA6-AF2D86211F30}"/>
+                <a16:creationId xmlns:a16="http://schemas.microsoft.com/office/drawing/2014/main" id="{83104D31-B229-547D-F85F-F31F9AD489AA}"/>
               </a:ext>
             </a:extLst>
           </p:cNvPr>
@@ -4806,8 +6528,8 @@
         </p:nvSpPr>
         <p:spPr>
           <a:xfrm>
-            <a:off x="793662" y="386930"/>
-            <a:ext cx="10066122" cy="1298448"/>
+            <a:off x="808638" y="386930"/>
+            <a:ext cx="9236700" cy="1188950"/>
           </a:xfrm>
         </p:spPr>
         <p:txBody>
@@ -4817,27 +6539,28 @@
           <a:lstStyle/>
           <a:p>
             <a:r>
-              <a:rPr lang="en-US" sz="4800" b="1"/>
-              <a:t>Policy Behavior &amp; Learned Strategy</a:t>
-            </a:r>
-          </a:p>
-        </p:txBody>
-      </p:sp>
-      <p:sp>
-        <p:nvSpPr>
-          <p:cNvPr id="12" name="Rectangle 11">
-            <a:extLst>
-              <a:ext uri="{FF2B5EF4-FFF2-40B4-BE49-F238E27FC236}">
-                <a16:creationId xmlns:a16="http://schemas.microsoft.com/office/drawing/2014/main" id="{3A9A4357-BD1D-4622-A4FE-766E6AB8DE84}"/>
+              <a:rPr lang="en-US" sz="4600" b="1" dirty="0"/>
+              <a:t>Novelty and Contribution</a:t>
+            </a:r>
+            <a:endParaRPr lang="en-US" sz="4600" dirty="0"/>
+          </a:p>
+        </p:txBody>
+      </p:sp>
+      <p:grpSp>
+        <p:nvGrpSpPr>
+          <p:cNvPr id="10" name="Group 9">
+            <a:extLst>
+              <a:ext uri="{FF2B5EF4-FFF2-40B4-BE49-F238E27FC236}">
+                <a16:creationId xmlns:a16="http://schemas.microsoft.com/office/drawing/2014/main" id="{B2F3BBA6-74DE-04C5-9653-D056E1827C5D}"/>
               </a:ext>
               <a:ext uri="{C183D7F6-B498-43B3-948B-1728B52AA6E4}">
                 <adec:decorative xmlns:adec="http://schemas.microsoft.com/office/drawing/2017/decorative" val="1"/>
               </a:ext>
             </a:extLst>
           </p:cNvPr>
-          <p:cNvSpPr>
-            <a:spLocks noGrp="1" noRot="1" noChangeAspect="1" noMove="1" noResize="1" noEditPoints="1" noAdjustHandles="1" noChangeArrowheads="1" noChangeShapeType="1" noTextEdit="1"/>
-          </p:cNvSpPr>
+          <p:cNvGrpSpPr>
+            <a:grpSpLocks noGrp="1" noUngrp="1" noRot="1" noChangeAspect="1" noMove="1" noResize="1"/>
+          </p:cNvGrpSpPr>
           <p:nvPr>
             <p:extLst>
               <p:ext uri="{386F3935-93C4-4BCD-93E2-E3B085C9AB24}">
@@ -4845,53 +6568,144 @@
               </p:ext>
             </p:extLst>
           </p:nvPr>
-        </p:nvSpPr>
-        <p:spPr>
-          <a:xfrm flipH="1" flipV="1">
-            <a:off x="-2" y="1998845"/>
-            <a:ext cx="11454595" cy="781699"/>
+        </p:nvGrpSpPr>
+        <p:grpSpPr>
+          <a:xfrm>
+            <a:off x="-2" y="1998368"/>
+            <a:ext cx="11695083" cy="782176"/>
+            <a:chOff x="-2" y="1998368"/>
+            <a:chExt cx="11695083" cy="782176"/>
           </a:xfrm>
-          <a:prstGeom prst="rect">
-            <a:avLst/>
-          </a:prstGeom>
-          <a:solidFill>
-            <a:schemeClr val="accent4"/>
-          </a:solidFill>
-          <a:ln>
-            <a:noFill/>
-          </a:ln>
-        </p:spPr>
-        <p:style>
-          <a:lnRef idx="2">
-            <a:schemeClr val="accent1">
-              <a:shade val="50000"/>
-            </a:schemeClr>
-          </a:lnRef>
-          <a:fillRef idx="1">
-            <a:schemeClr val="accent1"/>
-          </a:fillRef>
-          <a:effectRef idx="0">
-            <a:schemeClr val="accent1"/>
-          </a:effectRef>
-          <a:fontRef idx="minor">
-            <a:schemeClr val="lt1"/>
-          </a:fontRef>
-        </p:style>
-        <p:txBody>
-          <a:bodyPr rtlCol="0" anchor="ctr"/>
-          <a:lstStyle/>
-          <a:p>
-            <a:pPr algn="ctr"/>
-            <a:endParaRPr lang="en-US"/>
-          </a:p>
-        </p:txBody>
-      </p:sp>
+        </p:grpSpPr>
+        <p:sp>
+          <p:nvSpPr>
+            <p:cNvPr id="11" name="Rectangle 10">
+              <a:extLst>
+                <a:ext uri="{FF2B5EF4-FFF2-40B4-BE49-F238E27FC236}">
+                  <a16:creationId xmlns:a16="http://schemas.microsoft.com/office/drawing/2014/main" id="{2E03792D-1A51-7441-1FBF-B08B2DC16B4A}"/>
+                </a:ext>
+                <a:ext uri="{C183D7F6-B498-43B3-948B-1728B52AA6E4}">
+                  <adec:decorative xmlns:adec="http://schemas.microsoft.com/office/drawing/2017/decorative" val="1"/>
+                </a:ext>
+              </a:extLst>
+            </p:cNvPr>
+            <p:cNvSpPr/>
+            <p:nvPr>
+              <p:extLst>
+                <p:ext uri="{386F3935-93C4-4BCD-93E2-E3B085C9AB24}">
+                  <p16:designElem xmlns:p16="http://schemas.microsoft.com/office/powerpoint/2015/main" val="1"/>
+                </p:ext>
+              </p:extLst>
+            </p:nvPr>
+          </p:nvSpPr>
+          <p:spPr>
+            <a:xfrm rot="5400000">
+              <a:off x="11228040" y="2313027"/>
+              <a:ext cx="781700" cy="152382"/>
+            </a:xfrm>
+            <a:prstGeom prst="rect">
+              <a:avLst/>
+            </a:prstGeom>
+            <a:solidFill>
+              <a:schemeClr val="accent4"/>
+            </a:solidFill>
+            <a:ln>
+              <a:noFill/>
+            </a:ln>
+          </p:spPr>
+          <p:style>
+            <a:lnRef idx="2">
+              <a:schemeClr val="accent1">
+                <a:shade val="50000"/>
+              </a:schemeClr>
+            </a:lnRef>
+            <a:fillRef idx="1">
+              <a:schemeClr val="accent1"/>
+            </a:fillRef>
+            <a:effectRef idx="0">
+              <a:schemeClr val="accent1"/>
+            </a:effectRef>
+            <a:fontRef idx="minor">
+              <a:schemeClr val="lt1"/>
+            </a:fontRef>
+          </p:style>
+          <p:txBody>
+            <a:bodyPr rtlCol="0" anchor="ctr"/>
+            <a:lstStyle/>
+            <a:p>
+              <a:pPr algn="ctr"/>
+              <a:endParaRPr lang="en-US"/>
+            </a:p>
+          </p:txBody>
+        </p:sp>
+        <p:sp>
+          <p:nvSpPr>
+            <p:cNvPr id="12" name="Rectangle 11">
+              <a:extLst>
+                <a:ext uri="{FF2B5EF4-FFF2-40B4-BE49-F238E27FC236}">
+                  <a16:creationId xmlns:a16="http://schemas.microsoft.com/office/drawing/2014/main" id="{DE5FD732-6BD3-815D-98F3-DF553DF8FCFE}"/>
+                </a:ext>
+                <a:ext uri="{C183D7F6-B498-43B3-948B-1728B52AA6E4}">
+                  <adec:decorative xmlns:adec="http://schemas.microsoft.com/office/drawing/2017/decorative" val="1"/>
+                </a:ext>
+              </a:extLst>
+            </p:cNvPr>
+            <p:cNvSpPr/>
+            <p:nvPr>
+              <p:extLst>
+                <p:ext uri="{386F3935-93C4-4BCD-93E2-E3B085C9AB24}">
+                  <p16:designElem xmlns:p16="http://schemas.microsoft.com/office/powerpoint/2015/main" val="1"/>
+                </p:ext>
+              </p:extLst>
+            </p:nvPr>
+          </p:nvSpPr>
+          <p:spPr>
+            <a:xfrm flipH="1" flipV="1">
+              <a:off x="-2" y="1998845"/>
+              <a:ext cx="11454595" cy="781699"/>
+            </a:xfrm>
+            <a:prstGeom prst="rect">
+              <a:avLst/>
+            </a:prstGeom>
+            <a:solidFill>
+              <a:schemeClr val="accent4"/>
+            </a:solidFill>
+            <a:ln>
+              <a:noFill/>
+            </a:ln>
+          </p:spPr>
+          <p:style>
+            <a:lnRef idx="2">
+              <a:schemeClr val="accent1">
+                <a:shade val="50000"/>
+              </a:schemeClr>
+            </a:lnRef>
+            <a:fillRef idx="1">
+              <a:schemeClr val="accent1"/>
+            </a:fillRef>
+            <a:effectRef idx="0">
+              <a:schemeClr val="accent1"/>
+            </a:effectRef>
+            <a:fontRef idx="minor">
+              <a:schemeClr val="lt1"/>
+            </a:fontRef>
+          </p:style>
+          <p:txBody>
+            <a:bodyPr rtlCol="0" anchor="ctr"/>
+            <a:lstStyle/>
+            <a:p>
+              <a:pPr algn="ctr"/>
+              <a:endParaRPr lang="en-US"/>
+            </a:p>
+          </p:txBody>
+        </p:sp>
+      </p:grpSp>
       <p:sp>
         <p:nvSpPr>
           <p:cNvPr id="14" name="Rectangle 13">
             <a:extLst>
               <a:ext uri="{FF2B5EF4-FFF2-40B4-BE49-F238E27FC236}">
-                <a16:creationId xmlns:a16="http://schemas.microsoft.com/office/drawing/2014/main" id="{E659831F-0D9A-4C63-9EBB-8435B85A440F}"/>
+                <a16:creationId xmlns:a16="http://schemas.microsoft.com/office/drawing/2014/main" id="{B64B1A41-8DCC-08EC-E82B-20C7557186A0}"/>
               </a:ext>
               <a:ext uri="{C183D7F6-B498-43B3-948B-1728B52AA6E4}">
                 <adec:decorative xmlns:adec="http://schemas.microsoft.com/office/drawing/2017/decorative" val="1"/>
@@ -4912,7 +6726,7 @@
         <p:spPr>
           <a:xfrm>
             <a:off x="0" y="2203079"/>
-            <a:ext cx="11383362" cy="4267991"/>
+            <a:ext cx="11383362" cy="4147845"/>
           </a:xfrm>
           <a:prstGeom prst="rect">
             <a:avLst/>
@@ -4961,7 +6775,7 @@
           <p:cNvPr id="3" name="Content Placeholder 2">
             <a:extLst>
               <a:ext uri="{FF2B5EF4-FFF2-40B4-BE49-F238E27FC236}">
-                <a16:creationId xmlns:a16="http://schemas.microsoft.com/office/drawing/2014/main" id="{13FE6EC4-0180-CA9F-9562-2750BAB8A153}"/>
+                <a16:creationId xmlns:a16="http://schemas.microsoft.com/office/drawing/2014/main" id="{9E4944F1-3B7E-7B7E-6F82-84D131BE8487}"/>
               </a:ext>
             </a:extLst>
           </p:cNvPr>
@@ -4974,8 +6788,8 @@
         </p:nvSpPr>
         <p:spPr>
           <a:xfrm>
-            <a:off x="793661" y="2599509"/>
-            <a:ext cx="4530898" cy="3639450"/>
+            <a:off x="793660" y="2599509"/>
+            <a:ext cx="10119873" cy="3435531"/>
           </a:xfrm>
         </p:spPr>
         <p:txBody>
@@ -4985,139 +6799,23 @@
           <a:lstStyle/>
           <a:p>
             <a:r>
-              <a:rPr lang="en-US" sz="2000"/>
-              <a:t>Observed Behavioral Patterns </a:t>
-            </a:r>
-          </a:p>
-          <a:p>
-            <a:r>
-              <a:rPr lang="en-US" sz="2000"/>
-              <a:t>Tight spreads when volatility is low and inventory is near zero</a:t>
-            </a:r>
-          </a:p>
-          <a:p>
-            <a:r>
-              <a:rPr lang="en-US" sz="2000"/>
-              <a:t>Wider spreads when EGT becomes aggressive </a:t>
-            </a:r>
-          </a:p>
-          <a:p>
-            <a:r>
-              <a:rPr lang="en-US" sz="2000"/>
-              <a:t>Stable quoting during passive EGT regimes</a:t>
-            </a:r>
-          </a:p>
-          <a:p>
-            <a:r>
-              <a:rPr lang="en-US" sz="2000"/>
-              <a:t>Reinforces that ARL learned context-dependent microstructure tactics.</a:t>
-            </a:r>
-          </a:p>
-        </p:txBody>
-      </p:sp>
-      <p:pic>
-        <p:nvPicPr>
-          <p:cNvPr id="5" name="Picture 4" descr="A graph with different colored bars&#10;&#10;AI-generated content may be incorrect.">
-            <a:extLst>
-              <a:ext uri="{FF2B5EF4-FFF2-40B4-BE49-F238E27FC236}">
-                <a16:creationId xmlns:a16="http://schemas.microsoft.com/office/drawing/2014/main" id="{67DCFD4C-D355-48C4-638C-AD9233B3C685}"/>
-              </a:ext>
-            </a:extLst>
-          </p:cNvPr>
-          <p:cNvPicPr>
-            <a:picLocks noChangeAspect="1"/>
-          </p:cNvPicPr>
-          <p:nvPr/>
-        </p:nvPicPr>
-        <p:blipFill>
-          <a:blip r:embed="rId2">
-            <a:extLst>
-              <a:ext uri="{28A0092B-C50C-407E-A947-70E740481C1C}">
-                <a14:useLocalDpi xmlns:a14="http://schemas.microsoft.com/office/drawing/2010/main" val="0"/>
-              </a:ext>
-            </a:extLst>
-          </a:blip>
-          <a:stretch>
-            <a:fillRect/>
-          </a:stretch>
-        </p:blipFill>
-        <p:spPr>
-          <a:xfrm>
-            <a:off x="6010509" y="2484255"/>
-            <a:ext cx="4952322" cy="3714244"/>
-          </a:xfrm>
-          <a:prstGeom prst="rect">
-            <a:avLst/>
-          </a:prstGeom>
-        </p:spPr>
-      </p:pic>
-      <p:sp>
-        <p:nvSpPr>
-          <p:cNvPr id="16" name="Rectangle 15">
-            <a:extLst>
-              <a:ext uri="{FF2B5EF4-FFF2-40B4-BE49-F238E27FC236}">
-                <a16:creationId xmlns:a16="http://schemas.microsoft.com/office/drawing/2014/main" id="{E6995CE5-F890-4ABA-82A2-26507CE8D2A3}"/>
-              </a:ext>
-              <a:ext uri="{C183D7F6-B498-43B3-948B-1728B52AA6E4}">
-                <adec:decorative xmlns:adec="http://schemas.microsoft.com/office/drawing/2017/decorative" val="1"/>
-              </a:ext>
-            </a:extLst>
-          </p:cNvPr>
-          <p:cNvSpPr>
-            <a:spLocks noGrp="1" noRot="1" noChangeAspect="1" noMove="1" noResize="1" noEditPoints="1" noAdjustHandles="1" noChangeArrowheads="1" noChangeShapeType="1" noTextEdit="1"/>
-          </p:cNvSpPr>
-          <p:nvPr>
-            <p:extLst>
-              <p:ext uri="{386F3935-93C4-4BCD-93E2-E3B085C9AB24}">
-                <p16:designElem xmlns:p16="http://schemas.microsoft.com/office/powerpoint/2015/main" val="1"/>
-              </p:ext>
-            </p:extLst>
-          </p:nvPr>
-        </p:nvSpPr>
-        <p:spPr>
-          <a:xfrm rot="5400000">
-            <a:off x="11228040" y="2313027"/>
-            <a:ext cx="781700" cy="152382"/>
-          </a:xfrm>
-          <a:prstGeom prst="rect">
-            <a:avLst/>
-          </a:prstGeom>
-          <a:solidFill>
-            <a:schemeClr val="accent4"/>
-          </a:solidFill>
-          <a:ln>
-            <a:noFill/>
-          </a:ln>
-        </p:spPr>
-        <p:style>
-          <a:lnRef idx="2">
-            <a:schemeClr val="accent1">
-              <a:shade val="50000"/>
-            </a:schemeClr>
-          </a:lnRef>
-          <a:fillRef idx="1">
-            <a:schemeClr val="accent1"/>
-          </a:fillRef>
-          <a:effectRef idx="0">
-            <a:schemeClr val="accent1"/>
-          </a:effectRef>
-          <a:fontRef idx="minor">
-            <a:schemeClr val="lt1"/>
-          </a:fontRef>
-        </p:style>
-        <p:txBody>
-          <a:bodyPr rtlCol="0" anchor="ctr"/>
-          <a:lstStyle/>
-          <a:p>
-            <a:pPr algn="ctr"/>
-            <a:endParaRPr lang="en-US"/>
+              <a:rPr lang="en-US" sz="2000" dirty="0"/>
+              <a:t>Most financial RL papers assume a static market. We demonstrated Co-Evolution—where the AI and the Market change each other simultaneously.</a:t>
+            </a:r>
+          </a:p>
+          <a:p>
+            <a:r>
+              <a:rPr lang="en-US" sz="2000" dirty="0"/>
+              <a:t>We provide an open-source "playground" for the community to study Multi-Agent interactions. This framework serves as a benchmark for measuring AI Robustness against adaptive adversaries. </a:t>
+            </a:r>
+            <a:endParaRPr lang="en-US" sz="2000" b="1" dirty="0"/>
           </a:p>
         </p:txBody>
       </p:sp>
     </p:spTree>
     <p:extLst>
       <p:ext uri="{BB962C8B-B14F-4D97-AF65-F5344CB8AC3E}">
-        <p14:creationId xmlns:p14="http://schemas.microsoft.com/office/powerpoint/2010/main" val="1205668723"/>
+        <p14:creationId xmlns:p14="http://schemas.microsoft.com/office/powerpoint/2010/main" val="3084027549"/>
       </p:ext>
     </p:extLst>
   </p:cSld>
@@ -5140,7 +6838,13 @@
     </p:bg>
     <p:spTree>
       <p:nvGrpSpPr>
-        <p:cNvPr id="1" name=""/>
+        <p:cNvPr id="1" name="">
+          <a:extLst>
+            <a:ext uri="{FF2B5EF4-FFF2-40B4-BE49-F238E27FC236}">
+              <a16:creationId xmlns:a16="http://schemas.microsoft.com/office/drawing/2014/main" id="{911A9963-9CE1-41DF-CF1B-65B3F89025CB}"/>
+            </a:ext>
+          </a:extLst>
+        </p:cNvPr>
         <p:cNvGrpSpPr/>
         <p:nvPr/>
       </p:nvGrpSpPr>
@@ -5157,7 +6861,7 @@
           <p:cNvPr id="8" name="Rectangle 7">
             <a:extLst>
               <a:ext uri="{FF2B5EF4-FFF2-40B4-BE49-F238E27FC236}">
-                <a16:creationId xmlns:a16="http://schemas.microsoft.com/office/drawing/2014/main" id="{DBF61EA3-B236-439E-9C0B-340980D56BEE}"/>
+                <a16:creationId xmlns:a16="http://schemas.microsoft.com/office/drawing/2014/main" id="{C14BF8E6-2C71-6B7F-B7E5-CEF4BADF0B0F}"/>
               </a:ext>
               <a:ext uri="{C183D7F6-B498-43B3-948B-1728B52AA6E4}">
                 <adec:decorative xmlns:adec="http://schemas.microsoft.com/office/drawing/2017/decorative" val="1"/>
@@ -5217,7 +6921,7 @@
           <p:cNvPr id="2" name="Title 1">
             <a:extLst>
               <a:ext uri="{FF2B5EF4-FFF2-40B4-BE49-F238E27FC236}">
-                <a16:creationId xmlns:a16="http://schemas.microsoft.com/office/drawing/2014/main" id="{E25A9364-1118-20C6-36B0-046A6E2A0D07}"/>
+                <a16:creationId xmlns:a16="http://schemas.microsoft.com/office/drawing/2014/main" id="{F44BDD54-BC0B-F157-0552-1E9D324B8EE4}"/>
               </a:ext>
             </a:extLst>
           </p:cNvPr>
@@ -5241,9 +6945,921 @@
           <a:lstStyle/>
           <a:p>
             <a:r>
-              <a:rPr lang="en-US" sz="5400" b="1"/>
-              <a:t>Novelty and Contribution</a:t>
-            </a:r>
+              <a:rPr lang="en-US" sz="4600" b="1" dirty="0"/>
+              <a:t>Bias and Future Work</a:t>
+            </a:r>
+            <a:endParaRPr lang="en-US" sz="4600" dirty="0"/>
+          </a:p>
+        </p:txBody>
+      </p:sp>
+      <p:grpSp>
+        <p:nvGrpSpPr>
+          <p:cNvPr id="10" name="Group 9">
+            <a:extLst>
+              <a:ext uri="{FF2B5EF4-FFF2-40B4-BE49-F238E27FC236}">
+                <a16:creationId xmlns:a16="http://schemas.microsoft.com/office/drawing/2014/main" id="{826E11F2-2529-0DC9-D63D-222DCC0BBC09}"/>
+              </a:ext>
+              <a:ext uri="{C183D7F6-B498-43B3-948B-1728B52AA6E4}">
+                <adec:decorative xmlns:adec="http://schemas.microsoft.com/office/drawing/2017/decorative" val="1"/>
+              </a:ext>
+            </a:extLst>
+          </p:cNvPr>
+          <p:cNvGrpSpPr>
+            <a:grpSpLocks noGrp="1" noUngrp="1" noRot="1" noChangeAspect="1" noMove="1" noResize="1"/>
+          </p:cNvGrpSpPr>
+          <p:nvPr>
+            <p:extLst>
+              <p:ext uri="{386F3935-93C4-4BCD-93E2-E3B085C9AB24}">
+                <p16:designElem xmlns:p16="http://schemas.microsoft.com/office/powerpoint/2015/main" val="1"/>
+              </p:ext>
+            </p:extLst>
+          </p:nvPr>
+        </p:nvGrpSpPr>
+        <p:grpSpPr>
+          <a:xfrm>
+            <a:off x="-2" y="1998368"/>
+            <a:ext cx="11695083" cy="782176"/>
+            <a:chOff x="-2" y="1998368"/>
+            <a:chExt cx="11695083" cy="782176"/>
+          </a:xfrm>
+        </p:grpSpPr>
+        <p:sp>
+          <p:nvSpPr>
+            <p:cNvPr id="11" name="Rectangle 10">
+              <a:extLst>
+                <a:ext uri="{FF2B5EF4-FFF2-40B4-BE49-F238E27FC236}">
+                  <a16:creationId xmlns:a16="http://schemas.microsoft.com/office/drawing/2014/main" id="{FAAC27D0-2F7D-3637-3899-BEE99C7256FA}"/>
+                </a:ext>
+                <a:ext uri="{C183D7F6-B498-43B3-948B-1728B52AA6E4}">
+                  <adec:decorative xmlns:adec="http://schemas.microsoft.com/office/drawing/2017/decorative" val="1"/>
+                </a:ext>
+              </a:extLst>
+            </p:cNvPr>
+            <p:cNvSpPr/>
+            <p:nvPr>
+              <p:extLst>
+                <p:ext uri="{386F3935-93C4-4BCD-93E2-E3B085C9AB24}">
+                  <p16:designElem xmlns:p16="http://schemas.microsoft.com/office/powerpoint/2015/main" val="1"/>
+                </p:ext>
+              </p:extLst>
+            </p:nvPr>
+          </p:nvSpPr>
+          <p:spPr>
+            <a:xfrm rot="5400000">
+              <a:off x="11228040" y="2313027"/>
+              <a:ext cx="781700" cy="152382"/>
+            </a:xfrm>
+            <a:prstGeom prst="rect">
+              <a:avLst/>
+            </a:prstGeom>
+            <a:solidFill>
+              <a:schemeClr val="accent4"/>
+            </a:solidFill>
+            <a:ln>
+              <a:noFill/>
+            </a:ln>
+          </p:spPr>
+          <p:style>
+            <a:lnRef idx="2">
+              <a:schemeClr val="accent1">
+                <a:shade val="50000"/>
+              </a:schemeClr>
+            </a:lnRef>
+            <a:fillRef idx="1">
+              <a:schemeClr val="accent1"/>
+            </a:fillRef>
+            <a:effectRef idx="0">
+              <a:schemeClr val="accent1"/>
+            </a:effectRef>
+            <a:fontRef idx="minor">
+              <a:schemeClr val="lt1"/>
+            </a:fontRef>
+          </p:style>
+          <p:txBody>
+            <a:bodyPr rtlCol="0" anchor="ctr"/>
+            <a:lstStyle/>
+            <a:p>
+              <a:pPr algn="ctr"/>
+              <a:endParaRPr lang="en-US"/>
+            </a:p>
+          </p:txBody>
+        </p:sp>
+        <p:sp>
+          <p:nvSpPr>
+            <p:cNvPr id="12" name="Rectangle 11">
+              <a:extLst>
+                <a:ext uri="{FF2B5EF4-FFF2-40B4-BE49-F238E27FC236}">
+                  <a16:creationId xmlns:a16="http://schemas.microsoft.com/office/drawing/2014/main" id="{2C19BCE8-961F-7EED-59E3-A0468FFD3A14}"/>
+                </a:ext>
+                <a:ext uri="{C183D7F6-B498-43B3-948B-1728B52AA6E4}">
+                  <adec:decorative xmlns:adec="http://schemas.microsoft.com/office/drawing/2017/decorative" val="1"/>
+                </a:ext>
+              </a:extLst>
+            </p:cNvPr>
+            <p:cNvSpPr/>
+            <p:nvPr>
+              <p:extLst>
+                <p:ext uri="{386F3935-93C4-4BCD-93E2-E3B085C9AB24}">
+                  <p16:designElem xmlns:p16="http://schemas.microsoft.com/office/powerpoint/2015/main" val="1"/>
+                </p:ext>
+              </p:extLst>
+            </p:nvPr>
+          </p:nvSpPr>
+          <p:spPr>
+            <a:xfrm flipH="1" flipV="1">
+              <a:off x="-2" y="1998845"/>
+              <a:ext cx="11454595" cy="781699"/>
+            </a:xfrm>
+            <a:prstGeom prst="rect">
+              <a:avLst/>
+            </a:prstGeom>
+            <a:solidFill>
+              <a:schemeClr val="accent4"/>
+            </a:solidFill>
+            <a:ln>
+              <a:noFill/>
+            </a:ln>
+          </p:spPr>
+          <p:style>
+            <a:lnRef idx="2">
+              <a:schemeClr val="accent1">
+                <a:shade val="50000"/>
+              </a:schemeClr>
+            </a:lnRef>
+            <a:fillRef idx="1">
+              <a:schemeClr val="accent1"/>
+            </a:fillRef>
+            <a:effectRef idx="0">
+              <a:schemeClr val="accent1"/>
+            </a:effectRef>
+            <a:fontRef idx="minor">
+              <a:schemeClr val="lt1"/>
+            </a:fontRef>
+          </p:style>
+          <p:txBody>
+            <a:bodyPr rtlCol="0" anchor="ctr"/>
+            <a:lstStyle/>
+            <a:p>
+              <a:pPr algn="ctr"/>
+              <a:endParaRPr lang="en-US"/>
+            </a:p>
+          </p:txBody>
+        </p:sp>
+      </p:grpSp>
+      <p:sp>
+        <p:nvSpPr>
+          <p:cNvPr id="14" name="Rectangle 13">
+            <a:extLst>
+              <a:ext uri="{FF2B5EF4-FFF2-40B4-BE49-F238E27FC236}">
+                <a16:creationId xmlns:a16="http://schemas.microsoft.com/office/drawing/2014/main" id="{9678F10E-7F4D-D591-907B-1DC9543B4FCF}"/>
+              </a:ext>
+              <a:ext uri="{C183D7F6-B498-43B3-948B-1728B52AA6E4}">
+                <adec:decorative xmlns:adec="http://schemas.microsoft.com/office/drawing/2017/decorative" val="1"/>
+              </a:ext>
+            </a:extLst>
+          </p:cNvPr>
+          <p:cNvSpPr>
+            <a:spLocks noGrp="1" noRot="1" noChangeAspect="1" noMove="1" noResize="1" noEditPoints="1" noAdjustHandles="1" noChangeArrowheads="1" noChangeShapeType="1" noTextEdit="1"/>
+          </p:cNvSpPr>
+          <p:nvPr>
+            <p:extLst>
+              <p:ext uri="{386F3935-93C4-4BCD-93E2-E3B085C9AB24}">
+                <p16:designElem xmlns:p16="http://schemas.microsoft.com/office/powerpoint/2015/main" val="1"/>
+              </p:ext>
+            </p:extLst>
+          </p:nvPr>
+        </p:nvSpPr>
+        <p:spPr>
+          <a:xfrm>
+            <a:off x="0" y="2203079"/>
+            <a:ext cx="11383362" cy="4147845"/>
+          </a:xfrm>
+          <a:prstGeom prst="rect">
+            <a:avLst/>
+          </a:prstGeom>
+          <a:solidFill>
+            <a:schemeClr val="bg1"/>
+          </a:solidFill>
+          <a:ln>
+            <a:noFill/>
+          </a:ln>
+          <a:effectLst>
+            <a:outerShdw blurRad="139700" dist="127000" dir="5400000" algn="t" rotWithShape="0">
+              <a:prstClr val="black">
+                <a:alpha val="15000"/>
+              </a:prstClr>
+            </a:outerShdw>
+          </a:effectLst>
+        </p:spPr>
+        <p:style>
+          <a:lnRef idx="2">
+            <a:schemeClr val="accent1">
+              <a:shade val="50000"/>
+            </a:schemeClr>
+          </a:lnRef>
+          <a:fillRef idx="1">
+            <a:schemeClr val="accent1"/>
+          </a:fillRef>
+          <a:effectRef idx="0">
+            <a:schemeClr val="accent1"/>
+          </a:effectRef>
+          <a:fontRef idx="minor">
+            <a:schemeClr val="lt1"/>
+          </a:fontRef>
+        </p:style>
+        <p:txBody>
+          <a:bodyPr rtlCol="0" anchor="ctr"/>
+          <a:lstStyle/>
+          <a:p>
+            <a:pPr algn="ctr"/>
+            <a:endParaRPr lang="en-US"/>
+          </a:p>
+        </p:txBody>
+      </p:sp>
+      <p:sp>
+        <p:nvSpPr>
+          <p:cNvPr id="3" name="Content Placeholder 2">
+            <a:extLst>
+              <a:ext uri="{FF2B5EF4-FFF2-40B4-BE49-F238E27FC236}">
+                <a16:creationId xmlns:a16="http://schemas.microsoft.com/office/drawing/2014/main" id="{A1858CCC-8167-95A9-4D67-20CE5CF59BB1}"/>
+              </a:ext>
+            </a:extLst>
+          </p:cNvPr>
+          <p:cNvSpPr>
+            <a:spLocks noGrp="1"/>
+          </p:cNvSpPr>
+          <p:nvPr>
+            <p:ph idx="1"/>
+          </p:nvPr>
+        </p:nvSpPr>
+        <p:spPr>
+          <a:xfrm>
+            <a:off x="793660" y="2599509"/>
+            <a:ext cx="10119873" cy="3435531"/>
+          </a:xfrm>
+        </p:spPr>
+        <p:txBody>
+          <a:bodyPr anchor="ctr">
+            <a:normAutofit/>
+          </a:bodyPr>
+          <a:lstStyle/>
+          <a:p>
+            <a:r>
+              <a:rPr lang="en-US" sz="2000" dirty="0"/>
+              <a:t>The model might overfit to the specific volatility patterns of the provided dataset.</a:t>
+            </a:r>
+          </a:p>
+          <a:p>
+            <a:r>
+              <a:rPr lang="en-US" sz="2000" dirty="0"/>
+              <a:t>A simple 2-layer MLP may limit expressiveness compared to deeper architectures.</a:t>
+            </a:r>
+          </a:p>
+          <a:p>
+            <a:r>
+              <a:rPr lang="en-US" sz="2000" b="1" dirty="0"/>
+              <a:t>Possible Future Work: </a:t>
+            </a:r>
+          </a:p>
+          <a:p>
+            <a:pPr lvl="1"/>
+            <a:r>
+              <a:rPr lang="en-US" sz="1600" dirty="0"/>
+              <a:t>Implement Recurrent Neural Networks (RNNs) to capture time-series dependencies better. </a:t>
+            </a:r>
+          </a:p>
+          <a:p>
+            <a:pPr lvl="1"/>
+            <a:r>
+              <a:rPr lang="en-US" sz="1600" dirty="0"/>
+              <a:t>Replace heuristic EGT agents with other RL agents (Multi-Agent Reinforcement Learning) for a "smarter" enemy.</a:t>
+            </a:r>
+            <a:endParaRPr lang="en-US" sz="1600" b="1" dirty="0"/>
+          </a:p>
+        </p:txBody>
+      </p:sp>
+    </p:spTree>
+    <p:extLst>
+      <p:ext uri="{BB962C8B-B14F-4D97-AF65-F5344CB8AC3E}">
+        <p14:creationId xmlns:p14="http://schemas.microsoft.com/office/powerpoint/2010/main" val="2540789455"/>
+      </p:ext>
+    </p:extLst>
+  </p:cSld>
+  <p:clrMapOvr>
+    <a:masterClrMapping/>
+  </p:clrMapOvr>
+</p:sld>
+</file>
+
+<file path=ppt/slides/slide14.xml><?xml version="1.0" encoding="utf-8"?>
+<p:sld xmlns:a="http://schemas.openxmlformats.org/drawingml/2006/main" xmlns:r="http://schemas.openxmlformats.org/officeDocument/2006/relationships" xmlns:p="http://schemas.openxmlformats.org/presentationml/2006/main">
+  <p:cSld>
+    <p:bg>
+      <p:bgPr>
+        <a:solidFill>
+          <a:schemeClr val="bg1"/>
+        </a:solidFill>
+        <a:effectLst/>
+      </p:bgPr>
+    </p:bg>
+    <p:spTree>
+      <p:nvGrpSpPr>
+        <p:cNvPr id="1" name="">
+          <a:extLst>
+            <a:ext uri="{FF2B5EF4-FFF2-40B4-BE49-F238E27FC236}">
+              <a16:creationId xmlns:a16="http://schemas.microsoft.com/office/drawing/2014/main" id="{AE44F032-3989-26DC-9FE6-6125203BF16E}"/>
+            </a:ext>
+          </a:extLst>
+        </p:cNvPr>
+        <p:cNvGrpSpPr/>
+        <p:nvPr/>
+      </p:nvGrpSpPr>
+      <p:grpSpPr>
+        <a:xfrm>
+          <a:off x="0" y="0"/>
+          <a:ext cx="0" cy="0"/>
+          <a:chOff x="0" y="0"/>
+          <a:chExt cx="0" cy="0"/>
+        </a:xfrm>
+      </p:grpSpPr>
+      <p:sp useBgFill="1">
+        <p:nvSpPr>
+          <p:cNvPr id="8" name="Rectangle 7">
+            <a:extLst>
+              <a:ext uri="{FF2B5EF4-FFF2-40B4-BE49-F238E27FC236}">
+                <a16:creationId xmlns:a16="http://schemas.microsoft.com/office/drawing/2014/main" id="{B995BFA5-5D15-FB40-29A3-A56C49D9625C}"/>
+              </a:ext>
+              <a:ext uri="{C183D7F6-B498-43B3-948B-1728B52AA6E4}">
+                <adec:decorative xmlns:adec="http://schemas.microsoft.com/office/drawing/2017/decorative" val="1"/>
+              </a:ext>
+            </a:extLst>
+          </p:cNvPr>
+          <p:cNvSpPr>
+            <a:spLocks noGrp="1" noRot="1" noChangeAspect="1" noMove="1" noResize="1" noEditPoints="1" noAdjustHandles="1" noChangeArrowheads="1" noChangeShapeType="1" noTextEdit="1"/>
+          </p:cNvSpPr>
+          <p:nvPr>
+            <p:extLst>
+              <p:ext uri="{386F3935-93C4-4BCD-93E2-E3B085C9AB24}">
+                <p16:designElem xmlns:p16="http://schemas.microsoft.com/office/powerpoint/2015/main" val="1"/>
+              </p:ext>
+            </p:extLst>
+          </p:nvPr>
+        </p:nvSpPr>
+        <p:spPr>
+          <a:xfrm>
+            <a:off x="0" y="0"/>
+            <a:ext cx="12191999" cy="6857365"/>
+          </a:xfrm>
+          <a:prstGeom prst="rect">
+            <a:avLst/>
+          </a:prstGeom>
+          <a:ln>
+            <a:noFill/>
+          </a:ln>
+        </p:spPr>
+        <p:style>
+          <a:lnRef idx="2">
+            <a:schemeClr val="accent1">
+              <a:shade val="50000"/>
+            </a:schemeClr>
+          </a:lnRef>
+          <a:fillRef idx="1">
+            <a:schemeClr val="accent1"/>
+          </a:fillRef>
+          <a:effectRef idx="0">
+            <a:schemeClr val="accent1"/>
+          </a:effectRef>
+          <a:fontRef idx="minor">
+            <a:schemeClr val="lt1"/>
+          </a:fontRef>
+        </p:style>
+        <p:txBody>
+          <a:bodyPr rtlCol="0" anchor="ctr"/>
+          <a:lstStyle/>
+          <a:p>
+            <a:pPr algn="ctr"/>
+            <a:endParaRPr lang="en-US"/>
+          </a:p>
+        </p:txBody>
+      </p:sp>
+      <p:sp>
+        <p:nvSpPr>
+          <p:cNvPr id="2" name="Title 1">
+            <a:extLst>
+              <a:ext uri="{FF2B5EF4-FFF2-40B4-BE49-F238E27FC236}">
+                <a16:creationId xmlns:a16="http://schemas.microsoft.com/office/drawing/2014/main" id="{4626F5ED-D8BA-33C5-574B-C688B1A765D0}"/>
+              </a:ext>
+            </a:extLst>
+          </p:cNvPr>
+          <p:cNvSpPr>
+            <a:spLocks noGrp="1"/>
+          </p:cNvSpPr>
+          <p:nvPr>
+            <p:ph type="title"/>
+          </p:nvPr>
+        </p:nvSpPr>
+        <p:spPr>
+          <a:xfrm>
+            <a:off x="808638" y="386930"/>
+            <a:ext cx="9236700" cy="1188950"/>
+          </a:xfrm>
+        </p:spPr>
+        <p:txBody>
+          <a:bodyPr anchor="b">
+            <a:normAutofit/>
+          </a:bodyPr>
+          <a:lstStyle/>
+          <a:p>
+            <a:r>
+              <a:rPr lang="en-US" sz="4600" b="1" dirty="0"/>
+              <a:t>Conclusion</a:t>
+            </a:r>
+            <a:endParaRPr lang="en-US" sz="4600" dirty="0"/>
+          </a:p>
+        </p:txBody>
+      </p:sp>
+      <p:grpSp>
+        <p:nvGrpSpPr>
+          <p:cNvPr id="10" name="Group 9">
+            <a:extLst>
+              <a:ext uri="{FF2B5EF4-FFF2-40B4-BE49-F238E27FC236}">
+                <a16:creationId xmlns:a16="http://schemas.microsoft.com/office/drawing/2014/main" id="{80BD6F1F-E3F6-CB99-60AC-EF3B501AB15A}"/>
+              </a:ext>
+              <a:ext uri="{C183D7F6-B498-43B3-948B-1728B52AA6E4}">
+                <adec:decorative xmlns:adec="http://schemas.microsoft.com/office/drawing/2017/decorative" val="1"/>
+              </a:ext>
+            </a:extLst>
+          </p:cNvPr>
+          <p:cNvGrpSpPr>
+            <a:grpSpLocks noGrp="1" noUngrp="1" noRot="1" noChangeAspect="1" noMove="1" noResize="1"/>
+          </p:cNvGrpSpPr>
+          <p:nvPr>
+            <p:extLst>
+              <p:ext uri="{386F3935-93C4-4BCD-93E2-E3B085C9AB24}">
+                <p16:designElem xmlns:p16="http://schemas.microsoft.com/office/powerpoint/2015/main" val="1"/>
+              </p:ext>
+            </p:extLst>
+          </p:nvPr>
+        </p:nvGrpSpPr>
+        <p:grpSpPr>
+          <a:xfrm>
+            <a:off x="-2" y="1998368"/>
+            <a:ext cx="11695083" cy="782176"/>
+            <a:chOff x="-2" y="1998368"/>
+            <a:chExt cx="11695083" cy="782176"/>
+          </a:xfrm>
+        </p:grpSpPr>
+        <p:sp>
+          <p:nvSpPr>
+            <p:cNvPr id="11" name="Rectangle 10">
+              <a:extLst>
+                <a:ext uri="{FF2B5EF4-FFF2-40B4-BE49-F238E27FC236}">
+                  <a16:creationId xmlns:a16="http://schemas.microsoft.com/office/drawing/2014/main" id="{7808BA69-4B21-1B00-BBB5-4C046B5A8E83}"/>
+                </a:ext>
+                <a:ext uri="{C183D7F6-B498-43B3-948B-1728B52AA6E4}">
+                  <adec:decorative xmlns:adec="http://schemas.microsoft.com/office/drawing/2017/decorative" val="1"/>
+                </a:ext>
+              </a:extLst>
+            </p:cNvPr>
+            <p:cNvSpPr/>
+            <p:nvPr>
+              <p:extLst>
+                <p:ext uri="{386F3935-93C4-4BCD-93E2-E3B085C9AB24}">
+                  <p16:designElem xmlns:p16="http://schemas.microsoft.com/office/powerpoint/2015/main" val="1"/>
+                </p:ext>
+              </p:extLst>
+            </p:nvPr>
+          </p:nvSpPr>
+          <p:spPr>
+            <a:xfrm rot="5400000">
+              <a:off x="11228040" y="2313027"/>
+              <a:ext cx="781700" cy="152382"/>
+            </a:xfrm>
+            <a:prstGeom prst="rect">
+              <a:avLst/>
+            </a:prstGeom>
+            <a:solidFill>
+              <a:schemeClr val="accent4"/>
+            </a:solidFill>
+            <a:ln>
+              <a:noFill/>
+            </a:ln>
+          </p:spPr>
+          <p:style>
+            <a:lnRef idx="2">
+              <a:schemeClr val="accent1">
+                <a:shade val="50000"/>
+              </a:schemeClr>
+            </a:lnRef>
+            <a:fillRef idx="1">
+              <a:schemeClr val="accent1"/>
+            </a:fillRef>
+            <a:effectRef idx="0">
+              <a:schemeClr val="accent1"/>
+            </a:effectRef>
+            <a:fontRef idx="minor">
+              <a:schemeClr val="lt1"/>
+            </a:fontRef>
+          </p:style>
+          <p:txBody>
+            <a:bodyPr rtlCol="0" anchor="ctr"/>
+            <a:lstStyle/>
+            <a:p>
+              <a:pPr algn="ctr"/>
+              <a:endParaRPr lang="en-US"/>
+            </a:p>
+          </p:txBody>
+        </p:sp>
+        <p:sp>
+          <p:nvSpPr>
+            <p:cNvPr id="12" name="Rectangle 11">
+              <a:extLst>
+                <a:ext uri="{FF2B5EF4-FFF2-40B4-BE49-F238E27FC236}">
+                  <a16:creationId xmlns:a16="http://schemas.microsoft.com/office/drawing/2014/main" id="{6737311D-8D8B-61C4-CDED-8362D76C52B6}"/>
+                </a:ext>
+                <a:ext uri="{C183D7F6-B498-43B3-948B-1728B52AA6E4}">
+                  <adec:decorative xmlns:adec="http://schemas.microsoft.com/office/drawing/2017/decorative" val="1"/>
+                </a:ext>
+              </a:extLst>
+            </p:cNvPr>
+            <p:cNvSpPr/>
+            <p:nvPr>
+              <p:extLst>
+                <p:ext uri="{386F3935-93C4-4BCD-93E2-E3B085C9AB24}">
+                  <p16:designElem xmlns:p16="http://schemas.microsoft.com/office/powerpoint/2015/main" val="1"/>
+                </p:ext>
+              </p:extLst>
+            </p:nvPr>
+          </p:nvSpPr>
+          <p:spPr>
+            <a:xfrm flipH="1" flipV="1">
+              <a:off x="-2" y="1998845"/>
+              <a:ext cx="11454595" cy="781699"/>
+            </a:xfrm>
+            <a:prstGeom prst="rect">
+              <a:avLst/>
+            </a:prstGeom>
+            <a:solidFill>
+              <a:schemeClr val="accent4"/>
+            </a:solidFill>
+            <a:ln>
+              <a:noFill/>
+            </a:ln>
+          </p:spPr>
+          <p:style>
+            <a:lnRef idx="2">
+              <a:schemeClr val="accent1">
+                <a:shade val="50000"/>
+              </a:schemeClr>
+            </a:lnRef>
+            <a:fillRef idx="1">
+              <a:schemeClr val="accent1"/>
+            </a:fillRef>
+            <a:effectRef idx="0">
+              <a:schemeClr val="accent1"/>
+            </a:effectRef>
+            <a:fontRef idx="minor">
+              <a:schemeClr val="lt1"/>
+            </a:fontRef>
+          </p:style>
+          <p:txBody>
+            <a:bodyPr rtlCol="0" anchor="ctr"/>
+            <a:lstStyle/>
+            <a:p>
+              <a:pPr algn="ctr"/>
+              <a:endParaRPr lang="en-US"/>
+            </a:p>
+          </p:txBody>
+        </p:sp>
+      </p:grpSp>
+      <p:sp>
+        <p:nvSpPr>
+          <p:cNvPr id="14" name="Rectangle 13">
+            <a:extLst>
+              <a:ext uri="{FF2B5EF4-FFF2-40B4-BE49-F238E27FC236}">
+                <a16:creationId xmlns:a16="http://schemas.microsoft.com/office/drawing/2014/main" id="{171F1874-747B-65D8-AAA2-BA7A6621E92E}"/>
+              </a:ext>
+              <a:ext uri="{C183D7F6-B498-43B3-948B-1728B52AA6E4}">
+                <adec:decorative xmlns:adec="http://schemas.microsoft.com/office/drawing/2017/decorative" val="1"/>
+              </a:ext>
+            </a:extLst>
+          </p:cNvPr>
+          <p:cNvSpPr>
+            <a:spLocks noGrp="1" noRot="1" noChangeAspect="1" noMove="1" noResize="1" noEditPoints="1" noAdjustHandles="1" noChangeArrowheads="1" noChangeShapeType="1" noTextEdit="1"/>
+          </p:cNvSpPr>
+          <p:nvPr>
+            <p:extLst>
+              <p:ext uri="{386F3935-93C4-4BCD-93E2-E3B085C9AB24}">
+                <p16:designElem xmlns:p16="http://schemas.microsoft.com/office/powerpoint/2015/main" val="1"/>
+              </p:ext>
+            </p:extLst>
+          </p:nvPr>
+        </p:nvSpPr>
+        <p:spPr>
+          <a:xfrm>
+            <a:off x="0" y="2203079"/>
+            <a:ext cx="11383362" cy="4147845"/>
+          </a:xfrm>
+          <a:prstGeom prst="rect">
+            <a:avLst/>
+          </a:prstGeom>
+          <a:solidFill>
+            <a:schemeClr val="bg1"/>
+          </a:solidFill>
+          <a:ln>
+            <a:noFill/>
+          </a:ln>
+          <a:effectLst>
+            <a:outerShdw blurRad="139700" dist="127000" dir="5400000" algn="t" rotWithShape="0">
+              <a:prstClr val="black">
+                <a:alpha val="15000"/>
+              </a:prstClr>
+            </a:outerShdw>
+          </a:effectLst>
+        </p:spPr>
+        <p:style>
+          <a:lnRef idx="2">
+            <a:schemeClr val="accent1">
+              <a:shade val="50000"/>
+            </a:schemeClr>
+          </a:lnRef>
+          <a:fillRef idx="1">
+            <a:schemeClr val="accent1"/>
+          </a:fillRef>
+          <a:effectRef idx="0">
+            <a:schemeClr val="accent1"/>
+          </a:effectRef>
+          <a:fontRef idx="minor">
+            <a:schemeClr val="lt1"/>
+          </a:fontRef>
+        </p:style>
+        <p:txBody>
+          <a:bodyPr rtlCol="0" anchor="ctr"/>
+          <a:lstStyle/>
+          <a:p>
+            <a:pPr algn="ctr"/>
+            <a:endParaRPr lang="en-US"/>
+          </a:p>
+        </p:txBody>
+      </p:sp>
+      <p:sp>
+        <p:nvSpPr>
+          <p:cNvPr id="3" name="Content Placeholder 2">
+            <a:extLst>
+              <a:ext uri="{FF2B5EF4-FFF2-40B4-BE49-F238E27FC236}">
+                <a16:creationId xmlns:a16="http://schemas.microsoft.com/office/drawing/2014/main" id="{14180F32-E6BE-5841-22B1-54EBCDB0570E}"/>
+              </a:ext>
+            </a:extLst>
+          </p:cNvPr>
+          <p:cNvSpPr>
+            <a:spLocks noGrp="1"/>
+          </p:cNvSpPr>
+          <p:nvPr>
+            <p:ph idx="1"/>
+          </p:nvPr>
+        </p:nvSpPr>
+        <p:spPr>
+          <a:xfrm>
+            <a:off x="793660" y="2599509"/>
+            <a:ext cx="10119873" cy="3435531"/>
+          </a:xfrm>
+        </p:spPr>
+        <p:txBody>
+          <a:bodyPr anchor="ctr">
+            <a:normAutofit/>
+          </a:bodyPr>
+          <a:lstStyle/>
+          <a:p>
+            <a:r>
+              <a:rPr lang="en-US" sz="2000" dirty="0"/>
+              <a:t>We successfully built a simulation where a Neural Network agent fought against an evolving Genetic Algorithm population.</a:t>
+            </a:r>
+          </a:p>
+          <a:p>
+            <a:r>
+              <a:rPr lang="en-US" sz="2000" dirty="0"/>
+              <a:t>The agent didn't just memorize prices; it learned Safe AI behaviors (inventory management) and Strategic Adaptation (countering aggressive traders).</a:t>
+            </a:r>
+          </a:p>
+          <a:p>
+            <a:r>
+              <a:rPr lang="en-US" sz="2000" dirty="0"/>
+              <a:t>This proves that RL agents can survive and stabilize in non-stationary, adversarial environments, a crucial step for deploying AI in the real world.</a:t>
+            </a:r>
+          </a:p>
+        </p:txBody>
+      </p:sp>
+    </p:spTree>
+    <p:extLst>
+      <p:ext uri="{BB962C8B-B14F-4D97-AF65-F5344CB8AC3E}">
+        <p14:creationId xmlns:p14="http://schemas.microsoft.com/office/powerpoint/2010/main" val="3228876117"/>
+      </p:ext>
+    </p:extLst>
+  </p:cSld>
+  <p:clrMapOvr>
+    <a:masterClrMapping/>
+  </p:clrMapOvr>
+</p:sld>
+</file>
+
+<file path=ppt/slides/slide15.xml><?xml version="1.0" encoding="utf-8"?>
+<p:sld xmlns:a="http://schemas.openxmlformats.org/drawingml/2006/main" xmlns:r="http://schemas.openxmlformats.org/officeDocument/2006/relationships" xmlns:p="http://schemas.openxmlformats.org/presentationml/2006/main">
+  <p:cSld>
+    <p:spTree>
+      <p:nvGrpSpPr>
+        <p:cNvPr id="1" name=""/>
+        <p:cNvGrpSpPr/>
+        <p:nvPr/>
+      </p:nvGrpSpPr>
+      <p:grpSpPr>
+        <a:xfrm>
+          <a:off x="0" y="0"/>
+          <a:ext cx="0" cy="0"/>
+          <a:chOff x="0" y="0"/>
+          <a:chExt cx="0" cy="0"/>
+        </a:xfrm>
+      </p:grpSpPr>
+      <p:sp>
+        <p:nvSpPr>
+          <p:cNvPr id="2" name="Title 1">
+            <a:extLst>
+              <a:ext uri="{FF2B5EF4-FFF2-40B4-BE49-F238E27FC236}">
+                <a16:creationId xmlns:a16="http://schemas.microsoft.com/office/drawing/2014/main" id="{898EE578-B6ED-0102-6AA0-CF8EEC4365F6}"/>
+              </a:ext>
+            </a:extLst>
+          </p:cNvPr>
+          <p:cNvSpPr>
+            <a:spLocks noGrp="1"/>
+          </p:cNvSpPr>
+          <p:nvPr>
+            <p:ph type="title"/>
+          </p:nvPr>
+        </p:nvSpPr>
+        <p:spPr/>
+        <p:txBody>
+          <a:bodyPr/>
+          <a:lstStyle/>
+          <a:p>
+            <a:endParaRPr lang="en-US"/>
+          </a:p>
+        </p:txBody>
+      </p:sp>
+      <p:sp>
+        <p:nvSpPr>
+          <p:cNvPr id="3" name="Content Placeholder 2">
+            <a:extLst>
+              <a:ext uri="{FF2B5EF4-FFF2-40B4-BE49-F238E27FC236}">
+                <a16:creationId xmlns:a16="http://schemas.microsoft.com/office/drawing/2014/main" id="{0FA1253E-0B67-CC2E-623F-4E78087E6C48}"/>
+              </a:ext>
+            </a:extLst>
+          </p:cNvPr>
+          <p:cNvSpPr>
+            <a:spLocks noGrp="1"/>
+          </p:cNvSpPr>
+          <p:nvPr>
+            <p:ph idx="1"/>
+          </p:nvPr>
+        </p:nvSpPr>
+        <p:spPr/>
+        <p:txBody>
+          <a:bodyPr/>
+          <a:lstStyle/>
+          <a:p>
+            <a:endParaRPr lang="en-US"/>
+          </a:p>
+        </p:txBody>
+      </p:sp>
+    </p:spTree>
+    <p:extLst>
+      <p:ext uri="{BB962C8B-B14F-4D97-AF65-F5344CB8AC3E}">
+        <p14:creationId xmlns:p14="http://schemas.microsoft.com/office/powerpoint/2010/main" val="4039386225"/>
+      </p:ext>
+    </p:extLst>
+  </p:cSld>
+  <p:clrMapOvr>
+    <a:masterClrMapping/>
+  </p:clrMapOvr>
+</p:sld>
+</file>
+
+<file path=ppt/slides/slide2.xml><?xml version="1.0" encoding="utf-8"?>
+<p:sld xmlns:a="http://schemas.openxmlformats.org/drawingml/2006/main" xmlns:r="http://schemas.openxmlformats.org/officeDocument/2006/relationships" xmlns:p="http://schemas.openxmlformats.org/presentationml/2006/main">
+  <p:cSld>
+    <p:bg>
+      <p:bgPr>
+        <a:solidFill>
+          <a:schemeClr val="bg1"/>
+        </a:solidFill>
+        <a:effectLst/>
+      </p:bgPr>
+    </p:bg>
+    <p:spTree>
+      <p:nvGrpSpPr>
+        <p:cNvPr id="1" name=""/>
+        <p:cNvGrpSpPr/>
+        <p:nvPr/>
+      </p:nvGrpSpPr>
+      <p:grpSpPr>
+        <a:xfrm>
+          <a:off x="0" y="0"/>
+          <a:ext cx="0" cy="0"/>
+          <a:chOff x="0" y="0"/>
+          <a:chExt cx="0" cy="0"/>
+        </a:xfrm>
+      </p:grpSpPr>
+      <p:sp useBgFill="1">
+        <p:nvSpPr>
+          <p:cNvPr id="8" name="Rectangle 7">
+            <a:extLst>
+              <a:ext uri="{FF2B5EF4-FFF2-40B4-BE49-F238E27FC236}">
+                <a16:creationId xmlns:a16="http://schemas.microsoft.com/office/drawing/2014/main" id="{DBF61EA3-B236-439E-9C0B-340980D56BEE}"/>
+              </a:ext>
+              <a:ext uri="{C183D7F6-B498-43B3-948B-1728B52AA6E4}">
+                <adec:decorative xmlns:adec="http://schemas.microsoft.com/office/drawing/2017/decorative" val="1"/>
+              </a:ext>
+            </a:extLst>
+          </p:cNvPr>
+          <p:cNvSpPr>
+            <a:spLocks noGrp="1" noRot="1" noChangeAspect="1" noMove="1" noResize="1" noEditPoints="1" noAdjustHandles="1" noChangeArrowheads="1" noChangeShapeType="1" noTextEdit="1"/>
+          </p:cNvSpPr>
+          <p:nvPr>
+            <p:extLst>
+              <p:ext uri="{386F3935-93C4-4BCD-93E2-E3B085C9AB24}">
+                <p16:designElem xmlns:p16="http://schemas.microsoft.com/office/powerpoint/2015/main" val="1"/>
+              </p:ext>
+            </p:extLst>
+          </p:nvPr>
+        </p:nvSpPr>
+        <p:spPr>
+          <a:xfrm>
+            <a:off x="0" y="0"/>
+            <a:ext cx="12191999" cy="6857365"/>
+          </a:xfrm>
+          <a:prstGeom prst="rect">
+            <a:avLst/>
+          </a:prstGeom>
+          <a:ln>
+            <a:noFill/>
+          </a:ln>
+        </p:spPr>
+        <p:style>
+          <a:lnRef idx="2">
+            <a:schemeClr val="accent1">
+              <a:shade val="50000"/>
+            </a:schemeClr>
+          </a:lnRef>
+          <a:fillRef idx="1">
+            <a:schemeClr val="accent1"/>
+          </a:fillRef>
+          <a:effectRef idx="0">
+            <a:schemeClr val="accent1"/>
+          </a:effectRef>
+          <a:fontRef idx="minor">
+            <a:schemeClr val="lt1"/>
+          </a:fontRef>
+        </p:style>
+        <p:txBody>
+          <a:bodyPr rtlCol="0" anchor="ctr"/>
+          <a:lstStyle/>
+          <a:p>
+            <a:pPr algn="ctr"/>
+            <a:endParaRPr lang="en-US"/>
+          </a:p>
+        </p:txBody>
+      </p:sp>
+      <p:sp>
+        <p:nvSpPr>
+          <p:cNvPr id="2" name="Title 1">
+            <a:extLst>
+              <a:ext uri="{FF2B5EF4-FFF2-40B4-BE49-F238E27FC236}">
+                <a16:creationId xmlns:a16="http://schemas.microsoft.com/office/drawing/2014/main" id="{788436D2-C349-4E5C-61EF-DF2174A71BFC}"/>
+              </a:ext>
+            </a:extLst>
+          </p:cNvPr>
+          <p:cNvSpPr>
+            <a:spLocks noGrp="1"/>
+          </p:cNvSpPr>
+          <p:nvPr>
+            <p:ph type="title"/>
+          </p:nvPr>
+        </p:nvSpPr>
+        <p:spPr>
+          <a:xfrm>
+            <a:off x="808638" y="386930"/>
+            <a:ext cx="9236700" cy="1188950"/>
+          </a:xfrm>
+        </p:spPr>
+        <p:txBody>
+          <a:bodyPr anchor="b">
+            <a:normAutofit/>
+          </a:bodyPr>
+          <a:lstStyle/>
+          <a:p>
+            <a:r>
+              <a:rPr lang="en-US" sz="4600" b="1"/>
+              <a:t>Research Question and Motivation</a:t>
+            </a:r>
+            <a:endParaRPr lang="en-US" sz="4600"/>
           </a:p>
         </p:txBody>
       </p:sp>
@@ -5476,7 +8092,7 @@
           <p:cNvPr id="3" name="Content Placeholder 2">
             <a:extLst>
               <a:ext uri="{FF2B5EF4-FFF2-40B4-BE49-F238E27FC236}">
-                <a16:creationId xmlns:a16="http://schemas.microsoft.com/office/drawing/2014/main" id="{99FD18AA-5EFB-B1FB-1979-862BD2DCB017}"/>
+                <a16:creationId xmlns:a16="http://schemas.microsoft.com/office/drawing/2014/main" id="{C1E9CE7E-32B9-3967-BB71-0F3E7AB55964}"/>
               </a:ext>
             </a:extLst>
           </p:cNvPr>
@@ -5495,109 +8111,65 @@
         </p:spPr>
         <p:txBody>
           <a:bodyPr anchor="ctr">
-            <a:normAutofit/>
+            <a:normAutofit fontScale="92500"/>
           </a:bodyPr>
           <a:lstStyle/>
           <a:p>
             <a:r>
-              <a:rPr lang="en-US" sz="1700" b="1"/>
-              <a:t>Why This Work Is Novel</a:t>
-            </a:r>
-            <a:endParaRPr lang="en-US" sz="1700"/>
+              <a:rPr lang="en-US" sz="2000" b="1" dirty="0"/>
+              <a:t>Research Question</a:t>
+            </a:r>
+            <a:endParaRPr lang="en-US" sz="2000" dirty="0"/>
           </a:p>
           <a:p>
             <a:pPr lvl="1"/>
             <a:r>
-              <a:rPr lang="en-US" sz="1700"/>
-              <a:t>Combines </a:t>
-            </a:r>
-            <a:r>
-              <a:rPr lang="en-US" sz="1700" b="1"/>
-              <a:t>Deep RL + Evolutionary Game Theory</a:t>
-            </a:r>
-            <a:r>
-              <a:rPr lang="en-US" sz="1700"/>
-              <a:t> inside a dynamic market microstructure.</a:t>
-            </a:r>
+              <a:rPr lang="en-US" sz="2000" dirty="0"/>
+              <a:t>How does an Adaptive Reinforcement Learning (ARL) agent perform and adapt against an evolving population of heuristic traders governed by Evolutionary Game Theory (EGT)?</a:t>
+            </a:r>
+          </a:p>
+          <a:p>
+            <a:r>
+              <a:rPr lang="en-US" sz="2000" b="1" dirty="0"/>
+              <a:t>Motivation</a:t>
+            </a:r>
+            <a:endParaRPr lang="en-US" sz="2000" dirty="0"/>
           </a:p>
           <a:p>
             <a:pPr lvl="1"/>
             <a:r>
-              <a:rPr lang="en-US" sz="1700"/>
-              <a:t>Studies </a:t>
-            </a:r>
-            <a:r>
-              <a:rPr lang="en-US" sz="1700" b="1"/>
-              <a:t>co-evolution</a:t>
-            </a:r>
-            <a:r>
-              <a:rPr lang="en-US" sz="1700"/>
-              <a:t>, not just performance — rare in RL finance research.</a:t>
+              <a:rPr lang="en-US" sz="2000" b="1" dirty="0"/>
+              <a:t>Problem: </a:t>
+            </a:r>
+            <a:r>
+              <a:rPr lang="en-US" sz="2000" dirty="0"/>
+              <a:t>Most RL benchmarks are static. We needed a dynamic, adversarial environment to study fundamental AI themes: search, reasoning, and multi-agent interaction.</a:t>
             </a:r>
           </a:p>
           <a:p>
             <a:pPr lvl="1"/>
             <a:r>
-              <a:rPr lang="en-US" sz="1700"/>
-              <a:t>Uses </a:t>
-            </a:r>
-            <a:r>
-              <a:rPr lang="en-US" sz="1700" b="1"/>
-              <a:t>inventory-aware DDQN</a:t>
-            </a:r>
-            <a:r>
-              <a:rPr lang="en-US" sz="1700"/>
-              <a:t> with spread-capture incentives.</a:t>
-            </a:r>
-          </a:p>
-          <a:p>
-            <a:pPr lvl="1"/>
-            <a:r>
-              <a:rPr lang="en-US" sz="1700"/>
-              <a:t>Creates an evolving adversarial environment rather than a static backtest.</a:t>
-            </a:r>
-          </a:p>
-          <a:p>
-            <a:r>
-              <a:rPr lang="en-US" sz="1700" b="1"/>
-              <a:t>Community Contribution</a:t>
-            </a:r>
-            <a:endParaRPr lang="en-US" sz="1700"/>
-          </a:p>
-          <a:p>
-            <a:pPr lvl="1"/>
-            <a:r>
-              <a:rPr lang="en-US" sz="1700"/>
-              <a:t>Open-source simulation for studying AI robustness &amp; adaptation.</a:t>
-            </a:r>
-          </a:p>
-          <a:p>
-            <a:pPr lvl="1"/>
-            <a:r>
-              <a:rPr lang="en-US" sz="1700"/>
-              <a:t>Useful for education in RL, multi-agent systems, and market simulation.</a:t>
-            </a:r>
-          </a:p>
-          <a:p>
-            <a:pPr lvl="1"/>
-            <a:r>
-              <a:rPr lang="en-US" sz="1700"/>
-              <a:t>Seeds a benchmark for testing RL agents under evolving adversaries.</a:t>
-            </a:r>
-          </a:p>
-          <a:p>
-            <a:pPr lvl="1"/>
-            <a:r>
-              <a:rPr lang="en-US" sz="1700"/>
-              <a:t>Enables safe experimentation on multi-agent strategic behavior.</a:t>
-            </a:r>
+              <a:rPr lang="en-US" sz="2000" b="1" dirty="0"/>
+              <a:t>Solution: </a:t>
+            </a:r>
+            <a:r>
+              <a:rPr lang="en-US" sz="2000" dirty="0"/>
+              <a:t>To use the stock market as a "playground" to observe how a learning agent (ARL) adapts when its environment (EGT population) fights back and evolves over time.</a:t>
+            </a:r>
+          </a:p>
+          <a:p>
+            <a:r>
+              <a:rPr lang="en-US" sz="2000" dirty="0"/>
+              <a:t>We treat the market not as a prediction problem, but as a complex stochastic environment for stress-testing AI reasoning and adaptation.</a:t>
+            </a:r>
+            <a:endParaRPr lang="en-US" sz="2000" b="1" dirty="0"/>
           </a:p>
         </p:txBody>
       </p:sp>
     </p:spTree>
     <p:extLst>
       <p:ext uri="{BB962C8B-B14F-4D97-AF65-F5344CB8AC3E}">
-        <p14:creationId xmlns:p14="http://schemas.microsoft.com/office/powerpoint/2010/main" val="650839254"/>
+        <p14:creationId xmlns:p14="http://schemas.microsoft.com/office/powerpoint/2010/main" val="3289168331"/>
       </p:ext>
     </p:extLst>
   </p:cSld>
@@ -5607,7 +8179,7 @@
 </p:sld>
 </file>
 
-<file path=ppt/slides/slide14.xml><?xml version="1.0" encoding="utf-8"?>
+<file path=ppt/slides/slide3.xml><?xml version="1.0" encoding="utf-8"?>
 <p:sld xmlns:a="http://schemas.openxmlformats.org/drawingml/2006/main" xmlns:r="http://schemas.openxmlformats.org/officeDocument/2006/relationships" xmlns:p="http://schemas.openxmlformats.org/presentationml/2006/main">
   <p:cSld>
     <p:bg>
@@ -5620,7 +8192,13 @@
     </p:bg>
     <p:spTree>
       <p:nvGrpSpPr>
-        <p:cNvPr id="1" name=""/>
+        <p:cNvPr id="1" name="">
+          <a:extLst>
+            <a:ext uri="{FF2B5EF4-FFF2-40B4-BE49-F238E27FC236}">
+              <a16:creationId xmlns:a16="http://schemas.microsoft.com/office/drawing/2014/main" id="{E81687DF-BC76-7043-FB6E-1B43C0854F6A}"/>
+            </a:ext>
+          </a:extLst>
+        </p:cNvPr>
         <p:cNvGrpSpPr/>
         <p:nvPr/>
       </p:nvGrpSpPr>
@@ -5637,7 +8215,7 @@
           <p:cNvPr id="8" name="Rectangle 7">
             <a:extLst>
               <a:ext uri="{FF2B5EF4-FFF2-40B4-BE49-F238E27FC236}">
-                <a16:creationId xmlns:a16="http://schemas.microsoft.com/office/drawing/2014/main" id="{DBF61EA3-B236-439E-9C0B-340980D56BEE}"/>
+                <a16:creationId xmlns:a16="http://schemas.microsoft.com/office/drawing/2014/main" id="{F628F126-7F05-A115-8896-9FE6506AB70B}"/>
               </a:ext>
               <a:ext uri="{C183D7F6-B498-43B3-948B-1728B52AA6E4}">
                 <adec:decorative xmlns:adec="http://schemas.microsoft.com/office/drawing/2017/decorative" val="1"/>
@@ -5697,7 +8275,7 @@
           <p:cNvPr id="2" name="Title 1">
             <a:extLst>
               <a:ext uri="{FF2B5EF4-FFF2-40B4-BE49-F238E27FC236}">
-                <a16:creationId xmlns:a16="http://schemas.microsoft.com/office/drawing/2014/main" id="{298CA2D8-94A1-BCCE-1CDD-3F7C69B006F7}"/>
+                <a16:creationId xmlns:a16="http://schemas.microsoft.com/office/drawing/2014/main" id="{632E0900-F9DA-5D57-3E3E-21948A7337BE}"/>
               </a:ext>
             </a:extLst>
           </p:cNvPr>
@@ -5721,9 +8299,10 @@
           <a:lstStyle/>
           <a:p>
             <a:r>
-              <a:rPr lang="en-US" sz="5400" b="1"/>
-              <a:t>Conclusion</a:t>
-            </a:r>
+              <a:rPr lang="en-US" sz="4600" b="1" dirty="0"/>
+              <a:t>Experimental Setup and Data</a:t>
+            </a:r>
+            <a:endParaRPr lang="en-US" sz="4600" dirty="0"/>
           </a:p>
         </p:txBody>
       </p:sp>
@@ -5732,7 +8311,7 @@
           <p:cNvPr id="10" name="Group 9">
             <a:extLst>
               <a:ext uri="{FF2B5EF4-FFF2-40B4-BE49-F238E27FC236}">
-                <a16:creationId xmlns:a16="http://schemas.microsoft.com/office/drawing/2014/main" id="{28FAF094-D087-493F-8DF9-A486C2D6BBAA}"/>
+                <a16:creationId xmlns:a16="http://schemas.microsoft.com/office/drawing/2014/main" id="{C1EDA5D3-1CBB-19D5-6061-3AB2AD03C32F}"/>
               </a:ext>
               <a:ext uri="{C183D7F6-B498-43B3-948B-1728B52AA6E4}">
                 <adec:decorative xmlns:adec="http://schemas.microsoft.com/office/drawing/2017/decorative" val="1"/>
@@ -5763,7 +8342,7 @@
             <p:cNvPr id="11" name="Rectangle 10">
               <a:extLst>
                 <a:ext uri="{FF2B5EF4-FFF2-40B4-BE49-F238E27FC236}">
-                  <a16:creationId xmlns:a16="http://schemas.microsoft.com/office/drawing/2014/main" id="{8D7C88D8-5509-4514-925A-9CE148E5CBD6}"/>
+                  <a16:creationId xmlns:a16="http://schemas.microsoft.com/office/drawing/2014/main" id="{FCA518F6-86ED-C813-A8C7-617DCBBC1849}"/>
                 </a:ext>
                 <a:ext uri="{C183D7F6-B498-43B3-948B-1728B52AA6E4}">
                   <adec:decorative xmlns:adec="http://schemas.microsoft.com/office/drawing/2017/decorative" val="1"/>
@@ -5824,7 +8403,7 @@
             <p:cNvPr id="12" name="Rectangle 11">
               <a:extLst>
                 <a:ext uri="{FF2B5EF4-FFF2-40B4-BE49-F238E27FC236}">
-                  <a16:creationId xmlns:a16="http://schemas.microsoft.com/office/drawing/2014/main" id="{7275593D-F75E-4426-AE3E-2CDEFD228D25}"/>
+                  <a16:creationId xmlns:a16="http://schemas.microsoft.com/office/drawing/2014/main" id="{51A30337-D30A-A9C1-0442-E0675AA682B8}"/>
                 </a:ext>
                 <a:ext uri="{C183D7F6-B498-43B3-948B-1728B52AA6E4}">
                   <adec:decorative xmlns:adec="http://schemas.microsoft.com/office/drawing/2017/decorative" val="1"/>
@@ -5886,7 +8465,7 @@
           <p:cNvPr id="14" name="Rectangle 13">
             <a:extLst>
               <a:ext uri="{FF2B5EF4-FFF2-40B4-BE49-F238E27FC236}">
-                <a16:creationId xmlns:a16="http://schemas.microsoft.com/office/drawing/2014/main" id="{E659831F-0D9A-4C63-9EBB-8435B85A440F}"/>
+                <a16:creationId xmlns:a16="http://schemas.microsoft.com/office/drawing/2014/main" id="{FA875617-92A9-AEFC-63E2-65DAB7B4A8B4}"/>
               </a:ext>
               <a:ext uri="{C183D7F6-B498-43B3-948B-1728B52AA6E4}">
                 <adec:decorative xmlns:adec="http://schemas.microsoft.com/office/drawing/2017/decorative" val="1"/>
@@ -5956,7 +8535,7 @@
           <p:cNvPr id="3" name="Content Placeholder 2">
             <a:extLst>
               <a:ext uri="{FF2B5EF4-FFF2-40B4-BE49-F238E27FC236}">
-                <a16:creationId xmlns:a16="http://schemas.microsoft.com/office/drawing/2014/main" id="{900A2329-C602-DD51-E112-BE83EAB18AAD}"/>
+                <a16:creationId xmlns:a16="http://schemas.microsoft.com/office/drawing/2014/main" id="{429159F8-C27C-AEEF-AB86-570268A50C78}"/>
               </a:ext>
             </a:extLst>
           </p:cNvPr>
@@ -5970,86 +8549,90 @@
         <p:spPr>
           <a:xfrm>
             <a:off x="793660" y="2599509"/>
-            <a:ext cx="10143668" cy="3435531"/>
+            <a:ext cx="10119873" cy="3435531"/>
           </a:xfrm>
         </p:spPr>
         <p:txBody>
           <a:bodyPr anchor="ctr">
-            <a:normAutofit/>
+            <a:normAutofit lnSpcReduction="10000"/>
           </a:bodyPr>
           <a:lstStyle/>
           <a:p>
             <a:r>
-              <a:rPr lang="en-US" sz="1700" b="1"/>
-              <a:t>What We Accomplished</a:t>
-            </a:r>
-            <a:endParaRPr lang="en-US" sz="1700"/>
-          </a:p>
-          <a:p>
-            <a:pPr lvl="1"/>
-            <a:r>
-              <a:rPr lang="en-US" sz="1700"/>
-              <a:t>Built a multi-agent market environment combining RL and EGT.</a:t>
-            </a:r>
-          </a:p>
-          <a:p>
-            <a:pPr lvl="1"/>
-            <a:r>
-              <a:rPr lang="en-US" sz="1700"/>
-              <a:t>Showed the ARL agent can learn stable, risk-aware, profitable policies.</a:t>
-            </a:r>
-          </a:p>
-          <a:p>
-            <a:pPr lvl="1"/>
-            <a:r>
-              <a:rPr lang="en-US" sz="1700"/>
-              <a:t>Observed clear co-adaptation between ARL and EGT populations.</a:t>
-            </a:r>
-          </a:p>
-          <a:p>
-            <a:pPr lvl="1"/>
-            <a:r>
-              <a:rPr lang="en-US" sz="1700"/>
-              <a:t>Demonstrated that agent behavior and population dynamics shape each other.</a:t>
-            </a:r>
-          </a:p>
-          <a:p>
-            <a:r>
-              <a:rPr lang="en-US" sz="1700" b="1"/>
-              <a:t>Why It Matters</a:t>
-            </a:r>
-            <a:endParaRPr lang="en-US" sz="1700"/>
-          </a:p>
-          <a:p>
-            <a:pPr lvl="1"/>
-            <a:r>
-              <a:rPr lang="en-US" sz="1700"/>
-              <a:t>Helps researchers understand RL robustness in adversarial, adaptive settings.</a:t>
-            </a:r>
-          </a:p>
-          <a:p>
-            <a:pPr lvl="1"/>
-            <a:r>
-              <a:rPr lang="en-US" sz="1700"/>
-              <a:t>Provides a platform for exploring multi-agent learning, AI safety, and market microstructure.</a:t>
-            </a:r>
-          </a:p>
-          <a:p>
-            <a:pPr lvl="1"/>
-            <a:r>
-              <a:rPr lang="en-US" sz="1700"/>
-              <a:t>Lays groundwork for richer future experiments with smarter EGT agents or multi-ARL ecosystems.</a:t>
-            </a:r>
-          </a:p>
-          <a:p>
-            <a:endParaRPr lang="en-US" sz="1700"/>
+              <a:rPr lang="en-US" sz="2000" b="1" dirty="0"/>
+              <a:t>Environment: </a:t>
+            </a:r>
+            <a:r>
+              <a:rPr lang="en-US" sz="2000" dirty="0"/>
+              <a:t>A simulated order-book market where agents interact via "crossing quotes.</a:t>
+            </a:r>
+          </a:p>
+          <a:p>
+            <a:r>
+              <a:rPr lang="en-US" sz="2000" b="1" dirty="0"/>
+              <a:t>Data Source: </a:t>
+            </a:r>
+            <a:r>
+              <a:rPr lang="en-US" sz="2000" dirty="0"/>
+              <a:t>Real OHLCV data provides the seed for price, volatility, and momentum.</a:t>
+            </a:r>
+          </a:p>
+          <a:p>
+            <a:r>
+              <a:rPr lang="en-US" sz="2000" b="1" dirty="0"/>
+              <a:t>Input Features: </a:t>
+            </a:r>
+            <a:r>
+              <a:rPr lang="en-US" sz="2000" dirty="0"/>
+              <a:t>The agent observes 6 features: Volatility, RSI, Momentum, Normalized Volume, Inventory, and Time Remaining.</a:t>
+            </a:r>
+          </a:p>
+          <a:p>
+            <a:r>
+              <a:rPr lang="en-US" sz="2000" b="1" dirty="0"/>
+              <a:t>Reproducibility: </a:t>
+            </a:r>
+            <a:r>
+              <a:rPr lang="en-US" sz="2000" dirty="0"/>
+              <a:t>There is a seed feature which enables accurate reproduction of results despite the required randomness.</a:t>
+            </a:r>
+            <a:endParaRPr lang="en-US" sz="2000" b="1" dirty="0"/>
+          </a:p>
+          <a:p>
+            <a:r>
+              <a:rPr lang="en-US" sz="2000" b="1" dirty="0"/>
+              <a:t>Goal: </a:t>
+            </a:r>
+            <a:r>
+              <a:rPr lang="en-US" sz="2000" dirty="0"/>
+              <a:t>Maximize a Hybrid Reward function (Profit + Spread Capture + Risk Penalty). </a:t>
+            </a:r>
+          </a:p>
+          <a:p>
+            <a:r>
+              <a:rPr lang="en-US" sz="2000" b="1" dirty="0"/>
+              <a:t>External Tools/Libraries used: </a:t>
+            </a:r>
+            <a:r>
+              <a:rPr lang="en-US" sz="2000" dirty="0"/>
+              <a:t>Python, TensorFlow/</a:t>
+            </a:r>
+            <a:r>
+              <a:rPr lang="en-US" sz="2000" dirty="0" err="1"/>
+              <a:t>Keras</a:t>
+            </a:r>
+            <a:r>
+              <a:rPr lang="en-US" sz="2000" dirty="0"/>
+              <a:t> (Deep Learning/Neural Network), NumPy &amp; Pandas (Data Processing), SciPy (Analytics), and Matplotlib (Visualization).</a:t>
+            </a:r>
+            <a:endParaRPr lang="en-US" sz="2000" b="1" dirty="0"/>
           </a:p>
         </p:txBody>
       </p:sp>
     </p:spTree>
     <p:extLst>
       <p:ext uri="{BB962C8B-B14F-4D97-AF65-F5344CB8AC3E}">
-        <p14:creationId xmlns:p14="http://schemas.microsoft.com/office/powerpoint/2010/main" val="2797832486"/>
+        <p14:creationId xmlns:p14="http://schemas.microsoft.com/office/powerpoint/2010/main" val="3219614545"/>
       </p:ext>
     </p:extLst>
   </p:cSld>
@@ -6059,87 +8642,7 @@
 </p:sld>
 </file>
 
-<file path=ppt/slides/slide15.xml><?xml version="1.0" encoding="utf-8"?>
-<p:sld xmlns:a="http://schemas.openxmlformats.org/drawingml/2006/main" xmlns:r="http://schemas.openxmlformats.org/officeDocument/2006/relationships" xmlns:p="http://schemas.openxmlformats.org/presentationml/2006/main">
-  <p:cSld>
-    <p:spTree>
-      <p:nvGrpSpPr>
-        <p:cNvPr id="1" name=""/>
-        <p:cNvGrpSpPr/>
-        <p:nvPr/>
-      </p:nvGrpSpPr>
-      <p:grpSpPr>
-        <a:xfrm>
-          <a:off x="0" y="0"/>
-          <a:ext cx="0" cy="0"/>
-          <a:chOff x="0" y="0"/>
-          <a:chExt cx="0" cy="0"/>
-        </a:xfrm>
-      </p:grpSpPr>
-      <p:sp>
-        <p:nvSpPr>
-          <p:cNvPr id="2" name="Title 1">
-            <a:extLst>
-              <a:ext uri="{FF2B5EF4-FFF2-40B4-BE49-F238E27FC236}">
-                <a16:creationId xmlns:a16="http://schemas.microsoft.com/office/drawing/2014/main" id="{898EE578-B6ED-0102-6AA0-CF8EEC4365F6}"/>
-              </a:ext>
-            </a:extLst>
-          </p:cNvPr>
-          <p:cNvSpPr>
-            <a:spLocks noGrp="1"/>
-          </p:cNvSpPr>
-          <p:nvPr>
-            <p:ph type="title"/>
-          </p:nvPr>
-        </p:nvSpPr>
-        <p:spPr/>
-        <p:txBody>
-          <a:bodyPr/>
-          <a:lstStyle/>
-          <a:p>
-            <a:endParaRPr lang="en-US"/>
-          </a:p>
-        </p:txBody>
-      </p:sp>
-      <p:sp>
-        <p:nvSpPr>
-          <p:cNvPr id="3" name="Content Placeholder 2">
-            <a:extLst>
-              <a:ext uri="{FF2B5EF4-FFF2-40B4-BE49-F238E27FC236}">
-                <a16:creationId xmlns:a16="http://schemas.microsoft.com/office/drawing/2014/main" id="{0FA1253E-0B67-CC2E-623F-4E78087E6C48}"/>
-              </a:ext>
-            </a:extLst>
-          </p:cNvPr>
-          <p:cNvSpPr>
-            <a:spLocks noGrp="1"/>
-          </p:cNvSpPr>
-          <p:nvPr>
-            <p:ph idx="1"/>
-          </p:nvPr>
-        </p:nvSpPr>
-        <p:spPr/>
-        <p:txBody>
-          <a:bodyPr/>
-          <a:lstStyle/>
-          <a:p>
-            <a:endParaRPr lang="en-US"/>
-          </a:p>
-        </p:txBody>
-      </p:sp>
-    </p:spTree>
-    <p:extLst>
-      <p:ext uri="{BB962C8B-B14F-4D97-AF65-F5344CB8AC3E}">
-        <p14:creationId xmlns:p14="http://schemas.microsoft.com/office/powerpoint/2010/main" val="4039386225"/>
-      </p:ext>
-    </p:extLst>
-  </p:cSld>
-  <p:clrMapOvr>
-    <a:masterClrMapping/>
-  </p:clrMapOvr>
-</p:sld>
-</file>
-
-<file path=ppt/slides/slide2.xml><?xml version="1.0" encoding="utf-8"?>
+<file path=ppt/slides/slide4.xml><?xml version="1.0" encoding="utf-8"?>
 <p:sld xmlns:a="http://schemas.openxmlformats.org/drawingml/2006/main" xmlns:r="http://schemas.openxmlformats.org/officeDocument/2006/relationships" xmlns:p="http://schemas.openxmlformats.org/presentationml/2006/main">
   <p:cSld>
     <p:bg>
@@ -6152,7 +8655,13 @@
     </p:bg>
     <p:spTree>
       <p:nvGrpSpPr>
-        <p:cNvPr id="1" name=""/>
+        <p:cNvPr id="1" name="">
+          <a:extLst>
+            <a:ext uri="{FF2B5EF4-FFF2-40B4-BE49-F238E27FC236}">
+              <a16:creationId xmlns:a16="http://schemas.microsoft.com/office/drawing/2014/main" id="{1468288A-AD10-A3B7-813D-51DF7C3888FD}"/>
+            </a:ext>
+          </a:extLst>
+        </p:cNvPr>
         <p:cNvGrpSpPr/>
         <p:nvPr/>
       </p:nvGrpSpPr>
@@ -6169,7 +8678,7 @@
           <p:cNvPr id="8" name="Rectangle 7">
             <a:extLst>
               <a:ext uri="{FF2B5EF4-FFF2-40B4-BE49-F238E27FC236}">
-                <a16:creationId xmlns:a16="http://schemas.microsoft.com/office/drawing/2014/main" id="{DBF61EA3-B236-439E-9C0B-340980D56BEE}"/>
+                <a16:creationId xmlns:a16="http://schemas.microsoft.com/office/drawing/2014/main" id="{361E1B73-83E0-1763-E51D-31E80120198C}"/>
               </a:ext>
               <a:ext uri="{C183D7F6-B498-43B3-948B-1728B52AA6E4}">
                 <adec:decorative xmlns:adec="http://schemas.microsoft.com/office/drawing/2017/decorative" val="1"/>
@@ -6229,7 +8738,7 @@
           <p:cNvPr id="2" name="Title 1">
             <a:extLst>
               <a:ext uri="{FF2B5EF4-FFF2-40B4-BE49-F238E27FC236}">
-                <a16:creationId xmlns:a16="http://schemas.microsoft.com/office/drawing/2014/main" id="{788436D2-C349-4E5C-61EF-DF2174A71BFC}"/>
+                <a16:creationId xmlns:a16="http://schemas.microsoft.com/office/drawing/2014/main" id="{EEEECE88-5BF6-6385-E38F-D8FB8A9AAD28}"/>
               </a:ext>
             </a:extLst>
           </p:cNvPr>
@@ -6253,10 +8762,10 @@
           <a:lstStyle/>
           <a:p>
             <a:r>
-              <a:rPr lang="en-US" sz="4600" b="1"/>
-              <a:t>Research Question and Motivation</a:t>
-            </a:r>
-            <a:endParaRPr lang="en-US" sz="4600"/>
+              <a:rPr lang="en-US" sz="4600" b="1" dirty="0"/>
+              <a:t>Agent Architecture</a:t>
+            </a:r>
+            <a:endParaRPr lang="en-US" sz="4600" dirty="0"/>
           </a:p>
         </p:txBody>
       </p:sp>
@@ -6265,7 +8774,7 @@
           <p:cNvPr id="10" name="Group 9">
             <a:extLst>
               <a:ext uri="{FF2B5EF4-FFF2-40B4-BE49-F238E27FC236}">
-                <a16:creationId xmlns:a16="http://schemas.microsoft.com/office/drawing/2014/main" id="{28FAF094-D087-493F-8DF9-A486C2D6BBAA}"/>
+                <a16:creationId xmlns:a16="http://schemas.microsoft.com/office/drawing/2014/main" id="{EECD7CC4-8BB9-6011-E1EE-39289BC53555}"/>
               </a:ext>
               <a:ext uri="{C183D7F6-B498-43B3-948B-1728B52AA6E4}">
                 <adec:decorative xmlns:adec="http://schemas.microsoft.com/office/drawing/2017/decorative" val="1"/>
@@ -6296,7 +8805,7 @@
             <p:cNvPr id="11" name="Rectangle 10">
               <a:extLst>
                 <a:ext uri="{FF2B5EF4-FFF2-40B4-BE49-F238E27FC236}">
-                  <a16:creationId xmlns:a16="http://schemas.microsoft.com/office/drawing/2014/main" id="{8D7C88D8-5509-4514-925A-9CE148E5CBD6}"/>
+                  <a16:creationId xmlns:a16="http://schemas.microsoft.com/office/drawing/2014/main" id="{C7E97174-9DF8-FCE1-6CC4-2149EB00B30E}"/>
                 </a:ext>
                 <a:ext uri="{C183D7F6-B498-43B3-948B-1728B52AA6E4}">
                   <adec:decorative xmlns:adec="http://schemas.microsoft.com/office/drawing/2017/decorative" val="1"/>
@@ -6357,7 +8866,7 @@
             <p:cNvPr id="12" name="Rectangle 11">
               <a:extLst>
                 <a:ext uri="{FF2B5EF4-FFF2-40B4-BE49-F238E27FC236}">
-                  <a16:creationId xmlns:a16="http://schemas.microsoft.com/office/drawing/2014/main" id="{7275593D-F75E-4426-AE3E-2CDEFD228D25}"/>
+                  <a16:creationId xmlns:a16="http://schemas.microsoft.com/office/drawing/2014/main" id="{56FE0B54-2BB0-789E-00AD-EAE5FB670553}"/>
                 </a:ext>
                 <a:ext uri="{C183D7F6-B498-43B3-948B-1728B52AA6E4}">
                   <adec:decorative xmlns:adec="http://schemas.microsoft.com/office/drawing/2017/decorative" val="1"/>
@@ -6419,7 +8928,7 @@
           <p:cNvPr id="14" name="Rectangle 13">
             <a:extLst>
               <a:ext uri="{FF2B5EF4-FFF2-40B4-BE49-F238E27FC236}">
-                <a16:creationId xmlns:a16="http://schemas.microsoft.com/office/drawing/2014/main" id="{E659831F-0D9A-4C63-9EBB-8435B85A440F}"/>
+                <a16:creationId xmlns:a16="http://schemas.microsoft.com/office/drawing/2014/main" id="{9E6A42F2-13AA-F90D-917C-8A5A756389B5}"/>
               </a:ext>
               <a:ext uri="{C183D7F6-B498-43B3-948B-1728B52AA6E4}">
                 <adec:decorative xmlns:adec="http://schemas.microsoft.com/office/drawing/2017/decorative" val="1"/>
@@ -6489,7 +8998,7 @@
           <p:cNvPr id="3" name="Content Placeholder 2">
             <a:extLst>
               <a:ext uri="{FF2B5EF4-FFF2-40B4-BE49-F238E27FC236}">
-                <a16:creationId xmlns:a16="http://schemas.microsoft.com/office/drawing/2014/main" id="{C1E9CE7E-32B9-3967-BB71-0F3E7AB55964}"/>
+                <a16:creationId xmlns:a16="http://schemas.microsoft.com/office/drawing/2014/main" id="{5BB20EC2-E86D-B464-4C8F-17FA23D9DCC3}"/>
               </a:ext>
             </a:extLst>
           </p:cNvPr>
@@ -6503,7 +9012,7 @@
         <p:spPr>
           <a:xfrm>
             <a:off x="793660" y="2599509"/>
-            <a:ext cx="10143668" cy="3435531"/>
+            <a:ext cx="10119873" cy="3435531"/>
           </a:xfrm>
         </p:spPr>
         <p:txBody>
@@ -6513,51 +9022,40 @@
           <a:lstStyle/>
           <a:p>
             <a:r>
+              <a:rPr lang="en-US" sz="2000" dirty="0"/>
+              <a:t>We utilize a standard Feed-Forward Neural Network (MLP) to approximate the Q-values (expected future rewards).</a:t>
+            </a:r>
+          </a:p>
+          <a:p>
+            <a:r>
               <a:rPr lang="en-US" sz="2000" b="1" dirty="0"/>
-              <a:t>Research Question</a:t>
-            </a:r>
-            <a:endParaRPr lang="en-US" sz="2000" dirty="0"/>
-          </a:p>
-          <a:p>
-            <a:pPr lvl="1"/>
+              <a:t>Architecture: </a:t>
+            </a:r>
             <a:r>
               <a:rPr lang="en-US" sz="2000" dirty="0"/>
-              <a:t>How does an Adaptive Reinforcement Learning (ARL) agent perform and adapt against an evolving population of heuristic traders governed by Evolutionary Game Theory (EGT)?</a:t>
-            </a:r>
-          </a:p>
-          <a:p>
-            <a:r>
-              <a:rPr lang="en-US" sz="2000" b="1" dirty="0"/>
-              <a:t>Motivation</a:t>
-            </a:r>
-            <a:endParaRPr lang="en-US" sz="2000" dirty="0"/>
-          </a:p>
-          <a:p>
-            <a:pPr lvl="1"/>
+              <a:t>Input Layer (6 neurons), Hidden Layers (64 units, </a:t>
+            </a:r>
+            <a:r>
+              <a:rPr lang="en-US" sz="2000" dirty="0" err="1"/>
+              <a:t>ReLU</a:t>
+            </a:r>
             <a:r>
               <a:rPr lang="en-US" sz="2000" dirty="0"/>
-              <a:t>Markets are noisy, adversarial, and non-stationary - ideal for stress-testing AI.</a:t>
-            </a:r>
-          </a:p>
-          <a:p>
-            <a:pPr lvl="1"/>
+              <a:t> activation), Output Layer (5 discrete spread actions).</a:t>
+            </a:r>
+          </a:p>
+          <a:p>
             <a:r>
               <a:rPr lang="en-US" sz="2000" dirty="0"/>
-              <a:t>Safe environment for studying RL adaptation and robustness.</a:t>
-            </a:r>
-          </a:p>
-          <a:p>
-            <a:pPr lvl="1"/>
+              <a:t>We use Rectified Linear Units (</a:t>
+            </a:r>
+            <a:r>
+              <a:rPr lang="en-US" sz="2000" dirty="0" err="1"/>
+              <a:t>ReLU</a:t>
+            </a:r>
             <a:r>
               <a:rPr lang="en-US" sz="2000" dirty="0"/>
-              <a:t>EGT provides an adaptive adversary that changes over time, not a fixed opponent.</a:t>
-            </a:r>
-          </a:p>
-          <a:p>
-            <a:pPr lvl="1"/>
-            <a:r>
-              <a:rPr lang="en-US" sz="2000" dirty="0"/>
-              <a:t>Connects to AI themes: search, reasoning, planning, learning, and multi-agent interaction</a:t>
+              <a:t>) instead of sigmoid step-functions to handle the non-linear dynamics of market volatility and avoid the vanishing gradient problem.</a:t>
             </a:r>
           </a:p>
         </p:txBody>
@@ -6565,7 +9063,7 @@
     </p:spTree>
     <p:extLst>
       <p:ext uri="{BB962C8B-B14F-4D97-AF65-F5344CB8AC3E}">
-        <p14:creationId xmlns:p14="http://schemas.microsoft.com/office/powerpoint/2010/main" val="3289168331"/>
+        <p14:creationId xmlns:p14="http://schemas.microsoft.com/office/powerpoint/2010/main" val="185676579"/>
       </p:ext>
     </p:extLst>
   </p:cSld>
@@ -6575,7 +9073,7 @@
 </p:sld>
 </file>
 
-<file path=ppt/slides/slide3.xml><?xml version="1.0" encoding="utf-8"?>
+<file path=ppt/slides/slide5.xml><?xml version="1.0" encoding="utf-8"?>
 <p:sld xmlns:a="http://schemas.openxmlformats.org/drawingml/2006/main" xmlns:r="http://schemas.openxmlformats.org/officeDocument/2006/relationships" xmlns:p="http://schemas.openxmlformats.org/presentationml/2006/main">
   <p:cSld>
     <p:bg>
@@ -6588,7 +9086,13 @@
     </p:bg>
     <p:spTree>
       <p:nvGrpSpPr>
-        <p:cNvPr id="1" name=""/>
+        <p:cNvPr id="1" name="">
+          <a:extLst>
+            <a:ext uri="{FF2B5EF4-FFF2-40B4-BE49-F238E27FC236}">
+              <a16:creationId xmlns:a16="http://schemas.microsoft.com/office/drawing/2014/main" id="{90DDA837-FA51-A879-2E3C-66E1F9E87EE9}"/>
+            </a:ext>
+          </a:extLst>
+        </p:cNvPr>
         <p:cNvGrpSpPr/>
         <p:nvPr/>
       </p:nvGrpSpPr>
@@ -6602,10 +9106,10 @@
       </p:grpSpPr>
       <p:sp useBgFill="1">
         <p:nvSpPr>
-          <p:cNvPr id="12" name="Rectangle 11">
-            <a:extLst>
-              <a:ext uri="{FF2B5EF4-FFF2-40B4-BE49-F238E27FC236}">
-                <a16:creationId xmlns:a16="http://schemas.microsoft.com/office/drawing/2014/main" id="{058A14AF-9FB5-4CC7-BA35-E8E85D3EDF0E}"/>
+          <p:cNvPr id="8" name="Rectangle 7">
+            <a:extLst>
+              <a:ext uri="{FF2B5EF4-FFF2-40B4-BE49-F238E27FC236}">
+                <a16:creationId xmlns:a16="http://schemas.microsoft.com/office/drawing/2014/main" id="{5A4B5474-4EF2-9A9E-DDAB-B7352F3E2D1E}"/>
               </a:ext>
               <a:ext uri="{C183D7F6-B498-43B3-948B-1728B52AA6E4}">
                 <adec:decorative xmlns:adec="http://schemas.microsoft.com/office/drawing/2017/decorative" val="1"/>
@@ -6665,1755 +9169,7 @@
           <p:cNvPr id="2" name="Title 1">
             <a:extLst>
               <a:ext uri="{FF2B5EF4-FFF2-40B4-BE49-F238E27FC236}">
-                <a16:creationId xmlns:a16="http://schemas.microsoft.com/office/drawing/2014/main" id="{C1E3122C-E13C-E170-C61A-C5041BFBF023}"/>
-              </a:ext>
-            </a:extLst>
-          </p:cNvPr>
-          <p:cNvSpPr>
-            <a:spLocks noGrp="1"/>
-          </p:cNvSpPr>
-          <p:nvPr>
-            <p:ph type="title"/>
-          </p:nvPr>
-        </p:nvSpPr>
-        <p:spPr>
-          <a:xfrm>
-            <a:off x="793662" y="386930"/>
-            <a:ext cx="10066122" cy="1298448"/>
-          </a:xfrm>
-        </p:spPr>
-        <p:txBody>
-          <a:bodyPr anchor="b">
-            <a:normAutofit/>
-          </a:bodyPr>
-          <a:lstStyle/>
-          <a:p>
-            <a:r>
-              <a:rPr lang="en-US" sz="4800" b="1"/>
-              <a:t>Tested Market Patterns</a:t>
-            </a:r>
-          </a:p>
-        </p:txBody>
-      </p:sp>
-      <p:sp>
-        <p:nvSpPr>
-          <p:cNvPr id="14" name="Rectangle 13">
-            <a:extLst>
-              <a:ext uri="{FF2B5EF4-FFF2-40B4-BE49-F238E27FC236}">
-                <a16:creationId xmlns:a16="http://schemas.microsoft.com/office/drawing/2014/main" id="{3A9A4357-BD1D-4622-A4FE-766E6AB8DE84}"/>
-              </a:ext>
-              <a:ext uri="{C183D7F6-B498-43B3-948B-1728B52AA6E4}">
-                <adec:decorative xmlns:adec="http://schemas.microsoft.com/office/drawing/2017/decorative" val="1"/>
-              </a:ext>
-            </a:extLst>
-          </p:cNvPr>
-          <p:cNvSpPr>
-            <a:spLocks noGrp="1" noRot="1" noChangeAspect="1" noMove="1" noResize="1" noEditPoints="1" noAdjustHandles="1" noChangeArrowheads="1" noChangeShapeType="1" noTextEdit="1"/>
-          </p:cNvSpPr>
-          <p:nvPr>
-            <p:extLst>
-              <p:ext uri="{386F3935-93C4-4BCD-93E2-E3B085C9AB24}">
-                <p16:designElem xmlns:p16="http://schemas.microsoft.com/office/powerpoint/2015/main" val="1"/>
-              </p:ext>
-            </p:extLst>
-          </p:nvPr>
-        </p:nvSpPr>
-        <p:spPr>
-          <a:xfrm flipH="1" flipV="1">
-            <a:off x="-2" y="1998845"/>
-            <a:ext cx="11454595" cy="781699"/>
-          </a:xfrm>
-          <a:prstGeom prst="rect">
-            <a:avLst/>
-          </a:prstGeom>
-          <a:solidFill>
-            <a:schemeClr val="accent4"/>
-          </a:solidFill>
-          <a:ln>
-            <a:noFill/>
-          </a:ln>
-        </p:spPr>
-        <p:style>
-          <a:lnRef idx="2">
-            <a:schemeClr val="accent1">
-              <a:shade val="50000"/>
-            </a:schemeClr>
-          </a:lnRef>
-          <a:fillRef idx="1">
-            <a:schemeClr val="accent1"/>
-          </a:fillRef>
-          <a:effectRef idx="0">
-            <a:schemeClr val="accent1"/>
-          </a:effectRef>
-          <a:fontRef idx="minor">
-            <a:schemeClr val="lt1"/>
-          </a:fontRef>
-        </p:style>
-        <p:txBody>
-          <a:bodyPr rtlCol="0" anchor="ctr"/>
-          <a:lstStyle/>
-          <a:p>
-            <a:pPr algn="ctr"/>
-            <a:endParaRPr lang="en-US"/>
-          </a:p>
-        </p:txBody>
-      </p:sp>
-      <p:sp>
-        <p:nvSpPr>
-          <p:cNvPr id="16" name="Rectangle 15">
-            <a:extLst>
-              <a:ext uri="{FF2B5EF4-FFF2-40B4-BE49-F238E27FC236}">
-                <a16:creationId xmlns:a16="http://schemas.microsoft.com/office/drawing/2014/main" id="{E659831F-0D9A-4C63-9EBB-8435B85A440F}"/>
-              </a:ext>
-              <a:ext uri="{C183D7F6-B498-43B3-948B-1728B52AA6E4}">
-                <adec:decorative xmlns:adec="http://schemas.microsoft.com/office/drawing/2017/decorative" val="1"/>
-              </a:ext>
-            </a:extLst>
-          </p:cNvPr>
-          <p:cNvSpPr>
-            <a:spLocks noGrp="1" noRot="1" noChangeAspect="1" noMove="1" noResize="1" noEditPoints="1" noAdjustHandles="1" noChangeArrowheads="1" noChangeShapeType="1" noTextEdit="1"/>
-          </p:cNvSpPr>
-          <p:nvPr>
-            <p:extLst>
-              <p:ext uri="{386F3935-93C4-4BCD-93E2-E3B085C9AB24}">
-                <p16:designElem xmlns:p16="http://schemas.microsoft.com/office/powerpoint/2015/main" val="1"/>
-              </p:ext>
-            </p:extLst>
-          </p:nvPr>
-        </p:nvSpPr>
-        <p:spPr>
-          <a:xfrm>
-            <a:off x="0" y="2203079"/>
-            <a:ext cx="11383362" cy="4267991"/>
-          </a:xfrm>
-          <a:prstGeom prst="rect">
-            <a:avLst/>
-          </a:prstGeom>
-          <a:solidFill>
-            <a:schemeClr val="bg1"/>
-          </a:solidFill>
-          <a:ln>
-            <a:noFill/>
-          </a:ln>
-          <a:effectLst>
-            <a:outerShdw blurRad="139700" dist="127000" dir="5400000" algn="t" rotWithShape="0">
-              <a:prstClr val="black">
-                <a:alpha val="15000"/>
-              </a:prstClr>
-            </a:outerShdw>
-          </a:effectLst>
-        </p:spPr>
-        <p:style>
-          <a:lnRef idx="2">
-            <a:schemeClr val="accent1">
-              <a:shade val="50000"/>
-            </a:schemeClr>
-          </a:lnRef>
-          <a:fillRef idx="1">
-            <a:schemeClr val="accent1"/>
-          </a:fillRef>
-          <a:effectRef idx="0">
-            <a:schemeClr val="accent1"/>
-          </a:effectRef>
-          <a:fontRef idx="minor">
-            <a:schemeClr val="lt1"/>
-          </a:fontRef>
-        </p:style>
-        <p:txBody>
-          <a:bodyPr rtlCol="0" anchor="ctr"/>
-          <a:lstStyle/>
-          <a:p>
-            <a:pPr algn="ctr"/>
-            <a:endParaRPr lang="en-US"/>
-          </a:p>
-        </p:txBody>
-      </p:sp>
-      <p:sp>
-        <p:nvSpPr>
-          <p:cNvPr id="3" name="Content Placeholder 2">
-            <a:extLst>
-              <a:ext uri="{FF2B5EF4-FFF2-40B4-BE49-F238E27FC236}">
-                <a16:creationId xmlns:a16="http://schemas.microsoft.com/office/drawing/2014/main" id="{C9C1416E-60CE-93DF-05AA-604C02C5CF02}"/>
-              </a:ext>
-            </a:extLst>
-          </p:cNvPr>
-          <p:cNvSpPr>
-            <a:spLocks noGrp="1"/>
-          </p:cNvSpPr>
-          <p:nvPr>
-            <p:ph idx="1"/>
-          </p:nvPr>
-        </p:nvSpPr>
-        <p:spPr>
-          <a:xfrm>
-            <a:off x="793661" y="2599509"/>
-            <a:ext cx="4530898" cy="3639450"/>
-          </a:xfrm>
-        </p:spPr>
-        <p:txBody>
-          <a:bodyPr anchor="ctr">
-            <a:normAutofit/>
-          </a:bodyPr>
-          <a:lstStyle/>
-          <a:p>
-            <a:r>
-              <a:rPr lang="en-US" sz="2000" b="1"/>
-              <a:t>Why Multiple Patterns?</a:t>
-            </a:r>
-            <a:endParaRPr lang="en-US" sz="2000"/>
-          </a:p>
-          <a:p>
-            <a:pPr lvl="1"/>
-            <a:r>
-              <a:rPr lang="en-US" sz="2000"/>
-              <a:t>We tested several market trajectories (trend, range, high volatility).</a:t>
-            </a:r>
-          </a:p>
-          <a:p>
-            <a:pPr lvl="1"/>
-            <a:r>
-              <a:rPr lang="en-US" sz="2000"/>
-              <a:t>ARL behavior remained consistent across patterns.</a:t>
-            </a:r>
-          </a:p>
-          <a:p>
-            <a:r>
-              <a:rPr lang="en-US" sz="2000" b="1"/>
-              <a:t>Presentation Note:</a:t>
-            </a:r>
-            <a:endParaRPr lang="en-US" sz="2000"/>
-          </a:p>
-          <a:p>
-            <a:pPr lvl="1"/>
-            <a:r>
-              <a:rPr lang="en-US" sz="2000"/>
-              <a:t>For time, we show results for one representative market.</a:t>
-            </a:r>
-          </a:p>
-        </p:txBody>
-      </p:sp>
-      <p:pic>
-        <p:nvPicPr>
-          <p:cNvPr id="7" name="Picture 6" descr="A graph with red lines and numbers&#10;&#10;AI-generated content may be incorrect.">
-            <a:extLst>
-              <a:ext uri="{FF2B5EF4-FFF2-40B4-BE49-F238E27FC236}">
-                <a16:creationId xmlns:a16="http://schemas.microsoft.com/office/drawing/2014/main" id="{CA3BE041-281B-F4D4-EF2A-0DCA60E2B879}"/>
-              </a:ext>
-            </a:extLst>
-          </p:cNvPr>
-          <p:cNvPicPr>
-            <a:picLocks noChangeAspect="1"/>
-          </p:cNvPicPr>
-          <p:nvPr/>
-        </p:nvPicPr>
-        <p:blipFill>
-          <a:blip r:embed="rId2">
-            <a:extLst>
-              <a:ext uri="{28A0092B-C50C-407E-A947-70E740481C1C}">
-                <a14:useLocalDpi xmlns:a14="http://schemas.microsoft.com/office/drawing/2010/main" val="0"/>
-              </a:ext>
-            </a:extLst>
-          </a:blip>
-          <a:stretch>
-            <a:fillRect/>
-          </a:stretch>
-        </p:blipFill>
-        <p:spPr>
-          <a:xfrm>
-            <a:off x="5911532" y="2487277"/>
-            <a:ext cx="5150277" cy="3708199"/>
-          </a:xfrm>
-          <a:prstGeom prst="rect">
-            <a:avLst/>
-          </a:prstGeom>
-        </p:spPr>
-      </p:pic>
-      <p:sp>
-        <p:nvSpPr>
-          <p:cNvPr id="18" name="Rectangle 17">
-            <a:extLst>
-              <a:ext uri="{FF2B5EF4-FFF2-40B4-BE49-F238E27FC236}">
-                <a16:creationId xmlns:a16="http://schemas.microsoft.com/office/drawing/2014/main" id="{E6995CE5-F890-4ABA-82A2-26507CE8D2A3}"/>
-              </a:ext>
-              <a:ext uri="{C183D7F6-B498-43B3-948B-1728B52AA6E4}">
-                <adec:decorative xmlns:adec="http://schemas.microsoft.com/office/drawing/2017/decorative" val="1"/>
-              </a:ext>
-            </a:extLst>
-          </p:cNvPr>
-          <p:cNvSpPr>
-            <a:spLocks noGrp="1" noRot="1" noChangeAspect="1" noMove="1" noResize="1" noEditPoints="1" noAdjustHandles="1" noChangeArrowheads="1" noChangeShapeType="1" noTextEdit="1"/>
-          </p:cNvSpPr>
-          <p:nvPr>
-            <p:extLst>
-              <p:ext uri="{386F3935-93C4-4BCD-93E2-E3B085C9AB24}">
-                <p16:designElem xmlns:p16="http://schemas.microsoft.com/office/powerpoint/2015/main" val="1"/>
-              </p:ext>
-            </p:extLst>
-          </p:nvPr>
-        </p:nvSpPr>
-        <p:spPr>
-          <a:xfrm rot="5400000">
-            <a:off x="11228040" y="2313027"/>
-            <a:ext cx="781700" cy="152382"/>
-          </a:xfrm>
-          <a:prstGeom prst="rect">
-            <a:avLst/>
-          </a:prstGeom>
-          <a:solidFill>
-            <a:schemeClr val="accent4"/>
-          </a:solidFill>
-          <a:ln>
-            <a:noFill/>
-          </a:ln>
-        </p:spPr>
-        <p:style>
-          <a:lnRef idx="2">
-            <a:schemeClr val="accent1">
-              <a:shade val="50000"/>
-            </a:schemeClr>
-          </a:lnRef>
-          <a:fillRef idx="1">
-            <a:schemeClr val="accent1"/>
-          </a:fillRef>
-          <a:effectRef idx="0">
-            <a:schemeClr val="accent1"/>
-          </a:effectRef>
-          <a:fontRef idx="minor">
-            <a:schemeClr val="lt1"/>
-          </a:fontRef>
-        </p:style>
-        <p:txBody>
-          <a:bodyPr rtlCol="0" anchor="ctr"/>
-          <a:lstStyle/>
-          <a:p>
-            <a:pPr algn="ctr"/>
-            <a:endParaRPr lang="en-US"/>
-          </a:p>
-        </p:txBody>
-      </p:sp>
-    </p:spTree>
-    <p:extLst>
-      <p:ext uri="{BB962C8B-B14F-4D97-AF65-F5344CB8AC3E}">
-        <p14:creationId xmlns:p14="http://schemas.microsoft.com/office/powerpoint/2010/main" val="3903271773"/>
-      </p:ext>
-    </p:extLst>
-  </p:cSld>
-  <p:clrMapOvr>
-    <a:masterClrMapping/>
-  </p:clrMapOvr>
-</p:sld>
-</file>
-
-<file path=ppt/slides/slide4.xml><?xml version="1.0" encoding="utf-8"?>
-<p:sld xmlns:a="http://schemas.openxmlformats.org/drawingml/2006/main" xmlns:r="http://schemas.openxmlformats.org/officeDocument/2006/relationships" xmlns:p="http://schemas.openxmlformats.org/presentationml/2006/main">
-  <p:cSld>
-    <p:bg>
-      <p:bgPr>
-        <a:solidFill>
-          <a:schemeClr val="bg1"/>
-        </a:solidFill>
-        <a:effectLst/>
-      </p:bgPr>
-    </p:bg>
-    <p:spTree>
-      <p:nvGrpSpPr>
-        <p:cNvPr id="1" name=""/>
-        <p:cNvGrpSpPr/>
-        <p:nvPr/>
-      </p:nvGrpSpPr>
-      <p:grpSpPr>
-        <a:xfrm>
-          <a:off x="0" y="0"/>
-          <a:ext cx="0" cy="0"/>
-          <a:chOff x="0" y="0"/>
-          <a:chExt cx="0" cy="0"/>
-        </a:xfrm>
-      </p:grpSpPr>
-      <p:sp useBgFill="1">
-        <p:nvSpPr>
-          <p:cNvPr id="27" name="Rectangle 26">
-            <a:extLst>
-              <a:ext uri="{FF2B5EF4-FFF2-40B4-BE49-F238E27FC236}">
-                <a16:creationId xmlns:a16="http://schemas.microsoft.com/office/drawing/2014/main" id="{058A14AF-9FB5-4CC7-BA35-E8E85D3EDF0E}"/>
-              </a:ext>
-              <a:ext uri="{C183D7F6-B498-43B3-948B-1728B52AA6E4}">
-                <adec:decorative xmlns:adec="http://schemas.microsoft.com/office/drawing/2017/decorative" val="1"/>
-              </a:ext>
-            </a:extLst>
-          </p:cNvPr>
-          <p:cNvSpPr>
-            <a:spLocks noGrp="1" noRot="1" noChangeAspect="1" noMove="1" noResize="1" noEditPoints="1" noAdjustHandles="1" noChangeArrowheads="1" noChangeShapeType="1" noTextEdit="1"/>
-          </p:cNvSpPr>
-          <p:nvPr>
-            <p:extLst>
-              <p:ext uri="{386F3935-93C4-4BCD-93E2-E3B085C9AB24}">
-                <p16:designElem xmlns:p16="http://schemas.microsoft.com/office/powerpoint/2015/main" val="1"/>
-              </p:ext>
-            </p:extLst>
-          </p:nvPr>
-        </p:nvSpPr>
-        <p:spPr>
-          <a:xfrm>
-            <a:off x="0" y="0"/>
-            <a:ext cx="12191999" cy="6857365"/>
-          </a:xfrm>
-          <a:prstGeom prst="rect">
-            <a:avLst/>
-          </a:prstGeom>
-          <a:ln>
-            <a:noFill/>
-          </a:ln>
-        </p:spPr>
-        <p:style>
-          <a:lnRef idx="2">
-            <a:schemeClr val="accent1">
-              <a:shade val="50000"/>
-            </a:schemeClr>
-          </a:lnRef>
-          <a:fillRef idx="1">
-            <a:schemeClr val="accent1"/>
-          </a:fillRef>
-          <a:effectRef idx="0">
-            <a:schemeClr val="accent1"/>
-          </a:effectRef>
-          <a:fontRef idx="minor">
-            <a:schemeClr val="lt1"/>
-          </a:fontRef>
-        </p:style>
-        <p:txBody>
-          <a:bodyPr rtlCol="0" anchor="ctr"/>
-          <a:lstStyle/>
-          <a:p>
-            <a:pPr algn="ctr"/>
-            <a:endParaRPr lang="en-US"/>
-          </a:p>
-        </p:txBody>
-      </p:sp>
-      <p:sp>
-        <p:nvSpPr>
-          <p:cNvPr id="2" name="Title 1">
-            <a:extLst>
-              <a:ext uri="{FF2B5EF4-FFF2-40B4-BE49-F238E27FC236}">
-                <a16:creationId xmlns:a16="http://schemas.microsoft.com/office/drawing/2014/main" id="{A5BA1BFB-DCD3-6DE5-7359-6A3CDD184496}"/>
-              </a:ext>
-            </a:extLst>
-          </p:cNvPr>
-          <p:cNvSpPr>
-            <a:spLocks noGrp="1"/>
-          </p:cNvSpPr>
-          <p:nvPr>
-            <p:ph type="title"/>
-          </p:nvPr>
-        </p:nvSpPr>
-        <p:spPr>
-          <a:xfrm>
-            <a:off x="793662" y="386930"/>
-            <a:ext cx="10066122" cy="1298448"/>
-          </a:xfrm>
-        </p:spPr>
-        <p:txBody>
-          <a:bodyPr anchor="b">
-            <a:normAutofit/>
-          </a:bodyPr>
-          <a:lstStyle/>
-          <a:p>
-            <a:r>
-              <a:rPr lang="en-US" b="1" dirty="0"/>
-              <a:t>Simulation Environment / Market Setup</a:t>
-            </a:r>
-          </a:p>
-        </p:txBody>
-      </p:sp>
-      <p:sp>
-        <p:nvSpPr>
-          <p:cNvPr id="29" name="Rectangle 28">
-            <a:extLst>
-              <a:ext uri="{FF2B5EF4-FFF2-40B4-BE49-F238E27FC236}">
-                <a16:creationId xmlns:a16="http://schemas.microsoft.com/office/drawing/2014/main" id="{3A9A4357-BD1D-4622-A4FE-766E6AB8DE84}"/>
-              </a:ext>
-              <a:ext uri="{C183D7F6-B498-43B3-948B-1728B52AA6E4}">
-                <adec:decorative xmlns:adec="http://schemas.microsoft.com/office/drawing/2017/decorative" val="1"/>
-              </a:ext>
-            </a:extLst>
-          </p:cNvPr>
-          <p:cNvSpPr>
-            <a:spLocks noGrp="1" noRot="1" noChangeAspect="1" noMove="1" noResize="1" noEditPoints="1" noAdjustHandles="1" noChangeArrowheads="1" noChangeShapeType="1" noTextEdit="1"/>
-          </p:cNvSpPr>
-          <p:nvPr>
-            <p:extLst>
-              <p:ext uri="{386F3935-93C4-4BCD-93E2-E3B085C9AB24}">
-                <p16:designElem xmlns:p16="http://schemas.microsoft.com/office/powerpoint/2015/main" val="1"/>
-              </p:ext>
-            </p:extLst>
-          </p:nvPr>
-        </p:nvSpPr>
-        <p:spPr>
-          <a:xfrm flipH="1" flipV="1">
-            <a:off x="-2" y="1998845"/>
-            <a:ext cx="11454595" cy="781699"/>
-          </a:xfrm>
-          <a:prstGeom prst="rect">
-            <a:avLst/>
-          </a:prstGeom>
-          <a:solidFill>
-            <a:schemeClr val="accent4"/>
-          </a:solidFill>
-          <a:ln>
-            <a:noFill/>
-          </a:ln>
-        </p:spPr>
-        <p:style>
-          <a:lnRef idx="2">
-            <a:schemeClr val="accent1">
-              <a:shade val="50000"/>
-            </a:schemeClr>
-          </a:lnRef>
-          <a:fillRef idx="1">
-            <a:schemeClr val="accent1"/>
-          </a:fillRef>
-          <a:effectRef idx="0">
-            <a:schemeClr val="accent1"/>
-          </a:effectRef>
-          <a:fontRef idx="minor">
-            <a:schemeClr val="lt1"/>
-          </a:fontRef>
-        </p:style>
-        <p:txBody>
-          <a:bodyPr rtlCol="0" anchor="ctr"/>
-          <a:lstStyle/>
-          <a:p>
-            <a:pPr algn="ctr"/>
-            <a:endParaRPr lang="en-US"/>
-          </a:p>
-        </p:txBody>
-      </p:sp>
-      <p:sp>
-        <p:nvSpPr>
-          <p:cNvPr id="31" name="Rectangle 30">
-            <a:extLst>
-              <a:ext uri="{FF2B5EF4-FFF2-40B4-BE49-F238E27FC236}">
-                <a16:creationId xmlns:a16="http://schemas.microsoft.com/office/drawing/2014/main" id="{E659831F-0D9A-4C63-9EBB-8435B85A440F}"/>
-              </a:ext>
-              <a:ext uri="{C183D7F6-B498-43B3-948B-1728B52AA6E4}">
-                <adec:decorative xmlns:adec="http://schemas.microsoft.com/office/drawing/2017/decorative" val="1"/>
-              </a:ext>
-            </a:extLst>
-          </p:cNvPr>
-          <p:cNvSpPr>
-            <a:spLocks noGrp="1" noRot="1" noChangeAspect="1" noMove="1" noResize="1" noEditPoints="1" noAdjustHandles="1" noChangeArrowheads="1" noChangeShapeType="1" noTextEdit="1"/>
-          </p:cNvSpPr>
-          <p:nvPr>
-            <p:extLst>
-              <p:ext uri="{386F3935-93C4-4BCD-93E2-E3B085C9AB24}">
-                <p16:designElem xmlns:p16="http://schemas.microsoft.com/office/powerpoint/2015/main" val="1"/>
-              </p:ext>
-            </p:extLst>
-          </p:nvPr>
-        </p:nvSpPr>
-        <p:spPr>
-          <a:xfrm>
-            <a:off x="0" y="2203079"/>
-            <a:ext cx="11383362" cy="4267991"/>
-          </a:xfrm>
-          <a:prstGeom prst="rect">
-            <a:avLst/>
-          </a:prstGeom>
-          <a:solidFill>
-            <a:schemeClr val="bg1"/>
-          </a:solidFill>
-          <a:ln>
-            <a:noFill/>
-          </a:ln>
-          <a:effectLst>
-            <a:outerShdw blurRad="139700" dist="127000" dir="5400000" algn="t" rotWithShape="0">
-              <a:prstClr val="black">
-                <a:alpha val="15000"/>
-              </a:prstClr>
-            </a:outerShdw>
-          </a:effectLst>
-        </p:spPr>
-        <p:style>
-          <a:lnRef idx="2">
-            <a:schemeClr val="accent1">
-              <a:shade val="50000"/>
-            </a:schemeClr>
-          </a:lnRef>
-          <a:fillRef idx="1">
-            <a:schemeClr val="accent1"/>
-          </a:fillRef>
-          <a:effectRef idx="0">
-            <a:schemeClr val="accent1"/>
-          </a:effectRef>
-          <a:fontRef idx="minor">
-            <a:schemeClr val="lt1"/>
-          </a:fontRef>
-        </p:style>
-        <p:txBody>
-          <a:bodyPr rtlCol="0" anchor="ctr"/>
-          <a:lstStyle/>
-          <a:p>
-            <a:pPr algn="ctr"/>
-            <a:endParaRPr lang="en-US"/>
-          </a:p>
-        </p:txBody>
-      </p:sp>
-      <p:sp>
-        <p:nvSpPr>
-          <p:cNvPr id="3" name="Content Placeholder 2">
-            <a:extLst>
-              <a:ext uri="{FF2B5EF4-FFF2-40B4-BE49-F238E27FC236}">
-                <a16:creationId xmlns:a16="http://schemas.microsoft.com/office/drawing/2014/main" id="{48BE6CC0-3AF8-4D35-2925-925C9DA26460}"/>
-              </a:ext>
-            </a:extLst>
-          </p:cNvPr>
-          <p:cNvSpPr>
-            <a:spLocks noGrp="1"/>
-          </p:cNvSpPr>
-          <p:nvPr>
-            <p:ph idx="1"/>
-          </p:nvPr>
-        </p:nvSpPr>
-        <p:spPr>
-          <a:xfrm>
-            <a:off x="793661" y="2599509"/>
-            <a:ext cx="4530898" cy="3639450"/>
-          </a:xfrm>
-        </p:spPr>
-        <p:txBody>
-          <a:bodyPr anchor="ctr">
-            <a:normAutofit/>
-          </a:bodyPr>
-          <a:lstStyle/>
-          <a:p>
-            <a:r>
-              <a:rPr lang="en-US" sz="2000"/>
-              <a:t>Mid-price evolves using stochastic volatility. </a:t>
-            </a:r>
-          </a:p>
-          <a:p>
-            <a:r>
-              <a:rPr lang="en-US" sz="2000"/>
-              <a:t>Agents interact via crossing quotes (order-book style). </a:t>
-            </a:r>
-          </a:p>
-          <a:p>
-            <a:r>
-              <a:rPr lang="en-US" sz="2000"/>
-              <a:t>ARL posts bid/ask spreads; EGT evaluates and trades.</a:t>
-            </a:r>
-          </a:p>
-        </p:txBody>
-      </p:sp>
-      <p:pic>
-        <p:nvPicPr>
-          <p:cNvPr id="5" name="Picture 4" descr="A graph of a chart&#10;&#10;AI-generated content may be incorrect.">
-            <a:extLst>
-              <a:ext uri="{FF2B5EF4-FFF2-40B4-BE49-F238E27FC236}">
-                <a16:creationId xmlns:a16="http://schemas.microsoft.com/office/drawing/2014/main" id="{D85EAB36-F868-A5A1-4735-54720E4959C4}"/>
-              </a:ext>
-            </a:extLst>
-          </p:cNvPr>
-          <p:cNvPicPr>
-            <a:picLocks noChangeAspect="1"/>
-          </p:cNvPicPr>
-          <p:nvPr/>
-        </p:nvPicPr>
-        <p:blipFill>
-          <a:blip r:embed="rId2">
-            <a:extLst>
-              <a:ext uri="{28A0092B-C50C-407E-A947-70E740481C1C}">
-                <a14:useLocalDpi xmlns:a14="http://schemas.microsoft.com/office/drawing/2010/main" val="0"/>
-              </a:ext>
-            </a:extLst>
-          </a:blip>
-          <a:stretch>
-            <a:fillRect/>
-          </a:stretch>
-        </p:blipFill>
-        <p:spPr>
-          <a:xfrm>
-            <a:off x="6010509" y="2484255"/>
-            <a:ext cx="4952322" cy="3714244"/>
-          </a:xfrm>
-          <a:prstGeom prst="rect">
-            <a:avLst/>
-          </a:prstGeom>
-        </p:spPr>
-      </p:pic>
-      <p:sp>
-        <p:nvSpPr>
-          <p:cNvPr id="33" name="Rectangle 32">
-            <a:extLst>
-              <a:ext uri="{FF2B5EF4-FFF2-40B4-BE49-F238E27FC236}">
-                <a16:creationId xmlns:a16="http://schemas.microsoft.com/office/drawing/2014/main" id="{E6995CE5-F890-4ABA-82A2-26507CE8D2A3}"/>
-              </a:ext>
-              <a:ext uri="{C183D7F6-B498-43B3-948B-1728B52AA6E4}">
-                <adec:decorative xmlns:adec="http://schemas.microsoft.com/office/drawing/2017/decorative" val="1"/>
-              </a:ext>
-            </a:extLst>
-          </p:cNvPr>
-          <p:cNvSpPr>
-            <a:spLocks noGrp="1" noRot="1" noChangeAspect="1" noMove="1" noResize="1" noEditPoints="1" noAdjustHandles="1" noChangeArrowheads="1" noChangeShapeType="1" noTextEdit="1"/>
-          </p:cNvSpPr>
-          <p:nvPr>
-            <p:extLst>
-              <p:ext uri="{386F3935-93C4-4BCD-93E2-E3B085C9AB24}">
-                <p16:designElem xmlns:p16="http://schemas.microsoft.com/office/powerpoint/2015/main" val="1"/>
-              </p:ext>
-            </p:extLst>
-          </p:nvPr>
-        </p:nvSpPr>
-        <p:spPr>
-          <a:xfrm rot="5400000">
-            <a:off x="11228040" y="2313027"/>
-            <a:ext cx="781700" cy="152382"/>
-          </a:xfrm>
-          <a:prstGeom prst="rect">
-            <a:avLst/>
-          </a:prstGeom>
-          <a:solidFill>
-            <a:schemeClr val="accent4"/>
-          </a:solidFill>
-          <a:ln>
-            <a:noFill/>
-          </a:ln>
-        </p:spPr>
-        <p:style>
-          <a:lnRef idx="2">
-            <a:schemeClr val="accent1">
-              <a:shade val="50000"/>
-            </a:schemeClr>
-          </a:lnRef>
-          <a:fillRef idx="1">
-            <a:schemeClr val="accent1"/>
-          </a:fillRef>
-          <a:effectRef idx="0">
-            <a:schemeClr val="accent1"/>
-          </a:effectRef>
-          <a:fontRef idx="minor">
-            <a:schemeClr val="lt1"/>
-          </a:fontRef>
-        </p:style>
-        <p:txBody>
-          <a:bodyPr rtlCol="0" anchor="ctr"/>
-          <a:lstStyle/>
-          <a:p>
-            <a:pPr algn="ctr"/>
-            <a:endParaRPr lang="en-US"/>
-          </a:p>
-        </p:txBody>
-      </p:sp>
-    </p:spTree>
-    <p:extLst>
-      <p:ext uri="{BB962C8B-B14F-4D97-AF65-F5344CB8AC3E}">
-        <p14:creationId xmlns:p14="http://schemas.microsoft.com/office/powerpoint/2010/main" val="3508238934"/>
-      </p:ext>
-    </p:extLst>
-  </p:cSld>
-  <p:clrMapOvr>
-    <a:masterClrMapping/>
-  </p:clrMapOvr>
-</p:sld>
-</file>
-
-<file path=ppt/slides/slide5.xml><?xml version="1.0" encoding="utf-8"?>
-<p:sld xmlns:a="http://schemas.openxmlformats.org/drawingml/2006/main" xmlns:r="http://schemas.openxmlformats.org/officeDocument/2006/relationships" xmlns:p="http://schemas.openxmlformats.org/presentationml/2006/main">
-  <p:cSld>
-    <p:bg>
-      <p:bgPr>
-        <a:solidFill>
-          <a:schemeClr val="bg1"/>
-        </a:solidFill>
-        <a:effectLst/>
-      </p:bgPr>
-    </p:bg>
-    <p:spTree>
-      <p:nvGrpSpPr>
-        <p:cNvPr id="1" name=""/>
-        <p:cNvGrpSpPr/>
-        <p:nvPr/>
-      </p:nvGrpSpPr>
-      <p:grpSpPr>
-        <a:xfrm>
-          <a:off x="0" y="0"/>
-          <a:ext cx="0" cy="0"/>
-          <a:chOff x="0" y="0"/>
-          <a:chExt cx="0" cy="0"/>
-        </a:xfrm>
-      </p:grpSpPr>
-      <p:sp useBgFill="1">
-        <p:nvSpPr>
-          <p:cNvPr id="13" name="Rectangle 12">
-            <a:extLst>
-              <a:ext uri="{FF2B5EF4-FFF2-40B4-BE49-F238E27FC236}">
-                <a16:creationId xmlns:a16="http://schemas.microsoft.com/office/drawing/2014/main" id="{058A14AF-9FB5-4CC7-BA35-E8E85D3EDF0E}"/>
-              </a:ext>
-              <a:ext uri="{C183D7F6-B498-43B3-948B-1728B52AA6E4}">
-                <adec:decorative xmlns:adec="http://schemas.microsoft.com/office/drawing/2017/decorative" val="1"/>
-              </a:ext>
-            </a:extLst>
-          </p:cNvPr>
-          <p:cNvSpPr>
-            <a:spLocks noGrp="1" noRot="1" noChangeAspect="1" noMove="1" noResize="1" noEditPoints="1" noAdjustHandles="1" noChangeArrowheads="1" noChangeShapeType="1" noTextEdit="1"/>
-          </p:cNvSpPr>
-          <p:nvPr>
-            <p:extLst>
-              <p:ext uri="{386F3935-93C4-4BCD-93E2-E3B085C9AB24}">
-                <p16:designElem xmlns:p16="http://schemas.microsoft.com/office/powerpoint/2015/main" val="1"/>
-              </p:ext>
-            </p:extLst>
-          </p:nvPr>
-        </p:nvSpPr>
-        <p:spPr>
-          <a:xfrm>
-            <a:off x="0" y="0"/>
-            <a:ext cx="12191999" cy="6857365"/>
-          </a:xfrm>
-          <a:prstGeom prst="rect">
-            <a:avLst/>
-          </a:prstGeom>
-          <a:ln>
-            <a:noFill/>
-          </a:ln>
-        </p:spPr>
-        <p:style>
-          <a:lnRef idx="2">
-            <a:schemeClr val="accent1">
-              <a:shade val="50000"/>
-            </a:schemeClr>
-          </a:lnRef>
-          <a:fillRef idx="1">
-            <a:schemeClr val="accent1"/>
-          </a:fillRef>
-          <a:effectRef idx="0">
-            <a:schemeClr val="accent1"/>
-          </a:effectRef>
-          <a:fontRef idx="minor">
-            <a:schemeClr val="lt1"/>
-          </a:fontRef>
-        </p:style>
-        <p:txBody>
-          <a:bodyPr rtlCol="0" anchor="ctr"/>
-          <a:lstStyle/>
-          <a:p>
-            <a:pPr algn="ctr"/>
-            <a:endParaRPr lang="en-US"/>
-          </a:p>
-        </p:txBody>
-      </p:sp>
-      <p:sp>
-        <p:nvSpPr>
-          <p:cNvPr id="2" name="Title 1">
-            <a:extLst>
-              <a:ext uri="{FF2B5EF4-FFF2-40B4-BE49-F238E27FC236}">
-                <a16:creationId xmlns:a16="http://schemas.microsoft.com/office/drawing/2014/main" id="{CEF6B0C3-06AE-BC0C-F5D6-2A619D9BDD76}"/>
-              </a:ext>
-            </a:extLst>
-          </p:cNvPr>
-          <p:cNvSpPr>
-            <a:spLocks noGrp="1"/>
-          </p:cNvSpPr>
-          <p:nvPr>
-            <p:ph type="title"/>
-          </p:nvPr>
-        </p:nvSpPr>
-        <p:spPr>
-          <a:xfrm>
-            <a:off x="793662" y="386930"/>
-            <a:ext cx="10066122" cy="1298448"/>
-          </a:xfrm>
-        </p:spPr>
-        <p:txBody>
-          <a:bodyPr anchor="b">
-            <a:normAutofit/>
-          </a:bodyPr>
-          <a:lstStyle/>
-          <a:p>
-            <a:r>
-              <a:rPr lang="en-US" sz="4800" b="1"/>
-              <a:t>Methodology – ARL Agent</a:t>
-            </a:r>
-            <a:endParaRPr lang="en-US" sz="4800"/>
-          </a:p>
-        </p:txBody>
-      </p:sp>
-      <p:sp>
-        <p:nvSpPr>
-          <p:cNvPr id="15" name="Rectangle 14">
-            <a:extLst>
-              <a:ext uri="{FF2B5EF4-FFF2-40B4-BE49-F238E27FC236}">
-                <a16:creationId xmlns:a16="http://schemas.microsoft.com/office/drawing/2014/main" id="{3A9A4357-BD1D-4622-A4FE-766E6AB8DE84}"/>
-              </a:ext>
-              <a:ext uri="{C183D7F6-B498-43B3-948B-1728B52AA6E4}">
-                <adec:decorative xmlns:adec="http://schemas.microsoft.com/office/drawing/2017/decorative" val="1"/>
-              </a:ext>
-            </a:extLst>
-          </p:cNvPr>
-          <p:cNvSpPr>
-            <a:spLocks noGrp="1" noRot="1" noChangeAspect="1" noMove="1" noResize="1" noEditPoints="1" noAdjustHandles="1" noChangeArrowheads="1" noChangeShapeType="1" noTextEdit="1"/>
-          </p:cNvSpPr>
-          <p:nvPr>
-            <p:extLst>
-              <p:ext uri="{386F3935-93C4-4BCD-93E2-E3B085C9AB24}">
-                <p16:designElem xmlns:p16="http://schemas.microsoft.com/office/powerpoint/2015/main" val="1"/>
-              </p:ext>
-            </p:extLst>
-          </p:nvPr>
-        </p:nvSpPr>
-        <p:spPr>
-          <a:xfrm flipH="1" flipV="1">
-            <a:off x="-2" y="1998845"/>
-            <a:ext cx="11454595" cy="781699"/>
-          </a:xfrm>
-          <a:prstGeom prst="rect">
-            <a:avLst/>
-          </a:prstGeom>
-          <a:solidFill>
-            <a:schemeClr val="accent4"/>
-          </a:solidFill>
-          <a:ln>
-            <a:noFill/>
-          </a:ln>
-        </p:spPr>
-        <p:style>
-          <a:lnRef idx="2">
-            <a:schemeClr val="accent1">
-              <a:shade val="50000"/>
-            </a:schemeClr>
-          </a:lnRef>
-          <a:fillRef idx="1">
-            <a:schemeClr val="accent1"/>
-          </a:fillRef>
-          <a:effectRef idx="0">
-            <a:schemeClr val="accent1"/>
-          </a:effectRef>
-          <a:fontRef idx="minor">
-            <a:schemeClr val="lt1"/>
-          </a:fontRef>
-        </p:style>
-        <p:txBody>
-          <a:bodyPr rtlCol="0" anchor="ctr"/>
-          <a:lstStyle/>
-          <a:p>
-            <a:pPr algn="ctr"/>
-            <a:endParaRPr lang="en-US"/>
-          </a:p>
-        </p:txBody>
-      </p:sp>
-      <p:sp>
-        <p:nvSpPr>
-          <p:cNvPr id="17" name="Rectangle 16">
-            <a:extLst>
-              <a:ext uri="{FF2B5EF4-FFF2-40B4-BE49-F238E27FC236}">
-                <a16:creationId xmlns:a16="http://schemas.microsoft.com/office/drawing/2014/main" id="{E659831F-0D9A-4C63-9EBB-8435B85A440F}"/>
-              </a:ext>
-              <a:ext uri="{C183D7F6-B498-43B3-948B-1728B52AA6E4}">
-                <adec:decorative xmlns:adec="http://schemas.microsoft.com/office/drawing/2017/decorative" val="1"/>
-              </a:ext>
-            </a:extLst>
-          </p:cNvPr>
-          <p:cNvSpPr>
-            <a:spLocks noGrp="1" noRot="1" noChangeAspect="1" noMove="1" noResize="1" noEditPoints="1" noAdjustHandles="1" noChangeArrowheads="1" noChangeShapeType="1" noTextEdit="1"/>
-          </p:cNvSpPr>
-          <p:nvPr>
-            <p:extLst>
-              <p:ext uri="{386F3935-93C4-4BCD-93E2-E3B085C9AB24}">
-                <p16:designElem xmlns:p16="http://schemas.microsoft.com/office/powerpoint/2015/main" val="1"/>
-              </p:ext>
-            </p:extLst>
-          </p:nvPr>
-        </p:nvSpPr>
-        <p:spPr>
-          <a:xfrm>
-            <a:off x="0" y="2203079"/>
-            <a:ext cx="11383362" cy="4267991"/>
-          </a:xfrm>
-          <a:prstGeom prst="rect">
-            <a:avLst/>
-          </a:prstGeom>
-          <a:solidFill>
-            <a:schemeClr val="bg1"/>
-          </a:solidFill>
-          <a:ln>
-            <a:noFill/>
-          </a:ln>
-          <a:effectLst>
-            <a:outerShdw blurRad="139700" dist="127000" dir="5400000" algn="t" rotWithShape="0">
-              <a:prstClr val="black">
-                <a:alpha val="15000"/>
-              </a:prstClr>
-            </a:outerShdw>
-          </a:effectLst>
-        </p:spPr>
-        <p:style>
-          <a:lnRef idx="2">
-            <a:schemeClr val="accent1">
-              <a:shade val="50000"/>
-            </a:schemeClr>
-          </a:lnRef>
-          <a:fillRef idx="1">
-            <a:schemeClr val="accent1"/>
-          </a:fillRef>
-          <a:effectRef idx="0">
-            <a:schemeClr val="accent1"/>
-          </a:effectRef>
-          <a:fontRef idx="minor">
-            <a:schemeClr val="lt1"/>
-          </a:fontRef>
-        </p:style>
-        <p:txBody>
-          <a:bodyPr rtlCol="0" anchor="ctr"/>
-          <a:lstStyle/>
-          <a:p>
-            <a:pPr algn="ctr"/>
-            <a:endParaRPr lang="en-US"/>
-          </a:p>
-        </p:txBody>
-      </p:sp>
-      <p:sp>
-        <p:nvSpPr>
-          <p:cNvPr id="3" name="Content Placeholder 2">
-            <a:extLst>
-              <a:ext uri="{FF2B5EF4-FFF2-40B4-BE49-F238E27FC236}">
-                <a16:creationId xmlns:a16="http://schemas.microsoft.com/office/drawing/2014/main" id="{83ED6CDE-AC54-1749-5592-735994B8AECF}"/>
-              </a:ext>
-            </a:extLst>
-          </p:cNvPr>
-          <p:cNvSpPr>
-            <a:spLocks noGrp="1"/>
-          </p:cNvSpPr>
-          <p:nvPr>
-            <p:ph idx="1"/>
-          </p:nvPr>
-        </p:nvSpPr>
-        <p:spPr>
-          <a:xfrm>
-            <a:off x="793661" y="2599509"/>
-            <a:ext cx="4530898" cy="3639450"/>
-          </a:xfrm>
-        </p:spPr>
-        <p:txBody>
-          <a:bodyPr anchor="ctr">
-            <a:normAutofit/>
-          </a:bodyPr>
-          <a:lstStyle/>
-          <a:p>
-            <a:r>
-              <a:rPr lang="en-US" sz="1100" b="1" dirty="0"/>
-              <a:t>ARL Architecture</a:t>
-            </a:r>
-            <a:endParaRPr lang="en-US" sz="1100" dirty="0"/>
-          </a:p>
-          <a:p>
-            <a:pPr lvl="1"/>
-            <a:r>
-              <a:rPr lang="en-US" sz="1100" dirty="0"/>
-              <a:t>Neural-Network based Q learning agent</a:t>
-            </a:r>
-          </a:p>
-          <a:p>
-            <a:pPr lvl="1"/>
-            <a:r>
-              <a:rPr lang="en-US" sz="1100" dirty="0"/>
-              <a:t>State includes: volatility, momentum, RSI, normalized volume, inventory, time-remaining</a:t>
-            </a:r>
-          </a:p>
-          <a:p>
-            <a:pPr lvl="1"/>
-            <a:r>
-              <a:rPr lang="en-US" sz="1100" dirty="0"/>
-              <a:t>Actions: discrete bid/ask spread pairs (tight - medium - wide)</a:t>
-            </a:r>
-          </a:p>
-          <a:p>
-            <a:r>
-              <a:rPr lang="en-US" sz="1100" b="1" dirty="0"/>
-              <a:t>Reward</a:t>
-            </a:r>
-            <a:endParaRPr lang="en-US" sz="1100" dirty="0"/>
-          </a:p>
-          <a:p>
-            <a:pPr lvl="1"/>
-            <a:r>
-              <a:rPr lang="en-US" sz="1100" dirty="0"/>
-              <a:t>Profit, risk penalty, transaction cost + spread-capture bonus.</a:t>
-            </a:r>
-          </a:p>
-          <a:p>
-            <a:r>
-              <a:rPr lang="en-US" sz="1100" b="1" dirty="0"/>
-              <a:t>Exploitation / Safeguard Mechanisms</a:t>
-            </a:r>
-            <a:endParaRPr lang="en-US" sz="1100" dirty="0"/>
-          </a:p>
-          <a:p>
-            <a:pPr lvl="1"/>
-            <a:r>
-              <a:rPr lang="en-US" sz="1100" dirty="0"/>
-              <a:t>Exploitation – When volatility is high and the EGT population is passive, the ARL tightens spreads to capture the spread profit.</a:t>
-            </a:r>
-          </a:p>
-          <a:p>
-            <a:pPr lvl="1"/>
-            <a:r>
-              <a:rPr lang="en-US" sz="1100" dirty="0"/>
-              <a:t>Safeguard – When inventory grows large or market volatility spikes, the ARL widens spreads or reduces quote frequency, limiting exposure and keeping the EGT population in check.</a:t>
-            </a:r>
-          </a:p>
-        </p:txBody>
-      </p:sp>
-      <p:pic>
-        <p:nvPicPr>
-          <p:cNvPr id="8" name="Picture 7" descr="A graph of a graph&#10;&#10;AI-generated content may be incorrect.">
-            <a:extLst>
-              <a:ext uri="{FF2B5EF4-FFF2-40B4-BE49-F238E27FC236}">
-                <a16:creationId xmlns:a16="http://schemas.microsoft.com/office/drawing/2014/main" id="{6F0C939C-A19F-8BA2-F67B-DB400710D0B4}"/>
-              </a:ext>
-            </a:extLst>
-          </p:cNvPr>
-          <p:cNvPicPr>
-            <a:picLocks noChangeAspect="1"/>
-          </p:cNvPicPr>
-          <p:nvPr/>
-        </p:nvPicPr>
-        <p:blipFill>
-          <a:blip r:embed="rId2">
-            <a:extLst>
-              <a:ext uri="{28A0092B-C50C-407E-A947-70E740481C1C}">
-                <a14:useLocalDpi xmlns:a14="http://schemas.microsoft.com/office/drawing/2010/main" val="0"/>
-              </a:ext>
-            </a:extLst>
-          </a:blip>
-          <a:stretch>
-            <a:fillRect/>
-          </a:stretch>
-        </p:blipFill>
-        <p:spPr>
-          <a:xfrm>
-            <a:off x="6010509" y="2484255"/>
-            <a:ext cx="4952322" cy="3714244"/>
-          </a:xfrm>
-          <a:prstGeom prst="rect">
-            <a:avLst/>
-          </a:prstGeom>
-        </p:spPr>
-      </p:pic>
-      <p:sp>
-        <p:nvSpPr>
-          <p:cNvPr id="19" name="Rectangle 18">
-            <a:extLst>
-              <a:ext uri="{FF2B5EF4-FFF2-40B4-BE49-F238E27FC236}">
-                <a16:creationId xmlns:a16="http://schemas.microsoft.com/office/drawing/2014/main" id="{E6995CE5-F890-4ABA-82A2-26507CE8D2A3}"/>
-              </a:ext>
-              <a:ext uri="{C183D7F6-B498-43B3-948B-1728B52AA6E4}">
-                <adec:decorative xmlns:adec="http://schemas.microsoft.com/office/drawing/2017/decorative" val="1"/>
-              </a:ext>
-            </a:extLst>
-          </p:cNvPr>
-          <p:cNvSpPr>
-            <a:spLocks noGrp="1" noRot="1" noChangeAspect="1" noMove="1" noResize="1" noEditPoints="1" noAdjustHandles="1" noChangeArrowheads="1" noChangeShapeType="1" noTextEdit="1"/>
-          </p:cNvSpPr>
-          <p:nvPr>
-            <p:extLst>
-              <p:ext uri="{386F3935-93C4-4BCD-93E2-E3B085C9AB24}">
-                <p16:designElem xmlns:p16="http://schemas.microsoft.com/office/powerpoint/2015/main" val="1"/>
-              </p:ext>
-            </p:extLst>
-          </p:nvPr>
-        </p:nvSpPr>
-        <p:spPr>
-          <a:xfrm rot="5400000">
-            <a:off x="11228040" y="2313027"/>
-            <a:ext cx="781700" cy="152382"/>
-          </a:xfrm>
-          <a:prstGeom prst="rect">
-            <a:avLst/>
-          </a:prstGeom>
-          <a:solidFill>
-            <a:schemeClr val="accent4"/>
-          </a:solidFill>
-          <a:ln>
-            <a:noFill/>
-          </a:ln>
-        </p:spPr>
-        <p:style>
-          <a:lnRef idx="2">
-            <a:schemeClr val="accent1">
-              <a:shade val="50000"/>
-            </a:schemeClr>
-          </a:lnRef>
-          <a:fillRef idx="1">
-            <a:schemeClr val="accent1"/>
-          </a:fillRef>
-          <a:effectRef idx="0">
-            <a:schemeClr val="accent1"/>
-          </a:effectRef>
-          <a:fontRef idx="minor">
-            <a:schemeClr val="lt1"/>
-          </a:fontRef>
-        </p:style>
-        <p:txBody>
-          <a:bodyPr rtlCol="0" anchor="ctr"/>
-          <a:lstStyle/>
-          <a:p>
-            <a:pPr algn="ctr"/>
-            <a:endParaRPr lang="en-US"/>
-          </a:p>
-        </p:txBody>
-      </p:sp>
-    </p:spTree>
-    <p:extLst>
-      <p:ext uri="{BB962C8B-B14F-4D97-AF65-F5344CB8AC3E}">
-        <p14:creationId xmlns:p14="http://schemas.microsoft.com/office/powerpoint/2010/main" val="1716017134"/>
-      </p:ext>
-    </p:extLst>
-  </p:cSld>
-  <p:clrMapOvr>
-    <a:masterClrMapping/>
-  </p:clrMapOvr>
-</p:sld>
-</file>
-
-<file path=ppt/slides/slide6.xml><?xml version="1.0" encoding="utf-8"?>
-<p:sld xmlns:a="http://schemas.openxmlformats.org/drawingml/2006/main" xmlns:r="http://schemas.openxmlformats.org/officeDocument/2006/relationships" xmlns:p="http://schemas.openxmlformats.org/presentationml/2006/main">
-  <p:cSld>
-    <p:bg>
-      <p:bgPr>
-        <a:solidFill>
-          <a:schemeClr val="bg1"/>
-        </a:solidFill>
-        <a:effectLst/>
-      </p:bgPr>
-    </p:bg>
-    <p:spTree>
-      <p:nvGrpSpPr>
-        <p:cNvPr id="1" name=""/>
-        <p:cNvGrpSpPr/>
-        <p:nvPr/>
-      </p:nvGrpSpPr>
-      <p:grpSpPr>
-        <a:xfrm>
-          <a:off x="0" y="0"/>
-          <a:ext cx="0" cy="0"/>
-          <a:chOff x="0" y="0"/>
-          <a:chExt cx="0" cy="0"/>
-        </a:xfrm>
-      </p:grpSpPr>
-      <p:sp useBgFill="1">
-        <p:nvSpPr>
-          <p:cNvPr id="12" name="Rectangle 11">
-            <a:extLst>
-              <a:ext uri="{FF2B5EF4-FFF2-40B4-BE49-F238E27FC236}">
-                <a16:creationId xmlns:a16="http://schemas.microsoft.com/office/drawing/2014/main" id="{058A14AF-9FB5-4CC7-BA35-E8E85D3EDF0E}"/>
-              </a:ext>
-              <a:ext uri="{C183D7F6-B498-43B3-948B-1728B52AA6E4}">
-                <adec:decorative xmlns:adec="http://schemas.microsoft.com/office/drawing/2017/decorative" val="1"/>
-              </a:ext>
-            </a:extLst>
-          </p:cNvPr>
-          <p:cNvSpPr>
-            <a:spLocks noGrp="1" noRot="1" noChangeAspect="1" noMove="1" noResize="1" noEditPoints="1" noAdjustHandles="1" noChangeArrowheads="1" noChangeShapeType="1" noTextEdit="1"/>
-          </p:cNvSpPr>
-          <p:nvPr>
-            <p:extLst>
-              <p:ext uri="{386F3935-93C4-4BCD-93E2-E3B085C9AB24}">
-                <p16:designElem xmlns:p16="http://schemas.microsoft.com/office/powerpoint/2015/main" val="1"/>
-              </p:ext>
-            </p:extLst>
-          </p:nvPr>
-        </p:nvSpPr>
-        <p:spPr>
-          <a:xfrm>
-            <a:off x="0" y="0"/>
-            <a:ext cx="12191999" cy="6857365"/>
-          </a:xfrm>
-          <a:prstGeom prst="rect">
-            <a:avLst/>
-          </a:prstGeom>
-          <a:ln>
-            <a:noFill/>
-          </a:ln>
-        </p:spPr>
-        <p:style>
-          <a:lnRef idx="2">
-            <a:schemeClr val="accent1">
-              <a:shade val="50000"/>
-            </a:schemeClr>
-          </a:lnRef>
-          <a:fillRef idx="1">
-            <a:schemeClr val="accent1"/>
-          </a:fillRef>
-          <a:effectRef idx="0">
-            <a:schemeClr val="accent1"/>
-          </a:effectRef>
-          <a:fontRef idx="minor">
-            <a:schemeClr val="lt1"/>
-          </a:fontRef>
-        </p:style>
-        <p:txBody>
-          <a:bodyPr rtlCol="0" anchor="ctr"/>
-          <a:lstStyle/>
-          <a:p>
-            <a:pPr algn="ctr"/>
-            <a:endParaRPr lang="en-US"/>
-          </a:p>
-        </p:txBody>
-      </p:sp>
-      <p:sp>
-        <p:nvSpPr>
-          <p:cNvPr id="2" name="Title 1">
-            <a:extLst>
-              <a:ext uri="{FF2B5EF4-FFF2-40B4-BE49-F238E27FC236}">
-                <a16:creationId xmlns:a16="http://schemas.microsoft.com/office/drawing/2014/main" id="{52BDB07B-306C-57F2-1472-7298F64C2B0A}"/>
-              </a:ext>
-            </a:extLst>
-          </p:cNvPr>
-          <p:cNvSpPr>
-            <a:spLocks noGrp="1"/>
-          </p:cNvSpPr>
-          <p:nvPr>
-            <p:ph type="title"/>
-          </p:nvPr>
-        </p:nvSpPr>
-        <p:spPr>
-          <a:xfrm>
-            <a:off x="793662" y="386930"/>
-            <a:ext cx="10066122" cy="1298448"/>
-          </a:xfrm>
-        </p:spPr>
-        <p:txBody>
-          <a:bodyPr anchor="b">
-            <a:normAutofit/>
-          </a:bodyPr>
-          <a:lstStyle/>
-          <a:p>
-            <a:r>
-              <a:rPr lang="en-US" sz="4800" b="1"/>
-              <a:t>Methodology – EGT Population</a:t>
-            </a:r>
-            <a:endParaRPr lang="en-US" sz="4800"/>
-          </a:p>
-        </p:txBody>
-      </p:sp>
-      <p:sp>
-        <p:nvSpPr>
-          <p:cNvPr id="14" name="Rectangle 13">
-            <a:extLst>
-              <a:ext uri="{FF2B5EF4-FFF2-40B4-BE49-F238E27FC236}">
-                <a16:creationId xmlns:a16="http://schemas.microsoft.com/office/drawing/2014/main" id="{3A9A4357-BD1D-4622-A4FE-766E6AB8DE84}"/>
-              </a:ext>
-              <a:ext uri="{C183D7F6-B498-43B3-948B-1728B52AA6E4}">
-                <adec:decorative xmlns:adec="http://schemas.microsoft.com/office/drawing/2017/decorative" val="1"/>
-              </a:ext>
-            </a:extLst>
-          </p:cNvPr>
-          <p:cNvSpPr>
-            <a:spLocks noGrp="1" noRot="1" noChangeAspect="1" noMove="1" noResize="1" noEditPoints="1" noAdjustHandles="1" noChangeArrowheads="1" noChangeShapeType="1" noTextEdit="1"/>
-          </p:cNvSpPr>
-          <p:nvPr>
-            <p:extLst>
-              <p:ext uri="{386F3935-93C4-4BCD-93E2-E3B085C9AB24}">
-                <p16:designElem xmlns:p16="http://schemas.microsoft.com/office/powerpoint/2015/main" val="1"/>
-              </p:ext>
-            </p:extLst>
-          </p:nvPr>
-        </p:nvSpPr>
-        <p:spPr>
-          <a:xfrm flipH="1" flipV="1">
-            <a:off x="-2" y="1998845"/>
-            <a:ext cx="11454595" cy="781699"/>
-          </a:xfrm>
-          <a:prstGeom prst="rect">
-            <a:avLst/>
-          </a:prstGeom>
-          <a:solidFill>
-            <a:schemeClr val="accent4"/>
-          </a:solidFill>
-          <a:ln>
-            <a:noFill/>
-          </a:ln>
-        </p:spPr>
-        <p:style>
-          <a:lnRef idx="2">
-            <a:schemeClr val="accent1">
-              <a:shade val="50000"/>
-            </a:schemeClr>
-          </a:lnRef>
-          <a:fillRef idx="1">
-            <a:schemeClr val="accent1"/>
-          </a:fillRef>
-          <a:effectRef idx="0">
-            <a:schemeClr val="accent1"/>
-          </a:effectRef>
-          <a:fontRef idx="minor">
-            <a:schemeClr val="lt1"/>
-          </a:fontRef>
-        </p:style>
-        <p:txBody>
-          <a:bodyPr rtlCol="0" anchor="ctr"/>
-          <a:lstStyle/>
-          <a:p>
-            <a:pPr algn="ctr"/>
-            <a:endParaRPr lang="en-US"/>
-          </a:p>
-        </p:txBody>
-      </p:sp>
-      <p:sp>
-        <p:nvSpPr>
-          <p:cNvPr id="16" name="Rectangle 15">
-            <a:extLst>
-              <a:ext uri="{FF2B5EF4-FFF2-40B4-BE49-F238E27FC236}">
-                <a16:creationId xmlns:a16="http://schemas.microsoft.com/office/drawing/2014/main" id="{E659831F-0D9A-4C63-9EBB-8435B85A440F}"/>
-              </a:ext>
-              <a:ext uri="{C183D7F6-B498-43B3-948B-1728B52AA6E4}">
-                <adec:decorative xmlns:adec="http://schemas.microsoft.com/office/drawing/2017/decorative" val="1"/>
-              </a:ext>
-            </a:extLst>
-          </p:cNvPr>
-          <p:cNvSpPr>
-            <a:spLocks noGrp="1" noRot="1" noChangeAspect="1" noMove="1" noResize="1" noEditPoints="1" noAdjustHandles="1" noChangeArrowheads="1" noChangeShapeType="1" noTextEdit="1"/>
-          </p:cNvSpPr>
-          <p:nvPr>
-            <p:extLst>
-              <p:ext uri="{386F3935-93C4-4BCD-93E2-E3B085C9AB24}">
-                <p16:designElem xmlns:p16="http://schemas.microsoft.com/office/powerpoint/2015/main" val="1"/>
-              </p:ext>
-            </p:extLst>
-          </p:nvPr>
-        </p:nvSpPr>
-        <p:spPr>
-          <a:xfrm>
-            <a:off x="0" y="2203079"/>
-            <a:ext cx="11383362" cy="4267991"/>
-          </a:xfrm>
-          <a:prstGeom prst="rect">
-            <a:avLst/>
-          </a:prstGeom>
-          <a:solidFill>
-            <a:schemeClr val="bg1"/>
-          </a:solidFill>
-          <a:ln>
-            <a:noFill/>
-          </a:ln>
-          <a:effectLst>
-            <a:outerShdw blurRad="139700" dist="127000" dir="5400000" algn="t" rotWithShape="0">
-              <a:prstClr val="black">
-                <a:alpha val="15000"/>
-              </a:prstClr>
-            </a:outerShdw>
-          </a:effectLst>
-        </p:spPr>
-        <p:style>
-          <a:lnRef idx="2">
-            <a:schemeClr val="accent1">
-              <a:shade val="50000"/>
-            </a:schemeClr>
-          </a:lnRef>
-          <a:fillRef idx="1">
-            <a:schemeClr val="accent1"/>
-          </a:fillRef>
-          <a:effectRef idx="0">
-            <a:schemeClr val="accent1"/>
-          </a:effectRef>
-          <a:fontRef idx="minor">
-            <a:schemeClr val="lt1"/>
-          </a:fontRef>
-        </p:style>
-        <p:txBody>
-          <a:bodyPr rtlCol="0" anchor="ctr"/>
-          <a:lstStyle/>
-          <a:p>
-            <a:pPr algn="ctr"/>
-            <a:endParaRPr lang="en-US"/>
-          </a:p>
-        </p:txBody>
-      </p:sp>
-      <p:sp>
-        <p:nvSpPr>
-          <p:cNvPr id="3" name="Content Placeholder 2">
-            <a:extLst>
-              <a:ext uri="{FF2B5EF4-FFF2-40B4-BE49-F238E27FC236}">
-                <a16:creationId xmlns:a16="http://schemas.microsoft.com/office/drawing/2014/main" id="{D074B8DC-132A-C6C9-8A2E-8F260AC58562}"/>
-              </a:ext>
-            </a:extLst>
-          </p:cNvPr>
-          <p:cNvSpPr>
-            <a:spLocks noGrp="1"/>
-          </p:cNvSpPr>
-          <p:nvPr>
-            <p:ph idx="1"/>
-          </p:nvPr>
-        </p:nvSpPr>
-        <p:spPr>
-          <a:xfrm>
-            <a:off x="793661" y="2599509"/>
-            <a:ext cx="4530898" cy="3639450"/>
-          </a:xfrm>
-        </p:spPr>
-        <p:txBody>
-          <a:bodyPr anchor="ctr">
-            <a:normAutofit/>
-          </a:bodyPr>
-          <a:lstStyle/>
-          <a:p>
-            <a:r>
-              <a:rPr lang="en-US" sz="1700" b="1"/>
-              <a:t>Heuristic Strategies</a:t>
-            </a:r>
-          </a:p>
-          <a:p>
-            <a:pPr lvl="1"/>
-            <a:r>
-              <a:rPr lang="en-US" sz="1700"/>
-              <a:t> Aggressive, Passive, Momentum, Random.</a:t>
-            </a:r>
-          </a:p>
-          <a:p>
-            <a:r>
-              <a:rPr lang="en-US" sz="1700" b="1"/>
-              <a:t>Evolution Mechanism</a:t>
-            </a:r>
-            <a:endParaRPr lang="en-US" sz="1700"/>
-          </a:p>
-          <a:p>
-            <a:pPr lvl="1"/>
-            <a:r>
-              <a:rPr lang="en-US" sz="1700"/>
-              <a:t>Trader fitness = rolling profitability</a:t>
-            </a:r>
-          </a:p>
-          <a:p>
-            <a:pPr lvl="1"/>
-            <a:r>
-              <a:rPr lang="en-US" sz="1700"/>
-              <a:t>Replicator dynamics adjust strategy frequencies</a:t>
-            </a:r>
-          </a:p>
-          <a:p>
-            <a:pPr lvl="1"/>
-            <a:r>
-              <a:rPr lang="en-US" sz="1700"/>
-              <a:t>Mutation (~2%) introduces fresh variants</a:t>
-            </a:r>
-          </a:p>
-          <a:p>
-            <a:r>
-              <a:rPr lang="en-US" sz="1700" b="1"/>
-              <a:t>Effect on ARL</a:t>
-            </a:r>
-          </a:p>
-          <a:p>
-            <a:pPr lvl="1"/>
-            <a:r>
-              <a:rPr lang="en-US" sz="1700"/>
-              <a:t> Changing population creates a non-stationary, adaptive environment.</a:t>
-            </a:r>
-          </a:p>
-        </p:txBody>
-      </p:sp>
-      <p:pic>
-        <p:nvPicPr>
-          <p:cNvPr id="7" name="Picture 6" descr="A graph of different colors&#10;&#10;AI-generated content may be incorrect.">
-            <a:extLst>
-              <a:ext uri="{FF2B5EF4-FFF2-40B4-BE49-F238E27FC236}">
-                <a16:creationId xmlns:a16="http://schemas.microsoft.com/office/drawing/2014/main" id="{39E28CFD-E2A0-C35F-97B5-7AEB966880DF}"/>
-              </a:ext>
-            </a:extLst>
-          </p:cNvPr>
-          <p:cNvPicPr>
-            <a:picLocks noChangeAspect="1"/>
-          </p:cNvPicPr>
-          <p:nvPr/>
-        </p:nvPicPr>
-        <p:blipFill>
-          <a:blip r:embed="rId2">
-            <a:extLst>
-              <a:ext uri="{28A0092B-C50C-407E-A947-70E740481C1C}">
-                <a14:useLocalDpi xmlns:a14="http://schemas.microsoft.com/office/drawing/2010/main" val="0"/>
-              </a:ext>
-            </a:extLst>
-          </a:blip>
-          <a:stretch>
-            <a:fillRect/>
-          </a:stretch>
-        </p:blipFill>
-        <p:spPr>
-          <a:xfrm>
-            <a:off x="6010509" y="2484255"/>
-            <a:ext cx="4952322" cy="3714244"/>
-          </a:xfrm>
-          <a:prstGeom prst="rect">
-            <a:avLst/>
-          </a:prstGeom>
-        </p:spPr>
-      </p:pic>
-      <p:sp>
-        <p:nvSpPr>
-          <p:cNvPr id="18" name="Rectangle 17">
-            <a:extLst>
-              <a:ext uri="{FF2B5EF4-FFF2-40B4-BE49-F238E27FC236}">
-                <a16:creationId xmlns:a16="http://schemas.microsoft.com/office/drawing/2014/main" id="{E6995CE5-F890-4ABA-82A2-26507CE8D2A3}"/>
-              </a:ext>
-              <a:ext uri="{C183D7F6-B498-43B3-948B-1728B52AA6E4}">
-                <adec:decorative xmlns:adec="http://schemas.microsoft.com/office/drawing/2017/decorative" val="1"/>
-              </a:ext>
-            </a:extLst>
-          </p:cNvPr>
-          <p:cNvSpPr>
-            <a:spLocks noGrp="1" noRot="1" noChangeAspect="1" noMove="1" noResize="1" noEditPoints="1" noAdjustHandles="1" noChangeArrowheads="1" noChangeShapeType="1" noTextEdit="1"/>
-          </p:cNvSpPr>
-          <p:nvPr>
-            <p:extLst>
-              <p:ext uri="{386F3935-93C4-4BCD-93E2-E3B085C9AB24}">
-                <p16:designElem xmlns:p16="http://schemas.microsoft.com/office/powerpoint/2015/main" val="1"/>
-              </p:ext>
-            </p:extLst>
-          </p:nvPr>
-        </p:nvSpPr>
-        <p:spPr>
-          <a:xfrm rot="5400000">
-            <a:off x="11228040" y="2313027"/>
-            <a:ext cx="781700" cy="152382"/>
-          </a:xfrm>
-          <a:prstGeom prst="rect">
-            <a:avLst/>
-          </a:prstGeom>
-          <a:solidFill>
-            <a:schemeClr val="accent4"/>
-          </a:solidFill>
-          <a:ln>
-            <a:noFill/>
-          </a:ln>
-        </p:spPr>
-        <p:style>
-          <a:lnRef idx="2">
-            <a:schemeClr val="accent1">
-              <a:shade val="50000"/>
-            </a:schemeClr>
-          </a:lnRef>
-          <a:fillRef idx="1">
-            <a:schemeClr val="accent1"/>
-          </a:fillRef>
-          <a:effectRef idx="0">
-            <a:schemeClr val="accent1"/>
-          </a:effectRef>
-          <a:fontRef idx="minor">
-            <a:schemeClr val="lt1"/>
-          </a:fontRef>
-        </p:style>
-        <p:txBody>
-          <a:bodyPr rtlCol="0" anchor="ctr"/>
-          <a:lstStyle/>
-          <a:p>
-            <a:pPr algn="ctr"/>
-            <a:endParaRPr lang="en-US"/>
-          </a:p>
-        </p:txBody>
-      </p:sp>
-    </p:spTree>
-    <p:extLst>
-      <p:ext uri="{BB962C8B-B14F-4D97-AF65-F5344CB8AC3E}">
-        <p14:creationId xmlns:p14="http://schemas.microsoft.com/office/powerpoint/2010/main" val="1603723764"/>
-      </p:ext>
-    </p:extLst>
-  </p:cSld>
-  <p:clrMapOvr>
-    <a:masterClrMapping/>
-  </p:clrMapOvr>
-</p:sld>
-</file>
-
-<file path=ppt/slides/slide7.xml><?xml version="1.0" encoding="utf-8"?>
-<p:sld xmlns:a="http://schemas.openxmlformats.org/drawingml/2006/main" xmlns:r="http://schemas.openxmlformats.org/officeDocument/2006/relationships" xmlns:p="http://schemas.openxmlformats.org/presentationml/2006/main">
-  <p:cSld>
-    <p:bg>
-      <p:bgPr>
-        <a:solidFill>
-          <a:schemeClr val="bg1"/>
-        </a:solidFill>
-        <a:effectLst/>
-      </p:bgPr>
-    </p:bg>
-    <p:spTree>
-      <p:nvGrpSpPr>
-        <p:cNvPr id="1" name=""/>
-        <p:cNvGrpSpPr/>
-        <p:nvPr/>
-      </p:nvGrpSpPr>
-      <p:grpSpPr>
-        <a:xfrm>
-          <a:off x="0" y="0"/>
-          <a:ext cx="0" cy="0"/>
-          <a:chOff x="0" y="0"/>
-          <a:chExt cx="0" cy="0"/>
-        </a:xfrm>
-      </p:grpSpPr>
-      <p:sp useBgFill="1">
-        <p:nvSpPr>
-          <p:cNvPr id="8" name="Rectangle 7">
-            <a:extLst>
-              <a:ext uri="{FF2B5EF4-FFF2-40B4-BE49-F238E27FC236}">
-                <a16:creationId xmlns:a16="http://schemas.microsoft.com/office/drawing/2014/main" id="{DBF61EA3-B236-439E-9C0B-340980D56BEE}"/>
-              </a:ext>
-              <a:ext uri="{C183D7F6-B498-43B3-948B-1728B52AA6E4}">
-                <adec:decorative xmlns:adec="http://schemas.microsoft.com/office/drawing/2017/decorative" val="1"/>
-              </a:ext>
-            </a:extLst>
-          </p:cNvPr>
-          <p:cNvSpPr>
-            <a:spLocks noGrp="1" noRot="1" noChangeAspect="1" noMove="1" noResize="1" noEditPoints="1" noAdjustHandles="1" noChangeArrowheads="1" noChangeShapeType="1" noTextEdit="1"/>
-          </p:cNvSpPr>
-          <p:nvPr>
-            <p:extLst>
-              <p:ext uri="{386F3935-93C4-4BCD-93E2-E3B085C9AB24}">
-                <p16:designElem xmlns:p16="http://schemas.microsoft.com/office/powerpoint/2015/main" val="1"/>
-              </p:ext>
-            </p:extLst>
-          </p:nvPr>
-        </p:nvSpPr>
-        <p:spPr>
-          <a:xfrm>
-            <a:off x="0" y="0"/>
-            <a:ext cx="12191999" cy="6857365"/>
-          </a:xfrm>
-          <a:prstGeom prst="rect">
-            <a:avLst/>
-          </a:prstGeom>
-          <a:ln>
-            <a:noFill/>
-          </a:ln>
-        </p:spPr>
-        <p:style>
-          <a:lnRef idx="2">
-            <a:schemeClr val="accent1">
-              <a:shade val="50000"/>
-            </a:schemeClr>
-          </a:lnRef>
-          <a:fillRef idx="1">
-            <a:schemeClr val="accent1"/>
-          </a:fillRef>
-          <a:effectRef idx="0">
-            <a:schemeClr val="accent1"/>
-          </a:effectRef>
-          <a:fontRef idx="minor">
-            <a:schemeClr val="lt1"/>
-          </a:fontRef>
-        </p:style>
-        <p:txBody>
-          <a:bodyPr rtlCol="0" anchor="ctr"/>
-          <a:lstStyle/>
-          <a:p>
-            <a:pPr algn="ctr"/>
-            <a:endParaRPr lang="en-US"/>
-          </a:p>
-        </p:txBody>
-      </p:sp>
-      <p:sp>
-        <p:nvSpPr>
-          <p:cNvPr id="2" name="Title 1">
-            <a:extLst>
-              <a:ext uri="{FF2B5EF4-FFF2-40B4-BE49-F238E27FC236}">
-                <a16:creationId xmlns:a16="http://schemas.microsoft.com/office/drawing/2014/main" id="{52B5894E-22EC-A591-1A16-C277ECF50904}"/>
+                <a16:creationId xmlns:a16="http://schemas.microsoft.com/office/drawing/2014/main" id="{987DFF7D-88A6-7D07-E739-0EE87F783547}"/>
               </a:ext>
             </a:extLst>
           </p:cNvPr>
@@ -8437,10 +9193,10 @@
           <a:lstStyle/>
           <a:p>
             <a:r>
-              <a:rPr lang="en-US" sz="5400" b="1"/>
-              <a:t>Interaction Loop</a:t>
-            </a:r>
-            <a:endParaRPr lang="en-US" sz="5400"/>
+              <a:rPr lang="en-US" sz="4600" b="1" dirty="0"/>
+              <a:t>Learning Mechanism</a:t>
+            </a:r>
+            <a:endParaRPr lang="en-US" sz="4600" dirty="0"/>
           </a:p>
         </p:txBody>
       </p:sp>
@@ -8449,7 +9205,7 @@
           <p:cNvPr id="10" name="Group 9">
             <a:extLst>
               <a:ext uri="{FF2B5EF4-FFF2-40B4-BE49-F238E27FC236}">
-                <a16:creationId xmlns:a16="http://schemas.microsoft.com/office/drawing/2014/main" id="{28FAF094-D087-493F-8DF9-A486C2D6BBAA}"/>
+                <a16:creationId xmlns:a16="http://schemas.microsoft.com/office/drawing/2014/main" id="{8CF436FD-4C8E-3AEE-45E5-B9E25F8F5EC6}"/>
               </a:ext>
               <a:ext uri="{C183D7F6-B498-43B3-948B-1728B52AA6E4}">
                 <adec:decorative xmlns:adec="http://schemas.microsoft.com/office/drawing/2017/decorative" val="1"/>
@@ -8480,7 +9236,7 @@
             <p:cNvPr id="11" name="Rectangle 10">
               <a:extLst>
                 <a:ext uri="{FF2B5EF4-FFF2-40B4-BE49-F238E27FC236}">
-                  <a16:creationId xmlns:a16="http://schemas.microsoft.com/office/drawing/2014/main" id="{8D7C88D8-5509-4514-925A-9CE148E5CBD6}"/>
+                  <a16:creationId xmlns:a16="http://schemas.microsoft.com/office/drawing/2014/main" id="{79676600-9FFD-80FA-88D3-051E39210401}"/>
                 </a:ext>
                 <a:ext uri="{C183D7F6-B498-43B3-948B-1728B52AA6E4}">
                   <adec:decorative xmlns:adec="http://schemas.microsoft.com/office/drawing/2017/decorative" val="1"/>
@@ -8541,7 +9297,7 @@
             <p:cNvPr id="12" name="Rectangle 11">
               <a:extLst>
                 <a:ext uri="{FF2B5EF4-FFF2-40B4-BE49-F238E27FC236}">
-                  <a16:creationId xmlns:a16="http://schemas.microsoft.com/office/drawing/2014/main" id="{7275593D-F75E-4426-AE3E-2CDEFD228D25}"/>
+                  <a16:creationId xmlns:a16="http://schemas.microsoft.com/office/drawing/2014/main" id="{773FD3C4-216A-AFF6-E8CC-8EE2AAFA1F47}"/>
                 </a:ext>
                 <a:ext uri="{C183D7F6-B498-43B3-948B-1728B52AA6E4}">
                   <adec:decorative xmlns:adec="http://schemas.microsoft.com/office/drawing/2017/decorative" val="1"/>
@@ -8603,7 +9359,7 @@
           <p:cNvPr id="14" name="Rectangle 13">
             <a:extLst>
               <a:ext uri="{FF2B5EF4-FFF2-40B4-BE49-F238E27FC236}">
-                <a16:creationId xmlns:a16="http://schemas.microsoft.com/office/drawing/2014/main" id="{E659831F-0D9A-4C63-9EBB-8435B85A440F}"/>
+                <a16:creationId xmlns:a16="http://schemas.microsoft.com/office/drawing/2014/main" id="{C87DEF50-203A-9D0D-1996-D29A6FACF3E2}"/>
               </a:ext>
               <a:ext uri="{C183D7F6-B498-43B3-948B-1728B52AA6E4}">
                 <adec:decorative xmlns:adec="http://schemas.microsoft.com/office/drawing/2017/decorative" val="1"/>
@@ -8673,7 +9429,7 @@
           <p:cNvPr id="3" name="Content Placeholder 2">
             <a:extLst>
               <a:ext uri="{FF2B5EF4-FFF2-40B4-BE49-F238E27FC236}">
-                <a16:creationId xmlns:a16="http://schemas.microsoft.com/office/drawing/2014/main" id="{17D87570-FFBA-35F6-A3C1-9D458839B3A3}"/>
+                <a16:creationId xmlns:a16="http://schemas.microsoft.com/office/drawing/2014/main" id="{B233AE75-D950-42AC-4ADF-196760B32FAE}"/>
               </a:ext>
             </a:extLst>
           </p:cNvPr>
@@ -8687,7 +9443,7 @@
         <p:spPr>
           <a:xfrm>
             <a:off x="793660" y="2599509"/>
-            <a:ext cx="10143668" cy="3435531"/>
+            <a:ext cx="10119873" cy="3435531"/>
           </a:xfrm>
         </p:spPr>
         <p:txBody>
@@ -8697,54 +9453,41 @@
           <a:lstStyle/>
           <a:p>
             <a:r>
-              <a:rPr lang="en-US" sz="2400" dirty="0"/>
-              <a:t>ARL posts quotes </a:t>
-            </a:r>
-          </a:p>
-          <a:p>
-            <a:r>
-              <a:rPr lang="en-US" sz="2400" dirty="0"/>
-              <a:t>EGT agents decide to buy/sell using heuristics </a:t>
-            </a:r>
-          </a:p>
-          <a:p>
-            <a:r>
-              <a:rPr lang="en-US" sz="2400" dirty="0"/>
-              <a:t>Trades execute when quotes cross </a:t>
-            </a:r>
-          </a:p>
-          <a:p>
-            <a:r>
-              <a:rPr lang="en-US" sz="2400" dirty="0"/>
-              <a:t>ARL receives </a:t>
-            </a:r>
-            <a:r>
-              <a:rPr lang="en-US" sz="2400" dirty="0" err="1"/>
-              <a:t>PnL</a:t>
-            </a:r>
-            <a:r>
-              <a:rPr lang="en-US" sz="2400" dirty="0"/>
-              <a:t>, risk penalty, spread bonus </a:t>
-            </a:r>
-          </a:p>
-          <a:p>
-            <a:r>
-              <a:rPr lang="en-US" sz="2400" dirty="0"/>
-              <a:t>EGT strategies earn fitness </a:t>
-            </a:r>
-          </a:p>
-          <a:p>
-            <a:r>
-              <a:rPr lang="en-US" sz="2400" dirty="0"/>
-              <a:t>ARL updates via DDQN; EGT population evolves</a:t>
-            </a:r>
+              <a:rPr lang="en-US" sz="2000" b="1" dirty="0"/>
+              <a:t>Objective: </a:t>
+            </a:r>
+            <a:r>
+              <a:rPr lang="en-US" sz="2000" dirty="0"/>
+              <a:t>Minimize the squared error (Loss) between the predicted Q-value and the target Q-value derived from the Bellman equation.</a:t>
+            </a:r>
+          </a:p>
+          <a:p>
+            <a:r>
+              <a:rPr lang="en-US" sz="2000" b="1" dirty="0"/>
+              <a:t>Process: </a:t>
+            </a:r>
+            <a:r>
+              <a:rPr lang="en-US" sz="2000" dirty="0"/>
+              <a:t>After every interaction, the agent calculates the error. This error is back-propagated from the output layer to the input layer to adjust the weights.</a:t>
+            </a:r>
+          </a:p>
+          <a:p>
+            <a:r>
+              <a:rPr lang="en-US" sz="2000" b="1" dirty="0"/>
+              <a:t>Optimization: </a:t>
+            </a:r>
+            <a:r>
+              <a:rPr lang="en-US" sz="2000" dirty="0"/>
+              <a:t>We use the Adam optimizer (Stochastic Gradient Descent) to find the global minimum in the error surface. </a:t>
+            </a:r>
+            <a:endParaRPr lang="en-US" sz="2000" b="1" dirty="0"/>
           </a:p>
         </p:txBody>
       </p:sp>
     </p:spTree>
     <p:extLst>
       <p:ext uri="{BB962C8B-B14F-4D97-AF65-F5344CB8AC3E}">
-        <p14:creationId xmlns:p14="http://schemas.microsoft.com/office/powerpoint/2010/main" val="3107991078"/>
+        <p14:creationId xmlns:p14="http://schemas.microsoft.com/office/powerpoint/2010/main" val="216964541"/>
       </p:ext>
     </p:extLst>
   </p:cSld>
@@ -8754,7 +9497,7 @@
 </p:sld>
 </file>
 
-<file path=ppt/slides/slide8.xml><?xml version="1.0" encoding="utf-8"?>
+<file path=ppt/slides/slide6.xml><?xml version="1.0" encoding="utf-8"?>
 <p:sld xmlns:a="http://schemas.openxmlformats.org/drawingml/2006/main" xmlns:r="http://schemas.openxmlformats.org/officeDocument/2006/relationships" xmlns:p="http://schemas.openxmlformats.org/presentationml/2006/main">
   <p:cSld>
     <p:bg>
@@ -8767,7 +9510,13 @@
     </p:bg>
     <p:spTree>
       <p:nvGrpSpPr>
-        <p:cNvPr id="1" name=""/>
+        <p:cNvPr id="1" name="">
+          <a:extLst>
+            <a:ext uri="{FF2B5EF4-FFF2-40B4-BE49-F238E27FC236}">
+              <a16:creationId xmlns:a16="http://schemas.microsoft.com/office/drawing/2014/main" id="{C1361833-F52B-E982-EE83-13840802AFA6}"/>
+            </a:ext>
+          </a:extLst>
+        </p:cNvPr>
         <p:cNvGrpSpPr/>
         <p:nvPr/>
       </p:nvGrpSpPr>
@@ -8781,10 +9530,10 @@
       </p:grpSpPr>
       <p:sp useBgFill="1">
         <p:nvSpPr>
-          <p:cNvPr id="10" name="Rectangle 9">
-            <a:extLst>
-              <a:ext uri="{FF2B5EF4-FFF2-40B4-BE49-F238E27FC236}">
-                <a16:creationId xmlns:a16="http://schemas.microsoft.com/office/drawing/2014/main" id="{058A14AF-9FB5-4CC7-BA35-E8E85D3EDF0E}"/>
+          <p:cNvPr id="8" name="Rectangle 7">
+            <a:extLst>
+              <a:ext uri="{FF2B5EF4-FFF2-40B4-BE49-F238E27FC236}">
+                <a16:creationId xmlns:a16="http://schemas.microsoft.com/office/drawing/2014/main" id="{3248C096-9FA3-7690-31CA-67A853156851}"/>
               </a:ext>
               <a:ext uri="{C183D7F6-B498-43B3-948B-1728B52AA6E4}">
                 <adec:decorative xmlns:adec="http://schemas.microsoft.com/office/drawing/2017/decorative" val="1"/>
@@ -8844,7 +9593,7 @@
           <p:cNvPr id="2" name="Title 1">
             <a:extLst>
               <a:ext uri="{FF2B5EF4-FFF2-40B4-BE49-F238E27FC236}">
-                <a16:creationId xmlns:a16="http://schemas.microsoft.com/office/drawing/2014/main" id="{90A1F16A-0DDF-2A09-4C54-EAF3E3158767}"/>
+                <a16:creationId xmlns:a16="http://schemas.microsoft.com/office/drawing/2014/main" id="{4257B963-759C-38B0-4A24-5B9D410AA3DD}"/>
               </a:ext>
             </a:extLst>
           </p:cNvPr>
@@ -8857,8 +9606,8 @@
         </p:nvSpPr>
         <p:spPr>
           <a:xfrm>
-            <a:off x="793662" y="386930"/>
-            <a:ext cx="10066122" cy="1298448"/>
+            <a:off x="808638" y="386930"/>
+            <a:ext cx="9236700" cy="1188950"/>
           </a:xfrm>
         </p:spPr>
         <p:txBody>
@@ -8868,28 +9617,28 @@
           <a:lstStyle/>
           <a:p>
             <a:r>
-              <a:rPr lang="en-US" b="1" dirty="0"/>
-              <a:t>Detailed Influence Between ARL &amp; EGT</a:t>
-            </a:r>
-            <a:endParaRPr lang="en-US" dirty="0"/>
-          </a:p>
-        </p:txBody>
-      </p:sp>
-      <p:sp>
-        <p:nvSpPr>
-          <p:cNvPr id="12" name="Rectangle 11">
-            <a:extLst>
-              <a:ext uri="{FF2B5EF4-FFF2-40B4-BE49-F238E27FC236}">
-                <a16:creationId xmlns:a16="http://schemas.microsoft.com/office/drawing/2014/main" id="{3A9A4357-BD1D-4622-A4FE-766E6AB8DE84}"/>
+              <a:rPr lang="en-US" sz="4600" b="1" dirty="0"/>
+              <a:t>The Adversary</a:t>
+            </a:r>
+            <a:endParaRPr lang="en-US" sz="4600" dirty="0"/>
+          </a:p>
+        </p:txBody>
+      </p:sp>
+      <p:grpSp>
+        <p:nvGrpSpPr>
+          <p:cNvPr id="10" name="Group 9">
+            <a:extLst>
+              <a:ext uri="{FF2B5EF4-FFF2-40B4-BE49-F238E27FC236}">
+                <a16:creationId xmlns:a16="http://schemas.microsoft.com/office/drawing/2014/main" id="{B939BC96-B4C6-D689-3DE1-3E3DFA94B4DD}"/>
               </a:ext>
               <a:ext uri="{C183D7F6-B498-43B3-948B-1728B52AA6E4}">
                 <adec:decorative xmlns:adec="http://schemas.microsoft.com/office/drawing/2017/decorative" val="1"/>
               </a:ext>
             </a:extLst>
           </p:cNvPr>
-          <p:cNvSpPr>
-            <a:spLocks noGrp="1" noRot="1" noChangeAspect="1" noMove="1" noResize="1" noEditPoints="1" noAdjustHandles="1" noChangeArrowheads="1" noChangeShapeType="1" noTextEdit="1"/>
-          </p:cNvSpPr>
+          <p:cNvGrpSpPr>
+            <a:grpSpLocks noGrp="1" noUngrp="1" noRot="1" noChangeAspect="1" noMove="1" noResize="1"/>
+          </p:cNvGrpSpPr>
           <p:nvPr>
             <p:extLst>
               <p:ext uri="{386F3935-93C4-4BCD-93E2-E3B085C9AB24}">
@@ -8897,53 +9646,144 @@
               </p:ext>
             </p:extLst>
           </p:nvPr>
-        </p:nvSpPr>
-        <p:spPr>
-          <a:xfrm flipH="1" flipV="1">
-            <a:off x="-2" y="1998845"/>
-            <a:ext cx="11454595" cy="781699"/>
+        </p:nvGrpSpPr>
+        <p:grpSpPr>
+          <a:xfrm>
+            <a:off x="-2" y="1998368"/>
+            <a:ext cx="11695083" cy="782176"/>
+            <a:chOff x="-2" y="1998368"/>
+            <a:chExt cx="11695083" cy="782176"/>
           </a:xfrm>
-          <a:prstGeom prst="rect">
-            <a:avLst/>
-          </a:prstGeom>
-          <a:solidFill>
-            <a:schemeClr val="accent4"/>
-          </a:solidFill>
-          <a:ln>
-            <a:noFill/>
-          </a:ln>
-        </p:spPr>
-        <p:style>
-          <a:lnRef idx="2">
-            <a:schemeClr val="accent1">
-              <a:shade val="50000"/>
-            </a:schemeClr>
-          </a:lnRef>
-          <a:fillRef idx="1">
-            <a:schemeClr val="accent1"/>
-          </a:fillRef>
-          <a:effectRef idx="0">
-            <a:schemeClr val="accent1"/>
-          </a:effectRef>
-          <a:fontRef idx="minor">
-            <a:schemeClr val="lt1"/>
-          </a:fontRef>
-        </p:style>
-        <p:txBody>
-          <a:bodyPr rtlCol="0" anchor="ctr"/>
-          <a:lstStyle/>
-          <a:p>
-            <a:pPr algn="ctr"/>
-            <a:endParaRPr lang="en-US"/>
-          </a:p>
-        </p:txBody>
-      </p:sp>
+        </p:grpSpPr>
+        <p:sp>
+          <p:nvSpPr>
+            <p:cNvPr id="11" name="Rectangle 10">
+              <a:extLst>
+                <a:ext uri="{FF2B5EF4-FFF2-40B4-BE49-F238E27FC236}">
+                  <a16:creationId xmlns:a16="http://schemas.microsoft.com/office/drawing/2014/main" id="{5221E5D8-B1A9-C481-DAE6-3A7E8BF25AA6}"/>
+                </a:ext>
+                <a:ext uri="{C183D7F6-B498-43B3-948B-1728B52AA6E4}">
+                  <adec:decorative xmlns:adec="http://schemas.microsoft.com/office/drawing/2017/decorative" val="1"/>
+                </a:ext>
+              </a:extLst>
+            </p:cNvPr>
+            <p:cNvSpPr/>
+            <p:nvPr>
+              <p:extLst>
+                <p:ext uri="{386F3935-93C4-4BCD-93E2-E3B085C9AB24}">
+                  <p16:designElem xmlns:p16="http://schemas.microsoft.com/office/powerpoint/2015/main" val="1"/>
+                </p:ext>
+              </p:extLst>
+            </p:nvPr>
+          </p:nvSpPr>
+          <p:spPr>
+            <a:xfrm rot="5400000">
+              <a:off x="11228040" y="2313027"/>
+              <a:ext cx="781700" cy="152382"/>
+            </a:xfrm>
+            <a:prstGeom prst="rect">
+              <a:avLst/>
+            </a:prstGeom>
+            <a:solidFill>
+              <a:schemeClr val="accent4"/>
+            </a:solidFill>
+            <a:ln>
+              <a:noFill/>
+            </a:ln>
+          </p:spPr>
+          <p:style>
+            <a:lnRef idx="2">
+              <a:schemeClr val="accent1">
+                <a:shade val="50000"/>
+              </a:schemeClr>
+            </a:lnRef>
+            <a:fillRef idx="1">
+              <a:schemeClr val="accent1"/>
+            </a:fillRef>
+            <a:effectRef idx="0">
+              <a:schemeClr val="accent1"/>
+            </a:effectRef>
+            <a:fontRef idx="minor">
+              <a:schemeClr val="lt1"/>
+            </a:fontRef>
+          </p:style>
+          <p:txBody>
+            <a:bodyPr rtlCol="0" anchor="ctr"/>
+            <a:lstStyle/>
+            <a:p>
+              <a:pPr algn="ctr"/>
+              <a:endParaRPr lang="en-US"/>
+            </a:p>
+          </p:txBody>
+        </p:sp>
+        <p:sp>
+          <p:nvSpPr>
+            <p:cNvPr id="12" name="Rectangle 11">
+              <a:extLst>
+                <a:ext uri="{FF2B5EF4-FFF2-40B4-BE49-F238E27FC236}">
+                  <a16:creationId xmlns:a16="http://schemas.microsoft.com/office/drawing/2014/main" id="{A3BA1626-4622-8C5F-CF20-328EED626FE0}"/>
+                </a:ext>
+                <a:ext uri="{C183D7F6-B498-43B3-948B-1728B52AA6E4}">
+                  <adec:decorative xmlns:adec="http://schemas.microsoft.com/office/drawing/2017/decorative" val="1"/>
+                </a:ext>
+              </a:extLst>
+            </p:cNvPr>
+            <p:cNvSpPr/>
+            <p:nvPr>
+              <p:extLst>
+                <p:ext uri="{386F3935-93C4-4BCD-93E2-E3B085C9AB24}">
+                  <p16:designElem xmlns:p16="http://schemas.microsoft.com/office/powerpoint/2015/main" val="1"/>
+                </p:ext>
+              </p:extLst>
+            </p:nvPr>
+          </p:nvSpPr>
+          <p:spPr>
+            <a:xfrm flipH="1" flipV="1">
+              <a:off x="-2" y="1998845"/>
+              <a:ext cx="11454595" cy="781699"/>
+            </a:xfrm>
+            <a:prstGeom prst="rect">
+              <a:avLst/>
+            </a:prstGeom>
+            <a:solidFill>
+              <a:schemeClr val="accent4"/>
+            </a:solidFill>
+            <a:ln>
+              <a:noFill/>
+            </a:ln>
+          </p:spPr>
+          <p:style>
+            <a:lnRef idx="2">
+              <a:schemeClr val="accent1">
+                <a:shade val="50000"/>
+              </a:schemeClr>
+            </a:lnRef>
+            <a:fillRef idx="1">
+              <a:schemeClr val="accent1"/>
+            </a:fillRef>
+            <a:effectRef idx="0">
+              <a:schemeClr val="accent1"/>
+            </a:effectRef>
+            <a:fontRef idx="minor">
+              <a:schemeClr val="lt1"/>
+            </a:fontRef>
+          </p:style>
+          <p:txBody>
+            <a:bodyPr rtlCol="0" anchor="ctr"/>
+            <a:lstStyle/>
+            <a:p>
+              <a:pPr algn="ctr"/>
+              <a:endParaRPr lang="en-US"/>
+            </a:p>
+          </p:txBody>
+        </p:sp>
+      </p:grpSp>
       <p:sp>
         <p:nvSpPr>
           <p:cNvPr id="14" name="Rectangle 13">
             <a:extLst>
               <a:ext uri="{FF2B5EF4-FFF2-40B4-BE49-F238E27FC236}">
-                <a16:creationId xmlns:a16="http://schemas.microsoft.com/office/drawing/2014/main" id="{E659831F-0D9A-4C63-9EBB-8435B85A440F}"/>
+                <a16:creationId xmlns:a16="http://schemas.microsoft.com/office/drawing/2014/main" id="{3C74CB79-17F0-F7B9-694E-07E5CAEFA1CA}"/>
               </a:ext>
               <a:ext uri="{C183D7F6-B498-43B3-948B-1728B52AA6E4}">
                 <adec:decorative xmlns:adec="http://schemas.microsoft.com/office/drawing/2017/decorative" val="1"/>
@@ -8964,7 +9804,7 @@
         <p:spPr>
           <a:xfrm>
             <a:off x="0" y="2203079"/>
-            <a:ext cx="11383362" cy="4267991"/>
+            <a:ext cx="11383362" cy="4147845"/>
           </a:xfrm>
           <a:prstGeom prst="rect">
             <a:avLst/>
@@ -9013,7 +9853,7 @@
           <p:cNvPr id="3" name="Content Placeholder 2">
             <a:extLst>
               <a:ext uri="{FF2B5EF4-FFF2-40B4-BE49-F238E27FC236}">
-                <a16:creationId xmlns:a16="http://schemas.microsoft.com/office/drawing/2014/main" id="{02716AD3-5A45-82AD-5B2D-4809D953D6AA}"/>
+                <a16:creationId xmlns:a16="http://schemas.microsoft.com/office/drawing/2014/main" id="{C0884DDB-A043-3916-1F92-939A79C6ED9E}"/>
               </a:ext>
             </a:extLst>
           </p:cNvPr>
@@ -9026,8 +9866,8 @@
         </p:nvSpPr>
         <p:spPr>
           <a:xfrm>
-            <a:off x="793661" y="2599509"/>
-            <a:ext cx="4530898" cy="3639450"/>
+            <a:off x="793660" y="2599509"/>
+            <a:ext cx="10119873" cy="3435531"/>
           </a:xfrm>
         </p:spPr>
         <p:txBody>
@@ -9037,141 +9877,56 @@
           <a:lstStyle/>
           <a:p>
             <a:r>
-              <a:rPr lang="en-US" sz="2000" b="1"/>
-              <a:t>ARL → EGT:</a:t>
-            </a:r>
-            <a:r>
-              <a:rPr lang="en-US" sz="2000"/>
-              <a:t> Tight spreads temporarily boost Aggressive strategy fitness.</a:t>
-            </a:r>
-          </a:p>
-          <a:p>
-            <a:r>
-              <a:rPr lang="en-US" sz="2000" b="1"/>
-              <a:t>EGT → ARL:</a:t>
-            </a:r>
-            <a:r>
-              <a:rPr lang="en-US" sz="2000"/>
-              <a:t> When Aggressive dominates, ARL widens spreads to reduce risk.</a:t>
-            </a:r>
-          </a:p>
-          <a:p>
-            <a:r>
-              <a:rPr lang="en-US" sz="2000"/>
-              <a:t>Passive traders eventually dominate (&gt;99%) due to ARL pressure.</a:t>
-            </a:r>
-          </a:p>
-          <a:p>
-            <a:r>
-              <a:rPr lang="en-US" sz="2000"/>
-              <a:t>Clear feedback loop emerges: each agent type shapes the other’s behavior.</a:t>
-            </a:r>
-          </a:p>
-        </p:txBody>
-      </p:sp>
-      <p:pic>
-        <p:nvPicPr>
-          <p:cNvPr id="5" name="Picture 4" descr="A graph with orange lines&#10;&#10;AI-generated content may be incorrect.">
-            <a:extLst>
-              <a:ext uri="{FF2B5EF4-FFF2-40B4-BE49-F238E27FC236}">
-                <a16:creationId xmlns:a16="http://schemas.microsoft.com/office/drawing/2014/main" id="{24A44C00-F34C-5EE0-1D65-91DEFDE21548}"/>
-              </a:ext>
-            </a:extLst>
-          </p:cNvPr>
-          <p:cNvPicPr>
-            <a:picLocks noChangeAspect="1"/>
-          </p:cNvPicPr>
-          <p:nvPr/>
-        </p:nvPicPr>
-        <p:blipFill>
-          <a:blip r:embed="rId2">
-            <a:extLst>
-              <a:ext uri="{28A0092B-C50C-407E-A947-70E740481C1C}">
-                <a14:useLocalDpi xmlns:a14="http://schemas.microsoft.com/office/drawing/2010/main" val="0"/>
-              </a:ext>
-            </a:extLst>
-          </a:blip>
-          <a:stretch>
-            <a:fillRect/>
-          </a:stretch>
-        </p:blipFill>
-        <p:spPr>
-          <a:xfrm>
-            <a:off x="6010509" y="2484255"/>
-            <a:ext cx="4952322" cy="3714244"/>
-          </a:xfrm>
-          <a:prstGeom prst="rect">
-            <a:avLst/>
-          </a:prstGeom>
-        </p:spPr>
-      </p:pic>
-      <p:sp>
-        <p:nvSpPr>
-          <p:cNvPr id="16" name="Rectangle 15">
-            <a:extLst>
-              <a:ext uri="{FF2B5EF4-FFF2-40B4-BE49-F238E27FC236}">
-                <a16:creationId xmlns:a16="http://schemas.microsoft.com/office/drawing/2014/main" id="{E6995CE5-F890-4ABA-82A2-26507CE8D2A3}"/>
-              </a:ext>
-              <a:ext uri="{C183D7F6-B498-43B3-948B-1728B52AA6E4}">
-                <adec:decorative xmlns:adec="http://schemas.microsoft.com/office/drawing/2017/decorative" val="1"/>
-              </a:ext>
-            </a:extLst>
-          </p:cNvPr>
-          <p:cNvSpPr>
-            <a:spLocks noGrp="1" noRot="1" noChangeAspect="1" noMove="1" noResize="1" noEditPoints="1" noAdjustHandles="1" noChangeArrowheads="1" noChangeShapeType="1" noTextEdit="1"/>
-          </p:cNvSpPr>
-          <p:nvPr>
-            <p:extLst>
-              <p:ext uri="{386F3935-93C4-4BCD-93E2-E3B085C9AB24}">
-                <p16:designElem xmlns:p16="http://schemas.microsoft.com/office/powerpoint/2015/main" val="1"/>
-              </p:ext>
-            </p:extLst>
-          </p:nvPr>
-        </p:nvSpPr>
-        <p:spPr>
-          <a:xfrm rot="5400000">
-            <a:off x="11228040" y="2313027"/>
-            <a:ext cx="781700" cy="152382"/>
-          </a:xfrm>
-          <a:prstGeom prst="rect">
-            <a:avLst/>
-          </a:prstGeom>
-          <a:solidFill>
-            <a:schemeClr val="accent4"/>
-          </a:solidFill>
-          <a:ln>
-            <a:noFill/>
-          </a:ln>
-        </p:spPr>
-        <p:style>
-          <a:lnRef idx="2">
-            <a:schemeClr val="accent1">
-              <a:shade val="50000"/>
-            </a:schemeClr>
-          </a:lnRef>
-          <a:fillRef idx="1">
-            <a:schemeClr val="accent1"/>
-          </a:fillRef>
-          <a:effectRef idx="0">
-            <a:schemeClr val="accent1"/>
-          </a:effectRef>
-          <a:fontRef idx="minor">
-            <a:schemeClr val="lt1"/>
-          </a:fontRef>
-        </p:style>
-        <p:txBody>
-          <a:bodyPr rtlCol="0" anchor="ctr"/>
-          <a:lstStyle/>
-          <a:p>
-            <a:pPr algn="ctr"/>
-            <a:endParaRPr lang="en-US"/>
+              <a:rPr lang="en-US" sz="2000" dirty="0"/>
+              <a:t>The "Adversary" is not a single agent, but a population of heuristic traders (Aggressive, Passive, Momentum, Random).</a:t>
+            </a:r>
+          </a:p>
+          <a:p>
+            <a:r>
+              <a:rPr lang="en-US" sz="2000" b="1" dirty="0"/>
+              <a:t>Genetic Algorithm:</a:t>
+            </a:r>
+          </a:p>
+          <a:p>
+            <a:pPr lvl="1"/>
+            <a:r>
+              <a:rPr lang="en-US" sz="1600" b="1" dirty="0"/>
+              <a:t>Fitness Functions: </a:t>
+            </a:r>
+            <a:r>
+              <a:rPr lang="en-US" sz="1600" dirty="0"/>
+              <a:t>Rolling profitability</a:t>
+            </a:r>
+          </a:p>
+          <a:p>
+            <a:pPr lvl="1"/>
+            <a:r>
+              <a:rPr lang="en-US" sz="1600" b="1" dirty="0"/>
+              <a:t>Selection: </a:t>
+            </a:r>
+            <a:r>
+              <a:rPr lang="en-US" sz="1600" dirty="0"/>
+              <a:t>Strategies that make money reproduce and increase their population share. Strategies that lose money die out.</a:t>
+            </a:r>
+          </a:p>
+          <a:p>
+            <a:pPr lvl="1"/>
+            <a:r>
+              <a:rPr lang="en-US" sz="1600" b="1" dirty="0"/>
+              <a:t>Mutation: </a:t>
+            </a:r>
+            <a:r>
+              <a:rPr lang="en-US" sz="1600" dirty="0"/>
+              <a:t>A 2% mutation rate introduces random noise to prevent the population from getting stuck in a local optimum. </a:t>
+            </a:r>
+            <a:endParaRPr lang="en-US" sz="1600" b="1" dirty="0"/>
           </a:p>
         </p:txBody>
       </p:sp>
     </p:spTree>
     <p:extLst>
       <p:ext uri="{BB962C8B-B14F-4D97-AF65-F5344CB8AC3E}">
-        <p14:creationId xmlns:p14="http://schemas.microsoft.com/office/powerpoint/2010/main" val="3502722188"/>
+        <p14:creationId xmlns:p14="http://schemas.microsoft.com/office/powerpoint/2010/main" val="1906398116"/>
       </p:ext>
     </p:extLst>
   </p:cSld>
@@ -9181,7 +9936,7 @@
 </p:sld>
 </file>
 
-<file path=ppt/slides/slide9.xml><?xml version="1.0" encoding="utf-8"?>
+<file path=ppt/slides/slide7.xml><?xml version="1.0" encoding="utf-8"?>
 <p:sld xmlns:a="http://schemas.openxmlformats.org/drawingml/2006/main" xmlns:r="http://schemas.openxmlformats.org/officeDocument/2006/relationships" xmlns:p="http://schemas.openxmlformats.org/presentationml/2006/main">
   <p:cSld>
     <p:bg>
@@ -9194,7 +9949,13 @@
     </p:bg>
     <p:spTree>
       <p:nvGrpSpPr>
-        <p:cNvPr id="1" name=""/>
+        <p:cNvPr id="1" name="">
+          <a:extLst>
+            <a:ext uri="{FF2B5EF4-FFF2-40B4-BE49-F238E27FC236}">
+              <a16:creationId xmlns:a16="http://schemas.microsoft.com/office/drawing/2014/main" id="{804F899A-82DB-32BA-11CA-FB170407C6ED}"/>
+            </a:ext>
+          </a:extLst>
+        </p:cNvPr>
         <p:cNvGrpSpPr/>
         <p:nvPr/>
       </p:nvGrpSpPr>
@@ -9208,10 +9969,10 @@
       </p:grpSpPr>
       <p:sp useBgFill="1">
         <p:nvSpPr>
-          <p:cNvPr id="17" name="Rectangle 16">
-            <a:extLst>
-              <a:ext uri="{FF2B5EF4-FFF2-40B4-BE49-F238E27FC236}">
-                <a16:creationId xmlns:a16="http://schemas.microsoft.com/office/drawing/2014/main" id="{058A14AF-9FB5-4CC7-BA35-E8E85D3EDF0E}"/>
+          <p:cNvPr id="8" name="Rectangle 7">
+            <a:extLst>
+              <a:ext uri="{FF2B5EF4-FFF2-40B4-BE49-F238E27FC236}">
+                <a16:creationId xmlns:a16="http://schemas.microsoft.com/office/drawing/2014/main" id="{92ECBE48-A67C-1DC6-DCBE-7787D2FE6CA5}"/>
               </a:ext>
               <a:ext uri="{C183D7F6-B498-43B3-948B-1728B52AA6E4}">
                 <adec:decorative xmlns:adec="http://schemas.microsoft.com/office/drawing/2017/decorative" val="1"/>
@@ -9271,7 +10032,7 @@
           <p:cNvPr id="2" name="Title 1">
             <a:extLst>
               <a:ext uri="{FF2B5EF4-FFF2-40B4-BE49-F238E27FC236}">
-                <a16:creationId xmlns:a16="http://schemas.microsoft.com/office/drawing/2014/main" id="{823E44DC-3740-2D30-28C6-24C3DA4C87D6}"/>
+                <a16:creationId xmlns:a16="http://schemas.microsoft.com/office/drawing/2014/main" id="{BCD4DA82-A375-32FC-9970-27879B727406}"/>
               </a:ext>
             </a:extLst>
           </p:cNvPr>
@@ -9284,45 +10045,39 @@
         </p:nvSpPr>
         <p:spPr>
           <a:xfrm>
-            <a:off x="793662" y="386930"/>
-            <a:ext cx="10066122" cy="1298448"/>
+            <a:off x="808638" y="386930"/>
+            <a:ext cx="9236700" cy="1188950"/>
           </a:xfrm>
         </p:spPr>
         <p:txBody>
-          <a:bodyPr vert="horz" lIns="91440" tIns="45720" rIns="91440" bIns="45720" rtlCol="0" anchor="b">
+          <a:bodyPr anchor="b">
             <a:normAutofit/>
           </a:bodyPr>
           <a:lstStyle/>
           <a:p>
             <a:r>
-              <a:rPr lang="en-US" sz="4800" b="1" kern="1200">
-                <a:solidFill>
-                  <a:schemeClr val="tx1"/>
-                </a:solidFill>
-                <a:latin typeface="+mj-lt"/>
-                <a:ea typeface="+mj-ea"/>
-                <a:cs typeface="+mj-cs"/>
-              </a:rPr>
-              <a:t>Overall Portfolio Performance</a:t>
-            </a:r>
-          </a:p>
-        </p:txBody>
-      </p:sp>
-      <p:sp>
-        <p:nvSpPr>
-          <p:cNvPr id="19" name="Rectangle 18">
-            <a:extLst>
-              <a:ext uri="{FF2B5EF4-FFF2-40B4-BE49-F238E27FC236}">
-                <a16:creationId xmlns:a16="http://schemas.microsoft.com/office/drawing/2014/main" id="{3A9A4357-BD1D-4622-A4FE-766E6AB8DE84}"/>
+              <a:rPr lang="en-US" sz="4600" b="1" dirty="0"/>
+              <a:t>Interaction Loop</a:t>
+            </a:r>
+            <a:endParaRPr lang="en-US" sz="4600" dirty="0"/>
+          </a:p>
+        </p:txBody>
+      </p:sp>
+      <p:grpSp>
+        <p:nvGrpSpPr>
+          <p:cNvPr id="10" name="Group 9">
+            <a:extLst>
+              <a:ext uri="{FF2B5EF4-FFF2-40B4-BE49-F238E27FC236}">
+                <a16:creationId xmlns:a16="http://schemas.microsoft.com/office/drawing/2014/main" id="{F26A1A57-2319-A030-2BBA-20FB0C79AC22}"/>
               </a:ext>
               <a:ext uri="{C183D7F6-B498-43B3-948B-1728B52AA6E4}">
                 <adec:decorative xmlns:adec="http://schemas.microsoft.com/office/drawing/2017/decorative" val="1"/>
               </a:ext>
             </a:extLst>
           </p:cNvPr>
-          <p:cNvSpPr>
-            <a:spLocks noGrp="1" noRot="1" noChangeAspect="1" noMove="1" noResize="1" noEditPoints="1" noAdjustHandles="1" noChangeArrowheads="1" noChangeShapeType="1" noTextEdit="1"/>
-          </p:cNvSpPr>
+          <p:cNvGrpSpPr>
+            <a:grpSpLocks noGrp="1" noUngrp="1" noRot="1" noChangeAspect="1" noMove="1" noResize="1"/>
+          </p:cNvGrpSpPr>
           <p:nvPr>
             <p:extLst>
               <p:ext uri="{386F3935-93C4-4BCD-93E2-E3B085C9AB24}">
@@ -9330,53 +10085,144 @@
               </p:ext>
             </p:extLst>
           </p:nvPr>
-        </p:nvSpPr>
-        <p:spPr>
-          <a:xfrm flipH="1" flipV="1">
-            <a:off x="-2" y="1998845"/>
-            <a:ext cx="11454595" cy="781699"/>
+        </p:nvGrpSpPr>
+        <p:grpSpPr>
+          <a:xfrm>
+            <a:off x="-2" y="1998368"/>
+            <a:ext cx="11695083" cy="782176"/>
+            <a:chOff x="-2" y="1998368"/>
+            <a:chExt cx="11695083" cy="782176"/>
           </a:xfrm>
-          <a:prstGeom prst="rect">
-            <a:avLst/>
-          </a:prstGeom>
-          <a:solidFill>
-            <a:schemeClr val="accent4"/>
-          </a:solidFill>
-          <a:ln>
-            <a:noFill/>
-          </a:ln>
-        </p:spPr>
-        <p:style>
-          <a:lnRef idx="2">
-            <a:schemeClr val="accent1">
-              <a:shade val="50000"/>
-            </a:schemeClr>
-          </a:lnRef>
-          <a:fillRef idx="1">
-            <a:schemeClr val="accent1"/>
-          </a:fillRef>
-          <a:effectRef idx="0">
-            <a:schemeClr val="accent1"/>
-          </a:effectRef>
-          <a:fontRef idx="minor">
-            <a:schemeClr val="lt1"/>
-          </a:fontRef>
-        </p:style>
-        <p:txBody>
-          <a:bodyPr rtlCol="0" anchor="ctr"/>
-          <a:lstStyle/>
-          <a:p>
-            <a:pPr algn="ctr"/>
-            <a:endParaRPr lang="en-US"/>
-          </a:p>
-        </p:txBody>
-      </p:sp>
-      <p:sp>
-        <p:nvSpPr>
-          <p:cNvPr id="21" name="Rectangle 20">
-            <a:extLst>
-              <a:ext uri="{FF2B5EF4-FFF2-40B4-BE49-F238E27FC236}">
-                <a16:creationId xmlns:a16="http://schemas.microsoft.com/office/drawing/2014/main" id="{E659831F-0D9A-4C63-9EBB-8435B85A440F}"/>
+        </p:grpSpPr>
+        <p:sp>
+          <p:nvSpPr>
+            <p:cNvPr id="11" name="Rectangle 10">
+              <a:extLst>
+                <a:ext uri="{FF2B5EF4-FFF2-40B4-BE49-F238E27FC236}">
+                  <a16:creationId xmlns:a16="http://schemas.microsoft.com/office/drawing/2014/main" id="{504C2460-223E-4BA1-5518-98B49FCECFAE}"/>
+                </a:ext>
+                <a:ext uri="{C183D7F6-B498-43B3-948B-1728B52AA6E4}">
+                  <adec:decorative xmlns:adec="http://schemas.microsoft.com/office/drawing/2017/decorative" val="1"/>
+                </a:ext>
+              </a:extLst>
+            </p:cNvPr>
+            <p:cNvSpPr/>
+            <p:nvPr>
+              <p:extLst>
+                <p:ext uri="{386F3935-93C4-4BCD-93E2-E3B085C9AB24}">
+                  <p16:designElem xmlns:p16="http://schemas.microsoft.com/office/powerpoint/2015/main" val="1"/>
+                </p:ext>
+              </p:extLst>
+            </p:nvPr>
+          </p:nvSpPr>
+          <p:spPr>
+            <a:xfrm rot="5400000">
+              <a:off x="11228040" y="2313027"/>
+              <a:ext cx="781700" cy="152382"/>
+            </a:xfrm>
+            <a:prstGeom prst="rect">
+              <a:avLst/>
+            </a:prstGeom>
+            <a:solidFill>
+              <a:schemeClr val="accent4"/>
+            </a:solidFill>
+            <a:ln>
+              <a:noFill/>
+            </a:ln>
+          </p:spPr>
+          <p:style>
+            <a:lnRef idx="2">
+              <a:schemeClr val="accent1">
+                <a:shade val="50000"/>
+              </a:schemeClr>
+            </a:lnRef>
+            <a:fillRef idx="1">
+              <a:schemeClr val="accent1"/>
+            </a:fillRef>
+            <a:effectRef idx="0">
+              <a:schemeClr val="accent1"/>
+            </a:effectRef>
+            <a:fontRef idx="minor">
+              <a:schemeClr val="lt1"/>
+            </a:fontRef>
+          </p:style>
+          <p:txBody>
+            <a:bodyPr rtlCol="0" anchor="ctr"/>
+            <a:lstStyle/>
+            <a:p>
+              <a:pPr algn="ctr"/>
+              <a:endParaRPr lang="en-US"/>
+            </a:p>
+          </p:txBody>
+        </p:sp>
+        <p:sp>
+          <p:nvSpPr>
+            <p:cNvPr id="12" name="Rectangle 11">
+              <a:extLst>
+                <a:ext uri="{FF2B5EF4-FFF2-40B4-BE49-F238E27FC236}">
+                  <a16:creationId xmlns:a16="http://schemas.microsoft.com/office/drawing/2014/main" id="{E5935E3D-1A40-43F6-12FF-D0814F234B01}"/>
+                </a:ext>
+                <a:ext uri="{C183D7F6-B498-43B3-948B-1728B52AA6E4}">
+                  <adec:decorative xmlns:adec="http://schemas.microsoft.com/office/drawing/2017/decorative" val="1"/>
+                </a:ext>
+              </a:extLst>
+            </p:cNvPr>
+            <p:cNvSpPr/>
+            <p:nvPr>
+              <p:extLst>
+                <p:ext uri="{386F3935-93C4-4BCD-93E2-E3B085C9AB24}">
+                  <p16:designElem xmlns:p16="http://schemas.microsoft.com/office/powerpoint/2015/main" val="1"/>
+                </p:ext>
+              </p:extLst>
+            </p:nvPr>
+          </p:nvSpPr>
+          <p:spPr>
+            <a:xfrm flipH="1" flipV="1">
+              <a:off x="-2" y="1998845"/>
+              <a:ext cx="11454595" cy="781699"/>
+            </a:xfrm>
+            <a:prstGeom prst="rect">
+              <a:avLst/>
+            </a:prstGeom>
+            <a:solidFill>
+              <a:schemeClr val="accent4"/>
+            </a:solidFill>
+            <a:ln>
+              <a:noFill/>
+            </a:ln>
+          </p:spPr>
+          <p:style>
+            <a:lnRef idx="2">
+              <a:schemeClr val="accent1">
+                <a:shade val="50000"/>
+              </a:schemeClr>
+            </a:lnRef>
+            <a:fillRef idx="1">
+              <a:schemeClr val="accent1"/>
+            </a:fillRef>
+            <a:effectRef idx="0">
+              <a:schemeClr val="accent1"/>
+            </a:effectRef>
+            <a:fontRef idx="minor">
+              <a:schemeClr val="lt1"/>
+            </a:fontRef>
+          </p:style>
+          <p:txBody>
+            <a:bodyPr rtlCol="0" anchor="ctr"/>
+            <a:lstStyle/>
+            <a:p>
+              <a:pPr algn="ctr"/>
+              <a:endParaRPr lang="en-US"/>
+            </a:p>
+          </p:txBody>
+        </p:sp>
+      </p:grpSp>
+      <p:sp>
+        <p:nvSpPr>
+          <p:cNvPr id="14" name="Rectangle 13">
+            <a:extLst>
+              <a:ext uri="{FF2B5EF4-FFF2-40B4-BE49-F238E27FC236}">
+                <a16:creationId xmlns:a16="http://schemas.microsoft.com/office/drawing/2014/main" id="{A4A0EE82-F191-A24E-EBA2-8833F7C5A93E}"/>
               </a:ext>
               <a:ext uri="{C183D7F6-B498-43B3-948B-1728B52AA6E4}">
                 <adec:decorative xmlns:adec="http://schemas.microsoft.com/office/drawing/2017/decorative" val="1"/>
@@ -9397,7 +10243,7 @@
         <p:spPr>
           <a:xfrm>
             <a:off x="0" y="2203079"/>
-            <a:ext cx="11383362" cy="4267991"/>
+            <a:ext cx="11383362" cy="4147845"/>
           </a:xfrm>
           <a:prstGeom prst="rect">
             <a:avLst/>
@@ -9443,124 +10289,145 @@
       </p:sp>
       <p:sp>
         <p:nvSpPr>
-          <p:cNvPr id="12" name="TextBox 11">
-            <a:extLst>
-              <a:ext uri="{FF2B5EF4-FFF2-40B4-BE49-F238E27FC236}">
-                <a16:creationId xmlns:a16="http://schemas.microsoft.com/office/drawing/2014/main" id="{0E232222-CC7F-C3F9-1C47-10C613A35555}"/>
-              </a:ext>
-            </a:extLst>
-          </p:cNvPr>
-          <p:cNvSpPr txBox="1"/>
-          <p:nvPr/>
+          <p:cNvPr id="3" name="Content Placeholder 2">
+            <a:extLst>
+              <a:ext uri="{FF2B5EF4-FFF2-40B4-BE49-F238E27FC236}">
+                <a16:creationId xmlns:a16="http://schemas.microsoft.com/office/drawing/2014/main" id="{680C0B37-C476-2E80-8C30-F6619428BFCF}"/>
+              </a:ext>
+            </a:extLst>
+          </p:cNvPr>
+          <p:cNvSpPr>
+            <a:spLocks noGrp="1"/>
+          </p:cNvSpPr>
+          <p:nvPr>
+            <p:ph idx="1"/>
+          </p:nvPr>
         </p:nvSpPr>
         <p:spPr>
           <a:xfrm>
-            <a:off x="793661" y="2599509"/>
-            <a:ext cx="4530898" cy="3639450"/>
+            <a:off x="793660" y="2599509"/>
+            <a:ext cx="10119873" cy="3435531"/>
           </a:xfrm>
-          <a:prstGeom prst="rect">
-            <a:avLst/>
-          </a:prstGeom>
         </p:spPr>
         <p:txBody>
-          <a:bodyPr vert="horz" lIns="91440" tIns="45720" rIns="91440" bIns="45720" rtlCol="0" anchor="ctr">
+          <a:bodyPr anchor="ctr">
             <a:normAutofit/>
           </a:bodyPr>
           <a:lstStyle/>
           <a:p>
-            <a:pPr marL="285750" indent="-228600">
-              <a:lnSpc>
-                <a:spcPct val="90000"/>
-              </a:lnSpc>
-              <a:spcAft>
-                <a:spcPts val="600"/>
-              </a:spcAft>
-              <a:buFont typeface="Arial" panose="020B0604020202020204" pitchFamily="34" charset="0"/>
-              <a:buChar char="•"/>
-            </a:pPr>
-            <a:r>
-              <a:rPr lang="en-US" sz="2000"/>
-              <a:t>ARL achieved positive total returns (~1.5%). </a:t>
-            </a:r>
-          </a:p>
-          <a:p>
-            <a:pPr marL="285750" indent="-228600">
-              <a:lnSpc>
-                <a:spcPct val="90000"/>
-              </a:lnSpc>
-              <a:spcAft>
-                <a:spcPts val="600"/>
-              </a:spcAft>
-              <a:buFont typeface="Arial" panose="020B0604020202020204" pitchFamily="34" charset="0"/>
-              <a:buChar char="•"/>
-            </a:pPr>
-            <a:r>
-              <a:rPr lang="en-US" sz="2000"/>
-              <a:t>Performance stayed consistent across calm and volatile regimes. </a:t>
-            </a:r>
-          </a:p>
-          <a:p>
-            <a:pPr marL="285750" indent="-228600">
-              <a:lnSpc>
-                <a:spcPct val="90000"/>
-              </a:lnSpc>
-              <a:spcAft>
-                <a:spcPts val="600"/>
-              </a:spcAft>
-              <a:buFont typeface="Arial" panose="020B0604020202020204" pitchFamily="34" charset="0"/>
-              <a:buChar char="•"/>
-            </a:pPr>
-            <a:r>
-              <a:rPr lang="en-US" sz="2000"/>
-              <a:t>ARL remained stable even as the EGT population evolved.</a:t>
-            </a:r>
-          </a:p>
-        </p:txBody>
-      </p:sp>
-      <p:pic>
-        <p:nvPicPr>
-          <p:cNvPr id="9" name="Content Placeholder 8" descr="A graph showing a line graph&#10;&#10;AI-generated content may be incorrect.">
-            <a:extLst>
-              <a:ext uri="{FF2B5EF4-FFF2-40B4-BE49-F238E27FC236}">
-                <a16:creationId xmlns:a16="http://schemas.microsoft.com/office/drawing/2014/main" id="{1D0280F6-38F9-1083-200E-F6AA88A8AAD0}"/>
-              </a:ext>
-            </a:extLst>
-          </p:cNvPr>
-          <p:cNvPicPr>
-            <a:picLocks noGrp="1" noChangeAspect="1"/>
-          </p:cNvPicPr>
-          <p:nvPr>
-            <p:ph idx="1"/>
-          </p:nvPr>
-        </p:nvPicPr>
-        <p:blipFill>
-          <a:blip r:embed="rId2">
-            <a:extLst>
-              <a:ext uri="{28A0092B-C50C-407E-A947-70E740481C1C}">
-                <a14:useLocalDpi xmlns:a14="http://schemas.microsoft.com/office/drawing/2010/main" val="0"/>
-              </a:ext>
-            </a:extLst>
-          </a:blip>
-          <a:stretch>
-            <a:fillRect/>
-          </a:stretch>
-        </p:blipFill>
-        <p:spPr>
-          <a:xfrm>
-            <a:off x="6010509" y="2484255"/>
-            <a:ext cx="4952322" cy="3714244"/>
-          </a:xfrm>
-          <a:prstGeom prst="rect">
-            <a:avLst/>
-          </a:prstGeom>
-        </p:spPr>
-      </p:pic>
-      <p:sp>
-        <p:nvSpPr>
-          <p:cNvPr id="23" name="Rectangle 22">
-            <a:extLst>
-              <a:ext uri="{FF2B5EF4-FFF2-40B4-BE49-F238E27FC236}">
-                <a16:creationId xmlns:a16="http://schemas.microsoft.com/office/drawing/2014/main" id="{E6995CE5-F890-4ABA-82A2-26507CE8D2A3}"/>
+            <a:r>
+              <a:rPr lang="en-US" sz="2000" b="1" dirty="0"/>
+              <a:t>Sensing: </a:t>
+            </a:r>
+            <a:r>
+              <a:rPr lang="en-US" sz="2000" dirty="0"/>
+              <a:t>The MLP processes market features (Volatility, RSI).</a:t>
+            </a:r>
+          </a:p>
+          <a:p>
+            <a:r>
+              <a:rPr lang="en-US" sz="2000" b="1" dirty="0"/>
+              <a:t>Action: </a:t>
+            </a:r>
+            <a:r>
+              <a:rPr lang="en-US" sz="2000" dirty="0"/>
+              <a:t>The Agent posts a Bid/Ask Spread (e.g., Tight or Wide).</a:t>
+            </a:r>
+          </a:p>
+          <a:p>
+            <a:r>
+              <a:rPr lang="en-US" sz="2000" b="1" dirty="0"/>
+              <a:t>Reaction: </a:t>
+            </a:r>
+            <a:r>
+              <a:rPr lang="en-US" sz="2000" dirty="0"/>
+              <a:t>The EGT population evaluates the price; trades execute if quotes cross.</a:t>
+            </a:r>
+          </a:p>
+          <a:p>
+            <a:r>
+              <a:rPr lang="en-US" sz="2000" b="1" dirty="0"/>
+              <a:t>Feedback</a:t>
+            </a:r>
+          </a:p>
+          <a:p>
+            <a:pPr lvl="1"/>
+            <a:r>
+              <a:rPr lang="en-US" sz="1600" dirty="0"/>
+              <a:t>Agent receives Reward (Profit - Risk).</a:t>
+            </a:r>
+          </a:p>
+          <a:p>
+            <a:pPr lvl="1"/>
+            <a:r>
+              <a:rPr lang="en-US" sz="1600" dirty="0"/>
+              <a:t>EGT Agents receive Fitness (Profit).</a:t>
+            </a:r>
+            <a:endParaRPr lang="en-US" sz="2000" dirty="0"/>
+          </a:p>
+          <a:p>
+            <a:r>
+              <a:rPr lang="en-US" sz="2000" b="1" dirty="0"/>
+              <a:t>Update: </a:t>
+            </a:r>
+            <a:r>
+              <a:rPr lang="en-US" sz="2000" dirty="0"/>
+              <a:t>Agent updates Weights (Backprop); Population updates Distribution (Evolution).</a:t>
+            </a:r>
+            <a:endParaRPr lang="en-US" sz="2000" b="1" dirty="0"/>
+          </a:p>
+        </p:txBody>
+      </p:sp>
+    </p:spTree>
+    <p:extLst>
+      <p:ext uri="{BB962C8B-B14F-4D97-AF65-F5344CB8AC3E}">
+        <p14:creationId xmlns:p14="http://schemas.microsoft.com/office/powerpoint/2010/main" val="1696448613"/>
+      </p:ext>
+    </p:extLst>
+  </p:cSld>
+  <p:clrMapOvr>
+    <a:masterClrMapping/>
+  </p:clrMapOvr>
+</p:sld>
+</file>
+
+<file path=ppt/slides/slide8.xml><?xml version="1.0" encoding="utf-8"?>
+<p:sld xmlns:a="http://schemas.openxmlformats.org/drawingml/2006/main" xmlns:r="http://schemas.openxmlformats.org/officeDocument/2006/relationships" xmlns:p="http://schemas.openxmlformats.org/presentationml/2006/main">
+  <p:cSld>
+    <p:bg>
+      <p:bgPr>
+        <a:solidFill>
+          <a:schemeClr val="bg1"/>
+        </a:solidFill>
+        <a:effectLst/>
+      </p:bgPr>
+    </p:bg>
+    <p:spTree>
+      <p:nvGrpSpPr>
+        <p:cNvPr id="1" name="">
+          <a:extLst>
+            <a:ext uri="{FF2B5EF4-FFF2-40B4-BE49-F238E27FC236}">
+              <a16:creationId xmlns:a16="http://schemas.microsoft.com/office/drawing/2014/main" id="{9717904E-A005-2D12-84D9-CD989C7A6BE0}"/>
+            </a:ext>
+          </a:extLst>
+        </p:cNvPr>
+        <p:cNvGrpSpPr/>
+        <p:nvPr/>
+      </p:nvGrpSpPr>
+      <p:grpSpPr>
+        <a:xfrm>
+          <a:off x="0" y="0"/>
+          <a:ext cx="0" cy="0"/>
+          <a:chOff x="0" y="0"/>
+          <a:chExt cx="0" cy="0"/>
+        </a:xfrm>
+      </p:grpSpPr>
+      <p:sp useBgFill="1">
+        <p:nvSpPr>
+          <p:cNvPr id="8" name="Rectangle 7">
+            <a:extLst>
+              <a:ext uri="{FF2B5EF4-FFF2-40B4-BE49-F238E27FC236}">
+                <a16:creationId xmlns:a16="http://schemas.microsoft.com/office/drawing/2014/main" id="{498C450B-0604-4A17-D2C6-24BBB0782A01}"/>
               </a:ext>
               <a:ext uri="{C183D7F6-B498-43B3-948B-1728B52AA6E4}">
                 <adec:decorative xmlns:adec="http://schemas.microsoft.com/office/drawing/2017/decorative" val="1"/>
@@ -9579,16 +10446,13 @@
           </p:nvPr>
         </p:nvSpPr>
         <p:spPr>
-          <a:xfrm rot="5400000">
-            <a:off x="11228040" y="2313027"/>
-            <a:ext cx="781700" cy="152382"/>
+          <a:xfrm>
+            <a:off x="0" y="0"/>
+            <a:ext cx="12191999" cy="6857365"/>
           </a:xfrm>
           <a:prstGeom prst="rect">
             <a:avLst/>
           </a:prstGeom>
-          <a:solidFill>
-            <a:schemeClr val="accent4"/>
-          </a:solidFill>
           <a:ln>
             <a:noFill/>
           </a:ln>
@@ -9618,10 +10482,746 @@
           </a:p>
         </p:txBody>
       </p:sp>
+      <p:sp>
+        <p:nvSpPr>
+          <p:cNvPr id="2" name="Title 1">
+            <a:extLst>
+              <a:ext uri="{FF2B5EF4-FFF2-40B4-BE49-F238E27FC236}">
+                <a16:creationId xmlns:a16="http://schemas.microsoft.com/office/drawing/2014/main" id="{F9A3BC68-1A93-B12F-B8C7-6728940C5F86}"/>
+              </a:ext>
+            </a:extLst>
+          </p:cNvPr>
+          <p:cNvSpPr>
+            <a:spLocks noGrp="1"/>
+          </p:cNvSpPr>
+          <p:nvPr>
+            <p:ph type="title"/>
+          </p:nvPr>
+        </p:nvSpPr>
+        <p:spPr>
+          <a:xfrm>
+            <a:off x="808638" y="386930"/>
+            <a:ext cx="9236700" cy="1188950"/>
+          </a:xfrm>
+        </p:spPr>
+        <p:txBody>
+          <a:bodyPr anchor="b">
+            <a:normAutofit/>
+          </a:bodyPr>
+          <a:lstStyle/>
+          <a:p>
+            <a:r>
+              <a:rPr lang="en-US" sz="4600" b="1" dirty="0"/>
+              <a:t>Results</a:t>
+            </a:r>
+            <a:endParaRPr lang="en-US" sz="4600" dirty="0"/>
+          </a:p>
+        </p:txBody>
+      </p:sp>
+      <p:grpSp>
+        <p:nvGrpSpPr>
+          <p:cNvPr id="10" name="Group 9">
+            <a:extLst>
+              <a:ext uri="{FF2B5EF4-FFF2-40B4-BE49-F238E27FC236}">
+                <a16:creationId xmlns:a16="http://schemas.microsoft.com/office/drawing/2014/main" id="{82BF77EF-BD19-4E8C-42C7-D8192CBA3E7E}"/>
+              </a:ext>
+              <a:ext uri="{C183D7F6-B498-43B3-948B-1728B52AA6E4}">
+                <adec:decorative xmlns:adec="http://schemas.microsoft.com/office/drawing/2017/decorative" val="1"/>
+              </a:ext>
+            </a:extLst>
+          </p:cNvPr>
+          <p:cNvGrpSpPr>
+            <a:grpSpLocks noGrp="1" noUngrp="1" noRot="1" noChangeAspect="1" noMove="1" noResize="1"/>
+          </p:cNvGrpSpPr>
+          <p:nvPr>
+            <p:extLst>
+              <p:ext uri="{386F3935-93C4-4BCD-93E2-E3B085C9AB24}">
+                <p16:designElem xmlns:p16="http://schemas.microsoft.com/office/powerpoint/2015/main" val="1"/>
+              </p:ext>
+            </p:extLst>
+          </p:nvPr>
+        </p:nvGrpSpPr>
+        <p:grpSpPr>
+          <a:xfrm>
+            <a:off x="-2" y="1998368"/>
+            <a:ext cx="11695083" cy="782176"/>
+            <a:chOff x="-2" y="1998368"/>
+            <a:chExt cx="11695083" cy="782176"/>
+          </a:xfrm>
+        </p:grpSpPr>
+        <p:sp>
+          <p:nvSpPr>
+            <p:cNvPr id="11" name="Rectangle 10">
+              <a:extLst>
+                <a:ext uri="{FF2B5EF4-FFF2-40B4-BE49-F238E27FC236}">
+                  <a16:creationId xmlns:a16="http://schemas.microsoft.com/office/drawing/2014/main" id="{D1DC201D-4D4F-B125-AA88-28F75F4CF929}"/>
+                </a:ext>
+                <a:ext uri="{C183D7F6-B498-43B3-948B-1728B52AA6E4}">
+                  <adec:decorative xmlns:adec="http://schemas.microsoft.com/office/drawing/2017/decorative" val="1"/>
+                </a:ext>
+              </a:extLst>
+            </p:cNvPr>
+            <p:cNvSpPr/>
+            <p:nvPr>
+              <p:extLst>
+                <p:ext uri="{386F3935-93C4-4BCD-93E2-E3B085C9AB24}">
+                  <p16:designElem xmlns:p16="http://schemas.microsoft.com/office/powerpoint/2015/main" val="1"/>
+                </p:ext>
+              </p:extLst>
+            </p:nvPr>
+          </p:nvSpPr>
+          <p:spPr>
+            <a:xfrm rot="5400000">
+              <a:off x="11228040" y="2313027"/>
+              <a:ext cx="781700" cy="152382"/>
+            </a:xfrm>
+            <a:prstGeom prst="rect">
+              <a:avLst/>
+            </a:prstGeom>
+            <a:solidFill>
+              <a:schemeClr val="accent4"/>
+            </a:solidFill>
+            <a:ln>
+              <a:noFill/>
+            </a:ln>
+          </p:spPr>
+          <p:style>
+            <a:lnRef idx="2">
+              <a:schemeClr val="accent1">
+                <a:shade val="50000"/>
+              </a:schemeClr>
+            </a:lnRef>
+            <a:fillRef idx="1">
+              <a:schemeClr val="accent1"/>
+            </a:fillRef>
+            <a:effectRef idx="0">
+              <a:schemeClr val="accent1"/>
+            </a:effectRef>
+            <a:fontRef idx="minor">
+              <a:schemeClr val="lt1"/>
+            </a:fontRef>
+          </p:style>
+          <p:txBody>
+            <a:bodyPr rtlCol="0" anchor="ctr"/>
+            <a:lstStyle/>
+            <a:p>
+              <a:pPr algn="ctr"/>
+              <a:endParaRPr lang="en-US"/>
+            </a:p>
+          </p:txBody>
+        </p:sp>
+        <p:sp>
+          <p:nvSpPr>
+            <p:cNvPr id="12" name="Rectangle 11">
+              <a:extLst>
+                <a:ext uri="{FF2B5EF4-FFF2-40B4-BE49-F238E27FC236}">
+                  <a16:creationId xmlns:a16="http://schemas.microsoft.com/office/drawing/2014/main" id="{BA159FD0-F02C-4F1F-8D4A-6C2E0B07D64D}"/>
+                </a:ext>
+                <a:ext uri="{C183D7F6-B498-43B3-948B-1728B52AA6E4}">
+                  <adec:decorative xmlns:adec="http://schemas.microsoft.com/office/drawing/2017/decorative" val="1"/>
+                </a:ext>
+              </a:extLst>
+            </p:cNvPr>
+            <p:cNvSpPr/>
+            <p:nvPr>
+              <p:extLst>
+                <p:ext uri="{386F3935-93C4-4BCD-93E2-E3B085C9AB24}">
+                  <p16:designElem xmlns:p16="http://schemas.microsoft.com/office/powerpoint/2015/main" val="1"/>
+                </p:ext>
+              </p:extLst>
+            </p:nvPr>
+          </p:nvSpPr>
+          <p:spPr>
+            <a:xfrm flipH="1" flipV="1">
+              <a:off x="-2" y="1998845"/>
+              <a:ext cx="11454595" cy="781699"/>
+            </a:xfrm>
+            <a:prstGeom prst="rect">
+              <a:avLst/>
+            </a:prstGeom>
+            <a:solidFill>
+              <a:schemeClr val="accent4"/>
+            </a:solidFill>
+            <a:ln>
+              <a:noFill/>
+            </a:ln>
+          </p:spPr>
+          <p:style>
+            <a:lnRef idx="2">
+              <a:schemeClr val="accent1">
+                <a:shade val="50000"/>
+              </a:schemeClr>
+            </a:lnRef>
+            <a:fillRef idx="1">
+              <a:schemeClr val="accent1"/>
+            </a:fillRef>
+            <a:effectRef idx="0">
+              <a:schemeClr val="accent1"/>
+            </a:effectRef>
+            <a:fontRef idx="minor">
+              <a:schemeClr val="lt1"/>
+            </a:fontRef>
+          </p:style>
+          <p:txBody>
+            <a:bodyPr rtlCol="0" anchor="ctr"/>
+            <a:lstStyle/>
+            <a:p>
+              <a:pPr algn="ctr"/>
+              <a:endParaRPr lang="en-US"/>
+            </a:p>
+          </p:txBody>
+        </p:sp>
+      </p:grpSp>
+      <p:sp>
+        <p:nvSpPr>
+          <p:cNvPr id="14" name="Rectangle 13">
+            <a:extLst>
+              <a:ext uri="{FF2B5EF4-FFF2-40B4-BE49-F238E27FC236}">
+                <a16:creationId xmlns:a16="http://schemas.microsoft.com/office/drawing/2014/main" id="{0988612C-505E-C187-F0A3-6C60CDF1F041}"/>
+              </a:ext>
+              <a:ext uri="{C183D7F6-B498-43B3-948B-1728B52AA6E4}">
+                <adec:decorative xmlns:adec="http://schemas.microsoft.com/office/drawing/2017/decorative" val="1"/>
+              </a:ext>
+            </a:extLst>
+          </p:cNvPr>
+          <p:cNvSpPr>
+            <a:spLocks noGrp="1" noRot="1" noChangeAspect="1" noMove="1" noResize="1" noEditPoints="1" noAdjustHandles="1" noChangeArrowheads="1" noChangeShapeType="1" noTextEdit="1"/>
+          </p:cNvSpPr>
+          <p:nvPr>
+            <p:extLst>
+              <p:ext uri="{386F3935-93C4-4BCD-93E2-E3B085C9AB24}">
+                <p16:designElem xmlns:p16="http://schemas.microsoft.com/office/powerpoint/2015/main" val="1"/>
+              </p:ext>
+            </p:extLst>
+          </p:nvPr>
+        </p:nvSpPr>
+        <p:spPr>
+          <a:xfrm>
+            <a:off x="0" y="2203079"/>
+            <a:ext cx="11383362" cy="4147845"/>
+          </a:xfrm>
+          <a:prstGeom prst="rect">
+            <a:avLst/>
+          </a:prstGeom>
+          <a:solidFill>
+            <a:schemeClr val="bg1"/>
+          </a:solidFill>
+          <a:ln>
+            <a:noFill/>
+          </a:ln>
+          <a:effectLst>
+            <a:outerShdw blurRad="139700" dist="127000" dir="5400000" algn="t" rotWithShape="0">
+              <a:prstClr val="black">
+                <a:alpha val="15000"/>
+              </a:prstClr>
+            </a:outerShdw>
+          </a:effectLst>
+        </p:spPr>
+        <p:style>
+          <a:lnRef idx="2">
+            <a:schemeClr val="accent1">
+              <a:shade val="50000"/>
+            </a:schemeClr>
+          </a:lnRef>
+          <a:fillRef idx="1">
+            <a:schemeClr val="accent1"/>
+          </a:fillRef>
+          <a:effectRef idx="0">
+            <a:schemeClr val="accent1"/>
+          </a:effectRef>
+          <a:fontRef idx="minor">
+            <a:schemeClr val="lt1"/>
+          </a:fontRef>
+        </p:style>
+        <p:txBody>
+          <a:bodyPr rtlCol="0" anchor="ctr"/>
+          <a:lstStyle/>
+          <a:p>
+            <a:pPr algn="ctr"/>
+            <a:endParaRPr lang="en-US"/>
+          </a:p>
+        </p:txBody>
+      </p:sp>
+      <p:sp>
+        <p:nvSpPr>
+          <p:cNvPr id="3" name="Content Placeholder 2">
+            <a:extLst>
+              <a:ext uri="{FF2B5EF4-FFF2-40B4-BE49-F238E27FC236}">
+                <a16:creationId xmlns:a16="http://schemas.microsoft.com/office/drawing/2014/main" id="{F842678B-0DDA-DC10-08A1-2B74A64D6482}"/>
+              </a:ext>
+            </a:extLst>
+          </p:cNvPr>
+          <p:cNvSpPr>
+            <a:spLocks noGrp="1"/>
+          </p:cNvSpPr>
+          <p:nvPr>
+            <p:ph idx="1"/>
+          </p:nvPr>
+        </p:nvSpPr>
+        <p:spPr>
+          <a:xfrm>
+            <a:off x="793660" y="2599509"/>
+            <a:ext cx="10119873" cy="3435531"/>
+          </a:xfrm>
+        </p:spPr>
+        <p:txBody>
+          <a:bodyPr anchor="ctr">
+            <a:normAutofit/>
+          </a:bodyPr>
+          <a:lstStyle/>
+          <a:p>
+            <a:r>
+              <a:rPr lang="en-US" sz="2000" b="1" dirty="0"/>
+              <a:t>What happened: </a:t>
+            </a:r>
+            <a:r>
+              <a:rPr lang="en-US" sz="2000" dirty="0"/>
+              <a:t>The ARL agent achieved ~1.5% total return. The rolling reward plot shows the agent initially struggling (exploration) before converging to a stable, positive-reward policy.</a:t>
+            </a:r>
+          </a:p>
+          <a:p>
+            <a:r>
+              <a:rPr lang="en-US" sz="2000" dirty="0"/>
+              <a:t>The AI learned how to make money. It started knowing nothing, made mistakes, learned from them via gradient descent, and ended up profitable.</a:t>
+            </a:r>
+            <a:endParaRPr lang="en-US" sz="2000" b="1" dirty="0"/>
+          </a:p>
+        </p:txBody>
+      </p:sp>
     </p:spTree>
     <p:extLst>
       <p:ext uri="{BB962C8B-B14F-4D97-AF65-F5344CB8AC3E}">
-        <p14:creationId xmlns:p14="http://schemas.microsoft.com/office/powerpoint/2010/main" val="3129656432"/>
+        <p14:creationId xmlns:p14="http://schemas.microsoft.com/office/powerpoint/2010/main" val="2737580902"/>
+      </p:ext>
+    </p:extLst>
+  </p:cSld>
+  <p:clrMapOvr>
+    <a:masterClrMapping/>
+  </p:clrMapOvr>
+</p:sld>
+</file>
+
+<file path=ppt/slides/slide9.xml><?xml version="1.0" encoding="utf-8"?>
+<p:sld xmlns:a="http://schemas.openxmlformats.org/drawingml/2006/main" xmlns:r="http://schemas.openxmlformats.org/officeDocument/2006/relationships" xmlns:p="http://schemas.openxmlformats.org/presentationml/2006/main">
+  <p:cSld>
+    <p:bg>
+      <p:bgPr>
+        <a:solidFill>
+          <a:schemeClr val="bg1"/>
+        </a:solidFill>
+        <a:effectLst/>
+      </p:bgPr>
+    </p:bg>
+    <p:spTree>
+      <p:nvGrpSpPr>
+        <p:cNvPr id="1" name="">
+          <a:extLst>
+            <a:ext uri="{FF2B5EF4-FFF2-40B4-BE49-F238E27FC236}">
+              <a16:creationId xmlns:a16="http://schemas.microsoft.com/office/drawing/2014/main" id="{4B934869-54B6-5C0F-DD74-581A1E85E2A8}"/>
+            </a:ext>
+          </a:extLst>
+        </p:cNvPr>
+        <p:cNvGrpSpPr/>
+        <p:nvPr/>
+      </p:nvGrpSpPr>
+      <p:grpSpPr>
+        <a:xfrm>
+          <a:off x="0" y="0"/>
+          <a:ext cx="0" cy="0"/>
+          <a:chOff x="0" y="0"/>
+          <a:chExt cx="0" cy="0"/>
+        </a:xfrm>
+      </p:grpSpPr>
+      <p:sp useBgFill="1">
+        <p:nvSpPr>
+          <p:cNvPr id="8" name="Rectangle 7">
+            <a:extLst>
+              <a:ext uri="{FF2B5EF4-FFF2-40B4-BE49-F238E27FC236}">
+                <a16:creationId xmlns:a16="http://schemas.microsoft.com/office/drawing/2014/main" id="{0E00D6B3-2D07-FFF0-9D7D-E90E4B9C5C92}"/>
+              </a:ext>
+              <a:ext uri="{C183D7F6-B498-43B3-948B-1728B52AA6E4}">
+                <adec:decorative xmlns:adec="http://schemas.microsoft.com/office/drawing/2017/decorative" val="1"/>
+              </a:ext>
+            </a:extLst>
+          </p:cNvPr>
+          <p:cNvSpPr>
+            <a:spLocks noGrp="1" noRot="1" noChangeAspect="1" noMove="1" noResize="1" noEditPoints="1" noAdjustHandles="1" noChangeArrowheads="1" noChangeShapeType="1" noTextEdit="1"/>
+          </p:cNvSpPr>
+          <p:nvPr>
+            <p:extLst>
+              <p:ext uri="{386F3935-93C4-4BCD-93E2-E3B085C9AB24}">
+                <p16:designElem xmlns:p16="http://schemas.microsoft.com/office/powerpoint/2015/main" val="1"/>
+              </p:ext>
+            </p:extLst>
+          </p:nvPr>
+        </p:nvSpPr>
+        <p:spPr>
+          <a:xfrm>
+            <a:off x="0" y="0"/>
+            <a:ext cx="12191999" cy="6857365"/>
+          </a:xfrm>
+          <a:prstGeom prst="rect">
+            <a:avLst/>
+          </a:prstGeom>
+          <a:ln>
+            <a:noFill/>
+          </a:ln>
+        </p:spPr>
+        <p:style>
+          <a:lnRef idx="2">
+            <a:schemeClr val="accent1">
+              <a:shade val="50000"/>
+            </a:schemeClr>
+          </a:lnRef>
+          <a:fillRef idx="1">
+            <a:schemeClr val="accent1"/>
+          </a:fillRef>
+          <a:effectRef idx="0">
+            <a:schemeClr val="accent1"/>
+          </a:effectRef>
+          <a:fontRef idx="minor">
+            <a:schemeClr val="lt1"/>
+          </a:fontRef>
+        </p:style>
+        <p:txBody>
+          <a:bodyPr rtlCol="0" anchor="ctr"/>
+          <a:lstStyle/>
+          <a:p>
+            <a:pPr algn="ctr"/>
+            <a:endParaRPr lang="en-US"/>
+          </a:p>
+        </p:txBody>
+      </p:sp>
+      <p:sp>
+        <p:nvSpPr>
+          <p:cNvPr id="2" name="Title 1">
+            <a:extLst>
+              <a:ext uri="{FF2B5EF4-FFF2-40B4-BE49-F238E27FC236}">
+                <a16:creationId xmlns:a16="http://schemas.microsoft.com/office/drawing/2014/main" id="{3CBEE90E-E32B-AE72-4980-AFB0ACD89080}"/>
+              </a:ext>
+            </a:extLst>
+          </p:cNvPr>
+          <p:cNvSpPr>
+            <a:spLocks noGrp="1"/>
+          </p:cNvSpPr>
+          <p:nvPr>
+            <p:ph type="title"/>
+          </p:nvPr>
+        </p:nvSpPr>
+        <p:spPr>
+          <a:xfrm>
+            <a:off x="808638" y="386930"/>
+            <a:ext cx="9236700" cy="1188950"/>
+          </a:xfrm>
+        </p:spPr>
+        <p:txBody>
+          <a:bodyPr anchor="b">
+            <a:normAutofit/>
+          </a:bodyPr>
+          <a:lstStyle/>
+          <a:p>
+            <a:r>
+              <a:rPr lang="en-US" sz="4600" b="1" dirty="0"/>
+              <a:t>Results (continued)</a:t>
+            </a:r>
+            <a:endParaRPr lang="en-US" sz="4600" dirty="0"/>
+          </a:p>
+        </p:txBody>
+      </p:sp>
+      <p:grpSp>
+        <p:nvGrpSpPr>
+          <p:cNvPr id="10" name="Group 9">
+            <a:extLst>
+              <a:ext uri="{FF2B5EF4-FFF2-40B4-BE49-F238E27FC236}">
+                <a16:creationId xmlns:a16="http://schemas.microsoft.com/office/drawing/2014/main" id="{51E37756-43C0-EC82-8E73-255CDAD813C9}"/>
+              </a:ext>
+              <a:ext uri="{C183D7F6-B498-43B3-948B-1728B52AA6E4}">
+                <adec:decorative xmlns:adec="http://schemas.microsoft.com/office/drawing/2017/decorative" val="1"/>
+              </a:ext>
+            </a:extLst>
+          </p:cNvPr>
+          <p:cNvGrpSpPr>
+            <a:grpSpLocks noGrp="1" noUngrp="1" noRot="1" noChangeAspect="1" noMove="1" noResize="1"/>
+          </p:cNvGrpSpPr>
+          <p:nvPr>
+            <p:extLst>
+              <p:ext uri="{386F3935-93C4-4BCD-93E2-E3B085C9AB24}">
+                <p16:designElem xmlns:p16="http://schemas.microsoft.com/office/powerpoint/2015/main" val="1"/>
+              </p:ext>
+            </p:extLst>
+          </p:nvPr>
+        </p:nvGrpSpPr>
+        <p:grpSpPr>
+          <a:xfrm>
+            <a:off x="-2" y="1998368"/>
+            <a:ext cx="11695083" cy="782176"/>
+            <a:chOff x="-2" y="1998368"/>
+            <a:chExt cx="11695083" cy="782176"/>
+          </a:xfrm>
+        </p:grpSpPr>
+        <p:sp>
+          <p:nvSpPr>
+            <p:cNvPr id="11" name="Rectangle 10">
+              <a:extLst>
+                <a:ext uri="{FF2B5EF4-FFF2-40B4-BE49-F238E27FC236}">
+                  <a16:creationId xmlns:a16="http://schemas.microsoft.com/office/drawing/2014/main" id="{8EEE9C1C-864F-C008-C0BF-7A309951E489}"/>
+                </a:ext>
+                <a:ext uri="{C183D7F6-B498-43B3-948B-1728B52AA6E4}">
+                  <adec:decorative xmlns:adec="http://schemas.microsoft.com/office/drawing/2017/decorative" val="1"/>
+                </a:ext>
+              </a:extLst>
+            </p:cNvPr>
+            <p:cNvSpPr/>
+            <p:nvPr>
+              <p:extLst>
+                <p:ext uri="{386F3935-93C4-4BCD-93E2-E3B085C9AB24}">
+                  <p16:designElem xmlns:p16="http://schemas.microsoft.com/office/powerpoint/2015/main" val="1"/>
+                </p:ext>
+              </p:extLst>
+            </p:nvPr>
+          </p:nvSpPr>
+          <p:spPr>
+            <a:xfrm rot="5400000">
+              <a:off x="11228040" y="2313027"/>
+              <a:ext cx="781700" cy="152382"/>
+            </a:xfrm>
+            <a:prstGeom prst="rect">
+              <a:avLst/>
+            </a:prstGeom>
+            <a:solidFill>
+              <a:schemeClr val="accent4"/>
+            </a:solidFill>
+            <a:ln>
+              <a:noFill/>
+            </a:ln>
+          </p:spPr>
+          <p:style>
+            <a:lnRef idx="2">
+              <a:schemeClr val="accent1">
+                <a:shade val="50000"/>
+              </a:schemeClr>
+            </a:lnRef>
+            <a:fillRef idx="1">
+              <a:schemeClr val="accent1"/>
+            </a:fillRef>
+            <a:effectRef idx="0">
+              <a:schemeClr val="accent1"/>
+            </a:effectRef>
+            <a:fontRef idx="minor">
+              <a:schemeClr val="lt1"/>
+            </a:fontRef>
+          </p:style>
+          <p:txBody>
+            <a:bodyPr rtlCol="0" anchor="ctr"/>
+            <a:lstStyle/>
+            <a:p>
+              <a:pPr algn="ctr"/>
+              <a:endParaRPr lang="en-US"/>
+            </a:p>
+          </p:txBody>
+        </p:sp>
+        <p:sp>
+          <p:nvSpPr>
+            <p:cNvPr id="12" name="Rectangle 11">
+              <a:extLst>
+                <a:ext uri="{FF2B5EF4-FFF2-40B4-BE49-F238E27FC236}">
+                  <a16:creationId xmlns:a16="http://schemas.microsoft.com/office/drawing/2014/main" id="{16194F80-C7C7-6E89-0287-2338987B2AE7}"/>
+                </a:ext>
+                <a:ext uri="{C183D7F6-B498-43B3-948B-1728B52AA6E4}">
+                  <adec:decorative xmlns:adec="http://schemas.microsoft.com/office/drawing/2017/decorative" val="1"/>
+                </a:ext>
+              </a:extLst>
+            </p:cNvPr>
+            <p:cNvSpPr/>
+            <p:nvPr>
+              <p:extLst>
+                <p:ext uri="{386F3935-93C4-4BCD-93E2-E3B085C9AB24}">
+                  <p16:designElem xmlns:p16="http://schemas.microsoft.com/office/powerpoint/2015/main" val="1"/>
+                </p:ext>
+              </p:extLst>
+            </p:nvPr>
+          </p:nvSpPr>
+          <p:spPr>
+            <a:xfrm flipH="1" flipV="1">
+              <a:off x="-2" y="1998845"/>
+              <a:ext cx="11454595" cy="781699"/>
+            </a:xfrm>
+            <a:prstGeom prst="rect">
+              <a:avLst/>
+            </a:prstGeom>
+            <a:solidFill>
+              <a:schemeClr val="accent4"/>
+            </a:solidFill>
+            <a:ln>
+              <a:noFill/>
+            </a:ln>
+          </p:spPr>
+          <p:style>
+            <a:lnRef idx="2">
+              <a:schemeClr val="accent1">
+                <a:shade val="50000"/>
+              </a:schemeClr>
+            </a:lnRef>
+            <a:fillRef idx="1">
+              <a:schemeClr val="accent1"/>
+            </a:fillRef>
+            <a:effectRef idx="0">
+              <a:schemeClr val="accent1"/>
+            </a:effectRef>
+            <a:fontRef idx="minor">
+              <a:schemeClr val="lt1"/>
+            </a:fontRef>
+          </p:style>
+          <p:txBody>
+            <a:bodyPr rtlCol="0" anchor="ctr"/>
+            <a:lstStyle/>
+            <a:p>
+              <a:pPr algn="ctr"/>
+              <a:endParaRPr lang="en-US"/>
+            </a:p>
+          </p:txBody>
+        </p:sp>
+      </p:grpSp>
+      <p:sp>
+        <p:nvSpPr>
+          <p:cNvPr id="14" name="Rectangle 13">
+            <a:extLst>
+              <a:ext uri="{FF2B5EF4-FFF2-40B4-BE49-F238E27FC236}">
+                <a16:creationId xmlns:a16="http://schemas.microsoft.com/office/drawing/2014/main" id="{003887E0-F446-674D-3CA1-9DA6BF09D686}"/>
+              </a:ext>
+              <a:ext uri="{C183D7F6-B498-43B3-948B-1728B52AA6E4}">
+                <adec:decorative xmlns:adec="http://schemas.microsoft.com/office/drawing/2017/decorative" val="1"/>
+              </a:ext>
+            </a:extLst>
+          </p:cNvPr>
+          <p:cNvSpPr>
+            <a:spLocks noGrp="1" noRot="1" noChangeAspect="1" noMove="1" noResize="1" noEditPoints="1" noAdjustHandles="1" noChangeArrowheads="1" noChangeShapeType="1" noTextEdit="1"/>
+          </p:cNvSpPr>
+          <p:nvPr>
+            <p:extLst>
+              <p:ext uri="{386F3935-93C4-4BCD-93E2-E3B085C9AB24}">
+                <p16:designElem xmlns:p16="http://schemas.microsoft.com/office/powerpoint/2015/main" val="1"/>
+              </p:ext>
+            </p:extLst>
+          </p:nvPr>
+        </p:nvSpPr>
+        <p:spPr>
+          <a:xfrm>
+            <a:off x="0" y="2203079"/>
+            <a:ext cx="11383362" cy="4147845"/>
+          </a:xfrm>
+          <a:prstGeom prst="rect">
+            <a:avLst/>
+          </a:prstGeom>
+          <a:solidFill>
+            <a:schemeClr val="bg1"/>
+          </a:solidFill>
+          <a:ln>
+            <a:noFill/>
+          </a:ln>
+          <a:effectLst>
+            <a:outerShdw blurRad="139700" dist="127000" dir="5400000" algn="t" rotWithShape="0">
+              <a:prstClr val="black">
+                <a:alpha val="15000"/>
+              </a:prstClr>
+            </a:outerShdw>
+          </a:effectLst>
+        </p:spPr>
+        <p:style>
+          <a:lnRef idx="2">
+            <a:schemeClr val="accent1">
+              <a:shade val="50000"/>
+            </a:schemeClr>
+          </a:lnRef>
+          <a:fillRef idx="1">
+            <a:schemeClr val="accent1"/>
+          </a:fillRef>
+          <a:effectRef idx="0">
+            <a:schemeClr val="accent1"/>
+          </a:effectRef>
+          <a:fontRef idx="minor">
+            <a:schemeClr val="lt1"/>
+          </a:fontRef>
+        </p:style>
+        <p:txBody>
+          <a:bodyPr rtlCol="0" anchor="ctr"/>
+          <a:lstStyle/>
+          <a:p>
+            <a:pPr algn="ctr"/>
+            <a:endParaRPr lang="en-US"/>
+          </a:p>
+        </p:txBody>
+      </p:sp>
+      <p:sp>
+        <p:nvSpPr>
+          <p:cNvPr id="3" name="Content Placeholder 2">
+            <a:extLst>
+              <a:ext uri="{FF2B5EF4-FFF2-40B4-BE49-F238E27FC236}">
+                <a16:creationId xmlns:a16="http://schemas.microsoft.com/office/drawing/2014/main" id="{44B3DB00-4BE9-27B8-9CAE-47E9E9DF951F}"/>
+              </a:ext>
+            </a:extLst>
+          </p:cNvPr>
+          <p:cNvSpPr>
+            <a:spLocks noGrp="1"/>
+          </p:cNvSpPr>
+          <p:nvPr>
+            <p:ph idx="1"/>
+          </p:nvPr>
+        </p:nvSpPr>
+        <p:spPr>
+          <a:xfrm>
+            <a:off x="793660" y="2599509"/>
+            <a:ext cx="10119873" cy="3435531"/>
+          </a:xfrm>
+        </p:spPr>
+        <p:txBody>
+          <a:bodyPr anchor="ctr">
+            <a:normAutofit/>
+          </a:bodyPr>
+          <a:lstStyle/>
+          <a:p>
+            <a:r>
+              <a:rPr lang="en-US" sz="2000" b="1" dirty="0"/>
+              <a:t>Start: </a:t>
+            </a:r>
+            <a:r>
+              <a:rPr lang="en-US" sz="2000" dirty="0"/>
+              <a:t>Mixed population</a:t>
+            </a:r>
+          </a:p>
+          <a:p>
+            <a:r>
+              <a:rPr lang="en-US" sz="2000" b="1" dirty="0"/>
+              <a:t>Middle: </a:t>
+            </a:r>
+            <a:r>
+              <a:rPr lang="en-US" sz="2000" dirty="0"/>
+              <a:t>Aggressive traders tried to exploit the agent. The agent countered by widening spreads.</a:t>
+            </a:r>
+          </a:p>
+          <a:p>
+            <a:r>
+              <a:rPr lang="af-ZA" sz="2000" b="1" dirty="0"/>
+              <a:t>End: </a:t>
+            </a:r>
+            <a:r>
+              <a:rPr lang="en-US" sz="2000" dirty="0"/>
+              <a:t>Aggressive traders went bankrupt. Passive traders (green area) took over &gt;99% of the market.</a:t>
+            </a:r>
+          </a:p>
+          <a:p>
+            <a:r>
+              <a:rPr lang="en-US" sz="2000" dirty="0"/>
+              <a:t>The AI "starved" the aggressive traders by refusing to give them good prices. It shaped its own environment.</a:t>
+            </a:r>
+            <a:endParaRPr lang="en-US" sz="2000" b="1" dirty="0"/>
+          </a:p>
+        </p:txBody>
+      </p:sp>
+    </p:spTree>
+    <p:extLst>
+      <p:ext uri="{BB962C8B-B14F-4D97-AF65-F5344CB8AC3E}">
+        <p14:creationId xmlns:p14="http://schemas.microsoft.com/office/powerpoint/2010/main" val="2750523041"/>
       </p:ext>
     </p:extLst>
   </p:cSld>
@@ -9944,4 +11544,339 @@
     </a:ext>
   </a:extLst>
 </a:theme>
+</file>
+
+<file path=ppt/theme/theme2.xml><?xml version="1.0" encoding="utf-8"?>
+<a:theme xmlns:a="http://schemas.openxmlformats.org/drawingml/2006/main" name="Office Theme">
+  <a:themeElements>
+    <a:clrScheme name="Office">
+      <a:dk1>
+        <a:sysClr val="windowText" lastClr="000000"/>
+      </a:dk1>
+      <a:lt1>
+        <a:sysClr val="window" lastClr="FFFFFF"/>
+      </a:lt1>
+      <a:dk2>
+        <a:srgbClr val="0E2841"/>
+      </a:dk2>
+      <a:lt2>
+        <a:srgbClr val="E8E8E8"/>
+      </a:lt2>
+      <a:accent1>
+        <a:srgbClr val="156082"/>
+      </a:accent1>
+      <a:accent2>
+        <a:srgbClr val="E97132"/>
+      </a:accent2>
+      <a:accent3>
+        <a:srgbClr val="196B24"/>
+      </a:accent3>
+      <a:accent4>
+        <a:srgbClr val="0F9ED5"/>
+      </a:accent4>
+      <a:accent5>
+        <a:srgbClr val="A02B93"/>
+      </a:accent5>
+      <a:accent6>
+        <a:srgbClr val="4EA72E"/>
+      </a:accent6>
+      <a:hlink>
+        <a:srgbClr val="467886"/>
+      </a:hlink>
+      <a:folHlink>
+        <a:srgbClr val="96607D"/>
+      </a:folHlink>
+    </a:clrScheme>
+    <a:fontScheme name="Office">
+      <a:majorFont>
+        <a:latin typeface="Aptos Display" panose="02110004020202020204"/>
+        <a:ea typeface=""/>
+        <a:cs typeface=""/>
+        <a:font script="Jpan" typeface="游ゴシック Light"/>
+        <a:font script="Hang" typeface="맑은 고딕"/>
+        <a:font script="Hans" typeface="等线 Light"/>
+        <a:font script="Hant" typeface="新細明體"/>
+        <a:font script="Arab" typeface="Times New Roman"/>
+        <a:font script="Hebr" typeface="Times New Roman"/>
+        <a:font script="Thai" typeface="Angsana New"/>
+        <a:font script="Ethi" typeface="Nyala"/>
+        <a:font script="Beng" typeface="Vrinda"/>
+        <a:font script="Gujr" typeface="Shruti"/>
+        <a:font script="Khmr" typeface="MoolBoran"/>
+        <a:font script="Knda" typeface="Tunga"/>
+        <a:font script="Guru" typeface="Raavi"/>
+        <a:font script="Cans" typeface="Euphemia"/>
+        <a:font script="Cher" typeface="Plantagenet Cherokee"/>
+        <a:font script="Yiii" typeface="Microsoft Yi Baiti"/>
+        <a:font script="Tibt" typeface="Microsoft Himalaya"/>
+        <a:font script="Thaa" typeface="MV Boli"/>
+        <a:font script="Deva" typeface="Mangal"/>
+        <a:font script="Telu" typeface="Gautami"/>
+        <a:font script="Taml" typeface="Latha"/>
+        <a:font script="Syrc" typeface="Estrangelo Edessa"/>
+        <a:font script="Orya" typeface="Kalinga"/>
+        <a:font script="Mlym" typeface="Kartika"/>
+        <a:font script="Laoo" typeface="DokChampa"/>
+        <a:font script="Sinh" typeface="Iskoola Pota"/>
+        <a:font script="Mong" typeface="Mongolian Baiti"/>
+        <a:font script="Viet" typeface="Times New Roman"/>
+        <a:font script="Uigh" typeface="Microsoft Uighur"/>
+        <a:font script="Geor" typeface="Sylfaen"/>
+        <a:font script="Armn" typeface="Arial"/>
+        <a:font script="Bugi" typeface="Leelawadee UI"/>
+        <a:font script="Bopo" typeface="Microsoft JhengHei"/>
+        <a:font script="Java" typeface="Javanese Text"/>
+        <a:font script="Lisu" typeface="Segoe UI"/>
+        <a:font script="Mymr" typeface="Myanmar Text"/>
+        <a:font script="Nkoo" typeface="Ebrima"/>
+        <a:font script="Olck" typeface="Nirmala UI"/>
+        <a:font script="Osma" typeface="Ebrima"/>
+        <a:font script="Phag" typeface="Phagspa"/>
+        <a:font script="Syrn" typeface="Estrangelo Edessa"/>
+        <a:font script="Syrj" typeface="Estrangelo Edessa"/>
+        <a:font script="Syre" typeface="Estrangelo Edessa"/>
+        <a:font script="Sora" typeface="Nirmala UI"/>
+        <a:font script="Tale" typeface="Microsoft Tai Le"/>
+        <a:font script="Talu" typeface="Microsoft New Tai Lue"/>
+        <a:font script="Tfng" typeface="Ebrima"/>
+      </a:majorFont>
+      <a:minorFont>
+        <a:latin typeface="Aptos" panose="02110004020202020204"/>
+        <a:ea typeface=""/>
+        <a:cs typeface=""/>
+        <a:font script="Jpan" typeface="游ゴシック"/>
+        <a:font script="Hang" typeface="맑은 고딕"/>
+        <a:font script="Hans" typeface="等线"/>
+        <a:font script="Hant" typeface="新細明體"/>
+        <a:font script="Arab" typeface="Arial"/>
+        <a:font script="Hebr" typeface="Arial"/>
+        <a:font script="Thai" typeface="Cordia New"/>
+        <a:font script="Ethi" typeface="Nyala"/>
+        <a:font script="Beng" typeface="Vrinda"/>
+        <a:font script="Gujr" typeface="Shruti"/>
+        <a:font script="Khmr" typeface="DaunPenh"/>
+        <a:font script="Knda" typeface="Tunga"/>
+        <a:font script="Guru" typeface="Raavi"/>
+        <a:font script="Cans" typeface="Euphemia"/>
+        <a:font script="Cher" typeface="Plantagenet Cherokee"/>
+        <a:font script="Yiii" typeface="Microsoft Yi Baiti"/>
+        <a:font script="Tibt" typeface="Microsoft Himalaya"/>
+        <a:font script="Thaa" typeface="MV Boli"/>
+        <a:font script="Deva" typeface="Mangal"/>
+        <a:font script="Telu" typeface="Gautami"/>
+        <a:font script="Taml" typeface="Latha"/>
+        <a:font script="Syrc" typeface="Estrangelo Edessa"/>
+        <a:font script="Orya" typeface="Kalinga"/>
+        <a:font script="Mlym" typeface="Kartika"/>
+        <a:font script="Laoo" typeface="DokChampa"/>
+        <a:font script="Sinh" typeface="Iskoola Pota"/>
+        <a:font script="Mong" typeface="Mongolian Baiti"/>
+        <a:font script="Viet" typeface="Arial"/>
+        <a:font script="Uigh" typeface="Microsoft Uighur"/>
+        <a:font script="Geor" typeface="Sylfaen"/>
+        <a:font script="Armn" typeface="Arial"/>
+        <a:font script="Bugi" typeface="Leelawadee UI"/>
+        <a:font script="Bopo" typeface="Microsoft JhengHei"/>
+        <a:font script="Java" typeface="Javanese Text"/>
+        <a:font script="Lisu" typeface="Segoe UI"/>
+        <a:font script="Mymr" typeface="Myanmar Text"/>
+        <a:font script="Nkoo" typeface="Ebrima"/>
+        <a:font script="Olck" typeface="Nirmala UI"/>
+        <a:font script="Osma" typeface="Ebrima"/>
+        <a:font script="Phag" typeface="Phagspa"/>
+        <a:font script="Syrn" typeface="Estrangelo Edessa"/>
+        <a:font script="Syrj" typeface="Estrangelo Edessa"/>
+        <a:font script="Syre" typeface="Estrangelo Edessa"/>
+        <a:font script="Sora" typeface="Nirmala UI"/>
+        <a:font script="Tale" typeface="Microsoft Tai Le"/>
+        <a:font script="Talu" typeface="Microsoft New Tai Lue"/>
+        <a:font script="Tfng" typeface="Ebrima"/>
+      </a:minorFont>
+    </a:fontScheme>
+    <a:fmtScheme name="Office">
+      <a:fillStyleLst>
+        <a:solidFill>
+          <a:schemeClr val="phClr"/>
+        </a:solidFill>
+        <a:gradFill rotWithShape="1">
+          <a:gsLst>
+            <a:gs pos="0">
+              <a:schemeClr val="phClr">
+                <a:lumMod val="110000"/>
+                <a:satMod val="105000"/>
+                <a:tint val="67000"/>
+              </a:schemeClr>
+            </a:gs>
+            <a:gs pos="50000">
+              <a:schemeClr val="phClr">
+                <a:lumMod val="105000"/>
+                <a:satMod val="103000"/>
+                <a:tint val="73000"/>
+              </a:schemeClr>
+            </a:gs>
+            <a:gs pos="100000">
+              <a:schemeClr val="phClr">
+                <a:lumMod val="105000"/>
+                <a:satMod val="109000"/>
+                <a:tint val="81000"/>
+              </a:schemeClr>
+            </a:gs>
+          </a:gsLst>
+          <a:lin ang="5400000" scaled="0"/>
+        </a:gradFill>
+        <a:gradFill rotWithShape="1">
+          <a:gsLst>
+            <a:gs pos="0">
+              <a:schemeClr val="phClr">
+                <a:satMod val="103000"/>
+                <a:lumMod val="102000"/>
+                <a:tint val="94000"/>
+              </a:schemeClr>
+            </a:gs>
+            <a:gs pos="50000">
+              <a:schemeClr val="phClr">
+                <a:satMod val="110000"/>
+                <a:lumMod val="100000"/>
+                <a:shade val="100000"/>
+              </a:schemeClr>
+            </a:gs>
+            <a:gs pos="100000">
+              <a:schemeClr val="phClr">
+                <a:lumMod val="99000"/>
+                <a:satMod val="120000"/>
+                <a:shade val="78000"/>
+              </a:schemeClr>
+            </a:gs>
+          </a:gsLst>
+          <a:lin ang="5400000" scaled="0"/>
+        </a:gradFill>
+      </a:fillStyleLst>
+      <a:lnStyleLst>
+        <a:ln w="12700" cap="flat" cmpd="sng" algn="ctr">
+          <a:solidFill>
+            <a:schemeClr val="phClr"/>
+          </a:solidFill>
+          <a:prstDash val="solid"/>
+          <a:miter lim="800000"/>
+        </a:ln>
+        <a:ln w="19050" cap="flat" cmpd="sng" algn="ctr">
+          <a:solidFill>
+            <a:schemeClr val="phClr"/>
+          </a:solidFill>
+          <a:prstDash val="solid"/>
+          <a:miter lim="800000"/>
+        </a:ln>
+        <a:ln w="25400" cap="flat" cmpd="sng" algn="ctr">
+          <a:solidFill>
+            <a:schemeClr val="phClr"/>
+          </a:solidFill>
+          <a:prstDash val="solid"/>
+          <a:miter lim="800000"/>
+        </a:ln>
+      </a:lnStyleLst>
+      <a:effectStyleLst>
+        <a:effectStyle>
+          <a:effectLst/>
+        </a:effectStyle>
+        <a:effectStyle>
+          <a:effectLst/>
+        </a:effectStyle>
+        <a:effectStyle>
+          <a:effectLst>
+            <a:outerShdw blurRad="57150" dist="19050" dir="5400000" algn="ctr" rotWithShape="0">
+              <a:srgbClr val="000000">
+                <a:alpha val="63000"/>
+              </a:srgbClr>
+            </a:outerShdw>
+          </a:effectLst>
+        </a:effectStyle>
+      </a:effectStyleLst>
+      <a:bgFillStyleLst>
+        <a:solidFill>
+          <a:schemeClr val="phClr"/>
+        </a:solidFill>
+        <a:solidFill>
+          <a:schemeClr val="phClr">
+            <a:tint val="95000"/>
+            <a:satMod val="170000"/>
+          </a:schemeClr>
+        </a:solidFill>
+        <a:gradFill rotWithShape="1">
+          <a:gsLst>
+            <a:gs pos="0">
+              <a:schemeClr val="phClr">
+                <a:tint val="93000"/>
+                <a:satMod val="150000"/>
+                <a:shade val="98000"/>
+                <a:lumMod val="102000"/>
+              </a:schemeClr>
+            </a:gs>
+            <a:gs pos="50000">
+              <a:schemeClr val="phClr">
+                <a:tint val="98000"/>
+                <a:satMod val="130000"/>
+                <a:shade val="90000"/>
+                <a:lumMod val="103000"/>
+              </a:schemeClr>
+            </a:gs>
+            <a:gs pos="100000">
+              <a:schemeClr val="phClr">
+                <a:shade val="63000"/>
+                <a:satMod val="120000"/>
+              </a:schemeClr>
+            </a:gs>
+          </a:gsLst>
+          <a:lin ang="5400000" scaled="0"/>
+        </a:gradFill>
+      </a:bgFillStyleLst>
+    </a:fmtScheme>
+  </a:themeElements>
+  <a:objectDefaults>
+    <a:lnDef>
+      <a:spPr/>
+      <a:bodyPr/>
+      <a:lstStyle/>
+      <a:style>
+        <a:lnRef idx="2">
+          <a:schemeClr val="accent1"/>
+        </a:lnRef>
+        <a:fillRef idx="0">
+          <a:schemeClr val="accent1"/>
+        </a:fillRef>
+        <a:effectRef idx="1">
+          <a:schemeClr val="accent1"/>
+        </a:effectRef>
+        <a:fontRef idx="minor">
+          <a:schemeClr val="tx1"/>
+        </a:fontRef>
+      </a:style>
+    </a:lnDef>
+  </a:objectDefaults>
+  <a:extraClrSchemeLst/>
+  <a:extLst>
+    <a:ext uri="{05A4C25C-085E-4340-85A3-A5531E510DB2}">
+      <thm15:themeFamily xmlns:thm15="http://schemas.microsoft.com/office/thememl/2012/main" name="Office Theme" id="{2E142A2C-CD16-42D6-873A-C26D2A0506FA}" vid="{1BDDFF52-6CD6-40A5-AB3C-68EB2F1E4D0A}"/>
+    </a:ext>
+  </a:extLst>
+</a:theme>
+</file>
+
+<file path=ppt/webextensions/taskpanes.xml><?xml version="1.0" encoding="utf-8"?>
+<wetp:taskpanes xmlns:wetp="http://schemas.microsoft.com/office/webextensions/taskpanes/2010/11">
+  <wetp:taskpane dockstate="right" visibility="0" width="438" row="0">
+    <wetp:webextensionref xmlns:r="http://schemas.openxmlformats.org/officeDocument/2006/relationships" r:id="rId1"/>
+  </wetp:taskpane>
+</wetp:taskpanes>
+</file>
+
+<file path=ppt/webextensions/webextension1.xml><?xml version="1.0" encoding="utf-8"?>
+<we:webextension xmlns:we="http://schemas.microsoft.com/office/webextensions/webextension/2010/11" id="{BC3731F5-336E-4E6B-A514-3EDD24CA1AC0}">
+  <we:reference id="wa200005566" version="3.0.0.3" store="en-US" storeType="OMEX"/>
+  <we:alternateReferences>
+    <we:reference id="wa200005566" version="3.0.0.3" store="" storeType="OMEX"/>
+  </we:alternateReferences>
+  <we:properties/>
+  <we:bindings/>
+  <we:snapshot xmlns:r="http://schemas.openxmlformats.org/officeDocument/2006/relationships"/>
+</we:webextension>
 </file>
--- a/presentation.pptx
+++ b/presentation.pptx
@@ -5034,10 +5034,10 @@
       </p:grpSpPr>
       <p:sp useBgFill="1">
         <p:nvSpPr>
-          <p:cNvPr id="9" name="Rectangle 8">
-            <a:extLst>
-              <a:ext uri="{FF2B5EF4-FFF2-40B4-BE49-F238E27FC236}">
-                <a16:creationId xmlns:a16="http://schemas.microsoft.com/office/drawing/2014/main" id="{9095C1F4-AE7F-44E4-8693-40D3D6831140}"/>
+          <p:cNvPr id="28" name="Rectangle 27">
+            <a:extLst>
+              <a:ext uri="{FF2B5EF4-FFF2-40B4-BE49-F238E27FC236}">
+                <a16:creationId xmlns:a16="http://schemas.microsoft.com/office/drawing/2014/main" id="{9C7E0A2C-7C0A-4AAC-B3B0-6C12B2EBAE05}"/>
               </a:ext>
               <a:ext uri="{C183D7F6-B498-43B3-948B-1728B52AA6E4}">
                 <adec:decorative xmlns:adec="http://schemas.microsoft.com/office/drawing/2017/decorative" val="1"/>
@@ -5092,21 +5092,21 @@
           </a:p>
         </p:txBody>
       </p:sp>
-      <p:grpSp>
-        <p:nvGrpSpPr>
-          <p:cNvPr id="11" name="Group 10">
-            <a:extLst>
-              <a:ext uri="{FF2B5EF4-FFF2-40B4-BE49-F238E27FC236}">
-                <a16:creationId xmlns:a16="http://schemas.microsoft.com/office/drawing/2014/main" id="{8734DDD3-F723-4DD3-8ABE-EC0B2AC87D74}"/>
+      <p:sp>
+        <p:nvSpPr>
+          <p:cNvPr id="29" name="Rectangle 28">
+            <a:extLst>
+              <a:ext uri="{FF2B5EF4-FFF2-40B4-BE49-F238E27FC236}">
+                <a16:creationId xmlns:a16="http://schemas.microsoft.com/office/drawing/2014/main" id="{5EB7D2A2-F448-44D4-938C-DC84CBCB3B1E}"/>
               </a:ext>
               <a:ext uri="{C183D7F6-B498-43B3-948B-1728B52AA6E4}">
                 <adec:decorative xmlns:adec="http://schemas.microsoft.com/office/drawing/2017/decorative" val="1"/>
               </a:ext>
             </a:extLst>
           </p:cNvPr>
-          <p:cNvGrpSpPr>
-            <a:grpSpLocks noGrp="1" noUngrp="1" noRot="1" noChangeAspect="1" noMove="1" noResize="1"/>
-          </p:cNvGrpSpPr>
+          <p:cNvSpPr>
+            <a:spLocks noGrp="1" noRot="1" noChangeAspect="1" noMove="1" noResize="1" noEditPoints="1" noAdjustHandles="1" noChangeArrowheads="1" noChangeShapeType="1" noTextEdit="1"/>
+          </p:cNvSpPr>
           <p:nvPr>
             <p:extLst>
               <p:ext uri="{386F3935-93C4-4BCD-93E2-E3B085C9AB24}">
@@ -5114,132 +5114,50 @@
               </p:ext>
             </p:extLst>
           </p:nvPr>
-        </p:nvGrpSpPr>
-        <p:grpSpPr>
+        </p:nvSpPr>
+        <p:spPr>
           <a:xfrm>
-            <a:off x="2522324" y="-15978"/>
-            <a:ext cx="7147352" cy="5876916"/>
-            <a:chOff x="329184" y="-99107"/>
-            <a:chExt cx="524256" cy="5876916"/>
+            <a:off x="0" y="1"/>
+            <a:ext cx="12192000" cy="5187142"/>
           </a:xfrm>
-        </p:grpSpPr>
-        <p:cxnSp>
-          <p:nvCxnSpPr>
-            <p:cNvPr id="12" name="Straight Connector 11">
-              <a:extLst>
-                <a:ext uri="{FF2B5EF4-FFF2-40B4-BE49-F238E27FC236}">
-                  <a16:creationId xmlns:a16="http://schemas.microsoft.com/office/drawing/2014/main" id="{F7C8EA93-3210-4C62-99E9-153C275E3A87}"/>
-                </a:ext>
-                <a:ext uri="{C183D7F6-B498-43B3-948B-1728B52AA6E4}">
-                  <adec:decorative xmlns:adec="http://schemas.microsoft.com/office/drawing/2017/decorative" val="1"/>
-                </a:ext>
-              </a:extLst>
-            </p:cNvPr>
-            <p:cNvCxnSpPr>
-              <a:cxnSpLocks/>
-            </p:cNvCxnSpPr>
-            <p:nvPr>
-              <p:extLst>
-                <p:ext uri="{386F3935-93C4-4BCD-93E2-E3B085C9AB24}">
-                  <p16:designElem xmlns:p16="http://schemas.microsoft.com/office/powerpoint/2015/main" val="1"/>
-                </p:ext>
-              </p:extLst>
-            </p:nvPr>
-          </p:nvCxnSpPr>
-          <p:spPr>
-            <a:xfrm flipH="1">
-              <a:off x="329184" y="5777809"/>
-              <a:ext cx="523824" cy="0"/>
-            </a:xfrm>
-            <a:prstGeom prst="line">
-              <a:avLst/>
-            </a:prstGeom>
-            <a:ln w="152400">
-              <a:solidFill>
-                <a:schemeClr val="accent4"/>
-              </a:solidFill>
-            </a:ln>
-          </p:spPr>
-          <p:style>
-            <a:lnRef idx="1">
-              <a:schemeClr val="accent1"/>
-            </a:lnRef>
-            <a:fillRef idx="0">
-              <a:schemeClr val="accent1"/>
-            </a:fillRef>
-            <a:effectRef idx="0">
-              <a:schemeClr val="accent1"/>
-            </a:effectRef>
-            <a:fontRef idx="minor">
-              <a:schemeClr val="tx1"/>
-            </a:fontRef>
-          </p:style>
-        </p:cxnSp>
-        <p:sp>
-          <p:nvSpPr>
-            <p:cNvPr id="13" name="Rectangle 12">
-              <a:extLst>
-                <a:ext uri="{FF2B5EF4-FFF2-40B4-BE49-F238E27FC236}">
-                  <a16:creationId xmlns:a16="http://schemas.microsoft.com/office/drawing/2014/main" id="{5EB7D2A2-F448-44D4-938C-DC84CBCB3B1E}"/>
-                </a:ext>
-                <a:ext uri="{C183D7F6-B498-43B3-948B-1728B52AA6E4}">
-                  <adec:decorative xmlns:adec="http://schemas.microsoft.com/office/drawing/2017/decorative" val="1"/>
-                </a:ext>
-              </a:extLst>
-            </p:cNvPr>
-            <p:cNvSpPr/>
-            <p:nvPr>
-              <p:extLst>
-                <p:ext uri="{386F3935-93C4-4BCD-93E2-E3B085C9AB24}">
-                  <p16:designElem xmlns:p16="http://schemas.microsoft.com/office/powerpoint/2015/main" val="1"/>
-                </p:ext>
-              </p:extLst>
-            </p:nvPr>
-          </p:nvSpPr>
-          <p:spPr>
-            <a:xfrm>
-              <a:off x="329184" y="-99107"/>
-              <a:ext cx="524256" cy="5631228"/>
-            </a:xfrm>
-            <a:prstGeom prst="rect">
-              <a:avLst/>
-            </a:prstGeom>
-            <a:solidFill>
-              <a:schemeClr val="accent4"/>
-            </a:solidFill>
-            <a:ln>
-              <a:noFill/>
-            </a:ln>
-          </p:spPr>
-          <p:style>
-            <a:lnRef idx="2">
-              <a:schemeClr val="accent1">
-                <a:shade val="50000"/>
-              </a:schemeClr>
-            </a:lnRef>
-            <a:fillRef idx="1">
-              <a:schemeClr val="accent1"/>
-            </a:fillRef>
-            <a:effectRef idx="0">
-              <a:schemeClr val="accent1"/>
-            </a:effectRef>
-            <a:fontRef idx="minor">
-              <a:schemeClr val="lt1"/>
-            </a:fontRef>
-          </p:style>
-          <p:txBody>
-            <a:bodyPr rtlCol="0" anchor="ctr"/>
-            <a:lstStyle/>
-            <a:p>
-              <a:pPr algn="ctr"/>
-              <a:endParaRPr lang="en-US" dirty="0"/>
-            </a:p>
-          </p:txBody>
-        </p:sp>
-      </p:grpSp>
-      <p:sp>
-        <p:nvSpPr>
-          <p:cNvPr id="15" name="Rectangle 14">
+          <a:prstGeom prst="rect">
+            <a:avLst/>
+          </a:prstGeom>
+          <a:solidFill>
+            <a:schemeClr val="accent4"/>
+          </a:solidFill>
+          <a:ln>
+            <a:noFill/>
+          </a:ln>
+        </p:spPr>
+        <p:style>
+          <a:lnRef idx="2">
+            <a:schemeClr val="accent1">
+              <a:shade val="50000"/>
+            </a:schemeClr>
+          </a:lnRef>
+          <a:fillRef idx="1">
+            <a:schemeClr val="accent1"/>
+          </a:fillRef>
+          <a:effectRef idx="0">
+            <a:schemeClr val="accent1"/>
+          </a:effectRef>
+          <a:fontRef idx="minor">
+            <a:schemeClr val="lt1"/>
+          </a:fontRef>
+        </p:style>
+        <p:txBody>
+          <a:bodyPr rtlCol="0" anchor="ctr"/>
+          <a:lstStyle/>
+          <a:p>
+            <a:pPr algn="ctr"/>
+            <a:endParaRPr lang="en-US" dirty="0"/>
+          </a:p>
+        </p:txBody>
+      </p:sp>
+      <p:sp>
+        <p:nvSpPr>
+          <p:cNvPr id="30" name="Rectangle 29">
             <a:extLst>
               <a:ext uri="{FF2B5EF4-FFF2-40B4-BE49-F238E27FC236}">
                 <a16:creationId xmlns:a16="http://schemas.microsoft.com/office/drawing/2014/main" id="{871AEA07-1E14-44B4-8E55-64EF049CD66F}"/>
@@ -5262,8 +5180,8 @@
         </p:nvSpPr>
         <p:spPr>
           <a:xfrm>
-            <a:off x="596464" y="1055718"/>
-            <a:ext cx="10999072" cy="3358344"/>
+            <a:off x="596464" y="551961"/>
+            <a:ext cx="10999072" cy="5399950"/>
           </a:xfrm>
           <a:prstGeom prst="rect">
             <a:avLst/>
@@ -5325,18 +5243,18 @@
         </p:nvSpPr>
         <p:spPr>
           <a:xfrm>
-            <a:off x="1524000" y="1584683"/>
-            <a:ext cx="9144000" cy="2551829"/>
+            <a:off x="1524000" y="1248587"/>
+            <a:ext cx="9144000" cy="2387600"/>
           </a:xfrm>
         </p:spPr>
         <p:txBody>
-          <a:bodyPr anchor="ctr">
+          <a:bodyPr>
             <a:normAutofit/>
           </a:bodyPr>
           <a:lstStyle/>
           <a:p>
             <a:r>
-              <a:rPr lang="en-US" sz="5600"/>
+              <a:rPr lang="en-US" sz="5400"/>
               <a:t>Can an ARL Agent Outperform EGT Populations in a Simulated Market?</a:t>
             </a:r>
           </a:p>
@@ -5360,12 +5278,12 @@
         </p:nvSpPr>
         <p:spPr>
           <a:xfrm>
-            <a:off x="1524000" y="4473753"/>
-            <a:ext cx="9144000" cy="1182135"/>
+            <a:off x="1524000" y="4038811"/>
+            <a:ext cx="9144000" cy="958475"/>
           </a:xfrm>
         </p:spPr>
         <p:txBody>
-          <a:bodyPr anchor="ctr">
+          <a:bodyPr>
             <a:normAutofit/>
           </a:bodyPr>
           <a:lstStyle/>
@@ -5383,6 +5301,58 @@
           </a:p>
         </p:txBody>
       </p:sp>
+      <p:cxnSp>
+        <p:nvCxnSpPr>
+          <p:cNvPr id="31" name="Straight Connector 30">
+            <a:extLst>
+              <a:ext uri="{FF2B5EF4-FFF2-40B4-BE49-F238E27FC236}">
+                <a16:creationId xmlns:a16="http://schemas.microsoft.com/office/drawing/2014/main" id="{F7C8EA93-3210-4C62-99E9-153C275E3A87}"/>
+              </a:ext>
+              <a:ext uri="{C183D7F6-B498-43B3-948B-1728B52AA6E4}">
+                <adec:decorative xmlns:adec="http://schemas.microsoft.com/office/drawing/2017/decorative" val="1"/>
+              </a:ext>
+            </a:extLst>
+          </p:cNvPr>
+          <p:cNvCxnSpPr>
+            <a:cxnSpLocks noGrp="1" noRot="1" noChangeAspect="1" noMove="1" noResize="1" noEditPoints="1" noAdjustHandles="1" noChangeArrowheads="1" noChangeShapeType="1"/>
+          </p:cNvCxnSpPr>
+          <p:nvPr>
+            <p:extLst>
+              <p:ext uri="{386F3935-93C4-4BCD-93E2-E3B085C9AB24}">
+                <p16:designElem xmlns:p16="http://schemas.microsoft.com/office/powerpoint/2015/main" val="1"/>
+              </p:ext>
+            </p:extLst>
+          </p:nvPr>
+        </p:nvCxnSpPr>
+        <p:spPr>
+          <a:xfrm flipH="1">
+            <a:off x="596464" y="6329769"/>
+            <a:ext cx="11000232" cy="0"/>
+          </a:xfrm>
+          <a:prstGeom prst="line">
+            <a:avLst/>
+          </a:prstGeom>
+          <a:ln w="152400">
+            <a:solidFill>
+              <a:schemeClr val="accent4"/>
+            </a:solidFill>
+          </a:ln>
+        </p:spPr>
+        <p:style>
+          <a:lnRef idx="1">
+            <a:schemeClr val="accent1"/>
+          </a:lnRef>
+          <a:fillRef idx="0">
+            <a:schemeClr val="accent1"/>
+          </a:fillRef>
+          <a:effectRef idx="0">
+            <a:schemeClr val="accent1"/>
+          </a:effectRef>
+          <a:fontRef idx="minor">
+            <a:schemeClr val="tx1"/>
+          </a:fontRef>
+        </p:style>
+      </p:cxnSp>
       <p:sp>
         <p:nvSpPr>
           <p:cNvPr id="4" name="Subtitle 2">
@@ -5625,10 +5595,10 @@
       </p:grpSpPr>
       <p:sp useBgFill="1">
         <p:nvSpPr>
-          <p:cNvPr id="8" name="Rectangle 7">
-            <a:extLst>
-              <a:ext uri="{FF2B5EF4-FFF2-40B4-BE49-F238E27FC236}">
-                <a16:creationId xmlns:a16="http://schemas.microsoft.com/office/drawing/2014/main" id="{510CBB79-57EA-72FE-51C0-9FE61E12913F}"/>
+          <p:cNvPr id="19" name="Rectangle 18">
+            <a:extLst>
+              <a:ext uri="{FF2B5EF4-FFF2-40B4-BE49-F238E27FC236}">
+                <a16:creationId xmlns:a16="http://schemas.microsoft.com/office/drawing/2014/main" id="{AAAE94E3-A7DB-4868-B1E3-E49703488BBC}"/>
               </a:ext>
               <a:ext uri="{C183D7F6-B498-43B3-948B-1728B52AA6E4}">
                 <adec:decorative xmlns:adec="http://schemas.microsoft.com/office/drawing/2017/decorative" val="1"/>
@@ -5701,6 +5671,1271 @@
         </p:nvSpPr>
         <p:spPr>
           <a:xfrm>
+            <a:off x="589560" y="856180"/>
+            <a:ext cx="5279408" cy="1128068"/>
+          </a:xfrm>
+        </p:spPr>
+        <p:txBody>
+          <a:bodyPr anchor="ctr">
+            <a:normAutofit/>
+          </a:bodyPr>
+          <a:lstStyle/>
+          <a:p>
+            <a:r>
+              <a:rPr lang="af-ZA" sz="4000" b="1"/>
+              <a:t>Results (continued)</a:t>
+            </a:r>
+            <a:endParaRPr lang="en-US" sz="4000"/>
+          </a:p>
+        </p:txBody>
+      </p:sp>
+      <p:grpSp>
+        <p:nvGrpSpPr>
+          <p:cNvPr id="21" name="Group 20">
+            <a:extLst>
+              <a:ext uri="{FF2B5EF4-FFF2-40B4-BE49-F238E27FC236}">
+                <a16:creationId xmlns:a16="http://schemas.microsoft.com/office/drawing/2014/main" id="{1DE889C7-FAD6-4397-98E2-05D503484459}"/>
+              </a:ext>
+              <a:ext uri="{C183D7F6-B498-43B3-948B-1728B52AA6E4}">
+                <adec:decorative xmlns:adec="http://schemas.microsoft.com/office/drawing/2017/decorative" val="1"/>
+              </a:ext>
+            </a:extLst>
+          </p:cNvPr>
+          <p:cNvGrpSpPr>
+            <a:grpSpLocks noGrp="1" noUngrp="1" noRot="1" noChangeAspect="1" noMove="1" noResize="1"/>
+          </p:cNvGrpSpPr>
+          <p:nvPr>
+            <p:extLst>
+              <p:ext uri="{386F3935-93C4-4BCD-93E2-E3B085C9AB24}">
+                <p16:designElem xmlns:p16="http://schemas.microsoft.com/office/powerpoint/2015/main" val="1"/>
+              </p:ext>
+            </p:extLst>
+          </p:nvPr>
+        </p:nvGrpSpPr>
+        <p:grpSpPr>
+          <a:xfrm>
+            <a:off x="0" y="1083484"/>
+            <a:ext cx="355196" cy="673460"/>
+            <a:chOff x="0" y="823811"/>
+            <a:chExt cx="355196" cy="673460"/>
+          </a:xfrm>
+        </p:grpSpPr>
+        <p:sp>
+          <p:nvSpPr>
+            <p:cNvPr id="22" name="Rectangle 21">
+              <a:extLst>
+                <a:ext uri="{FF2B5EF4-FFF2-40B4-BE49-F238E27FC236}">
+                  <a16:creationId xmlns:a16="http://schemas.microsoft.com/office/drawing/2014/main" id="{F399A70F-F8CD-4992-9EF5-6CF15472E73F}"/>
+                </a:ext>
+                <a:ext uri="{C183D7F6-B498-43B3-948B-1728B52AA6E4}">
+                  <adec:decorative xmlns:adec="http://schemas.microsoft.com/office/drawing/2017/decorative" val="1"/>
+                </a:ext>
+              </a:extLst>
+            </p:cNvPr>
+            <p:cNvSpPr/>
+            <p:nvPr>
+              <p:extLst>
+                <p:ext uri="{386F3935-93C4-4BCD-93E2-E3B085C9AB24}">
+                  <p16:designElem xmlns:p16="http://schemas.microsoft.com/office/powerpoint/2015/main" val="1"/>
+                </p:ext>
+              </p:extLst>
+            </p:nvPr>
+          </p:nvSpPr>
+          <p:spPr>
+            <a:xfrm>
+              <a:off x="0" y="823811"/>
+              <a:ext cx="87363" cy="673460"/>
+            </a:xfrm>
+            <a:prstGeom prst="rect">
+              <a:avLst/>
+            </a:prstGeom>
+            <a:solidFill>
+              <a:schemeClr val="accent4"/>
+            </a:solidFill>
+            <a:ln>
+              <a:noFill/>
+            </a:ln>
+          </p:spPr>
+          <p:style>
+            <a:lnRef idx="2">
+              <a:schemeClr val="accent1">
+                <a:shade val="50000"/>
+              </a:schemeClr>
+            </a:lnRef>
+            <a:fillRef idx="1">
+              <a:schemeClr val="accent1"/>
+            </a:fillRef>
+            <a:effectRef idx="0">
+              <a:schemeClr val="accent1"/>
+            </a:effectRef>
+            <a:fontRef idx="minor">
+              <a:schemeClr val="lt1"/>
+            </a:fontRef>
+          </p:style>
+          <p:txBody>
+            <a:bodyPr rtlCol="0" anchor="ctr"/>
+            <a:lstStyle/>
+            <a:p>
+              <a:pPr algn="ctr"/>
+              <a:endParaRPr lang="en-US"/>
+            </a:p>
+          </p:txBody>
+        </p:sp>
+        <p:sp>
+          <p:nvSpPr>
+            <p:cNvPr id="23" name="Rectangle 22">
+              <a:extLst>
+                <a:ext uri="{FF2B5EF4-FFF2-40B4-BE49-F238E27FC236}">
+                  <a16:creationId xmlns:a16="http://schemas.microsoft.com/office/drawing/2014/main" id="{48F4FEDC-6D80-458C-A665-075D9B9500FD}"/>
+                </a:ext>
+                <a:ext uri="{C183D7F6-B498-43B3-948B-1728B52AA6E4}">
+                  <adec:decorative xmlns:adec="http://schemas.microsoft.com/office/drawing/2017/decorative" val="1"/>
+                </a:ext>
+              </a:extLst>
+            </p:cNvPr>
+            <p:cNvSpPr/>
+            <p:nvPr>
+              <p:extLst>
+                <p:ext uri="{386F3935-93C4-4BCD-93E2-E3B085C9AB24}">
+                  <p16:designElem xmlns:p16="http://schemas.microsoft.com/office/powerpoint/2015/main" val="1"/>
+                </p:ext>
+              </p:extLst>
+            </p:nvPr>
+          </p:nvSpPr>
+          <p:spPr>
+            <a:xfrm>
+              <a:off x="159341" y="823811"/>
+              <a:ext cx="195855" cy="673460"/>
+            </a:xfrm>
+            <a:prstGeom prst="rect">
+              <a:avLst/>
+            </a:prstGeom>
+            <a:solidFill>
+              <a:schemeClr val="accent4"/>
+            </a:solidFill>
+            <a:ln>
+              <a:noFill/>
+            </a:ln>
+          </p:spPr>
+          <p:style>
+            <a:lnRef idx="2">
+              <a:schemeClr val="accent1">
+                <a:shade val="50000"/>
+              </a:schemeClr>
+            </a:lnRef>
+            <a:fillRef idx="1">
+              <a:schemeClr val="accent1"/>
+            </a:fillRef>
+            <a:effectRef idx="0">
+              <a:schemeClr val="accent1"/>
+            </a:effectRef>
+            <a:fontRef idx="minor">
+              <a:schemeClr val="lt1"/>
+            </a:fontRef>
+          </p:style>
+          <p:txBody>
+            <a:bodyPr rtlCol="0" anchor="ctr"/>
+            <a:lstStyle/>
+            <a:p>
+              <a:pPr algn="ctr"/>
+              <a:endParaRPr lang="en-US"/>
+            </a:p>
+          </p:txBody>
+        </p:sp>
+      </p:grpSp>
+      <p:sp>
+        <p:nvSpPr>
+          <p:cNvPr id="25" name="Rectangle 24">
+            <a:extLst>
+              <a:ext uri="{FF2B5EF4-FFF2-40B4-BE49-F238E27FC236}">
+                <a16:creationId xmlns:a16="http://schemas.microsoft.com/office/drawing/2014/main" id="{3873B707-463F-40B0-8227-E8CC6C67EB25}"/>
+              </a:ext>
+              <a:ext uri="{C183D7F6-B498-43B3-948B-1728B52AA6E4}">
+                <adec:decorative xmlns:adec="http://schemas.microsoft.com/office/drawing/2017/decorative" val="1"/>
+              </a:ext>
+            </a:extLst>
+          </p:cNvPr>
+          <p:cNvSpPr>
+            <a:spLocks noGrp="1" noRot="1" noChangeAspect="1" noMove="1" noResize="1" noEditPoints="1" noAdjustHandles="1" noChangeArrowheads="1" noChangeShapeType="1" noTextEdit="1"/>
+          </p:cNvSpPr>
+          <p:nvPr>
+            <p:extLst>
+              <p:ext uri="{386F3935-93C4-4BCD-93E2-E3B085C9AB24}">
+                <p16:designElem xmlns:p16="http://schemas.microsoft.com/office/powerpoint/2015/main" val="1"/>
+              </p:ext>
+            </p:extLst>
+          </p:nvPr>
+        </p:nvSpPr>
+        <p:spPr>
+          <a:xfrm flipH="1">
+            <a:off x="665085" y="2123821"/>
+            <a:ext cx="4975066" cy="27432"/>
+          </a:xfrm>
+          <a:prstGeom prst="rect">
+            <a:avLst/>
+          </a:prstGeom>
+          <a:solidFill>
+            <a:schemeClr val="accent4"/>
+          </a:solidFill>
+          <a:ln>
+            <a:noFill/>
+          </a:ln>
+        </p:spPr>
+        <p:style>
+          <a:lnRef idx="2">
+            <a:schemeClr val="accent1">
+              <a:shade val="50000"/>
+            </a:schemeClr>
+          </a:lnRef>
+          <a:fillRef idx="1">
+            <a:schemeClr val="accent1"/>
+          </a:fillRef>
+          <a:effectRef idx="0">
+            <a:schemeClr val="accent1"/>
+          </a:effectRef>
+          <a:fontRef idx="minor">
+            <a:schemeClr val="lt1"/>
+          </a:fontRef>
+        </p:style>
+        <p:txBody>
+          <a:bodyPr rtlCol="0" anchor="ctr"/>
+          <a:lstStyle/>
+          <a:p>
+            <a:pPr algn="ctr"/>
+            <a:endParaRPr lang="en-US"/>
+          </a:p>
+        </p:txBody>
+      </p:sp>
+      <p:sp>
+        <p:nvSpPr>
+          <p:cNvPr id="3" name="Content Placeholder 2">
+            <a:extLst>
+              <a:ext uri="{FF2B5EF4-FFF2-40B4-BE49-F238E27FC236}">
+                <a16:creationId xmlns:a16="http://schemas.microsoft.com/office/drawing/2014/main" id="{E7E997FF-C878-B61B-B3C3-130D90585FFC}"/>
+              </a:ext>
+            </a:extLst>
+          </p:cNvPr>
+          <p:cNvSpPr>
+            <a:spLocks noGrp="1"/>
+          </p:cNvSpPr>
+          <p:nvPr>
+            <p:ph idx="1"/>
+          </p:nvPr>
+        </p:nvSpPr>
+        <p:spPr>
+          <a:xfrm>
+            <a:off x="590719" y="2330505"/>
+            <a:ext cx="5278066" cy="3979585"/>
+          </a:xfrm>
+        </p:spPr>
+        <p:txBody>
+          <a:bodyPr anchor="ctr">
+            <a:normAutofit/>
+          </a:bodyPr>
+          <a:lstStyle/>
+          <a:p>
+            <a:r>
+              <a:rPr lang="en-US" sz="2000" dirty="0"/>
+              <a:t>The "Spread Width" plot shows spikes (red lines) matching periods of high volatility.</a:t>
+            </a:r>
+          </a:p>
+          <a:p>
+            <a:r>
+              <a:rPr lang="en-US" sz="2000" dirty="0"/>
+              <a:t>The "Epsilon" line (grey) shows the transition from random exploration to exploiting learned knowledge.</a:t>
+            </a:r>
+          </a:p>
+          <a:p>
+            <a:r>
+              <a:rPr lang="en-US" sz="2000" dirty="0"/>
+              <a:t>The Policy Distribution shows a preference for tight spreads (0.2/0.4) to capture volume, but retains wide spreads for safety.</a:t>
+            </a:r>
+          </a:p>
+          <a:p>
+            <a:r>
+              <a:rPr lang="en-US" sz="2000" dirty="0"/>
+              <a:t>The AI learned "Context-Dependent Tactics." It acts like a human market maker: tight spreads when calm, wide spreads when scared. </a:t>
+            </a:r>
+          </a:p>
+        </p:txBody>
+      </p:sp>
+      <p:sp>
+        <p:nvSpPr>
+          <p:cNvPr id="27" name="Rectangle 26">
+            <a:extLst>
+              <a:ext uri="{FF2B5EF4-FFF2-40B4-BE49-F238E27FC236}">
+                <a16:creationId xmlns:a16="http://schemas.microsoft.com/office/drawing/2014/main" id="{C13237C8-E62C-4F0D-A318-BD6FB6C2D138}"/>
+              </a:ext>
+              <a:ext uri="{C183D7F6-B498-43B3-948B-1728B52AA6E4}">
+                <adec:decorative xmlns:adec="http://schemas.microsoft.com/office/drawing/2017/decorative" val="1"/>
+              </a:ext>
+            </a:extLst>
+          </p:cNvPr>
+          <p:cNvSpPr>
+            <a:spLocks noGrp="1" noRot="1" noChangeAspect="1" noMove="1" noResize="1" noEditPoints="1" noAdjustHandles="1" noChangeArrowheads="1" noChangeShapeType="1" noTextEdit="1"/>
+          </p:cNvSpPr>
+          <p:nvPr>
+            <p:extLst>
+              <p:ext uri="{386F3935-93C4-4BCD-93E2-E3B085C9AB24}">
+                <p16:designElem xmlns:p16="http://schemas.microsoft.com/office/powerpoint/2015/main" val="1"/>
+              </p:ext>
+            </p:extLst>
+          </p:nvPr>
+        </p:nvSpPr>
+        <p:spPr>
+          <a:xfrm flipH="1">
+            <a:off x="10697670" y="0"/>
+            <a:ext cx="1494330" cy="6858000"/>
+          </a:xfrm>
+          <a:prstGeom prst="rect">
+            <a:avLst/>
+          </a:prstGeom>
+          <a:solidFill>
+            <a:schemeClr val="accent4"/>
+          </a:solidFill>
+          <a:ln>
+            <a:noFill/>
+          </a:ln>
+        </p:spPr>
+        <p:style>
+          <a:lnRef idx="2">
+            <a:schemeClr val="accent1">
+              <a:shade val="50000"/>
+            </a:schemeClr>
+          </a:lnRef>
+          <a:fillRef idx="1">
+            <a:schemeClr val="accent1"/>
+          </a:fillRef>
+          <a:effectRef idx="0">
+            <a:schemeClr val="accent1"/>
+          </a:effectRef>
+          <a:fontRef idx="minor">
+            <a:schemeClr val="lt1"/>
+          </a:fontRef>
+        </p:style>
+        <p:txBody>
+          <a:bodyPr rtlCol="0" anchor="ctr"/>
+          <a:lstStyle/>
+          <a:p>
+            <a:pPr algn="ctr"/>
+            <a:endParaRPr lang="en-US"/>
+          </a:p>
+        </p:txBody>
+      </p:sp>
+      <p:sp>
+        <p:nvSpPr>
+          <p:cNvPr id="29" name="Rectangle 28">
+            <a:extLst>
+              <a:ext uri="{FF2B5EF4-FFF2-40B4-BE49-F238E27FC236}">
+                <a16:creationId xmlns:a16="http://schemas.microsoft.com/office/drawing/2014/main" id="{19C9EAEA-39D0-4B0E-A0EB-51E7B26740B1}"/>
+              </a:ext>
+              <a:ext uri="{C183D7F6-B498-43B3-948B-1728B52AA6E4}">
+                <adec:decorative xmlns:adec="http://schemas.microsoft.com/office/drawing/2017/decorative" val="1"/>
+              </a:ext>
+            </a:extLst>
+          </p:cNvPr>
+          <p:cNvSpPr>
+            <a:spLocks noGrp="1" noRot="1" noChangeAspect="1" noMove="1" noResize="1" noEditPoints="1" noAdjustHandles="1" noChangeArrowheads="1" noChangeShapeType="1" noTextEdit="1"/>
+          </p:cNvSpPr>
+          <p:nvPr>
+            <p:extLst>
+              <p:ext uri="{386F3935-93C4-4BCD-93E2-E3B085C9AB24}">
+                <p16:designElem xmlns:p16="http://schemas.microsoft.com/office/powerpoint/2015/main" val="1"/>
+              </p:ext>
+            </p:extLst>
+          </p:nvPr>
+        </p:nvSpPr>
+        <p:spPr>
+          <a:xfrm>
+            <a:off x="6849687" y="357447"/>
+            <a:ext cx="4845488" cy="2923587"/>
+          </a:xfrm>
+          <a:prstGeom prst="rect">
+            <a:avLst/>
+          </a:prstGeom>
+          <a:solidFill>
+            <a:schemeClr val="bg1"/>
+          </a:solidFill>
+          <a:ln>
+            <a:noFill/>
+          </a:ln>
+          <a:effectLst>
+            <a:outerShdw blurRad="139700" dist="127000" dir="5400000" algn="t" rotWithShape="0">
+              <a:prstClr val="black">
+                <a:alpha val="15000"/>
+              </a:prstClr>
+            </a:outerShdw>
+          </a:effectLst>
+        </p:spPr>
+        <p:style>
+          <a:lnRef idx="2">
+            <a:schemeClr val="accent1">
+              <a:shade val="50000"/>
+            </a:schemeClr>
+          </a:lnRef>
+          <a:fillRef idx="1">
+            <a:schemeClr val="accent1"/>
+          </a:fillRef>
+          <a:effectRef idx="0">
+            <a:schemeClr val="accent1"/>
+          </a:effectRef>
+          <a:fontRef idx="minor">
+            <a:schemeClr val="lt1"/>
+          </a:fontRef>
+        </p:style>
+        <p:txBody>
+          <a:bodyPr rtlCol="0" anchor="ctr"/>
+          <a:lstStyle/>
+          <a:p>
+            <a:pPr algn="ctr"/>
+            <a:endParaRPr lang="en-US"/>
+          </a:p>
+        </p:txBody>
+      </p:sp>
+      <p:pic>
+        <p:nvPicPr>
+          <p:cNvPr id="5" name="Picture 4" descr="A graph of a graph&#10;&#10;AI-generated content may be incorrect.">
+            <a:extLst>
+              <a:ext uri="{FF2B5EF4-FFF2-40B4-BE49-F238E27FC236}">
+                <a16:creationId xmlns:a16="http://schemas.microsoft.com/office/drawing/2014/main" id="{A3E09B69-E26B-63B6-8CA9-CB008A7598C8}"/>
+              </a:ext>
+            </a:extLst>
+          </p:cNvPr>
+          <p:cNvPicPr>
+            <a:picLocks noChangeAspect="1"/>
+          </p:cNvPicPr>
+          <p:nvPr/>
+        </p:nvPicPr>
+        <p:blipFill>
+          <a:blip r:embed="rId3">
+            <a:extLst>
+              <a:ext uri="{28A0092B-C50C-407E-A947-70E740481C1C}">
+                <a14:useLocalDpi xmlns:a14="http://schemas.microsoft.com/office/drawing/2010/main" val="0"/>
+              </a:ext>
+            </a:extLst>
+          </a:blip>
+          <a:stretch>
+            <a:fillRect/>
+          </a:stretch>
+        </p:blipFill>
+        <p:spPr>
+          <a:xfrm>
+            <a:off x="7602970" y="581892"/>
+            <a:ext cx="3358339" cy="2518756"/>
+          </a:xfrm>
+          <a:prstGeom prst="rect">
+            <a:avLst/>
+          </a:prstGeom>
+        </p:spPr>
+      </p:pic>
+      <p:sp>
+        <p:nvSpPr>
+          <p:cNvPr id="31" name="Rectangle 30">
+            <a:extLst>
+              <a:ext uri="{FF2B5EF4-FFF2-40B4-BE49-F238E27FC236}">
+                <a16:creationId xmlns:a16="http://schemas.microsoft.com/office/drawing/2014/main" id="{8CB5D2D7-DF65-4E86-BFBA-FFB9B5ACEB64}"/>
+              </a:ext>
+              <a:ext uri="{C183D7F6-B498-43B3-948B-1728B52AA6E4}">
+                <adec:decorative xmlns:adec="http://schemas.microsoft.com/office/drawing/2017/decorative" val="1"/>
+              </a:ext>
+            </a:extLst>
+          </p:cNvPr>
+          <p:cNvSpPr>
+            <a:spLocks noGrp="1" noRot="1" noChangeAspect="1" noMove="1" noResize="1" noEditPoints="1" noAdjustHandles="1" noChangeArrowheads="1" noChangeShapeType="1" noTextEdit="1"/>
+          </p:cNvSpPr>
+          <p:nvPr>
+            <p:extLst>
+              <p:ext uri="{386F3935-93C4-4BCD-93E2-E3B085C9AB24}">
+                <p16:designElem xmlns:p16="http://schemas.microsoft.com/office/powerpoint/2015/main" val="1"/>
+              </p:ext>
+            </p:extLst>
+          </p:nvPr>
+        </p:nvSpPr>
+        <p:spPr>
+          <a:xfrm>
+            <a:off x="6849687" y="3505479"/>
+            <a:ext cx="4845488" cy="2923587"/>
+          </a:xfrm>
+          <a:prstGeom prst="rect">
+            <a:avLst/>
+          </a:prstGeom>
+          <a:solidFill>
+            <a:schemeClr val="bg1"/>
+          </a:solidFill>
+          <a:ln>
+            <a:noFill/>
+          </a:ln>
+          <a:effectLst>
+            <a:outerShdw blurRad="139700" dist="127000" dir="5400000" algn="t" rotWithShape="0">
+              <a:prstClr val="black">
+                <a:alpha val="15000"/>
+              </a:prstClr>
+            </a:outerShdw>
+          </a:effectLst>
+        </p:spPr>
+        <p:style>
+          <a:lnRef idx="2">
+            <a:schemeClr val="accent1">
+              <a:shade val="50000"/>
+            </a:schemeClr>
+          </a:lnRef>
+          <a:fillRef idx="1">
+            <a:schemeClr val="accent1"/>
+          </a:fillRef>
+          <a:effectRef idx="0">
+            <a:schemeClr val="accent1"/>
+          </a:effectRef>
+          <a:fontRef idx="minor">
+            <a:schemeClr val="lt1"/>
+          </a:fontRef>
+        </p:style>
+        <p:txBody>
+          <a:bodyPr rtlCol="0" anchor="ctr"/>
+          <a:lstStyle/>
+          <a:p>
+            <a:pPr algn="ctr"/>
+            <a:endParaRPr lang="en-US"/>
+          </a:p>
+        </p:txBody>
+      </p:sp>
+      <p:pic>
+        <p:nvPicPr>
+          <p:cNvPr id="7" name="Picture 6" descr="A graph of a chart&#10;&#10;AI-generated content may be incorrect.">
+            <a:extLst>
+              <a:ext uri="{FF2B5EF4-FFF2-40B4-BE49-F238E27FC236}">
+                <a16:creationId xmlns:a16="http://schemas.microsoft.com/office/drawing/2014/main" id="{AF160EE7-DF33-1848-8589-B871757099C4}"/>
+              </a:ext>
+            </a:extLst>
+          </p:cNvPr>
+          <p:cNvPicPr>
+            <a:picLocks noChangeAspect="1"/>
+          </p:cNvPicPr>
+          <p:nvPr/>
+        </p:nvPicPr>
+        <p:blipFill>
+          <a:blip r:embed="rId4">
+            <a:extLst>
+              <a:ext uri="{28A0092B-C50C-407E-A947-70E740481C1C}">
+                <a14:useLocalDpi xmlns:a14="http://schemas.microsoft.com/office/drawing/2010/main" val="0"/>
+              </a:ext>
+            </a:extLst>
+          </a:blip>
+          <a:stretch>
+            <a:fillRect/>
+          </a:stretch>
+        </p:blipFill>
+        <p:spPr>
+          <a:xfrm>
+            <a:off x="7602038" y="3707894"/>
+            <a:ext cx="3358339" cy="2518756"/>
+          </a:xfrm>
+          <a:prstGeom prst="rect">
+            <a:avLst/>
+          </a:prstGeom>
+        </p:spPr>
+      </p:pic>
+    </p:spTree>
+    <p:extLst>
+      <p:ext uri="{BB962C8B-B14F-4D97-AF65-F5344CB8AC3E}">
+        <p14:creationId xmlns:p14="http://schemas.microsoft.com/office/powerpoint/2010/main" val="727695004"/>
+      </p:ext>
+    </p:extLst>
+  </p:cSld>
+  <p:clrMapOvr>
+    <a:masterClrMapping/>
+  </p:clrMapOvr>
+</p:sld>
+</file>
+
+<file path=ppt/slides/slide11.xml><?xml version="1.0" encoding="utf-8"?>
+<p:sld xmlns:a="http://schemas.openxmlformats.org/drawingml/2006/main" xmlns:r="http://schemas.openxmlformats.org/officeDocument/2006/relationships" xmlns:p="http://schemas.openxmlformats.org/presentationml/2006/main">
+  <p:cSld>
+    <p:bg>
+      <p:bgPr>
+        <a:solidFill>
+          <a:schemeClr val="bg1"/>
+        </a:solidFill>
+        <a:effectLst/>
+      </p:bgPr>
+    </p:bg>
+    <p:spTree>
+      <p:nvGrpSpPr>
+        <p:cNvPr id="1" name="">
+          <a:extLst>
+            <a:ext uri="{FF2B5EF4-FFF2-40B4-BE49-F238E27FC236}">
+              <a16:creationId xmlns:a16="http://schemas.microsoft.com/office/drawing/2014/main" id="{B257B853-2B7D-E8F8-FDE9-C556A5D54CD4}"/>
+            </a:ext>
+          </a:extLst>
+        </p:cNvPr>
+        <p:cNvGrpSpPr/>
+        <p:nvPr/>
+      </p:nvGrpSpPr>
+      <p:grpSpPr>
+        <a:xfrm>
+          <a:off x="0" y="0"/>
+          <a:ext cx="0" cy="0"/>
+          <a:chOff x="0" y="0"/>
+          <a:chExt cx="0" cy="0"/>
+        </a:xfrm>
+      </p:grpSpPr>
+      <p:sp useBgFill="1">
+        <p:nvSpPr>
+          <p:cNvPr id="19" name="Rectangle 18">
+            <a:extLst>
+              <a:ext uri="{FF2B5EF4-FFF2-40B4-BE49-F238E27FC236}">
+                <a16:creationId xmlns:a16="http://schemas.microsoft.com/office/drawing/2014/main" id="{BDF1A630-2A9B-41A0-92F9-FDA261070EA8}"/>
+              </a:ext>
+              <a:ext uri="{C183D7F6-B498-43B3-948B-1728B52AA6E4}">
+                <adec:decorative xmlns:adec="http://schemas.microsoft.com/office/drawing/2017/decorative" val="1"/>
+              </a:ext>
+            </a:extLst>
+          </p:cNvPr>
+          <p:cNvSpPr>
+            <a:spLocks noGrp="1" noRot="1" noChangeAspect="1" noMove="1" noResize="1" noEditPoints="1" noAdjustHandles="1" noChangeArrowheads="1" noChangeShapeType="1" noTextEdit="1"/>
+          </p:cNvSpPr>
+          <p:nvPr>
+            <p:extLst>
+              <p:ext uri="{386F3935-93C4-4BCD-93E2-E3B085C9AB24}">
+                <p16:designElem xmlns:p16="http://schemas.microsoft.com/office/powerpoint/2015/main" val="1"/>
+              </p:ext>
+            </p:extLst>
+          </p:nvPr>
+        </p:nvSpPr>
+        <p:spPr>
+          <a:xfrm>
+            <a:off x="0" y="0"/>
+            <a:ext cx="12191999" cy="6857365"/>
+          </a:xfrm>
+          <a:prstGeom prst="rect">
+            <a:avLst/>
+          </a:prstGeom>
+          <a:ln>
+            <a:noFill/>
+          </a:ln>
+        </p:spPr>
+        <p:style>
+          <a:lnRef idx="2">
+            <a:schemeClr val="accent1">
+              <a:shade val="50000"/>
+            </a:schemeClr>
+          </a:lnRef>
+          <a:fillRef idx="1">
+            <a:schemeClr val="accent1"/>
+          </a:fillRef>
+          <a:effectRef idx="0">
+            <a:schemeClr val="accent1"/>
+          </a:effectRef>
+          <a:fontRef idx="minor">
+            <a:schemeClr val="lt1"/>
+          </a:fontRef>
+        </p:style>
+        <p:txBody>
+          <a:bodyPr rtlCol="0" anchor="ctr"/>
+          <a:lstStyle/>
+          <a:p>
+            <a:pPr algn="ctr"/>
+            <a:endParaRPr lang="en-US"/>
+          </a:p>
+        </p:txBody>
+      </p:sp>
+      <p:grpSp>
+        <p:nvGrpSpPr>
+          <p:cNvPr id="21" name="Group 20">
+            <a:extLst>
+              <a:ext uri="{FF2B5EF4-FFF2-40B4-BE49-F238E27FC236}">
+                <a16:creationId xmlns:a16="http://schemas.microsoft.com/office/drawing/2014/main" id="{19A6B5CE-CB1D-48EE-8B43-E952235C8371}"/>
+              </a:ext>
+              <a:ext uri="{C183D7F6-B498-43B3-948B-1728B52AA6E4}">
+                <adec:decorative xmlns:adec="http://schemas.microsoft.com/office/drawing/2017/decorative" val="1"/>
+              </a:ext>
+            </a:extLst>
+          </p:cNvPr>
+          <p:cNvGrpSpPr>
+            <a:grpSpLocks noGrp="1" noUngrp="1" noRot="1" noChangeAspect="1" noMove="1" noResize="1"/>
+          </p:cNvGrpSpPr>
+          <p:nvPr>
+            <p:extLst>
+              <p:ext uri="{386F3935-93C4-4BCD-93E2-E3B085C9AB24}">
+                <p16:designElem xmlns:p16="http://schemas.microsoft.com/office/powerpoint/2015/main" val="1"/>
+              </p:ext>
+            </p:extLst>
+          </p:nvPr>
+        </p:nvGrpSpPr>
+        <p:grpSpPr>
+          <a:xfrm rot="5400000">
+            <a:off x="-2340441" y="2666183"/>
+            <a:ext cx="5860051" cy="527712"/>
+            <a:chOff x="6081624" y="1998368"/>
+            <a:chExt cx="5613457" cy="782175"/>
+          </a:xfrm>
+          <a:solidFill>
+            <a:schemeClr val="accent4"/>
+          </a:solidFill>
+        </p:grpSpPr>
+        <p:sp>
+          <p:nvSpPr>
+            <p:cNvPr id="22" name="Rectangle 21">
+              <a:extLst>
+                <a:ext uri="{FF2B5EF4-FFF2-40B4-BE49-F238E27FC236}">
+                  <a16:creationId xmlns:a16="http://schemas.microsoft.com/office/drawing/2014/main" id="{E3F3EAA5-4E15-400B-BBA3-82B3F49A2178}"/>
+                </a:ext>
+                <a:ext uri="{C183D7F6-B498-43B3-948B-1728B52AA6E4}">
+                  <adec:decorative xmlns:adec="http://schemas.microsoft.com/office/drawing/2017/decorative" val="1"/>
+                </a:ext>
+              </a:extLst>
+            </p:cNvPr>
+            <p:cNvSpPr/>
+            <p:nvPr>
+              <p:extLst>
+                <p:ext uri="{386F3935-93C4-4BCD-93E2-E3B085C9AB24}">
+                  <p16:designElem xmlns:p16="http://schemas.microsoft.com/office/powerpoint/2015/main" val="1"/>
+                </p:ext>
+              </p:extLst>
+            </p:nvPr>
+          </p:nvSpPr>
+          <p:spPr>
+            <a:xfrm rot="5400000">
+              <a:off x="11228040" y="2313027"/>
+              <a:ext cx="781700" cy="152382"/>
+            </a:xfrm>
+            <a:prstGeom prst="rect">
+              <a:avLst/>
+            </a:prstGeom>
+            <a:grpFill/>
+            <a:ln>
+              <a:noFill/>
+            </a:ln>
+          </p:spPr>
+          <p:style>
+            <a:lnRef idx="2">
+              <a:schemeClr val="accent1">
+                <a:shade val="50000"/>
+              </a:schemeClr>
+            </a:lnRef>
+            <a:fillRef idx="1">
+              <a:schemeClr val="accent1"/>
+            </a:fillRef>
+            <a:effectRef idx="0">
+              <a:schemeClr val="accent1"/>
+            </a:effectRef>
+            <a:fontRef idx="minor">
+              <a:schemeClr val="lt1"/>
+            </a:fontRef>
+          </p:style>
+          <p:txBody>
+            <a:bodyPr rtlCol="0" anchor="ctr"/>
+            <a:lstStyle/>
+            <a:p>
+              <a:pPr algn="ctr"/>
+              <a:endParaRPr lang="en-US"/>
+            </a:p>
+          </p:txBody>
+        </p:sp>
+        <p:sp>
+          <p:nvSpPr>
+            <p:cNvPr id="23" name="Rectangle 22">
+              <a:extLst>
+                <a:ext uri="{FF2B5EF4-FFF2-40B4-BE49-F238E27FC236}">
+                  <a16:creationId xmlns:a16="http://schemas.microsoft.com/office/drawing/2014/main" id="{72BA2E40-BE9B-4C54-9CDD-40EE804CCE64}"/>
+                </a:ext>
+                <a:ext uri="{C183D7F6-B498-43B3-948B-1728B52AA6E4}">
+                  <adec:decorative xmlns:adec="http://schemas.microsoft.com/office/drawing/2017/decorative" val="1"/>
+                </a:ext>
+              </a:extLst>
+            </p:cNvPr>
+            <p:cNvSpPr/>
+            <p:nvPr>
+              <p:extLst>
+                <p:ext uri="{386F3935-93C4-4BCD-93E2-E3B085C9AB24}">
+                  <p16:designElem xmlns:p16="http://schemas.microsoft.com/office/powerpoint/2015/main" val="1"/>
+                </p:ext>
+              </p:extLst>
+            </p:nvPr>
+          </p:nvSpPr>
+          <p:spPr>
+            <a:xfrm flipH="1" flipV="1">
+              <a:off x="6081624" y="1998844"/>
+              <a:ext cx="5372968" cy="781699"/>
+            </a:xfrm>
+            <a:prstGeom prst="rect">
+              <a:avLst/>
+            </a:prstGeom>
+            <a:grpFill/>
+            <a:ln>
+              <a:noFill/>
+            </a:ln>
+          </p:spPr>
+          <p:style>
+            <a:lnRef idx="2">
+              <a:schemeClr val="accent1">
+                <a:shade val="50000"/>
+              </a:schemeClr>
+            </a:lnRef>
+            <a:fillRef idx="1">
+              <a:schemeClr val="accent1"/>
+            </a:fillRef>
+            <a:effectRef idx="0">
+              <a:schemeClr val="accent1"/>
+            </a:effectRef>
+            <a:fontRef idx="minor">
+              <a:schemeClr val="lt1"/>
+            </a:fontRef>
+          </p:style>
+          <p:txBody>
+            <a:bodyPr rtlCol="0" anchor="ctr"/>
+            <a:lstStyle/>
+            <a:p>
+              <a:pPr algn="ctr"/>
+              <a:endParaRPr lang="en-US"/>
+            </a:p>
+          </p:txBody>
+        </p:sp>
+      </p:grpSp>
+      <p:sp>
+        <p:nvSpPr>
+          <p:cNvPr id="25" name="Rectangle 24">
+            <a:extLst>
+              <a:ext uri="{FF2B5EF4-FFF2-40B4-BE49-F238E27FC236}">
+                <a16:creationId xmlns:a16="http://schemas.microsoft.com/office/drawing/2014/main" id="{0DA909B4-15FF-46A6-8A7F-7AEF977FE9ED}"/>
+              </a:ext>
+              <a:ext uri="{C183D7F6-B498-43B3-948B-1728B52AA6E4}">
+                <adec:decorative xmlns:adec="http://schemas.microsoft.com/office/drawing/2017/decorative" val="1"/>
+              </a:ext>
+            </a:extLst>
+          </p:cNvPr>
+          <p:cNvSpPr>
+            <a:spLocks noGrp="1" noRot="1" noChangeAspect="1" noMove="1" noResize="1" noEditPoints="1" noAdjustHandles="1" noChangeArrowheads="1" noChangeShapeType="1" noTextEdit="1"/>
+          </p:cNvSpPr>
+          <p:nvPr>
+            <p:extLst>
+              <p:ext uri="{386F3935-93C4-4BCD-93E2-E3B085C9AB24}">
+                <p16:designElem xmlns:p16="http://schemas.microsoft.com/office/powerpoint/2015/main" val="1"/>
+              </p:ext>
+            </p:extLst>
+          </p:nvPr>
+        </p:nvSpPr>
+        <p:spPr>
+          <a:xfrm>
+            <a:off x="579528" y="517897"/>
+            <a:ext cx="11111729" cy="5857966"/>
+          </a:xfrm>
+          <a:prstGeom prst="rect">
+            <a:avLst/>
+          </a:prstGeom>
+          <a:solidFill>
+            <a:schemeClr val="bg1"/>
+          </a:solidFill>
+          <a:ln>
+            <a:noFill/>
+          </a:ln>
+          <a:effectLst>
+            <a:outerShdw blurRad="139700" dist="127000" dir="5400000" algn="t" rotWithShape="0">
+              <a:prstClr val="black">
+                <a:alpha val="15000"/>
+              </a:prstClr>
+            </a:outerShdw>
+          </a:effectLst>
+        </p:spPr>
+        <p:style>
+          <a:lnRef idx="2">
+            <a:schemeClr val="accent1">
+              <a:shade val="50000"/>
+            </a:schemeClr>
+          </a:lnRef>
+          <a:fillRef idx="1">
+            <a:schemeClr val="accent1"/>
+          </a:fillRef>
+          <a:effectRef idx="0">
+            <a:schemeClr val="accent1"/>
+          </a:effectRef>
+          <a:fontRef idx="minor">
+            <a:schemeClr val="lt1"/>
+          </a:fontRef>
+        </p:style>
+        <p:txBody>
+          <a:bodyPr rtlCol="0" anchor="ctr"/>
+          <a:lstStyle/>
+          <a:p>
+            <a:pPr algn="ctr"/>
+            <a:endParaRPr lang="en-US"/>
+          </a:p>
+        </p:txBody>
+      </p:sp>
+      <p:sp>
+        <p:nvSpPr>
+          <p:cNvPr id="2" name="Title 1">
+            <a:extLst>
+              <a:ext uri="{FF2B5EF4-FFF2-40B4-BE49-F238E27FC236}">
+                <a16:creationId xmlns:a16="http://schemas.microsoft.com/office/drawing/2014/main" id="{3D3EDDA2-0AA5-1A81-8047-8A4E33335E65}"/>
+              </a:ext>
+            </a:extLst>
+          </p:cNvPr>
+          <p:cNvSpPr>
+            <a:spLocks noGrp="1"/>
+          </p:cNvSpPr>
+          <p:nvPr>
+            <p:ph type="title"/>
+          </p:nvPr>
+        </p:nvSpPr>
+        <p:spPr>
+          <a:xfrm>
+            <a:off x="1057025" y="922644"/>
+            <a:ext cx="5040285" cy="1169585"/>
+          </a:xfrm>
+        </p:spPr>
+        <p:txBody>
+          <a:bodyPr anchor="b">
+            <a:normAutofit/>
+          </a:bodyPr>
+          <a:lstStyle/>
+          <a:p>
+            <a:r>
+              <a:rPr lang="en-US" sz="4000" b="1"/>
+              <a:t>Methodology</a:t>
+            </a:r>
+            <a:endParaRPr lang="en-US" sz="4000"/>
+          </a:p>
+        </p:txBody>
+      </p:sp>
+      <p:sp>
+        <p:nvSpPr>
+          <p:cNvPr id="27" name="Rectangle 26">
+            <a:extLst>
+              <a:ext uri="{FF2B5EF4-FFF2-40B4-BE49-F238E27FC236}">
+                <a16:creationId xmlns:a16="http://schemas.microsoft.com/office/drawing/2014/main" id="{1382A32C-5B0C-4B1C-A074-76C6DBCC9F87}"/>
+              </a:ext>
+              <a:ext uri="{C183D7F6-B498-43B3-948B-1728B52AA6E4}">
+                <adec:decorative xmlns:adec="http://schemas.microsoft.com/office/drawing/2017/decorative" val="1"/>
+              </a:ext>
+            </a:extLst>
+          </p:cNvPr>
+          <p:cNvSpPr>
+            <a:spLocks noGrp="1" noRot="1" noChangeAspect="1" noMove="1" noResize="1" noEditPoints="1" noAdjustHandles="1" noChangeArrowheads="1" noChangeShapeType="1" noTextEdit="1"/>
+          </p:cNvSpPr>
+          <p:nvPr>
+            <p:extLst>
+              <p:ext uri="{386F3935-93C4-4BCD-93E2-E3B085C9AB24}">
+                <p16:designElem xmlns:p16="http://schemas.microsoft.com/office/powerpoint/2015/main" val="1"/>
+              </p:ext>
+            </p:extLst>
+          </p:nvPr>
+        </p:nvSpPr>
+        <p:spPr>
+          <a:xfrm flipH="1">
+            <a:off x="1055714" y="2263365"/>
+            <a:ext cx="4937760" cy="27432"/>
+          </a:xfrm>
+          <a:prstGeom prst="rect">
+            <a:avLst/>
+          </a:prstGeom>
+          <a:solidFill>
+            <a:schemeClr val="accent4"/>
+          </a:solidFill>
+          <a:ln>
+            <a:noFill/>
+          </a:ln>
+        </p:spPr>
+        <p:style>
+          <a:lnRef idx="2">
+            <a:schemeClr val="accent1">
+              <a:shade val="50000"/>
+            </a:schemeClr>
+          </a:lnRef>
+          <a:fillRef idx="1">
+            <a:schemeClr val="accent1"/>
+          </a:fillRef>
+          <a:effectRef idx="0">
+            <a:schemeClr val="accent1"/>
+          </a:effectRef>
+          <a:fontRef idx="minor">
+            <a:schemeClr val="lt1"/>
+          </a:fontRef>
+        </p:style>
+        <p:txBody>
+          <a:bodyPr rtlCol="0" anchor="ctr"/>
+          <a:lstStyle/>
+          <a:p>
+            <a:pPr algn="ctr"/>
+            <a:endParaRPr lang="en-US"/>
+          </a:p>
+        </p:txBody>
+      </p:sp>
+      <p:sp>
+        <p:nvSpPr>
+          <p:cNvPr id="3" name="Content Placeholder 2">
+            <a:extLst>
+              <a:ext uri="{FF2B5EF4-FFF2-40B4-BE49-F238E27FC236}">
+                <a16:creationId xmlns:a16="http://schemas.microsoft.com/office/drawing/2014/main" id="{0D1F8855-E818-4AE1-3BDE-006BAFEB9F2B}"/>
+              </a:ext>
+            </a:extLst>
+          </p:cNvPr>
+          <p:cNvSpPr>
+            <a:spLocks noGrp="1"/>
+          </p:cNvSpPr>
+          <p:nvPr>
+            <p:ph idx="1"/>
+          </p:nvPr>
+        </p:nvSpPr>
+        <p:spPr>
+          <a:xfrm>
+            <a:off x="1055715" y="2508105"/>
+            <a:ext cx="5040285" cy="3632493"/>
+          </a:xfrm>
+        </p:spPr>
+        <p:txBody>
+          <a:bodyPr anchor="ctr">
+            <a:normAutofit/>
+          </a:bodyPr>
+          <a:lstStyle/>
+          <a:p>
+            <a:r>
+              <a:rPr lang="af-ZA" sz="2000" b="1" dirty="0"/>
+              <a:t>Inventory: </a:t>
+            </a:r>
+            <a:r>
+              <a:rPr lang="en-US" sz="2000" dirty="0"/>
+              <a:t>The heatmap shows the agent keeps inventory near zero (bright yellow center). Variance was &lt; 0.02.</a:t>
+            </a:r>
+          </a:p>
+          <a:p>
+            <a:r>
+              <a:rPr lang="en-US" sz="2000" dirty="0"/>
+              <a:t>The agent learned to be efficient. It didn't hoard assets (which is risky/wasteful). It maximized reward while minimizing resource usage (capital exposure), aligning with Green AI principles of efficiency.</a:t>
+            </a:r>
+            <a:endParaRPr lang="en-US" sz="2000" b="1" dirty="0"/>
+          </a:p>
+        </p:txBody>
+      </p:sp>
+      <p:pic>
+        <p:nvPicPr>
+          <p:cNvPr id="13" name="Picture 12" descr="A graph of a step return&#10;&#10;AI-generated content may be incorrect.">
+            <a:extLst>
+              <a:ext uri="{FF2B5EF4-FFF2-40B4-BE49-F238E27FC236}">
+                <a16:creationId xmlns:a16="http://schemas.microsoft.com/office/drawing/2014/main" id="{04BFA4C1-B749-3807-D0C6-DA8E947F163D}"/>
+              </a:ext>
+            </a:extLst>
+          </p:cNvPr>
+          <p:cNvPicPr>
+            <a:picLocks noChangeAspect="1"/>
+          </p:cNvPicPr>
+          <p:nvPr/>
+        </p:nvPicPr>
+        <p:blipFill>
+          <a:blip r:embed="rId3">
+            <a:extLst>
+              <a:ext uri="{28A0092B-C50C-407E-A947-70E740481C1C}">
+                <a14:useLocalDpi xmlns:a14="http://schemas.microsoft.com/office/drawing/2010/main" val="0"/>
+              </a:ext>
+            </a:extLst>
+          </a:blip>
+          <a:stretch>
+            <a:fillRect/>
+          </a:stretch>
+        </p:blipFill>
+        <p:spPr>
+          <a:xfrm>
+            <a:off x="6946666" y="982022"/>
+            <a:ext cx="2112264" cy="1584198"/>
+          </a:xfrm>
+          <a:prstGeom prst="rect">
+            <a:avLst/>
+          </a:prstGeom>
+        </p:spPr>
+      </p:pic>
+      <p:pic>
+        <p:nvPicPr>
+          <p:cNvPr id="7" name="Picture 6" descr="A graph showing a graph&#10;&#10;AI-generated content may be incorrect.">
+            <a:extLst>
+              <a:ext uri="{FF2B5EF4-FFF2-40B4-BE49-F238E27FC236}">
+                <a16:creationId xmlns:a16="http://schemas.microsoft.com/office/drawing/2014/main" id="{06807FFC-A01A-9A72-B5EF-969C6A79EDBB}"/>
+              </a:ext>
+            </a:extLst>
+          </p:cNvPr>
+          <p:cNvPicPr>
+            <a:picLocks noChangeAspect="1"/>
+          </p:cNvPicPr>
+          <p:nvPr/>
+        </p:nvPicPr>
+        <p:blipFill>
+          <a:blip r:embed="rId4">
+            <a:extLst>
+              <a:ext uri="{28A0092B-C50C-407E-A947-70E740481C1C}">
+                <a14:useLocalDpi xmlns:a14="http://schemas.microsoft.com/office/drawing/2010/main" val="0"/>
+              </a:ext>
+            </a:extLst>
+          </a:blip>
+          <a:stretch>
+            <a:fillRect/>
+          </a:stretch>
+        </p:blipFill>
+        <p:spPr>
+          <a:xfrm>
+            <a:off x="9223523" y="982022"/>
+            <a:ext cx="2112264" cy="1584198"/>
+          </a:xfrm>
+          <a:prstGeom prst="rect">
+            <a:avLst/>
+          </a:prstGeom>
+        </p:spPr>
+      </p:pic>
+      <p:pic>
+        <p:nvPicPr>
+          <p:cNvPr id="5" name="Picture 4" descr="A graph showing a number of data&#10;&#10;AI-generated content may be incorrect.">
+            <a:extLst>
+              <a:ext uri="{FF2B5EF4-FFF2-40B4-BE49-F238E27FC236}">
+                <a16:creationId xmlns:a16="http://schemas.microsoft.com/office/drawing/2014/main" id="{B5335CB0-0D3C-573D-4EA1-C431CFC51BB0}"/>
+              </a:ext>
+            </a:extLst>
+          </p:cNvPr>
+          <p:cNvPicPr>
+            <a:picLocks noChangeAspect="1"/>
+          </p:cNvPicPr>
+          <p:nvPr/>
+        </p:nvPicPr>
+        <p:blipFill>
+          <a:blip r:embed="rId5">
+            <a:extLst>
+              <a:ext uri="{28A0092B-C50C-407E-A947-70E740481C1C}">
+                <a14:useLocalDpi xmlns:a14="http://schemas.microsoft.com/office/drawing/2010/main" val="0"/>
+              </a:ext>
+            </a:extLst>
+          </a:blip>
+          <a:stretch>
+            <a:fillRect/>
+          </a:stretch>
+        </p:blipFill>
+        <p:spPr>
+          <a:xfrm>
+            <a:off x="6946667" y="3177874"/>
+            <a:ext cx="4389120" cy="2743202"/>
+          </a:xfrm>
+          <a:prstGeom prst="rect">
+            <a:avLst/>
+          </a:prstGeom>
+        </p:spPr>
+      </p:pic>
+    </p:spTree>
+    <p:extLst>
+      <p:ext uri="{BB962C8B-B14F-4D97-AF65-F5344CB8AC3E}">
+        <p14:creationId xmlns:p14="http://schemas.microsoft.com/office/powerpoint/2010/main" val="1997859247"/>
+      </p:ext>
+    </p:extLst>
+  </p:cSld>
+  <p:clrMapOvr>
+    <a:masterClrMapping/>
+  </p:clrMapOvr>
+</p:sld>
+</file>
+
+<file path=ppt/slides/slide12.xml><?xml version="1.0" encoding="utf-8"?>
+<p:sld xmlns:a="http://schemas.openxmlformats.org/drawingml/2006/main" xmlns:r="http://schemas.openxmlformats.org/officeDocument/2006/relationships" xmlns:p="http://schemas.openxmlformats.org/presentationml/2006/main">
+  <p:cSld>
+    <p:bg>
+      <p:bgPr>
+        <a:solidFill>
+          <a:schemeClr val="bg1"/>
+        </a:solidFill>
+        <a:effectLst/>
+      </p:bgPr>
+    </p:bg>
+    <p:spTree>
+      <p:nvGrpSpPr>
+        <p:cNvPr id="1" name="">
+          <a:extLst>
+            <a:ext uri="{FF2B5EF4-FFF2-40B4-BE49-F238E27FC236}">
+              <a16:creationId xmlns:a16="http://schemas.microsoft.com/office/drawing/2014/main" id="{BA06DD47-23A6-1D83-05B1-379A41033938}"/>
+            </a:ext>
+          </a:extLst>
+        </p:cNvPr>
+        <p:cNvGrpSpPr/>
+        <p:nvPr/>
+      </p:nvGrpSpPr>
+      <p:grpSpPr>
+        <a:xfrm>
+          <a:off x="0" y="0"/>
+          <a:ext cx="0" cy="0"/>
+          <a:chOff x="0" y="0"/>
+          <a:chExt cx="0" cy="0"/>
+        </a:xfrm>
+      </p:grpSpPr>
+      <p:sp useBgFill="1">
+        <p:nvSpPr>
+          <p:cNvPr id="19" name="Rectangle 18">
+            <a:extLst>
+              <a:ext uri="{FF2B5EF4-FFF2-40B4-BE49-F238E27FC236}">
+                <a16:creationId xmlns:a16="http://schemas.microsoft.com/office/drawing/2014/main" id="{DBF61EA3-B236-439E-9C0B-340980D56BEE}"/>
+              </a:ext>
+              <a:ext uri="{C183D7F6-B498-43B3-948B-1728B52AA6E4}">
+                <adec:decorative xmlns:adec="http://schemas.microsoft.com/office/drawing/2017/decorative" val="1"/>
+              </a:ext>
+            </a:extLst>
+          </p:cNvPr>
+          <p:cNvSpPr>
+            <a:spLocks noGrp="1" noRot="1" noChangeAspect="1" noMove="1" noResize="1" noEditPoints="1" noAdjustHandles="1" noChangeArrowheads="1" noChangeShapeType="1" noTextEdit="1"/>
+          </p:cNvSpPr>
+          <p:nvPr>
+            <p:extLst>
+              <p:ext uri="{386F3935-93C4-4BCD-93E2-E3B085C9AB24}">
+                <p16:designElem xmlns:p16="http://schemas.microsoft.com/office/powerpoint/2015/main" val="1"/>
+              </p:ext>
+            </p:extLst>
+          </p:nvPr>
+        </p:nvSpPr>
+        <p:spPr>
+          <a:xfrm>
+            <a:off x="0" y="0"/>
+            <a:ext cx="12191999" cy="6857365"/>
+          </a:xfrm>
+          <a:prstGeom prst="rect">
+            <a:avLst/>
+          </a:prstGeom>
+          <a:ln>
+            <a:noFill/>
+          </a:ln>
+        </p:spPr>
+        <p:style>
+          <a:lnRef idx="2">
+            <a:schemeClr val="accent1">
+              <a:shade val="50000"/>
+            </a:schemeClr>
+          </a:lnRef>
+          <a:fillRef idx="1">
+            <a:schemeClr val="accent1"/>
+          </a:fillRef>
+          <a:effectRef idx="0">
+            <a:schemeClr val="accent1"/>
+          </a:effectRef>
+          <a:fontRef idx="minor">
+            <a:schemeClr val="lt1"/>
+          </a:fontRef>
+        </p:style>
+        <p:txBody>
+          <a:bodyPr rtlCol="0" anchor="ctr"/>
+          <a:lstStyle/>
+          <a:p>
+            <a:pPr algn="ctr"/>
+            <a:endParaRPr lang="en-US"/>
+          </a:p>
+        </p:txBody>
+      </p:sp>
+      <p:sp>
+        <p:nvSpPr>
+          <p:cNvPr id="2" name="Title 1">
+            <a:extLst>
+              <a:ext uri="{FF2B5EF4-FFF2-40B4-BE49-F238E27FC236}">
+                <a16:creationId xmlns:a16="http://schemas.microsoft.com/office/drawing/2014/main" id="{83104D31-B229-547D-F85F-F31F9AD489AA}"/>
+              </a:ext>
+            </a:extLst>
+          </p:cNvPr>
+          <p:cNvSpPr>
+            <a:spLocks noGrp="1"/>
+          </p:cNvSpPr>
+          <p:nvPr>
+            <p:ph type="title"/>
+          </p:nvPr>
+        </p:nvSpPr>
+        <p:spPr>
+          <a:xfrm>
             <a:off x="808638" y="386930"/>
             <a:ext cx="9236700" cy="1188950"/>
           </a:xfrm>
@@ -5712,19 +6947,19 @@
           <a:lstStyle/>
           <a:p>
             <a:r>
-              <a:rPr lang="af-ZA" sz="4600" b="1" dirty="0"/>
-              <a:t>Results (continued)</a:t>
-            </a:r>
-            <a:endParaRPr lang="en-US" sz="4600" dirty="0"/>
+              <a:rPr lang="en-US" sz="5400" b="1"/>
+              <a:t>Novelty and Contribution</a:t>
+            </a:r>
+            <a:endParaRPr lang="en-US" sz="5400"/>
           </a:p>
         </p:txBody>
       </p:sp>
       <p:grpSp>
         <p:nvGrpSpPr>
-          <p:cNvPr id="10" name="Group 9">
-            <a:extLst>
-              <a:ext uri="{FF2B5EF4-FFF2-40B4-BE49-F238E27FC236}">
-                <a16:creationId xmlns:a16="http://schemas.microsoft.com/office/drawing/2014/main" id="{A1C60D5F-7129-DC58-E722-84F25BBEAF77}"/>
+          <p:cNvPr id="21" name="Group 20">
+            <a:extLst>
+              <a:ext uri="{FF2B5EF4-FFF2-40B4-BE49-F238E27FC236}">
+                <a16:creationId xmlns:a16="http://schemas.microsoft.com/office/drawing/2014/main" id="{28FAF094-D087-493F-8DF9-A486C2D6BBAA}"/>
               </a:ext>
               <a:ext uri="{C183D7F6-B498-43B3-948B-1728B52AA6E4}">
                 <adec:decorative xmlns:adec="http://schemas.microsoft.com/office/drawing/2017/decorative" val="1"/>
@@ -5752,10 +6987,10 @@
         </p:grpSpPr>
         <p:sp>
           <p:nvSpPr>
-            <p:cNvPr id="11" name="Rectangle 10">
+            <p:cNvPr id="22" name="Rectangle 21">
               <a:extLst>
                 <a:ext uri="{FF2B5EF4-FFF2-40B4-BE49-F238E27FC236}">
-                  <a16:creationId xmlns:a16="http://schemas.microsoft.com/office/drawing/2014/main" id="{F5B295F5-2DEB-1174-15FE-4593B520BF73}"/>
+                  <a16:creationId xmlns:a16="http://schemas.microsoft.com/office/drawing/2014/main" id="{8D7C88D8-5509-4514-925A-9CE148E5CBD6}"/>
                 </a:ext>
                 <a:ext uri="{C183D7F6-B498-43B3-948B-1728B52AA6E4}">
                   <adec:decorative xmlns:adec="http://schemas.microsoft.com/office/drawing/2017/decorative" val="1"/>
@@ -5813,10 +7048,10 @@
         </p:sp>
         <p:sp>
           <p:nvSpPr>
-            <p:cNvPr id="12" name="Rectangle 11">
+            <p:cNvPr id="23" name="Rectangle 22">
               <a:extLst>
                 <a:ext uri="{FF2B5EF4-FFF2-40B4-BE49-F238E27FC236}">
-                  <a16:creationId xmlns:a16="http://schemas.microsoft.com/office/drawing/2014/main" id="{41A861FC-494B-6065-3691-F80FD8817862}"/>
+                  <a16:creationId xmlns:a16="http://schemas.microsoft.com/office/drawing/2014/main" id="{7275593D-F75E-4426-AE3E-2CDEFD228D25}"/>
                 </a:ext>
                 <a:ext uri="{C183D7F6-B498-43B3-948B-1728B52AA6E4}">
                   <adec:decorative xmlns:adec="http://schemas.microsoft.com/office/drawing/2017/decorative" val="1"/>
@@ -5875,10 +7110,10 @@
       </p:grpSp>
       <p:sp>
         <p:nvSpPr>
-          <p:cNvPr id="14" name="Rectangle 13">
-            <a:extLst>
-              <a:ext uri="{FF2B5EF4-FFF2-40B4-BE49-F238E27FC236}">
-                <a16:creationId xmlns:a16="http://schemas.microsoft.com/office/drawing/2014/main" id="{A88BD134-D570-B0E0-1F02-BB8790AD30D3}"/>
+          <p:cNvPr id="25" name="Rectangle 24">
+            <a:extLst>
+              <a:ext uri="{FF2B5EF4-FFF2-40B4-BE49-F238E27FC236}">
+                <a16:creationId xmlns:a16="http://schemas.microsoft.com/office/drawing/2014/main" id="{E659831F-0D9A-4C63-9EBB-8435B85A440F}"/>
               </a:ext>
               <a:ext uri="{C183D7F6-B498-43B3-948B-1728B52AA6E4}">
                 <adec:decorative xmlns:adec="http://schemas.microsoft.com/office/drawing/2017/decorative" val="1"/>
@@ -5948,7 +7183,7 @@
           <p:cNvPr id="3" name="Content Placeholder 2">
             <a:extLst>
               <a:ext uri="{FF2B5EF4-FFF2-40B4-BE49-F238E27FC236}">
-                <a16:creationId xmlns:a16="http://schemas.microsoft.com/office/drawing/2014/main" id="{E7E997FF-C878-B61B-B3C3-130D90585FFC}"/>
+                <a16:creationId xmlns:a16="http://schemas.microsoft.com/office/drawing/2014/main" id="{9E4944F1-3B7E-7B7E-6F82-84D131BE8487}"/>
               </a:ext>
             </a:extLst>
           </p:cNvPr>
@@ -5962,7 +7197,7 @@
         <p:spPr>
           <a:xfrm>
             <a:off x="793660" y="2599509"/>
-            <a:ext cx="10119873" cy="3435531"/>
+            <a:ext cx="10143668" cy="3435531"/>
           </a:xfrm>
         </p:spPr>
         <p:txBody>
@@ -5972,34 +7207,23 @@
           <a:lstStyle/>
           <a:p>
             <a:r>
-              <a:rPr lang="en-US" sz="2000" dirty="0"/>
-              <a:t>The "Spread Width" plot shows spikes (red lines) matching periods of high volatility.</a:t>
-            </a:r>
-          </a:p>
-          <a:p>
-            <a:r>
-              <a:rPr lang="en-US" sz="2000" dirty="0"/>
-              <a:t>The "Epsilon" line (grey) shows the transition from random exploration to exploiting learned knowledge.</a:t>
-            </a:r>
-          </a:p>
-          <a:p>
-            <a:r>
-              <a:rPr lang="en-US" sz="2000" dirty="0"/>
-              <a:t>The Policy Distribution shows a preference for tight spreads (0.2/0.4) to capture volume, but retains wide spreads for safety.</a:t>
-            </a:r>
-          </a:p>
-          <a:p>
-            <a:r>
-              <a:rPr lang="en-US" sz="2000" dirty="0"/>
-              <a:t>The AI learned "Context-Dependent Tactics." It acts like a human market maker: tight spreads when calm, wide spreads when scared. </a:t>
-            </a:r>
+              <a:rPr lang="en-US" sz="2400"/>
+              <a:t>Most financial RL papers assume a static market. We demonstrated Co-Evolution—where the AI and the Market change each other simultaneously.</a:t>
+            </a:r>
+          </a:p>
+          <a:p>
+            <a:r>
+              <a:rPr lang="en-US" sz="2400"/>
+              <a:t>We provide an open-source "playground" for the community to study Multi-Agent interactions. This framework serves as a benchmark for measuring AI Robustness against adaptive adversaries. </a:t>
+            </a:r>
+            <a:endParaRPr lang="en-US" sz="2400" b="1"/>
           </a:p>
         </p:txBody>
       </p:sp>
     </p:spTree>
     <p:extLst>
       <p:ext uri="{BB962C8B-B14F-4D97-AF65-F5344CB8AC3E}">
-        <p14:creationId xmlns:p14="http://schemas.microsoft.com/office/powerpoint/2010/main" val="727695004"/>
+        <p14:creationId xmlns:p14="http://schemas.microsoft.com/office/powerpoint/2010/main" val="3084027549"/>
       </p:ext>
     </p:extLst>
   </p:cSld>
@@ -6009,7 +7233,7 @@
 </p:sld>
 </file>
 
-<file path=ppt/slides/slide11.xml><?xml version="1.0" encoding="utf-8"?>
+<file path=ppt/slides/slide13.xml><?xml version="1.0" encoding="utf-8"?>
 <p:sld xmlns:a="http://schemas.openxmlformats.org/drawingml/2006/main" xmlns:r="http://schemas.openxmlformats.org/officeDocument/2006/relationships" xmlns:p="http://schemas.openxmlformats.org/presentationml/2006/main">
   <p:cSld>
     <p:bg>
@@ -6025,7 +7249,7 @@
         <p:cNvPr id="1" name="">
           <a:extLst>
             <a:ext uri="{FF2B5EF4-FFF2-40B4-BE49-F238E27FC236}">
-              <a16:creationId xmlns:a16="http://schemas.microsoft.com/office/drawing/2014/main" id="{B257B853-2B7D-E8F8-FDE9-C556A5D54CD4}"/>
+              <a16:creationId xmlns:a16="http://schemas.microsoft.com/office/drawing/2014/main" id="{911A9963-9CE1-41DF-CF1B-65B3F89025CB}"/>
             </a:ext>
           </a:extLst>
         </p:cNvPr>
@@ -6042,10 +7266,10 @@
       </p:grpSpPr>
       <p:sp useBgFill="1">
         <p:nvSpPr>
-          <p:cNvPr id="8" name="Rectangle 7">
-            <a:extLst>
-              <a:ext uri="{FF2B5EF4-FFF2-40B4-BE49-F238E27FC236}">
-                <a16:creationId xmlns:a16="http://schemas.microsoft.com/office/drawing/2014/main" id="{A7D330AD-FE8F-B9D6-05DE-81B3D08AC635}"/>
+          <p:cNvPr id="19" name="Rectangle 18">
+            <a:extLst>
+              <a:ext uri="{FF2B5EF4-FFF2-40B4-BE49-F238E27FC236}">
+                <a16:creationId xmlns:a16="http://schemas.microsoft.com/office/drawing/2014/main" id="{DBF61EA3-B236-439E-9C0B-340980D56BEE}"/>
               </a:ext>
               <a:ext uri="{C183D7F6-B498-43B3-948B-1728B52AA6E4}">
                 <adec:decorative xmlns:adec="http://schemas.microsoft.com/office/drawing/2017/decorative" val="1"/>
@@ -6105,7 +7329,7 @@
           <p:cNvPr id="2" name="Title 1">
             <a:extLst>
               <a:ext uri="{FF2B5EF4-FFF2-40B4-BE49-F238E27FC236}">
-                <a16:creationId xmlns:a16="http://schemas.microsoft.com/office/drawing/2014/main" id="{3D3EDDA2-0AA5-1A81-8047-8A4E33335E65}"/>
+                <a16:creationId xmlns:a16="http://schemas.microsoft.com/office/drawing/2014/main" id="{F44BDD54-BC0B-F157-0552-1E9D324B8EE4}"/>
               </a:ext>
             </a:extLst>
           </p:cNvPr>
@@ -6129,19 +7353,19 @@
           <a:lstStyle/>
           <a:p>
             <a:r>
-              <a:rPr lang="en-US" sz="4600" b="1" dirty="0"/>
-              <a:t>Methodology</a:t>
-            </a:r>
-            <a:endParaRPr lang="en-US" sz="4600" dirty="0"/>
+              <a:rPr lang="en-US" sz="5400" b="1"/>
+              <a:t>Bias and Future Work</a:t>
+            </a:r>
+            <a:endParaRPr lang="en-US" sz="5400"/>
           </a:p>
         </p:txBody>
       </p:sp>
       <p:grpSp>
         <p:nvGrpSpPr>
-          <p:cNvPr id="10" name="Group 9">
-            <a:extLst>
-              <a:ext uri="{FF2B5EF4-FFF2-40B4-BE49-F238E27FC236}">
-                <a16:creationId xmlns:a16="http://schemas.microsoft.com/office/drawing/2014/main" id="{8C26B811-43C7-FD5C-867E-95C2EE02E6AC}"/>
+          <p:cNvPr id="21" name="Group 20">
+            <a:extLst>
+              <a:ext uri="{FF2B5EF4-FFF2-40B4-BE49-F238E27FC236}">
+                <a16:creationId xmlns:a16="http://schemas.microsoft.com/office/drawing/2014/main" id="{28FAF094-D087-493F-8DF9-A486C2D6BBAA}"/>
               </a:ext>
               <a:ext uri="{C183D7F6-B498-43B3-948B-1728B52AA6E4}">
                 <adec:decorative xmlns:adec="http://schemas.microsoft.com/office/drawing/2017/decorative" val="1"/>
@@ -6169,10 +7393,10 @@
         </p:grpSpPr>
         <p:sp>
           <p:nvSpPr>
-            <p:cNvPr id="11" name="Rectangle 10">
+            <p:cNvPr id="22" name="Rectangle 21">
               <a:extLst>
                 <a:ext uri="{FF2B5EF4-FFF2-40B4-BE49-F238E27FC236}">
-                  <a16:creationId xmlns:a16="http://schemas.microsoft.com/office/drawing/2014/main" id="{B4ACC544-8599-F93A-79B6-0E2AB2C889B7}"/>
+                  <a16:creationId xmlns:a16="http://schemas.microsoft.com/office/drawing/2014/main" id="{8D7C88D8-5509-4514-925A-9CE148E5CBD6}"/>
                 </a:ext>
                 <a:ext uri="{C183D7F6-B498-43B3-948B-1728B52AA6E4}">
                   <adec:decorative xmlns:adec="http://schemas.microsoft.com/office/drawing/2017/decorative" val="1"/>
@@ -6230,10 +7454,10 @@
         </p:sp>
         <p:sp>
           <p:nvSpPr>
-            <p:cNvPr id="12" name="Rectangle 11">
+            <p:cNvPr id="23" name="Rectangle 22">
               <a:extLst>
                 <a:ext uri="{FF2B5EF4-FFF2-40B4-BE49-F238E27FC236}">
-                  <a16:creationId xmlns:a16="http://schemas.microsoft.com/office/drawing/2014/main" id="{792B45D3-63B6-B36D-953F-319434BB7344}"/>
+                  <a16:creationId xmlns:a16="http://schemas.microsoft.com/office/drawing/2014/main" id="{7275593D-F75E-4426-AE3E-2CDEFD228D25}"/>
                 </a:ext>
                 <a:ext uri="{C183D7F6-B498-43B3-948B-1728B52AA6E4}">
                   <adec:decorative xmlns:adec="http://schemas.microsoft.com/office/drawing/2017/decorative" val="1"/>
@@ -6292,10 +7516,10 @@
       </p:grpSp>
       <p:sp>
         <p:nvSpPr>
-          <p:cNvPr id="14" name="Rectangle 13">
-            <a:extLst>
-              <a:ext uri="{FF2B5EF4-FFF2-40B4-BE49-F238E27FC236}">
-                <a16:creationId xmlns:a16="http://schemas.microsoft.com/office/drawing/2014/main" id="{1D7100C2-E21E-9EC4-F8BD-1861D0276BB7}"/>
+          <p:cNvPr id="25" name="Rectangle 24">
+            <a:extLst>
+              <a:ext uri="{FF2B5EF4-FFF2-40B4-BE49-F238E27FC236}">
+                <a16:creationId xmlns:a16="http://schemas.microsoft.com/office/drawing/2014/main" id="{E659831F-0D9A-4C63-9EBB-8435B85A440F}"/>
               </a:ext>
               <a:ext uri="{C183D7F6-B498-43B3-948B-1728B52AA6E4}">
                 <adec:decorative xmlns:adec="http://schemas.microsoft.com/office/drawing/2017/decorative" val="1"/>
@@ -6365,7 +7589,7 @@
           <p:cNvPr id="3" name="Content Placeholder 2">
             <a:extLst>
               <a:ext uri="{FF2B5EF4-FFF2-40B4-BE49-F238E27FC236}">
-                <a16:creationId xmlns:a16="http://schemas.microsoft.com/office/drawing/2014/main" id="{0D1F8855-E818-4AE1-3BDE-006BAFEB9F2B}"/>
+                <a16:creationId xmlns:a16="http://schemas.microsoft.com/office/drawing/2014/main" id="{A1858CCC-8167-95A9-4D67-20CE5CF59BB1}"/>
               </a:ext>
             </a:extLst>
           </p:cNvPr>
@@ -6379,7 +7603,7 @@
         <p:spPr>
           <a:xfrm>
             <a:off x="793660" y="2599509"/>
-            <a:ext cx="10119873" cy="3435531"/>
+            <a:ext cx="10143668" cy="3435531"/>
           </a:xfrm>
         </p:spPr>
         <p:txBody>
@@ -6389,27 +7613,43 @@
           <a:lstStyle/>
           <a:p>
             <a:r>
-              <a:rPr lang="af-ZA" sz="2000" b="1" dirty="0"/>
-              <a:t>Inventory: </a:t>
-            </a:r>
-            <a:r>
-              <a:rPr lang="en-US" sz="2000" dirty="0"/>
-              <a:t>The heatmap shows the agent keeps inventory near zero (bright yellow center). Variance was &lt; 0.02.</a:t>
-            </a:r>
-          </a:p>
-          <a:p>
-            <a:r>
-              <a:rPr lang="en-US" sz="2000" dirty="0"/>
-              <a:t>The agent learned to be efficient. It didn't hoard assets (which is risky/wasteful). It maximized reward while minimizing resource usage (capital exposure), aligning with Green AI principles of efficiency.</a:t>
-            </a:r>
-            <a:endParaRPr lang="en-US" sz="2000" b="1" dirty="0"/>
+              <a:rPr lang="en-US" sz="2200"/>
+              <a:t>The model might overfit to the specific volatility patterns of the provided dataset.</a:t>
+            </a:r>
+          </a:p>
+          <a:p>
+            <a:r>
+              <a:rPr lang="en-US" sz="2200"/>
+              <a:t>A simple 2-layer MLP may limit expressiveness compared to deeper architectures.</a:t>
+            </a:r>
+          </a:p>
+          <a:p>
+            <a:r>
+              <a:rPr lang="en-US" sz="2200" b="1"/>
+              <a:t>Possible Future Work: </a:t>
+            </a:r>
+          </a:p>
+          <a:p>
+            <a:pPr lvl="1"/>
+            <a:r>
+              <a:rPr lang="en-US" sz="2200"/>
+              <a:t>Implement Recurrent Neural Networks (RNNs) to capture time-series dependencies better. </a:t>
+            </a:r>
+          </a:p>
+          <a:p>
+            <a:pPr lvl="1"/>
+            <a:r>
+              <a:rPr lang="en-US" sz="2200"/>
+              <a:t>Replace heuristic EGT agents with other RL agents (Multi-Agent Reinforcement Learning) for a "smarter" enemy.</a:t>
+            </a:r>
+            <a:endParaRPr lang="en-US" sz="2200" b="1"/>
           </a:p>
         </p:txBody>
       </p:sp>
     </p:spTree>
     <p:extLst>
       <p:ext uri="{BB962C8B-B14F-4D97-AF65-F5344CB8AC3E}">
-        <p14:creationId xmlns:p14="http://schemas.microsoft.com/office/powerpoint/2010/main" val="1997859247"/>
+        <p14:creationId xmlns:p14="http://schemas.microsoft.com/office/powerpoint/2010/main" val="2540789455"/>
       </p:ext>
     </p:extLst>
   </p:cSld>
@@ -6419,7 +7659,7 @@
 </p:sld>
 </file>
 
-<file path=ppt/slides/slide12.xml><?xml version="1.0" encoding="utf-8"?>
+<file path=ppt/slides/slide14.xml><?xml version="1.0" encoding="utf-8"?>
 <p:sld xmlns:a="http://schemas.openxmlformats.org/drawingml/2006/main" xmlns:r="http://schemas.openxmlformats.org/officeDocument/2006/relationships" xmlns:p="http://schemas.openxmlformats.org/presentationml/2006/main">
   <p:cSld>
     <p:bg>
@@ -6435,7 +7675,7 @@
         <p:cNvPr id="1" name="">
           <a:extLst>
             <a:ext uri="{FF2B5EF4-FFF2-40B4-BE49-F238E27FC236}">
-              <a16:creationId xmlns:a16="http://schemas.microsoft.com/office/drawing/2014/main" id="{BA06DD47-23A6-1D83-05B1-379A41033938}"/>
+              <a16:creationId xmlns:a16="http://schemas.microsoft.com/office/drawing/2014/main" id="{AE44F032-3989-26DC-9FE6-6125203BF16E}"/>
             </a:ext>
           </a:extLst>
         </p:cNvPr>
@@ -6452,10 +7692,10 @@
       </p:grpSpPr>
       <p:sp useBgFill="1">
         <p:nvSpPr>
-          <p:cNvPr id="8" name="Rectangle 7">
-            <a:extLst>
-              <a:ext uri="{FF2B5EF4-FFF2-40B4-BE49-F238E27FC236}">
-                <a16:creationId xmlns:a16="http://schemas.microsoft.com/office/drawing/2014/main" id="{310278F9-E854-BF73-BB72-4BF83ADF0650}"/>
+          <p:cNvPr id="19" name="Rectangle 18">
+            <a:extLst>
+              <a:ext uri="{FF2B5EF4-FFF2-40B4-BE49-F238E27FC236}">
+                <a16:creationId xmlns:a16="http://schemas.microsoft.com/office/drawing/2014/main" id="{DBF61EA3-B236-439E-9C0B-340980D56BEE}"/>
               </a:ext>
               <a:ext uri="{C183D7F6-B498-43B3-948B-1728B52AA6E4}">
                 <adec:decorative xmlns:adec="http://schemas.microsoft.com/office/drawing/2017/decorative" val="1"/>
@@ -6515,7 +7755,7 @@
           <p:cNvPr id="2" name="Title 1">
             <a:extLst>
               <a:ext uri="{FF2B5EF4-FFF2-40B4-BE49-F238E27FC236}">
-                <a16:creationId xmlns:a16="http://schemas.microsoft.com/office/drawing/2014/main" id="{83104D31-B229-547D-F85F-F31F9AD489AA}"/>
+                <a16:creationId xmlns:a16="http://schemas.microsoft.com/office/drawing/2014/main" id="{4626F5ED-D8BA-33C5-574B-C688B1A765D0}"/>
               </a:ext>
             </a:extLst>
           </p:cNvPr>
@@ -6539,19 +7779,19 @@
           <a:lstStyle/>
           <a:p>
             <a:r>
-              <a:rPr lang="en-US" sz="4600" b="1" dirty="0"/>
-              <a:t>Novelty and Contribution</a:t>
-            </a:r>
-            <a:endParaRPr lang="en-US" sz="4600" dirty="0"/>
+              <a:rPr lang="en-US" sz="5400" b="1"/>
+              <a:t>Conclusion</a:t>
+            </a:r>
+            <a:endParaRPr lang="en-US" sz="5400"/>
           </a:p>
         </p:txBody>
       </p:sp>
       <p:grpSp>
         <p:nvGrpSpPr>
-          <p:cNvPr id="10" name="Group 9">
-            <a:extLst>
-              <a:ext uri="{FF2B5EF4-FFF2-40B4-BE49-F238E27FC236}">
-                <a16:creationId xmlns:a16="http://schemas.microsoft.com/office/drawing/2014/main" id="{B2F3BBA6-74DE-04C5-9653-D056E1827C5D}"/>
+          <p:cNvPr id="21" name="Group 20">
+            <a:extLst>
+              <a:ext uri="{FF2B5EF4-FFF2-40B4-BE49-F238E27FC236}">
+                <a16:creationId xmlns:a16="http://schemas.microsoft.com/office/drawing/2014/main" id="{28FAF094-D087-493F-8DF9-A486C2D6BBAA}"/>
               </a:ext>
               <a:ext uri="{C183D7F6-B498-43B3-948B-1728B52AA6E4}">
                 <adec:decorative xmlns:adec="http://schemas.microsoft.com/office/drawing/2017/decorative" val="1"/>
@@ -6579,10 +7819,10 @@
         </p:grpSpPr>
         <p:sp>
           <p:nvSpPr>
-            <p:cNvPr id="11" name="Rectangle 10">
+            <p:cNvPr id="22" name="Rectangle 21">
               <a:extLst>
                 <a:ext uri="{FF2B5EF4-FFF2-40B4-BE49-F238E27FC236}">
-                  <a16:creationId xmlns:a16="http://schemas.microsoft.com/office/drawing/2014/main" id="{2E03792D-1A51-7441-1FBF-B08B2DC16B4A}"/>
+                  <a16:creationId xmlns:a16="http://schemas.microsoft.com/office/drawing/2014/main" id="{8D7C88D8-5509-4514-925A-9CE148E5CBD6}"/>
                 </a:ext>
                 <a:ext uri="{C183D7F6-B498-43B3-948B-1728B52AA6E4}">
                   <adec:decorative xmlns:adec="http://schemas.microsoft.com/office/drawing/2017/decorative" val="1"/>
@@ -6640,10 +7880,10 @@
         </p:sp>
         <p:sp>
           <p:nvSpPr>
-            <p:cNvPr id="12" name="Rectangle 11">
+            <p:cNvPr id="23" name="Rectangle 22">
               <a:extLst>
                 <a:ext uri="{FF2B5EF4-FFF2-40B4-BE49-F238E27FC236}">
-                  <a16:creationId xmlns:a16="http://schemas.microsoft.com/office/drawing/2014/main" id="{DE5FD732-6BD3-815D-98F3-DF553DF8FCFE}"/>
+                  <a16:creationId xmlns:a16="http://schemas.microsoft.com/office/drawing/2014/main" id="{7275593D-F75E-4426-AE3E-2CDEFD228D25}"/>
                 </a:ext>
                 <a:ext uri="{C183D7F6-B498-43B3-948B-1728B52AA6E4}">
                   <adec:decorative xmlns:adec="http://schemas.microsoft.com/office/drawing/2017/decorative" val="1"/>
@@ -6702,10 +7942,10 @@
       </p:grpSp>
       <p:sp>
         <p:nvSpPr>
-          <p:cNvPr id="14" name="Rectangle 13">
-            <a:extLst>
-              <a:ext uri="{FF2B5EF4-FFF2-40B4-BE49-F238E27FC236}">
-                <a16:creationId xmlns:a16="http://schemas.microsoft.com/office/drawing/2014/main" id="{B64B1A41-8DCC-08EC-E82B-20C7557186A0}"/>
+          <p:cNvPr id="25" name="Rectangle 24">
+            <a:extLst>
+              <a:ext uri="{FF2B5EF4-FFF2-40B4-BE49-F238E27FC236}">
+                <a16:creationId xmlns:a16="http://schemas.microsoft.com/office/drawing/2014/main" id="{E659831F-0D9A-4C63-9EBB-8435B85A440F}"/>
               </a:ext>
               <a:ext uri="{C183D7F6-B498-43B3-948B-1728B52AA6E4}">
                 <adec:decorative xmlns:adec="http://schemas.microsoft.com/office/drawing/2017/decorative" val="1"/>
@@ -6775,7 +8015,7 @@
           <p:cNvPr id="3" name="Content Placeholder 2">
             <a:extLst>
               <a:ext uri="{FF2B5EF4-FFF2-40B4-BE49-F238E27FC236}">
-                <a16:creationId xmlns:a16="http://schemas.microsoft.com/office/drawing/2014/main" id="{9E4944F1-3B7E-7B7E-6F82-84D131BE8487}"/>
+                <a16:creationId xmlns:a16="http://schemas.microsoft.com/office/drawing/2014/main" id="{14180F32-E6BE-5841-22B1-54EBCDB0570E}"/>
               </a:ext>
             </a:extLst>
           </p:cNvPr>
@@ -6789,7 +8029,7 @@
         <p:spPr>
           <a:xfrm>
             <a:off x="793660" y="2599509"/>
-            <a:ext cx="10119873" cy="3435531"/>
+            <a:ext cx="10143668" cy="3435531"/>
           </a:xfrm>
         </p:spPr>
         <p:txBody>
@@ -6799,851 +8039,19 @@
           <a:lstStyle/>
           <a:p>
             <a:r>
-              <a:rPr lang="en-US" sz="2000" dirty="0"/>
-              <a:t>Most financial RL papers assume a static market. We demonstrated Co-Evolution—where the AI and the Market change each other simultaneously.</a:t>
-            </a:r>
-          </a:p>
-          <a:p>
-            <a:r>
-              <a:rPr lang="en-US" sz="2000" dirty="0"/>
-              <a:t>We provide an open-source "playground" for the community to study Multi-Agent interactions. This framework serves as a benchmark for measuring AI Robustness against adaptive adversaries. </a:t>
-            </a:r>
-            <a:endParaRPr lang="en-US" sz="2000" b="1" dirty="0"/>
-          </a:p>
-        </p:txBody>
-      </p:sp>
-    </p:spTree>
-    <p:extLst>
-      <p:ext uri="{BB962C8B-B14F-4D97-AF65-F5344CB8AC3E}">
-        <p14:creationId xmlns:p14="http://schemas.microsoft.com/office/powerpoint/2010/main" val="3084027549"/>
-      </p:ext>
-    </p:extLst>
-  </p:cSld>
-  <p:clrMapOvr>
-    <a:masterClrMapping/>
-  </p:clrMapOvr>
-</p:sld>
-</file>
-
-<file path=ppt/slides/slide13.xml><?xml version="1.0" encoding="utf-8"?>
-<p:sld xmlns:a="http://schemas.openxmlformats.org/drawingml/2006/main" xmlns:r="http://schemas.openxmlformats.org/officeDocument/2006/relationships" xmlns:p="http://schemas.openxmlformats.org/presentationml/2006/main">
-  <p:cSld>
-    <p:bg>
-      <p:bgPr>
-        <a:solidFill>
-          <a:schemeClr val="bg1"/>
-        </a:solidFill>
-        <a:effectLst/>
-      </p:bgPr>
-    </p:bg>
-    <p:spTree>
-      <p:nvGrpSpPr>
-        <p:cNvPr id="1" name="">
-          <a:extLst>
-            <a:ext uri="{FF2B5EF4-FFF2-40B4-BE49-F238E27FC236}">
-              <a16:creationId xmlns:a16="http://schemas.microsoft.com/office/drawing/2014/main" id="{911A9963-9CE1-41DF-CF1B-65B3F89025CB}"/>
-            </a:ext>
-          </a:extLst>
-        </p:cNvPr>
-        <p:cNvGrpSpPr/>
-        <p:nvPr/>
-      </p:nvGrpSpPr>
-      <p:grpSpPr>
-        <a:xfrm>
-          <a:off x="0" y="0"/>
-          <a:ext cx="0" cy="0"/>
-          <a:chOff x="0" y="0"/>
-          <a:chExt cx="0" cy="0"/>
-        </a:xfrm>
-      </p:grpSpPr>
-      <p:sp useBgFill="1">
-        <p:nvSpPr>
-          <p:cNvPr id="8" name="Rectangle 7">
-            <a:extLst>
-              <a:ext uri="{FF2B5EF4-FFF2-40B4-BE49-F238E27FC236}">
-                <a16:creationId xmlns:a16="http://schemas.microsoft.com/office/drawing/2014/main" id="{C14BF8E6-2C71-6B7F-B7E5-CEF4BADF0B0F}"/>
-              </a:ext>
-              <a:ext uri="{C183D7F6-B498-43B3-948B-1728B52AA6E4}">
-                <adec:decorative xmlns:adec="http://schemas.microsoft.com/office/drawing/2017/decorative" val="1"/>
-              </a:ext>
-            </a:extLst>
-          </p:cNvPr>
-          <p:cNvSpPr>
-            <a:spLocks noGrp="1" noRot="1" noChangeAspect="1" noMove="1" noResize="1" noEditPoints="1" noAdjustHandles="1" noChangeArrowheads="1" noChangeShapeType="1" noTextEdit="1"/>
-          </p:cNvSpPr>
-          <p:nvPr>
-            <p:extLst>
-              <p:ext uri="{386F3935-93C4-4BCD-93E2-E3B085C9AB24}">
-                <p16:designElem xmlns:p16="http://schemas.microsoft.com/office/powerpoint/2015/main" val="1"/>
-              </p:ext>
-            </p:extLst>
-          </p:nvPr>
-        </p:nvSpPr>
-        <p:spPr>
-          <a:xfrm>
-            <a:off x="0" y="0"/>
-            <a:ext cx="12191999" cy="6857365"/>
-          </a:xfrm>
-          <a:prstGeom prst="rect">
-            <a:avLst/>
-          </a:prstGeom>
-          <a:ln>
-            <a:noFill/>
-          </a:ln>
-        </p:spPr>
-        <p:style>
-          <a:lnRef idx="2">
-            <a:schemeClr val="accent1">
-              <a:shade val="50000"/>
-            </a:schemeClr>
-          </a:lnRef>
-          <a:fillRef idx="1">
-            <a:schemeClr val="accent1"/>
-          </a:fillRef>
-          <a:effectRef idx="0">
-            <a:schemeClr val="accent1"/>
-          </a:effectRef>
-          <a:fontRef idx="minor">
-            <a:schemeClr val="lt1"/>
-          </a:fontRef>
-        </p:style>
-        <p:txBody>
-          <a:bodyPr rtlCol="0" anchor="ctr"/>
-          <a:lstStyle/>
-          <a:p>
-            <a:pPr algn="ctr"/>
-            <a:endParaRPr lang="en-US"/>
-          </a:p>
-        </p:txBody>
-      </p:sp>
-      <p:sp>
-        <p:nvSpPr>
-          <p:cNvPr id="2" name="Title 1">
-            <a:extLst>
-              <a:ext uri="{FF2B5EF4-FFF2-40B4-BE49-F238E27FC236}">
-                <a16:creationId xmlns:a16="http://schemas.microsoft.com/office/drawing/2014/main" id="{F44BDD54-BC0B-F157-0552-1E9D324B8EE4}"/>
-              </a:ext>
-            </a:extLst>
-          </p:cNvPr>
-          <p:cNvSpPr>
-            <a:spLocks noGrp="1"/>
-          </p:cNvSpPr>
-          <p:nvPr>
-            <p:ph type="title"/>
-          </p:nvPr>
-        </p:nvSpPr>
-        <p:spPr>
-          <a:xfrm>
-            <a:off x="808638" y="386930"/>
-            <a:ext cx="9236700" cy="1188950"/>
-          </a:xfrm>
-        </p:spPr>
-        <p:txBody>
-          <a:bodyPr anchor="b">
-            <a:normAutofit/>
-          </a:bodyPr>
-          <a:lstStyle/>
-          <a:p>
-            <a:r>
-              <a:rPr lang="en-US" sz="4600" b="1" dirty="0"/>
-              <a:t>Bias and Future Work</a:t>
-            </a:r>
-            <a:endParaRPr lang="en-US" sz="4600" dirty="0"/>
-          </a:p>
-        </p:txBody>
-      </p:sp>
-      <p:grpSp>
-        <p:nvGrpSpPr>
-          <p:cNvPr id="10" name="Group 9">
-            <a:extLst>
-              <a:ext uri="{FF2B5EF4-FFF2-40B4-BE49-F238E27FC236}">
-                <a16:creationId xmlns:a16="http://schemas.microsoft.com/office/drawing/2014/main" id="{826E11F2-2529-0DC9-D63D-222DCC0BBC09}"/>
-              </a:ext>
-              <a:ext uri="{C183D7F6-B498-43B3-948B-1728B52AA6E4}">
-                <adec:decorative xmlns:adec="http://schemas.microsoft.com/office/drawing/2017/decorative" val="1"/>
-              </a:ext>
-            </a:extLst>
-          </p:cNvPr>
-          <p:cNvGrpSpPr>
-            <a:grpSpLocks noGrp="1" noUngrp="1" noRot="1" noChangeAspect="1" noMove="1" noResize="1"/>
-          </p:cNvGrpSpPr>
-          <p:nvPr>
-            <p:extLst>
-              <p:ext uri="{386F3935-93C4-4BCD-93E2-E3B085C9AB24}">
-                <p16:designElem xmlns:p16="http://schemas.microsoft.com/office/powerpoint/2015/main" val="1"/>
-              </p:ext>
-            </p:extLst>
-          </p:nvPr>
-        </p:nvGrpSpPr>
-        <p:grpSpPr>
-          <a:xfrm>
-            <a:off x="-2" y="1998368"/>
-            <a:ext cx="11695083" cy="782176"/>
-            <a:chOff x="-2" y="1998368"/>
-            <a:chExt cx="11695083" cy="782176"/>
-          </a:xfrm>
-        </p:grpSpPr>
-        <p:sp>
-          <p:nvSpPr>
-            <p:cNvPr id="11" name="Rectangle 10">
-              <a:extLst>
-                <a:ext uri="{FF2B5EF4-FFF2-40B4-BE49-F238E27FC236}">
-                  <a16:creationId xmlns:a16="http://schemas.microsoft.com/office/drawing/2014/main" id="{FAAC27D0-2F7D-3637-3899-BEE99C7256FA}"/>
-                </a:ext>
-                <a:ext uri="{C183D7F6-B498-43B3-948B-1728B52AA6E4}">
-                  <adec:decorative xmlns:adec="http://schemas.microsoft.com/office/drawing/2017/decorative" val="1"/>
-                </a:ext>
-              </a:extLst>
-            </p:cNvPr>
-            <p:cNvSpPr/>
-            <p:nvPr>
-              <p:extLst>
-                <p:ext uri="{386F3935-93C4-4BCD-93E2-E3B085C9AB24}">
-                  <p16:designElem xmlns:p16="http://schemas.microsoft.com/office/powerpoint/2015/main" val="1"/>
-                </p:ext>
-              </p:extLst>
-            </p:nvPr>
-          </p:nvSpPr>
-          <p:spPr>
-            <a:xfrm rot="5400000">
-              <a:off x="11228040" y="2313027"/>
-              <a:ext cx="781700" cy="152382"/>
-            </a:xfrm>
-            <a:prstGeom prst="rect">
-              <a:avLst/>
-            </a:prstGeom>
-            <a:solidFill>
-              <a:schemeClr val="accent4"/>
-            </a:solidFill>
-            <a:ln>
-              <a:noFill/>
-            </a:ln>
-          </p:spPr>
-          <p:style>
-            <a:lnRef idx="2">
-              <a:schemeClr val="accent1">
-                <a:shade val="50000"/>
-              </a:schemeClr>
-            </a:lnRef>
-            <a:fillRef idx="1">
-              <a:schemeClr val="accent1"/>
-            </a:fillRef>
-            <a:effectRef idx="0">
-              <a:schemeClr val="accent1"/>
-            </a:effectRef>
-            <a:fontRef idx="minor">
-              <a:schemeClr val="lt1"/>
-            </a:fontRef>
-          </p:style>
-          <p:txBody>
-            <a:bodyPr rtlCol="0" anchor="ctr"/>
-            <a:lstStyle/>
-            <a:p>
-              <a:pPr algn="ctr"/>
-              <a:endParaRPr lang="en-US"/>
-            </a:p>
-          </p:txBody>
-        </p:sp>
-        <p:sp>
-          <p:nvSpPr>
-            <p:cNvPr id="12" name="Rectangle 11">
-              <a:extLst>
-                <a:ext uri="{FF2B5EF4-FFF2-40B4-BE49-F238E27FC236}">
-                  <a16:creationId xmlns:a16="http://schemas.microsoft.com/office/drawing/2014/main" id="{2C19BCE8-961F-7EED-59E3-A0468FFD3A14}"/>
-                </a:ext>
-                <a:ext uri="{C183D7F6-B498-43B3-948B-1728B52AA6E4}">
-                  <adec:decorative xmlns:adec="http://schemas.microsoft.com/office/drawing/2017/decorative" val="1"/>
-                </a:ext>
-              </a:extLst>
-            </p:cNvPr>
-            <p:cNvSpPr/>
-            <p:nvPr>
-              <p:extLst>
-                <p:ext uri="{386F3935-93C4-4BCD-93E2-E3B085C9AB24}">
-                  <p16:designElem xmlns:p16="http://schemas.microsoft.com/office/powerpoint/2015/main" val="1"/>
-                </p:ext>
-              </p:extLst>
-            </p:nvPr>
-          </p:nvSpPr>
-          <p:spPr>
-            <a:xfrm flipH="1" flipV="1">
-              <a:off x="-2" y="1998845"/>
-              <a:ext cx="11454595" cy="781699"/>
-            </a:xfrm>
-            <a:prstGeom prst="rect">
-              <a:avLst/>
-            </a:prstGeom>
-            <a:solidFill>
-              <a:schemeClr val="accent4"/>
-            </a:solidFill>
-            <a:ln>
-              <a:noFill/>
-            </a:ln>
-          </p:spPr>
-          <p:style>
-            <a:lnRef idx="2">
-              <a:schemeClr val="accent1">
-                <a:shade val="50000"/>
-              </a:schemeClr>
-            </a:lnRef>
-            <a:fillRef idx="1">
-              <a:schemeClr val="accent1"/>
-            </a:fillRef>
-            <a:effectRef idx="0">
-              <a:schemeClr val="accent1"/>
-            </a:effectRef>
-            <a:fontRef idx="minor">
-              <a:schemeClr val="lt1"/>
-            </a:fontRef>
-          </p:style>
-          <p:txBody>
-            <a:bodyPr rtlCol="0" anchor="ctr"/>
-            <a:lstStyle/>
-            <a:p>
-              <a:pPr algn="ctr"/>
-              <a:endParaRPr lang="en-US"/>
-            </a:p>
-          </p:txBody>
-        </p:sp>
-      </p:grpSp>
-      <p:sp>
-        <p:nvSpPr>
-          <p:cNvPr id="14" name="Rectangle 13">
-            <a:extLst>
-              <a:ext uri="{FF2B5EF4-FFF2-40B4-BE49-F238E27FC236}">
-                <a16:creationId xmlns:a16="http://schemas.microsoft.com/office/drawing/2014/main" id="{9678F10E-7F4D-D591-907B-1DC9543B4FCF}"/>
-              </a:ext>
-              <a:ext uri="{C183D7F6-B498-43B3-948B-1728B52AA6E4}">
-                <adec:decorative xmlns:adec="http://schemas.microsoft.com/office/drawing/2017/decorative" val="1"/>
-              </a:ext>
-            </a:extLst>
-          </p:cNvPr>
-          <p:cNvSpPr>
-            <a:spLocks noGrp="1" noRot="1" noChangeAspect="1" noMove="1" noResize="1" noEditPoints="1" noAdjustHandles="1" noChangeArrowheads="1" noChangeShapeType="1" noTextEdit="1"/>
-          </p:cNvSpPr>
-          <p:nvPr>
-            <p:extLst>
-              <p:ext uri="{386F3935-93C4-4BCD-93E2-E3B085C9AB24}">
-                <p16:designElem xmlns:p16="http://schemas.microsoft.com/office/powerpoint/2015/main" val="1"/>
-              </p:ext>
-            </p:extLst>
-          </p:nvPr>
-        </p:nvSpPr>
-        <p:spPr>
-          <a:xfrm>
-            <a:off x="0" y="2203079"/>
-            <a:ext cx="11383362" cy="4147845"/>
-          </a:xfrm>
-          <a:prstGeom prst="rect">
-            <a:avLst/>
-          </a:prstGeom>
-          <a:solidFill>
-            <a:schemeClr val="bg1"/>
-          </a:solidFill>
-          <a:ln>
-            <a:noFill/>
-          </a:ln>
-          <a:effectLst>
-            <a:outerShdw blurRad="139700" dist="127000" dir="5400000" algn="t" rotWithShape="0">
-              <a:prstClr val="black">
-                <a:alpha val="15000"/>
-              </a:prstClr>
-            </a:outerShdw>
-          </a:effectLst>
-        </p:spPr>
-        <p:style>
-          <a:lnRef idx="2">
-            <a:schemeClr val="accent1">
-              <a:shade val="50000"/>
-            </a:schemeClr>
-          </a:lnRef>
-          <a:fillRef idx="1">
-            <a:schemeClr val="accent1"/>
-          </a:fillRef>
-          <a:effectRef idx="0">
-            <a:schemeClr val="accent1"/>
-          </a:effectRef>
-          <a:fontRef idx="minor">
-            <a:schemeClr val="lt1"/>
-          </a:fontRef>
-        </p:style>
-        <p:txBody>
-          <a:bodyPr rtlCol="0" anchor="ctr"/>
-          <a:lstStyle/>
-          <a:p>
-            <a:pPr algn="ctr"/>
-            <a:endParaRPr lang="en-US"/>
-          </a:p>
-        </p:txBody>
-      </p:sp>
-      <p:sp>
-        <p:nvSpPr>
-          <p:cNvPr id="3" name="Content Placeholder 2">
-            <a:extLst>
-              <a:ext uri="{FF2B5EF4-FFF2-40B4-BE49-F238E27FC236}">
-                <a16:creationId xmlns:a16="http://schemas.microsoft.com/office/drawing/2014/main" id="{A1858CCC-8167-95A9-4D67-20CE5CF59BB1}"/>
-              </a:ext>
-            </a:extLst>
-          </p:cNvPr>
-          <p:cNvSpPr>
-            <a:spLocks noGrp="1"/>
-          </p:cNvSpPr>
-          <p:nvPr>
-            <p:ph idx="1"/>
-          </p:nvPr>
-        </p:nvSpPr>
-        <p:spPr>
-          <a:xfrm>
-            <a:off x="793660" y="2599509"/>
-            <a:ext cx="10119873" cy="3435531"/>
-          </a:xfrm>
-        </p:spPr>
-        <p:txBody>
-          <a:bodyPr anchor="ctr">
-            <a:normAutofit/>
-          </a:bodyPr>
-          <a:lstStyle/>
-          <a:p>
-            <a:r>
-              <a:rPr lang="en-US" sz="2000" dirty="0"/>
-              <a:t>The model might overfit to the specific volatility patterns of the provided dataset.</a:t>
-            </a:r>
-          </a:p>
-          <a:p>
-            <a:r>
-              <a:rPr lang="en-US" sz="2000" dirty="0"/>
-              <a:t>A simple 2-layer MLP may limit expressiveness compared to deeper architectures.</a:t>
-            </a:r>
-          </a:p>
-          <a:p>
-            <a:r>
-              <a:rPr lang="en-US" sz="2000" b="1" dirty="0"/>
-              <a:t>Possible Future Work: </a:t>
-            </a:r>
-          </a:p>
-          <a:p>
-            <a:pPr lvl="1"/>
-            <a:r>
-              <a:rPr lang="en-US" sz="1600" dirty="0"/>
-              <a:t>Implement Recurrent Neural Networks (RNNs) to capture time-series dependencies better. </a:t>
-            </a:r>
-          </a:p>
-          <a:p>
-            <a:pPr lvl="1"/>
-            <a:r>
-              <a:rPr lang="en-US" sz="1600" dirty="0"/>
-              <a:t>Replace heuristic EGT agents with other RL agents (Multi-Agent Reinforcement Learning) for a "smarter" enemy.</a:t>
-            </a:r>
-            <a:endParaRPr lang="en-US" sz="1600" b="1" dirty="0"/>
-          </a:p>
-        </p:txBody>
-      </p:sp>
-    </p:spTree>
-    <p:extLst>
-      <p:ext uri="{BB962C8B-B14F-4D97-AF65-F5344CB8AC3E}">
-        <p14:creationId xmlns:p14="http://schemas.microsoft.com/office/powerpoint/2010/main" val="2540789455"/>
-      </p:ext>
-    </p:extLst>
-  </p:cSld>
-  <p:clrMapOvr>
-    <a:masterClrMapping/>
-  </p:clrMapOvr>
-</p:sld>
-</file>
-
-<file path=ppt/slides/slide14.xml><?xml version="1.0" encoding="utf-8"?>
-<p:sld xmlns:a="http://schemas.openxmlformats.org/drawingml/2006/main" xmlns:r="http://schemas.openxmlformats.org/officeDocument/2006/relationships" xmlns:p="http://schemas.openxmlformats.org/presentationml/2006/main">
-  <p:cSld>
-    <p:bg>
-      <p:bgPr>
-        <a:solidFill>
-          <a:schemeClr val="bg1"/>
-        </a:solidFill>
-        <a:effectLst/>
-      </p:bgPr>
-    </p:bg>
-    <p:spTree>
-      <p:nvGrpSpPr>
-        <p:cNvPr id="1" name="">
-          <a:extLst>
-            <a:ext uri="{FF2B5EF4-FFF2-40B4-BE49-F238E27FC236}">
-              <a16:creationId xmlns:a16="http://schemas.microsoft.com/office/drawing/2014/main" id="{AE44F032-3989-26DC-9FE6-6125203BF16E}"/>
-            </a:ext>
-          </a:extLst>
-        </p:cNvPr>
-        <p:cNvGrpSpPr/>
-        <p:nvPr/>
-      </p:nvGrpSpPr>
-      <p:grpSpPr>
-        <a:xfrm>
-          <a:off x="0" y="0"/>
-          <a:ext cx="0" cy="0"/>
-          <a:chOff x="0" y="0"/>
-          <a:chExt cx="0" cy="0"/>
-        </a:xfrm>
-      </p:grpSpPr>
-      <p:sp useBgFill="1">
-        <p:nvSpPr>
-          <p:cNvPr id="8" name="Rectangle 7">
-            <a:extLst>
-              <a:ext uri="{FF2B5EF4-FFF2-40B4-BE49-F238E27FC236}">
-                <a16:creationId xmlns:a16="http://schemas.microsoft.com/office/drawing/2014/main" id="{B995BFA5-5D15-FB40-29A3-A56C49D9625C}"/>
-              </a:ext>
-              <a:ext uri="{C183D7F6-B498-43B3-948B-1728B52AA6E4}">
-                <adec:decorative xmlns:adec="http://schemas.microsoft.com/office/drawing/2017/decorative" val="1"/>
-              </a:ext>
-            </a:extLst>
-          </p:cNvPr>
-          <p:cNvSpPr>
-            <a:spLocks noGrp="1" noRot="1" noChangeAspect="1" noMove="1" noResize="1" noEditPoints="1" noAdjustHandles="1" noChangeArrowheads="1" noChangeShapeType="1" noTextEdit="1"/>
-          </p:cNvSpPr>
-          <p:nvPr>
-            <p:extLst>
-              <p:ext uri="{386F3935-93C4-4BCD-93E2-E3B085C9AB24}">
-                <p16:designElem xmlns:p16="http://schemas.microsoft.com/office/powerpoint/2015/main" val="1"/>
-              </p:ext>
-            </p:extLst>
-          </p:nvPr>
-        </p:nvSpPr>
-        <p:spPr>
-          <a:xfrm>
-            <a:off x="0" y="0"/>
-            <a:ext cx="12191999" cy="6857365"/>
-          </a:xfrm>
-          <a:prstGeom prst="rect">
-            <a:avLst/>
-          </a:prstGeom>
-          <a:ln>
-            <a:noFill/>
-          </a:ln>
-        </p:spPr>
-        <p:style>
-          <a:lnRef idx="2">
-            <a:schemeClr val="accent1">
-              <a:shade val="50000"/>
-            </a:schemeClr>
-          </a:lnRef>
-          <a:fillRef idx="1">
-            <a:schemeClr val="accent1"/>
-          </a:fillRef>
-          <a:effectRef idx="0">
-            <a:schemeClr val="accent1"/>
-          </a:effectRef>
-          <a:fontRef idx="minor">
-            <a:schemeClr val="lt1"/>
-          </a:fontRef>
-        </p:style>
-        <p:txBody>
-          <a:bodyPr rtlCol="0" anchor="ctr"/>
-          <a:lstStyle/>
-          <a:p>
-            <a:pPr algn="ctr"/>
-            <a:endParaRPr lang="en-US"/>
-          </a:p>
-        </p:txBody>
-      </p:sp>
-      <p:sp>
-        <p:nvSpPr>
-          <p:cNvPr id="2" name="Title 1">
-            <a:extLst>
-              <a:ext uri="{FF2B5EF4-FFF2-40B4-BE49-F238E27FC236}">
-                <a16:creationId xmlns:a16="http://schemas.microsoft.com/office/drawing/2014/main" id="{4626F5ED-D8BA-33C5-574B-C688B1A765D0}"/>
-              </a:ext>
-            </a:extLst>
-          </p:cNvPr>
-          <p:cNvSpPr>
-            <a:spLocks noGrp="1"/>
-          </p:cNvSpPr>
-          <p:nvPr>
-            <p:ph type="title"/>
-          </p:nvPr>
-        </p:nvSpPr>
-        <p:spPr>
-          <a:xfrm>
-            <a:off x="808638" y="386930"/>
-            <a:ext cx="9236700" cy="1188950"/>
-          </a:xfrm>
-        </p:spPr>
-        <p:txBody>
-          <a:bodyPr anchor="b">
-            <a:normAutofit/>
-          </a:bodyPr>
-          <a:lstStyle/>
-          <a:p>
-            <a:r>
-              <a:rPr lang="en-US" sz="4600" b="1" dirty="0"/>
-              <a:t>Conclusion</a:t>
-            </a:r>
-            <a:endParaRPr lang="en-US" sz="4600" dirty="0"/>
-          </a:p>
-        </p:txBody>
-      </p:sp>
-      <p:grpSp>
-        <p:nvGrpSpPr>
-          <p:cNvPr id="10" name="Group 9">
-            <a:extLst>
-              <a:ext uri="{FF2B5EF4-FFF2-40B4-BE49-F238E27FC236}">
-                <a16:creationId xmlns:a16="http://schemas.microsoft.com/office/drawing/2014/main" id="{80BD6F1F-E3F6-CB99-60AC-EF3B501AB15A}"/>
-              </a:ext>
-              <a:ext uri="{C183D7F6-B498-43B3-948B-1728B52AA6E4}">
-                <adec:decorative xmlns:adec="http://schemas.microsoft.com/office/drawing/2017/decorative" val="1"/>
-              </a:ext>
-            </a:extLst>
-          </p:cNvPr>
-          <p:cNvGrpSpPr>
-            <a:grpSpLocks noGrp="1" noUngrp="1" noRot="1" noChangeAspect="1" noMove="1" noResize="1"/>
-          </p:cNvGrpSpPr>
-          <p:nvPr>
-            <p:extLst>
-              <p:ext uri="{386F3935-93C4-4BCD-93E2-E3B085C9AB24}">
-                <p16:designElem xmlns:p16="http://schemas.microsoft.com/office/powerpoint/2015/main" val="1"/>
-              </p:ext>
-            </p:extLst>
-          </p:nvPr>
-        </p:nvGrpSpPr>
-        <p:grpSpPr>
-          <a:xfrm>
-            <a:off x="-2" y="1998368"/>
-            <a:ext cx="11695083" cy="782176"/>
-            <a:chOff x="-2" y="1998368"/>
-            <a:chExt cx="11695083" cy="782176"/>
-          </a:xfrm>
-        </p:grpSpPr>
-        <p:sp>
-          <p:nvSpPr>
-            <p:cNvPr id="11" name="Rectangle 10">
-              <a:extLst>
-                <a:ext uri="{FF2B5EF4-FFF2-40B4-BE49-F238E27FC236}">
-                  <a16:creationId xmlns:a16="http://schemas.microsoft.com/office/drawing/2014/main" id="{7808BA69-4B21-1B00-BBB5-4C046B5A8E83}"/>
-                </a:ext>
-                <a:ext uri="{C183D7F6-B498-43B3-948B-1728B52AA6E4}">
-                  <adec:decorative xmlns:adec="http://schemas.microsoft.com/office/drawing/2017/decorative" val="1"/>
-                </a:ext>
-              </a:extLst>
-            </p:cNvPr>
-            <p:cNvSpPr/>
-            <p:nvPr>
-              <p:extLst>
-                <p:ext uri="{386F3935-93C4-4BCD-93E2-E3B085C9AB24}">
-                  <p16:designElem xmlns:p16="http://schemas.microsoft.com/office/powerpoint/2015/main" val="1"/>
-                </p:ext>
-              </p:extLst>
-            </p:nvPr>
-          </p:nvSpPr>
-          <p:spPr>
-            <a:xfrm rot="5400000">
-              <a:off x="11228040" y="2313027"/>
-              <a:ext cx="781700" cy="152382"/>
-            </a:xfrm>
-            <a:prstGeom prst="rect">
-              <a:avLst/>
-            </a:prstGeom>
-            <a:solidFill>
-              <a:schemeClr val="accent4"/>
-            </a:solidFill>
-            <a:ln>
-              <a:noFill/>
-            </a:ln>
-          </p:spPr>
-          <p:style>
-            <a:lnRef idx="2">
-              <a:schemeClr val="accent1">
-                <a:shade val="50000"/>
-              </a:schemeClr>
-            </a:lnRef>
-            <a:fillRef idx="1">
-              <a:schemeClr val="accent1"/>
-            </a:fillRef>
-            <a:effectRef idx="0">
-              <a:schemeClr val="accent1"/>
-            </a:effectRef>
-            <a:fontRef idx="minor">
-              <a:schemeClr val="lt1"/>
-            </a:fontRef>
-          </p:style>
-          <p:txBody>
-            <a:bodyPr rtlCol="0" anchor="ctr"/>
-            <a:lstStyle/>
-            <a:p>
-              <a:pPr algn="ctr"/>
-              <a:endParaRPr lang="en-US"/>
-            </a:p>
-          </p:txBody>
-        </p:sp>
-        <p:sp>
-          <p:nvSpPr>
-            <p:cNvPr id="12" name="Rectangle 11">
-              <a:extLst>
-                <a:ext uri="{FF2B5EF4-FFF2-40B4-BE49-F238E27FC236}">
-                  <a16:creationId xmlns:a16="http://schemas.microsoft.com/office/drawing/2014/main" id="{6737311D-8D8B-61C4-CDED-8362D76C52B6}"/>
-                </a:ext>
-                <a:ext uri="{C183D7F6-B498-43B3-948B-1728B52AA6E4}">
-                  <adec:decorative xmlns:adec="http://schemas.microsoft.com/office/drawing/2017/decorative" val="1"/>
-                </a:ext>
-              </a:extLst>
-            </p:cNvPr>
-            <p:cNvSpPr/>
-            <p:nvPr>
-              <p:extLst>
-                <p:ext uri="{386F3935-93C4-4BCD-93E2-E3B085C9AB24}">
-                  <p16:designElem xmlns:p16="http://schemas.microsoft.com/office/powerpoint/2015/main" val="1"/>
-                </p:ext>
-              </p:extLst>
-            </p:nvPr>
-          </p:nvSpPr>
-          <p:spPr>
-            <a:xfrm flipH="1" flipV="1">
-              <a:off x="-2" y="1998845"/>
-              <a:ext cx="11454595" cy="781699"/>
-            </a:xfrm>
-            <a:prstGeom prst="rect">
-              <a:avLst/>
-            </a:prstGeom>
-            <a:solidFill>
-              <a:schemeClr val="accent4"/>
-            </a:solidFill>
-            <a:ln>
-              <a:noFill/>
-            </a:ln>
-          </p:spPr>
-          <p:style>
-            <a:lnRef idx="2">
-              <a:schemeClr val="accent1">
-                <a:shade val="50000"/>
-              </a:schemeClr>
-            </a:lnRef>
-            <a:fillRef idx="1">
-              <a:schemeClr val="accent1"/>
-            </a:fillRef>
-            <a:effectRef idx="0">
-              <a:schemeClr val="accent1"/>
-            </a:effectRef>
-            <a:fontRef idx="minor">
-              <a:schemeClr val="lt1"/>
-            </a:fontRef>
-          </p:style>
-          <p:txBody>
-            <a:bodyPr rtlCol="0" anchor="ctr"/>
-            <a:lstStyle/>
-            <a:p>
-              <a:pPr algn="ctr"/>
-              <a:endParaRPr lang="en-US"/>
-            </a:p>
-          </p:txBody>
-        </p:sp>
-      </p:grpSp>
-      <p:sp>
-        <p:nvSpPr>
-          <p:cNvPr id="14" name="Rectangle 13">
-            <a:extLst>
-              <a:ext uri="{FF2B5EF4-FFF2-40B4-BE49-F238E27FC236}">
-                <a16:creationId xmlns:a16="http://schemas.microsoft.com/office/drawing/2014/main" id="{171F1874-747B-65D8-AAA2-BA7A6621E92E}"/>
-              </a:ext>
-              <a:ext uri="{C183D7F6-B498-43B3-948B-1728B52AA6E4}">
-                <adec:decorative xmlns:adec="http://schemas.microsoft.com/office/drawing/2017/decorative" val="1"/>
-              </a:ext>
-            </a:extLst>
-          </p:cNvPr>
-          <p:cNvSpPr>
-            <a:spLocks noGrp="1" noRot="1" noChangeAspect="1" noMove="1" noResize="1" noEditPoints="1" noAdjustHandles="1" noChangeArrowheads="1" noChangeShapeType="1" noTextEdit="1"/>
-          </p:cNvSpPr>
-          <p:nvPr>
-            <p:extLst>
-              <p:ext uri="{386F3935-93C4-4BCD-93E2-E3B085C9AB24}">
-                <p16:designElem xmlns:p16="http://schemas.microsoft.com/office/powerpoint/2015/main" val="1"/>
-              </p:ext>
-            </p:extLst>
-          </p:nvPr>
-        </p:nvSpPr>
-        <p:spPr>
-          <a:xfrm>
-            <a:off x="0" y="2203079"/>
-            <a:ext cx="11383362" cy="4147845"/>
-          </a:xfrm>
-          <a:prstGeom prst="rect">
-            <a:avLst/>
-          </a:prstGeom>
-          <a:solidFill>
-            <a:schemeClr val="bg1"/>
-          </a:solidFill>
-          <a:ln>
-            <a:noFill/>
-          </a:ln>
-          <a:effectLst>
-            <a:outerShdw blurRad="139700" dist="127000" dir="5400000" algn="t" rotWithShape="0">
-              <a:prstClr val="black">
-                <a:alpha val="15000"/>
-              </a:prstClr>
-            </a:outerShdw>
-          </a:effectLst>
-        </p:spPr>
-        <p:style>
-          <a:lnRef idx="2">
-            <a:schemeClr val="accent1">
-              <a:shade val="50000"/>
-            </a:schemeClr>
-          </a:lnRef>
-          <a:fillRef idx="1">
-            <a:schemeClr val="accent1"/>
-          </a:fillRef>
-          <a:effectRef idx="0">
-            <a:schemeClr val="accent1"/>
-          </a:effectRef>
-          <a:fontRef idx="minor">
-            <a:schemeClr val="lt1"/>
-          </a:fontRef>
-        </p:style>
-        <p:txBody>
-          <a:bodyPr rtlCol="0" anchor="ctr"/>
-          <a:lstStyle/>
-          <a:p>
-            <a:pPr algn="ctr"/>
-            <a:endParaRPr lang="en-US"/>
-          </a:p>
-        </p:txBody>
-      </p:sp>
-      <p:sp>
-        <p:nvSpPr>
-          <p:cNvPr id="3" name="Content Placeholder 2">
-            <a:extLst>
-              <a:ext uri="{FF2B5EF4-FFF2-40B4-BE49-F238E27FC236}">
-                <a16:creationId xmlns:a16="http://schemas.microsoft.com/office/drawing/2014/main" id="{14180F32-E6BE-5841-22B1-54EBCDB0570E}"/>
-              </a:ext>
-            </a:extLst>
-          </p:cNvPr>
-          <p:cNvSpPr>
-            <a:spLocks noGrp="1"/>
-          </p:cNvSpPr>
-          <p:nvPr>
-            <p:ph idx="1"/>
-          </p:nvPr>
-        </p:nvSpPr>
-        <p:spPr>
-          <a:xfrm>
-            <a:off x="793660" y="2599509"/>
-            <a:ext cx="10119873" cy="3435531"/>
-          </a:xfrm>
-        </p:spPr>
-        <p:txBody>
-          <a:bodyPr anchor="ctr">
-            <a:normAutofit/>
-          </a:bodyPr>
-          <a:lstStyle/>
-          <a:p>
-            <a:r>
-              <a:rPr lang="en-US" sz="2000" dirty="0"/>
+              <a:rPr lang="en-US" sz="2400"/>
               <a:t>We successfully built a simulation where a Neural Network agent fought against an evolving Genetic Algorithm population.</a:t>
             </a:r>
           </a:p>
           <a:p>
             <a:r>
-              <a:rPr lang="en-US" sz="2000" dirty="0"/>
+              <a:rPr lang="en-US" sz="2400"/>
               <a:t>The agent didn't just memorize prices; it learned Safe AI behaviors (inventory management) and Strategic Adaptation (countering aggressive traders).</a:t>
             </a:r>
           </a:p>
           <a:p>
             <a:r>
-              <a:rPr lang="en-US" sz="2000" dirty="0"/>
+              <a:rPr lang="en-US" sz="2400"/>
               <a:t>This proves that RL agents can survive and stabilize in non-stationary, adversarial environments, a crucial step for deploying AI in the real world.</a:t>
             </a:r>
           </a:p>
@@ -8212,10 +8620,10 @@
       </p:grpSpPr>
       <p:sp useBgFill="1">
         <p:nvSpPr>
-          <p:cNvPr id="8" name="Rectangle 7">
-            <a:extLst>
-              <a:ext uri="{FF2B5EF4-FFF2-40B4-BE49-F238E27FC236}">
-                <a16:creationId xmlns:a16="http://schemas.microsoft.com/office/drawing/2014/main" id="{F628F126-7F05-A115-8896-9FE6506AB70B}"/>
+          <p:cNvPr id="19" name="Rectangle 18">
+            <a:extLst>
+              <a:ext uri="{FF2B5EF4-FFF2-40B4-BE49-F238E27FC236}">
+                <a16:creationId xmlns:a16="http://schemas.microsoft.com/office/drawing/2014/main" id="{058A14AF-9FB5-4CC7-BA35-E8E85D3EDF0E}"/>
               </a:ext>
               <a:ext uri="{C183D7F6-B498-43B3-948B-1728B52AA6E4}">
                 <adec:decorative xmlns:adec="http://schemas.microsoft.com/office/drawing/2017/decorative" val="1"/>
@@ -8288,6 +8696,469 @@
         </p:nvSpPr>
         <p:spPr>
           <a:xfrm>
+            <a:off x="793662" y="386930"/>
+            <a:ext cx="10066122" cy="1298448"/>
+          </a:xfrm>
+        </p:spPr>
+        <p:txBody>
+          <a:bodyPr anchor="b">
+            <a:normAutofit/>
+          </a:bodyPr>
+          <a:lstStyle/>
+          <a:p>
+            <a:r>
+              <a:rPr lang="en-US" sz="4800" b="1"/>
+              <a:t>Experimental Setup and Data</a:t>
+            </a:r>
+            <a:endParaRPr lang="en-US" sz="4800"/>
+          </a:p>
+        </p:txBody>
+      </p:sp>
+      <p:sp>
+        <p:nvSpPr>
+          <p:cNvPr id="21" name="Rectangle 20">
+            <a:extLst>
+              <a:ext uri="{FF2B5EF4-FFF2-40B4-BE49-F238E27FC236}">
+                <a16:creationId xmlns:a16="http://schemas.microsoft.com/office/drawing/2014/main" id="{3A9A4357-BD1D-4622-A4FE-766E6AB8DE84}"/>
+              </a:ext>
+              <a:ext uri="{C183D7F6-B498-43B3-948B-1728B52AA6E4}">
+                <adec:decorative xmlns:adec="http://schemas.microsoft.com/office/drawing/2017/decorative" val="1"/>
+              </a:ext>
+            </a:extLst>
+          </p:cNvPr>
+          <p:cNvSpPr>
+            <a:spLocks noGrp="1" noRot="1" noChangeAspect="1" noMove="1" noResize="1" noEditPoints="1" noAdjustHandles="1" noChangeArrowheads="1" noChangeShapeType="1" noTextEdit="1"/>
+          </p:cNvSpPr>
+          <p:nvPr>
+            <p:extLst>
+              <p:ext uri="{386F3935-93C4-4BCD-93E2-E3B085C9AB24}">
+                <p16:designElem xmlns:p16="http://schemas.microsoft.com/office/powerpoint/2015/main" val="1"/>
+              </p:ext>
+            </p:extLst>
+          </p:nvPr>
+        </p:nvSpPr>
+        <p:spPr>
+          <a:xfrm flipH="1" flipV="1">
+            <a:off x="-2" y="1998845"/>
+            <a:ext cx="11454595" cy="781699"/>
+          </a:xfrm>
+          <a:prstGeom prst="rect">
+            <a:avLst/>
+          </a:prstGeom>
+          <a:solidFill>
+            <a:schemeClr val="accent4"/>
+          </a:solidFill>
+          <a:ln>
+            <a:noFill/>
+          </a:ln>
+        </p:spPr>
+        <p:style>
+          <a:lnRef idx="2">
+            <a:schemeClr val="accent1">
+              <a:shade val="50000"/>
+            </a:schemeClr>
+          </a:lnRef>
+          <a:fillRef idx="1">
+            <a:schemeClr val="accent1"/>
+          </a:fillRef>
+          <a:effectRef idx="0">
+            <a:schemeClr val="accent1"/>
+          </a:effectRef>
+          <a:fontRef idx="minor">
+            <a:schemeClr val="lt1"/>
+          </a:fontRef>
+        </p:style>
+        <p:txBody>
+          <a:bodyPr rtlCol="0" anchor="ctr"/>
+          <a:lstStyle/>
+          <a:p>
+            <a:pPr algn="ctr"/>
+            <a:endParaRPr lang="en-US"/>
+          </a:p>
+        </p:txBody>
+      </p:sp>
+      <p:sp>
+        <p:nvSpPr>
+          <p:cNvPr id="23" name="Rectangle 22">
+            <a:extLst>
+              <a:ext uri="{FF2B5EF4-FFF2-40B4-BE49-F238E27FC236}">
+                <a16:creationId xmlns:a16="http://schemas.microsoft.com/office/drawing/2014/main" id="{E659831F-0D9A-4C63-9EBB-8435B85A440F}"/>
+              </a:ext>
+              <a:ext uri="{C183D7F6-B498-43B3-948B-1728B52AA6E4}">
+                <adec:decorative xmlns:adec="http://schemas.microsoft.com/office/drawing/2017/decorative" val="1"/>
+              </a:ext>
+            </a:extLst>
+          </p:cNvPr>
+          <p:cNvSpPr>
+            <a:spLocks noGrp="1" noRot="1" noChangeAspect="1" noMove="1" noResize="1" noEditPoints="1" noAdjustHandles="1" noChangeArrowheads="1" noChangeShapeType="1" noTextEdit="1"/>
+          </p:cNvSpPr>
+          <p:nvPr>
+            <p:extLst>
+              <p:ext uri="{386F3935-93C4-4BCD-93E2-E3B085C9AB24}">
+                <p16:designElem xmlns:p16="http://schemas.microsoft.com/office/powerpoint/2015/main" val="1"/>
+              </p:ext>
+            </p:extLst>
+          </p:nvPr>
+        </p:nvSpPr>
+        <p:spPr>
+          <a:xfrm>
+            <a:off x="0" y="2203079"/>
+            <a:ext cx="11383362" cy="4267991"/>
+          </a:xfrm>
+          <a:prstGeom prst="rect">
+            <a:avLst/>
+          </a:prstGeom>
+          <a:solidFill>
+            <a:schemeClr val="bg1"/>
+          </a:solidFill>
+          <a:ln>
+            <a:noFill/>
+          </a:ln>
+          <a:effectLst>
+            <a:outerShdw blurRad="139700" dist="127000" dir="5400000" algn="t" rotWithShape="0">
+              <a:prstClr val="black">
+                <a:alpha val="15000"/>
+              </a:prstClr>
+            </a:outerShdw>
+          </a:effectLst>
+        </p:spPr>
+        <p:style>
+          <a:lnRef idx="2">
+            <a:schemeClr val="accent1">
+              <a:shade val="50000"/>
+            </a:schemeClr>
+          </a:lnRef>
+          <a:fillRef idx="1">
+            <a:schemeClr val="accent1"/>
+          </a:fillRef>
+          <a:effectRef idx="0">
+            <a:schemeClr val="accent1"/>
+          </a:effectRef>
+          <a:fontRef idx="minor">
+            <a:schemeClr val="lt1"/>
+          </a:fontRef>
+        </p:style>
+        <p:txBody>
+          <a:bodyPr rtlCol="0" anchor="ctr"/>
+          <a:lstStyle/>
+          <a:p>
+            <a:pPr algn="ctr"/>
+            <a:endParaRPr lang="en-US"/>
+          </a:p>
+        </p:txBody>
+      </p:sp>
+      <p:sp>
+        <p:nvSpPr>
+          <p:cNvPr id="3" name="Content Placeholder 2">
+            <a:extLst>
+              <a:ext uri="{FF2B5EF4-FFF2-40B4-BE49-F238E27FC236}">
+                <a16:creationId xmlns:a16="http://schemas.microsoft.com/office/drawing/2014/main" id="{429159F8-C27C-AEEF-AB86-570268A50C78}"/>
+              </a:ext>
+            </a:extLst>
+          </p:cNvPr>
+          <p:cNvSpPr>
+            <a:spLocks noGrp="1"/>
+          </p:cNvSpPr>
+          <p:nvPr>
+            <p:ph idx="1"/>
+          </p:nvPr>
+        </p:nvSpPr>
+        <p:spPr>
+          <a:xfrm>
+            <a:off x="793661" y="2599509"/>
+            <a:ext cx="4530898" cy="3639450"/>
+          </a:xfrm>
+        </p:spPr>
+        <p:txBody>
+          <a:bodyPr anchor="ctr">
+            <a:normAutofit/>
+          </a:bodyPr>
+          <a:lstStyle/>
+          <a:p>
+            <a:r>
+              <a:rPr lang="en-US" sz="1300" b="1"/>
+              <a:t>Environment: </a:t>
+            </a:r>
+            <a:r>
+              <a:rPr lang="en-US" sz="1300"/>
+              <a:t>A simulated order-book market where agents interact via "crossing quotes.</a:t>
+            </a:r>
+          </a:p>
+          <a:p>
+            <a:r>
+              <a:rPr lang="en-US" sz="1300" b="1"/>
+              <a:t>Data Source: </a:t>
+            </a:r>
+            <a:r>
+              <a:rPr lang="en-US" sz="1300"/>
+              <a:t>Real OHLCV data provides the seed for price, volatility, and momentum.</a:t>
+            </a:r>
+          </a:p>
+          <a:p>
+            <a:r>
+              <a:rPr lang="en-US" sz="1300" b="1"/>
+              <a:t>Input Features: </a:t>
+            </a:r>
+            <a:r>
+              <a:rPr lang="en-US" sz="1300"/>
+              <a:t>The agent observes 6 features: Volatility, RSI, Momentum, Normalized Volume, Inventory, and Time Remaining.</a:t>
+            </a:r>
+          </a:p>
+          <a:p>
+            <a:r>
+              <a:rPr lang="en-US" sz="1300" b="1"/>
+              <a:t>Reproducibility: </a:t>
+            </a:r>
+            <a:r>
+              <a:rPr lang="en-US" sz="1300"/>
+              <a:t>There is a seed feature which enables accurate reproduction of results despite the required randomness.</a:t>
+            </a:r>
+            <a:endParaRPr lang="en-US" sz="1300" b="1"/>
+          </a:p>
+          <a:p>
+            <a:r>
+              <a:rPr lang="en-US" sz="1300" b="1"/>
+              <a:t>Goal: </a:t>
+            </a:r>
+            <a:r>
+              <a:rPr lang="en-US" sz="1300"/>
+              <a:t>Maximize a Hybrid Reward function (Profit + Spread Capture + Risk Penalty). </a:t>
+            </a:r>
+          </a:p>
+          <a:p>
+            <a:r>
+              <a:rPr lang="en-US" sz="1300" b="1"/>
+              <a:t>External Tools/Libraries used: </a:t>
+            </a:r>
+            <a:r>
+              <a:rPr lang="en-US" sz="1300"/>
+              <a:t>Python, TensorFlow/Keras (Deep Learning/Neural Network), NumPy &amp; Pandas (Data Processing), SciPy (Analytics), and Matplotlib (Visualization).</a:t>
+            </a:r>
+            <a:endParaRPr lang="en-US" sz="1300" b="1"/>
+          </a:p>
+        </p:txBody>
+      </p:sp>
+      <p:pic>
+        <p:nvPicPr>
+          <p:cNvPr id="5" name="Picture 4" descr="A graph showing the price of a stock market&#10;&#10;AI-generated content may be incorrect.">
+            <a:extLst>
+              <a:ext uri="{FF2B5EF4-FFF2-40B4-BE49-F238E27FC236}">
+                <a16:creationId xmlns:a16="http://schemas.microsoft.com/office/drawing/2014/main" id="{F09E981B-C047-DF2A-FCBB-02D7C9417A63}"/>
+              </a:ext>
+            </a:extLst>
+          </p:cNvPr>
+          <p:cNvPicPr>
+            <a:picLocks noChangeAspect="1"/>
+          </p:cNvPicPr>
+          <p:nvPr/>
+        </p:nvPicPr>
+        <p:blipFill>
+          <a:blip r:embed="rId3">
+            <a:extLst>
+              <a:ext uri="{28A0092B-C50C-407E-A947-70E740481C1C}">
+                <a14:useLocalDpi xmlns:a14="http://schemas.microsoft.com/office/drawing/2010/main" val="0"/>
+              </a:ext>
+            </a:extLst>
+          </a:blip>
+          <a:stretch>
+            <a:fillRect/>
+          </a:stretch>
+        </p:blipFill>
+        <p:spPr>
+          <a:xfrm>
+            <a:off x="6010509" y="2484255"/>
+            <a:ext cx="4952322" cy="3714244"/>
+          </a:xfrm>
+          <a:prstGeom prst="rect">
+            <a:avLst/>
+          </a:prstGeom>
+        </p:spPr>
+      </p:pic>
+      <p:sp>
+        <p:nvSpPr>
+          <p:cNvPr id="25" name="Rectangle 24">
+            <a:extLst>
+              <a:ext uri="{FF2B5EF4-FFF2-40B4-BE49-F238E27FC236}">
+                <a16:creationId xmlns:a16="http://schemas.microsoft.com/office/drawing/2014/main" id="{E6995CE5-F890-4ABA-82A2-26507CE8D2A3}"/>
+              </a:ext>
+              <a:ext uri="{C183D7F6-B498-43B3-948B-1728B52AA6E4}">
+                <adec:decorative xmlns:adec="http://schemas.microsoft.com/office/drawing/2017/decorative" val="1"/>
+              </a:ext>
+            </a:extLst>
+          </p:cNvPr>
+          <p:cNvSpPr>
+            <a:spLocks noGrp="1" noRot="1" noChangeAspect="1" noMove="1" noResize="1" noEditPoints="1" noAdjustHandles="1" noChangeArrowheads="1" noChangeShapeType="1" noTextEdit="1"/>
+          </p:cNvSpPr>
+          <p:nvPr>
+            <p:extLst>
+              <p:ext uri="{386F3935-93C4-4BCD-93E2-E3B085C9AB24}">
+                <p16:designElem xmlns:p16="http://schemas.microsoft.com/office/powerpoint/2015/main" val="1"/>
+              </p:ext>
+            </p:extLst>
+          </p:nvPr>
+        </p:nvSpPr>
+        <p:spPr>
+          <a:xfrm rot="5400000">
+            <a:off x="11228040" y="2313027"/>
+            <a:ext cx="781700" cy="152382"/>
+          </a:xfrm>
+          <a:prstGeom prst="rect">
+            <a:avLst/>
+          </a:prstGeom>
+          <a:solidFill>
+            <a:schemeClr val="accent4"/>
+          </a:solidFill>
+          <a:ln>
+            <a:noFill/>
+          </a:ln>
+        </p:spPr>
+        <p:style>
+          <a:lnRef idx="2">
+            <a:schemeClr val="accent1">
+              <a:shade val="50000"/>
+            </a:schemeClr>
+          </a:lnRef>
+          <a:fillRef idx="1">
+            <a:schemeClr val="accent1"/>
+          </a:fillRef>
+          <a:effectRef idx="0">
+            <a:schemeClr val="accent1"/>
+          </a:effectRef>
+          <a:fontRef idx="minor">
+            <a:schemeClr val="lt1"/>
+          </a:fontRef>
+        </p:style>
+        <p:txBody>
+          <a:bodyPr rtlCol="0" anchor="ctr"/>
+          <a:lstStyle/>
+          <a:p>
+            <a:pPr algn="ctr"/>
+            <a:endParaRPr lang="en-US"/>
+          </a:p>
+        </p:txBody>
+      </p:sp>
+    </p:spTree>
+    <p:extLst>
+      <p:ext uri="{BB962C8B-B14F-4D97-AF65-F5344CB8AC3E}">
+        <p14:creationId xmlns:p14="http://schemas.microsoft.com/office/powerpoint/2010/main" val="3219614545"/>
+      </p:ext>
+    </p:extLst>
+  </p:cSld>
+  <p:clrMapOvr>
+    <a:masterClrMapping/>
+  </p:clrMapOvr>
+</p:sld>
+</file>
+
+<file path=ppt/slides/slide4.xml><?xml version="1.0" encoding="utf-8"?>
+<p:sld xmlns:a="http://schemas.openxmlformats.org/drawingml/2006/main" xmlns:r="http://schemas.openxmlformats.org/officeDocument/2006/relationships" xmlns:p="http://schemas.openxmlformats.org/presentationml/2006/main">
+  <p:cSld>
+    <p:bg>
+      <p:bgPr>
+        <a:solidFill>
+          <a:schemeClr val="bg1"/>
+        </a:solidFill>
+        <a:effectLst/>
+      </p:bgPr>
+    </p:bg>
+    <p:spTree>
+      <p:nvGrpSpPr>
+        <p:cNvPr id="1" name="">
+          <a:extLst>
+            <a:ext uri="{FF2B5EF4-FFF2-40B4-BE49-F238E27FC236}">
+              <a16:creationId xmlns:a16="http://schemas.microsoft.com/office/drawing/2014/main" id="{1468288A-AD10-A3B7-813D-51DF7C3888FD}"/>
+            </a:ext>
+          </a:extLst>
+        </p:cNvPr>
+        <p:cNvGrpSpPr/>
+        <p:nvPr/>
+      </p:nvGrpSpPr>
+      <p:grpSpPr>
+        <a:xfrm>
+          <a:off x="0" y="0"/>
+          <a:ext cx="0" cy="0"/>
+          <a:chOff x="0" y="0"/>
+          <a:chExt cx="0" cy="0"/>
+        </a:xfrm>
+      </p:grpSpPr>
+      <p:sp useBgFill="1">
+        <p:nvSpPr>
+          <p:cNvPr id="19" name="Rectangle 18">
+            <a:extLst>
+              <a:ext uri="{FF2B5EF4-FFF2-40B4-BE49-F238E27FC236}">
+                <a16:creationId xmlns:a16="http://schemas.microsoft.com/office/drawing/2014/main" id="{DBF61EA3-B236-439E-9C0B-340980D56BEE}"/>
+              </a:ext>
+              <a:ext uri="{C183D7F6-B498-43B3-948B-1728B52AA6E4}">
+                <adec:decorative xmlns:adec="http://schemas.microsoft.com/office/drawing/2017/decorative" val="1"/>
+              </a:ext>
+            </a:extLst>
+          </p:cNvPr>
+          <p:cNvSpPr>
+            <a:spLocks noGrp="1" noRot="1" noChangeAspect="1" noMove="1" noResize="1" noEditPoints="1" noAdjustHandles="1" noChangeArrowheads="1" noChangeShapeType="1" noTextEdit="1"/>
+          </p:cNvSpPr>
+          <p:nvPr>
+            <p:extLst>
+              <p:ext uri="{386F3935-93C4-4BCD-93E2-E3B085C9AB24}">
+                <p16:designElem xmlns:p16="http://schemas.microsoft.com/office/powerpoint/2015/main" val="1"/>
+              </p:ext>
+            </p:extLst>
+          </p:nvPr>
+        </p:nvSpPr>
+        <p:spPr>
+          <a:xfrm>
+            <a:off x="0" y="0"/>
+            <a:ext cx="12191999" cy="6857365"/>
+          </a:xfrm>
+          <a:prstGeom prst="rect">
+            <a:avLst/>
+          </a:prstGeom>
+          <a:ln>
+            <a:noFill/>
+          </a:ln>
+        </p:spPr>
+        <p:style>
+          <a:lnRef idx="2">
+            <a:schemeClr val="accent1">
+              <a:shade val="50000"/>
+            </a:schemeClr>
+          </a:lnRef>
+          <a:fillRef idx="1">
+            <a:schemeClr val="accent1"/>
+          </a:fillRef>
+          <a:effectRef idx="0">
+            <a:schemeClr val="accent1"/>
+          </a:effectRef>
+          <a:fontRef idx="minor">
+            <a:schemeClr val="lt1"/>
+          </a:fontRef>
+        </p:style>
+        <p:txBody>
+          <a:bodyPr rtlCol="0" anchor="ctr"/>
+          <a:lstStyle/>
+          <a:p>
+            <a:pPr algn="ctr"/>
+            <a:endParaRPr lang="en-US"/>
+          </a:p>
+        </p:txBody>
+      </p:sp>
+      <p:sp>
+        <p:nvSpPr>
+          <p:cNvPr id="2" name="Title 1">
+            <a:extLst>
+              <a:ext uri="{FF2B5EF4-FFF2-40B4-BE49-F238E27FC236}">
+                <a16:creationId xmlns:a16="http://schemas.microsoft.com/office/drawing/2014/main" id="{EEEECE88-5BF6-6385-E38F-D8FB8A9AAD28}"/>
+              </a:ext>
+            </a:extLst>
+          </p:cNvPr>
+          <p:cNvSpPr>
+            <a:spLocks noGrp="1"/>
+          </p:cNvSpPr>
+          <p:nvPr>
+            <p:ph type="title"/>
+          </p:nvPr>
+        </p:nvSpPr>
+        <p:spPr>
+          <a:xfrm>
             <a:off x="808638" y="386930"/>
             <a:ext cx="9236700" cy="1188950"/>
           </a:xfrm>
@@ -8299,19 +9170,19 @@
           <a:lstStyle/>
           <a:p>
             <a:r>
-              <a:rPr lang="en-US" sz="4600" b="1" dirty="0"/>
-              <a:t>Experimental Setup and Data</a:t>
-            </a:r>
-            <a:endParaRPr lang="en-US" sz="4600" dirty="0"/>
+              <a:rPr lang="en-US" sz="5400" b="1"/>
+              <a:t>Agent Architecture</a:t>
+            </a:r>
+            <a:endParaRPr lang="en-US" sz="5400"/>
           </a:p>
         </p:txBody>
       </p:sp>
       <p:grpSp>
         <p:nvGrpSpPr>
-          <p:cNvPr id="10" name="Group 9">
-            <a:extLst>
-              <a:ext uri="{FF2B5EF4-FFF2-40B4-BE49-F238E27FC236}">
-                <a16:creationId xmlns:a16="http://schemas.microsoft.com/office/drawing/2014/main" id="{C1EDA5D3-1CBB-19D5-6061-3AB2AD03C32F}"/>
+          <p:cNvPr id="21" name="Group 20">
+            <a:extLst>
+              <a:ext uri="{FF2B5EF4-FFF2-40B4-BE49-F238E27FC236}">
+                <a16:creationId xmlns:a16="http://schemas.microsoft.com/office/drawing/2014/main" id="{28FAF094-D087-493F-8DF9-A486C2D6BBAA}"/>
               </a:ext>
               <a:ext uri="{C183D7F6-B498-43B3-948B-1728B52AA6E4}">
                 <adec:decorative xmlns:adec="http://schemas.microsoft.com/office/drawing/2017/decorative" val="1"/>
@@ -8339,10 +9210,10 @@
         </p:grpSpPr>
         <p:sp>
           <p:nvSpPr>
-            <p:cNvPr id="11" name="Rectangle 10">
+            <p:cNvPr id="22" name="Rectangle 21">
               <a:extLst>
                 <a:ext uri="{FF2B5EF4-FFF2-40B4-BE49-F238E27FC236}">
-                  <a16:creationId xmlns:a16="http://schemas.microsoft.com/office/drawing/2014/main" id="{FCA518F6-86ED-C813-A8C7-617DCBBC1849}"/>
+                  <a16:creationId xmlns:a16="http://schemas.microsoft.com/office/drawing/2014/main" id="{8D7C88D8-5509-4514-925A-9CE148E5CBD6}"/>
                 </a:ext>
                 <a:ext uri="{C183D7F6-B498-43B3-948B-1728B52AA6E4}">
                   <adec:decorative xmlns:adec="http://schemas.microsoft.com/office/drawing/2017/decorative" val="1"/>
@@ -8400,10 +9271,10 @@
         </p:sp>
         <p:sp>
           <p:nvSpPr>
-            <p:cNvPr id="12" name="Rectangle 11">
+            <p:cNvPr id="23" name="Rectangle 22">
               <a:extLst>
                 <a:ext uri="{FF2B5EF4-FFF2-40B4-BE49-F238E27FC236}">
-                  <a16:creationId xmlns:a16="http://schemas.microsoft.com/office/drawing/2014/main" id="{51A30337-D30A-A9C1-0442-E0675AA682B8}"/>
+                  <a16:creationId xmlns:a16="http://schemas.microsoft.com/office/drawing/2014/main" id="{7275593D-F75E-4426-AE3E-2CDEFD228D25}"/>
                 </a:ext>
                 <a:ext uri="{C183D7F6-B498-43B3-948B-1728B52AA6E4}">
                   <adec:decorative xmlns:adec="http://schemas.microsoft.com/office/drawing/2017/decorative" val="1"/>
@@ -8462,10 +9333,10 @@
       </p:grpSp>
       <p:sp>
         <p:nvSpPr>
-          <p:cNvPr id="14" name="Rectangle 13">
-            <a:extLst>
-              <a:ext uri="{FF2B5EF4-FFF2-40B4-BE49-F238E27FC236}">
-                <a16:creationId xmlns:a16="http://schemas.microsoft.com/office/drawing/2014/main" id="{FA875617-92A9-AEFC-63E2-65DAB7B4A8B4}"/>
+          <p:cNvPr id="25" name="Rectangle 24">
+            <a:extLst>
+              <a:ext uri="{FF2B5EF4-FFF2-40B4-BE49-F238E27FC236}">
+                <a16:creationId xmlns:a16="http://schemas.microsoft.com/office/drawing/2014/main" id="{E659831F-0D9A-4C63-9EBB-8435B85A440F}"/>
               </a:ext>
               <a:ext uri="{C183D7F6-B498-43B3-948B-1728B52AA6E4}">
                 <adec:decorative xmlns:adec="http://schemas.microsoft.com/office/drawing/2017/decorative" val="1"/>
@@ -8535,7 +9406,7 @@
           <p:cNvPr id="3" name="Content Placeholder 2">
             <a:extLst>
               <a:ext uri="{FF2B5EF4-FFF2-40B4-BE49-F238E27FC236}">
-                <a16:creationId xmlns:a16="http://schemas.microsoft.com/office/drawing/2014/main" id="{429159F8-C27C-AEEF-AB86-570268A50C78}"/>
+                <a16:creationId xmlns:a16="http://schemas.microsoft.com/office/drawing/2014/main" id="{5BB20EC2-E86D-B464-4C8F-17FA23D9DCC3}"/>
               </a:ext>
             </a:extLst>
           </p:cNvPr>
@@ -8549,90 +9420,42 @@
         <p:spPr>
           <a:xfrm>
             <a:off x="793660" y="2599509"/>
-            <a:ext cx="10119873" cy="3435531"/>
+            <a:ext cx="10143668" cy="3435531"/>
           </a:xfrm>
         </p:spPr>
         <p:txBody>
           <a:bodyPr anchor="ctr">
-            <a:normAutofit lnSpcReduction="10000"/>
+            <a:normAutofit/>
           </a:bodyPr>
           <a:lstStyle/>
           <a:p>
             <a:r>
-              <a:rPr lang="en-US" sz="2000" b="1" dirty="0"/>
-              <a:t>Environment: </a:t>
-            </a:r>
-            <a:r>
-              <a:rPr lang="en-US" sz="2000" dirty="0"/>
-              <a:t>A simulated order-book market where agents interact via "crossing quotes.</a:t>
-            </a:r>
-          </a:p>
-          <a:p>
-            <a:r>
-              <a:rPr lang="en-US" sz="2000" b="1" dirty="0"/>
-              <a:t>Data Source: </a:t>
-            </a:r>
-            <a:r>
-              <a:rPr lang="en-US" sz="2000" dirty="0"/>
-              <a:t>Real OHLCV data provides the seed for price, volatility, and momentum.</a:t>
-            </a:r>
-          </a:p>
-          <a:p>
-            <a:r>
-              <a:rPr lang="en-US" sz="2000" b="1" dirty="0"/>
-              <a:t>Input Features: </a:t>
-            </a:r>
-            <a:r>
-              <a:rPr lang="en-US" sz="2000" dirty="0"/>
-              <a:t>The agent observes 6 features: Volatility, RSI, Momentum, Normalized Volume, Inventory, and Time Remaining.</a:t>
-            </a:r>
-          </a:p>
-          <a:p>
-            <a:r>
-              <a:rPr lang="en-US" sz="2000" b="1" dirty="0"/>
-              <a:t>Reproducibility: </a:t>
-            </a:r>
-            <a:r>
-              <a:rPr lang="en-US" sz="2000" dirty="0"/>
-              <a:t>There is a seed feature which enables accurate reproduction of results despite the required randomness.</a:t>
-            </a:r>
-            <a:endParaRPr lang="en-US" sz="2000" b="1" dirty="0"/>
-          </a:p>
-          <a:p>
-            <a:r>
-              <a:rPr lang="en-US" sz="2000" b="1" dirty="0"/>
-              <a:t>Goal: </a:t>
-            </a:r>
-            <a:r>
-              <a:rPr lang="en-US" sz="2000" dirty="0"/>
-              <a:t>Maximize a Hybrid Reward function (Profit + Spread Capture + Risk Penalty). </a:t>
-            </a:r>
-          </a:p>
-          <a:p>
-            <a:r>
-              <a:rPr lang="en-US" sz="2000" b="1" dirty="0"/>
-              <a:t>External Tools/Libraries used: </a:t>
-            </a:r>
-            <a:r>
-              <a:rPr lang="en-US" sz="2000" dirty="0"/>
-              <a:t>Python, TensorFlow/</a:t>
-            </a:r>
-            <a:r>
-              <a:rPr lang="en-US" sz="2000" dirty="0" err="1"/>
-              <a:t>Keras</a:t>
-            </a:r>
-            <a:r>
-              <a:rPr lang="en-US" sz="2000" dirty="0"/>
-              <a:t> (Deep Learning/Neural Network), NumPy &amp; Pandas (Data Processing), SciPy (Analytics), and Matplotlib (Visualization).</a:t>
-            </a:r>
-            <a:endParaRPr lang="en-US" sz="2000" b="1" dirty="0"/>
+              <a:rPr lang="en-US" sz="2400"/>
+              <a:t>We utilize a standard Feed-Forward Neural Network (MLP) to approximate the Q-values (expected future rewards).</a:t>
+            </a:r>
+          </a:p>
+          <a:p>
+            <a:r>
+              <a:rPr lang="en-US" sz="2400" b="1"/>
+              <a:t>Architecture: </a:t>
+            </a:r>
+            <a:r>
+              <a:rPr lang="en-US" sz="2400"/>
+              <a:t>Input Layer (6 neurons), Hidden Layers (64 units, ReLU activation), Output Layer (5 discrete spread actions).</a:t>
+            </a:r>
+          </a:p>
+          <a:p>
+            <a:r>
+              <a:rPr lang="en-US" sz="2400"/>
+              <a:t>We use Rectified Linear Units (ReLU) instead of sigmoid step-functions to handle the non-linear dynamics of market volatility and avoid the vanishing gradient problem.</a:t>
+            </a:r>
           </a:p>
         </p:txBody>
       </p:sp>
     </p:spTree>
     <p:extLst>
       <p:ext uri="{BB962C8B-B14F-4D97-AF65-F5344CB8AC3E}">
-        <p14:creationId xmlns:p14="http://schemas.microsoft.com/office/powerpoint/2010/main" val="3219614545"/>
+        <p14:creationId xmlns:p14="http://schemas.microsoft.com/office/powerpoint/2010/main" val="185676579"/>
       </p:ext>
     </p:extLst>
   </p:cSld>
@@ -8642,7 +9465,7 @@
 </p:sld>
 </file>
 
-<file path=ppt/slides/slide4.xml><?xml version="1.0" encoding="utf-8"?>
+<file path=ppt/slides/slide5.xml><?xml version="1.0" encoding="utf-8"?>
 <p:sld xmlns:a="http://schemas.openxmlformats.org/drawingml/2006/main" xmlns:r="http://schemas.openxmlformats.org/officeDocument/2006/relationships" xmlns:p="http://schemas.openxmlformats.org/presentationml/2006/main">
   <p:cSld>
     <p:bg>
@@ -8658,7 +9481,7 @@
         <p:cNvPr id="1" name="">
           <a:extLst>
             <a:ext uri="{FF2B5EF4-FFF2-40B4-BE49-F238E27FC236}">
-              <a16:creationId xmlns:a16="http://schemas.microsoft.com/office/drawing/2014/main" id="{1468288A-AD10-A3B7-813D-51DF7C3888FD}"/>
+              <a16:creationId xmlns:a16="http://schemas.microsoft.com/office/drawing/2014/main" id="{90DDA837-FA51-A879-2E3C-66E1F9E87EE9}"/>
             </a:ext>
           </a:extLst>
         </p:cNvPr>
@@ -8675,10 +9498,10 @@
       </p:grpSpPr>
       <p:sp useBgFill="1">
         <p:nvSpPr>
-          <p:cNvPr id="8" name="Rectangle 7">
-            <a:extLst>
-              <a:ext uri="{FF2B5EF4-FFF2-40B4-BE49-F238E27FC236}">
-                <a16:creationId xmlns:a16="http://schemas.microsoft.com/office/drawing/2014/main" id="{361E1B73-83E0-1763-E51D-31E80120198C}"/>
+          <p:cNvPr id="19" name="Rectangle 18">
+            <a:extLst>
+              <a:ext uri="{FF2B5EF4-FFF2-40B4-BE49-F238E27FC236}">
+                <a16:creationId xmlns:a16="http://schemas.microsoft.com/office/drawing/2014/main" id="{DBF61EA3-B236-439E-9C0B-340980D56BEE}"/>
               </a:ext>
               <a:ext uri="{C183D7F6-B498-43B3-948B-1728B52AA6E4}">
                 <adec:decorative xmlns:adec="http://schemas.microsoft.com/office/drawing/2017/decorative" val="1"/>
@@ -8738,7 +9561,7 @@
           <p:cNvPr id="2" name="Title 1">
             <a:extLst>
               <a:ext uri="{FF2B5EF4-FFF2-40B4-BE49-F238E27FC236}">
-                <a16:creationId xmlns:a16="http://schemas.microsoft.com/office/drawing/2014/main" id="{EEEECE88-5BF6-6385-E38F-D8FB8A9AAD28}"/>
+                <a16:creationId xmlns:a16="http://schemas.microsoft.com/office/drawing/2014/main" id="{987DFF7D-88A6-7D07-E739-0EE87F783547}"/>
               </a:ext>
             </a:extLst>
           </p:cNvPr>
@@ -8762,19 +9585,19 @@
           <a:lstStyle/>
           <a:p>
             <a:r>
-              <a:rPr lang="en-US" sz="4600" b="1" dirty="0"/>
-              <a:t>Agent Architecture</a:t>
-            </a:r>
-            <a:endParaRPr lang="en-US" sz="4600" dirty="0"/>
+              <a:rPr lang="en-US" sz="5400" b="1"/>
+              <a:t>Learning Mechanism</a:t>
+            </a:r>
+            <a:endParaRPr lang="en-US" sz="5400"/>
           </a:p>
         </p:txBody>
       </p:sp>
       <p:grpSp>
         <p:nvGrpSpPr>
-          <p:cNvPr id="10" name="Group 9">
-            <a:extLst>
-              <a:ext uri="{FF2B5EF4-FFF2-40B4-BE49-F238E27FC236}">
-                <a16:creationId xmlns:a16="http://schemas.microsoft.com/office/drawing/2014/main" id="{EECD7CC4-8BB9-6011-E1EE-39289BC53555}"/>
+          <p:cNvPr id="21" name="Group 20">
+            <a:extLst>
+              <a:ext uri="{FF2B5EF4-FFF2-40B4-BE49-F238E27FC236}">
+                <a16:creationId xmlns:a16="http://schemas.microsoft.com/office/drawing/2014/main" id="{28FAF094-D087-493F-8DF9-A486C2D6BBAA}"/>
               </a:ext>
               <a:ext uri="{C183D7F6-B498-43B3-948B-1728B52AA6E4}">
                 <adec:decorative xmlns:adec="http://schemas.microsoft.com/office/drawing/2017/decorative" val="1"/>
@@ -8802,10 +9625,10 @@
         </p:grpSpPr>
         <p:sp>
           <p:nvSpPr>
-            <p:cNvPr id="11" name="Rectangle 10">
+            <p:cNvPr id="22" name="Rectangle 21">
               <a:extLst>
                 <a:ext uri="{FF2B5EF4-FFF2-40B4-BE49-F238E27FC236}">
-                  <a16:creationId xmlns:a16="http://schemas.microsoft.com/office/drawing/2014/main" id="{C7E97174-9DF8-FCE1-6CC4-2149EB00B30E}"/>
+                  <a16:creationId xmlns:a16="http://schemas.microsoft.com/office/drawing/2014/main" id="{8D7C88D8-5509-4514-925A-9CE148E5CBD6}"/>
                 </a:ext>
                 <a:ext uri="{C183D7F6-B498-43B3-948B-1728B52AA6E4}">
                   <adec:decorative xmlns:adec="http://schemas.microsoft.com/office/drawing/2017/decorative" val="1"/>
@@ -8863,10 +9686,10 @@
         </p:sp>
         <p:sp>
           <p:nvSpPr>
-            <p:cNvPr id="12" name="Rectangle 11">
+            <p:cNvPr id="23" name="Rectangle 22">
               <a:extLst>
                 <a:ext uri="{FF2B5EF4-FFF2-40B4-BE49-F238E27FC236}">
-                  <a16:creationId xmlns:a16="http://schemas.microsoft.com/office/drawing/2014/main" id="{56FE0B54-2BB0-789E-00AD-EAE5FB670553}"/>
+                  <a16:creationId xmlns:a16="http://schemas.microsoft.com/office/drawing/2014/main" id="{7275593D-F75E-4426-AE3E-2CDEFD228D25}"/>
                 </a:ext>
                 <a:ext uri="{C183D7F6-B498-43B3-948B-1728B52AA6E4}">
                   <adec:decorative xmlns:adec="http://schemas.microsoft.com/office/drawing/2017/decorative" val="1"/>
@@ -8925,10 +9748,10 @@
       </p:grpSp>
       <p:sp>
         <p:nvSpPr>
-          <p:cNvPr id="14" name="Rectangle 13">
-            <a:extLst>
-              <a:ext uri="{FF2B5EF4-FFF2-40B4-BE49-F238E27FC236}">
-                <a16:creationId xmlns:a16="http://schemas.microsoft.com/office/drawing/2014/main" id="{9E6A42F2-13AA-F90D-917C-8A5A756389B5}"/>
+          <p:cNvPr id="25" name="Rectangle 24">
+            <a:extLst>
+              <a:ext uri="{FF2B5EF4-FFF2-40B4-BE49-F238E27FC236}">
+                <a16:creationId xmlns:a16="http://schemas.microsoft.com/office/drawing/2014/main" id="{E659831F-0D9A-4C63-9EBB-8435B85A440F}"/>
               </a:ext>
               <a:ext uri="{C183D7F6-B498-43B3-948B-1728B52AA6E4}">
                 <adec:decorative xmlns:adec="http://schemas.microsoft.com/office/drawing/2017/decorative" val="1"/>
@@ -8998,7 +9821,7 @@
           <p:cNvPr id="3" name="Content Placeholder 2">
             <a:extLst>
               <a:ext uri="{FF2B5EF4-FFF2-40B4-BE49-F238E27FC236}">
-                <a16:creationId xmlns:a16="http://schemas.microsoft.com/office/drawing/2014/main" id="{5BB20EC2-E86D-B464-4C8F-17FA23D9DCC3}"/>
+                <a16:creationId xmlns:a16="http://schemas.microsoft.com/office/drawing/2014/main" id="{B233AE75-D950-42AC-4ADF-196760B32FAE}"/>
               </a:ext>
             </a:extLst>
           </p:cNvPr>
@@ -9012,7 +9835,7 @@
         <p:spPr>
           <a:xfrm>
             <a:off x="793660" y="2599509"/>
-            <a:ext cx="10119873" cy="3435531"/>
+            <a:ext cx="10143668" cy="3435531"/>
           </a:xfrm>
         </p:spPr>
         <p:txBody>
@@ -9022,48 +9845,41 @@
           <a:lstStyle/>
           <a:p>
             <a:r>
-              <a:rPr lang="en-US" sz="2000" dirty="0"/>
-              <a:t>We utilize a standard Feed-Forward Neural Network (MLP) to approximate the Q-values (expected future rewards).</a:t>
-            </a:r>
-          </a:p>
-          <a:p>
-            <a:r>
-              <a:rPr lang="en-US" sz="2000" b="1" dirty="0"/>
-              <a:t>Architecture: </a:t>
-            </a:r>
-            <a:r>
-              <a:rPr lang="en-US" sz="2000" dirty="0"/>
-              <a:t>Input Layer (6 neurons), Hidden Layers (64 units, </a:t>
-            </a:r>
-            <a:r>
-              <a:rPr lang="en-US" sz="2000" dirty="0" err="1"/>
-              <a:t>ReLU</a:t>
-            </a:r>
-            <a:r>
-              <a:rPr lang="en-US" sz="2000" dirty="0"/>
-              <a:t> activation), Output Layer (5 discrete spread actions).</a:t>
-            </a:r>
-          </a:p>
-          <a:p>
-            <a:r>
-              <a:rPr lang="en-US" sz="2000" dirty="0"/>
-              <a:t>We use Rectified Linear Units (</a:t>
-            </a:r>
-            <a:r>
-              <a:rPr lang="en-US" sz="2000" dirty="0" err="1"/>
-              <a:t>ReLU</a:t>
-            </a:r>
-            <a:r>
-              <a:rPr lang="en-US" sz="2000" dirty="0"/>
-              <a:t>) instead of sigmoid step-functions to handle the non-linear dynamics of market volatility and avoid the vanishing gradient problem.</a:t>
-            </a:r>
+              <a:rPr lang="en-US" sz="2400" b="1"/>
+              <a:t>Objective: </a:t>
+            </a:r>
+            <a:r>
+              <a:rPr lang="en-US" sz="2400"/>
+              <a:t>Minimize the squared error (Loss) between the predicted Q-value and the target Q-value derived from the Bellman equation.</a:t>
+            </a:r>
+          </a:p>
+          <a:p>
+            <a:r>
+              <a:rPr lang="en-US" sz="2400" b="1"/>
+              <a:t>Process: </a:t>
+            </a:r>
+            <a:r>
+              <a:rPr lang="en-US" sz="2400"/>
+              <a:t>After every interaction, the agent calculates the error. This error is back-propagated from the output layer to the input layer to adjust the weights.</a:t>
+            </a:r>
+          </a:p>
+          <a:p>
+            <a:r>
+              <a:rPr lang="en-US" sz="2400" b="1"/>
+              <a:t>Optimization: </a:t>
+            </a:r>
+            <a:r>
+              <a:rPr lang="en-US" sz="2400"/>
+              <a:t>We use the Adam optimizer (Stochastic Gradient Descent) to find the global minimum in the error surface. </a:t>
+            </a:r>
+            <a:endParaRPr lang="en-US" sz="2400" b="1"/>
           </a:p>
         </p:txBody>
       </p:sp>
     </p:spTree>
     <p:extLst>
       <p:ext uri="{BB962C8B-B14F-4D97-AF65-F5344CB8AC3E}">
-        <p14:creationId xmlns:p14="http://schemas.microsoft.com/office/powerpoint/2010/main" val="185676579"/>
+        <p14:creationId xmlns:p14="http://schemas.microsoft.com/office/powerpoint/2010/main" val="216964541"/>
       </p:ext>
     </p:extLst>
   </p:cSld>
@@ -9073,7 +9889,7 @@
 </p:sld>
 </file>
 
-<file path=ppt/slides/slide5.xml><?xml version="1.0" encoding="utf-8"?>
+<file path=ppt/slides/slide6.xml><?xml version="1.0" encoding="utf-8"?>
 <p:sld xmlns:a="http://schemas.openxmlformats.org/drawingml/2006/main" xmlns:r="http://schemas.openxmlformats.org/officeDocument/2006/relationships" xmlns:p="http://schemas.openxmlformats.org/presentationml/2006/main">
   <p:cSld>
     <p:bg>
@@ -9089,7 +9905,7 @@
         <p:cNvPr id="1" name="">
           <a:extLst>
             <a:ext uri="{FF2B5EF4-FFF2-40B4-BE49-F238E27FC236}">
-              <a16:creationId xmlns:a16="http://schemas.microsoft.com/office/drawing/2014/main" id="{90DDA837-FA51-A879-2E3C-66E1F9E87EE9}"/>
+              <a16:creationId xmlns:a16="http://schemas.microsoft.com/office/drawing/2014/main" id="{C1361833-F52B-E982-EE83-13840802AFA6}"/>
             </a:ext>
           </a:extLst>
         </p:cNvPr>
@@ -9106,10 +9922,10 @@
       </p:grpSpPr>
       <p:sp useBgFill="1">
         <p:nvSpPr>
-          <p:cNvPr id="8" name="Rectangle 7">
-            <a:extLst>
-              <a:ext uri="{FF2B5EF4-FFF2-40B4-BE49-F238E27FC236}">
-                <a16:creationId xmlns:a16="http://schemas.microsoft.com/office/drawing/2014/main" id="{5A4B5474-4EF2-9A9E-DDAB-B7352F3E2D1E}"/>
+          <p:cNvPr id="30" name="Rectangle 29">
+            <a:extLst>
+              <a:ext uri="{FF2B5EF4-FFF2-40B4-BE49-F238E27FC236}">
+                <a16:creationId xmlns:a16="http://schemas.microsoft.com/office/drawing/2014/main" id="{DBF61EA3-B236-439E-9C0B-340980D56BEE}"/>
               </a:ext>
               <a:ext uri="{C183D7F6-B498-43B3-948B-1728B52AA6E4}">
                 <adec:decorative xmlns:adec="http://schemas.microsoft.com/office/drawing/2017/decorative" val="1"/>
@@ -9169,7 +9985,7 @@
           <p:cNvPr id="2" name="Title 1">
             <a:extLst>
               <a:ext uri="{FF2B5EF4-FFF2-40B4-BE49-F238E27FC236}">
-                <a16:creationId xmlns:a16="http://schemas.microsoft.com/office/drawing/2014/main" id="{987DFF7D-88A6-7D07-E739-0EE87F783547}"/>
+                <a16:creationId xmlns:a16="http://schemas.microsoft.com/office/drawing/2014/main" id="{4257B963-759C-38B0-4A24-5B9D410AA3DD}"/>
               </a:ext>
             </a:extLst>
           </p:cNvPr>
@@ -9193,19 +10009,19 @@
           <a:lstStyle/>
           <a:p>
             <a:r>
-              <a:rPr lang="en-US" sz="4600" b="1" dirty="0"/>
-              <a:t>Learning Mechanism</a:t>
-            </a:r>
-            <a:endParaRPr lang="en-US" sz="4600" dirty="0"/>
+              <a:rPr lang="en-US" sz="5400" b="1"/>
+              <a:t>The Adversary</a:t>
+            </a:r>
+            <a:endParaRPr lang="en-US" sz="5400"/>
           </a:p>
         </p:txBody>
       </p:sp>
       <p:grpSp>
         <p:nvGrpSpPr>
-          <p:cNvPr id="10" name="Group 9">
-            <a:extLst>
-              <a:ext uri="{FF2B5EF4-FFF2-40B4-BE49-F238E27FC236}">
-                <a16:creationId xmlns:a16="http://schemas.microsoft.com/office/drawing/2014/main" id="{8CF436FD-4C8E-3AEE-45E5-B9E25F8F5EC6}"/>
+          <p:cNvPr id="32" name="Group 31">
+            <a:extLst>
+              <a:ext uri="{FF2B5EF4-FFF2-40B4-BE49-F238E27FC236}">
+                <a16:creationId xmlns:a16="http://schemas.microsoft.com/office/drawing/2014/main" id="{28FAF094-D087-493F-8DF9-A486C2D6BBAA}"/>
               </a:ext>
               <a:ext uri="{C183D7F6-B498-43B3-948B-1728B52AA6E4}">
                 <adec:decorative xmlns:adec="http://schemas.microsoft.com/office/drawing/2017/decorative" val="1"/>
@@ -9233,10 +10049,10 @@
         </p:grpSpPr>
         <p:sp>
           <p:nvSpPr>
-            <p:cNvPr id="11" name="Rectangle 10">
+            <p:cNvPr id="33" name="Rectangle 32">
               <a:extLst>
                 <a:ext uri="{FF2B5EF4-FFF2-40B4-BE49-F238E27FC236}">
-                  <a16:creationId xmlns:a16="http://schemas.microsoft.com/office/drawing/2014/main" id="{79676600-9FFD-80FA-88D3-051E39210401}"/>
+                  <a16:creationId xmlns:a16="http://schemas.microsoft.com/office/drawing/2014/main" id="{8D7C88D8-5509-4514-925A-9CE148E5CBD6}"/>
                 </a:ext>
                 <a:ext uri="{C183D7F6-B498-43B3-948B-1728B52AA6E4}">
                   <adec:decorative xmlns:adec="http://schemas.microsoft.com/office/drawing/2017/decorative" val="1"/>
@@ -9294,10 +10110,10 @@
         </p:sp>
         <p:sp>
           <p:nvSpPr>
-            <p:cNvPr id="12" name="Rectangle 11">
+            <p:cNvPr id="34" name="Rectangle 33">
               <a:extLst>
                 <a:ext uri="{FF2B5EF4-FFF2-40B4-BE49-F238E27FC236}">
-                  <a16:creationId xmlns:a16="http://schemas.microsoft.com/office/drawing/2014/main" id="{773FD3C4-216A-AFF6-E8CC-8EE2AAFA1F47}"/>
+                  <a16:creationId xmlns:a16="http://schemas.microsoft.com/office/drawing/2014/main" id="{7275593D-F75E-4426-AE3E-2CDEFD228D25}"/>
                 </a:ext>
                 <a:ext uri="{C183D7F6-B498-43B3-948B-1728B52AA6E4}">
                   <adec:decorative xmlns:adec="http://schemas.microsoft.com/office/drawing/2017/decorative" val="1"/>
@@ -9356,10 +10172,10 @@
       </p:grpSp>
       <p:sp>
         <p:nvSpPr>
-          <p:cNvPr id="14" name="Rectangle 13">
-            <a:extLst>
-              <a:ext uri="{FF2B5EF4-FFF2-40B4-BE49-F238E27FC236}">
-                <a16:creationId xmlns:a16="http://schemas.microsoft.com/office/drawing/2014/main" id="{C87DEF50-203A-9D0D-1996-D29A6FACF3E2}"/>
+          <p:cNvPr id="36" name="Rectangle 35">
+            <a:extLst>
+              <a:ext uri="{FF2B5EF4-FFF2-40B4-BE49-F238E27FC236}">
+                <a16:creationId xmlns:a16="http://schemas.microsoft.com/office/drawing/2014/main" id="{E659831F-0D9A-4C63-9EBB-8435B85A440F}"/>
               </a:ext>
               <a:ext uri="{C183D7F6-B498-43B3-948B-1728B52AA6E4}">
                 <adec:decorative xmlns:adec="http://schemas.microsoft.com/office/drawing/2017/decorative" val="1"/>
@@ -9429,7 +10245,7 @@
           <p:cNvPr id="3" name="Content Placeholder 2">
             <a:extLst>
               <a:ext uri="{FF2B5EF4-FFF2-40B4-BE49-F238E27FC236}">
-                <a16:creationId xmlns:a16="http://schemas.microsoft.com/office/drawing/2014/main" id="{B233AE75-D950-42AC-4ADF-196760B32FAE}"/>
+                <a16:creationId xmlns:a16="http://schemas.microsoft.com/office/drawing/2014/main" id="{C0884DDB-A043-3916-1F92-939A79C6ED9E}"/>
               </a:ext>
             </a:extLst>
           </p:cNvPr>
@@ -9443,7 +10259,7 @@
         <p:spPr>
           <a:xfrm>
             <a:off x="793660" y="2599509"/>
-            <a:ext cx="10119873" cy="3435531"/>
+            <a:ext cx="10143668" cy="3435531"/>
           </a:xfrm>
         </p:spPr>
         <p:txBody>
@@ -9453,41 +10269,56 @@
           <a:lstStyle/>
           <a:p>
             <a:r>
-              <a:rPr lang="en-US" sz="2000" b="1" dirty="0"/>
-              <a:t>Objective: </a:t>
-            </a:r>
-            <a:r>
-              <a:rPr lang="en-US" sz="2000" dirty="0"/>
-              <a:t>Minimize the squared error (Loss) between the predicted Q-value and the target Q-value derived from the Bellman equation.</a:t>
-            </a:r>
-          </a:p>
-          <a:p>
-            <a:r>
-              <a:rPr lang="en-US" sz="2000" b="1" dirty="0"/>
-              <a:t>Process: </a:t>
-            </a:r>
-            <a:r>
-              <a:rPr lang="en-US" sz="2000" dirty="0"/>
-              <a:t>After every interaction, the agent calculates the error. This error is back-propagated from the output layer to the input layer to adjust the weights.</a:t>
-            </a:r>
-          </a:p>
-          <a:p>
-            <a:r>
-              <a:rPr lang="en-US" sz="2000" b="1" dirty="0"/>
-              <a:t>Optimization: </a:t>
-            </a:r>
-            <a:r>
-              <a:rPr lang="en-US" sz="2000" dirty="0"/>
-              <a:t>We use the Adam optimizer (Stochastic Gradient Descent) to find the global minimum in the error surface. </a:t>
-            </a:r>
-            <a:endParaRPr lang="en-US" sz="2000" b="1" dirty="0"/>
+              <a:rPr lang="en-US" sz="2400"/>
+              <a:t>The "Adversary" is not a single agent, but a population of heuristic traders (Aggressive, Passive, Momentum, Random).</a:t>
+            </a:r>
+          </a:p>
+          <a:p>
+            <a:r>
+              <a:rPr lang="en-US" sz="2400" b="1"/>
+              <a:t>Genetic Algorithm:</a:t>
+            </a:r>
+          </a:p>
+          <a:p>
+            <a:pPr lvl="1"/>
+            <a:r>
+              <a:rPr lang="en-US" b="1"/>
+              <a:t>Fitness Functions: </a:t>
+            </a:r>
+            <a:r>
+              <a:rPr lang="en-US"/>
+              <a:t>Rolling profitability</a:t>
+            </a:r>
+          </a:p>
+          <a:p>
+            <a:pPr lvl="1"/>
+            <a:r>
+              <a:rPr lang="en-US" b="1"/>
+              <a:t>Selection: </a:t>
+            </a:r>
+            <a:r>
+              <a:rPr lang="en-US"/>
+              <a:t>Strategies that make money reproduce and increase their population share. Strategies that lose money die out.</a:t>
+            </a:r>
+          </a:p>
+          <a:p>
+            <a:pPr lvl="1"/>
+            <a:r>
+              <a:rPr lang="en-US" b="1"/>
+              <a:t>Mutation: </a:t>
+            </a:r>
+            <a:r>
+              <a:rPr lang="en-US"/>
+              <a:t>A 2% mutation rate introduces random noise to prevent the population from getting stuck in a local optimum. </a:t>
+            </a:r>
+            <a:endParaRPr lang="en-US" b="1"/>
           </a:p>
         </p:txBody>
       </p:sp>
     </p:spTree>
     <p:extLst>
       <p:ext uri="{BB962C8B-B14F-4D97-AF65-F5344CB8AC3E}">
-        <p14:creationId xmlns:p14="http://schemas.microsoft.com/office/powerpoint/2010/main" val="216964541"/>
+        <p14:creationId xmlns:p14="http://schemas.microsoft.com/office/powerpoint/2010/main" val="1906398116"/>
       </p:ext>
     </p:extLst>
   </p:cSld>
@@ -9497,7 +10328,7 @@
 </p:sld>
 </file>
 
-<file path=ppt/slides/slide6.xml><?xml version="1.0" encoding="utf-8"?>
+<file path=ppt/slides/slide7.xml><?xml version="1.0" encoding="utf-8"?>
 <p:sld xmlns:a="http://schemas.openxmlformats.org/drawingml/2006/main" xmlns:r="http://schemas.openxmlformats.org/officeDocument/2006/relationships" xmlns:p="http://schemas.openxmlformats.org/presentationml/2006/main">
   <p:cSld>
     <p:bg>
@@ -9513,7 +10344,7 @@
         <p:cNvPr id="1" name="">
           <a:extLst>
             <a:ext uri="{FF2B5EF4-FFF2-40B4-BE49-F238E27FC236}">
-              <a16:creationId xmlns:a16="http://schemas.microsoft.com/office/drawing/2014/main" id="{C1361833-F52B-E982-EE83-13840802AFA6}"/>
+              <a16:creationId xmlns:a16="http://schemas.microsoft.com/office/drawing/2014/main" id="{804F899A-82DB-32BA-11CA-FB170407C6ED}"/>
             </a:ext>
           </a:extLst>
         </p:cNvPr>
@@ -9530,10 +10361,10 @@
       </p:grpSpPr>
       <p:sp useBgFill="1">
         <p:nvSpPr>
-          <p:cNvPr id="8" name="Rectangle 7">
-            <a:extLst>
-              <a:ext uri="{FF2B5EF4-FFF2-40B4-BE49-F238E27FC236}">
-                <a16:creationId xmlns:a16="http://schemas.microsoft.com/office/drawing/2014/main" id="{3248C096-9FA3-7690-31CA-67A853156851}"/>
+          <p:cNvPr id="19" name="Rectangle 18">
+            <a:extLst>
+              <a:ext uri="{FF2B5EF4-FFF2-40B4-BE49-F238E27FC236}">
+                <a16:creationId xmlns:a16="http://schemas.microsoft.com/office/drawing/2014/main" id="{DBF61EA3-B236-439E-9C0B-340980D56BEE}"/>
               </a:ext>
               <a:ext uri="{C183D7F6-B498-43B3-948B-1728B52AA6E4}">
                 <adec:decorative xmlns:adec="http://schemas.microsoft.com/office/drawing/2017/decorative" val="1"/>
@@ -9593,7 +10424,7 @@
           <p:cNvPr id="2" name="Title 1">
             <a:extLst>
               <a:ext uri="{FF2B5EF4-FFF2-40B4-BE49-F238E27FC236}">
-                <a16:creationId xmlns:a16="http://schemas.microsoft.com/office/drawing/2014/main" id="{4257B963-759C-38B0-4A24-5B9D410AA3DD}"/>
+                <a16:creationId xmlns:a16="http://schemas.microsoft.com/office/drawing/2014/main" id="{BCD4DA82-A375-32FC-9970-27879B727406}"/>
               </a:ext>
             </a:extLst>
           </p:cNvPr>
@@ -9617,19 +10448,19 @@
           <a:lstStyle/>
           <a:p>
             <a:r>
-              <a:rPr lang="en-US" sz="4600" b="1" dirty="0"/>
-              <a:t>The Adversary</a:t>
-            </a:r>
-            <a:endParaRPr lang="en-US" sz="4600" dirty="0"/>
+              <a:rPr lang="en-US" sz="5400" b="1"/>
+              <a:t>Interaction Loop</a:t>
+            </a:r>
+            <a:endParaRPr lang="en-US" sz="5400"/>
           </a:p>
         </p:txBody>
       </p:sp>
       <p:grpSp>
         <p:nvGrpSpPr>
-          <p:cNvPr id="10" name="Group 9">
-            <a:extLst>
-              <a:ext uri="{FF2B5EF4-FFF2-40B4-BE49-F238E27FC236}">
-                <a16:creationId xmlns:a16="http://schemas.microsoft.com/office/drawing/2014/main" id="{B939BC96-B4C6-D689-3DE1-3E3DFA94B4DD}"/>
+          <p:cNvPr id="21" name="Group 20">
+            <a:extLst>
+              <a:ext uri="{FF2B5EF4-FFF2-40B4-BE49-F238E27FC236}">
+                <a16:creationId xmlns:a16="http://schemas.microsoft.com/office/drawing/2014/main" id="{28FAF094-D087-493F-8DF9-A486C2D6BBAA}"/>
               </a:ext>
               <a:ext uri="{C183D7F6-B498-43B3-948B-1728B52AA6E4}">
                 <adec:decorative xmlns:adec="http://schemas.microsoft.com/office/drawing/2017/decorative" val="1"/>
@@ -9657,10 +10488,10 @@
         </p:grpSpPr>
         <p:sp>
           <p:nvSpPr>
-            <p:cNvPr id="11" name="Rectangle 10">
+            <p:cNvPr id="22" name="Rectangle 21">
               <a:extLst>
                 <a:ext uri="{FF2B5EF4-FFF2-40B4-BE49-F238E27FC236}">
-                  <a16:creationId xmlns:a16="http://schemas.microsoft.com/office/drawing/2014/main" id="{5221E5D8-B1A9-C481-DAE6-3A7E8BF25AA6}"/>
+                  <a16:creationId xmlns:a16="http://schemas.microsoft.com/office/drawing/2014/main" id="{8D7C88D8-5509-4514-925A-9CE148E5CBD6}"/>
                 </a:ext>
                 <a:ext uri="{C183D7F6-B498-43B3-948B-1728B52AA6E4}">
                   <adec:decorative xmlns:adec="http://schemas.microsoft.com/office/drawing/2017/decorative" val="1"/>
@@ -9718,10 +10549,10 @@
         </p:sp>
         <p:sp>
           <p:nvSpPr>
-            <p:cNvPr id="12" name="Rectangle 11">
+            <p:cNvPr id="23" name="Rectangle 22">
               <a:extLst>
                 <a:ext uri="{FF2B5EF4-FFF2-40B4-BE49-F238E27FC236}">
-                  <a16:creationId xmlns:a16="http://schemas.microsoft.com/office/drawing/2014/main" id="{A3BA1626-4622-8C5F-CF20-328EED626FE0}"/>
+                  <a16:creationId xmlns:a16="http://schemas.microsoft.com/office/drawing/2014/main" id="{7275593D-F75E-4426-AE3E-2CDEFD228D25}"/>
                 </a:ext>
                 <a:ext uri="{C183D7F6-B498-43B3-948B-1728B52AA6E4}">
                   <adec:decorative xmlns:adec="http://schemas.microsoft.com/office/drawing/2017/decorative" val="1"/>
@@ -9780,10 +10611,10 @@
       </p:grpSp>
       <p:sp>
         <p:nvSpPr>
-          <p:cNvPr id="14" name="Rectangle 13">
-            <a:extLst>
-              <a:ext uri="{FF2B5EF4-FFF2-40B4-BE49-F238E27FC236}">
-                <a16:creationId xmlns:a16="http://schemas.microsoft.com/office/drawing/2014/main" id="{3C74CB79-17F0-F7B9-694E-07E5CAEFA1CA}"/>
+          <p:cNvPr id="25" name="Rectangle 24">
+            <a:extLst>
+              <a:ext uri="{FF2B5EF4-FFF2-40B4-BE49-F238E27FC236}">
+                <a16:creationId xmlns:a16="http://schemas.microsoft.com/office/drawing/2014/main" id="{E659831F-0D9A-4C63-9EBB-8435B85A440F}"/>
               </a:ext>
               <a:ext uri="{C183D7F6-B498-43B3-948B-1728B52AA6E4}">
                 <adec:decorative xmlns:adec="http://schemas.microsoft.com/office/drawing/2017/decorative" val="1"/>
@@ -9853,7 +10684,7 @@
           <p:cNvPr id="3" name="Content Placeholder 2">
             <a:extLst>
               <a:ext uri="{FF2B5EF4-FFF2-40B4-BE49-F238E27FC236}">
-                <a16:creationId xmlns:a16="http://schemas.microsoft.com/office/drawing/2014/main" id="{C0884DDB-A043-3916-1F92-939A79C6ED9E}"/>
+                <a16:creationId xmlns:a16="http://schemas.microsoft.com/office/drawing/2014/main" id="{680C0B37-C476-2E80-8C30-F6619428BFCF}"/>
               </a:ext>
             </a:extLst>
           </p:cNvPr>
@@ -9867,7 +10698,7 @@
         <p:spPr>
           <a:xfrm>
             <a:off x="793660" y="2599509"/>
-            <a:ext cx="10119873" cy="3435531"/>
+            <a:ext cx="10143668" cy="3435531"/>
           </a:xfrm>
         </p:spPr>
         <p:txBody>
@@ -9877,445 +10708,6 @@
           <a:lstStyle/>
           <a:p>
             <a:r>
-              <a:rPr lang="en-US" sz="2000" dirty="0"/>
-              <a:t>The "Adversary" is not a single agent, but a population of heuristic traders (Aggressive, Passive, Momentum, Random).</a:t>
-            </a:r>
-          </a:p>
-          <a:p>
-            <a:r>
-              <a:rPr lang="en-US" sz="2000" b="1" dirty="0"/>
-              <a:t>Genetic Algorithm:</a:t>
-            </a:r>
-          </a:p>
-          <a:p>
-            <a:pPr lvl="1"/>
-            <a:r>
-              <a:rPr lang="en-US" sz="1600" b="1" dirty="0"/>
-              <a:t>Fitness Functions: </a:t>
-            </a:r>
-            <a:r>
-              <a:rPr lang="en-US" sz="1600" dirty="0"/>
-              <a:t>Rolling profitability</a:t>
-            </a:r>
-          </a:p>
-          <a:p>
-            <a:pPr lvl="1"/>
-            <a:r>
-              <a:rPr lang="en-US" sz="1600" b="1" dirty="0"/>
-              <a:t>Selection: </a:t>
-            </a:r>
-            <a:r>
-              <a:rPr lang="en-US" sz="1600" dirty="0"/>
-              <a:t>Strategies that make money reproduce and increase their population share. Strategies that lose money die out.</a:t>
-            </a:r>
-          </a:p>
-          <a:p>
-            <a:pPr lvl="1"/>
-            <a:r>
-              <a:rPr lang="en-US" sz="1600" b="1" dirty="0"/>
-              <a:t>Mutation: </a:t>
-            </a:r>
-            <a:r>
-              <a:rPr lang="en-US" sz="1600" dirty="0"/>
-              <a:t>A 2% mutation rate introduces random noise to prevent the population from getting stuck in a local optimum. </a:t>
-            </a:r>
-            <a:endParaRPr lang="en-US" sz="1600" b="1" dirty="0"/>
-          </a:p>
-        </p:txBody>
-      </p:sp>
-    </p:spTree>
-    <p:extLst>
-      <p:ext uri="{BB962C8B-B14F-4D97-AF65-F5344CB8AC3E}">
-        <p14:creationId xmlns:p14="http://schemas.microsoft.com/office/powerpoint/2010/main" val="1906398116"/>
-      </p:ext>
-    </p:extLst>
-  </p:cSld>
-  <p:clrMapOvr>
-    <a:masterClrMapping/>
-  </p:clrMapOvr>
-</p:sld>
-</file>
-
-<file path=ppt/slides/slide7.xml><?xml version="1.0" encoding="utf-8"?>
-<p:sld xmlns:a="http://schemas.openxmlformats.org/drawingml/2006/main" xmlns:r="http://schemas.openxmlformats.org/officeDocument/2006/relationships" xmlns:p="http://schemas.openxmlformats.org/presentationml/2006/main">
-  <p:cSld>
-    <p:bg>
-      <p:bgPr>
-        <a:solidFill>
-          <a:schemeClr val="bg1"/>
-        </a:solidFill>
-        <a:effectLst/>
-      </p:bgPr>
-    </p:bg>
-    <p:spTree>
-      <p:nvGrpSpPr>
-        <p:cNvPr id="1" name="">
-          <a:extLst>
-            <a:ext uri="{FF2B5EF4-FFF2-40B4-BE49-F238E27FC236}">
-              <a16:creationId xmlns:a16="http://schemas.microsoft.com/office/drawing/2014/main" id="{804F899A-82DB-32BA-11CA-FB170407C6ED}"/>
-            </a:ext>
-          </a:extLst>
-        </p:cNvPr>
-        <p:cNvGrpSpPr/>
-        <p:nvPr/>
-      </p:nvGrpSpPr>
-      <p:grpSpPr>
-        <a:xfrm>
-          <a:off x="0" y="0"/>
-          <a:ext cx="0" cy="0"/>
-          <a:chOff x="0" y="0"/>
-          <a:chExt cx="0" cy="0"/>
-        </a:xfrm>
-      </p:grpSpPr>
-      <p:sp useBgFill="1">
-        <p:nvSpPr>
-          <p:cNvPr id="8" name="Rectangle 7">
-            <a:extLst>
-              <a:ext uri="{FF2B5EF4-FFF2-40B4-BE49-F238E27FC236}">
-                <a16:creationId xmlns:a16="http://schemas.microsoft.com/office/drawing/2014/main" id="{92ECBE48-A67C-1DC6-DCBE-7787D2FE6CA5}"/>
-              </a:ext>
-              <a:ext uri="{C183D7F6-B498-43B3-948B-1728B52AA6E4}">
-                <adec:decorative xmlns:adec="http://schemas.microsoft.com/office/drawing/2017/decorative" val="1"/>
-              </a:ext>
-            </a:extLst>
-          </p:cNvPr>
-          <p:cNvSpPr>
-            <a:spLocks noGrp="1" noRot="1" noChangeAspect="1" noMove="1" noResize="1" noEditPoints="1" noAdjustHandles="1" noChangeArrowheads="1" noChangeShapeType="1" noTextEdit="1"/>
-          </p:cNvSpPr>
-          <p:nvPr>
-            <p:extLst>
-              <p:ext uri="{386F3935-93C4-4BCD-93E2-E3B085C9AB24}">
-                <p16:designElem xmlns:p16="http://schemas.microsoft.com/office/powerpoint/2015/main" val="1"/>
-              </p:ext>
-            </p:extLst>
-          </p:nvPr>
-        </p:nvSpPr>
-        <p:spPr>
-          <a:xfrm>
-            <a:off x="0" y="0"/>
-            <a:ext cx="12191999" cy="6857365"/>
-          </a:xfrm>
-          <a:prstGeom prst="rect">
-            <a:avLst/>
-          </a:prstGeom>
-          <a:ln>
-            <a:noFill/>
-          </a:ln>
-        </p:spPr>
-        <p:style>
-          <a:lnRef idx="2">
-            <a:schemeClr val="accent1">
-              <a:shade val="50000"/>
-            </a:schemeClr>
-          </a:lnRef>
-          <a:fillRef idx="1">
-            <a:schemeClr val="accent1"/>
-          </a:fillRef>
-          <a:effectRef idx="0">
-            <a:schemeClr val="accent1"/>
-          </a:effectRef>
-          <a:fontRef idx="minor">
-            <a:schemeClr val="lt1"/>
-          </a:fontRef>
-        </p:style>
-        <p:txBody>
-          <a:bodyPr rtlCol="0" anchor="ctr"/>
-          <a:lstStyle/>
-          <a:p>
-            <a:pPr algn="ctr"/>
-            <a:endParaRPr lang="en-US"/>
-          </a:p>
-        </p:txBody>
-      </p:sp>
-      <p:sp>
-        <p:nvSpPr>
-          <p:cNvPr id="2" name="Title 1">
-            <a:extLst>
-              <a:ext uri="{FF2B5EF4-FFF2-40B4-BE49-F238E27FC236}">
-                <a16:creationId xmlns:a16="http://schemas.microsoft.com/office/drawing/2014/main" id="{BCD4DA82-A375-32FC-9970-27879B727406}"/>
-              </a:ext>
-            </a:extLst>
-          </p:cNvPr>
-          <p:cNvSpPr>
-            <a:spLocks noGrp="1"/>
-          </p:cNvSpPr>
-          <p:nvPr>
-            <p:ph type="title"/>
-          </p:nvPr>
-        </p:nvSpPr>
-        <p:spPr>
-          <a:xfrm>
-            <a:off x="808638" y="386930"/>
-            <a:ext cx="9236700" cy="1188950"/>
-          </a:xfrm>
-        </p:spPr>
-        <p:txBody>
-          <a:bodyPr anchor="b">
-            <a:normAutofit/>
-          </a:bodyPr>
-          <a:lstStyle/>
-          <a:p>
-            <a:r>
-              <a:rPr lang="en-US" sz="4600" b="1" dirty="0"/>
-              <a:t>Interaction Loop</a:t>
-            </a:r>
-            <a:endParaRPr lang="en-US" sz="4600" dirty="0"/>
-          </a:p>
-        </p:txBody>
-      </p:sp>
-      <p:grpSp>
-        <p:nvGrpSpPr>
-          <p:cNvPr id="10" name="Group 9">
-            <a:extLst>
-              <a:ext uri="{FF2B5EF4-FFF2-40B4-BE49-F238E27FC236}">
-                <a16:creationId xmlns:a16="http://schemas.microsoft.com/office/drawing/2014/main" id="{F26A1A57-2319-A030-2BBA-20FB0C79AC22}"/>
-              </a:ext>
-              <a:ext uri="{C183D7F6-B498-43B3-948B-1728B52AA6E4}">
-                <adec:decorative xmlns:adec="http://schemas.microsoft.com/office/drawing/2017/decorative" val="1"/>
-              </a:ext>
-            </a:extLst>
-          </p:cNvPr>
-          <p:cNvGrpSpPr>
-            <a:grpSpLocks noGrp="1" noUngrp="1" noRot="1" noChangeAspect="1" noMove="1" noResize="1"/>
-          </p:cNvGrpSpPr>
-          <p:nvPr>
-            <p:extLst>
-              <p:ext uri="{386F3935-93C4-4BCD-93E2-E3B085C9AB24}">
-                <p16:designElem xmlns:p16="http://schemas.microsoft.com/office/powerpoint/2015/main" val="1"/>
-              </p:ext>
-            </p:extLst>
-          </p:nvPr>
-        </p:nvGrpSpPr>
-        <p:grpSpPr>
-          <a:xfrm>
-            <a:off x="-2" y="1998368"/>
-            <a:ext cx="11695083" cy="782176"/>
-            <a:chOff x="-2" y="1998368"/>
-            <a:chExt cx="11695083" cy="782176"/>
-          </a:xfrm>
-        </p:grpSpPr>
-        <p:sp>
-          <p:nvSpPr>
-            <p:cNvPr id="11" name="Rectangle 10">
-              <a:extLst>
-                <a:ext uri="{FF2B5EF4-FFF2-40B4-BE49-F238E27FC236}">
-                  <a16:creationId xmlns:a16="http://schemas.microsoft.com/office/drawing/2014/main" id="{504C2460-223E-4BA1-5518-98B49FCECFAE}"/>
-                </a:ext>
-                <a:ext uri="{C183D7F6-B498-43B3-948B-1728B52AA6E4}">
-                  <adec:decorative xmlns:adec="http://schemas.microsoft.com/office/drawing/2017/decorative" val="1"/>
-                </a:ext>
-              </a:extLst>
-            </p:cNvPr>
-            <p:cNvSpPr/>
-            <p:nvPr>
-              <p:extLst>
-                <p:ext uri="{386F3935-93C4-4BCD-93E2-E3B085C9AB24}">
-                  <p16:designElem xmlns:p16="http://schemas.microsoft.com/office/powerpoint/2015/main" val="1"/>
-                </p:ext>
-              </p:extLst>
-            </p:nvPr>
-          </p:nvSpPr>
-          <p:spPr>
-            <a:xfrm rot="5400000">
-              <a:off x="11228040" y="2313027"/>
-              <a:ext cx="781700" cy="152382"/>
-            </a:xfrm>
-            <a:prstGeom prst="rect">
-              <a:avLst/>
-            </a:prstGeom>
-            <a:solidFill>
-              <a:schemeClr val="accent4"/>
-            </a:solidFill>
-            <a:ln>
-              <a:noFill/>
-            </a:ln>
-          </p:spPr>
-          <p:style>
-            <a:lnRef idx="2">
-              <a:schemeClr val="accent1">
-                <a:shade val="50000"/>
-              </a:schemeClr>
-            </a:lnRef>
-            <a:fillRef idx="1">
-              <a:schemeClr val="accent1"/>
-            </a:fillRef>
-            <a:effectRef idx="0">
-              <a:schemeClr val="accent1"/>
-            </a:effectRef>
-            <a:fontRef idx="minor">
-              <a:schemeClr val="lt1"/>
-            </a:fontRef>
-          </p:style>
-          <p:txBody>
-            <a:bodyPr rtlCol="0" anchor="ctr"/>
-            <a:lstStyle/>
-            <a:p>
-              <a:pPr algn="ctr"/>
-              <a:endParaRPr lang="en-US"/>
-            </a:p>
-          </p:txBody>
-        </p:sp>
-        <p:sp>
-          <p:nvSpPr>
-            <p:cNvPr id="12" name="Rectangle 11">
-              <a:extLst>
-                <a:ext uri="{FF2B5EF4-FFF2-40B4-BE49-F238E27FC236}">
-                  <a16:creationId xmlns:a16="http://schemas.microsoft.com/office/drawing/2014/main" id="{E5935E3D-1A40-43F6-12FF-D0814F234B01}"/>
-                </a:ext>
-                <a:ext uri="{C183D7F6-B498-43B3-948B-1728B52AA6E4}">
-                  <adec:decorative xmlns:adec="http://schemas.microsoft.com/office/drawing/2017/decorative" val="1"/>
-                </a:ext>
-              </a:extLst>
-            </p:cNvPr>
-            <p:cNvSpPr/>
-            <p:nvPr>
-              <p:extLst>
-                <p:ext uri="{386F3935-93C4-4BCD-93E2-E3B085C9AB24}">
-                  <p16:designElem xmlns:p16="http://schemas.microsoft.com/office/powerpoint/2015/main" val="1"/>
-                </p:ext>
-              </p:extLst>
-            </p:nvPr>
-          </p:nvSpPr>
-          <p:spPr>
-            <a:xfrm flipH="1" flipV="1">
-              <a:off x="-2" y="1998845"/>
-              <a:ext cx="11454595" cy="781699"/>
-            </a:xfrm>
-            <a:prstGeom prst="rect">
-              <a:avLst/>
-            </a:prstGeom>
-            <a:solidFill>
-              <a:schemeClr val="accent4"/>
-            </a:solidFill>
-            <a:ln>
-              <a:noFill/>
-            </a:ln>
-          </p:spPr>
-          <p:style>
-            <a:lnRef idx="2">
-              <a:schemeClr val="accent1">
-                <a:shade val="50000"/>
-              </a:schemeClr>
-            </a:lnRef>
-            <a:fillRef idx="1">
-              <a:schemeClr val="accent1"/>
-            </a:fillRef>
-            <a:effectRef idx="0">
-              <a:schemeClr val="accent1"/>
-            </a:effectRef>
-            <a:fontRef idx="minor">
-              <a:schemeClr val="lt1"/>
-            </a:fontRef>
-          </p:style>
-          <p:txBody>
-            <a:bodyPr rtlCol="0" anchor="ctr"/>
-            <a:lstStyle/>
-            <a:p>
-              <a:pPr algn="ctr"/>
-              <a:endParaRPr lang="en-US"/>
-            </a:p>
-          </p:txBody>
-        </p:sp>
-      </p:grpSp>
-      <p:sp>
-        <p:nvSpPr>
-          <p:cNvPr id="14" name="Rectangle 13">
-            <a:extLst>
-              <a:ext uri="{FF2B5EF4-FFF2-40B4-BE49-F238E27FC236}">
-                <a16:creationId xmlns:a16="http://schemas.microsoft.com/office/drawing/2014/main" id="{A4A0EE82-F191-A24E-EBA2-8833F7C5A93E}"/>
-              </a:ext>
-              <a:ext uri="{C183D7F6-B498-43B3-948B-1728B52AA6E4}">
-                <adec:decorative xmlns:adec="http://schemas.microsoft.com/office/drawing/2017/decorative" val="1"/>
-              </a:ext>
-            </a:extLst>
-          </p:cNvPr>
-          <p:cNvSpPr>
-            <a:spLocks noGrp="1" noRot="1" noChangeAspect="1" noMove="1" noResize="1" noEditPoints="1" noAdjustHandles="1" noChangeArrowheads="1" noChangeShapeType="1" noTextEdit="1"/>
-          </p:cNvSpPr>
-          <p:nvPr>
-            <p:extLst>
-              <p:ext uri="{386F3935-93C4-4BCD-93E2-E3B085C9AB24}">
-                <p16:designElem xmlns:p16="http://schemas.microsoft.com/office/powerpoint/2015/main" val="1"/>
-              </p:ext>
-            </p:extLst>
-          </p:nvPr>
-        </p:nvSpPr>
-        <p:spPr>
-          <a:xfrm>
-            <a:off x="0" y="2203079"/>
-            <a:ext cx="11383362" cy="4147845"/>
-          </a:xfrm>
-          <a:prstGeom prst="rect">
-            <a:avLst/>
-          </a:prstGeom>
-          <a:solidFill>
-            <a:schemeClr val="bg1"/>
-          </a:solidFill>
-          <a:ln>
-            <a:noFill/>
-          </a:ln>
-          <a:effectLst>
-            <a:outerShdw blurRad="139700" dist="127000" dir="5400000" algn="t" rotWithShape="0">
-              <a:prstClr val="black">
-                <a:alpha val="15000"/>
-              </a:prstClr>
-            </a:outerShdw>
-          </a:effectLst>
-        </p:spPr>
-        <p:style>
-          <a:lnRef idx="2">
-            <a:schemeClr val="accent1">
-              <a:shade val="50000"/>
-            </a:schemeClr>
-          </a:lnRef>
-          <a:fillRef idx="1">
-            <a:schemeClr val="accent1"/>
-          </a:fillRef>
-          <a:effectRef idx="0">
-            <a:schemeClr val="accent1"/>
-          </a:effectRef>
-          <a:fontRef idx="minor">
-            <a:schemeClr val="lt1"/>
-          </a:fontRef>
-        </p:style>
-        <p:txBody>
-          <a:bodyPr rtlCol="0" anchor="ctr"/>
-          <a:lstStyle/>
-          <a:p>
-            <a:pPr algn="ctr"/>
-            <a:endParaRPr lang="en-US"/>
-          </a:p>
-        </p:txBody>
-      </p:sp>
-      <p:sp>
-        <p:nvSpPr>
-          <p:cNvPr id="3" name="Content Placeholder 2">
-            <a:extLst>
-              <a:ext uri="{FF2B5EF4-FFF2-40B4-BE49-F238E27FC236}">
-                <a16:creationId xmlns:a16="http://schemas.microsoft.com/office/drawing/2014/main" id="{680C0B37-C476-2E80-8C30-F6619428BFCF}"/>
-              </a:ext>
-            </a:extLst>
-          </p:cNvPr>
-          <p:cNvSpPr>
-            <a:spLocks noGrp="1"/>
-          </p:cNvSpPr>
-          <p:nvPr>
-            <p:ph idx="1"/>
-          </p:nvPr>
-        </p:nvSpPr>
-        <p:spPr>
-          <a:xfrm>
-            <a:off x="793660" y="2599509"/>
-            <a:ext cx="10119873" cy="3435531"/>
-          </a:xfrm>
-        </p:spPr>
-        <p:txBody>
-          <a:bodyPr anchor="ctr">
-            <a:normAutofit/>
-          </a:bodyPr>
-          <a:lstStyle/>
-          <a:p>
-            <a:r>
               <a:rPr lang="en-US" sz="2000" b="1" dirty="0"/>
               <a:t>Sensing: </a:t>
             </a:r>
@@ -10353,14 +10745,14 @@
           <a:p>
             <a:pPr lvl="1"/>
             <a:r>
-              <a:rPr lang="en-US" sz="1600" dirty="0"/>
+              <a:rPr lang="en-US" sz="2000"/>
               <a:t>Agent receives Reward (Profit - Risk).</a:t>
             </a:r>
           </a:p>
           <a:p>
             <a:pPr lvl="1"/>
             <a:r>
-              <a:rPr lang="en-US" sz="1600" dirty="0"/>
+              <a:rPr lang="en-US" sz="2000"/>
               <a:t>EGT Agents receive Fitness (Profit).</a:t>
             </a:r>
             <a:endParaRPr lang="en-US" sz="2000" dirty="0"/>
@@ -10424,10 +10816,10 @@
       </p:grpSpPr>
       <p:sp useBgFill="1">
         <p:nvSpPr>
-          <p:cNvPr id="8" name="Rectangle 7">
-            <a:extLst>
-              <a:ext uri="{FF2B5EF4-FFF2-40B4-BE49-F238E27FC236}">
-                <a16:creationId xmlns:a16="http://schemas.microsoft.com/office/drawing/2014/main" id="{498C450B-0604-4A17-D2C6-24BBB0782A01}"/>
+          <p:cNvPr id="19" name="Rectangle 18">
+            <a:extLst>
+              <a:ext uri="{FF2B5EF4-FFF2-40B4-BE49-F238E27FC236}">
+                <a16:creationId xmlns:a16="http://schemas.microsoft.com/office/drawing/2014/main" id="{AAAE94E3-A7DB-4868-B1E3-E49703488BBC}"/>
               </a:ext>
               <a:ext uri="{C183D7F6-B498-43B3-948B-1728B52AA6E4}">
                 <adec:decorative xmlns:adec="http://schemas.microsoft.com/office/drawing/2017/decorative" val="1"/>
@@ -10500,30 +10892,30 @@
         </p:nvSpPr>
         <p:spPr>
           <a:xfrm>
-            <a:off x="808638" y="386930"/>
-            <a:ext cx="9236700" cy="1188950"/>
+            <a:off x="589560" y="856180"/>
+            <a:ext cx="5279408" cy="1128068"/>
           </a:xfrm>
         </p:spPr>
         <p:txBody>
-          <a:bodyPr anchor="b">
+          <a:bodyPr anchor="ctr">
             <a:normAutofit/>
           </a:bodyPr>
           <a:lstStyle/>
           <a:p>
             <a:r>
-              <a:rPr lang="en-US" sz="4600" b="1" dirty="0"/>
+              <a:rPr lang="en-US" sz="4000" b="1"/>
               <a:t>Results</a:t>
             </a:r>
-            <a:endParaRPr lang="en-US" sz="4600" dirty="0"/>
+            <a:endParaRPr lang="en-US" sz="4000"/>
           </a:p>
         </p:txBody>
       </p:sp>
       <p:grpSp>
         <p:nvGrpSpPr>
-          <p:cNvPr id="10" name="Group 9">
-            <a:extLst>
-              <a:ext uri="{FF2B5EF4-FFF2-40B4-BE49-F238E27FC236}">
-                <a16:creationId xmlns:a16="http://schemas.microsoft.com/office/drawing/2014/main" id="{82BF77EF-BD19-4E8C-42C7-D8192CBA3E7E}"/>
+          <p:cNvPr id="21" name="Group 20">
+            <a:extLst>
+              <a:ext uri="{FF2B5EF4-FFF2-40B4-BE49-F238E27FC236}">
+                <a16:creationId xmlns:a16="http://schemas.microsoft.com/office/drawing/2014/main" id="{1DE889C7-FAD6-4397-98E2-05D503484459}"/>
               </a:ext>
               <a:ext uri="{C183D7F6-B498-43B3-948B-1728B52AA6E4}">
                 <adec:decorative xmlns:adec="http://schemas.microsoft.com/office/drawing/2017/decorative" val="1"/>
@@ -10543,18 +10935,18 @@
         </p:nvGrpSpPr>
         <p:grpSpPr>
           <a:xfrm>
-            <a:off x="-2" y="1998368"/>
-            <a:ext cx="11695083" cy="782176"/>
-            <a:chOff x="-2" y="1998368"/>
-            <a:chExt cx="11695083" cy="782176"/>
+            <a:off x="0" y="1083484"/>
+            <a:ext cx="355196" cy="673460"/>
+            <a:chOff x="0" y="823811"/>
+            <a:chExt cx="355196" cy="673460"/>
           </a:xfrm>
         </p:grpSpPr>
         <p:sp>
           <p:nvSpPr>
-            <p:cNvPr id="11" name="Rectangle 10">
+            <p:cNvPr id="22" name="Rectangle 21">
               <a:extLst>
                 <a:ext uri="{FF2B5EF4-FFF2-40B4-BE49-F238E27FC236}">
-                  <a16:creationId xmlns:a16="http://schemas.microsoft.com/office/drawing/2014/main" id="{D1DC201D-4D4F-B125-AA88-28F75F4CF929}"/>
+                  <a16:creationId xmlns:a16="http://schemas.microsoft.com/office/drawing/2014/main" id="{F399A70F-F8CD-4992-9EF5-6CF15472E73F}"/>
                 </a:ext>
                 <a:ext uri="{C183D7F6-B498-43B3-948B-1728B52AA6E4}">
                   <adec:decorative xmlns:adec="http://schemas.microsoft.com/office/drawing/2017/decorative" val="1"/>
@@ -10571,9 +10963,9 @@
             </p:nvPr>
           </p:nvSpPr>
           <p:spPr>
-            <a:xfrm rot="5400000">
-              <a:off x="11228040" y="2313027"/>
-              <a:ext cx="781700" cy="152382"/>
+            <a:xfrm>
+              <a:off x="0" y="823811"/>
+              <a:ext cx="87363" cy="673460"/>
             </a:xfrm>
             <a:prstGeom prst="rect">
               <a:avLst/>
@@ -10612,10 +11004,10 @@
         </p:sp>
         <p:sp>
           <p:nvSpPr>
-            <p:cNvPr id="12" name="Rectangle 11">
+            <p:cNvPr id="23" name="Rectangle 22">
               <a:extLst>
                 <a:ext uri="{FF2B5EF4-FFF2-40B4-BE49-F238E27FC236}">
-                  <a16:creationId xmlns:a16="http://schemas.microsoft.com/office/drawing/2014/main" id="{BA159FD0-F02C-4F1F-8D4A-6C2E0B07D64D}"/>
+                  <a16:creationId xmlns:a16="http://schemas.microsoft.com/office/drawing/2014/main" id="{48F4FEDC-6D80-458C-A665-075D9B9500FD}"/>
                 </a:ext>
                 <a:ext uri="{C183D7F6-B498-43B3-948B-1728B52AA6E4}">
                   <adec:decorative xmlns:adec="http://schemas.microsoft.com/office/drawing/2017/decorative" val="1"/>
@@ -10632,9 +11024,9 @@
             </p:nvPr>
           </p:nvSpPr>
           <p:spPr>
-            <a:xfrm flipH="1" flipV="1">
-              <a:off x="-2" y="1998845"/>
-              <a:ext cx="11454595" cy="781699"/>
+            <a:xfrm>
+              <a:off x="159341" y="823811"/>
+              <a:ext cx="195855" cy="673460"/>
             </a:xfrm>
             <a:prstGeom prst="rect">
               <a:avLst/>
@@ -10674,10 +11066,10 @@
       </p:grpSp>
       <p:sp>
         <p:nvSpPr>
-          <p:cNvPr id="14" name="Rectangle 13">
-            <a:extLst>
-              <a:ext uri="{FF2B5EF4-FFF2-40B4-BE49-F238E27FC236}">
-                <a16:creationId xmlns:a16="http://schemas.microsoft.com/office/drawing/2014/main" id="{0988612C-505E-C187-F0A3-6C60CDF1F041}"/>
+          <p:cNvPr id="25" name="Rectangle 24">
+            <a:extLst>
+              <a:ext uri="{FF2B5EF4-FFF2-40B4-BE49-F238E27FC236}">
+                <a16:creationId xmlns:a16="http://schemas.microsoft.com/office/drawing/2014/main" id="{3873B707-463F-40B0-8227-E8CC6C67EB25}"/>
               </a:ext>
               <a:ext uri="{C183D7F6-B498-43B3-948B-1728B52AA6E4}">
                 <adec:decorative xmlns:adec="http://schemas.microsoft.com/office/drawing/2017/decorative" val="1"/>
@@ -10696,9 +11088,181 @@
           </p:nvPr>
         </p:nvSpPr>
         <p:spPr>
+          <a:xfrm flipH="1">
+            <a:off x="665085" y="2123821"/>
+            <a:ext cx="4975066" cy="27432"/>
+          </a:xfrm>
+          <a:prstGeom prst="rect">
+            <a:avLst/>
+          </a:prstGeom>
+          <a:solidFill>
+            <a:schemeClr val="accent4"/>
+          </a:solidFill>
+          <a:ln>
+            <a:noFill/>
+          </a:ln>
+        </p:spPr>
+        <p:style>
+          <a:lnRef idx="2">
+            <a:schemeClr val="accent1">
+              <a:shade val="50000"/>
+            </a:schemeClr>
+          </a:lnRef>
+          <a:fillRef idx="1">
+            <a:schemeClr val="accent1"/>
+          </a:fillRef>
+          <a:effectRef idx="0">
+            <a:schemeClr val="accent1"/>
+          </a:effectRef>
+          <a:fontRef idx="minor">
+            <a:schemeClr val="lt1"/>
+          </a:fontRef>
+        </p:style>
+        <p:txBody>
+          <a:bodyPr rtlCol="0" anchor="ctr"/>
+          <a:lstStyle/>
+          <a:p>
+            <a:pPr algn="ctr"/>
+            <a:endParaRPr lang="en-US"/>
+          </a:p>
+        </p:txBody>
+      </p:sp>
+      <p:sp>
+        <p:nvSpPr>
+          <p:cNvPr id="3" name="Content Placeholder 2">
+            <a:extLst>
+              <a:ext uri="{FF2B5EF4-FFF2-40B4-BE49-F238E27FC236}">
+                <a16:creationId xmlns:a16="http://schemas.microsoft.com/office/drawing/2014/main" id="{F842678B-0DDA-DC10-08A1-2B74A64D6482}"/>
+              </a:ext>
+            </a:extLst>
+          </p:cNvPr>
+          <p:cNvSpPr>
+            <a:spLocks noGrp="1"/>
+          </p:cNvSpPr>
+          <p:nvPr>
+            <p:ph idx="1"/>
+          </p:nvPr>
+        </p:nvSpPr>
+        <p:spPr>
           <a:xfrm>
-            <a:off x="0" y="2203079"/>
-            <a:ext cx="11383362" cy="4147845"/>
+            <a:off x="590719" y="2330505"/>
+            <a:ext cx="5278066" cy="3979585"/>
+          </a:xfrm>
+        </p:spPr>
+        <p:txBody>
+          <a:bodyPr anchor="ctr">
+            <a:normAutofit/>
+          </a:bodyPr>
+          <a:lstStyle/>
+          <a:p>
+            <a:r>
+              <a:rPr lang="en-US" sz="2000" b="1" dirty="0"/>
+              <a:t>What happened: </a:t>
+            </a:r>
+            <a:r>
+              <a:rPr lang="en-US" sz="2000" dirty="0"/>
+              <a:t>The ARL agent achieved ~1.5% total return. The rolling reward plot shows the agent initially struggling (exploration) before converging to a stable, positive-reward policy.</a:t>
+            </a:r>
+          </a:p>
+          <a:p>
+            <a:r>
+              <a:rPr lang="en-US" sz="2000" dirty="0"/>
+              <a:t>The AI learned how to make money. It started knowing nothing, made mistakes, learned from them via gradient descent, and ended up profitable.</a:t>
+            </a:r>
+            <a:endParaRPr lang="en-US" sz="2000" b="1" dirty="0"/>
+          </a:p>
+        </p:txBody>
+      </p:sp>
+      <p:sp>
+        <p:nvSpPr>
+          <p:cNvPr id="27" name="Rectangle 26">
+            <a:extLst>
+              <a:ext uri="{FF2B5EF4-FFF2-40B4-BE49-F238E27FC236}">
+                <a16:creationId xmlns:a16="http://schemas.microsoft.com/office/drawing/2014/main" id="{C13237C8-E62C-4F0D-A318-BD6FB6C2D138}"/>
+              </a:ext>
+              <a:ext uri="{C183D7F6-B498-43B3-948B-1728B52AA6E4}">
+                <adec:decorative xmlns:adec="http://schemas.microsoft.com/office/drawing/2017/decorative" val="1"/>
+              </a:ext>
+            </a:extLst>
+          </p:cNvPr>
+          <p:cNvSpPr>
+            <a:spLocks noGrp="1" noRot="1" noChangeAspect="1" noMove="1" noResize="1" noEditPoints="1" noAdjustHandles="1" noChangeArrowheads="1" noChangeShapeType="1" noTextEdit="1"/>
+          </p:cNvSpPr>
+          <p:nvPr>
+            <p:extLst>
+              <p:ext uri="{386F3935-93C4-4BCD-93E2-E3B085C9AB24}">
+                <p16:designElem xmlns:p16="http://schemas.microsoft.com/office/powerpoint/2015/main" val="1"/>
+              </p:ext>
+            </p:extLst>
+          </p:nvPr>
+        </p:nvSpPr>
+        <p:spPr>
+          <a:xfrm flipH="1">
+            <a:off x="10697670" y="0"/>
+            <a:ext cx="1494330" cy="6858000"/>
+          </a:xfrm>
+          <a:prstGeom prst="rect">
+            <a:avLst/>
+          </a:prstGeom>
+          <a:solidFill>
+            <a:schemeClr val="accent4"/>
+          </a:solidFill>
+          <a:ln>
+            <a:noFill/>
+          </a:ln>
+        </p:spPr>
+        <p:style>
+          <a:lnRef idx="2">
+            <a:schemeClr val="accent1">
+              <a:shade val="50000"/>
+            </a:schemeClr>
+          </a:lnRef>
+          <a:fillRef idx="1">
+            <a:schemeClr val="accent1"/>
+          </a:fillRef>
+          <a:effectRef idx="0">
+            <a:schemeClr val="accent1"/>
+          </a:effectRef>
+          <a:fontRef idx="minor">
+            <a:schemeClr val="lt1"/>
+          </a:fontRef>
+        </p:style>
+        <p:txBody>
+          <a:bodyPr rtlCol="0" anchor="ctr"/>
+          <a:lstStyle/>
+          <a:p>
+            <a:pPr algn="ctr"/>
+            <a:endParaRPr lang="en-US"/>
+          </a:p>
+        </p:txBody>
+      </p:sp>
+      <p:sp>
+        <p:nvSpPr>
+          <p:cNvPr id="29" name="Rectangle 28">
+            <a:extLst>
+              <a:ext uri="{FF2B5EF4-FFF2-40B4-BE49-F238E27FC236}">
+                <a16:creationId xmlns:a16="http://schemas.microsoft.com/office/drawing/2014/main" id="{19C9EAEA-39D0-4B0E-A0EB-51E7B26740B1}"/>
+              </a:ext>
+              <a:ext uri="{C183D7F6-B498-43B3-948B-1728B52AA6E4}">
+                <adec:decorative xmlns:adec="http://schemas.microsoft.com/office/drawing/2017/decorative" val="1"/>
+              </a:ext>
+            </a:extLst>
+          </p:cNvPr>
+          <p:cNvSpPr>
+            <a:spLocks noGrp="1" noRot="1" noChangeAspect="1" noMove="1" noResize="1" noEditPoints="1" noAdjustHandles="1" noChangeArrowheads="1" noChangeShapeType="1" noTextEdit="1"/>
+          </p:cNvSpPr>
+          <p:nvPr>
+            <p:extLst>
+              <p:ext uri="{386F3935-93C4-4BCD-93E2-E3B085C9AB24}">
+                <p16:designElem xmlns:p16="http://schemas.microsoft.com/office/powerpoint/2015/main" val="1"/>
+              </p:ext>
+            </p:extLst>
+          </p:nvPr>
+        </p:nvSpPr>
+        <p:spPr>
+          <a:xfrm>
+            <a:off x="6849687" y="357447"/>
+            <a:ext cx="4845488" cy="2923587"/>
           </a:xfrm>
           <a:prstGeom prst="rect">
             <a:avLst/>
@@ -10742,52 +11306,148 @@
           </a:p>
         </p:txBody>
       </p:sp>
-      <p:sp>
-        <p:nvSpPr>
-          <p:cNvPr id="3" name="Content Placeholder 2">
-            <a:extLst>
-              <a:ext uri="{FF2B5EF4-FFF2-40B4-BE49-F238E27FC236}">
-                <a16:creationId xmlns:a16="http://schemas.microsoft.com/office/drawing/2014/main" id="{F842678B-0DDA-DC10-08A1-2B74A64D6482}"/>
-              </a:ext>
-            </a:extLst>
-          </p:cNvPr>
-          <p:cNvSpPr>
-            <a:spLocks noGrp="1"/>
-          </p:cNvSpPr>
-          <p:nvPr>
-            <p:ph idx="1"/>
-          </p:nvPr>
-        </p:nvSpPr>
+      <p:pic>
+        <p:nvPicPr>
+          <p:cNvPr id="7" name="Picture 6" descr="A graph showing a number of numbers&#10;&#10;AI-generated content may be incorrect.">
+            <a:extLst>
+              <a:ext uri="{FF2B5EF4-FFF2-40B4-BE49-F238E27FC236}">
+                <a16:creationId xmlns:a16="http://schemas.microsoft.com/office/drawing/2014/main" id="{D6327075-2952-D62F-0906-D63EF0959F03}"/>
+              </a:ext>
+            </a:extLst>
+          </p:cNvPr>
+          <p:cNvPicPr>
+            <a:picLocks noChangeAspect="1"/>
+          </p:cNvPicPr>
+          <p:nvPr/>
+        </p:nvPicPr>
+        <p:blipFill>
+          <a:blip r:embed="rId3">
+            <a:extLst>
+              <a:ext uri="{28A0092B-C50C-407E-A947-70E740481C1C}">
+                <a14:useLocalDpi xmlns:a14="http://schemas.microsoft.com/office/drawing/2010/main" val="0"/>
+              </a:ext>
+            </a:extLst>
+          </a:blip>
+          <a:stretch>
+            <a:fillRect/>
+          </a:stretch>
+        </p:blipFill>
         <p:spPr>
           <a:xfrm>
-            <a:off x="793660" y="2599509"/>
-            <a:ext cx="10119873" cy="3435531"/>
+            <a:off x="7602970" y="581892"/>
+            <a:ext cx="3358339" cy="2518756"/>
           </a:xfrm>
+          <a:prstGeom prst="rect">
+            <a:avLst/>
+          </a:prstGeom>
         </p:spPr>
-        <p:txBody>
-          <a:bodyPr anchor="ctr">
-            <a:normAutofit/>
-          </a:bodyPr>
-          <a:lstStyle/>
-          <a:p>
-            <a:r>
-              <a:rPr lang="en-US" sz="2000" b="1" dirty="0"/>
-              <a:t>What happened: </a:t>
-            </a:r>
-            <a:r>
-              <a:rPr lang="en-US" sz="2000" dirty="0"/>
-              <a:t>The ARL agent achieved ~1.5% total return. The rolling reward plot shows the agent initially struggling (exploration) before converging to a stable, positive-reward policy.</a:t>
-            </a:r>
-          </a:p>
-          <a:p>
-            <a:r>
-              <a:rPr lang="en-US" sz="2000" dirty="0"/>
-              <a:t>The AI learned how to make money. It started knowing nothing, made mistakes, learned from them via gradient descent, and ended up profitable.</a:t>
-            </a:r>
-            <a:endParaRPr lang="en-US" sz="2000" b="1" dirty="0"/>
-          </a:p>
-        </p:txBody>
-      </p:sp>
+      </p:pic>
+      <p:sp>
+        <p:nvSpPr>
+          <p:cNvPr id="31" name="Rectangle 30">
+            <a:extLst>
+              <a:ext uri="{FF2B5EF4-FFF2-40B4-BE49-F238E27FC236}">
+                <a16:creationId xmlns:a16="http://schemas.microsoft.com/office/drawing/2014/main" id="{8CB5D2D7-DF65-4E86-BFBA-FFB9B5ACEB64}"/>
+              </a:ext>
+              <a:ext uri="{C183D7F6-B498-43B3-948B-1728B52AA6E4}">
+                <adec:decorative xmlns:adec="http://schemas.microsoft.com/office/drawing/2017/decorative" val="1"/>
+              </a:ext>
+            </a:extLst>
+          </p:cNvPr>
+          <p:cNvSpPr>
+            <a:spLocks noGrp="1" noRot="1" noChangeAspect="1" noMove="1" noResize="1" noEditPoints="1" noAdjustHandles="1" noChangeArrowheads="1" noChangeShapeType="1" noTextEdit="1"/>
+          </p:cNvSpPr>
+          <p:nvPr>
+            <p:extLst>
+              <p:ext uri="{386F3935-93C4-4BCD-93E2-E3B085C9AB24}">
+                <p16:designElem xmlns:p16="http://schemas.microsoft.com/office/powerpoint/2015/main" val="1"/>
+              </p:ext>
+            </p:extLst>
+          </p:nvPr>
+        </p:nvSpPr>
+        <p:spPr>
+          <a:xfrm>
+            <a:off x="6849687" y="3505479"/>
+            <a:ext cx="4845488" cy="2923587"/>
+          </a:xfrm>
+          <a:prstGeom prst="rect">
+            <a:avLst/>
+          </a:prstGeom>
+          <a:solidFill>
+            <a:schemeClr val="bg1"/>
+          </a:solidFill>
+          <a:ln>
+            <a:noFill/>
+          </a:ln>
+          <a:effectLst>
+            <a:outerShdw blurRad="139700" dist="127000" dir="5400000" algn="t" rotWithShape="0">
+              <a:prstClr val="black">
+                <a:alpha val="15000"/>
+              </a:prstClr>
+            </a:outerShdw>
+          </a:effectLst>
+        </p:spPr>
+        <p:style>
+          <a:lnRef idx="2">
+            <a:schemeClr val="accent1">
+              <a:shade val="50000"/>
+            </a:schemeClr>
+          </a:lnRef>
+          <a:fillRef idx="1">
+            <a:schemeClr val="accent1"/>
+          </a:fillRef>
+          <a:effectRef idx="0">
+            <a:schemeClr val="accent1"/>
+          </a:effectRef>
+          <a:fontRef idx="minor">
+            <a:schemeClr val="lt1"/>
+          </a:fontRef>
+        </p:style>
+        <p:txBody>
+          <a:bodyPr rtlCol="0" anchor="ctr"/>
+          <a:lstStyle/>
+          <a:p>
+            <a:pPr algn="ctr"/>
+            <a:endParaRPr lang="en-US"/>
+          </a:p>
+        </p:txBody>
+      </p:sp>
+      <p:pic>
+        <p:nvPicPr>
+          <p:cNvPr id="5" name="Picture 4" descr="A graph showing a line&#10;&#10;AI-generated content may be incorrect.">
+            <a:extLst>
+              <a:ext uri="{FF2B5EF4-FFF2-40B4-BE49-F238E27FC236}">
+                <a16:creationId xmlns:a16="http://schemas.microsoft.com/office/drawing/2014/main" id="{55F6F023-8BD1-B5B6-402A-4B6EE6F8AA7A}"/>
+              </a:ext>
+            </a:extLst>
+          </p:cNvPr>
+          <p:cNvPicPr>
+            <a:picLocks noChangeAspect="1"/>
+          </p:cNvPicPr>
+          <p:nvPr/>
+        </p:nvPicPr>
+        <p:blipFill>
+          <a:blip r:embed="rId4">
+            <a:extLst>
+              <a:ext uri="{28A0092B-C50C-407E-A947-70E740481C1C}">
+                <a14:useLocalDpi xmlns:a14="http://schemas.microsoft.com/office/drawing/2010/main" val="0"/>
+              </a:ext>
+            </a:extLst>
+          </a:blip>
+          <a:stretch>
+            <a:fillRect/>
+          </a:stretch>
+        </p:blipFill>
+        <p:spPr>
+          <a:xfrm>
+            <a:off x="7602038" y="3707894"/>
+            <a:ext cx="3358339" cy="2518756"/>
+          </a:xfrm>
+          <a:prstGeom prst="rect">
+            <a:avLst/>
+          </a:prstGeom>
+        </p:spPr>
+      </p:pic>
     </p:spTree>
     <p:extLst>
       <p:ext uri="{BB962C8B-B14F-4D97-AF65-F5344CB8AC3E}">
@@ -10834,10 +11494,10 @@
       </p:grpSpPr>
       <p:sp useBgFill="1">
         <p:nvSpPr>
-          <p:cNvPr id="8" name="Rectangle 7">
-            <a:extLst>
-              <a:ext uri="{FF2B5EF4-FFF2-40B4-BE49-F238E27FC236}">
-                <a16:creationId xmlns:a16="http://schemas.microsoft.com/office/drawing/2014/main" id="{0E00D6B3-2D07-FFF0-9D7D-E90E4B9C5C92}"/>
+          <p:cNvPr id="19" name="Rectangle 18">
+            <a:extLst>
+              <a:ext uri="{FF2B5EF4-FFF2-40B4-BE49-F238E27FC236}">
+                <a16:creationId xmlns:a16="http://schemas.microsoft.com/office/drawing/2014/main" id="{AAAE94E3-A7DB-4868-B1E3-E49703488BBC}"/>
               </a:ext>
               <a:ext uri="{C183D7F6-B498-43B3-948B-1728B52AA6E4}">
                 <adec:decorative xmlns:adec="http://schemas.microsoft.com/office/drawing/2017/decorative" val="1"/>
@@ -10910,30 +11570,30 @@
         </p:nvSpPr>
         <p:spPr>
           <a:xfrm>
-            <a:off x="808638" y="386930"/>
-            <a:ext cx="9236700" cy="1188950"/>
+            <a:off x="589560" y="856180"/>
+            <a:ext cx="5279408" cy="1128068"/>
           </a:xfrm>
         </p:spPr>
         <p:txBody>
-          <a:bodyPr anchor="b">
+          <a:bodyPr anchor="ctr">
             <a:normAutofit/>
           </a:bodyPr>
           <a:lstStyle/>
           <a:p>
             <a:r>
-              <a:rPr lang="en-US" sz="4600" b="1" dirty="0"/>
+              <a:rPr lang="en-US" sz="4000" b="1"/>
               <a:t>Results (continued)</a:t>
             </a:r>
-            <a:endParaRPr lang="en-US" sz="4600" dirty="0"/>
+            <a:endParaRPr lang="en-US" sz="4000"/>
           </a:p>
         </p:txBody>
       </p:sp>
       <p:grpSp>
         <p:nvGrpSpPr>
-          <p:cNvPr id="10" name="Group 9">
-            <a:extLst>
-              <a:ext uri="{FF2B5EF4-FFF2-40B4-BE49-F238E27FC236}">
-                <a16:creationId xmlns:a16="http://schemas.microsoft.com/office/drawing/2014/main" id="{51E37756-43C0-EC82-8E73-255CDAD813C9}"/>
+          <p:cNvPr id="21" name="Group 20">
+            <a:extLst>
+              <a:ext uri="{FF2B5EF4-FFF2-40B4-BE49-F238E27FC236}">
+                <a16:creationId xmlns:a16="http://schemas.microsoft.com/office/drawing/2014/main" id="{1DE889C7-FAD6-4397-98E2-05D503484459}"/>
               </a:ext>
               <a:ext uri="{C183D7F6-B498-43B3-948B-1728B52AA6E4}">
                 <adec:decorative xmlns:adec="http://schemas.microsoft.com/office/drawing/2017/decorative" val="1"/>
@@ -10953,18 +11613,18 @@
         </p:nvGrpSpPr>
         <p:grpSpPr>
           <a:xfrm>
-            <a:off x="-2" y="1998368"/>
-            <a:ext cx="11695083" cy="782176"/>
-            <a:chOff x="-2" y="1998368"/>
-            <a:chExt cx="11695083" cy="782176"/>
+            <a:off x="0" y="1083484"/>
+            <a:ext cx="355196" cy="673460"/>
+            <a:chOff x="0" y="823811"/>
+            <a:chExt cx="355196" cy="673460"/>
           </a:xfrm>
         </p:grpSpPr>
         <p:sp>
           <p:nvSpPr>
-            <p:cNvPr id="11" name="Rectangle 10">
+            <p:cNvPr id="22" name="Rectangle 21">
               <a:extLst>
                 <a:ext uri="{FF2B5EF4-FFF2-40B4-BE49-F238E27FC236}">
-                  <a16:creationId xmlns:a16="http://schemas.microsoft.com/office/drawing/2014/main" id="{8EEE9C1C-864F-C008-C0BF-7A309951E489}"/>
+                  <a16:creationId xmlns:a16="http://schemas.microsoft.com/office/drawing/2014/main" id="{F399A70F-F8CD-4992-9EF5-6CF15472E73F}"/>
                 </a:ext>
                 <a:ext uri="{C183D7F6-B498-43B3-948B-1728B52AA6E4}">
                   <adec:decorative xmlns:adec="http://schemas.microsoft.com/office/drawing/2017/decorative" val="1"/>
@@ -10981,9 +11641,9 @@
             </p:nvPr>
           </p:nvSpPr>
           <p:spPr>
-            <a:xfrm rot="5400000">
-              <a:off x="11228040" y="2313027"/>
-              <a:ext cx="781700" cy="152382"/>
+            <a:xfrm>
+              <a:off x="0" y="823811"/>
+              <a:ext cx="87363" cy="673460"/>
             </a:xfrm>
             <a:prstGeom prst="rect">
               <a:avLst/>
@@ -11022,10 +11682,10 @@
         </p:sp>
         <p:sp>
           <p:nvSpPr>
-            <p:cNvPr id="12" name="Rectangle 11">
+            <p:cNvPr id="23" name="Rectangle 22">
               <a:extLst>
                 <a:ext uri="{FF2B5EF4-FFF2-40B4-BE49-F238E27FC236}">
-                  <a16:creationId xmlns:a16="http://schemas.microsoft.com/office/drawing/2014/main" id="{16194F80-C7C7-6E89-0287-2338987B2AE7}"/>
+                  <a16:creationId xmlns:a16="http://schemas.microsoft.com/office/drawing/2014/main" id="{48F4FEDC-6D80-458C-A665-075D9B9500FD}"/>
                 </a:ext>
                 <a:ext uri="{C183D7F6-B498-43B3-948B-1728B52AA6E4}">
                   <adec:decorative xmlns:adec="http://schemas.microsoft.com/office/drawing/2017/decorative" val="1"/>
@@ -11042,9 +11702,9 @@
             </p:nvPr>
           </p:nvSpPr>
           <p:spPr>
-            <a:xfrm flipH="1" flipV="1">
-              <a:off x="-2" y="1998845"/>
-              <a:ext cx="11454595" cy="781699"/>
+            <a:xfrm>
+              <a:off x="159341" y="823811"/>
+              <a:ext cx="195855" cy="673460"/>
             </a:xfrm>
             <a:prstGeom prst="rect">
               <a:avLst/>
@@ -11084,10 +11744,10 @@
       </p:grpSp>
       <p:sp>
         <p:nvSpPr>
-          <p:cNvPr id="14" name="Rectangle 13">
-            <a:extLst>
-              <a:ext uri="{FF2B5EF4-FFF2-40B4-BE49-F238E27FC236}">
-                <a16:creationId xmlns:a16="http://schemas.microsoft.com/office/drawing/2014/main" id="{003887E0-F446-674D-3CA1-9DA6BF09D686}"/>
+          <p:cNvPr id="25" name="Rectangle 24">
+            <a:extLst>
+              <a:ext uri="{FF2B5EF4-FFF2-40B4-BE49-F238E27FC236}">
+                <a16:creationId xmlns:a16="http://schemas.microsoft.com/office/drawing/2014/main" id="{3873B707-463F-40B0-8227-E8CC6C67EB25}"/>
               </a:ext>
               <a:ext uri="{C183D7F6-B498-43B3-948B-1728B52AA6E4}">
                 <adec:decorative xmlns:adec="http://schemas.microsoft.com/office/drawing/2017/decorative" val="1"/>
@@ -11106,9 +11766,201 @@
           </p:nvPr>
         </p:nvSpPr>
         <p:spPr>
+          <a:xfrm flipH="1">
+            <a:off x="665085" y="2123821"/>
+            <a:ext cx="4975066" cy="27432"/>
+          </a:xfrm>
+          <a:prstGeom prst="rect">
+            <a:avLst/>
+          </a:prstGeom>
+          <a:solidFill>
+            <a:schemeClr val="accent4"/>
+          </a:solidFill>
+          <a:ln>
+            <a:noFill/>
+          </a:ln>
+        </p:spPr>
+        <p:style>
+          <a:lnRef idx="2">
+            <a:schemeClr val="accent1">
+              <a:shade val="50000"/>
+            </a:schemeClr>
+          </a:lnRef>
+          <a:fillRef idx="1">
+            <a:schemeClr val="accent1"/>
+          </a:fillRef>
+          <a:effectRef idx="0">
+            <a:schemeClr val="accent1"/>
+          </a:effectRef>
+          <a:fontRef idx="minor">
+            <a:schemeClr val="lt1"/>
+          </a:fontRef>
+        </p:style>
+        <p:txBody>
+          <a:bodyPr rtlCol="0" anchor="ctr"/>
+          <a:lstStyle/>
+          <a:p>
+            <a:pPr algn="ctr"/>
+            <a:endParaRPr lang="en-US"/>
+          </a:p>
+        </p:txBody>
+      </p:sp>
+      <p:sp>
+        <p:nvSpPr>
+          <p:cNvPr id="3" name="Content Placeholder 2">
+            <a:extLst>
+              <a:ext uri="{FF2B5EF4-FFF2-40B4-BE49-F238E27FC236}">
+                <a16:creationId xmlns:a16="http://schemas.microsoft.com/office/drawing/2014/main" id="{44B3DB00-4BE9-27B8-9CAE-47E9E9DF951F}"/>
+              </a:ext>
+            </a:extLst>
+          </p:cNvPr>
+          <p:cNvSpPr>
+            <a:spLocks noGrp="1"/>
+          </p:cNvSpPr>
+          <p:nvPr>
+            <p:ph idx="1"/>
+          </p:nvPr>
+        </p:nvSpPr>
+        <p:spPr>
           <a:xfrm>
-            <a:off x="0" y="2203079"/>
-            <a:ext cx="11383362" cy="4147845"/>
+            <a:off x="590719" y="2330505"/>
+            <a:ext cx="5278066" cy="3979585"/>
+          </a:xfrm>
+        </p:spPr>
+        <p:txBody>
+          <a:bodyPr anchor="ctr">
+            <a:normAutofit/>
+          </a:bodyPr>
+          <a:lstStyle/>
+          <a:p>
+            <a:r>
+              <a:rPr lang="en-US" sz="2000" b="1" dirty="0"/>
+              <a:t>Start: </a:t>
+            </a:r>
+            <a:r>
+              <a:rPr lang="en-US" sz="2000" dirty="0"/>
+              <a:t>Mixed population</a:t>
+            </a:r>
+          </a:p>
+          <a:p>
+            <a:r>
+              <a:rPr lang="en-US" sz="2000" b="1" dirty="0"/>
+              <a:t>Middle: </a:t>
+            </a:r>
+            <a:r>
+              <a:rPr lang="en-US" sz="2000" dirty="0"/>
+              <a:t>Aggressive traders tried to exploit the agent. The agent countered by widening spreads.</a:t>
+            </a:r>
+          </a:p>
+          <a:p>
+            <a:r>
+              <a:rPr lang="af-ZA" sz="2000" b="1" dirty="0"/>
+              <a:t>End: </a:t>
+            </a:r>
+            <a:r>
+              <a:rPr lang="en-US" sz="2000" dirty="0"/>
+              <a:t>Aggressive traders went bankrupt. Passive traders (green area) took over &gt;99% of the market.</a:t>
+            </a:r>
+          </a:p>
+          <a:p>
+            <a:r>
+              <a:rPr lang="en-US" sz="2000" dirty="0"/>
+              <a:t>The AI "starved" the aggressive traders by refusing to give them good prices. It shaped its own environment.</a:t>
+            </a:r>
+            <a:endParaRPr lang="en-US" sz="2000" b="1" dirty="0"/>
+          </a:p>
+        </p:txBody>
+      </p:sp>
+      <p:sp>
+        <p:nvSpPr>
+          <p:cNvPr id="27" name="Rectangle 26">
+            <a:extLst>
+              <a:ext uri="{FF2B5EF4-FFF2-40B4-BE49-F238E27FC236}">
+                <a16:creationId xmlns:a16="http://schemas.microsoft.com/office/drawing/2014/main" id="{C13237C8-E62C-4F0D-A318-BD6FB6C2D138}"/>
+              </a:ext>
+              <a:ext uri="{C183D7F6-B498-43B3-948B-1728B52AA6E4}">
+                <adec:decorative xmlns:adec="http://schemas.microsoft.com/office/drawing/2017/decorative" val="1"/>
+              </a:ext>
+            </a:extLst>
+          </p:cNvPr>
+          <p:cNvSpPr>
+            <a:spLocks noGrp="1" noRot="1" noChangeAspect="1" noMove="1" noResize="1" noEditPoints="1" noAdjustHandles="1" noChangeArrowheads="1" noChangeShapeType="1" noTextEdit="1"/>
+          </p:cNvSpPr>
+          <p:nvPr>
+            <p:extLst>
+              <p:ext uri="{386F3935-93C4-4BCD-93E2-E3B085C9AB24}">
+                <p16:designElem xmlns:p16="http://schemas.microsoft.com/office/powerpoint/2015/main" val="1"/>
+              </p:ext>
+            </p:extLst>
+          </p:nvPr>
+        </p:nvSpPr>
+        <p:spPr>
+          <a:xfrm flipH="1">
+            <a:off x="10697670" y="0"/>
+            <a:ext cx="1494330" cy="6858000"/>
+          </a:xfrm>
+          <a:prstGeom prst="rect">
+            <a:avLst/>
+          </a:prstGeom>
+          <a:solidFill>
+            <a:schemeClr val="accent4"/>
+          </a:solidFill>
+          <a:ln>
+            <a:noFill/>
+          </a:ln>
+        </p:spPr>
+        <p:style>
+          <a:lnRef idx="2">
+            <a:schemeClr val="accent1">
+              <a:shade val="50000"/>
+            </a:schemeClr>
+          </a:lnRef>
+          <a:fillRef idx="1">
+            <a:schemeClr val="accent1"/>
+          </a:fillRef>
+          <a:effectRef idx="0">
+            <a:schemeClr val="accent1"/>
+          </a:effectRef>
+          <a:fontRef idx="minor">
+            <a:schemeClr val="lt1"/>
+          </a:fontRef>
+        </p:style>
+        <p:txBody>
+          <a:bodyPr rtlCol="0" anchor="ctr"/>
+          <a:lstStyle/>
+          <a:p>
+            <a:pPr algn="ctr"/>
+            <a:endParaRPr lang="en-US"/>
+          </a:p>
+        </p:txBody>
+      </p:sp>
+      <p:sp>
+        <p:nvSpPr>
+          <p:cNvPr id="29" name="Rectangle 28">
+            <a:extLst>
+              <a:ext uri="{FF2B5EF4-FFF2-40B4-BE49-F238E27FC236}">
+                <a16:creationId xmlns:a16="http://schemas.microsoft.com/office/drawing/2014/main" id="{19C9EAEA-39D0-4B0E-A0EB-51E7B26740B1}"/>
+              </a:ext>
+              <a:ext uri="{C183D7F6-B498-43B3-948B-1728B52AA6E4}">
+                <adec:decorative xmlns:adec="http://schemas.microsoft.com/office/drawing/2017/decorative" val="1"/>
+              </a:ext>
+            </a:extLst>
+          </p:cNvPr>
+          <p:cNvSpPr>
+            <a:spLocks noGrp="1" noRot="1" noChangeAspect="1" noMove="1" noResize="1" noEditPoints="1" noAdjustHandles="1" noChangeArrowheads="1" noChangeShapeType="1" noTextEdit="1"/>
+          </p:cNvSpPr>
+          <p:nvPr>
+            <p:extLst>
+              <p:ext uri="{386F3935-93C4-4BCD-93E2-E3B085C9AB24}">
+                <p16:designElem xmlns:p16="http://schemas.microsoft.com/office/powerpoint/2015/main" val="1"/>
+              </p:ext>
+            </p:extLst>
+          </p:nvPr>
+        </p:nvSpPr>
+        <p:spPr>
+          <a:xfrm>
+            <a:off x="6849687" y="357447"/>
+            <a:ext cx="4845488" cy="2923587"/>
           </a:xfrm>
           <a:prstGeom prst="rect">
             <a:avLst/>
@@ -11152,72 +12004,148 @@
           </a:p>
         </p:txBody>
       </p:sp>
-      <p:sp>
-        <p:nvSpPr>
-          <p:cNvPr id="3" name="Content Placeholder 2">
-            <a:extLst>
-              <a:ext uri="{FF2B5EF4-FFF2-40B4-BE49-F238E27FC236}">
-                <a16:creationId xmlns:a16="http://schemas.microsoft.com/office/drawing/2014/main" id="{44B3DB00-4BE9-27B8-9CAE-47E9E9DF951F}"/>
-              </a:ext>
-            </a:extLst>
-          </p:cNvPr>
-          <p:cNvSpPr>
-            <a:spLocks noGrp="1"/>
-          </p:cNvSpPr>
-          <p:nvPr>
-            <p:ph idx="1"/>
-          </p:nvPr>
-        </p:nvSpPr>
+      <p:pic>
+        <p:nvPicPr>
+          <p:cNvPr id="5" name="Picture 4" descr="A graph of different colors&#10;&#10;AI-generated content may be incorrect.">
+            <a:extLst>
+              <a:ext uri="{FF2B5EF4-FFF2-40B4-BE49-F238E27FC236}">
+                <a16:creationId xmlns:a16="http://schemas.microsoft.com/office/drawing/2014/main" id="{23128665-E3DF-705E-B2D4-973DC43A6609}"/>
+              </a:ext>
+            </a:extLst>
+          </p:cNvPr>
+          <p:cNvPicPr>
+            <a:picLocks noChangeAspect="1"/>
+          </p:cNvPicPr>
+          <p:nvPr/>
+        </p:nvPicPr>
+        <p:blipFill>
+          <a:blip r:embed="rId3">
+            <a:extLst>
+              <a:ext uri="{28A0092B-C50C-407E-A947-70E740481C1C}">
+                <a14:useLocalDpi xmlns:a14="http://schemas.microsoft.com/office/drawing/2010/main" val="0"/>
+              </a:ext>
+            </a:extLst>
+          </a:blip>
+          <a:stretch>
+            <a:fillRect/>
+          </a:stretch>
+        </p:blipFill>
         <p:spPr>
           <a:xfrm>
-            <a:off x="793660" y="2599509"/>
-            <a:ext cx="10119873" cy="3435531"/>
+            <a:off x="7602970" y="581892"/>
+            <a:ext cx="3358339" cy="2518756"/>
           </a:xfrm>
+          <a:prstGeom prst="rect">
+            <a:avLst/>
+          </a:prstGeom>
         </p:spPr>
-        <p:txBody>
-          <a:bodyPr anchor="ctr">
-            <a:normAutofit/>
-          </a:bodyPr>
-          <a:lstStyle/>
-          <a:p>
-            <a:r>
-              <a:rPr lang="en-US" sz="2000" b="1" dirty="0"/>
-              <a:t>Start: </a:t>
-            </a:r>
-            <a:r>
-              <a:rPr lang="en-US" sz="2000" dirty="0"/>
-              <a:t>Mixed population</a:t>
-            </a:r>
-          </a:p>
-          <a:p>
-            <a:r>
-              <a:rPr lang="en-US" sz="2000" b="1" dirty="0"/>
-              <a:t>Middle: </a:t>
-            </a:r>
-            <a:r>
-              <a:rPr lang="en-US" sz="2000" dirty="0"/>
-              <a:t>Aggressive traders tried to exploit the agent. The agent countered by widening spreads.</a:t>
-            </a:r>
-          </a:p>
-          <a:p>
-            <a:r>
-              <a:rPr lang="af-ZA" sz="2000" b="1" dirty="0"/>
-              <a:t>End: </a:t>
-            </a:r>
-            <a:r>
-              <a:rPr lang="en-US" sz="2000" dirty="0"/>
-              <a:t>Aggressive traders went bankrupt. Passive traders (green area) took over &gt;99% of the market.</a:t>
-            </a:r>
-          </a:p>
-          <a:p>
-            <a:r>
-              <a:rPr lang="en-US" sz="2000" dirty="0"/>
-              <a:t>The AI "starved" the aggressive traders by refusing to give them good prices. It shaped its own environment.</a:t>
-            </a:r>
-            <a:endParaRPr lang="en-US" sz="2000" b="1" dirty="0"/>
-          </a:p>
-        </p:txBody>
-      </p:sp>
+      </p:pic>
+      <p:sp>
+        <p:nvSpPr>
+          <p:cNvPr id="31" name="Rectangle 30">
+            <a:extLst>
+              <a:ext uri="{FF2B5EF4-FFF2-40B4-BE49-F238E27FC236}">
+                <a16:creationId xmlns:a16="http://schemas.microsoft.com/office/drawing/2014/main" id="{8CB5D2D7-DF65-4E86-BFBA-FFB9B5ACEB64}"/>
+              </a:ext>
+              <a:ext uri="{C183D7F6-B498-43B3-948B-1728B52AA6E4}">
+                <adec:decorative xmlns:adec="http://schemas.microsoft.com/office/drawing/2017/decorative" val="1"/>
+              </a:ext>
+            </a:extLst>
+          </p:cNvPr>
+          <p:cNvSpPr>
+            <a:spLocks noGrp="1" noRot="1" noChangeAspect="1" noMove="1" noResize="1" noEditPoints="1" noAdjustHandles="1" noChangeArrowheads="1" noChangeShapeType="1" noTextEdit="1"/>
+          </p:cNvSpPr>
+          <p:nvPr>
+            <p:extLst>
+              <p:ext uri="{386F3935-93C4-4BCD-93E2-E3B085C9AB24}">
+                <p16:designElem xmlns:p16="http://schemas.microsoft.com/office/powerpoint/2015/main" val="1"/>
+              </p:ext>
+            </p:extLst>
+          </p:nvPr>
+        </p:nvSpPr>
+        <p:spPr>
+          <a:xfrm>
+            <a:off x="6849687" y="3505479"/>
+            <a:ext cx="4845488" cy="2923587"/>
+          </a:xfrm>
+          <a:prstGeom prst="rect">
+            <a:avLst/>
+          </a:prstGeom>
+          <a:solidFill>
+            <a:schemeClr val="bg1"/>
+          </a:solidFill>
+          <a:ln>
+            <a:noFill/>
+          </a:ln>
+          <a:effectLst>
+            <a:outerShdw blurRad="139700" dist="127000" dir="5400000" algn="t" rotWithShape="0">
+              <a:prstClr val="black">
+                <a:alpha val="15000"/>
+              </a:prstClr>
+            </a:outerShdw>
+          </a:effectLst>
+        </p:spPr>
+        <p:style>
+          <a:lnRef idx="2">
+            <a:schemeClr val="accent1">
+              <a:shade val="50000"/>
+            </a:schemeClr>
+          </a:lnRef>
+          <a:fillRef idx="1">
+            <a:schemeClr val="accent1"/>
+          </a:fillRef>
+          <a:effectRef idx="0">
+            <a:schemeClr val="accent1"/>
+          </a:effectRef>
+          <a:fontRef idx="minor">
+            <a:schemeClr val="lt1"/>
+          </a:fontRef>
+        </p:style>
+        <p:txBody>
+          <a:bodyPr rtlCol="0" anchor="ctr"/>
+          <a:lstStyle/>
+          <a:p>
+            <a:pPr algn="ctr"/>
+            <a:endParaRPr lang="en-US"/>
+          </a:p>
+        </p:txBody>
+      </p:sp>
+      <p:pic>
+        <p:nvPicPr>
+          <p:cNvPr id="7" name="Picture 6" descr="A graph with orange lines&#10;&#10;AI-generated content may be incorrect.">
+            <a:extLst>
+              <a:ext uri="{FF2B5EF4-FFF2-40B4-BE49-F238E27FC236}">
+                <a16:creationId xmlns:a16="http://schemas.microsoft.com/office/drawing/2014/main" id="{AEC64E70-C0EA-31BD-433C-B77A0C101729}"/>
+              </a:ext>
+            </a:extLst>
+          </p:cNvPr>
+          <p:cNvPicPr>
+            <a:picLocks noChangeAspect="1"/>
+          </p:cNvPicPr>
+          <p:nvPr/>
+        </p:nvPicPr>
+        <p:blipFill>
+          <a:blip r:embed="rId4">
+            <a:extLst>
+              <a:ext uri="{28A0092B-C50C-407E-A947-70E740481C1C}">
+                <a14:useLocalDpi xmlns:a14="http://schemas.microsoft.com/office/drawing/2010/main" val="0"/>
+              </a:ext>
+            </a:extLst>
+          </a:blip>
+          <a:stretch>
+            <a:fillRect/>
+          </a:stretch>
+        </p:blipFill>
+        <p:spPr>
+          <a:xfrm>
+            <a:off x="7602038" y="3707894"/>
+            <a:ext cx="3358339" cy="2518756"/>
+          </a:xfrm>
+          <a:prstGeom prst="rect">
+            <a:avLst/>
+          </a:prstGeom>
+        </p:spPr>
+      </p:pic>
     </p:spTree>
     <p:extLst>
       <p:ext uri="{BB962C8B-B14F-4D97-AF65-F5344CB8AC3E}">

--- a/presentation.pptx
+++ b/presentation.pptx
@@ -5,24 +5,25 @@
     <p:sldMasterId id="2147483648" r:id="rId1"/>
   </p:sldMasterIdLst>
   <p:notesMasterIdLst>
-    <p:notesMasterId r:id="rId17"/>
+    <p:notesMasterId r:id="rId18"/>
   </p:notesMasterIdLst>
   <p:sldIdLst>
     <p:sldId id="256" r:id="rId2"/>
     <p:sldId id="257" r:id="rId3"/>
-    <p:sldId id="289" r:id="rId4"/>
-    <p:sldId id="290" r:id="rId5"/>
-    <p:sldId id="291" r:id="rId6"/>
-    <p:sldId id="292" r:id="rId7"/>
-    <p:sldId id="293" r:id="rId8"/>
-    <p:sldId id="295" r:id="rId9"/>
-    <p:sldId id="294" r:id="rId10"/>
-    <p:sldId id="297" r:id="rId11"/>
-    <p:sldId id="296" r:id="rId12"/>
-    <p:sldId id="299" r:id="rId13"/>
-    <p:sldId id="298" r:id="rId14"/>
-    <p:sldId id="301" r:id="rId15"/>
-    <p:sldId id="281" r:id="rId16"/>
+    <p:sldId id="304" r:id="rId4"/>
+    <p:sldId id="289" r:id="rId5"/>
+    <p:sldId id="290" r:id="rId6"/>
+    <p:sldId id="291" r:id="rId7"/>
+    <p:sldId id="292" r:id="rId8"/>
+    <p:sldId id="293" r:id="rId9"/>
+    <p:sldId id="295" r:id="rId10"/>
+    <p:sldId id="303" r:id="rId11"/>
+    <p:sldId id="297" r:id="rId12"/>
+    <p:sldId id="296" r:id="rId13"/>
+    <p:sldId id="299" r:id="rId14"/>
+    <p:sldId id="298" r:id="rId15"/>
+    <p:sldId id="301" r:id="rId16"/>
+    <p:sldId id="281" r:id="rId17"/>
   </p:sldIdLst>
   <p:sldSz cx="12192000" cy="6858000"/>
   <p:notesSz cx="6858000" cy="9144000"/>
@@ -546,7 +547,7 @@
           <a:p>
             <a:fld id="{A929F50D-DFCC-4B3A-825A-C312089DAB73}" type="slidenum">
               <a:rPr lang="en-US" smtClean="0"/>
-              <a:t>3</a:t>
+              <a:t>4</a:t>
             </a:fld>
             <a:endParaRPr lang="en-US"/>
           </a:p>
@@ -654,7 +655,7 @@
           <a:p>
             <a:fld id="{A929F50D-DFCC-4B3A-825A-C312089DAB73}" type="slidenum">
               <a:rPr lang="en-US" smtClean="0"/>
-              <a:t>12</a:t>
+              <a:t>13</a:t>
             </a:fld>
             <a:endParaRPr lang="en-US"/>
           </a:p>
@@ -762,7 +763,7 @@
           <a:p>
             <a:fld id="{A929F50D-DFCC-4B3A-825A-C312089DAB73}" type="slidenum">
               <a:rPr lang="en-US" smtClean="0"/>
-              <a:t>13</a:t>
+              <a:t>14</a:t>
             </a:fld>
             <a:endParaRPr lang="en-US"/>
           </a:p>
@@ -870,7 +871,7 @@
           <a:p>
             <a:fld id="{A929F50D-DFCC-4B3A-825A-C312089DAB73}" type="slidenum">
               <a:rPr lang="en-US" smtClean="0"/>
-              <a:t>14</a:t>
+              <a:t>15</a:t>
             </a:fld>
             <a:endParaRPr lang="en-US"/>
           </a:p>
@@ -978,7 +979,7 @@
           <a:p>
             <a:fld id="{A929F50D-DFCC-4B3A-825A-C312089DAB73}" type="slidenum">
               <a:rPr lang="en-US" smtClean="0"/>
-              <a:t>4</a:t>
+              <a:t>5</a:t>
             </a:fld>
             <a:endParaRPr lang="en-US"/>
           </a:p>
@@ -1086,7 +1087,7 @@
           <a:p>
             <a:fld id="{A929F50D-DFCC-4B3A-825A-C312089DAB73}" type="slidenum">
               <a:rPr lang="en-US" smtClean="0"/>
-              <a:t>5</a:t>
+              <a:t>6</a:t>
             </a:fld>
             <a:endParaRPr lang="en-US"/>
           </a:p>
@@ -1194,7 +1195,7 @@
           <a:p>
             <a:fld id="{A929F50D-DFCC-4B3A-825A-C312089DAB73}" type="slidenum">
               <a:rPr lang="en-US" smtClean="0"/>
-              <a:t>6</a:t>
+              <a:t>7</a:t>
             </a:fld>
             <a:endParaRPr lang="en-US"/>
           </a:p>
@@ -1302,7 +1303,7 @@
           <a:p>
             <a:fld id="{A929F50D-DFCC-4B3A-825A-C312089DAB73}" type="slidenum">
               <a:rPr lang="en-US" smtClean="0"/>
-              <a:t>7</a:t>
+              <a:t>8</a:t>
             </a:fld>
             <a:endParaRPr lang="en-US"/>
           </a:p>
@@ -1413,7 +1414,7 @@
           <a:p>
             <a:fld id="{A929F50D-DFCC-4B3A-825A-C312089DAB73}" type="slidenum">
               <a:rPr lang="en-US" smtClean="0"/>
-              <a:t>8</a:t>
+              <a:t>9</a:t>
             </a:fld>
             <a:endParaRPr lang="en-US"/>
           </a:p>
@@ -1437,13 +1438,7 @@
   <p:cSld>
     <p:spTree>
       <p:nvGrpSpPr>
-        <p:cNvPr id="1" name="">
-          <a:extLst>
-            <a:ext uri="{FF2B5EF4-FFF2-40B4-BE49-F238E27FC236}">
-              <a16:creationId xmlns:a16="http://schemas.microsoft.com/office/drawing/2014/main" id="{3F750800-C7F5-62F5-17B4-12C37C413077}"/>
-            </a:ext>
-          </a:extLst>
-        </p:cNvPr>
+        <p:cNvPr id="1" name=""/>
         <p:cNvGrpSpPr/>
         <p:nvPr/>
       </p:nvGrpSpPr>
@@ -1457,13 +1452,7 @@
       </p:grpSpPr>
       <p:sp>
         <p:nvSpPr>
-          <p:cNvPr id="2" name="Slide Image Placeholder 1">
-            <a:extLst>
-              <a:ext uri="{FF2B5EF4-FFF2-40B4-BE49-F238E27FC236}">
-                <a16:creationId xmlns:a16="http://schemas.microsoft.com/office/drawing/2014/main" id="{46765951-B4DF-3B6F-0165-BE4F2C83DCE7}"/>
-              </a:ext>
-            </a:extLst>
-          </p:cNvPr>
+          <p:cNvPr id="2" name="Slide Image Placeholder 1"/>
           <p:cNvSpPr>
             <a:spLocks noGrp="1" noRot="1" noChangeAspect="1"/>
           </p:cNvSpPr>
@@ -1475,13 +1464,7 @@
       </p:sp>
       <p:sp>
         <p:nvSpPr>
-          <p:cNvPr id="3" name="Notes Placeholder 2">
-            <a:extLst>
-              <a:ext uri="{FF2B5EF4-FFF2-40B4-BE49-F238E27FC236}">
-                <a16:creationId xmlns:a16="http://schemas.microsoft.com/office/drawing/2014/main" id="{DFFE9631-8BD3-C20D-3858-7E3CEB0CB261}"/>
-              </a:ext>
-            </a:extLst>
-          </p:cNvPr>
+          <p:cNvPr id="3" name="Notes Placeholder 2"/>
           <p:cNvSpPr>
             <a:spLocks noGrp="1"/>
           </p:cNvSpPr>
@@ -1494,22 +1477,13 @@
           <a:bodyPr/>
           <a:lstStyle/>
           <a:p>
-            <a:r>
-              <a:rPr lang="en-US" dirty="0"/>
-              <a:t>Plot3 and 7</a:t>
-            </a:r>
-          </a:p>
-        </p:txBody>
-      </p:sp>
-      <p:sp>
-        <p:nvSpPr>
-          <p:cNvPr id="4" name="Slide Number Placeholder 3">
-            <a:extLst>
-              <a:ext uri="{FF2B5EF4-FFF2-40B4-BE49-F238E27FC236}">
-                <a16:creationId xmlns:a16="http://schemas.microsoft.com/office/drawing/2014/main" id="{712C39F3-DC1E-BFC9-1054-754EC11484A3}"/>
-              </a:ext>
-            </a:extLst>
-          </p:cNvPr>
+            <a:endParaRPr lang="en-US" dirty="0"/>
+          </a:p>
+        </p:txBody>
+      </p:sp>
+      <p:sp>
+        <p:nvSpPr>
+          <p:cNvPr id="4" name="Slide Number Placeholder 3"/>
           <p:cNvSpPr>
             <a:spLocks noGrp="1"/>
           </p:cNvSpPr>
@@ -1524,7 +1498,7 @@
           <a:p>
             <a:fld id="{A929F50D-DFCC-4B3A-825A-C312089DAB73}" type="slidenum">
               <a:rPr lang="en-US" smtClean="0"/>
-              <a:t>9</a:t>
+              <a:t>10</a:t>
             </a:fld>
             <a:endParaRPr lang="en-US"/>
           </a:p>
@@ -1533,7 +1507,7 @@
     </p:spTree>
     <p:extLst>
       <p:ext uri="{BB962C8B-B14F-4D97-AF65-F5344CB8AC3E}">
-        <p14:creationId xmlns:p14="http://schemas.microsoft.com/office/powerpoint/2010/main" val="1330222036"/>
+        <p14:creationId xmlns:p14="http://schemas.microsoft.com/office/powerpoint/2010/main" val="2415782505"/>
       </p:ext>
     </p:extLst>
   </p:cSld>
@@ -1635,7 +1609,7 @@
           <a:p>
             <a:fld id="{A929F50D-DFCC-4B3A-825A-C312089DAB73}" type="slidenum">
               <a:rPr lang="en-US" smtClean="0"/>
-              <a:t>10</a:t>
+              <a:t>11</a:t>
             </a:fld>
             <a:endParaRPr lang="en-US"/>
           </a:p>
@@ -1716,55 +1690,7 @@
           <a:bodyPr/>
           <a:lstStyle/>
           <a:p>
-            <a:r>
-              <a:rPr lang="en-US" sz="1200" kern="1200" dirty="0">
-                <a:solidFill>
-                  <a:schemeClr val="tx1"/>
-                </a:solidFill>
-                <a:latin typeface="+mn-lt"/>
-                <a:ea typeface="+mn-ea"/>
-                <a:cs typeface="+mn-cs"/>
-              </a:rPr>
-              <a:t>plot_2_inventory_heatmap.png</a:t>
-            </a:r>
-            <a:r>
-              <a:rPr lang="en-US" dirty="0"/>
-              <a:t> (Inventory concentration)</a:t>
-            </a:r>
-          </a:p>
-          <a:p>
-            <a:r>
-              <a:rPr lang="en-US" sz="1200" kern="1200" dirty="0">
-                <a:solidFill>
-                  <a:schemeClr val="tx1"/>
-                </a:solidFill>
-                <a:latin typeface="+mn-lt"/>
-                <a:ea typeface="+mn-ea"/>
-                <a:cs typeface="+mn-cs"/>
-              </a:rPr>
-              <a:t>plot_support_drawdown.png</a:t>
-            </a:r>
-            <a:r>
-              <a:rPr lang="en-US" dirty="0"/>
-              <a:t> (Max loss)</a:t>
-            </a:r>
-          </a:p>
-          <a:p>
-            <a:r>
-              <a:rPr lang="en-US" sz="1200" kern="1200" dirty="0">
-                <a:solidFill>
-                  <a:schemeClr val="tx1"/>
-                </a:solidFill>
-                <a:latin typeface="+mn-lt"/>
-                <a:ea typeface="+mn-ea"/>
-                <a:cs typeface="+mn-cs"/>
-              </a:rPr>
-              <a:t>plot_support_return_dist.png</a:t>
-            </a:r>
-            <a:r>
-              <a:rPr lang="en-US" dirty="0"/>
-              <a:t> (Histogram)</a:t>
-            </a:r>
+            <a:endParaRPr lang="en-US" dirty="0"/>
           </a:p>
         </p:txBody>
       </p:sp>
@@ -1791,7 +1717,7 @@
           <a:p>
             <a:fld id="{A929F50D-DFCC-4B3A-825A-C312089DAB73}" type="slidenum">
               <a:rPr lang="en-US" smtClean="0"/>
-              <a:t>11</a:t>
+              <a:t>12</a:t>
             </a:fld>
             <a:endParaRPr lang="en-US"/>
           </a:p>
@@ -5575,6 +5501,663 @@
     </p:bg>
     <p:spTree>
       <p:nvGrpSpPr>
+        <p:cNvPr id="1" name=""/>
+        <p:cNvGrpSpPr/>
+        <p:nvPr/>
+      </p:nvGrpSpPr>
+      <p:grpSpPr>
+        <a:xfrm>
+          <a:off x="0" y="0"/>
+          <a:ext cx="0" cy="0"/>
+          <a:chOff x="0" y="0"/>
+          <a:chExt cx="0" cy="0"/>
+        </a:xfrm>
+      </p:grpSpPr>
+      <p:sp useBgFill="1">
+        <p:nvSpPr>
+          <p:cNvPr id="28" name="Rectangle 27">
+            <a:extLst>
+              <a:ext uri="{FF2B5EF4-FFF2-40B4-BE49-F238E27FC236}">
+                <a16:creationId xmlns:a16="http://schemas.microsoft.com/office/drawing/2014/main" id="{4C2AC11E-3162-4990-A36E-92B07ECF16C2}"/>
+              </a:ext>
+              <a:ext uri="{C183D7F6-B498-43B3-948B-1728B52AA6E4}">
+                <adec:decorative xmlns:adec="http://schemas.microsoft.com/office/drawing/2017/decorative" val="1"/>
+              </a:ext>
+            </a:extLst>
+          </p:cNvPr>
+          <p:cNvSpPr>
+            <a:spLocks noGrp="1" noRot="1" noChangeAspect="1" noMove="1" noResize="1" noEditPoints="1" noAdjustHandles="1" noChangeArrowheads="1" noChangeShapeType="1" noTextEdit="1"/>
+          </p:cNvSpPr>
+          <p:nvPr>
+            <p:extLst>
+              <p:ext uri="{386F3935-93C4-4BCD-93E2-E3B085C9AB24}">
+                <p16:designElem xmlns:p16="http://schemas.microsoft.com/office/powerpoint/2015/main" val="1"/>
+              </p:ext>
+            </p:extLst>
+          </p:nvPr>
+        </p:nvSpPr>
+        <p:spPr>
+          <a:xfrm>
+            <a:off x="0" y="0"/>
+            <a:ext cx="12192000" cy="6858000"/>
+          </a:xfrm>
+          <a:prstGeom prst="rect">
+            <a:avLst/>
+          </a:prstGeom>
+          <a:ln>
+            <a:noFill/>
+          </a:ln>
+        </p:spPr>
+        <p:style>
+          <a:lnRef idx="2">
+            <a:schemeClr val="accent1">
+              <a:shade val="50000"/>
+            </a:schemeClr>
+          </a:lnRef>
+          <a:fillRef idx="1">
+            <a:schemeClr val="accent1"/>
+          </a:fillRef>
+          <a:effectRef idx="0">
+            <a:schemeClr val="accent1"/>
+          </a:effectRef>
+          <a:fontRef idx="minor">
+            <a:schemeClr val="lt1"/>
+          </a:fontRef>
+        </p:style>
+        <p:txBody>
+          <a:bodyPr rtlCol="0" anchor="ctr"/>
+          <a:lstStyle/>
+          <a:p>
+            <a:pPr algn="ctr"/>
+            <a:endParaRPr lang="en-US"/>
+          </a:p>
+        </p:txBody>
+      </p:sp>
+      <p:sp useBgFill="1">
+        <p:nvSpPr>
+          <p:cNvPr id="30" name="Rectangle 29">
+            <a:extLst>
+              <a:ext uri="{FF2B5EF4-FFF2-40B4-BE49-F238E27FC236}">
+                <a16:creationId xmlns:a16="http://schemas.microsoft.com/office/drawing/2014/main" id="{9073D962-D3D2-4A72-8593-65C213CBFFC3}"/>
+              </a:ext>
+              <a:ext uri="{C183D7F6-B498-43B3-948B-1728B52AA6E4}">
+                <adec:decorative xmlns:adec="http://schemas.microsoft.com/office/drawing/2017/decorative" val="1"/>
+              </a:ext>
+            </a:extLst>
+          </p:cNvPr>
+          <p:cNvSpPr>
+            <a:spLocks noGrp="1" noRot="1" noChangeAspect="1" noMove="1" noResize="1" noEditPoints="1" noAdjustHandles="1" noChangeArrowheads="1" noChangeShapeType="1" noTextEdit="1"/>
+          </p:cNvSpPr>
+          <p:nvPr>
+            <p:extLst>
+              <p:ext uri="{386F3935-93C4-4BCD-93E2-E3B085C9AB24}">
+                <p16:designElem xmlns:p16="http://schemas.microsoft.com/office/powerpoint/2015/main" val="1"/>
+              </p:ext>
+            </p:extLst>
+          </p:nvPr>
+        </p:nvSpPr>
+        <p:spPr>
+          <a:xfrm>
+            <a:off x="409574" y="633619"/>
+            <a:ext cx="4520912" cy="5495925"/>
+          </a:xfrm>
+          <a:prstGeom prst="rect">
+            <a:avLst/>
+          </a:prstGeom>
+          <a:ln w="9525">
+            <a:solidFill>
+              <a:srgbClr val="DEDEDE"/>
+            </a:solidFill>
+          </a:ln>
+          <a:effectLst>
+            <a:outerShdw blurRad="50800" dist="38100" dir="2700000" algn="tl" rotWithShape="0">
+              <a:schemeClr val="bg1">
+                <a:lumMod val="85000"/>
+                <a:alpha val="50000"/>
+              </a:schemeClr>
+            </a:outerShdw>
+          </a:effectLst>
+        </p:spPr>
+        <p:style>
+          <a:lnRef idx="2">
+            <a:schemeClr val="accent1">
+              <a:shade val="50000"/>
+            </a:schemeClr>
+          </a:lnRef>
+          <a:fillRef idx="1">
+            <a:schemeClr val="accent1"/>
+          </a:fillRef>
+          <a:effectRef idx="0">
+            <a:schemeClr val="accent1"/>
+          </a:effectRef>
+          <a:fontRef idx="minor">
+            <a:schemeClr val="lt1"/>
+          </a:fontRef>
+        </p:style>
+        <p:txBody>
+          <a:bodyPr rtlCol="0" anchor="ctr"/>
+          <a:lstStyle/>
+          <a:p>
+            <a:pPr marL="0" marR="0" lvl="0" indent="0" algn="ctr" defTabSz="914400" rtl="0" eaLnBrk="1" fontAlgn="auto" latinLnBrk="0" hangingPunct="1">
+              <a:lnSpc>
+                <a:spcPct val="100000"/>
+              </a:lnSpc>
+              <a:spcBef>
+                <a:spcPts val="0"/>
+              </a:spcBef>
+              <a:spcAft>
+                <a:spcPts val="0"/>
+              </a:spcAft>
+              <a:buClrTx/>
+              <a:buSzTx/>
+              <a:buFontTx/>
+              <a:buNone/>
+              <a:tabLst/>
+              <a:defRPr/>
+            </a:pPr>
+            <a:endParaRPr kumimoji="0" lang="en-US" sz="1800" b="0" i="0" u="none" strike="noStrike" kern="1200" cap="none" spc="0" normalizeH="0" baseline="0" noProof="0">
+              <a:ln>
+                <a:noFill/>
+              </a:ln>
+              <a:solidFill>
+                <a:prstClr val="white"/>
+              </a:solidFill>
+              <a:effectLst/>
+              <a:uLnTx/>
+              <a:uFillTx/>
+              <a:latin typeface="Calibri" panose="020F0502020204030204"/>
+              <a:ea typeface="+mn-ea"/>
+              <a:cs typeface="+mn-cs"/>
+            </a:endParaRPr>
+          </a:p>
+        </p:txBody>
+      </p:sp>
+      <p:sp>
+        <p:nvSpPr>
+          <p:cNvPr id="12" name="Title 1">
+            <a:extLst>
+              <a:ext uri="{FF2B5EF4-FFF2-40B4-BE49-F238E27FC236}">
+                <a16:creationId xmlns:a16="http://schemas.microsoft.com/office/drawing/2014/main" id="{DE57D7D9-731D-CAF8-EF3D-607B749E52EC}"/>
+              </a:ext>
+            </a:extLst>
+          </p:cNvPr>
+          <p:cNvSpPr>
+            <a:spLocks noGrp="1"/>
+          </p:cNvSpPr>
+          <p:nvPr>
+            <p:ph type="title"/>
+          </p:nvPr>
+        </p:nvSpPr>
+        <p:spPr>
+          <a:xfrm>
+            <a:off x="838200" y="978408"/>
+            <a:ext cx="3721608" cy="1106424"/>
+          </a:xfrm>
+        </p:spPr>
+        <p:txBody>
+          <a:bodyPr vert="horz" lIns="91440" tIns="45720" rIns="91440" bIns="45720" rtlCol="0">
+            <a:normAutofit/>
+          </a:bodyPr>
+          <a:lstStyle/>
+          <a:p>
+            <a:r>
+              <a:rPr lang="en-US" sz="2800" b="1"/>
+              <a:t>Results- Causality</a:t>
+            </a:r>
+            <a:endParaRPr lang="en-US" sz="2800"/>
+          </a:p>
+        </p:txBody>
+      </p:sp>
+      <p:sp>
+        <p:nvSpPr>
+          <p:cNvPr id="25" name="Rectangle 24">
+            <a:extLst>
+              <a:ext uri="{FF2B5EF4-FFF2-40B4-BE49-F238E27FC236}">
+                <a16:creationId xmlns:a16="http://schemas.microsoft.com/office/drawing/2014/main" id="{2387511B-F6E1-4929-AC90-94FB8B6B0F41}"/>
+              </a:ext>
+              <a:ext uri="{C183D7F6-B498-43B3-948B-1728B52AA6E4}">
+                <adec:decorative xmlns:adec="http://schemas.microsoft.com/office/drawing/2017/decorative" val="1"/>
+              </a:ext>
+            </a:extLst>
+          </p:cNvPr>
+          <p:cNvSpPr>
+            <a:spLocks noGrp="1" noRot="1" noChangeAspect="1" noMove="1" noResize="1" noEditPoints="1" noAdjustHandles="1" noChangeArrowheads="1" noChangeShapeType="1" noTextEdit="1"/>
+          </p:cNvSpPr>
+          <p:nvPr>
+            <p:extLst>
+              <p:ext uri="{386F3935-93C4-4BCD-93E2-E3B085C9AB24}">
+                <p16:designElem xmlns:p16="http://schemas.microsoft.com/office/powerpoint/2015/main" val="1"/>
+              </p:ext>
+            </p:extLst>
+          </p:nvPr>
+        </p:nvSpPr>
+        <p:spPr>
+          <a:xfrm>
+            <a:off x="345565" y="1181536"/>
+            <a:ext cx="128016" cy="704088"/>
+          </a:xfrm>
+          <a:prstGeom prst="rect">
+            <a:avLst/>
+          </a:prstGeom>
+          <a:solidFill>
+            <a:schemeClr val="accent2"/>
+          </a:solidFill>
+          <a:ln>
+            <a:noFill/>
+          </a:ln>
+        </p:spPr>
+        <p:style>
+          <a:lnRef idx="2">
+            <a:schemeClr val="accent1">
+              <a:shade val="50000"/>
+            </a:schemeClr>
+          </a:lnRef>
+          <a:fillRef idx="1">
+            <a:schemeClr val="accent1"/>
+          </a:fillRef>
+          <a:effectRef idx="0">
+            <a:schemeClr val="accent1"/>
+          </a:effectRef>
+          <a:fontRef idx="minor">
+            <a:schemeClr val="lt1"/>
+          </a:fontRef>
+        </p:style>
+        <p:txBody>
+          <a:bodyPr rtlCol="0" anchor="ctr"/>
+          <a:lstStyle/>
+          <a:p>
+            <a:pPr marL="0" marR="0" lvl="0" indent="0" algn="ctr" defTabSz="914400" rtl="0" eaLnBrk="1" fontAlgn="auto" latinLnBrk="0" hangingPunct="1">
+              <a:lnSpc>
+                <a:spcPct val="100000"/>
+              </a:lnSpc>
+              <a:spcBef>
+                <a:spcPts val="0"/>
+              </a:spcBef>
+              <a:spcAft>
+                <a:spcPts val="0"/>
+              </a:spcAft>
+              <a:buClrTx/>
+              <a:buSzTx/>
+              <a:buFontTx/>
+              <a:buNone/>
+              <a:tabLst/>
+              <a:defRPr/>
+            </a:pPr>
+            <a:endParaRPr kumimoji="0" lang="en-US" sz="1800" b="0" i="0" u="none" strike="noStrike" kern="1200" cap="none" spc="0" normalizeH="0" baseline="0" noProof="0">
+              <a:ln>
+                <a:noFill/>
+              </a:ln>
+              <a:solidFill>
+                <a:prstClr val="white"/>
+              </a:solidFill>
+              <a:effectLst/>
+              <a:uLnTx/>
+              <a:uFillTx/>
+              <a:latin typeface="Calibri" panose="020F0502020204030204"/>
+              <a:ea typeface="+mn-ea"/>
+              <a:cs typeface="+mn-cs"/>
+            </a:endParaRPr>
+          </a:p>
+        </p:txBody>
+      </p:sp>
+      <p:sp>
+        <p:nvSpPr>
+          <p:cNvPr id="34" name="Rectangle 33">
+            <a:extLst>
+              <a:ext uri="{FF2B5EF4-FFF2-40B4-BE49-F238E27FC236}">
+                <a16:creationId xmlns:a16="http://schemas.microsoft.com/office/drawing/2014/main" id="{AA58F78C-27AB-465F-AA33-15E08AF267F9}"/>
+              </a:ext>
+              <a:ext uri="{C183D7F6-B498-43B3-948B-1728B52AA6E4}">
+                <adec:decorative xmlns:adec="http://schemas.microsoft.com/office/drawing/2017/decorative" val="1"/>
+              </a:ext>
+            </a:extLst>
+          </p:cNvPr>
+          <p:cNvSpPr>
+            <a:spLocks noGrp="1" noRot="1" noChangeAspect="1" noMove="1" noResize="1" noEditPoints="1" noAdjustHandles="1" noChangeArrowheads="1" noChangeShapeType="1" noTextEdit="1"/>
+          </p:cNvSpPr>
+          <p:nvPr>
+            <p:extLst>
+              <p:ext uri="{386F3935-93C4-4BCD-93E2-E3B085C9AB24}">
+                <p16:designElem xmlns:p16="http://schemas.microsoft.com/office/powerpoint/2015/main" val="1"/>
+              </p:ext>
+            </p:extLst>
+          </p:nvPr>
+        </p:nvSpPr>
+        <p:spPr>
+          <a:xfrm>
+            <a:off x="877456" y="2185416"/>
+            <a:ext cx="3683187" cy="9144"/>
+          </a:xfrm>
+          <a:prstGeom prst="rect">
+            <a:avLst/>
+          </a:prstGeom>
+          <a:solidFill>
+            <a:srgbClr val="D5D5D5"/>
+          </a:solidFill>
+          <a:ln w="3175">
+            <a:noFill/>
+          </a:ln>
+          <a:effectLst/>
+        </p:spPr>
+        <p:style>
+          <a:lnRef idx="2">
+            <a:schemeClr val="accent1">
+              <a:shade val="50000"/>
+            </a:schemeClr>
+          </a:lnRef>
+          <a:fillRef idx="1">
+            <a:schemeClr val="accent1"/>
+          </a:fillRef>
+          <a:effectRef idx="0">
+            <a:schemeClr val="accent1"/>
+          </a:effectRef>
+          <a:fontRef idx="minor">
+            <a:schemeClr val="lt1"/>
+          </a:fontRef>
+        </p:style>
+        <p:txBody>
+          <a:bodyPr rtlCol="0" anchor="ctr"/>
+          <a:lstStyle/>
+          <a:p>
+            <a:pPr marL="0" marR="0" lvl="0" indent="0" algn="ctr" defTabSz="914400" rtl="0" eaLnBrk="1" fontAlgn="auto" latinLnBrk="0" hangingPunct="1">
+              <a:lnSpc>
+                <a:spcPct val="100000"/>
+              </a:lnSpc>
+              <a:spcBef>
+                <a:spcPts val="0"/>
+              </a:spcBef>
+              <a:spcAft>
+                <a:spcPts val="0"/>
+              </a:spcAft>
+              <a:buClrTx/>
+              <a:buSzTx/>
+              <a:buFontTx/>
+              <a:buNone/>
+              <a:tabLst/>
+              <a:defRPr/>
+            </a:pPr>
+            <a:endParaRPr kumimoji="0" lang="en-US" sz="1800" b="0" i="0" u="none" strike="noStrike" kern="1200" cap="none" spc="0" normalizeH="0" baseline="0" noProof="0">
+              <a:ln>
+                <a:noFill/>
+              </a:ln>
+              <a:solidFill>
+                <a:prstClr val="white"/>
+              </a:solidFill>
+              <a:effectLst/>
+              <a:uLnTx/>
+              <a:uFillTx/>
+              <a:latin typeface="Calibri" panose="020F0502020204030204"/>
+              <a:ea typeface="+mn-ea"/>
+              <a:cs typeface="+mn-cs"/>
+            </a:endParaRPr>
+          </a:p>
+        </p:txBody>
+      </p:sp>
+      <p:sp>
+        <p:nvSpPr>
+          <p:cNvPr id="14" name="Content Placeholder 2">
+            <a:extLst>
+              <a:ext uri="{FF2B5EF4-FFF2-40B4-BE49-F238E27FC236}">
+                <a16:creationId xmlns:a16="http://schemas.microsoft.com/office/drawing/2014/main" id="{B3D653BC-017F-3C2F-9CC6-F4FB157677B4}"/>
+              </a:ext>
+            </a:extLst>
+          </p:cNvPr>
+          <p:cNvSpPr>
+            <a:spLocks noGrp="1"/>
+          </p:cNvSpPr>
+          <p:nvPr>
+            <p:ph idx="1"/>
+          </p:nvPr>
+        </p:nvSpPr>
+        <p:spPr>
+          <a:xfrm>
+            <a:off x="838200" y="2368296"/>
+            <a:ext cx="3721608" cy="3502152"/>
+          </a:xfrm>
+        </p:spPr>
+        <p:txBody>
+          <a:bodyPr>
+            <a:normAutofit lnSpcReduction="10000"/>
+          </a:bodyPr>
+          <a:lstStyle/>
+          <a:p>
+            <a:r>
+              <a:rPr lang="en-US" sz="1300" dirty="0"/>
+              <a:t>Bottom right image is without ARL agent, where Aggressive and Momentum traders dominated. </a:t>
+            </a:r>
+          </a:p>
+          <a:p>
+            <a:r>
+              <a:rPr lang="en-US" sz="1300" dirty="0"/>
+              <a:t>When tested with ARL agent, it kept the strategies in check.</a:t>
+            </a:r>
+          </a:p>
+          <a:p>
+            <a:r>
+              <a:rPr lang="en-US" sz="1300" dirty="0"/>
+              <a:t>For each trend of the market data, the agent chose a working strategy and controlled the population to profit the most. </a:t>
+            </a:r>
+          </a:p>
+          <a:p>
+            <a:r>
+              <a:rPr lang="en-US" sz="1300" dirty="0"/>
+              <a:t>Since the Market Data was identical for both runs, the drastic shifts between the population were caused by the agent’s strategic adaptation.</a:t>
+            </a:r>
+          </a:p>
+          <a:p>
+            <a:r>
+              <a:rPr lang="en-US" sz="1300" dirty="0"/>
+              <a:t>The dependency plot shows that the AI influences the population when it wants a change.</a:t>
+            </a:r>
+          </a:p>
+          <a:p>
+            <a:r>
+              <a:rPr lang="en-US" sz="1300" dirty="0"/>
+              <a:t>When satisfied (change in population = 0), there is no interaction to measure.</a:t>
+            </a:r>
+          </a:p>
+        </p:txBody>
+      </p:sp>
+      <p:pic>
+        <p:nvPicPr>
+          <p:cNvPr id="9" name="Picture 8" descr="A graph with orange lines&#10;&#10;AI-generated content may be incorrect.">
+            <a:extLst>
+              <a:ext uri="{FF2B5EF4-FFF2-40B4-BE49-F238E27FC236}">
+                <a16:creationId xmlns:a16="http://schemas.microsoft.com/office/drawing/2014/main" id="{70381A0A-D05E-CD61-076C-85FDFBFD9EFA}"/>
+              </a:ext>
+            </a:extLst>
+          </p:cNvPr>
+          <p:cNvPicPr>
+            <a:picLocks noChangeAspect="1"/>
+          </p:cNvPicPr>
+          <p:nvPr/>
+        </p:nvPicPr>
+        <p:blipFill>
+          <a:blip r:embed="rId3">
+            <a:extLst>
+              <a:ext uri="{28A0092B-C50C-407E-A947-70E740481C1C}">
+                <a14:useLocalDpi xmlns:a14="http://schemas.microsoft.com/office/drawing/2010/main" val="0"/>
+              </a:ext>
+            </a:extLst>
+          </a:blip>
+          <a:stretch>
+            <a:fillRect/>
+          </a:stretch>
+        </p:blipFill>
+        <p:spPr>
+          <a:xfrm>
+            <a:off x="8511303" y="759652"/>
+            <a:ext cx="3248351" cy="2436264"/>
+          </a:xfrm>
+          <a:prstGeom prst="rect">
+            <a:avLst/>
+          </a:prstGeom>
+        </p:spPr>
+      </p:pic>
+      <p:pic>
+        <p:nvPicPr>
+          <p:cNvPr id="11" name="Picture 10" descr="A graph of different colored bars&#10;&#10;AI-generated content may be incorrect.">
+            <a:extLst>
+              <a:ext uri="{FF2B5EF4-FFF2-40B4-BE49-F238E27FC236}">
+                <a16:creationId xmlns:a16="http://schemas.microsoft.com/office/drawing/2014/main" id="{956A8E30-1881-BB6D-47E9-A7C40CEED2C8}"/>
+              </a:ext>
+            </a:extLst>
+          </p:cNvPr>
+          <p:cNvPicPr>
+            <a:picLocks noChangeAspect="1"/>
+          </p:cNvPicPr>
+          <p:nvPr/>
+        </p:nvPicPr>
+        <p:blipFill>
+          <a:blip r:embed="rId4">
+            <a:extLst>
+              <a:ext uri="{28A0092B-C50C-407E-A947-70E740481C1C}">
+                <a14:useLocalDpi xmlns:a14="http://schemas.microsoft.com/office/drawing/2010/main" val="0"/>
+              </a:ext>
+            </a:extLst>
+          </a:blip>
+          <a:stretch>
+            <a:fillRect/>
+          </a:stretch>
+        </p:blipFill>
+        <p:spPr>
+          <a:xfrm>
+            <a:off x="5233268" y="3564164"/>
+            <a:ext cx="3248352" cy="2436264"/>
+          </a:xfrm>
+          <a:prstGeom prst="rect">
+            <a:avLst/>
+          </a:prstGeom>
+        </p:spPr>
+      </p:pic>
+      <p:pic>
+        <p:nvPicPr>
+          <p:cNvPr id="7" name="Picture 6" descr="A graph of different colors&#10;&#10;AI-generated content may be incorrect.">
+            <a:extLst>
+              <a:ext uri="{FF2B5EF4-FFF2-40B4-BE49-F238E27FC236}">
+                <a16:creationId xmlns:a16="http://schemas.microsoft.com/office/drawing/2014/main" id="{D6A4C6DC-AB1B-C64B-2A93-725408B086D8}"/>
+              </a:ext>
+            </a:extLst>
+          </p:cNvPr>
+          <p:cNvPicPr>
+            <a:picLocks noChangeAspect="1"/>
+          </p:cNvPicPr>
+          <p:nvPr/>
+        </p:nvPicPr>
+        <p:blipFill>
+          <a:blip r:embed="rId5">
+            <a:extLst>
+              <a:ext uri="{28A0092B-C50C-407E-A947-70E740481C1C}">
+                <a14:useLocalDpi xmlns:a14="http://schemas.microsoft.com/office/drawing/2010/main" val="0"/>
+              </a:ext>
+            </a:extLst>
+          </a:blip>
+          <a:stretch>
+            <a:fillRect/>
+          </a:stretch>
+        </p:blipFill>
+        <p:spPr>
+          <a:xfrm>
+            <a:off x="8589914" y="3562699"/>
+            <a:ext cx="3248352" cy="2436265"/>
+          </a:xfrm>
+          <a:prstGeom prst="rect">
+            <a:avLst/>
+          </a:prstGeom>
+        </p:spPr>
+      </p:pic>
+      <p:pic>
+        <p:nvPicPr>
+          <p:cNvPr id="5" name="Picture 4" descr="A graph showing the price of a stock market&#10;&#10;AI-generated content may be incorrect.">
+            <a:extLst>
+              <a:ext uri="{FF2B5EF4-FFF2-40B4-BE49-F238E27FC236}">
+                <a16:creationId xmlns:a16="http://schemas.microsoft.com/office/drawing/2014/main" id="{3880B2FA-34D1-E054-9950-E3B2CA1B0560}"/>
+              </a:ext>
+            </a:extLst>
+          </p:cNvPr>
+          <p:cNvPicPr>
+            <a:picLocks noChangeAspect="1"/>
+          </p:cNvPicPr>
+          <p:nvPr/>
+        </p:nvPicPr>
+        <p:blipFill>
+          <a:blip r:embed="rId6">
+            <a:extLst>
+              <a:ext uri="{28A0092B-C50C-407E-A947-70E740481C1C}">
+                <a14:useLocalDpi xmlns:a14="http://schemas.microsoft.com/office/drawing/2010/main" val="0"/>
+              </a:ext>
+            </a:extLst>
+          </a:blip>
+          <a:stretch>
+            <a:fillRect/>
+          </a:stretch>
+        </p:blipFill>
+        <p:spPr>
+          <a:xfrm>
+            <a:off x="5233268" y="759651"/>
+            <a:ext cx="3248352" cy="2436265"/>
+          </a:xfrm>
+          <a:prstGeom prst="rect">
+            <a:avLst/>
+          </a:prstGeom>
+        </p:spPr>
+      </p:pic>
+      <p:pic>
+        <p:nvPicPr>
+          <p:cNvPr id="18" name="Picture 17">
+            <a:extLst>
+              <a:ext uri="{FF2B5EF4-FFF2-40B4-BE49-F238E27FC236}">
+                <a16:creationId xmlns:a16="http://schemas.microsoft.com/office/drawing/2014/main" id="{2267D94A-2D54-00DF-FEEC-7B91CD85374E}"/>
+              </a:ext>
+            </a:extLst>
+          </p:cNvPr>
+          <p:cNvPicPr>
+            <a:picLocks noChangeAspect="1"/>
+          </p:cNvPicPr>
+          <p:nvPr/>
+        </p:nvPicPr>
+        <p:blipFill>
+          <a:blip r:embed="rId7"/>
+          <a:stretch>
+            <a:fillRect/>
+          </a:stretch>
+        </p:blipFill>
+        <p:spPr>
+          <a:xfrm>
+            <a:off x="345565" y="1181537"/>
+            <a:ext cx="147195" cy="704088"/>
+          </a:xfrm>
+          <a:prstGeom prst="rect">
+            <a:avLst/>
+          </a:prstGeom>
+        </p:spPr>
+      </p:pic>
+    </p:spTree>
+    <p:extLst>
+      <p:ext uri="{BB962C8B-B14F-4D97-AF65-F5344CB8AC3E}">
+        <p14:creationId xmlns:p14="http://schemas.microsoft.com/office/powerpoint/2010/main" val="4096898240"/>
+      </p:ext>
+    </p:extLst>
+  </p:cSld>
+  <p:clrMapOvr>
+    <a:masterClrMapping/>
+  </p:clrMapOvr>
+</p:sld>
+</file>
+
+<file path=ppt/slides/slide11.xml><?xml version="1.0" encoding="utf-8"?>
+<p:sld xmlns:a="http://schemas.openxmlformats.org/drawingml/2006/main" xmlns:r="http://schemas.openxmlformats.org/officeDocument/2006/relationships" xmlns:p="http://schemas.openxmlformats.org/presentationml/2006/main">
+  <p:cSld>
+    <p:bg>
+      <p:bgPr>
+        <a:solidFill>
+          <a:schemeClr val="bg1"/>
+        </a:solidFill>
+        <a:effectLst/>
+      </p:bgPr>
+    </p:bg>
+    <p:spTree>
+      <p:nvGrpSpPr>
         <p:cNvPr id="1" name="">
           <a:extLst>
             <a:ext uri="{FF2B5EF4-FFF2-40B4-BE49-F238E27FC236}">
@@ -5595,10 +6178,10 @@
       </p:grpSpPr>
       <p:sp useBgFill="1">
         <p:nvSpPr>
-          <p:cNvPr id="19" name="Rectangle 18">
-            <a:extLst>
-              <a:ext uri="{FF2B5EF4-FFF2-40B4-BE49-F238E27FC236}">
-                <a16:creationId xmlns:a16="http://schemas.microsoft.com/office/drawing/2014/main" id="{AAAE94E3-A7DB-4868-B1E3-E49703488BBC}"/>
+          <p:cNvPr id="51" name="Rectangle 50">
+            <a:extLst>
+              <a:ext uri="{FF2B5EF4-FFF2-40B4-BE49-F238E27FC236}">
+                <a16:creationId xmlns:a16="http://schemas.microsoft.com/office/drawing/2014/main" id="{149FB5C3-7336-4FE0-A30C-CC0A3646D499}"/>
               </a:ext>
               <a:ext uri="{C183D7F6-B498-43B3-948B-1728B52AA6E4}">
                 <adec:decorative xmlns:adec="http://schemas.microsoft.com/office/drawing/2017/decorative" val="1"/>
@@ -5653,694 +6236,9 @@
           </a:p>
         </p:txBody>
       </p:sp>
-      <p:sp>
-        <p:nvSpPr>
-          <p:cNvPr id="2" name="Title 1">
-            <a:extLst>
-              <a:ext uri="{FF2B5EF4-FFF2-40B4-BE49-F238E27FC236}">
-                <a16:creationId xmlns:a16="http://schemas.microsoft.com/office/drawing/2014/main" id="{EC548DE2-0A9D-D7BD-C282-547BE017CDF5}"/>
-              </a:ext>
-            </a:extLst>
-          </p:cNvPr>
-          <p:cNvSpPr>
-            <a:spLocks noGrp="1"/>
-          </p:cNvSpPr>
-          <p:nvPr>
-            <p:ph type="title"/>
-          </p:nvPr>
-        </p:nvSpPr>
-        <p:spPr>
-          <a:xfrm>
-            <a:off x="589560" y="856180"/>
-            <a:ext cx="5279408" cy="1128068"/>
-          </a:xfrm>
-        </p:spPr>
-        <p:txBody>
-          <a:bodyPr anchor="ctr">
-            <a:normAutofit/>
-          </a:bodyPr>
-          <a:lstStyle/>
-          <a:p>
-            <a:r>
-              <a:rPr lang="af-ZA" sz="4000" b="1"/>
-              <a:t>Results (continued)</a:t>
-            </a:r>
-            <a:endParaRPr lang="en-US" sz="4000"/>
-          </a:p>
-        </p:txBody>
-      </p:sp>
       <p:grpSp>
         <p:nvGrpSpPr>
-          <p:cNvPr id="21" name="Group 20">
-            <a:extLst>
-              <a:ext uri="{FF2B5EF4-FFF2-40B4-BE49-F238E27FC236}">
-                <a16:creationId xmlns:a16="http://schemas.microsoft.com/office/drawing/2014/main" id="{1DE889C7-FAD6-4397-98E2-05D503484459}"/>
-              </a:ext>
-              <a:ext uri="{C183D7F6-B498-43B3-948B-1728B52AA6E4}">
-                <adec:decorative xmlns:adec="http://schemas.microsoft.com/office/drawing/2017/decorative" val="1"/>
-              </a:ext>
-            </a:extLst>
-          </p:cNvPr>
-          <p:cNvGrpSpPr>
-            <a:grpSpLocks noGrp="1" noUngrp="1" noRot="1" noChangeAspect="1" noMove="1" noResize="1"/>
-          </p:cNvGrpSpPr>
-          <p:nvPr>
-            <p:extLst>
-              <p:ext uri="{386F3935-93C4-4BCD-93E2-E3B085C9AB24}">
-                <p16:designElem xmlns:p16="http://schemas.microsoft.com/office/powerpoint/2015/main" val="1"/>
-              </p:ext>
-            </p:extLst>
-          </p:nvPr>
-        </p:nvGrpSpPr>
-        <p:grpSpPr>
-          <a:xfrm>
-            <a:off x="0" y="1083484"/>
-            <a:ext cx="355196" cy="673460"/>
-            <a:chOff x="0" y="823811"/>
-            <a:chExt cx="355196" cy="673460"/>
-          </a:xfrm>
-        </p:grpSpPr>
-        <p:sp>
-          <p:nvSpPr>
-            <p:cNvPr id="22" name="Rectangle 21">
-              <a:extLst>
-                <a:ext uri="{FF2B5EF4-FFF2-40B4-BE49-F238E27FC236}">
-                  <a16:creationId xmlns:a16="http://schemas.microsoft.com/office/drawing/2014/main" id="{F399A70F-F8CD-4992-9EF5-6CF15472E73F}"/>
-                </a:ext>
-                <a:ext uri="{C183D7F6-B498-43B3-948B-1728B52AA6E4}">
-                  <adec:decorative xmlns:adec="http://schemas.microsoft.com/office/drawing/2017/decorative" val="1"/>
-                </a:ext>
-              </a:extLst>
-            </p:cNvPr>
-            <p:cNvSpPr/>
-            <p:nvPr>
-              <p:extLst>
-                <p:ext uri="{386F3935-93C4-4BCD-93E2-E3B085C9AB24}">
-                  <p16:designElem xmlns:p16="http://schemas.microsoft.com/office/powerpoint/2015/main" val="1"/>
-                </p:ext>
-              </p:extLst>
-            </p:nvPr>
-          </p:nvSpPr>
-          <p:spPr>
-            <a:xfrm>
-              <a:off x="0" y="823811"/>
-              <a:ext cx="87363" cy="673460"/>
-            </a:xfrm>
-            <a:prstGeom prst="rect">
-              <a:avLst/>
-            </a:prstGeom>
-            <a:solidFill>
-              <a:schemeClr val="accent4"/>
-            </a:solidFill>
-            <a:ln>
-              <a:noFill/>
-            </a:ln>
-          </p:spPr>
-          <p:style>
-            <a:lnRef idx="2">
-              <a:schemeClr val="accent1">
-                <a:shade val="50000"/>
-              </a:schemeClr>
-            </a:lnRef>
-            <a:fillRef idx="1">
-              <a:schemeClr val="accent1"/>
-            </a:fillRef>
-            <a:effectRef idx="0">
-              <a:schemeClr val="accent1"/>
-            </a:effectRef>
-            <a:fontRef idx="minor">
-              <a:schemeClr val="lt1"/>
-            </a:fontRef>
-          </p:style>
-          <p:txBody>
-            <a:bodyPr rtlCol="0" anchor="ctr"/>
-            <a:lstStyle/>
-            <a:p>
-              <a:pPr algn="ctr"/>
-              <a:endParaRPr lang="en-US"/>
-            </a:p>
-          </p:txBody>
-        </p:sp>
-        <p:sp>
-          <p:nvSpPr>
-            <p:cNvPr id="23" name="Rectangle 22">
-              <a:extLst>
-                <a:ext uri="{FF2B5EF4-FFF2-40B4-BE49-F238E27FC236}">
-                  <a16:creationId xmlns:a16="http://schemas.microsoft.com/office/drawing/2014/main" id="{48F4FEDC-6D80-458C-A665-075D9B9500FD}"/>
-                </a:ext>
-                <a:ext uri="{C183D7F6-B498-43B3-948B-1728B52AA6E4}">
-                  <adec:decorative xmlns:adec="http://schemas.microsoft.com/office/drawing/2017/decorative" val="1"/>
-                </a:ext>
-              </a:extLst>
-            </p:cNvPr>
-            <p:cNvSpPr/>
-            <p:nvPr>
-              <p:extLst>
-                <p:ext uri="{386F3935-93C4-4BCD-93E2-E3B085C9AB24}">
-                  <p16:designElem xmlns:p16="http://schemas.microsoft.com/office/powerpoint/2015/main" val="1"/>
-                </p:ext>
-              </p:extLst>
-            </p:nvPr>
-          </p:nvSpPr>
-          <p:spPr>
-            <a:xfrm>
-              <a:off x="159341" y="823811"/>
-              <a:ext cx="195855" cy="673460"/>
-            </a:xfrm>
-            <a:prstGeom prst="rect">
-              <a:avLst/>
-            </a:prstGeom>
-            <a:solidFill>
-              <a:schemeClr val="accent4"/>
-            </a:solidFill>
-            <a:ln>
-              <a:noFill/>
-            </a:ln>
-          </p:spPr>
-          <p:style>
-            <a:lnRef idx="2">
-              <a:schemeClr val="accent1">
-                <a:shade val="50000"/>
-              </a:schemeClr>
-            </a:lnRef>
-            <a:fillRef idx="1">
-              <a:schemeClr val="accent1"/>
-            </a:fillRef>
-            <a:effectRef idx="0">
-              <a:schemeClr val="accent1"/>
-            </a:effectRef>
-            <a:fontRef idx="minor">
-              <a:schemeClr val="lt1"/>
-            </a:fontRef>
-          </p:style>
-          <p:txBody>
-            <a:bodyPr rtlCol="0" anchor="ctr"/>
-            <a:lstStyle/>
-            <a:p>
-              <a:pPr algn="ctr"/>
-              <a:endParaRPr lang="en-US"/>
-            </a:p>
-          </p:txBody>
-        </p:sp>
-      </p:grpSp>
-      <p:sp>
-        <p:nvSpPr>
-          <p:cNvPr id="25" name="Rectangle 24">
-            <a:extLst>
-              <a:ext uri="{FF2B5EF4-FFF2-40B4-BE49-F238E27FC236}">
-                <a16:creationId xmlns:a16="http://schemas.microsoft.com/office/drawing/2014/main" id="{3873B707-463F-40B0-8227-E8CC6C67EB25}"/>
-              </a:ext>
-              <a:ext uri="{C183D7F6-B498-43B3-948B-1728B52AA6E4}">
-                <adec:decorative xmlns:adec="http://schemas.microsoft.com/office/drawing/2017/decorative" val="1"/>
-              </a:ext>
-            </a:extLst>
-          </p:cNvPr>
-          <p:cNvSpPr>
-            <a:spLocks noGrp="1" noRot="1" noChangeAspect="1" noMove="1" noResize="1" noEditPoints="1" noAdjustHandles="1" noChangeArrowheads="1" noChangeShapeType="1" noTextEdit="1"/>
-          </p:cNvSpPr>
-          <p:nvPr>
-            <p:extLst>
-              <p:ext uri="{386F3935-93C4-4BCD-93E2-E3B085C9AB24}">
-                <p16:designElem xmlns:p16="http://schemas.microsoft.com/office/powerpoint/2015/main" val="1"/>
-              </p:ext>
-            </p:extLst>
-          </p:nvPr>
-        </p:nvSpPr>
-        <p:spPr>
-          <a:xfrm flipH="1">
-            <a:off x="665085" y="2123821"/>
-            <a:ext cx="4975066" cy="27432"/>
-          </a:xfrm>
-          <a:prstGeom prst="rect">
-            <a:avLst/>
-          </a:prstGeom>
-          <a:solidFill>
-            <a:schemeClr val="accent4"/>
-          </a:solidFill>
-          <a:ln>
-            <a:noFill/>
-          </a:ln>
-        </p:spPr>
-        <p:style>
-          <a:lnRef idx="2">
-            <a:schemeClr val="accent1">
-              <a:shade val="50000"/>
-            </a:schemeClr>
-          </a:lnRef>
-          <a:fillRef idx="1">
-            <a:schemeClr val="accent1"/>
-          </a:fillRef>
-          <a:effectRef idx="0">
-            <a:schemeClr val="accent1"/>
-          </a:effectRef>
-          <a:fontRef idx="minor">
-            <a:schemeClr val="lt1"/>
-          </a:fontRef>
-        </p:style>
-        <p:txBody>
-          <a:bodyPr rtlCol="0" anchor="ctr"/>
-          <a:lstStyle/>
-          <a:p>
-            <a:pPr algn="ctr"/>
-            <a:endParaRPr lang="en-US"/>
-          </a:p>
-        </p:txBody>
-      </p:sp>
-      <p:sp>
-        <p:nvSpPr>
-          <p:cNvPr id="3" name="Content Placeholder 2">
-            <a:extLst>
-              <a:ext uri="{FF2B5EF4-FFF2-40B4-BE49-F238E27FC236}">
-                <a16:creationId xmlns:a16="http://schemas.microsoft.com/office/drawing/2014/main" id="{E7E997FF-C878-B61B-B3C3-130D90585FFC}"/>
-              </a:ext>
-            </a:extLst>
-          </p:cNvPr>
-          <p:cNvSpPr>
-            <a:spLocks noGrp="1"/>
-          </p:cNvSpPr>
-          <p:nvPr>
-            <p:ph idx="1"/>
-          </p:nvPr>
-        </p:nvSpPr>
-        <p:spPr>
-          <a:xfrm>
-            <a:off x="590719" y="2330505"/>
-            <a:ext cx="5278066" cy="3979585"/>
-          </a:xfrm>
-        </p:spPr>
-        <p:txBody>
-          <a:bodyPr anchor="ctr">
-            <a:normAutofit/>
-          </a:bodyPr>
-          <a:lstStyle/>
-          <a:p>
-            <a:r>
-              <a:rPr lang="en-US" sz="2000" dirty="0"/>
-              <a:t>The "Spread Width" plot shows spikes (red lines) matching periods of high volatility.</a:t>
-            </a:r>
-          </a:p>
-          <a:p>
-            <a:r>
-              <a:rPr lang="en-US" sz="2000" dirty="0"/>
-              <a:t>The "Epsilon" line (grey) shows the transition from random exploration to exploiting learned knowledge.</a:t>
-            </a:r>
-          </a:p>
-          <a:p>
-            <a:r>
-              <a:rPr lang="en-US" sz="2000" dirty="0"/>
-              <a:t>The Policy Distribution shows a preference for tight spreads (0.2/0.4) to capture volume, but retains wide spreads for safety.</a:t>
-            </a:r>
-          </a:p>
-          <a:p>
-            <a:r>
-              <a:rPr lang="en-US" sz="2000" dirty="0"/>
-              <a:t>The AI learned "Context-Dependent Tactics." It acts like a human market maker: tight spreads when calm, wide spreads when scared. </a:t>
-            </a:r>
-          </a:p>
-        </p:txBody>
-      </p:sp>
-      <p:sp>
-        <p:nvSpPr>
-          <p:cNvPr id="27" name="Rectangle 26">
-            <a:extLst>
-              <a:ext uri="{FF2B5EF4-FFF2-40B4-BE49-F238E27FC236}">
-                <a16:creationId xmlns:a16="http://schemas.microsoft.com/office/drawing/2014/main" id="{C13237C8-E62C-4F0D-A318-BD6FB6C2D138}"/>
-              </a:ext>
-              <a:ext uri="{C183D7F6-B498-43B3-948B-1728B52AA6E4}">
-                <adec:decorative xmlns:adec="http://schemas.microsoft.com/office/drawing/2017/decorative" val="1"/>
-              </a:ext>
-            </a:extLst>
-          </p:cNvPr>
-          <p:cNvSpPr>
-            <a:spLocks noGrp="1" noRot="1" noChangeAspect="1" noMove="1" noResize="1" noEditPoints="1" noAdjustHandles="1" noChangeArrowheads="1" noChangeShapeType="1" noTextEdit="1"/>
-          </p:cNvSpPr>
-          <p:nvPr>
-            <p:extLst>
-              <p:ext uri="{386F3935-93C4-4BCD-93E2-E3B085C9AB24}">
-                <p16:designElem xmlns:p16="http://schemas.microsoft.com/office/powerpoint/2015/main" val="1"/>
-              </p:ext>
-            </p:extLst>
-          </p:nvPr>
-        </p:nvSpPr>
-        <p:spPr>
-          <a:xfrm flipH="1">
-            <a:off x="10697670" y="0"/>
-            <a:ext cx="1494330" cy="6858000"/>
-          </a:xfrm>
-          <a:prstGeom prst="rect">
-            <a:avLst/>
-          </a:prstGeom>
-          <a:solidFill>
-            <a:schemeClr val="accent4"/>
-          </a:solidFill>
-          <a:ln>
-            <a:noFill/>
-          </a:ln>
-        </p:spPr>
-        <p:style>
-          <a:lnRef idx="2">
-            <a:schemeClr val="accent1">
-              <a:shade val="50000"/>
-            </a:schemeClr>
-          </a:lnRef>
-          <a:fillRef idx="1">
-            <a:schemeClr val="accent1"/>
-          </a:fillRef>
-          <a:effectRef idx="0">
-            <a:schemeClr val="accent1"/>
-          </a:effectRef>
-          <a:fontRef idx="minor">
-            <a:schemeClr val="lt1"/>
-          </a:fontRef>
-        </p:style>
-        <p:txBody>
-          <a:bodyPr rtlCol="0" anchor="ctr"/>
-          <a:lstStyle/>
-          <a:p>
-            <a:pPr algn="ctr"/>
-            <a:endParaRPr lang="en-US"/>
-          </a:p>
-        </p:txBody>
-      </p:sp>
-      <p:sp>
-        <p:nvSpPr>
-          <p:cNvPr id="29" name="Rectangle 28">
-            <a:extLst>
-              <a:ext uri="{FF2B5EF4-FFF2-40B4-BE49-F238E27FC236}">
-                <a16:creationId xmlns:a16="http://schemas.microsoft.com/office/drawing/2014/main" id="{19C9EAEA-39D0-4B0E-A0EB-51E7B26740B1}"/>
-              </a:ext>
-              <a:ext uri="{C183D7F6-B498-43B3-948B-1728B52AA6E4}">
-                <adec:decorative xmlns:adec="http://schemas.microsoft.com/office/drawing/2017/decorative" val="1"/>
-              </a:ext>
-            </a:extLst>
-          </p:cNvPr>
-          <p:cNvSpPr>
-            <a:spLocks noGrp="1" noRot="1" noChangeAspect="1" noMove="1" noResize="1" noEditPoints="1" noAdjustHandles="1" noChangeArrowheads="1" noChangeShapeType="1" noTextEdit="1"/>
-          </p:cNvSpPr>
-          <p:nvPr>
-            <p:extLst>
-              <p:ext uri="{386F3935-93C4-4BCD-93E2-E3B085C9AB24}">
-                <p16:designElem xmlns:p16="http://schemas.microsoft.com/office/powerpoint/2015/main" val="1"/>
-              </p:ext>
-            </p:extLst>
-          </p:nvPr>
-        </p:nvSpPr>
-        <p:spPr>
-          <a:xfrm>
-            <a:off x="6849687" y="357447"/>
-            <a:ext cx="4845488" cy="2923587"/>
-          </a:xfrm>
-          <a:prstGeom prst="rect">
-            <a:avLst/>
-          </a:prstGeom>
-          <a:solidFill>
-            <a:schemeClr val="bg1"/>
-          </a:solidFill>
-          <a:ln>
-            <a:noFill/>
-          </a:ln>
-          <a:effectLst>
-            <a:outerShdw blurRad="139700" dist="127000" dir="5400000" algn="t" rotWithShape="0">
-              <a:prstClr val="black">
-                <a:alpha val="15000"/>
-              </a:prstClr>
-            </a:outerShdw>
-          </a:effectLst>
-        </p:spPr>
-        <p:style>
-          <a:lnRef idx="2">
-            <a:schemeClr val="accent1">
-              <a:shade val="50000"/>
-            </a:schemeClr>
-          </a:lnRef>
-          <a:fillRef idx="1">
-            <a:schemeClr val="accent1"/>
-          </a:fillRef>
-          <a:effectRef idx="0">
-            <a:schemeClr val="accent1"/>
-          </a:effectRef>
-          <a:fontRef idx="minor">
-            <a:schemeClr val="lt1"/>
-          </a:fontRef>
-        </p:style>
-        <p:txBody>
-          <a:bodyPr rtlCol="0" anchor="ctr"/>
-          <a:lstStyle/>
-          <a:p>
-            <a:pPr algn="ctr"/>
-            <a:endParaRPr lang="en-US"/>
-          </a:p>
-        </p:txBody>
-      </p:sp>
-      <p:pic>
-        <p:nvPicPr>
-          <p:cNvPr id="5" name="Picture 4" descr="A graph of a graph&#10;&#10;AI-generated content may be incorrect.">
-            <a:extLst>
-              <a:ext uri="{FF2B5EF4-FFF2-40B4-BE49-F238E27FC236}">
-                <a16:creationId xmlns:a16="http://schemas.microsoft.com/office/drawing/2014/main" id="{A3E09B69-E26B-63B6-8CA9-CB008A7598C8}"/>
-              </a:ext>
-            </a:extLst>
-          </p:cNvPr>
-          <p:cNvPicPr>
-            <a:picLocks noChangeAspect="1"/>
-          </p:cNvPicPr>
-          <p:nvPr/>
-        </p:nvPicPr>
-        <p:blipFill>
-          <a:blip r:embed="rId3">
-            <a:extLst>
-              <a:ext uri="{28A0092B-C50C-407E-A947-70E740481C1C}">
-                <a14:useLocalDpi xmlns:a14="http://schemas.microsoft.com/office/drawing/2010/main" val="0"/>
-              </a:ext>
-            </a:extLst>
-          </a:blip>
-          <a:stretch>
-            <a:fillRect/>
-          </a:stretch>
-        </p:blipFill>
-        <p:spPr>
-          <a:xfrm>
-            <a:off x="7602970" y="581892"/>
-            <a:ext cx="3358339" cy="2518756"/>
-          </a:xfrm>
-          <a:prstGeom prst="rect">
-            <a:avLst/>
-          </a:prstGeom>
-        </p:spPr>
-      </p:pic>
-      <p:sp>
-        <p:nvSpPr>
-          <p:cNvPr id="31" name="Rectangle 30">
-            <a:extLst>
-              <a:ext uri="{FF2B5EF4-FFF2-40B4-BE49-F238E27FC236}">
-                <a16:creationId xmlns:a16="http://schemas.microsoft.com/office/drawing/2014/main" id="{8CB5D2D7-DF65-4E86-BFBA-FFB9B5ACEB64}"/>
-              </a:ext>
-              <a:ext uri="{C183D7F6-B498-43B3-948B-1728B52AA6E4}">
-                <adec:decorative xmlns:adec="http://schemas.microsoft.com/office/drawing/2017/decorative" val="1"/>
-              </a:ext>
-            </a:extLst>
-          </p:cNvPr>
-          <p:cNvSpPr>
-            <a:spLocks noGrp="1" noRot="1" noChangeAspect="1" noMove="1" noResize="1" noEditPoints="1" noAdjustHandles="1" noChangeArrowheads="1" noChangeShapeType="1" noTextEdit="1"/>
-          </p:cNvSpPr>
-          <p:nvPr>
-            <p:extLst>
-              <p:ext uri="{386F3935-93C4-4BCD-93E2-E3B085C9AB24}">
-                <p16:designElem xmlns:p16="http://schemas.microsoft.com/office/powerpoint/2015/main" val="1"/>
-              </p:ext>
-            </p:extLst>
-          </p:nvPr>
-        </p:nvSpPr>
-        <p:spPr>
-          <a:xfrm>
-            <a:off x="6849687" y="3505479"/>
-            <a:ext cx="4845488" cy="2923587"/>
-          </a:xfrm>
-          <a:prstGeom prst="rect">
-            <a:avLst/>
-          </a:prstGeom>
-          <a:solidFill>
-            <a:schemeClr val="bg1"/>
-          </a:solidFill>
-          <a:ln>
-            <a:noFill/>
-          </a:ln>
-          <a:effectLst>
-            <a:outerShdw blurRad="139700" dist="127000" dir="5400000" algn="t" rotWithShape="0">
-              <a:prstClr val="black">
-                <a:alpha val="15000"/>
-              </a:prstClr>
-            </a:outerShdw>
-          </a:effectLst>
-        </p:spPr>
-        <p:style>
-          <a:lnRef idx="2">
-            <a:schemeClr val="accent1">
-              <a:shade val="50000"/>
-            </a:schemeClr>
-          </a:lnRef>
-          <a:fillRef idx="1">
-            <a:schemeClr val="accent1"/>
-          </a:fillRef>
-          <a:effectRef idx="0">
-            <a:schemeClr val="accent1"/>
-          </a:effectRef>
-          <a:fontRef idx="minor">
-            <a:schemeClr val="lt1"/>
-          </a:fontRef>
-        </p:style>
-        <p:txBody>
-          <a:bodyPr rtlCol="0" anchor="ctr"/>
-          <a:lstStyle/>
-          <a:p>
-            <a:pPr algn="ctr"/>
-            <a:endParaRPr lang="en-US"/>
-          </a:p>
-        </p:txBody>
-      </p:sp>
-      <p:pic>
-        <p:nvPicPr>
-          <p:cNvPr id="7" name="Picture 6" descr="A graph of a chart&#10;&#10;AI-generated content may be incorrect.">
-            <a:extLst>
-              <a:ext uri="{FF2B5EF4-FFF2-40B4-BE49-F238E27FC236}">
-                <a16:creationId xmlns:a16="http://schemas.microsoft.com/office/drawing/2014/main" id="{AF160EE7-DF33-1848-8589-B871757099C4}"/>
-              </a:ext>
-            </a:extLst>
-          </p:cNvPr>
-          <p:cNvPicPr>
-            <a:picLocks noChangeAspect="1"/>
-          </p:cNvPicPr>
-          <p:nvPr/>
-        </p:nvPicPr>
-        <p:blipFill>
-          <a:blip r:embed="rId4">
-            <a:extLst>
-              <a:ext uri="{28A0092B-C50C-407E-A947-70E740481C1C}">
-                <a14:useLocalDpi xmlns:a14="http://schemas.microsoft.com/office/drawing/2010/main" val="0"/>
-              </a:ext>
-            </a:extLst>
-          </a:blip>
-          <a:stretch>
-            <a:fillRect/>
-          </a:stretch>
-        </p:blipFill>
-        <p:spPr>
-          <a:xfrm>
-            <a:off x="7602038" y="3707894"/>
-            <a:ext cx="3358339" cy="2518756"/>
-          </a:xfrm>
-          <a:prstGeom prst="rect">
-            <a:avLst/>
-          </a:prstGeom>
-        </p:spPr>
-      </p:pic>
-    </p:spTree>
-    <p:extLst>
-      <p:ext uri="{BB962C8B-B14F-4D97-AF65-F5344CB8AC3E}">
-        <p14:creationId xmlns:p14="http://schemas.microsoft.com/office/powerpoint/2010/main" val="727695004"/>
-      </p:ext>
-    </p:extLst>
-  </p:cSld>
-  <p:clrMapOvr>
-    <a:masterClrMapping/>
-  </p:clrMapOvr>
-</p:sld>
-</file>
-
-<file path=ppt/slides/slide11.xml><?xml version="1.0" encoding="utf-8"?>
-<p:sld xmlns:a="http://schemas.openxmlformats.org/drawingml/2006/main" xmlns:r="http://schemas.openxmlformats.org/officeDocument/2006/relationships" xmlns:p="http://schemas.openxmlformats.org/presentationml/2006/main">
-  <p:cSld>
-    <p:bg>
-      <p:bgPr>
-        <a:solidFill>
-          <a:schemeClr val="bg1"/>
-        </a:solidFill>
-        <a:effectLst/>
-      </p:bgPr>
-    </p:bg>
-    <p:spTree>
-      <p:nvGrpSpPr>
-        <p:cNvPr id="1" name="">
-          <a:extLst>
-            <a:ext uri="{FF2B5EF4-FFF2-40B4-BE49-F238E27FC236}">
-              <a16:creationId xmlns:a16="http://schemas.microsoft.com/office/drawing/2014/main" id="{B257B853-2B7D-E8F8-FDE9-C556A5D54CD4}"/>
-            </a:ext>
-          </a:extLst>
-        </p:cNvPr>
-        <p:cNvGrpSpPr/>
-        <p:nvPr/>
-      </p:nvGrpSpPr>
-      <p:grpSpPr>
-        <a:xfrm>
-          <a:off x="0" y="0"/>
-          <a:ext cx="0" cy="0"/>
-          <a:chOff x="0" y="0"/>
-          <a:chExt cx="0" cy="0"/>
-        </a:xfrm>
-      </p:grpSpPr>
-      <p:sp useBgFill="1">
-        <p:nvSpPr>
-          <p:cNvPr id="19" name="Rectangle 18">
-            <a:extLst>
-              <a:ext uri="{FF2B5EF4-FFF2-40B4-BE49-F238E27FC236}">
-                <a16:creationId xmlns:a16="http://schemas.microsoft.com/office/drawing/2014/main" id="{BDF1A630-2A9B-41A0-92F9-FDA261070EA8}"/>
-              </a:ext>
-              <a:ext uri="{C183D7F6-B498-43B3-948B-1728B52AA6E4}">
-                <adec:decorative xmlns:adec="http://schemas.microsoft.com/office/drawing/2017/decorative" val="1"/>
-              </a:ext>
-            </a:extLst>
-          </p:cNvPr>
-          <p:cNvSpPr>
-            <a:spLocks noGrp="1" noRot="1" noChangeAspect="1" noMove="1" noResize="1" noEditPoints="1" noAdjustHandles="1" noChangeArrowheads="1" noChangeShapeType="1" noTextEdit="1"/>
-          </p:cNvSpPr>
-          <p:nvPr>
-            <p:extLst>
-              <p:ext uri="{386F3935-93C4-4BCD-93E2-E3B085C9AB24}">
-                <p16:designElem xmlns:p16="http://schemas.microsoft.com/office/powerpoint/2015/main" val="1"/>
-              </p:ext>
-            </p:extLst>
-          </p:nvPr>
-        </p:nvSpPr>
-        <p:spPr>
-          <a:xfrm>
-            <a:off x="0" y="0"/>
-            <a:ext cx="12191999" cy="6857365"/>
-          </a:xfrm>
-          <a:prstGeom prst="rect">
-            <a:avLst/>
-          </a:prstGeom>
-          <a:ln>
-            <a:noFill/>
-          </a:ln>
-        </p:spPr>
-        <p:style>
-          <a:lnRef idx="2">
-            <a:schemeClr val="accent1">
-              <a:shade val="50000"/>
-            </a:schemeClr>
-          </a:lnRef>
-          <a:fillRef idx="1">
-            <a:schemeClr val="accent1"/>
-          </a:fillRef>
-          <a:effectRef idx="0">
-            <a:schemeClr val="accent1"/>
-          </a:effectRef>
-          <a:fontRef idx="minor">
-            <a:schemeClr val="lt1"/>
-          </a:fontRef>
-        </p:style>
-        <p:txBody>
-          <a:bodyPr rtlCol="0" anchor="ctr"/>
-          <a:lstStyle/>
-          <a:p>
-            <a:pPr algn="ctr"/>
-            <a:endParaRPr lang="en-US"/>
-          </a:p>
-        </p:txBody>
-      </p:sp>
-      <p:grpSp>
-        <p:nvGrpSpPr>
-          <p:cNvPr id="21" name="Group 20">
+          <p:cNvPr id="52" name="Group 51">
             <a:extLst>
               <a:ext uri="{FF2B5EF4-FFF2-40B4-BE49-F238E27FC236}">
                 <a16:creationId xmlns:a16="http://schemas.microsoft.com/office/drawing/2014/main" id="{19A6B5CE-CB1D-48EE-8B43-E952235C8371}"/>
@@ -6374,7 +6272,7 @@
         </p:grpSpPr>
         <p:sp>
           <p:nvSpPr>
-            <p:cNvPr id="22" name="Rectangle 21">
+            <p:cNvPr id="53" name="Rectangle 52">
               <a:extLst>
                 <a:ext uri="{FF2B5EF4-FFF2-40B4-BE49-F238E27FC236}">
                   <a16:creationId xmlns:a16="http://schemas.microsoft.com/office/drawing/2014/main" id="{E3F3EAA5-4E15-400B-BBA3-82B3F49A2178}"/>
@@ -6433,7 +6331,7 @@
         </p:sp>
         <p:sp>
           <p:nvSpPr>
-            <p:cNvPr id="23" name="Rectangle 22">
+            <p:cNvPr id="54" name="Rectangle 53">
               <a:extLst>
                 <a:ext uri="{FF2B5EF4-FFF2-40B4-BE49-F238E27FC236}">
                   <a16:creationId xmlns:a16="http://schemas.microsoft.com/office/drawing/2014/main" id="{72BA2E40-BE9B-4C54-9CDD-40EE804CCE64}"/>
@@ -6493,7 +6391,7 @@
       </p:grpSp>
       <p:sp>
         <p:nvSpPr>
-          <p:cNvPr id="25" name="Rectangle 24">
+          <p:cNvPr id="42" name="Rectangle 41">
             <a:extLst>
               <a:ext uri="{FF2B5EF4-FFF2-40B4-BE49-F238E27FC236}">
                 <a16:creationId xmlns:a16="http://schemas.microsoft.com/office/drawing/2014/main" id="{0DA909B4-15FF-46A6-8A7F-7AEF977FE9ED}"/>
@@ -6566,7 +6464,7 @@
           <p:cNvPr id="2" name="Title 1">
             <a:extLst>
               <a:ext uri="{FF2B5EF4-FFF2-40B4-BE49-F238E27FC236}">
-                <a16:creationId xmlns:a16="http://schemas.microsoft.com/office/drawing/2014/main" id="{3D3EDDA2-0AA5-1A81-8047-8A4E33335E65}"/>
+                <a16:creationId xmlns:a16="http://schemas.microsoft.com/office/drawing/2014/main" id="{EC548DE2-0A9D-D7BD-C282-547BE017CDF5}"/>
               </a:ext>
             </a:extLst>
           </p:cNvPr>
@@ -6590,16 +6488,16 @@
           <a:lstStyle/>
           <a:p>
             <a:r>
-              <a:rPr lang="en-US" sz="4000" b="1"/>
-              <a:t>Methodology</a:t>
-            </a:r>
-            <a:endParaRPr lang="en-US" sz="4000"/>
-          </a:p>
-        </p:txBody>
-      </p:sp>
-      <p:sp>
-        <p:nvSpPr>
-          <p:cNvPr id="27" name="Rectangle 26">
+              <a:rPr lang="af-ZA" sz="4000" b="1" dirty="0"/>
+              <a:t>Results- Strategy</a:t>
+            </a:r>
+            <a:endParaRPr lang="en-US" sz="4000" dirty="0"/>
+          </a:p>
+        </p:txBody>
+      </p:sp>
+      <p:sp>
+        <p:nvSpPr>
+          <p:cNvPr id="44" name="Rectangle 43">
             <a:extLst>
               <a:ext uri="{FF2B5EF4-FFF2-40B4-BE49-F238E27FC236}">
                 <a16:creationId xmlns:a16="http://schemas.microsoft.com/office/drawing/2014/main" id="{1382A32C-5B0C-4B1C-A074-76C6DBCC9F87}"/>
@@ -6665,7 +6563,7 @@
           <p:cNvPr id="3" name="Content Placeholder 2">
             <a:extLst>
               <a:ext uri="{FF2B5EF4-FFF2-40B4-BE49-F238E27FC236}">
-                <a16:creationId xmlns:a16="http://schemas.microsoft.com/office/drawing/2014/main" id="{0D1F8855-E818-4AE1-3BDE-006BAFEB9F2B}"/>
+                <a16:creationId xmlns:a16="http://schemas.microsoft.com/office/drawing/2014/main" id="{E7E997FF-C878-B61B-B3C3-130D90585FFC}"/>
               </a:ext>
             </a:extLst>
           </p:cNvPr>
@@ -6689,29 +6587,36 @@
           <a:lstStyle/>
           <a:p>
             <a:r>
-              <a:rPr lang="af-ZA" sz="2000" b="1" dirty="0"/>
-              <a:t>Inventory: </a:t>
-            </a:r>
-            <a:r>
-              <a:rPr lang="en-US" sz="2000" dirty="0"/>
-              <a:t>The heatmap shows the agent keeps inventory near zero (bright yellow center). Variance was &lt; 0.02.</a:t>
-            </a:r>
-          </a:p>
-          <a:p>
-            <a:r>
-              <a:rPr lang="en-US" sz="2000" dirty="0"/>
-              <a:t>The agent learned to be efficient. It didn't hoard assets (which is risky/wasteful). It maximized reward while minimizing resource usage (capital exposure), aligning with Green AI principles of efficiency.</a:t>
-            </a:r>
-            <a:endParaRPr lang="en-US" sz="2000" b="1" dirty="0"/>
+              <a:rPr lang="en-US" sz="1600" dirty="0"/>
+              <a:t>The top image shows that the AI tried different spread widths before deciding on one to make profit.</a:t>
+            </a:r>
+          </a:p>
+          <a:p>
+            <a:r>
+              <a:rPr lang="en-US" sz="1600" dirty="0"/>
+              <a:t>The gray line is how often the agent acts to learn/explore. At first, it's closer to 1, but as time passes it gets to 0, showing that its not acting randomly, but on what it has learnt.</a:t>
+            </a:r>
+          </a:p>
+          <a:p>
+            <a:r>
+              <a:rPr lang="en-US" sz="1600" dirty="0"/>
+              <a:t>When the spikes are small, the price gap in bid/ask spread is tight, which attracts traders. When spikes are big, the spread is wide, and it is repelling traders. </a:t>
+            </a:r>
+          </a:p>
+          <a:p>
+            <a:r>
+              <a:rPr lang="en-US" sz="1600" dirty="0"/>
+              <a:t>There are big spikes when there is a crash in the market, showing that the agent is actively trying to stop itself from being exploited.</a:t>
+            </a:r>
           </a:p>
         </p:txBody>
       </p:sp>
       <p:pic>
         <p:nvPicPr>
-          <p:cNvPr id="13" name="Picture 12" descr="A graph of a step return&#10;&#10;AI-generated content may be incorrect.">
-            <a:extLst>
-              <a:ext uri="{FF2B5EF4-FFF2-40B4-BE49-F238E27FC236}">
-                <a16:creationId xmlns:a16="http://schemas.microsoft.com/office/drawing/2014/main" id="{04BFA4C1-B749-3807-D0C6-DA8E947F163D}"/>
+          <p:cNvPr id="7" name="Picture 6" descr="A graph of a chart&#10;&#10;AI-generated content may be incorrect.">
+            <a:extLst>
+              <a:ext uri="{FF2B5EF4-FFF2-40B4-BE49-F238E27FC236}">
+                <a16:creationId xmlns:a16="http://schemas.microsoft.com/office/drawing/2014/main" id="{AF160EE7-DF33-1848-8589-B871757099C4}"/>
               </a:ext>
             </a:extLst>
           </p:cNvPr>
@@ -6734,8 +6639,560 @@
         </p:blipFill>
         <p:spPr>
           <a:xfrm>
-            <a:off x="6946666" y="982022"/>
-            <a:ext cx="2112264" cy="1584198"/>
+            <a:off x="7420446" y="774285"/>
+            <a:ext cx="3441562" cy="2581173"/>
+          </a:xfrm>
+          <a:prstGeom prst="rect">
+            <a:avLst/>
+          </a:prstGeom>
+        </p:spPr>
+      </p:pic>
+      <p:pic>
+        <p:nvPicPr>
+          <p:cNvPr id="5" name="Picture 4" descr="A graph of a graph&#10;&#10;AI-generated content may be incorrect.">
+            <a:extLst>
+              <a:ext uri="{FF2B5EF4-FFF2-40B4-BE49-F238E27FC236}">
+                <a16:creationId xmlns:a16="http://schemas.microsoft.com/office/drawing/2014/main" id="{A3E09B69-E26B-63B6-8CA9-CB008A7598C8}"/>
+              </a:ext>
+            </a:extLst>
+          </p:cNvPr>
+          <p:cNvPicPr>
+            <a:picLocks noChangeAspect="1"/>
+          </p:cNvPicPr>
+          <p:nvPr/>
+        </p:nvPicPr>
+        <p:blipFill>
+          <a:blip r:embed="rId4">
+            <a:extLst>
+              <a:ext uri="{28A0092B-C50C-407E-A947-70E740481C1C}">
+                <a14:useLocalDpi xmlns:a14="http://schemas.microsoft.com/office/drawing/2010/main" val="0"/>
+              </a:ext>
+            </a:extLst>
+          </a:blip>
+          <a:stretch>
+            <a:fillRect/>
+          </a:stretch>
+        </p:blipFill>
+        <p:spPr>
+          <a:xfrm>
+            <a:off x="7420446" y="3575074"/>
+            <a:ext cx="3441562" cy="2581173"/>
+          </a:xfrm>
+          <a:prstGeom prst="rect">
+            <a:avLst/>
+          </a:prstGeom>
+        </p:spPr>
+      </p:pic>
+    </p:spTree>
+    <p:extLst>
+      <p:ext uri="{BB962C8B-B14F-4D97-AF65-F5344CB8AC3E}">
+        <p14:creationId xmlns:p14="http://schemas.microsoft.com/office/powerpoint/2010/main" val="727695004"/>
+      </p:ext>
+    </p:extLst>
+  </p:cSld>
+  <p:clrMapOvr>
+    <a:masterClrMapping/>
+  </p:clrMapOvr>
+</p:sld>
+</file>
+
+<file path=ppt/slides/slide12.xml><?xml version="1.0" encoding="utf-8"?>
+<p:sld xmlns:a="http://schemas.openxmlformats.org/drawingml/2006/main" xmlns:r="http://schemas.openxmlformats.org/officeDocument/2006/relationships" xmlns:p="http://schemas.openxmlformats.org/presentationml/2006/main">
+  <p:cSld>
+    <p:bg>
+      <p:bgPr>
+        <a:solidFill>
+          <a:schemeClr val="bg1"/>
+        </a:solidFill>
+        <a:effectLst/>
+      </p:bgPr>
+    </p:bg>
+    <p:spTree>
+      <p:nvGrpSpPr>
+        <p:cNvPr id="1" name="">
+          <a:extLst>
+            <a:ext uri="{FF2B5EF4-FFF2-40B4-BE49-F238E27FC236}">
+              <a16:creationId xmlns:a16="http://schemas.microsoft.com/office/drawing/2014/main" id="{B257B853-2B7D-E8F8-FDE9-C556A5D54CD4}"/>
+            </a:ext>
+          </a:extLst>
+        </p:cNvPr>
+        <p:cNvGrpSpPr/>
+        <p:nvPr/>
+      </p:nvGrpSpPr>
+      <p:grpSpPr>
+        <a:xfrm>
+          <a:off x="0" y="0"/>
+          <a:ext cx="0" cy="0"/>
+          <a:chOff x="0" y="0"/>
+          <a:chExt cx="0" cy="0"/>
+        </a:xfrm>
+      </p:grpSpPr>
+      <p:sp useBgFill="1">
+        <p:nvSpPr>
+          <p:cNvPr id="32" name="Rectangle 31">
+            <a:extLst>
+              <a:ext uri="{FF2B5EF4-FFF2-40B4-BE49-F238E27FC236}">
+                <a16:creationId xmlns:a16="http://schemas.microsoft.com/office/drawing/2014/main" id="{EB708185-20C0-40F2-8F2D-8EB9E34B3C00}"/>
+              </a:ext>
+              <a:ext uri="{C183D7F6-B498-43B3-948B-1728B52AA6E4}">
+                <adec:decorative xmlns:adec="http://schemas.microsoft.com/office/drawing/2017/decorative" val="1"/>
+              </a:ext>
+            </a:extLst>
+          </p:cNvPr>
+          <p:cNvSpPr>
+            <a:spLocks noGrp="1" noRot="1" noChangeAspect="1" noMove="1" noResize="1" noEditPoints="1" noAdjustHandles="1" noChangeArrowheads="1" noChangeShapeType="1" noTextEdit="1"/>
+          </p:cNvSpPr>
+          <p:nvPr>
+            <p:extLst>
+              <p:ext uri="{386F3935-93C4-4BCD-93E2-E3B085C9AB24}">
+                <p16:designElem xmlns:p16="http://schemas.microsoft.com/office/powerpoint/2015/main" val="1"/>
+              </p:ext>
+            </p:extLst>
+          </p:nvPr>
+        </p:nvSpPr>
+        <p:spPr>
+          <a:xfrm>
+            <a:off x="0" y="0"/>
+            <a:ext cx="12191999" cy="6857365"/>
+          </a:xfrm>
+          <a:prstGeom prst="rect">
+            <a:avLst/>
+          </a:prstGeom>
+          <a:ln>
+            <a:noFill/>
+          </a:ln>
+        </p:spPr>
+        <p:style>
+          <a:lnRef idx="2">
+            <a:schemeClr val="accent1">
+              <a:shade val="50000"/>
+            </a:schemeClr>
+          </a:lnRef>
+          <a:fillRef idx="1">
+            <a:schemeClr val="accent1"/>
+          </a:fillRef>
+          <a:effectRef idx="0">
+            <a:schemeClr val="accent1"/>
+          </a:effectRef>
+          <a:fontRef idx="minor">
+            <a:schemeClr val="lt1"/>
+          </a:fontRef>
+        </p:style>
+        <p:txBody>
+          <a:bodyPr rtlCol="0" anchor="ctr"/>
+          <a:lstStyle/>
+          <a:p>
+            <a:pPr algn="ctr"/>
+            <a:endParaRPr lang="en-US"/>
+          </a:p>
+        </p:txBody>
+      </p:sp>
+      <p:grpSp>
+        <p:nvGrpSpPr>
+          <p:cNvPr id="34" name="Group 33">
+            <a:extLst>
+              <a:ext uri="{FF2B5EF4-FFF2-40B4-BE49-F238E27FC236}">
+                <a16:creationId xmlns:a16="http://schemas.microsoft.com/office/drawing/2014/main" id="{19A6B5CE-CB1D-48EE-8B43-E952235C8371}"/>
+              </a:ext>
+              <a:ext uri="{C183D7F6-B498-43B3-948B-1728B52AA6E4}">
+                <adec:decorative xmlns:adec="http://schemas.microsoft.com/office/drawing/2017/decorative" val="1"/>
+              </a:ext>
+            </a:extLst>
+          </p:cNvPr>
+          <p:cNvGrpSpPr>
+            <a:grpSpLocks noGrp="1" noUngrp="1" noRot="1" noChangeAspect="1" noMove="1" noResize="1"/>
+          </p:cNvGrpSpPr>
+          <p:nvPr>
+            <p:extLst>
+              <p:ext uri="{386F3935-93C4-4BCD-93E2-E3B085C9AB24}">
+                <p16:designElem xmlns:p16="http://schemas.microsoft.com/office/powerpoint/2015/main" val="1"/>
+              </p:ext>
+            </p:extLst>
+          </p:nvPr>
+        </p:nvGrpSpPr>
+        <p:grpSpPr>
+          <a:xfrm rot="5400000">
+            <a:off x="-2340441" y="2666183"/>
+            <a:ext cx="5860051" cy="527712"/>
+            <a:chOff x="6081624" y="1998368"/>
+            <a:chExt cx="5613457" cy="782175"/>
+          </a:xfrm>
+          <a:solidFill>
+            <a:schemeClr val="accent4"/>
+          </a:solidFill>
+        </p:grpSpPr>
+        <p:sp>
+          <p:nvSpPr>
+            <p:cNvPr id="35" name="Rectangle 34">
+              <a:extLst>
+                <a:ext uri="{FF2B5EF4-FFF2-40B4-BE49-F238E27FC236}">
+                  <a16:creationId xmlns:a16="http://schemas.microsoft.com/office/drawing/2014/main" id="{E3F3EAA5-4E15-400B-BBA3-82B3F49A2178}"/>
+                </a:ext>
+                <a:ext uri="{C183D7F6-B498-43B3-948B-1728B52AA6E4}">
+                  <adec:decorative xmlns:adec="http://schemas.microsoft.com/office/drawing/2017/decorative" val="1"/>
+                </a:ext>
+              </a:extLst>
+            </p:cNvPr>
+            <p:cNvSpPr/>
+            <p:nvPr>
+              <p:extLst>
+                <p:ext uri="{386F3935-93C4-4BCD-93E2-E3B085C9AB24}">
+                  <p16:designElem xmlns:p16="http://schemas.microsoft.com/office/powerpoint/2015/main" val="1"/>
+                </p:ext>
+              </p:extLst>
+            </p:nvPr>
+          </p:nvSpPr>
+          <p:spPr>
+            <a:xfrm rot="5400000">
+              <a:off x="11228040" y="2313027"/>
+              <a:ext cx="781700" cy="152382"/>
+            </a:xfrm>
+            <a:prstGeom prst="rect">
+              <a:avLst/>
+            </a:prstGeom>
+            <a:grpFill/>
+            <a:ln>
+              <a:noFill/>
+            </a:ln>
+          </p:spPr>
+          <p:style>
+            <a:lnRef idx="2">
+              <a:schemeClr val="accent1">
+                <a:shade val="50000"/>
+              </a:schemeClr>
+            </a:lnRef>
+            <a:fillRef idx="1">
+              <a:schemeClr val="accent1"/>
+            </a:fillRef>
+            <a:effectRef idx="0">
+              <a:schemeClr val="accent1"/>
+            </a:effectRef>
+            <a:fontRef idx="minor">
+              <a:schemeClr val="lt1"/>
+            </a:fontRef>
+          </p:style>
+          <p:txBody>
+            <a:bodyPr rtlCol="0" anchor="ctr"/>
+            <a:lstStyle/>
+            <a:p>
+              <a:pPr algn="ctr"/>
+              <a:endParaRPr lang="en-US"/>
+            </a:p>
+          </p:txBody>
+        </p:sp>
+        <p:sp>
+          <p:nvSpPr>
+            <p:cNvPr id="36" name="Rectangle 35">
+              <a:extLst>
+                <a:ext uri="{FF2B5EF4-FFF2-40B4-BE49-F238E27FC236}">
+                  <a16:creationId xmlns:a16="http://schemas.microsoft.com/office/drawing/2014/main" id="{72BA2E40-BE9B-4C54-9CDD-40EE804CCE64}"/>
+                </a:ext>
+                <a:ext uri="{C183D7F6-B498-43B3-948B-1728B52AA6E4}">
+                  <adec:decorative xmlns:adec="http://schemas.microsoft.com/office/drawing/2017/decorative" val="1"/>
+                </a:ext>
+              </a:extLst>
+            </p:cNvPr>
+            <p:cNvSpPr/>
+            <p:nvPr>
+              <p:extLst>
+                <p:ext uri="{386F3935-93C4-4BCD-93E2-E3B085C9AB24}">
+                  <p16:designElem xmlns:p16="http://schemas.microsoft.com/office/powerpoint/2015/main" val="1"/>
+                </p:ext>
+              </p:extLst>
+            </p:nvPr>
+          </p:nvSpPr>
+          <p:spPr>
+            <a:xfrm flipH="1" flipV="1">
+              <a:off x="6081624" y="1998844"/>
+              <a:ext cx="5372968" cy="781699"/>
+            </a:xfrm>
+            <a:prstGeom prst="rect">
+              <a:avLst/>
+            </a:prstGeom>
+            <a:grpFill/>
+            <a:ln>
+              <a:noFill/>
+            </a:ln>
+          </p:spPr>
+          <p:style>
+            <a:lnRef idx="2">
+              <a:schemeClr val="accent1">
+                <a:shade val="50000"/>
+              </a:schemeClr>
+            </a:lnRef>
+            <a:fillRef idx="1">
+              <a:schemeClr val="accent1"/>
+            </a:fillRef>
+            <a:effectRef idx="0">
+              <a:schemeClr val="accent1"/>
+            </a:effectRef>
+            <a:fontRef idx="minor">
+              <a:schemeClr val="lt1"/>
+            </a:fontRef>
+          </p:style>
+          <p:txBody>
+            <a:bodyPr rtlCol="0" anchor="ctr"/>
+            <a:lstStyle/>
+            <a:p>
+              <a:pPr algn="ctr"/>
+              <a:endParaRPr lang="en-US"/>
+            </a:p>
+          </p:txBody>
+        </p:sp>
+      </p:grpSp>
+      <p:sp>
+        <p:nvSpPr>
+          <p:cNvPr id="50" name="Rectangle 49">
+            <a:extLst>
+              <a:ext uri="{FF2B5EF4-FFF2-40B4-BE49-F238E27FC236}">
+                <a16:creationId xmlns:a16="http://schemas.microsoft.com/office/drawing/2014/main" id="{0DA909B4-15FF-46A6-8A7F-7AEF977FE9ED}"/>
+              </a:ext>
+              <a:ext uri="{C183D7F6-B498-43B3-948B-1728B52AA6E4}">
+                <adec:decorative xmlns:adec="http://schemas.microsoft.com/office/drawing/2017/decorative" val="1"/>
+              </a:ext>
+            </a:extLst>
+          </p:cNvPr>
+          <p:cNvSpPr>
+            <a:spLocks noGrp="1" noRot="1" noChangeAspect="1" noMove="1" noResize="1" noEditPoints="1" noAdjustHandles="1" noChangeArrowheads="1" noChangeShapeType="1" noTextEdit="1"/>
+          </p:cNvSpPr>
+          <p:nvPr>
+            <p:extLst>
+              <p:ext uri="{386F3935-93C4-4BCD-93E2-E3B085C9AB24}">
+                <p16:designElem xmlns:p16="http://schemas.microsoft.com/office/powerpoint/2015/main" val="1"/>
+              </p:ext>
+            </p:extLst>
+          </p:nvPr>
+        </p:nvSpPr>
+        <p:spPr>
+          <a:xfrm>
+            <a:off x="579528" y="517897"/>
+            <a:ext cx="11111729" cy="5857966"/>
+          </a:xfrm>
+          <a:prstGeom prst="rect">
+            <a:avLst/>
+          </a:prstGeom>
+          <a:solidFill>
+            <a:schemeClr val="bg1"/>
+          </a:solidFill>
+          <a:ln>
+            <a:noFill/>
+          </a:ln>
+          <a:effectLst>
+            <a:outerShdw blurRad="139700" dist="127000" dir="5400000" algn="t" rotWithShape="0">
+              <a:prstClr val="black">
+                <a:alpha val="15000"/>
+              </a:prstClr>
+            </a:outerShdw>
+          </a:effectLst>
+        </p:spPr>
+        <p:style>
+          <a:lnRef idx="2">
+            <a:schemeClr val="accent1">
+              <a:shade val="50000"/>
+            </a:schemeClr>
+          </a:lnRef>
+          <a:fillRef idx="1">
+            <a:schemeClr val="accent1"/>
+          </a:fillRef>
+          <a:effectRef idx="0">
+            <a:schemeClr val="accent1"/>
+          </a:effectRef>
+          <a:fontRef idx="minor">
+            <a:schemeClr val="lt1"/>
+          </a:fontRef>
+        </p:style>
+        <p:txBody>
+          <a:bodyPr rtlCol="0" anchor="ctr"/>
+          <a:lstStyle/>
+          <a:p>
+            <a:pPr algn="ctr"/>
+            <a:endParaRPr lang="en-US"/>
+          </a:p>
+        </p:txBody>
+      </p:sp>
+      <p:sp>
+        <p:nvSpPr>
+          <p:cNvPr id="2" name="Title 1">
+            <a:extLst>
+              <a:ext uri="{FF2B5EF4-FFF2-40B4-BE49-F238E27FC236}">
+                <a16:creationId xmlns:a16="http://schemas.microsoft.com/office/drawing/2014/main" id="{3D3EDDA2-0AA5-1A81-8047-8A4E33335E65}"/>
+              </a:ext>
+            </a:extLst>
+          </p:cNvPr>
+          <p:cNvSpPr>
+            <a:spLocks noGrp="1"/>
+          </p:cNvSpPr>
+          <p:nvPr>
+            <p:ph type="title"/>
+          </p:nvPr>
+        </p:nvSpPr>
+        <p:spPr>
+          <a:xfrm>
+            <a:off x="1057025" y="922644"/>
+            <a:ext cx="5040285" cy="1169585"/>
+          </a:xfrm>
+        </p:spPr>
+        <p:txBody>
+          <a:bodyPr anchor="b">
+            <a:normAutofit/>
+          </a:bodyPr>
+          <a:lstStyle/>
+          <a:p>
+            <a:r>
+              <a:rPr lang="en-US" sz="4000" b="1" dirty="0"/>
+              <a:t>Results- Methodology</a:t>
+            </a:r>
+            <a:endParaRPr lang="en-US" sz="4000" dirty="0"/>
+          </a:p>
+        </p:txBody>
+      </p:sp>
+      <p:sp>
+        <p:nvSpPr>
+          <p:cNvPr id="51" name="Rectangle 50">
+            <a:extLst>
+              <a:ext uri="{FF2B5EF4-FFF2-40B4-BE49-F238E27FC236}">
+                <a16:creationId xmlns:a16="http://schemas.microsoft.com/office/drawing/2014/main" id="{1382A32C-5B0C-4B1C-A074-76C6DBCC9F87}"/>
+              </a:ext>
+              <a:ext uri="{C183D7F6-B498-43B3-948B-1728B52AA6E4}">
+                <adec:decorative xmlns:adec="http://schemas.microsoft.com/office/drawing/2017/decorative" val="1"/>
+              </a:ext>
+            </a:extLst>
+          </p:cNvPr>
+          <p:cNvSpPr>
+            <a:spLocks noGrp="1" noRot="1" noChangeAspect="1" noMove="1" noResize="1" noEditPoints="1" noAdjustHandles="1" noChangeArrowheads="1" noChangeShapeType="1" noTextEdit="1"/>
+          </p:cNvSpPr>
+          <p:nvPr>
+            <p:extLst>
+              <p:ext uri="{386F3935-93C4-4BCD-93E2-E3B085C9AB24}">
+                <p16:designElem xmlns:p16="http://schemas.microsoft.com/office/powerpoint/2015/main" val="1"/>
+              </p:ext>
+            </p:extLst>
+          </p:nvPr>
+        </p:nvSpPr>
+        <p:spPr>
+          <a:xfrm flipH="1">
+            <a:off x="1055714" y="2263365"/>
+            <a:ext cx="4937760" cy="27432"/>
+          </a:xfrm>
+          <a:prstGeom prst="rect">
+            <a:avLst/>
+          </a:prstGeom>
+          <a:solidFill>
+            <a:schemeClr val="accent4"/>
+          </a:solidFill>
+          <a:ln>
+            <a:noFill/>
+          </a:ln>
+        </p:spPr>
+        <p:style>
+          <a:lnRef idx="2">
+            <a:schemeClr val="accent1">
+              <a:shade val="50000"/>
+            </a:schemeClr>
+          </a:lnRef>
+          <a:fillRef idx="1">
+            <a:schemeClr val="accent1"/>
+          </a:fillRef>
+          <a:effectRef idx="0">
+            <a:schemeClr val="accent1"/>
+          </a:effectRef>
+          <a:fontRef idx="minor">
+            <a:schemeClr val="lt1"/>
+          </a:fontRef>
+        </p:style>
+        <p:txBody>
+          <a:bodyPr rtlCol="0" anchor="ctr"/>
+          <a:lstStyle/>
+          <a:p>
+            <a:pPr algn="ctr"/>
+            <a:endParaRPr lang="en-US"/>
+          </a:p>
+        </p:txBody>
+      </p:sp>
+      <p:sp>
+        <p:nvSpPr>
+          <p:cNvPr id="3" name="Content Placeholder 2">
+            <a:extLst>
+              <a:ext uri="{FF2B5EF4-FFF2-40B4-BE49-F238E27FC236}">
+                <a16:creationId xmlns:a16="http://schemas.microsoft.com/office/drawing/2014/main" id="{0D1F8855-E818-4AE1-3BDE-006BAFEB9F2B}"/>
+              </a:ext>
+            </a:extLst>
+          </p:cNvPr>
+          <p:cNvSpPr>
+            <a:spLocks noGrp="1"/>
+          </p:cNvSpPr>
+          <p:nvPr>
+            <p:ph idx="1"/>
+          </p:nvPr>
+        </p:nvSpPr>
+        <p:spPr>
+          <a:xfrm>
+            <a:off x="1055715" y="2508105"/>
+            <a:ext cx="5040285" cy="3632493"/>
+          </a:xfrm>
+        </p:spPr>
+        <p:txBody>
+          <a:bodyPr anchor="ctr">
+            <a:normAutofit/>
+          </a:bodyPr>
+          <a:lstStyle/>
+          <a:p>
+            <a:r>
+              <a:rPr lang="af-ZA" sz="1700" dirty="0"/>
+              <a:t>The histogram shows that the AI isn’t lucky, it consistently made small wins which added up over time.</a:t>
+            </a:r>
+          </a:p>
+          <a:p>
+            <a:r>
+              <a:rPr lang="af-ZA" sz="1700" dirty="0"/>
+              <a:t>The graph shows drawdown over time. When the agent makes a mistake or the market turns abruptly, it adapted its policy to recover from the loss, instead of tilting and losing more. </a:t>
+            </a:r>
+          </a:p>
+          <a:p>
+            <a:r>
+              <a:rPr lang="en-US" sz="1700" dirty="0"/>
+              <a:t>The bright center line proves the agent learned to keep its inventory near zero, validating that it understands risk management. </a:t>
+            </a:r>
+          </a:p>
+          <a:p>
+            <a:r>
+              <a:rPr lang="en-US" sz="1700" dirty="0"/>
+              <a:t>It makes money by trading flow, not by taking dangerous bets on the direction of the stock.</a:t>
+            </a:r>
+          </a:p>
+        </p:txBody>
+      </p:sp>
+      <p:pic>
+        <p:nvPicPr>
+          <p:cNvPr id="13" name="Picture 12" descr="A graph of a step return&#10;&#10;AI-generated content may be incorrect.">
+            <a:extLst>
+              <a:ext uri="{FF2B5EF4-FFF2-40B4-BE49-F238E27FC236}">
+                <a16:creationId xmlns:a16="http://schemas.microsoft.com/office/drawing/2014/main" id="{04BFA4C1-B749-3807-D0C6-DA8E947F163D}"/>
+              </a:ext>
+            </a:extLst>
+          </p:cNvPr>
+          <p:cNvPicPr>
+            <a:picLocks noChangeAspect="1"/>
+          </p:cNvPicPr>
+          <p:nvPr/>
+        </p:nvPicPr>
+        <p:blipFill>
+          <a:blip r:embed="rId3">
+            <a:extLst>
+              <a:ext uri="{28A0092B-C50C-407E-A947-70E740481C1C}">
+                <a14:useLocalDpi xmlns:a14="http://schemas.microsoft.com/office/drawing/2010/main" val="0"/>
+              </a:ext>
+            </a:extLst>
+          </a:blip>
+          <a:srcRect l="14580" r="6202" b="6"/>
+          <a:stretch>
+            <a:fillRect/>
+          </a:stretch>
+        </p:blipFill>
+        <p:spPr>
+          <a:xfrm>
+            <a:off x="6946666" y="774285"/>
+            <a:ext cx="2112264" cy="1999673"/>
           </a:xfrm>
           <a:prstGeom prst="rect">
             <a:avLst/>
@@ -6764,14 +7221,15 @@
               </a:ext>
             </a:extLst>
           </a:blip>
+          <a:srcRect l="17656" r="3126" b="6"/>
           <a:stretch>
             <a:fillRect/>
           </a:stretch>
         </p:blipFill>
         <p:spPr>
           <a:xfrm>
-            <a:off x="9223523" y="982022"/>
-            <a:ext cx="2112264" cy="1584198"/>
+            <a:off x="9223523" y="774285"/>
+            <a:ext cx="2112264" cy="1999673"/>
           </a:xfrm>
           <a:prstGeom prst="rect">
             <a:avLst/>
@@ -6800,14 +7258,15 @@
               </a:ext>
             </a:extLst>
           </a:blip>
+          <a:srcRect l="2442" r="12193" b="-1"/>
           <a:stretch>
             <a:fillRect/>
           </a:stretch>
         </p:blipFill>
         <p:spPr>
           <a:xfrm>
-            <a:off x="6946667" y="3177874"/>
-            <a:ext cx="4389120" cy="2743202"/>
+            <a:off x="6946667" y="2942704"/>
+            <a:ext cx="4389120" cy="3213543"/>
           </a:xfrm>
           <a:prstGeom prst="rect">
             <a:avLst/>
@@ -6827,7 +7286,7 @@
 </p:sld>
 </file>
 
-<file path=ppt/slides/slide12.xml><?xml version="1.0" encoding="utf-8"?>
+<file path=ppt/slides/slide13.xml><?xml version="1.0" encoding="utf-8"?>
 <p:sld xmlns:a="http://schemas.openxmlformats.org/drawingml/2006/main" xmlns:r="http://schemas.openxmlformats.org/officeDocument/2006/relationships" xmlns:p="http://schemas.openxmlformats.org/presentationml/2006/main">
   <p:cSld>
     <p:bg>
@@ -7207,16 +7666,49 @@
           <a:lstStyle/>
           <a:p>
             <a:r>
-              <a:rPr lang="en-US" sz="2400"/>
-              <a:t>Most financial RL papers assume a static market. We demonstrated Co-Evolution—where the AI and the Market change each other simultaneously.</a:t>
-            </a:r>
-          </a:p>
-          <a:p>
-            <a:r>
-              <a:rPr lang="en-US" sz="2400"/>
-              <a:t>We provide an open-source "playground" for the community to study Multi-Agent interactions. This framework serves as a benchmark for measuring AI Robustness against adaptive adversaries. </a:t>
-            </a:r>
-            <a:endParaRPr lang="en-US" sz="2400" b="1"/>
+              <a:rPr lang="en-US" sz="2400" dirty="0"/>
+              <a:t>There have been research projects with:</a:t>
+            </a:r>
+          </a:p>
+          <a:p>
+            <a:pPr lvl="1"/>
+            <a:r>
+              <a:rPr lang="en-US" sz="2000" dirty="0"/>
+              <a:t>RL agent vs fixed environment</a:t>
+            </a:r>
+          </a:p>
+          <a:p>
+            <a:pPr lvl="1"/>
+            <a:r>
+              <a:rPr lang="en-US" sz="2000" dirty="0"/>
+              <a:t>GA evolving strategies with no RL</a:t>
+            </a:r>
+          </a:p>
+          <a:p>
+            <a:pPr lvl="1"/>
+            <a:r>
+              <a:rPr lang="en-US" sz="2000" dirty="0"/>
+              <a:t>multiple RL agents but no evolutionary dynamics</a:t>
+            </a:r>
+          </a:p>
+          <a:p>
+            <a:pPr lvl="1"/>
+            <a:r>
+              <a:rPr lang="en-US" sz="2000" dirty="0"/>
+              <a:t>EGT populations but no deep learning agent.</a:t>
+            </a:r>
+          </a:p>
+          <a:p>
+            <a:r>
+              <a:rPr lang="en-US" sz="2400" dirty="0"/>
+              <a:t>We could not find any that involve all 4 of these ideas in one simulation. </a:t>
+            </a:r>
+          </a:p>
+          <a:p>
+            <a:r>
+              <a:rPr lang="en-US" sz="2400" dirty="0"/>
+              <a:t>Unlike static back testing tools, this framework features an evolving trader population, providing a dynamic environment for validating predictive models.</a:t>
+            </a:r>
           </a:p>
         </p:txBody>
       </p:sp>
@@ -7233,7 +7725,7 @@
 </p:sld>
 </file>
 
-<file path=ppt/slides/slide13.xml><?xml version="1.0" encoding="utf-8"?>
+<file path=ppt/slides/slide14.xml><?xml version="1.0" encoding="utf-8"?>
 <p:sld xmlns:a="http://schemas.openxmlformats.org/drawingml/2006/main" xmlns:r="http://schemas.openxmlformats.org/officeDocument/2006/relationships" xmlns:p="http://schemas.openxmlformats.org/presentationml/2006/main">
   <p:cSld>
     <p:bg>
@@ -7659,7 +8151,7 @@
 </p:sld>
 </file>
 
-<file path=ppt/slides/slide14.xml><?xml version="1.0" encoding="utf-8"?>
+<file path=ppt/slides/slide15.xml><?xml version="1.0" encoding="utf-8"?>
 <p:sld xmlns:a="http://schemas.openxmlformats.org/drawingml/2006/main" xmlns:r="http://schemas.openxmlformats.org/officeDocument/2006/relationships" xmlns:p="http://schemas.openxmlformats.org/presentationml/2006/main">
   <p:cSld>
     <p:bg>
@@ -8039,20 +8531,20 @@
           <a:lstStyle/>
           <a:p>
             <a:r>
-              <a:rPr lang="en-US" sz="2400"/>
-              <a:t>We successfully built a simulation where a Neural Network agent fought against an evolving Genetic Algorithm population.</a:t>
-            </a:r>
-          </a:p>
-          <a:p>
-            <a:r>
-              <a:rPr lang="en-US" sz="2400"/>
+              <a:rPr lang="en-US" sz="2400" dirty="0"/>
+              <a:t>We successfully built a simulation where a Neural Network agent fought and exploited against an evolving Genetic Algorithm population.</a:t>
+            </a:r>
+          </a:p>
+          <a:p>
+            <a:r>
+              <a:rPr lang="en-US" sz="2400" dirty="0"/>
               <a:t>The agent didn't just memorize prices; it learned Safe AI behaviors (inventory management) and Strategic Adaptation (countering aggressive traders).</a:t>
             </a:r>
           </a:p>
           <a:p>
             <a:r>
-              <a:rPr lang="en-US" sz="2400"/>
-              <a:t>This proves that RL agents can survive and stabilize in non-stationary, adversarial environments, a crucial step for deploying AI in the real world.</a:t>
+              <a:rPr lang="en-US" sz="2400" dirty="0"/>
+              <a:t>This proves that RL agents can survive and stabilize in non-stationary, adversarial environments, and even control the environment to accomplish its goal.</a:t>
             </a:r>
           </a:p>
         </p:txBody>
@@ -8070,7 +8562,7 @@
 </p:sld>
 </file>
 
-<file path=ppt/slides/slide15.xml><?xml version="1.0" encoding="utf-8"?>
+<file path=ppt/slides/slide16.xml><?xml version="1.0" encoding="utf-8"?>
 <p:sld xmlns:a="http://schemas.openxmlformats.org/drawingml/2006/main" xmlns:r="http://schemas.openxmlformats.org/officeDocument/2006/relationships" xmlns:p="http://schemas.openxmlformats.org/presentationml/2006/main">
   <p:cSld>
     <p:spTree>
@@ -8570,7 +9062,6 @@
               <a:rPr lang="en-US" sz="2000" dirty="0"/>
               <a:t>We treat the market not as a prediction problem, but as a complex stochastic environment for stress-testing AI reasoning and adaptation.</a:t>
             </a:r>
-            <a:endParaRPr lang="en-US" sz="2000" b="1" dirty="0"/>
           </a:p>
         </p:txBody>
       </p:sp>
@@ -8603,7 +9094,7 @@
         <p:cNvPr id="1" name="">
           <a:extLst>
             <a:ext uri="{FF2B5EF4-FFF2-40B4-BE49-F238E27FC236}">
-              <a16:creationId xmlns:a16="http://schemas.microsoft.com/office/drawing/2014/main" id="{E81687DF-BC76-7043-FB6E-1B43C0854F6A}"/>
+              <a16:creationId xmlns:a16="http://schemas.microsoft.com/office/drawing/2014/main" id="{3079D037-9DC8-0E09-7502-78AC5614B49B}"/>
             </a:ext>
           </a:extLst>
         </p:cNvPr>
@@ -8623,7 +9114,7 @@
           <p:cNvPr id="19" name="Rectangle 18">
             <a:extLst>
               <a:ext uri="{FF2B5EF4-FFF2-40B4-BE49-F238E27FC236}">
-                <a16:creationId xmlns:a16="http://schemas.microsoft.com/office/drawing/2014/main" id="{058A14AF-9FB5-4CC7-BA35-E8E85D3EDF0E}"/>
+                <a16:creationId xmlns:a16="http://schemas.microsoft.com/office/drawing/2014/main" id="{DBF61EA3-B236-439E-9C0B-340980D56BEE}"/>
               </a:ext>
               <a:ext uri="{C183D7F6-B498-43B3-948B-1728B52AA6E4}">
                 <adec:decorative xmlns:adec="http://schemas.microsoft.com/office/drawing/2017/decorative" val="1"/>
@@ -8683,470 +9174,7 @@
           <p:cNvPr id="2" name="Title 1">
             <a:extLst>
               <a:ext uri="{FF2B5EF4-FFF2-40B4-BE49-F238E27FC236}">
-                <a16:creationId xmlns:a16="http://schemas.microsoft.com/office/drawing/2014/main" id="{632E0900-F9DA-5D57-3E3E-21948A7337BE}"/>
-              </a:ext>
-            </a:extLst>
-          </p:cNvPr>
-          <p:cNvSpPr>
-            <a:spLocks noGrp="1"/>
-          </p:cNvSpPr>
-          <p:nvPr>
-            <p:ph type="title"/>
-          </p:nvPr>
-        </p:nvSpPr>
-        <p:spPr>
-          <a:xfrm>
-            <a:off x="793662" y="386930"/>
-            <a:ext cx="10066122" cy="1298448"/>
-          </a:xfrm>
-        </p:spPr>
-        <p:txBody>
-          <a:bodyPr anchor="b">
-            <a:normAutofit/>
-          </a:bodyPr>
-          <a:lstStyle/>
-          <a:p>
-            <a:r>
-              <a:rPr lang="en-US" sz="4800" b="1"/>
-              <a:t>Experimental Setup and Data</a:t>
-            </a:r>
-            <a:endParaRPr lang="en-US" sz="4800"/>
-          </a:p>
-        </p:txBody>
-      </p:sp>
-      <p:sp>
-        <p:nvSpPr>
-          <p:cNvPr id="21" name="Rectangle 20">
-            <a:extLst>
-              <a:ext uri="{FF2B5EF4-FFF2-40B4-BE49-F238E27FC236}">
-                <a16:creationId xmlns:a16="http://schemas.microsoft.com/office/drawing/2014/main" id="{3A9A4357-BD1D-4622-A4FE-766E6AB8DE84}"/>
-              </a:ext>
-              <a:ext uri="{C183D7F6-B498-43B3-948B-1728B52AA6E4}">
-                <adec:decorative xmlns:adec="http://schemas.microsoft.com/office/drawing/2017/decorative" val="1"/>
-              </a:ext>
-            </a:extLst>
-          </p:cNvPr>
-          <p:cNvSpPr>
-            <a:spLocks noGrp="1" noRot="1" noChangeAspect="1" noMove="1" noResize="1" noEditPoints="1" noAdjustHandles="1" noChangeArrowheads="1" noChangeShapeType="1" noTextEdit="1"/>
-          </p:cNvSpPr>
-          <p:nvPr>
-            <p:extLst>
-              <p:ext uri="{386F3935-93C4-4BCD-93E2-E3B085C9AB24}">
-                <p16:designElem xmlns:p16="http://schemas.microsoft.com/office/powerpoint/2015/main" val="1"/>
-              </p:ext>
-            </p:extLst>
-          </p:nvPr>
-        </p:nvSpPr>
-        <p:spPr>
-          <a:xfrm flipH="1" flipV="1">
-            <a:off x="-2" y="1998845"/>
-            <a:ext cx="11454595" cy="781699"/>
-          </a:xfrm>
-          <a:prstGeom prst="rect">
-            <a:avLst/>
-          </a:prstGeom>
-          <a:solidFill>
-            <a:schemeClr val="accent4"/>
-          </a:solidFill>
-          <a:ln>
-            <a:noFill/>
-          </a:ln>
-        </p:spPr>
-        <p:style>
-          <a:lnRef idx="2">
-            <a:schemeClr val="accent1">
-              <a:shade val="50000"/>
-            </a:schemeClr>
-          </a:lnRef>
-          <a:fillRef idx="1">
-            <a:schemeClr val="accent1"/>
-          </a:fillRef>
-          <a:effectRef idx="0">
-            <a:schemeClr val="accent1"/>
-          </a:effectRef>
-          <a:fontRef idx="minor">
-            <a:schemeClr val="lt1"/>
-          </a:fontRef>
-        </p:style>
-        <p:txBody>
-          <a:bodyPr rtlCol="0" anchor="ctr"/>
-          <a:lstStyle/>
-          <a:p>
-            <a:pPr algn="ctr"/>
-            <a:endParaRPr lang="en-US"/>
-          </a:p>
-        </p:txBody>
-      </p:sp>
-      <p:sp>
-        <p:nvSpPr>
-          <p:cNvPr id="23" name="Rectangle 22">
-            <a:extLst>
-              <a:ext uri="{FF2B5EF4-FFF2-40B4-BE49-F238E27FC236}">
-                <a16:creationId xmlns:a16="http://schemas.microsoft.com/office/drawing/2014/main" id="{E659831F-0D9A-4C63-9EBB-8435B85A440F}"/>
-              </a:ext>
-              <a:ext uri="{C183D7F6-B498-43B3-948B-1728B52AA6E4}">
-                <adec:decorative xmlns:adec="http://schemas.microsoft.com/office/drawing/2017/decorative" val="1"/>
-              </a:ext>
-            </a:extLst>
-          </p:cNvPr>
-          <p:cNvSpPr>
-            <a:spLocks noGrp="1" noRot="1" noChangeAspect="1" noMove="1" noResize="1" noEditPoints="1" noAdjustHandles="1" noChangeArrowheads="1" noChangeShapeType="1" noTextEdit="1"/>
-          </p:cNvSpPr>
-          <p:nvPr>
-            <p:extLst>
-              <p:ext uri="{386F3935-93C4-4BCD-93E2-E3B085C9AB24}">
-                <p16:designElem xmlns:p16="http://schemas.microsoft.com/office/powerpoint/2015/main" val="1"/>
-              </p:ext>
-            </p:extLst>
-          </p:nvPr>
-        </p:nvSpPr>
-        <p:spPr>
-          <a:xfrm>
-            <a:off x="0" y="2203079"/>
-            <a:ext cx="11383362" cy="4267991"/>
-          </a:xfrm>
-          <a:prstGeom prst="rect">
-            <a:avLst/>
-          </a:prstGeom>
-          <a:solidFill>
-            <a:schemeClr val="bg1"/>
-          </a:solidFill>
-          <a:ln>
-            <a:noFill/>
-          </a:ln>
-          <a:effectLst>
-            <a:outerShdw blurRad="139700" dist="127000" dir="5400000" algn="t" rotWithShape="0">
-              <a:prstClr val="black">
-                <a:alpha val="15000"/>
-              </a:prstClr>
-            </a:outerShdw>
-          </a:effectLst>
-        </p:spPr>
-        <p:style>
-          <a:lnRef idx="2">
-            <a:schemeClr val="accent1">
-              <a:shade val="50000"/>
-            </a:schemeClr>
-          </a:lnRef>
-          <a:fillRef idx="1">
-            <a:schemeClr val="accent1"/>
-          </a:fillRef>
-          <a:effectRef idx="0">
-            <a:schemeClr val="accent1"/>
-          </a:effectRef>
-          <a:fontRef idx="minor">
-            <a:schemeClr val="lt1"/>
-          </a:fontRef>
-        </p:style>
-        <p:txBody>
-          <a:bodyPr rtlCol="0" anchor="ctr"/>
-          <a:lstStyle/>
-          <a:p>
-            <a:pPr algn="ctr"/>
-            <a:endParaRPr lang="en-US"/>
-          </a:p>
-        </p:txBody>
-      </p:sp>
-      <p:sp>
-        <p:nvSpPr>
-          <p:cNvPr id="3" name="Content Placeholder 2">
-            <a:extLst>
-              <a:ext uri="{FF2B5EF4-FFF2-40B4-BE49-F238E27FC236}">
-                <a16:creationId xmlns:a16="http://schemas.microsoft.com/office/drawing/2014/main" id="{429159F8-C27C-AEEF-AB86-570268A50C78}"/>
-              </a:ext>
-            </a:extLst>
-          </p:cNvPr>
-          <p:cNvSpPr>
-            <a:spLocks noGrp="1"/>
-          </p:cNvSpPr>
-          <p:nvPr>
-            <p:ph idx="1"/>
-          </p:nvPr>
-        </p:nvSpPr>
-        <p:spPr>
-          <a:xfrm>
-            <a:off x="793661" y="2599509"/>
-            <a:ext cx="4530898" cy="3639450"/>
-          </a:xfrm>
-        </p:spPr>
-        <p:txBody>
-          <a:bodyPr anchor="ctr">
-            <a:normAutofit/>
-          </a:bodyPr>
-          <a:lstStyle/>
-          <a:p>
-            <a:r>
-              <a:rPr lang="en-US" sz="1300" b="1"/>
-              <a:t>Environment: </a:t>
-            </a:r>
-            <a:r>
-              <a:rPr lang="en-US" sz="1300"/>
-              <a:t>A simulated order-book market where agents interact via "crossing quotes.</a:t>
-            </a:r>
-          </a:p>
-          <a:p>
-            <a:r>
-              <a:rPr lang="en-US" sz="1300" b="1"/>
-              <a:t>Data Source: </a:t>
-            </a:r>
-            <a:r>
-              <a:rPr lang="en-US" sz="1300"/>
-              <a:t>Real OHLCV data provides the seed for price, volatility, and momentum.</a:t>
-            </a:r>
-          </a:p>
-          <a:p>
-            <a:r>
-              <a:rPr lang="en-US" sz="1300" b="1"/>
-              <a:t>Input Features: </a:t>
-            </a:r>
-            <a:r>
-              <a:rPr lang="en-US" sz="1300"/>
-              <a:t>The agent observes 6 features: Volatility, RSI, Momentum, Normalized Volume, Inventory, and Time Remaining.</a:t>
-            </a:r>
-          </a:p>
-          <a:p>
-            <a:r>
-              <a:rPr lang="en-US" sz="1300" b="1"/>
-              <a:t>Reproducibility: </a:t>
-            </a:r>
-            <a:r>
-              <a:rPr lang="en-US" sz="1300"/>
-              <a:t>There is a seed feature which enables accurate reproduction of results despite the required randomness.</a:t>
-            </a:r>
-            <a:endParaRPr lang="en-US" sz="1300" b="1"/>
-          </a:p>
-          <a:p>
-            <a:r>
-              <a:rPr lang="en-US" sz="1300" b="1"/>
-              <a:t>Goal: </a:t>
-            </a:r>
-            <a:r>
-              <a:rPr lang="en-US" sz="1300"/>
-              <a:t>Maximize a Hybrid Reward function (Profit + Spread Capture + Risk Penalty). </a:t>
-            </a:r>
-          </a:p>
-          <a:p>
-            <a:r>
-              <a:rPr lang="en-US" sz="1300" b="1"/>
-              <a:t>External Tools/Libraries used: </a:t>
-            </a:r>
-            <a:r>
-              <a:rPr lang="en-US" sz="1300"/>
-              <a:t>Python, TensorFlow/Keras (Deep Learning/Neural Network), NumPy &amp; Pandas (Data Processing), SciPy (Analytics), and Matplotlib (Visualization).</a:t>
-            </a:r>
-            <a:endParaRPr lang="en-US" sz="1300" b="1"/>
-          </a:p>
-        </p:txBody>
-      </p:sp>
-      <p:pic>
-        <p:nvPicPr>
-          <p:cNvPr id="5" name="Picture 4" descr="A graph showing the price of a stock market&#10;&#10;AI-generated content may be incorrect.">
-            <a:extLst>
-              <a:ext uri="{FF2B5EF4-FFF2-40B4-BE49-F238E27FC236}">
-                <a16:creationId xmlns:a16="http://schemas.microsoft.com/office/drawing/2014/main" id="{F09E981B-C047-DF2A-FCBB-02D7C9417A63}"/>
-              </a:ext>
-            </a:extLst>
-          </p:cNvPr>
-          <p:cNvPicPr>
-            <a:picLocks noChangeAspect="1"/>
-          </p:cNvPicPr>
-          <p:nvPr/>
-        </p:nvPicPr>
-        <p:blipFill>
-          <a:blip r:embed="rId3">
-            <a:extLst>
-              <a:ext uri="{28A0092B-C50C-407E-A947-70E740481C1C}">
-                <a14:useLocalDpi xmlns:a14="http://schemas.microsoft.com/office/drawing/2010/main" val="0"/>
-              </a:ext>
-            </a:extLst>
-          </a:blip>
-          <a:stretch>
-            <a:fillRect/>
-          </a:stretch>
-        </p:blipFill>
-        <p:spPr>
-          <a:xfrm>
-            <a:off x="6010509" y="2484255"/>
-            <a:ext cx="4952322" cy="3714244"/>
-          </a:xfrm>
-          <a:prstGeom prst="rect">
-            <a:avLst/>
-          </a:prstGeom>
-        </p:spPr>
-      </p:pic>
-      <p:sp>
-        <p:nvSpPr>
-          <p:cNvPr id="25" name="Rectangle 24">
-            <a:extLst>
-              <a:ext uri="{FF2B5EF4-FFF2-40B4-BE49-F238E27FC236}">
-                <a16:creationId xmlns:a16="http://schemas.microsoft.com/office/drawing/2014/main" id="{E6995CE5-F890-4ABA-82A2-26507CE8D2A3}"/>
-              </a:ext>
-              <a:ext uri="{C183D7F6-B498-43B3-948B-1728B52AA6E4}">
-                <adec:decorative xmlns:adec="http://schemas.microsoft.com/office/drawing/2017/decorative" val="1"/>
-              </a:ext>
-            </a:extLst>
-          </p:cNvPr>
-          <p:cNvSpPr>
-            <a:spLocks noGrp="1" noRot="1" noChangeAspect="1" noMove="1" noResize="1" noEditPoints="1" noAdjustHandles="1" noChangeArrowheads="1" noChangeShapeType="1" noTextEdit="1"/>
-          </p:cNvSpPr>
-          <p:nvPr>
-            <p:extLst>
-              <p:ext uri="{386F3935-93C4-4BCD-93E2-E3B085C9AB24}">
-                <p16:designElem xmlns:p16="http://schemas.microsoft.com/office/powerpoint/2015/main" val="1"/>
-              </p:ext>
-            </p:extLst>
-          </p:nvPr>
-        </p:nvSpPr>
-        <p:spPr>
-          <a:xfrm rot="5400000">
-            <a:off x="11228040" y="2313027"/>
-            <a:ext cx="781700" cy="152382"/>
-          </a:xfrm>
-          <a:prstGeom prst="rect">
-            <a:avLst/>
-          </a:prstGeom>
-          <a:solidFill>
-            <a:schemeClr val="accent4"/>
-          </a:solidFill>
-          <a:ln>
-            <a:noFill/>
-          </a:ln>
-        </p:spPr>
-        <p:style>
-          <a:lnRef idx="2">
-            <a:schemeClr val="accent1">
-              <a:shade val="50000"/>
-            </a:schemeClr>
-          </a:lnRef>
-          <a:fillRef idx="1">
-            <a:schemeClr val="accent1"/>
-          </a:fillRef>
-          <a:effectRef idx="0">
-            <a:schemeClr val="accent1"/>
-          </a:effectRef>
-          <a:fontRef idx="minor">
-            <a:schemeClr val="lt1"/>
-          </a:fontRef>
-        </p:style>
-        <p:txBody>
-          <a:bodyPr rtlCol="0" anchor="ctr"/>
-          <a:lstStyle/>
-          <a:p>
-            <a:pPr algn="ctr"/>
-            <a:endParaRPr lang="en-US"/>
-          </a:p>
-        </p:txBody>
-      </p:sp>
-    </p:spTree>
-    <p:extLst>
-      <p:ext uri="{BB962C8B-B14F-4D97-AF65-F5344CB8AC3E}">
-        <p14:creationId xmlns:p14="http://schemas.microsoft.com/office/powerpoint/2010/main" val="3219614545"/>
-      </p:ext>
-    </p:extLst>
-  </p:cSld>
-  <p:clrMapOvr>
-    <a:masterClrMapping/>
-  </p:clrMapOvr>
-</p:sld>
-</file>
-
-<file path=ppt/slides/slide4.xml><?xml version="1.0" encoding="utf-8"?>
-<p:sld xmlns:a="http://schemas.openxmlformats.org/drawingml/2006/main" xmlns:r="http://schemas.openxmlformats.org/officeDocument/2006/relationships" xmlns:p="http://schemas.openxmlformats.org/presentationml/2006/main">
-  <p:cSld>
-    <p:bg>
-      <p:bgPr>
-        <a:solidFill>
-          <a:schemeClr val="bg1"/>
-        </a:solidFill>
-        <a:effectLst/>
-      </p:bgPr>
-    </p:bg>
-    <p:spTree>
-      <p:nvGrpSpPr>
-        <p:cNvPr id="1" name="">
-          <a:extLst>
-            <a:ext uri="{FF2B5EF4-FFF2-40B4-BE49-F238E27FC236}">
-              <a16:creationId xmlns:a16="http://schemas.microsoft.com/office/drawing/2014/main" id="{1468288A-AD10-A3B7-813D-51DF7C3888FD}"/>
-            </a:ext>
-          </a:extLst>
-        </p:cNvPr>
-        <p:cNvGrpSpPr/>
-        <p:nvPr/>
-      </p:nvGrpSpPr>
-      <p:grpSpPr>
-        <a:xfrm>
-          <a:off x="0" y="0"/>
-          <a:ext cx="0" cy="0"/>
-          <a:chOff x="0" y="0"/>
-          <a:chExt cx="0" cy="0"/>
-        </a:xfrm>
-      </p:grpSpPr>
-      <p:sp useBgFill="1">
-        <p:nvSpPr>
-          <p:cNvPr id="19" name="Rectangle 18">
-            <a:extLst>
-              <a:ext uri="{FF2B5EF4-FFF2-40B4-BE49-F238E27FC236}">
-                <a16:creationId xmlns:a16="http://schemas.microsoft.com/office/drawing/2014/main" id="{DBF61EA3-B236-439E-9C0B-340980D56BEE}"/>
-              </a:ext>
-              <a:ext uri="{C183D7F6-B498-43B3-948B-1728B52AA6E4}">
-                <adec:decorative xmlns:adec="http://schemas.microsoft.com/office/drawing/2017/decorative" val="1"/>
-              </a:ext>
-            </a:extLst>
-          </p:cNvPr>
-          <p:cNvSpPr>
-            <a:spLocks noGrp="1" noRot="1" noChangeAspect="1" noMove="1" noResize="1" noEditPoints="1" noAdjustHandles="1" noChangeArrowheads="1" noChangeShapeType="1" noTextEdit="1"/>
-          </p:cNvSpPr>
-          <p:nvPr>
-            <p:extLst>
-              <p:ext uri="{386F3935-93C4-4BCD-93E2-E3B085C9AB24}">
-                <p16:designElem xmlns:p16="http://schemas.microsoft.com/office/powerpoint/2015/main" val="1"/>
-              </p:ext>
-            </p:extLst>
-          </p:nvPr>
-        </p:nvSpPr>
-        <p:spPr>
-          <a:xfrm>
-            <a:off x="0" y="0"/>
-            <a:ext cx="12191999" cy="6857365"/>
-          </a:xfrm>
-          <a:prstGeom prst="rect">
-            <a:avLst/>
-          </a:prstGeom>
-          <a:ln>
-            <a:noFill/>
-          </a:ln>
-        </p:spPr>
-        <p:style>
-          <a:lnRef idx="2">
-            <a:schemeClr val="accent1">
-              <a:shade val="50000"/>
-            </a:schemeClr>
-          </a:lnRef>
-          <a:fillRef idx="1">
-            <a:schemeClr val="accent1"/>
-          </a:fillRef>
-          <a:effectRef idx="0">
-            <a:schemeClr val="accent1"/>
-          </a:effectRef>
-          <a:fontRef idx="minor">
-            <a:schemeClr val="lt1"/>
-          </a:fontRef>
-        </p:style>
-        <p:txBody>
-          <a:bodyPr rtlCol="0" anchor="ctr"/>
-          <a:lstStyle/>
-          <a:p>
-            <a:pPr algn="ctr"/>
-            <a:endParaRPr lang="en-US"/>
-          </a:p>
-        </p:txBody>
-      </p:sp>
-      <p:sp>
-        <p:nvSpPr>
-          <p:cNvPr id="2" name="Title 1">
-            <a:extLst>
-              <a:ext uri="{FF2B5EF4-FFF2-40B4-BE49-F238E27FC236}">
-                <a16:creationId xmlns:a16="http://schemas.microsoft.com/office/drawing/2014/main" id="{EEEECE88-5BF6-6385-E38F-D8FB8A9AAD28}"/>
+                <a16:creationId xmlns:a16="http://schemas.microsoft.com/office/drawing/2014/main" id="{B1B8A0AA-235A-34AA-9741-EC4F60D10AD5}"/>
               </a:ext>
             </a:extLst>
           </p:cNvPr>
@@ -9171,7 +9199,7 @@
           <a:p>
             <a:r>
               <a:rPr lang="en-US" sz="5400" b="1"/>
-              <a:t>Agent Architecture</a:t>
+              <a:t>Previous Iterations</a:t>
             </a:r>
             <a:endParaRPr lang="en-US" sz="5400"/>
           </a:p>
@@ -9406,7 +9434,7 @@
           <p:cNvPr id="3" name="Content Placeholder 2">
             <a:extLst>
               <a:ext uri="{FF2B5EF4-FFF2-40B4-BE49-F238E27FC236}">
-                <a16:creationId xmlns:a16="http://schemas.microsoft.com/office/drawing/2014/main" id="{5BB20EC2-E86D-B464-4C8F-17FA23D9DCC3}"/>
+                <a16:creationId xmlns:a16="http://schemas.microsoft.com/office/drawing/2014/main" id="{10A5589D-7858-0CA9-5FA8-0F443ED46ED2}"/>
               </a:ext>
             </a:extLst>
           </p:cNvPr>
@@ -9430,8 +9458,897 @@
           <a:lstStyle/>
           <a:p>
             <a:r>
+              <a:rPr lang="en-US" sz="1900" b="1" dirty="0"/>
+              <a:t>Simple Q table</a:t>
+            </a:r>
+            <a:endParaRPr lang="en-US" sz="1900" dirty="0"/>
+          </a:p>
+          <a:p>
+            <a:pPr lvl="1"/>
+            <a:r>
+              <a:rPr lang="en-US" sz="1900" dirty="0"/>
+              <a:t>We started with a Q table. We compressed the real world into basic buckets, like rounding inventory to the nearest integer or treating volatility as just 'High' or 'Low’</a:t>
+            </a:r>
+          </a:p>
+          <a:p>
+            <a:pPr lvl="1"/>
+            <a:r>
+              <a:rPr lang="en-US" sz="1900" dirty="0"/>
+              <a:t>The agent couldn't perceive real-world complexity or make subtle decisions, limiting its performance. </a:t>
+            </a:r>
+          </a:p>
+          <a:p>
+            <a:r>
+              <a:rPr lang="en-US" sz="1900" b="1" dirty="0"/>
+              <a:t>Deep Learning</a:t>
+            </a:r>
+          </a:p>
+          <a:p>
+            <a:pPr lvl="1"/>
+            <a:r>
+              <a:rPr lang="en-US" sz="1900" dirty="0"/>
+              <a:t>We switched to Deep Q-Networks (DQN) using TensorFlow to handle continuous data streams (RSI, Momentum, Exact Inventory).</a:t>
+            </a:r>
+          </a:p>
+          <a:p>
+            <a:pPr lvl="1"/>
+            <a:r>
+              <a:rPr lang="en-US" sz="1900" dirty="0"/>
+              <a:t>The Neural Network learned to make money but struggled with safety. It would "hoard" stock (accumulating massive inventory) hoping for a price jump, risking a total account blow-up. </a:t>
+            </a:r>
+          </a:p>
+        </p:txBody>
+      </p:sp>
+    </p:spTree>
+    <p:extLst>
+      <p:ext uri="{BB962C8B-B14F-4D97-AF65-F5344CB8AC3E}">
+        <p14:creationId xmlns:p14="http://schemas.microsoft.com/office/powerpoint/2010/main" val="2059633443"/>
+      </p:ext>
+    </p:extLst>
+  </p:cSld>
+  <p:clrMapOvr>
+    <a:masterClrMapping/>
+  </p:clrMapOvr>
+</p:sld>
+</file>
+
+<file path=ppt/slides/slide4.xml><?xml version="1.0" encoding="utf-8"?>
+<p:sld xmlns:a="http://schemas.openxmlformats.org/drawingml/2006/main" xmlns:r="http://schemas.openxmlformats.org/officeDocument/2006/relationships" xmlns:p="http://schemas.openxmlformats.org/presentationml/2006/main">
+  <p:cSld>
+    <p:bg>
+      <p:bgPr>
+        <a:solidFill>
+          <a:schemeClr val="bg1"/>
+        </a:solidFill>
+        <a:effectLst/>
+      </p:bgPr>
+    </p:bg>
+    <p:spTree>
+      <p:nvGrpSpPr>
+        <p:cNvPr id="1" name="">
+          <a:extLst>
+            <a:ext uri="{FF2B5EF4-FFF2-40B4-BE49-F238E27FC236}">
+              <a16:creationId xmlns:a16="http://schemas.microsoft.com/office/drawing/2014/main" id="{E81687DF-BC76-7043-FB6E-1B43C0854F6A}"/>
+            </a:ext>
+          </a:extLst>
+        </p:cNvPr>
+        <p:cNvGrpSpPr/>
+        <p:nvPr/>
+      </p:nvGrpSpPr>
+      <p:grpSpPr>
+        <a:xfrm>
+          <a:off x="0" y="0"/>
+          <a:ext cx="0" cy="0"/>
+          <a:chOff x="0" y="0"/>
+          <a:chExt cx="0" cy="0"/>
+        </a:xfrm>
+      </p:grpSpPr>
+      <p:sp useBgFill="1">
+        <p:nvSpPr>
+          <p:cNvPr id="30" name="Rectangle 29">
+            <a:extLst>
+              <a:ext uri="{FF2B5EF4-FFF2-40B4-BE49-F238E27FC236}">
+                <a16:creationId xmlns:a16="http://schemas.microsoft.com/office/drawing/2014/main" id="{DBF61EA3-B236-439E-9C0B-340980D56BEE}"/>
+              </a:ext>
+              <a:ext uri="{C183D7F6-B498-43B3-948B-1728B52AA6E4}">
+                <adec:decorative xmlns:adec="http://schemas.microsoft.com/office/drawing/2017/decorative" val="1"/>
+              </a:ext>
+            </a:extLst>
+          </p:cNvPr>
+          <p:cNvSpPr>
+            <a:spLocks noGrp="1" noRot="1" noChangeAspect="1" noMove="1" noResize="1" noEditPoints="1" noAdjustHandles="1" noChangeArrowheads="1" noChangeShapeType="1" noTextEdit="1"/>
+          </p:cNvSpPr>
+          <p:nvPr>
+            <p:extLst>
+              <p:ext uri="{386F3935-93C4-4BCD-93E2-E3B085C9AB24}">
+                <p16:designElem xmlns:p16="http://schemas.microsoft.com/office/powerpoint/2015/main" val="1"/>
+              </p:ext>
+            </p:extLst>
+          </p:nvPr>
+        </p:nvSpPr>
+        <p:spPr>
+          <a:xfrm>
+            <a:off x="0" y="0"/>
+            <a:ext cx="12191999" cy="6857365"/>
+          </a:xfrm>
+          <a:prstGeom prst="rect">
+            <a:avLst/>
+          </a:prstGeom>
+          <a:ln>
+            <a:noFill/>
+          </a:ln>
+        </p:spPr>
+        <p:style>
+          <a:lnRef idx="2">
+            <a:schemeClr val="accent1">
+              <a:shade val="50000"/>
+            </a:schemeClr>
+          </a:lnRef>
+          <a:fillRef idx="1">
+            <a:schemeClr val="accent1"/>
+          </a:fillRef>
+          <a:effectRef idx="0">
+            <a:schemeClr val="accent1"/>
+          </a:effectRef>
+          <a:fontRef idx="minor">
+            <a:schemeClr val="lt1"/>
+          </a:fontRef>
+        </p:style>
+        <p:txBody>
+          <a:bodyPr rtlCol="0" anchor="ctr"/>
+          <a:lstStyle/>
+          <a:p>
+            <a:pPr algn="ctr"/>
+            <a:endParaRPr lang="en-US"/>
+          </a:p>
+        </p:txBody>
+      </p:sp>
+      <p:sp>
+        <p:nvSpPr>
+          <p:cNvPr id="2" name="Title 1">
+            <a:extLst>
+              <a:ext uri="{FF2B5EF4-FFF2-40B4-BE49-F238E27FC236}">
+                <a16:creationId xmlns:a16="http://schemas.microsoft.com/office/drawing/2014/main" id="{632E0900-F9DA-5D57-3E3E-21948A7337BE}"/>
+              </a:ext>
+            </a:extLst>
+          </p:cNvPr>
+          <p:cNvSpPr>
+            <a:spLocks noGrp="1"/>
+          </p:cNvSpPr>
+          <p:nvPr>
+            <p:ph type="title"/>
+          </p:nvPr>
+        </p:nvSpPr>
+        <p:spPr>
+          <a:xfrm>
+            <a:off x="808638" y="386930"/>
+            <a:ext cx="9236700" cy="1188950"/>
+          </a:xfrm>
+        </p:spPr>
+        <p:txBody>
+          <a:bodyPr anchor="b">
+            <a:normAutofit/>
+          </a:bodyPr>
+          <a:lstStyle/>
+          <a:p>
+            <a:r>
+              <a:rPr lang="en-US" sz="5400" b="1"/>
+              <a:t>Experimental Setup and Data</a:t>
+            </a:r>
+            <a:endParaRPr lang="en-US" sz="5400"/>
+          </a:p>
+        </p:txBody>
+      </p:sp>
+      <p:grpSp>
+        <p:nvGrpSpPr>
+          <p:cNvPr id="32" name="Group 31">
+            <a:extLst>
+              <a:ext uri="{FF2B5EF4-FFF2-40B4-BE49-F238E27FC236}">
+                <a16:creationId xmlns:a16="http://schemas.microsoft.com/office/drawing/2014/main" id="{28FAF094-D087-493F-8DF9-A486C2D6BBAA}"/>
+              </a:ext>
+              <a:ext uri="{C183D7F6-B498-43B3-948B-1728B52AA6E4}">
+                <adec:decorative xmlns:adec="http://schemas.microsoft.com/office/drawing/2017/decorative" val="1"/>
+              </a:ext>
+            </a:extLst>
+          </p:cNvPr>
+          <p:cNvGrpSpPr>
+            <a:grpSpLocks noGrp="1" noUngrp="1" noRot="1" noChangeAspect="1" noMove="1" noResize="1"/>
+          </p:cNvGrpSpPr>
+          <p:nvPr>
+            <p:extLst>
+              <p:ext uri="{386F3935-93C4-4BCD-93E2-E3B085C9AB24}">
+                <p16:designElem xmlns:p16="http://schemas.microsoft.com/office/powerpoint/2015/main" val="1"/>
+              </p:ext>
+            </p:extLst>
+          </p:nvPr>
+        </p:nvGrpSpPr>
+        <p:grpSpPr>
+          <a:xfrm>
+            <a:off x="-2" y="1998368"/>
+            <a:ext cx="11695083" cy="782176"/>
+            <a:chOff x="-2" y="1998368"/>
+            <a:chExt cx="11695083" cy="782176"/>
+          </a:xfrm>
+        </p:grpSpPr>
+        <p:sp>
+          <p:nvSpPr>
+            <p:cNvPr id="33" name="Rectangle 32">
+              <a:extLst>
+                <a:ext uri="{FF2B5EF4-FFF2-40B4-BE49-F238E27FC236}">
+                  <a16:creationId xmlns:a16="http://schemas.microsoft.com/office/drawing/2014/main" id="{8D7C88D8-5509-4514-925A-9CE148E5CBD6}"/>
+                </a:ext>
+                <a:ext uri="{C183D7F6-B498-43B3-948B-1728B52AA6E4}">
+                  <adec:decorative xmlns:adec="http://schemas.microsoft.com/office/drawing/2017/decorative" val="1"/>
+                </a:ext>
+              </a:extLst>
+            </p:cNvPr>
+            <p:cNvSpPr/>
+            <p:nvPr>
+              <p:extLst>
+                <p:ext uri="{386F3935-93C4-4BCD-93E2-E3B085C9AB24}">
+                  <p16:designElem xmlns:p16="http://schemas.microsoft.com/office/powerpoint/2015/main" val="1"/>
+                </p:ext>
+              </p:extLst>
+            </p:nvPr>
+          </p:nvSpPr>
+          <p:spPr>
+            <a:xfrm rot="5400000">
+              <a:off x="11228040" y="2313027"/>
+              <a:ext cx="781700" cy="152382"/>
+            </a:xfrm>
+            <a:prstGeom prst="rect">
+              <a:avLst/>
+            </a:prstGeom>
+            <a:solidFill>
+              <a:schemeClr val="accent4"/>
+            </a:solidFill>
+            <a:ln>
+              <a:noFill/>
+            </a:ln>
+          </p:spPr>
+          <p:style>
+            <a:lnRef idx="2">
+              <a:schemeClr val="accent1">
+                <a:shade val="50000"/>
+              </a:schemeClr>
+            </a:lnRef>
+            <a:fillRef idx="1">
+              <a:schemeClr val="accent1"/>
+            </a:fillRef>
+            <a:effectRef idx="0">
+              <a:schemeClr val="accent1"/>
+            </a:effectRef>
+            <a:fontRef idx="minor">
+              <a:schemeClr val="lt1"/>
+            </a:fontRef>
+          </p:style>
+          <p:txBody>
+            <a:bodyPr rtlCol="0" anchor="ctr"/>
+            <a:lstStyle/>
+            <a:p>
+              <a:pPr algn="ctr"/>
+              <a:endParaRPr lang="en-US"/>
+            </a:p>
+          </p:txBody>
+        </p:sp>
+        <p:sp>
+          <p:nvSpPr>
+            <p:cNvPr id="34" name="Rectangle 33">
+              <a:extLst>
+                <a:ext uri="{FF2B5EF4-FFF2-40B4-BE49-F238E27FC236}">
+                  <a16:creationId xmlns:a16="http://schemas.microsoft.com/office/drawing/2014/main" id="{7275593D-F75E-4426-AE3E-2CDEFD228D25}"/>
+                </a:ext>
+                <a:ext uri="{C183D7F6-B498-43B3-948B-1728B52AA6E4}">
+                  <adec:decorative xmlns:adec="http://schemas.microsoft.com/office/drawing/2017/decorative" val="1"/>
+                </a:ext>
+              </a:extLst>
+            </p:cNvPr>
+            <p:cNvSpPr/>
+            <p:nvPr>
+              <p:extLst>
+                <p:ext uri="{386F3935-93C4-4BCD-93E2-E3B085C9AB24}">
+                  <p16:designElem xmlns:p16="http://schemas.microsoft.com/office/powerpoint/2015/main" val="1"/>
+                </p:ext>
+              </p:extLst>
+            </p:nvPr>
+          </p:nvSpPr>
+          <p:spPr>
+            <a:xfrm flipH="1" flipV="1">
+              <a:off x="-2" y="1998845"/>
+              <a:ext cx="11454595" cy="781699"/>
+            </a:xfrm>
+            <a:prstGeom prst="rect">
+              <a:avLst/>
+            </a:prstGeom>
+            <a:solidFill>
+              <a:schemeClr val="accent4"/>
+            </a:solidFill>
+            <a:ln>
+              <a:noFill/>
+            </a:ln>
+          </p:spPr>
+          <p:style>
+            <a:lnRef idx="2">
+              <a:schemeClr val="accent1">
+                <a:shade val="50000"/>
+              </a:schemeClr>
+            </a:lnRef>
+            <a:fillRef idx="1">
+              <a:schemeClr val="accent1"/>
+            </a:fillRef>
+            <a:effectRef idx="0">
+              <a:schemeClr val="accent1"/>
+            </a:effectRef>
+            <a:fontRef idx="minor">
+              <a:schemeClr val="lt1"/>
+            </a:fontRef>
+          </p:style>
+          <p:txBody>
+            <a:bodyPr rtlCol="0" anchor="ctr"/>
+            <a:lstStyle/>
+            <a:p>
+              <a:pPr algn="ctr"/>
+              <a:endParaRPr lang="en-US"/>
+            </a:p>
+          </p:txBody>
+        </p:sp>
+      </p:grpSp>
+      <p:sp>
+        <p:nvSpPr>
+          <p:cNvPr id="36" name="Rectangle 35">
+            <a:extLst>
+              <a:ext uri="{FF2B5EF4-FFF2-40B4-BE49-F238E27FC236}">
+                <a16:creationId xmlns:a16="http://schemas.microsoft.com/office/drawing/2014/main" id="{E659831F-0D9A-4C63-9EBB-8435B85A440F}"/>
+              </a:ext>
+              <a:ext uri="{C183D7F6-B498-43B3-948B-1728B52AA6E4}">
+                <adec:decorative xmlns:adec="http://schemas.microsoft.com/office/drawing/2017/decorative" val="1"/>
+              </a:ext>
+            </a:extLst>
+          </p:cNvPr>
+          <p:cNvSpPr>
+            <a:spLocks noGrp="1" noRot="1" noChangeAspect="1" noMove="1" noResize="1" noEditPoints="1" noAdjustHandles="1" noChangeArrowheads="1" noChangeShapeType="1" noTextEdit="1"/>
+          </p:cNvSpPr>
+          <p:nvPr>
+            <p:extLst>
+              <p:ext uri="{386F3935-93C4-4BCD-93E2-E3B085C9AB24}">
+                <p16:designElem xmlns:p16="http://schemas.microsoft.com/office/powerpoint/2015/main" val="1"/>
+              </p:ext>
+            </p:extLst>
+          </p:nvPr>
+        </p:nvSpPr>
+        <p:spPr>
+          <a:xfrm>
+            <a:off x="0" y="2203079"/>
+            <a:ext cx="11383362" cy="4147845"/>
+          </a:xfrm>
+          <a:prstGeom prst="rect">
+            <a:avLst/>
+          </a:prstGeom>
+          <a:solidFill>
+            <a:schemeClr val="bg1"/>
+          </a:solidFill>
+          <a:ln>
+            <a:noFill/>
+          </a:ln>
+          <a:effectLst>
+            <a:outerShdw blurRad="139700" dist="127000" dir="5400000" algn="t" rotWithShape="0">
+              <a:prstClr val="black">
+                <a:alpha val="15000"/>
+              </a:prstClr>
+            </a:outerShdw>
+          </a:effectLst>
+        </p:spPr>
+        <p:style>
+          <a:lnRef idx="2">
+            <a:schemeClr val="accent1">
+              <a:shade val="50000"/>
+            </a:schemeClr>
+          </a:lnRef>
+          <a:fillRef idx="1">
+            <a:schemeClr val="accent1"/>
+          </a:fillRef>
+          <a:effectRef idx="0">
+            <a:schemeClr val="accent1"/>
+          </a:effectRef>
+          <a:fontRef idx="minor">
+            <a:schemeClr val="lt1"/>
+          </a:fontRef>
+        </p:style>
+        <p:txBody>
+          <a:bodyPr rtlCol="0" anchor="ctr"/>
+          <a:lstStyle/>
+          <a:p>
+            <a:pPr algn="ctr"/>
+            <a:endParaRPr lang="en-US"/>
+          </a:p>
+        </p:txBody>
+      </p:sp>
+      <p:sp>
+        <p:nvSpPr>
+          <p:cNvPr id="3" name="Content Placeholder 2">
+            <a:extLst>
+              <a:ext uri="{FF2B5EF4-FFF2-40B4-BE49-F238E27FC236}">
+                <a16:creationId xmlns:a16="http://schemas.microsoft.com/office/drawing/2014/main" id="{429159F8-C27C-AEEF-AB86-570268A50C78}"/>
+              </a:ext>
+            </a:extLst>
+          </p:cNvPr>
+          <p:cNvSpPr>
+            <a:spLocks noGrp="1"/>
+          </p:cNvSpPr>
+          <p:nvPr>
+            <p:ph idx="1"/>
+          </p:nvPr>
+        </p:nvSpPr>
+        <p:spPr>
+          <a:xfrm>
+            <a:off x="793660" y="2599509"/>
+            <a:ext cx="10143668" cy="3435531"/>
+          </a:xfrm>
+        </p:spPr>
+        <p:txBody>
+          <a:bodyPr anchor="ctr">
+            <a:normAutofit/>
+          </a:bodyPr>
+          <a:lstStyle/>
+          <a:p>
+            <a:r>
+              <a:rPr lang="en-US" sz="1900" b="1"/>
+              <a:t>Environment: </a:t>
+            </a:r>
+            <a:r>
+              <a:rPr lang="en-US" sz="1900"/>
+              <a:t>A simulated order-book market where agents interact via "crossing quotes.</a:t>
+            </a:r>
+          </a:p>
+          <a:p>
+            <a:r>
+              <a:rPr lang="en-US" sz="1900" b="1"/>
+              <a:t>Data Source: </a:t>
+            </a:r>
+            <a:r>
+              <a:rPr lang="en-US" sz="1900"/>
+              <a:t>Real OHLCV data provides the seed for price, volatility, and momentum.</a:t>
+            </a:r>
+          </a:p>
+          <a:p>
+            <a:r>
+              <a:rPr lang="en-US" sz="1900" b="1"/>
+              <a:t>Input Features: </a:t>
+            </a:r>
+            <a:r>
+              <a:rPr lang="en-US" sz="1900"/>
+              <a:t>The agent observes 6 features: Volatility, RSI, Momentum, Normalized Volume, Inventory, and Time Remaining.</a:t>
+            </a:r>
+          </a:p>
+          <a:p>
+            <a:r>
+              <a:rPr lang="en-US" sz="1900" b="1"/>
+              <a:t>Reproducibility: </a:t>
+            </a:r>
+            <a:r>
+              <a:rPr lang="en-US" sz="1900"/>
+              <a:t>There is a seed feature which enables accurate reproduction of results despite the required randomness.</a:t>
+            </a:r>
+            <a:endParaRPr lang="en-US" sz="1900" b="1"/>
+          </a:p>
+          <a:p>
+            <a:r>
+              <a:rPr lang="en-US" sz="1900" b="1"/>
+              <a:t>Goal: </a:t>
+            </a:r>
+            <a:r>
+              <a:rPr lang="en-US" sz="1900"/>
+              <a:t>Maximize a Hybrid Reward function (Profit + Spread Capture + Risk Penalty). </a:t>
+            </a:r>
+          </a:p>
+          <a:p>
+            <a:r>
+              <a:rPr lang="en-US" sz="1900" b="1"/>
+              <a:t>External Tools/Libraries used: </a:t>
+            </a:r>
+            <a:r>
+              <a:rPr lang="en-US" sz="1900"/>
+              <a:t>Python, TensorFlow/Keras (Deep Learning/Neural Network), NumPy &amp; Pandas (Data Processing), SciPy (Analytics), and Matplotlib (Visualization).</a:t>
+            </a:r>
+            <a:endParaRPr lang="en-US" sz="1900" b="1"/>
+          </a:p>
+        </p:txBody>
+      </p:sp>
+    </p:spTree>
+    <p:extLst>
+      <p:ext uri="{BB962C8B-B14F-4D97-AF65-F5344CB8AC3E}">
+        <p14:creationId xmlns:p14="http://schemas.microsoft.com/office/powerpoint/2010/main" val="3219614545"/>
+      </p:ext>
+    </p:extLst>
+  </p:cSld>
+  <p:clrMapOvr>
+    <a:masterClrMapping/>
+  </p:clrMapOvr>
+</p:sld>
+</file>
+
+<file path=ppt/slides/slide5.xml><?xml version="1.0" encoding="utf-8"?>
+<p:sld xmlns:a="http://schemas.openxmlformats.org/drawingml/2006/main" xmlns:r="http://schemas.openxmlformats.org/officeDocument/2006/relationships" xmlns:p="http://schemas.openxmlformats.org/presentationml/2006/main">
+  <p:cSld>
+    <p:bg>
+      <p:bgPr>
+        <a:solidFill>
+          <a:schemeClr val="bg1"/>
+        </a:solidFill>
+        <a:effectLst/>
+      </p:bgPr>
+    </p:bg>
+    <p:spTree>
+      <p:nvGrpSpPr>
+        <p:cNvPr id="1" name="">
+          <a:extLst>
+            <a:ext uri="{FF2B5EF4-FFF2-40B4-BE49-F238E27FC236}">
+              <a16:creationId xmlns:a16="http://schemas.microsoft.com/office/drawing/2014/main" id="{1468288A-AD10-A3B7-813D-51DF7C3888FD}"/>
+            </a:ext>
+          </a:extLst>
+        </p:cNvPr>
+        <p:cNvGrpSpPr/>
+        <p:nvPr/>
+      </p:nvGrpSpPr>
+      <p:grpSpPr>
+        <a:xfrm>
+          <a:off x="0" y="0"/>
+          <a:ext cx="0" cy="0"/>
+          <a:chOff x="0" y="0"/>
+          <a:chExt cx="0" cy="0"/>
+        </a:xfrm>
+      </p:grpSpPr>
+      <p:sp useBgFill="1">
+        <p:nvSpPr>
+          <p:cNvPr id="41" name="Rectangle 40">
+            <a:extLst>
+              <a:ext uri="{FF2B5EF4-FFF2-40B4-BE49-F238E27FC236}">
+                <a16:creationId xmlns:a16="http://schemas.microsoft.com/office/drawing/2014/main" id="{DBF61EA3-B236-439E-9C0B-340980D56BEE}"/>
+              </a:ext>
+              <a:ext uri="{C183D7F6-B498-43B3-948B-1728B52AA6E4}">
+                <adec:decorative xmlns:adec="http://schemas.microsoft.com/office/drawing/2017/decorative" val="1"/>
+              </a:ext>
+            </a:extLst>
+          </p:cNvPr>
+          <p:cNvSpPr>
+            <a:spLocks noGrp="1" noRot="1" noChangeAspect="1" noMove="1" noResize="1" noEditPoints="1" noAdjustHandles="1" noChangeArrowheads="1" noChangeShapeType="1" noTextEdit="1"/>
+          </p:cNvSpPr>
+          <p:nvPr>
+            <p:extLst>
+              <p:ext uri="{386F3935-93C4-4BCD-93E2-E3B085C9AB24}">
+                <p16:designElem xmlns:p16="http://schemas.microsoft.com/office/powerpoint/2015/main" val="1"/>
+              </p:ext>
+            </p:extLst>
+          </p:nvPr>
+        </p:nvSpPr>
+        <p:spPr>
+          <a:xfrm>
+            <a:off x="0" y="0"/>
+            <a:ext cx="12191999" cy="6857365"/>
+          </a:xfrm>
+          <a:prstGeom prst="rect">
+            <a:avLst/>
+          </a:prstGeom>
+          <a:ln>
+            <a:noFill/>
+          </a:ln>
+        </p:spPr>
+        <p:style>
+          <a:lnRef idx="2">
+            <a:schemeClr val="accent1">
+              <a:shade val="50000"/>
+            </a:schemeClr>
+          </a:lnRef>
+          <a:fillRef idx="1">
+            <a:schemeClr val="accent1"/>
+          </a:fillRef>
+          <a:effectRef idx="0">
+            <a:schemeClr val="accent1"/>
+          </a:effectRef>
+          <a:fontRef idx="minor">
+            <a:schemeClr val="lt1"/>
+          </a:fontRef>
+        </p:style>
+        <p:txBody>
+          <a:bodyPr rtlCol="0" anchor="ctr"/>
+          <a:lstStyle/>
+          <a:p>
+            <a:pPr algn="ctr"/>
+            <a:endParaRPr lang="en-US"/>
+          </a:p>
+        </p:txBody>
+      </p:sp>
+      <p:sp>
+        <p:nvSpPr>
+          <p:cNvPr id="2" name="Title 1">
+            <a:extLst>
+              <a:ext uri="{FF2B5EF4-FFF2-40B4-BE49-F238E27FC236}">
+                <a16:creationId xmlns:a16="http://schemas.microsoft.com/office/drawing/2014/main" id="{EEEECE88-5BF6-6385-E38F-D8FB8A9AAD28}"/>
+              </a:ext>
+            </a:extLst>
+          </p:cNvPr>
+          <p:cNvSpPr>
+            <a:spLocks noGrp="1"/>
+          </p:cNvSpPr>
+          <p:nvPr>
+            <p:ph type="title"/>
+          </p:nvPr>
+        </p:nvSpPr>
+        <p:spPr>
+          <a:xfrm>
+            <a:off x="808638" y="386930"/>
+            <a:ext cx="9236700" cy="1188950"/>
+          </a:xfrm>
+        </p:spPr>
+        <p:txBody>
+          <a:bodyPr anchor="b">
+            <a:normAutofit/>
+          </a:bodyPr>
+          <a:lstStyle/>
+          <a:p>
+            <a:r>
+              <a:rPr lang="en-US" sz="5400" b="1" dirty="0"/>
+              <a:t>Agent Architecture</a:t>
+            </a:r>
+            <a:endParaRPr lang="en-US" sz="5400" dirty="0"/>
+          </a:p>
+        </p:txBody>
+      </p:sp>
+      <p:grpSp>
+        <p:nvGrpSpPr>
+          <p:cNvPr id="43" name="Group 42">
+            <a:extLst>
+              <a:ext uri="{FF2B5EF4-FFF2-40B4-BE49-F238E27FC236}">
+                <a16:creationId xmlns:a16="http://schemas.microsoft.com/office/drawing/2014/main" id="{28FAF094-D087-493F-8DF9-A486C2D6BBAA}"/>
+              </a:ext>
+              <a:ext uri="{C183D7F6-B498-43B3-948B-1728B52AA6E4}">
+                <adec:decorative xmlns:adec="http://schemas.microsoft.com/office/drawing/2017/decorative" val="1"/>
+              </a:ext>
+            </a:extLst>
+          </p:cNvPr>
+          <p:cNvGrpSpPr>
+            <a:grpSpLocks noGrp="1" noUngrp="1" noRot="1" noChangeAspect="1" noMove="1" noResize="1"/>
+          </p:cNvGrpSpPr>
+          <p:nvPr>
+            <p:extLst>
+              <p:ext uri="{386F3935-93C4-4BCD-93E2-E3B085C9AB24}">
+                <p16:designElem xmlns:p16="http://schemas.microsoft.com/office/powerpoint/2015/main" val="1"/>
+              </p:ext>
+            </p:extLst>
+          </p:nvPr>
+        </p:nvGrpSpPr>
+        <p:grpSpPr>
+          <a:xfrm>
+            <a:off x="-2" y="1998368"/>
+            <a:ext cx="11695083" cy="782176"/>
+            <a:chOff x="-2" y="1998368"/>
+            <a:chExt cx="11695083" cy="782176"/>
+          </a:xfrm>
+        </p:grpSpPr>
+        <p:sp>
+          <p:nvSpPr>
+            <p:cNvPr id="44" name="Rectangle 43">
+              <a:extLst>
+                <a:ext uri="{FF2B5EF4-FFF2-40B4-BE49-F238E27FC236}">
+                  <a16:creationId xmlns:a16="http://schemas.microsoft.com/office/drawing/2014/main" id="{8D7C88D8-5509-4514-925A-9CE148E5CBD6}"/>
+                </a:ext>
+                <a:ext uri="{C183D7F6-B498-43B3-948B-1728B52AA6E4}">
+                  <adec:decorative xmlns:adec="http://schemas.microsoft.com/office/drawing/2017/decorative" val="1"/>
+                </a:ext>
+              </a:extLst>
+            </p:cNvPr>
+            <p:cNvSpPr/>
+            <p:nvPr>
+              <p:extLst>
+                <p:ext uri="{386F3935-93C4-4BCD-93E2-E3B085C9AB24}">
+                  <p16:designElem xmlns:p16="http://schemas.microsoft.com/office/powerpoint/2015/main" val="1"/>
+                </p:ext>
+              </p:extLst>
+            </p:nvPr>
+          </p:nvSpPr>
+          <p:spPr>
+            <a:xfrm rot="5400000">
+              <a:off x="11228040" y="2313027"/>
+              <a:ext cx="781700" cy="152382"/>
+            </a:xfrm>
+            <a:prstGeom prst="rect">
+              <a:avLst/>
+            </a:prstGeom>
+            <a:solidFill>
+              <a:schemeClr val="accent4"/>
+            </a:solidFill>
+            <a:ln>
+              <a:noFill/>
+            </a:ln>
+          </p:spPr>
+          <p:style>
+            <a:lnRef idx="2">
+              <a:schemeClr val="accent1">
+                <a:shade val="50000"/>
+              </a:schemeClr>
+            </a:lnRef>
+            <a:fillRef idx="1">
+              <a:schemeClr val="accent1"/>
+            </a:fillRef>
+            <a:effectRef idx="0">
+              <a:schemeClr val="accent1"/>
+            </a:effectRef>
+            <a:fontRef idx="minor">
+              <a:schemeClr val="lt1"/>
+            </a:fontRef>
+          </p:style>
+          <p:txBody>
+            <a:bodyPr rtlCol="0" anchor="ctr"/>
+            <a:lstStyle/>
+            <a:p>
+              <a:pPr algn="ctr"/>
+              <a:endParaRPr lang="en-US"/>
+            </a:p>
+          </p:txBody>
+        </p:sp>
+        <p:sp>
+          <p:nvSpPr>
+            <p:cNvPr id="45" name="Rectangle 44">
+              <a:extLst>
+                <a:ext uri="{FF2B5EF4-FFF2-40B4-BE49-F238E27FC236}">
+                  <a16:creationId xmlns:a16="http://schemas.microsoft.com/office/drawing/2014/main" id="{7275593D-F75E-4426-AE3E-2CDEFD228D25}"/>
+                </a:ext>
+                <a:ext uri="{C183D7F6-B498-43B3-948B-1728B52AA6E4}">
+                  <adec:decorative xmlns:adec="http://schemas.microsoft.com/office/drawing/2017/decorative" val="1"/>
+                </a:ext>
+              </a:extLst>
+            </p:cNvPr>
+            <p:cNvSpPr/>
+            <p:nvPr>
+              <p:extLst>
+                <p:ext uri="{386F3935-93C4-4BCD-93E2-E3B085C9AB24}">
+                  <p16:designElem xmlns:p16="http://schemas.microsoft.com/office/powerpoint/2015/main" val="1"/>
+                </p:ext>
+              </p:extLst>
+            </p:nvPr>
+          </p:nvSpPr>
+          <p:spPr>
+            <a:xfrm flipH="1" flipV="1">
+              <a:off x="-2" y="1998845"/>
+              <a:ext cx="11454595" cy="781699"/>
+            </a:xfrm>
+            <a:prstGeom prst="rect">
+              <a:avLst/>
+            </a:prstGeom>
+            <a:solidFill>
+              <a:schemeClr val="accent4"/>
+            </a:solidFill>
+            <a:ln>
+              <a:noFill/>
+            </a:ln>
+          </p:spPr>
+          <p:style>
+            <a:lnRef idx="2">
+              <a:schemeClr val="accent1">
+                <a:shade val="50000"/>
+              </a:schemeClr>
+            </a:lnRef>
+            <a:fillRef idx="1">
+              <a:schemeClr val="accent1"/>
+            </a:fillRef>
+            <a:effectRef idx="0">
+              <a:schemeClr val="accent1"/>
+            </a:effectRef>
+            <a:fontRef idx="minor">
+              <a:schemeClr val="lt1"/>
+            </a:fontRef>
+          </p:style>
+          <p:txBody>
+            <a:bodyPr rtlCol="0" anchor="ctr"/>
+            <a:lstStyle/>
+            <a:p>
+              <a:pPr algn="ctr"/>
+              <a:endParaRPr lang="en-US"/>
+            </a:p>
+          </p:txBody>
+        </p:sp>
+      </p:grpSp>
+      <p:sp>
+        <p:nvSpPr>
+          <p:cNvPr id="47" name="Rectangle 46">
+            <a:extLst>
+              <a:ext uri="{FF2B5EF4-FFF2-40B4-BE49-F238E27FC236}">
+                <a16:creationId xmlns:a16="http://schemas.microsoft.com/office/drawing/2014/main" id="{E659831F-0D9A-4C63-9EBB-8435B85A440F}"/>
+              </a:ext>
+              <a:ext uri="{C183D7F6-B498-43B3-948B-1728B52AA6E4}">
+                <adec:decorative xmlns:adec="http://schemas.microsoft.com/office/drawing/2017/decorative" val="1"/>
+              </a:ext>
+            </a:extLst>
+          </p:cNvPr>
+          <p:cNvSpPr>
+            <a:spLocks noGrp="1" noRot="1" noChangeAspect="1" noMove="1" noResize="1" noEditPoints="1" noAdjustHandles="1" noChangeArrowheads="1" noChangeShapeType="1" noTextEdit="1"/>
+          </p:cNvSpPr>
+          <p:nvPr>
+            <p:extLst>
+              <p:ext uri="{386F3935-93C4-4BCD-93E2-E3B085C9AB24}">
+                <p16:designElem xmlns:p16="http://schemas.microsoft.com/office/powerpoint/2015/main" val="1"/>
+              </p:ext>
+            </p:extLst>
+          </p:nvPr>
+        </p:nvSpPr>
+        <p:spPr>
+          <a:xfrm>
+            <a:off x="0" y="2203079"/>
+            <a:ext cx="11383362" cy="4147845"/>
+          </a:xfrm>
+          <a:prstGeom prst="rect">
+            <a:avLst/>
+          </a:prstGeom>
+          <a:solidFill>
+            <a:schemeClr val="bg1"/>
+          </a:solidFill>
+          <a:ln>
+            <a:noFill/>
+          </a:ln>
+          <a:effectLst>
+            <a:outerShdw blurRad="139700" dist="127000" dir="5400000" algn="t" rotWithShape="0">
+              <a:prstClr val="black">
+                <a:alpha val="15000"/>
+              </a:prstClr>
+            </a:outerShdw>
+          </a:effectLst>
+        </p:spPr>
+        <p:style>
+          <a:lnRef idx="2">
+            <a:schemeClr val="accent1">
+              <a:shade val="50000"/>
+            </a:schemeClr>
+          </a:lnRef>
+          <a:fillRef idx="1">
+            <a:schemeClr val="accent1"/>
+          </a:fillRef>
+          <a:effectRef idx="0">
+            <a:schemeClr val="accent1"/>
+          </a:effectRef>
+          <a:fontRef idx="minor">
+            <a:schemeClr val="lt1"/>
+          </a:fontRef>
+        </p:style>
+        <p:txBody>
+          <a:bodyPr rtlCol="0" anchor="ctr"/>
+          <a:lstStyle/>
+          <a:p>
+            <a:pPr algn="ctr"/>
+            <a:endParaRPr lang="en-US"/>
+          </a:p>
+        </p:txBody>
+      </p:sp>
+      <p:sp>
+        <p:nvSpPr>
+          <p:cNvPr id="3" name="Content Placeholder 2">
+            <a:extLst>
+              <a:ext uri="{FF2B5EF4-FFF2-40B4-BE49-F238E27FC236}">
+                <a16:creationId xmlns:a16="http://schemas.microsoft.com/office/drawing/2014/main" id="{5BB20EC2-E86D-B464-4C8F-17FA23D9DCC3}"/>
+              </a:ext>
+            </a:extLst>
+          </p:cNvPr>
+          <p:cNvSpPr>
+            <a:spLocks noGrp="1"/>
+          </p:cNvSpPr>
+          <p:nvPr>
+            <p:ph idx="1"/>
+          </p:nvPr>
+        </p:nvSpPr>
+        <p:spPr>
+          <a:xfrm>
+            <a:off x="793660" y="2599509"/>
+            <a:ext cx="10143668" cy="3435531"/>
+          </a:xfrm>
+        </p:spPr>
+        <p:txBody>
+          <a:bodyPr anchor="ctr">
+            <a:normAutofit/>
+          </a:bodyPr>
+          <a:lstStyle/>
+          <a:p>
+            <a:r>
               <a:rPr lang="en-US" sz="2400"/>
-              <a:t>We utilize a standard Feed-Forward Neural Network (MLP) to approximate the Q-values (expected future rewards).</a:t>
+              <a:t>We utilize a standard Feed-Forward Neural Network (MLP).</a:t>
             </a:r>
           </a:p>
           <a:p>
@@ -9447,7 +10364,7 @@
           <a:p>
             <a:r>
               <a:rPr lang="en-US" sz="2400"/>
-              <a:t>We use Rectified Linear Units (ReLU) instead of sigmoid step-functions to handle the non-linear dynamics of market volatility and avoid the vanishing gradient problem.</a:t>
+              <a:t>We use Rectified Linear Units (ReLU) instead of sigmoid step-functions to handle the non-linear dynamics of market volatility.</a:t>
             </a:r>
           </a:p>
         </p:txBody>
@@ -9465,7 +10382,7 @@
 </p:sld>
 </file>
 
-<file path=ppt/slides/slide5.xml><?xml version="1.0" encoding="utf-8"?>
+<file path=ppt/slides/slide6.xml><?xml version="1.0" encoding="utf-8"?>
 <p:sld xmlns:a="http://schemas.openxmlformats.org/drawingml/2006/main" xmlns:r="http://schemas.openxmlformats.org/officeDocument/2006/relationships" xmlns:p="http://schemas.openxmlformats.org/presentationml/2006/main">
   <p:cSld>
     <p:bg>
@@ -9498,7 +10415,7 @@
       </p:grpSpPr>
       <p:sp useBgFill="1">
         <p:nvSpPr>
-          <p:cNvPr id="19" name="Rectangle 18">
+          <p:cNvPr id="30" name="Rectangle 29">
             <a:extLst>
               <a:ext uri="{FF2B5EF4-FFF2-40B4-BE49-F238E27FC236}">
                 <a16:creationId xmlns:a16="http://schemas.microsoft.com/office/drawing/2014/main" id="{DBF61EA3-B236-439E-9C0B-340980D56BEE}"/>
@@ -9587,6 +10504,859 @@
             <a:r>
               <a:rPr lang="en-US" sz="5400" b="1"/>
               <a:t>Learning Mechanism</a:t>
+            </a:r>
+            <a:endParaRPr lang="en-US" sz="5400"/>
+          </a:p>
+        </p:txBody>
+      </p:sp>
+      <p:grpSp>
+        <p:nvGrpSpPr>
+          <p:cNvPr id="32" name="Group 31">
+            <a:extLst>
+              <a:ext uri="{FF2B5EF4-FFF2-40B4-BE49-F238E27FC236}">
+                <a16:creationId xmlns:a16="http://schemas.microsoft.com/office/drawing/2014/main" id="{28FAF094-D087-493F-8DF9-A486C2D6BBAA}"/>
+              </a:ext>
+              <a:ext uri="{C183D7F6-B498-43B3-948B-1728B52AA6E4}">
+                <adec:decorative xmlns:adec="http://schemas.microsoft.com/office/drawing/2017/decorative" val="1"/>
+              </a:ext>
+            </a:extLst>
+          </p:cNvPr>
+          <p:cNvGrpSpPr>
+            <a:grpSpLocks noGrp="1" noUngrp="1" noRot="1" noChangeAspect="1" noMove="1" noResize="1"/>
+          </p:cNvGrpSpPr>
+          <p:nvPr>
+            <p:extLst>
+              <p:ext uri="{386F3935-93C4-4BCD-93E2-E3B085C9AB24}">
+                <p16:designElem xmlns:p16="http://schemas.microsoft.com/office/powerpoint/2015/main" val="1"/>
+              </p:ext>
+            </p:extLst>
+          </p:nvPr>
+        </p:nvGrpSpPr>
+        <p:grpSpPr>
+          <a:xfrm>
+            <a:off x="-2" y="1998368"/>
+            <a:ext cx="11695083" cy="782176"/>
+            <a:chOff x="-2" y="1998368"/>
+            <a:chExt cx="11695083" cy="782176"/>
+          </a:xfrm>
+        </p:grpSpPr>
+        <p:sp>
+          <p:nvSpPr>
+            <p:cNvPr id="33" name="Rectangle 32">
+              <a:extLst>
+                <a:ext uri="{FF2B5EF4-FFF2-40B4-BE49-F238E27FC236}">
+                  <a16:creationId xmlns:a16="http://schemas.microsoft.com/office/drawing/2014/main" id="{8D7C88D8-5509-4514-925A-9CE148E5CBD6}"/>
+                </a:ext>
+                <a:ext uri="{C183D7F6-B498-43B3-948B-1728B52AA6E4}">
+                  <adec:decorative xmlns:adec="http://schemas.microsoft.com/office/drawing/2017/decorative" val="1"/>
+                </a:ext>
+              </a:extLst>
+            </p:cNvPr>
+            <p:cNvSpPr/>
+            <p:nvPr>
+              <p:extLst>
+                <p:ext uri="{386F3935-93C4-4BCD-93E2-E3B085C9AB24}">
+                  <p16:designElem xmlns:p16="http://schemas.microsoft.com/office/powerpoint/2015/main" val="1"/>
+                </p:ext>
+              </p:extLst>
+            </p:nvPr>
+          </p:nvSpPr>
+          <p:spPr>
+            <a:xfrm rot="5400000">
+              <a:off x="11228040" y="2313027"/>
+              <a:ext cx="781700" cy="152382"/>
+            </a:xfrm>
+            <a:prstGeom prst="rect">
+              <a:avLst/>
+            </a:prstGeom>
+            <a:solidFill>
+              <a:schemeClr val="accent4"/>
+            </a:solidFill>
+            <a:ln>
+              <a:noFill/>
+            </a:ln>
+          </p:spPr>
+          <p:style>
+            <a:lnRef idx="2">
+              <a:schemeClr val="accent1">
+                <a:shade val="50000"/>
+              </a:schemeClr>
+            </a:lnRef>
+            <a:fillRef idx="1">
+              <a:schemeClr val="accent1"/>
+            </a:fillRef>
+            <a:effectRef idx="0">
+              <a:schemeClr val="accent1"/>
+            </a:effectRef>
+            <a:fontRef idx="minor">
+              <a:schemeClr val="lt1"/>
+            </a:fontRef>
+          </p:style>
+          <p:txBody>
+            <a:bodyPr rtlCol="0" anchor="ctr"/>
+            <a:lstStyle/>
+            <a:p>
+              <a:pPr algn="ctr"/>
+              <a:endParaRPr lang="en-US"/>
+            </a:p>
+          </p:txBody>
+        </p:sp>
+        <p:sp>
+          <p:nvSpPr>
+            <p:cNvPr id="34" name="Rectangle 33">
+              <a:extLst>
+                <a:ext uri="{FF2B5EF4-FFF2-40B4-BE49-F238E27FC236}">
+                  <a16:creationId xmlns:a16="http://schemas.microsoft.com/office/drawing/2014/main" id="{7275593D-F75E-4426-AE3E-2CDEFD228D25}"/>
+                </a:ext>
+                <a:ext uri="{C183D7F6-B498-43B3-948B-1728B52AA6E4}">
+                  <adec:decorative xmlns:adec="http://schemas.microsoft.com/office/drawing/2017/decorative" val="1"/>
+                </a:ext>
+              </a:extLst>
+            </p:cNvPr>
+            <p:cNvSpPr/>
+            <p:nvPr>
+              <p:extLst>
+                <p:ext uri="{386F3935-93C4-4BCD-93E2-E3B085C9AB24}">
+                  <p16:designElem xmlns:p16="http://schemas.microsoft.com/office/powerpoint/2015/main" val="1"/>
+                </p:ext>
+              </p:extLst>
+            </p:nvPr>
+          </p:nvSpPr>
+          <p:spPr>
+            <a:xfrm flipH="1" flipV="1">
+              <a:off x="-2" y="1998845"/>
+              <a:ext cx="11454595" cy="781699"/>
+            </a:xfrm>
+            <a:prstGeom prst="rect">
+              <a:avLst/>
+            </a:prstGeom>
+            <a:solidFill>
+              <a:schemeClr val="accent4"/>
+            </a:solidFill>
+            <a:ln>
+              <a:noFill/>
+            </a:ln>
+          </p:spPr>
+          <p:style>
+            <a:lnRef idx="2">
+              <a:schemeClr val="accent1">
+                <a:shade val="50000"/>
+              </a:schemeClr>
+            </a:lnRef>
+            <a:fillRef idx="1">
+              <a:schemeClr val="accent1"/>
+            </a:fillRef>
+            <a:effectRef idx="0">
+              <a:schemeClr val="accent1"/>
+            </a:effectRef>
+            <a:fontRef idx="minor">
+              <a:schemeClr val="lt1"/>
+            </a:fontRef>
+          </p:style>
+          <p:txBody>
+            <a:bodyPr rtlCol="0" anchor="ctr"/>
+            <a:lstStyle/>
+            <a:p>
+              <a:pPr algn="ctr"/>
+              <a:endParaRPr lang="en-US"/>
+            </a:p>
+          </p:txBody>
+        </p:sp>
+      </p:grpSp>
+      <p:sp>
+        <p:nvSpPr>
+          <p:cNvPr id="36" name="Rectangle 35">
+            <a:extLst>
+              <a:ext uri="{FF2B5EF4-FFF2-40B4-BE49-F238E27FC236}">
+                <a16:creationId xmlns:a16="http://schemas.microsoft.com/office/drawing/2014/main" id="{E659831F-0D9A-4C63-9EBB-8435B85A440F}"/>
+              </a:ext>
+              <a:ext uri="{C183D7F6-B498-43B3-948B-1728B52AA6E4}">
+                <adec:decorative xmlns:adec="http://schemas.microsoft.com/office/drawing/2017/decorative" val="1"/>
+              </a:ext>
+            </a:extLst>
+          </p:cNvPr>
+          <p:cNvSpPr>
+            <a:spLocks noGrp="1" noRot="1" noChangeAspect="1" noMove="1" noResize="1" noEditPoints="1" noAdjustHandles="1" noChangeArrowheads="1" noChangeShapeType="1" noTextEdit="1"/>
+          </p:cNvSpPr>
+          <p:nvPr>
+            <p:extLst>
+              <p:ext uri="{386F3935-93C4-4BCD-93E2-E3B085C9AB24}">
+                <p16:designElem xmlns:p16="http://schemas.microsoft.com/office/powerpoint/2015/main" val="1"/>
+              </p:ext>
+            </p:extLst>
+          </p:nvPr>
+        </p:nvSpPr>
+        <p:spPr>
+          <a:xfrm>
+            <a:off x="0" y="2203079"/>
+            <a:ext cx="11383362" cy="4147845"/>
+          </a:xfrm>
+          <a:prstGeom prst="rect">
+            <a:avLst/>
+          </a:prstGeom>
+          <a:solidFill>
+            <a:schemeClr val="bg1"/>
+          </a:solidFill>
+          <a:ln>
+            <a:noFill/>
+          </a:ln>
+          <a:effectLst>
+            <a:outerShdw blurRad="139700" dist="127000" dir="5400000" algn="t" rotWithShape="0">
+              <a:prstClr val="black">
+                <a:alpha val="15000"/>
+              </a:prstClr>
+            </a:outerShdw>
+          </a:effectLst>
+        </p:spPr>
+        <p:style>
+          <a:lnRef idx="2">
+            <a:schemeClr val="accent1">
+              <a:shade val="50000"/>
+            </a:schemeClr>
+          </a:lnRef>
+          <a:fillRef idx="1">
+            <a:schemeClr val="accent1"/>
+          </a:fillRef>
+          <a:effectRef idx="0">
+            <a:schemeClr val="accent1"/>
+          </a:effectRef>
+          <a:fontRef idx="minor">
+            <a:schemeClr val="lt1"/>
+          </a:fontRef>
+        </p:style>
+        <p:txBody>
+          <a:bodyPr rtlCol="0" anchor="ctr"/>
+          <a:lstStyle/>
+          <a:p>
+            <a:pPr algn="ctr"/>
+            <a:endParaRPr lang="en-US"/>
+          </a:p>
+        </p:txBody>
+      </p:sp>
+      <p:sp>
+        <p:nvSpPr>
+          <p:cNvPr id="3" name="Content Placeholder 2">
+            <a:extLst>
+              <a:ext uri="{FF2B5EF4-FFF2-40B4-BE49-F238E27FC236}">
+                <a16:creationId xmlns:a16="http://schemas.microsoft.com/office/drawing/2014/main" id="{B233AE75-D950-42AC-4ADF-196760B32FAE}"/>
+              </a:ext>
+            </a:extLst>
+          </p:cNvPr>
+          <p:cNvSpPr>
+            <a:spLocks noGrp="1"/>
+          </p:cNvSpPr>
+          <p:nvPr>
+            <p:ph idx="1"/>
+          </p:nvPr>
+        </p:nvSpPr>
+        <p:spPr>
+          <a:xfrm>
+            <a:off x="793660" y="2599509"/>
+            <a:ext cx="10143668" cy="3435531"/>
+          </a:xfrm>
+        </p:spPr>
+        <p:txBody>
+          <a:bodyPr anchor="ctr">
+            <a:normAutofit/>
+          </a:bodyPr>
+          <a:lstStyle/>
+          <a:p>
+            <a:r>
+              <a:rPr lang="en-US" sz="2400" b="1" dirty="0"/>
+              <a:t>Process: </a:t>
+            </a:r>
+            <a:r>
+              <a:rPr lang="en-US" sz="2400" dirty="0"/>
+              <a:t>After every interaction, the agent calculates the error. This error is back-propagated from the output layer to the input layer to adjust the weights.</a:t>
+            </a:r>
+          </a:p>
+          <a:p>
+            <a:r>
+              <a:rPr lang="en-US" sz="2400" b="1" dirty="0"/>
+              <a:t>Optimization: </a:t>
+            </a:r>
+            <a:r>
+              <a:rPr lang="en-US" sz="2400" dirty="0"/>
+              <a:t>We use the Adam optimizer (Stochastic Gradient Descent) to find the global minimum in the error surface. </a:t>
+            </a:r>
+            <a:endParaRPr lang="en-US" sz="2400" b="1" dirty="0"/>
+          </a:p>
+        </p:txBody>
+      </p:sp>
+    </p:spTree>
+    <p:extLst>
+      <p:ext uri="{BB962C8B-B14F-4D97-AF65-F5344CB8AC3E}">
+        <p14:creationId xmlns:p14="http://schemas.microsoft.com/office/powerpoint/2010/main" val="216964541"/>
+      </p:ext>
+    </p:extLst>
+  </p:cSld>
+  <p:clrMapOvr>
+    <a:masterClrMapping/>
+  </p:clrMapOvr>
+</p:sld>
+</file>
+
+<file path=ppt/slides/slide7.xml><?xml version="1.0" encoding="utf-8"?>
+<p:sld xmlns:a="http://schemas.openxmlformats.org/drawingml/2006/main" xmlns:r="http://schemas.openxmlformats.org/officeDocument/2006/relationships" xmlns:p="http://schemas.openxmlformats.org/presentationml/2006/main">
+  <p:cSld>
+    <p:bg>
+      <p:bgPr>
+        <a:solidFill>
+          <a:schemeClr val="bg1"/>
+        </a:solidFill>
+        <a:effectLst/>
+      </p:bgPr>
+    </p:bg>
+    <p:spTree>
+      <p:nvGrpSpPr>
+        <p:cNvPr id="1" name="">
+          <a:extLst>
+            <a:ext uri="{FF2B5EF4-FFF2-40B4-BE49-F238E27FC236}">
+              <a16:creationId xmlns:a16="http://schemas.microsoft.com/office/drawing/2014/main" id="{C1361833-F52B-E982-EE83-13840802AFA6}"/>
+            </a:ext>
+          </a:extLst>
+        </p:cNvPr>
+        <p:cNvGrpSpPr/>
+        <p:nvPr/>
+      </p:nvGrpSpPr>
+      <p:grpSpPr>
+        <a:xfrm>
+          <a:off x="0" y="0"/>
+          <a:ext cx="0" cy="0"/>
+          <a:chOff x="0" y="0"/>
+          <a:chExt cx="0" cy="0"/>
+        </a:xfrm>
+      </p:grpSpPr>
+      <p:sp useBgFill="1">
+        <p:nvSpPr>
+          <p:cNvPr id="30" name="Rectangle 29">
+            <a:extLst>
+              <a:ext uri="{FF2B5EF4-FFF2-40B4-BE49-F238E27FC236}">
+                <a16:creationId xmlns:a16="http://schemas.microsoft.com/office/drawing/2014/main" id="{DBF61EA3-B236-439E-9C0B-340980D56BEE}"/>
+              </a:ext>
+              <a:ext uri="{C183D7F6-B498-43B3-948B-1728B52AA6E4}">
+                <adec:decorative xmlns:adec="http://schemas.microsoft.com/office/drawing/2017/decorative" val="1"/>
+              </a:ext>
+            </a:extLst>
+          </p:cNvPr>
+          <p:cNvSpPr>
+            <a:spLocks noGrp="1" noRot="1" noChangeAspect="1" noMove="1" noResize="1" noEditPoints="1" noAdjustHandles="1" noChangeArrowheads="1" noChangeShapeType="1" noTextEdit="1"/>
+          </p:cNvSpPr>
+          <p:nvPr>
+            <p:extLst>
+              <p:ext uri="{386F3935-93C4-4BCD-93E2-E3B085C9AB24}">
+                <p16:designElem xmlns:p16="http://schemas.microsoft.com/office/powerpoint/2015/main" val="1"/>
+              </p:ext>
+            </p:extLst>
+          </p:nvPr>
+        </p:nvSpPr>
+        <p:spPr>
+          <a:xfrm>
+            <a:off x="0" y="0"/>
+            <a:ext cx="12191999" cy="6857365"/>
+          </a:xfrm>
+          <a:prstGeom prst="rect">
+            <a:avLst/>
+          </a:prstGeom>
+          <a:ln>
+            <a:noFill/>
+          </a:ln>
+        </p:spPr>
+        <p:style>
+          <a:lnRef idx="2">
+            <a:schemeClr val="accent1">
+              <a:shade val="50000"/>
+            </a:schemeClr>
+          </a:lnRef>
+          <a:fillRef idx="1">
+            <a:schemeClr val="accent1"/>
+          </a:fillRef>
+          <a:effectRef idx="0">
+            <a:schemeClr val="accent1"/>
+          </a:effectRef>
+          <a:fontRef idx="minor">
+            <a:schemeClr val="lt1"/>
+          </a:fontRef>
+        </p:style>
+        <p:txBody>
+          <a:bodyPr rtlCol="0" anchor="ctr"/>
+          <a:lstStyle/>
+          <a:p>
+            <a:pPr algn="ctr"/>
+            <a:endParaRPr lang="en-US"/>
+          </a:p>
+        </p:txBody>
+      </p:sp>
+      <p:sp>
+        <p:nvSpPr>
+          <p:cNvPr id="2" name="Title 1">
+            <a:extLst>
+              <a:ext uri="{FF2B5EF4-FFF2-40B4-BE49-F238E27FC236}">
+                <a16:creationId xmlns:a16="http://schemas.microsoft.com/office/drawing/2014/main" id="{4257B963-759C-38B0-4A24-5B9D410AA3DD}"/>
+              </a:ext>
+            </a:extLst>
+          </p:cNvPr>
+          <p:cNvSpPr>
+            <a:spLocks noGrp="1"/>
+          </p:cNvSpPr>
+          <p:nvPr>
+            <p:ph type="title"/>
+          </p:nvPr>
+        </p:nvSpPr>
+        <p:spPr>
+          <a:xfrm>
+            <a:off x="808638" y="386930"/>
+            <a:ext cx="9236700" cy="1188950"/>
+          </a:xfrm>
+        </p:spPr>
+        <p:txBody>
+          <a:bodyPr anchor="b">
+            <a:normAutofit/>
+          </a:bodyPr>
+          <a:lstStyle/>
+          <a:p>
+            <a:r>
+              <a:rPr lang="en-US" sz="5400" b="1"/>
+              <a:t>The Adversary</a:t>
+            </a:r>
+            <a:endParaRPr lang="en-US" sz="5400"/>
+          </a:p>
+        </p:txBody>
+      </p:sp>
+      <p:grpSp>
+        <p:nvGrpSpPr>
+          <p:cNvPr id="32" name="Group 31">
+            <a:extLst>
+              <a:ext uri="{FF2B5EF4-FFF2-40B4-BE49-F238E27FC236}">
+                <a16:creationId xmlns:a16="http://schemas.microsoft.com/office/drawing/2014/main" id="{28FAF094-D087-493F-8DF9-A486C2D6BBAA}"/>
+              </a:ext>
+              <a:ext uri="{C183D7F6-B498-43B3-948B-1728B52AA6E4}">
+                <adec:decorative xmlns:adec="http://schemas.microsoft.com/office/drawing/2017/decorative" val="1"/>
+              </a:ext>
+            </a:extLst>
+          </p:cNvPr>
+          <p:cNvGrpSpPr>
+            <a:grpSpLocks noGrp="1" noUngrp="1" noRot="1" noChangeAspect="1" noMove="1" noResize="1"/>
+          </p:cNvGrpSpPr>
+          <p:nvPr>
+            <p:extLst>
+              <p:ext uri="{386F3935-93C4-4BCD-93E2-E3B085C9AB24}">
+                <p16:designElem xmlns:p16="http://schemas.microsoft.com/office/powerpoint/2015/main" val="1"/>
+              </p:ext>
+            </p:extLst>
+          </p:nvPr>
+        </p:nvGrpSpPr>
+        <p:grpSpPr>
+          <a:xfrm>
+            <a:off x="-2" y="1998368"/>
+            <a:ext cx="11695083" cy="782176"/>
+            <a:chOff x="-2" y="1998368"/>
+            <a:chExt cx="11695083" cy="782176"/>
+          </a:xfrm>
+        </p:grpSpPr>
+        <p:sp>
+          <p:nvSpPr>
+            <p:cNvPr id="33" name="Rectangle 32">
+              <a:extLst>
+                <a:ext uri="{FF2B5EF4-FFF2-40B4-BE49-F238E27FC236}">
+                  <a16:creationId xmlns:a16="http://schemas.microsoft.com/office/drawing/2014/main" id="{8D7C88D8-5509-4514-925A-9CE148E5CBD6}"/>
+                </a:ext>
+                <a:ext uri="{C183D7F6-B498-43B3-948B-1728B52AA6E4}">
+                  <adec:decorative xmlns:adec="http://schemas.microsoft.com/office/drawing/2017/decorative" val="1"/>
+                </a:ext>
+              </a:extLst>
+            </p:cNvPr>
+            <p:cNvSpPr/>
+            <p:nvPr>
+              <p:extLst>
+                <p:ext uri="{386F3935-93C4-4BCD-93E2-E3B085C9AB24}">
+                  <p16:designElem xmlns:p16="http://schemas.microsoft.com/office/powerpoint/2015/main" val="1"/>
+                </p:ext>
+              </p:extLst>
+            </p:nvPr>
+          </p:nvSpPr>
+          <p:spPr>
+            <a:xfrm rot="5400000">
+              <a:off x="11228040" y="2313027"/>
+              <a:ext cx="781700" cy="152382"/>
+            </a:xfrm>
+            <a:prstGeom prst="rect">
+              <a:avLst/>
+            </a:prstGeom>
+            <a:solidFill>
+              <a:schemeClr val="accent4"/>
+            </a:solidFill>
+            <a:ln>
+              <a:noFill/>
+            </a:ln>
+          </p:spPr>
+          <p:style>
+            <a:lnRef idx="2">
+              <a:schemeClr val="accent1">
+                <a:shade val="50000"/>
+              </a:schemeClr>
+            </a:lnRef>
+            <a:fillRef idx="1">
+              <a:schemeClr val="accent1"/>
+            </a:fillRef>
+            <a:effectRef idx="0">
+              <a:schemeClr val="accent1"/>
+            </a:effectRef>
+            <a:fontRef idx="minor">
+              <a:schemeClr val="lt1"/>
+            </a:fontRef>
+          </p:style>
+          <p:txBody>
+            <a:bodyPr rtlCol="0" anchor="ctr"/>
+            <a:lstStyle/>
+            <a:p>
+              <a:pPr algn="ctr"/>
+              <a:endParaRPr lang="en-US"/>
+            </a:p>
+          </p:txBody>
+        </p:sp>
+        <p:sp>
+          <p:nvSpPr>
+            <p:cNvPr id="34" name="Rectangle 33">
+              <a:extLst>
+                <a:ext uri="{FF2B5EF4-FFF2-40B4-BE49-F238E27FC236}">
+                  <a16:creationId xmlns:a16="http://schemas.microsoft.com/office/drawing/2014/main" id="{7275593D-F75E-4426-AE3E-2CDEFD228D25}"/>
+                </a:ext>
+                <a:ext uri="{C183D7F6-B498-43B3-948B-1728B52AA6E4}">
+                  <adec:decorative xmlns:adec="http://schemas.microsoft.com/office/drawing/2017/decorative" val="1"/>
+                </a:ext>
+              </a:extLst>
+            </p:cNvPr>
+            <p:cNvSpPr/>
+            <p:nvPr>
+              <p:extLst>
+                <p:ext uri="{386F3935-93C4-4BCD-93E2-E3B085C9AB24}">
+                  <p16:designElem xmlns:p16="http://schemas.microsoft.com/office/powerpoint/2015/main" val="1"/>
+                </p:ext>
+              </p:extLst>
+            </p:nvPr>
+          </p:nvSpPr>
+          <p:spPr>
+            <a:xfrm flipH="1" flipV="1">
+              <a:off x="-2" y="1998845"/>
+              <a:ext cx="11454595" cy="781699"/>
+            </a:xfrm>
+            <a:prstGeom prst="rect">
+              <a:avLst/>
+            </a:prstGeom>
+            <a:solidFill>
+              <a:schemeClr val="accent4"/>
+            </a:solidFill>
+            <a:ln>
+              <a:noFill/>
+            </a:ln>
+          </p:spPr>
+          <p:style>
+            <a:lnRef idx="2">
+              <a:schemeClr val="accent1">
+                <a:shade val="50000"/>
+              </a:schemeClr>
+            </a:lnRef>
+            <a:fillRef idx="1">
+              <a:schemeClr val="accent1"/>
+            </a:fillRef>
+            <a:effectRef idx="0">
+              <a:schemeClr val="accent1"/>
+            </a:effectRef>
+            <a:fontRef idx="minor">
+              <a:schemeClr val="lt1"/>
+            </a:fontRef>
+          </p:style>
+          <p:txBody>
+            <a:bodyPr rtlCol="0" anchor="ctr"/>
+            <a:lstStyle/>
+            <a:p>
+              <a:pPr algn="ctr"/>
+              <a:endParaRPr lang="en-US"/>
+            </a:p>
+          </p:txBody>
+        </p:sp>
+      </p:grpSp>
+      <p:sp>
+        <p:nvSpPr>
+          <p:cNvPr id="36" name="Rectangle 35">
+            <a:extLst>
+              <a:ext uri="{FF2B5EF4-FFF2-40B4-BE49-F238E27FC236}">
+                <a16:creationId xmlns:a16="http://schemas.microsoft.com/office/drawing/2014/main" id="{E659831F-0D9A-4C63-9EBB-8435B85A440F}"/>
+              </a:ext>
+              <a:ext uri="{C183D7F6-B498-43B3-948B-1728B52AA6E4}">
+                <adec:decorative xmlns:adec="http://schemas.microsoft.com/office/drawing/2017/decorative" val="1"/>
+              </a:ext>
+            </a:extLst>
+          </p:cNvPr>
+          <p:cNvSpPr>
+            <a:spLocks noGrp="1" noRot="1" noChangeAspect="1" noMove="1" noResize="1" noEditPoints="1" noAdjustHandles="1" noChangeArrowheads="1" noChangeShapeType="1" noTextEdit="1"/>
+          </p:cNvSpPr>
+          <p:nvPr>
+            <p:extLst>
+              <p:ext uri="{386F3935-93C4-4BCD-93E2-E3B085C9AB24}">
+                <p16:designElem xmlns:p16="http://schemas.microsoft.com/office/powerpoint/2015/main" val="1"/>
+              </p:ext>
+            </p:extLst>
+          </p:nvPr>
+        </p:nvSpPr>
+        <p:spPr>
+          <a:xfrm>
+            <a:off x="0" y="2203079"/>
+            <a:ext cx="11383362" cy="4147845"/>
+          </a:xfrm>
+          <a:prstGeom prst="rect">
+            <a:avLst/>
+          </a:prstGeom>
+          <a:solidFill>
+            <a:schemeClr val="bg1"/>
+          </a:solidFill>
+          <a:ln>
+            <a:noFill/>
+          </a:ln>
+          <a:effectLst>
+            <a:outerShdw blurRad="139700" dist="127000" dir="5400000" algn="t" rotWithShape="0">
+              <a:prstClr val="black">
+                <a:alpha val="15000"/>
+              </a:prstClr>
+            </a:outerShdw>
+          </a:effectLst>
+        </p:spPr>
+        <p:style>
+          <a:lnRef idx="2">
+            <a:schemeClr val="accent1">
+              <a:shade val="50000"/>
+            </a:schemeClr>
+          </a:lnRef>
+          <a:fillRef idx="1">
+            <a:schemeClr val="accent1"/>
+          </a:fillRef>
+          <a:effectRef idx="0">
+            <a:schemeClr val="accent1"/>
+          </a:effectRef>
+          <a:fontRef idx="minor">
+            <a:schemeClr val="lt1"/>
+          </a:fontRef>
+        </p:style>
+        <p:txBody>
+          <a:bodyPr rtlCol="0" anchor="ctr"/>
+          <a:lstStyle/>
+          <a:p>
+            <a:pPr algn="ctr"/>
+            <a:endParaRPr lang="en-US"/>
+          </a:p>
+        </p:txBody>
+      </p:sp>
+      <p:sp>
+        <p:nvSpPr>
+          <p:cNvPr id="3" name="Content Placeholder 2">
+            <a:extLst>
+              <a:ext uri="{FF2B5EF4-FFF2-40B4-BE49-F238E27FC236}">
+                <a16:creationId xmlns:a16="http://schemas.microsoft.com/office/drawing/2014/main" id="{C0884DDB-A043-3916-1F92-939A79C6ED9E}"/>
+              </a:ext>
+            </a:extLst>
+          </p:cNvPr>
+          <p:cNvSpPr>
+            <a:spLocks noGrp="1"/>
+          </p:cNvSpPr>
+          <p:nvPr>
+            <p:ph idx="1"/>
+          </p:nvPr>
+        </p:nvSpPr>
+        <p:spPr>
+          <a:xfrm>
+            <a:off x="793660" y="2599509"/>
+            <a:ext cx="10143668" cy="3435531"/>
+          </a:xfrm>
+        </p:spPr>
+        <p:txBody>
+          <a:bodyPr anchor="ctr">
+            <a:normAutofit/>
+          </a:bodyPr>
+          <a:lstStyle/>
+          <a:p>
+            <a:r>
+              <a:rPr lang="en-US" sz="2400"/>
+              <a:t>The "Adversary" is not a single agent, but a population of heuristic traders (Aggressive, Passive, Momentum, Random).</a:t>
+            </a:r>
+          </a:p>
+          <a:p>
+            <a:r>
+              <a:rPr lang="en-US" sz="2400" b="1"/>
+              <a:t>Genetic Algorithm:</a:t>
+            </a:r>
+          </a:p>
+          <a:p>
+            <a:pPr lvl="1"/>
+            <a:r>
+              <a:rPr lang="en-US" b="1"/>
+              <a:t>Fitness Functions: </a:t>
+            </a:r>
+            <a:r>
+              <a:rPr lang="en-US"/>
+              <a:t>Rolling profitability</a:t>
+            </a:r>
+          </a:p>
+          <a:p>
+            <a:pPr lvl="1"/>
+            <a:r>
+              <a:rPr lang="en-US" b="1"/>
+              <a:t>Selection: </a:t>
+            </a:r>
+            <a:r>
+              <a:rPr lang="en-US"/>
+              <a:t>Strategies that make money reproduce and increase their population share. Strategies that lose money die out.</a:t>
+            </a:r>
+          </a:p>
+          <a:p>
+            <a:pPr lvl="1"/>
+            <a:r>
+              <a:rPr lang="en-US" b="1"/>
+              <a:t>Mutation: </a:t>
+            </a:r>
+            <a:r>
+              <a:rPr lang="en-US"/>
+              <a:t>A 2% mutation rate introduces random noise to prevent the population from getting stuck in a local optimum. </a:t>
+            </a:r>
+            <a:endParaRPr lang="en-US" b="1"/>
+          </a:p>
+        </p:txBody>
+      </p:sp>
+    </p:spTree>
+    <p:extLst>
+      <p:ext uri="{BB962C8B-B14F-4D97-AF65-F5344CB8AC3E}">
+        <p14:creationId xmlns:p14="http://schemas.microsoft.com/office/powerpoint/2010/main" val="1906398116"/>
+      </p:ext>
+    </p:extLst>
+  </p:cSld>
+  <p:clrMapOvr>
+    <a:masterClrMapping/>
+  </p:clrMapOvr>
+</p:sld>
+</file>
+
+<file path=ppt/slides/slide8.xml><?xml version="1.0" encoding="utf-8"?>
+<p:sld xmlns:a="http://schemas.openxmlformats.org/drawingml/2006/main" xmlns:r="http://schemas.openxmlformats.org/officeDocument/2006/relationships" xmlns:p="http://schemas.openxmlformats.org/presentationml/2006/main">
+  <p:cSld>
+    <p:bg>
+      <p:bgPr>
+        <a:solidFill>
+          <a:schemeClr val="bg1"/>
+        </a:solidFill>
+        <a:effectLst/>
+      </p:bgPr>
+    </p:bg>
+    <p:spTree>
+      <p:nvGrpSpPr>
+        <p:cNvPr id="1" name="">
+          <a:extLst>
+            <a:ext uri="{FF2B5EF4-FFF2-40B4-BE49-F238E27FC236}">
+              <a16:creationId xmlns:a16="http://schemas.microsoft.com/office/drawing/2014/main" id="{804F899A-82DB-32BA-11CA-FB170407C6ED}"/>
+            </a:ext>
+          </a:extLst>
+        </p:cNvPr>
+        <p:cNvGrpSpPr/>
+        <p:nvPr/>
+      </p:nvGrpSpPr>
+      <p:grpSpPr>
+        <a:xfrm>
+          <a:off x="0" y="0"/>
+          <a:ext cx="0" cy="0"/>
+          <a:chOff x="0" y="0"/>
+          <a:chExt cx="0" cy="0"/>
+        </a:xfrm>
+      </p:grpSpPr>
+      <p:sp useBgFill="1">
+        <p:nvSpPr>
+          <p:cNvPr id="19" name="Rectangle 18">
+            <a:extLst>
+              <a:ext uri="{FF2B5EF4-FFF2-40B4-BE49-F238E27FC236}">
+                <a16:creationId xmlns:a16="http://schemas.microsoft.com/office/drawing/2014/main" id="{DBF61EA3-B236-439E-9C0B-340980D56BEE}"/>
+              </a:ext>
+              <a:ext uri="{C183D7F6-B498-43B3-948B-1728B52AA6E4}">
+                <adec:decorative xmlns:adec="http://schemas.microsoft.com/office/drawing/2017/decorative" val="1"/>
+              </a:ext>
+            </a:extLst>
+          </p:cNvPr>
+          <p:cNvSpPr>
+            <a:spLocks noGrp="1" noRot="1" noChangeAspect="1" noMove="1" noResize="1" noEditPoints="1" noAdjustHandles="1" noChangeArrowheads="1" noChangeShapeType="1" noTextEdit="1"/>
+          </p:cNvSpPr>
+          <p:nvPr>
+            <p:extLst>
+              <p:ext uri="{386F3935-93C4-4BCD-93E2-E3B085C9AB24}">
+                <p16:designElem xmlns:p16="http://schemas.microsoft.com/office/powerpoint/2015/main" val="1"/>
+              </p:ext>
+            </p:extLst>
+          </p:nvPr>
+        </p:nvSpPr>
+        <p:spPr>
+          <a:xfrm>
+            <a:off x="0" y="0"/>
+            <a:ext cx="12191999" cy="6857365"/>
+          </a:xfrm>
+          <a:prstGeom prst="rect">
+            <a:avLst/>
+          </a:prstGeom>
+          <a:ln>
+            <a:noFill/>
+          </a:ln>
+        </p:spPr>
+        <p:style>
+          <a:lnRef idx="2">
+            <a:schemeClr val="accent1">
+              <a:shade val="50000"/>
+            </a:schemeClr>
+          </a:lnRef>
+          <a:fillRef idx="1">
+            <a:schemeClr val="accent1"/>
+          </a:fillRef>
+          <a:effectRef idx="0">
+            <a:schemeClr val="accent1"/>
+          </a:effectRef>
+          <a:fontRef idx="minor">
+            <a:schemeClr val="lt1"/>
+          </a:fontRef>
+        </p:style>
+        <p:txBody>
+          <a:bodyPr rtlCol="0" anchor="ctr"/>
+          <a:lstStyle/>
+          <a:p>
+            <a:pPr algn="ctr"/>
+            <a:endParaRPr lang="en-US"/>
+          </a:p>
+        </p:txBody>
+      </p:sp>
+      <p:sp>
+        <p:nvSpPr>
+          <p:cNvPr id="2" name="Title 1">
+            <a:extLst>
+              <a:ext uri="{FF2B5EF4-FFF2-40B4-BE49-F238E27FC236}">
+                <a16:creationId xmlns:a16="http://schemas.microsoft.com/office/drawing/2014/main" id="{BCD4DA82-A375-32FC-9970-27879B727406}"/>
+              </a:ext>
+            </a:extLst>
+          </p:cNvPr>
+          <p:cNvSpPr>
+            <a:spLocks noGrp="1"/>
+          </p:cNvSpPr>
+          <p:nvPr>
+            <p:ph type="title"/>
+          </p:nvPr>
+        </p:nvSpPr>
+        <p:spPr>
+          <a:xfrm>
+            <a:off x="808638" y="386930"/>
+            <a:ext cx="9236700" cy="1188950"/>
+          </a:xfrm>
+        </p:spPr>
+        <p:txBody>
+          <a:bodyPr anchor="b">
+            <a:normAutofit/>
+          </a:bodyPr>
+          <a:lstStyle/>
+          <a:p>
+            <a:r>
+              <a:rPr lang="en-US" sz="5400" b="1"/>
+              <a:t>Interaction Loop</a:t>
             </a:r>
             <a:endParaRPr lang="en-US" sz="5400"/>
           </a:p>
@@ -9821,869 +11591,6 @@
           <p:cNvPr id="3" name="Content Placeholder 2">
             <a:extLst>
               <a:ext uri="{FF2B5EF4-FFF2-40B4-BE49-F238E27FC236}">
-                <a16:creationId xmlns:a16="http://schemas.microsoft.com/office/drawing/2014/main" id="{B233AE75-D950-42AC-4ADF-196760B32FAE}"/>
-              </a:ext>
-            </a:extLst>
-          </p:cNvPr>
-          <p:cNvSpPr>
-            <a:spLocks noGrp="1"/>
-          </p:cNvSpPr>
-          <p:nvPr>
-            <p:ph idx="1"/>
-          </p:nvPr>
-        </p:nvSpPr>
-        <p:spPr>
-          <a:xfrm>
-            <a:off x="793660" y="2599509"/>
-            <a:ext cx="10143668" cy="3435531"/>
-          </a:xfrm>
-        </p:spPr>
-        <p:txBody>
-          <a:bodyPr anchor="ctr">
-            <a:normAutofit/>
-          </a:bodyPr>
-          <a:lstStyle/>
-          <a:p>
-            <a:r>
-              <a:rPr lang="en-US" sz="2400" b="1"/>
-              <a:t>Objective: </a:t>
-            </a:r>
-            <a:r>
-              <a:rPr lang="en-US" sz="2400"/>
-              <a:t>Minimize the squared error (Loss) between the predicted Q-value and the target Q-value derived from the Bellman equation.</a:t>
-            </a:r>
-          </a:p>
-          <a:p>
-            <a:r>
-              <a:rPr lang="en-US" sz="2400" b="1"/>
-              <a:t>Process: </a:t>
-            </a:r>
-            <a:r>
-              <a:rPr lang="en-US" sz="2400"/>
-              <a:t>After every interaction, the agent calculates the error. This error is back-propagated from the output layer to the input layer to adjust the weights.</a:t>
-            </a:r>
-          </a:p>
-          <a:p>
-            <a:r>
-              <a:rPr lang="en-US" sz="2400" b="1"/>
-              <a:t>Optimization: </a:t>
-            </a:r>
-            <a:r>
-              <a:rPr lang="en-US" sz="2400"/>
-              <a:t>We use the Adam optimizer (Stochastic Gradient Descent) to find the global minimum in the error surface. </a:t>
-            </a:r>
-            <a:endParaRPr lang="en-US" sz="2400" b="1"/>
-          </a:p>
-        </p:txBody>
-      </p:sp>
-    </p:spTree>
-    <p:extLst>
-      <p:ext uri="{BB962C8B-B14F-4D97-AF65-F5344CB8AC3E}">
-        <p14:creationId xmlns:p14="http://schemas.microsoft.com/office/powerpoint/2010/main" val="216964541"/>
-      </p:ext>
-    </p:extLst>
-  </p:cSld>
-  <p:clrMapOvr>
-    <a:masterClrMapping/>
-  </p:clrMapOvr>
-</p:sld>
-</file>
-
-<file path=ppt/slides/slide6.xml><?xml version="1.0" encoding="utf-8"?>
-<p:sld xmlns:a="http://schemas.openxmlformats.org/drawingml/2006/main" xmlns:r="http://schemas.openxmlformats.org/officeDocument/2006/relationships" xmlns:p="http://schemas.openxmlformats.org/presentationml/2006/main">
-  <p:cSld>
-    <p:bg>
-      <p:bgPr>
-        <a:solidFill>
-          <a:schemeClr val="bg1"/>
-        </a:solidFill>
-        <a:effectLst/>
-      </p:bgPr>
-    </p:bg>
-    <p:spTree>
-      <p:nvGrpSpPr>
-        <p:cNvPr id="1" name="">
-          <a:extLst>
-            <a:ext uri="{FF2B5EF4-FFF2-40B4-BE49-F238E27FC236}">
-              <a16:creationId xmlns:a16="http://schemas.microsoft.com/office/drawing/2014/main" id="{C1361833-F52B-E982-EE83-13840802AFA6}"/>
-            </a:ext>
-          </a:extLst>
-        </p:cNvPr>
-        <p:cNvGrpSpPr/>
-        <p:nvPr/>
-      </p:nvGrpSpPr>
-      <p:grpSpPr>
-        <a:xfrm>
-          <a:off x="0" y="0"/>
-          <a:ext cx="0" cy="0"/>
-          <a:chOff x="0" y="0"/>
-          <a:chExt cx="0" cy="0"/>
-        </a:xfrm>
-      </p:grpSpPr>
-      <p:sp useBgFill="1">
-        <p:nvSpPr>
-          <p:cNvPr id="30" name="Rectangle 29">
-            <a:extLst>
-              <a:ext uri="{FF2B5EF4-FFF2-40B4-BE49-F238E27FC236}">
-                <a16:creationId xmlns:a16="http://schemas.microsoft.com/office/drawing/2014/main" id="{DBF61EA3-B236-439E-9C0B-340980D56BEE}"/>
-              </a:ext>
-              <a:ext uri="{C183D7F6-B498-43B3-948B-1728B52AA6E4}">
-                <adec:decorative xmlns:adec="http://schemas.microsoft.com/office/drawing/2017/decorative" val="1"/>
-              </a:ext>
-            </a:extLst>
-          </p:cNvPr>
-          <p:cNvSpPr>
-            <a:spLocks noGrp="1" noRot="1" noChangeAspect="1" noMove="1" noResize="1" noEditPoints="1" noAdjustHandles="1" noChangeArrowheads="1" noChangeShapeType="1" noTextEdit="1"/>
-          </p:cNvSpPr>
-          <p:nvPr>
-            <p:extLst>
-              <p:ext uri="{386F3935-93C4-4BCD-93E2-E3B085C9AB24}">
-                <p16:designElem xmlns:p16="http://schemas.microsoft.com/office/powerpoint/2015/main" val="1"/>
-              </p:ext>
-            </p:extLst>
-          </p:nvPr>
-        </p:nvSpPr>
-        <p:spPr>
-          <a:xfrm>
-            <a:off x="0" y="0"/>
-            <a:ext cx="12191999" cy="6857365"/>
-          </a:xfrm>
-          <a:prstGeom prst="rect">
-            <a:avLst/>
-          </a:prstGeom>
-          <a:ln>
-            <a:noFill/>
-          </a:ln>
-        </p:spPr>
-        <p:style>
-          <a:lnRef idx="2">
-            <a:schemeClr val="accent1">
-              <a:shade val="50000"/>
-            </a:schemeClr>
-          </a:lnRef>
-          <a:fillRef idx="1">
-            <a:schemeClr val="accent1"/>
-          </a:fillRef>
-          <a:effectRef idx="0">
-            <a:schemeClr val="accent1"/>
-          </a:effectRef>
-          <a:fontRef idx="minor">
-            <a:schemeClr val="lt1"/>
-          </a:fontRef>
-        </p:style>
-        <p:txBody>
-          <a:bodyPr rtlCol="0" anchor="ctr"/>
-          <a:lstStyle/>
-          <a:p>
-            <a:pPr algn="ctr"/>
-            <a:endParaRPr lang="en-US"/>
-          </a:p>
-        </p:txBody>
-      </p:sp>
-      <p:sp>
-        <p:nvSpPr>
-          <p:cNvPr id="2" name="Title 1">
-            <a:extLst>
-              <a:ext uri="{FF2B5EF4-FFF2-40B4-BE49-F238E27FC236}">
-                <a16:creationId xmlns:a16="http://schemas.microsoft.com/office/drawing/2014/main" id="{4257B963-759C-38B0-4A24-5B9D410AA3DD}"/>
-              </a:ext>
-            </a:extLst>
-          </p:cNvPr>
-          <p:cNvSpPr>
-            <a:spLocks noGrp="1"/>
-          </p:cNvSpPr>
-          <p:nvPr>
-            <p:ph type="title"/>
-          </p:nvPr>
-        </p:nvSpPr>
-        <p:spPr>
-          <a:xfrm>
-            <a:off x="808638" y="386930"/>
-            <a:ext cx="9236700" cy="1188950"/>
-          </a:xfrm>
-        </p:spPr>
-        <p:txBody>
-          <a:bodyPr anchor="b">
-            <a:normAutofit/>
-          </a:bodyPr>
-          <a:lstStyle/>
-          <a:p>
-            <a:r>
-              <a:rPr lang="en-US" sz="5400" b="1"/>
-              <a:t>The Adversary</a:t>
-            </a:r>
-            <a:endParaRPr lang="en-US" sz="5400"/>
-          </a:p>
-        </p:txBody>
-      </p:sp>
-      <p:grpSp>
-        <p:nvGrpSpPr>
-          <p:cNvPr id="32" name="Group 31">
-            <a:extLst>
-              <a:ext uri="{FF2B5EF4-FFF2-40B4-BE49-F238E27FC236}">
-                <a16:creationId xmlns:a16="http://schemas.microsoft.com/office/drawing/2014/main" id="{28FAF094-D087-493F-8DF9-A486C2D6BBAA}"/>
-              </a:ext>
-              <a:ext uri="{C183D7F6-B498-43B3-948B-1728B52AA6E4}">
-                <adec:decorative xmlns:adec="http://schemas.microsoft.com/office/drawing/2017/decorative" val="1"/>
-              </a:ext>
-            </a:extLst>
-          </p:cNvPr>
-          <p:cNvGrpSpPr>
-            <a:grpSpLocks noGrp="1" noUngrp="1" noRot="1" noChangeAspect="1" noMove="1" noResize="1"/>
-          </p:cNvGrpSpPr>
-          <p:nvPr>
-            <p:extLst>
-              <p:ext uri="{386F3935-93C4-4BCD-93E2-E3B085C9AB24}">
-                <p16:designElem xmlns:p16="http://schemas.microsoft.com/office/powerpoint/2015/main" val="1"/>
-              </p:ext>
-            </p:extLst>
-          </p:nvPr>
-        </p:nvGrpSpPr>
-        <p:grpSpPr>
-          <a:xfrm>
-            <a:off x="-2" y="1998368"/>
-            <a:ext cx="11695083" cy="782176"/>
-            <a:chOff x="-2" y="1998368"/>
-            <a:chExt cx="11695083" cy="782176"/>
-          </a:xfrm>
-        </p:grpSpPr>
-        <p:sp>
-          <p:nvSpPr>
-            <p:cNvPr id="33" name="Rectangle 32">
-              <a:extLst>
-                <a:ext uri="{FF2B5EF4-FFF2-40B4-BE49-F238E27FC236}">
-                  <a16:creationId xmlns:a16="http://schemas.microsoft.com/office/drawing/2014/main" id="{8D7C88D8-5509-4514-925A-9CE148E5CBD6}"/>
-                </a:ext>
-                <a:ext uri="{C183D7F6-B498-43B3-948B-1728B52AA6E4}">
-                  <adec:decorative xmlns:adec="http://schemas.microsoft.com/office/drawing/2017/decorative" val="1"/>
-                </a:ext>
-              </a:extLst>
-            </p:cNvPr>
-            <p:cNvSpPr/>
-            <p:nvPr>
-              <p:extLst>
-                <p:ext uri="{386F3935-93C4-4BCD-93E2-E3B085C9AB24}">
-                  <p16:designElem xmlns:p16="http://schemas.microsoft.com/office/powerpoint/2015/main" val="1"/>
-                </p:ext>
-              </p:extLst>
-            </p:nvPr>
-          </p:nvSpPr>
-          <p:spPr>
-            <a:xfrm rot="5400000">
-              <a:off x="11228040" y="2313027"/>
-              <a:ext cx="781700" cy="152382"/>
-            </a:xfrm>
-            <a:prstGeom prst="rect">
-              <a:avLst/>
-            </a:prstGeom>
-            <a:solidFill>
-              <a:schemeClr val="accent4"/>
-            </a:solidFill>
-            <a:ln>
-              <a:noFill/>
-            </a:ln>
-          </p:spPr>
-          <p:style>
-            <a:lnRef idx="2">
-              <a:schemeClr val="accent1">
-                <a:shade val="50000"/>
-              </a:schemeClr>
-            </a:lnRef>
-            <a:fillRef idx="1">
-              <a:schemeClr val="accent1"/>
-            </a:fillRef>
-            <a:effectRef idx="0">
-              <a:schemeClr val="accent1"/>
-            </a:effectRef>
-            <a:fontRef idx="minor">
-              <a:schemeClr val="lt1"/>
-            </a:fontRef>
-          </p:style>
-          <p:txBody>
-            <a:bodyPr rtlCol="0" anchor="ctr"/>
-            <a:lstStyle/>
-            <a:p>
-              <a:pPr algn="ctr"/>
-              <a:endParaRPr lang="en-US"/>
-            </a:p>
-          </p:txBody>
-        </p:sp>
-        <p:sp>
-          <p:nvSpPr>
-            <p:cNvPr id="34" name="Rectangle 33">
-              <a:extLst>
-                <a:ext uri="{FF2B5EF4-FFF2-40B4-BE49-F238E27FC236}">
-                  <a16:creationId xmlns:a16="http://schemas.microsoft.com/office/drawing/2014/main" id="{7275593D-F75E-4426-AE3E-2CDEFD228D25}"/>
-                </a:ext>
-                <a:ext uri="{C183D7F6-B498-43B3-948B-1728B52AA6E4}">
-                  <adec:decorative xmlns:adec="http://schemas.microsoft.com/office/drawing/2017/decorative" val="1"/>
-                </a:ext>
-              </a:extLst>
-            </p:cNvPr>
-            <p:cNvSpPr/>
-            <p:nvPr>
-              <p:extLst>
-                <p:ext uri="{386F3935-93C4-4BCD-93E2-E3B085C9AB24}">
-                  <p16:designElem xmlns:p16="http://schemas.microsoft.com/office/powerpoint/2015/main" val="1"/>
-                </p:ext>
-              </p:extLst>
-            </p:nvPr>
-          </p:nvSpPr>
-          <p:spPr>
-            <a:xfrm flipH="1" flipV="1">
-              <a:off x="-2" y="1998845"/>
-              <a:ext cx="11454595" cy="781699"/>
-            </a:xfrm>
-            <a:prstGeom prst="rect">
-              <a:avLst/>
-            </a:prstGeom>
-            <a:solidFill>
-              <a:schemeClr val="accent4"/>
-            </a:solidFill>
-            <a:ln>
-              <a:noFill/>
-            </a:ln>
-          </p:spPr>
-          <p:style>
-            <a:lnRef idx="2">
-              <a:schemeClr val="accent1">
-                <a:shade val="50000"/>
-              </a:schemeClr>
-            </a:lnRef>
-            <a:fillRef idx="1">
-              <a:schemeClr val="accent1"/>
-            </a:fillRef>
-            <a:effectRef idx="0">
-              <a:schemeClr val="accent1"/>
-            </a:effectRef>
-            <a:fontRef idx="minor">
-              <a:schemeClr val="lt1"/>
-            </a:fontRef>
-          </p:style>
-          <p:txBody>
-            <a:bodyPr rtlCol="0" anchor="ctr"/>
-            <a:lstStyle/>
-            <a:p>
-              <a:pPr algn="ctr"/>
-              <a:endParaRPr lang="en-US"/>
-            </a:p>
-          </p:txBody>
-        </p:sp>
-      </p:grpSp>
-      <p:sp>
-        <p:nvSpPr>
-          <p:cNvPr id="36" name="Rectangle 35">
-            <a:extLst>
-              <a:ext uri="{FF2B5EF4-FFF2-40B4-BE49-F238E27FC236}">
-                <a16:creationId xmlns:a16="http://schemas.microsoft.com/office/drawing/2014/main" id="{E659831F-0D9A-4C63-9EBB-8435B85A440F}"/>
-              </a:ext>
-              <a:ext uri="{C183D7F6-B498-43B3-948B-1728B52AA6E4}">
-                <adec:decorative xmlns:adec="http://schemas.microsoft.com/office/drawing/2017/decorative" val="1"/>
-              </a:ext>
-            </a:extLst>
-          </p:cNvPr>
-          <p:cNvSpPr>
-            <a:spLocks noGrp="1" noRot="1" noChangeAspect="1" noMove="1" noResize="1" noEditPoints="1" noAdjustHandles="1" noChangeArrowheads="1" noChangeShapeType="1" noTextEdit="1"/>
-          </p:cNvSpPr>
-          <p:nvPr>
-            <p:extLst>
-              <p:ext uri="{386F3935-93C4-4BCD-93E2-E3B085C9AB24}">
-                <p16:designElem xmlns:p16="http://schemas.microsoft.com/office/powerpoint/2015/main" val="1"/>
-              </p:ext>
-            </p:extLst>
-          </p:nvPr>
-        </p:nvSpPr>
-        <p:spPr>
-          <a:xfrm>
-            <a:off x="0" y="2203079"/>
-            <a:ext cx="11383362" cy="4147845"/>
-          </a:xfrm>
-          <a:prstGeom prst="rect">
-            <a:avLst/>
-          </a:prstGeom>
-          <a:solidFill>
-            <a:schemeClr val="bg1"/>
-          </a:solidFill>
-          <a:ln>
-            <a:noFill/>
-          </a:ln>
-          <a:effectLst>
-            <a:outerShdw blurRad="139700" dist="127000" dir="5400000" algn="t" rotWithShape="0">
-              <a:prstClr val="black">
-                <a:alpha val="15000"/>
-              </a:prstClr>
-            </a:outerShdw>
-          </a:effectLst>
-        </p:spPr>
-        <p:style>
-          <a:lnRef idx="2">
-            <a:schemeClr val="accent1">
-              <a:shade val="50000"/>
-            </a:schemeClr>
-          </a:lnRef>
-          <a:fillRef idx="1">
-            <a:schemeClr val="accent1"/>
-          </a:fillRef>
-          <a:effectRef idx="0">
-            <a:schemeClr val="accent1"/>
-          </a:effectRef>
-          <a:fontRef idx="minor">
-            <a:schemeClr val="lt1"/>
-          </a:fontRef>
-        </p:style>
-        <p:txBody>
-          <a:bodyPr rtlCol="0" anchor="ctr"/>
-          <a:lstStyle/>
-          <a:p>
-            <a:pPr algn="ctr"/>
-            <a:endParaRPr lang="en-US"/>
-          </a:p>
-        </p:txBody>
-      </p:sp>
-      <p:sp>
-        <p:nvSpPr>
-          <p:cNvPr id="3" name="Content Placeholder 2">
-            <a:extLst>
-              <a:ext uri="{FF2B5EF4-FFF2-40B4-BE49-F238E27FC236}">
-                <a16:creationId xmlns:a16="http://schemas.microsoft.com/office/drawing/2014/main" id="{C0884DDB-A043-3916-1F92-939A79C6ED9E}"/>
-              </a:ext>
-            </a:extLst>
-          </p:cNvPr>
-          <p:cNvSpPr>
-            <a:spLocks noGrp="1"/>
-          </p:cNvSpPr>
-          <p:nvPr>
-            <p:ph idx="1"/>
-          </p:nvPr>
-        </p:nvSpPr>
-        <p:spPr>
-          <a:xfrm>
-            <a:off x="793660" y="2599509"/>
-            <a:ext cx="10143668" cy="3435531"/>
-          </a:xfrm>
-        </p:spPr>
-        <p:txBody>
-          <a:bodyPr anchor="ctr">
-            <a:normAutofit/>
-          </a:bodyPr>
-          <a:lstStyle/>
-          <a:p>
-            <a:r>
-              <a:rPr lang="en-US" sz="2400"/>
-              <a:t>The "Adversary" is not a single agent, but a population of heuristic traders (Aggressive, Passive, Momentum, Random).</a:t>
-            </a:r>
-          </a:p>
-          <a:p>
-            <a:r>
-              <a:rPr lang="en-US" sz="2400" b="1"/>
-              <a:t>Genetic Algorithm:</a:t>
-            </a:r>
-          </a:p>
-          <a:p>
-            <a:pPr lvl="1"/>
-            <a:r>
-              <a:rPr lang="en-US" b="1"/>
-              <a:t>Fitness Functions: </a:t>
-            </a:r>
-            <a:r>
-              <a:rPr lang="en-US"/>
-              <a:t>Rolling profitability</a:t>
-            </a:r>
-          </a:p>
-          <a:p>
-            <a:pPr lvl="1"/>
-            <a:r>
-              <a:rPr lang="en-US" b="1"/>
-              <a:t>Selection: </a:t>
-            </a:r>
-            <a:r>
-              <a:rPr lang="en-US"/>
-              <a:t>Strategies that make money reproduce and increase their population share. Strategies that lose money die out.</a:t>
-            </a:r>
-          </a:p>
-          <a:p>
-            <a:pPr lvl="1"/>
-            <a:r>
-              <a:rPr lang="en-US" b="1"/>
-              <a:t>Mutation: </a:t>
-            </a:r>
-            <a:r>
-              <a:rPr lang="en-US"/>
-              <a:t>A 2% mutation rate introduces random noise to prevent the population from getting stuck in a local optimum. </a:t>
-            </a:r>
-            <a:endParaRPr lang="en-US" b="1"/>
-          </a:p>
-        </p:txBody>
-      </p:sp>
-    </p:spTree>
-    <p:extLst>
-      <p:ext uri="{BB962C8B-B14F-4D97-AF65-F5344CB8AC3E}">
-        <p14:creationId xmlns:p14="http://schemas.microsoft.com/office/powerpoint/2010/main" val="1906398116"/>
-      </p:ext>
-    </p:extLst>
-  </p:cSld>
-  <p:clrMapOvr>
-    <a:masterClrMapping/>
-  </p:clrMapOvr>
-</p:sld>
-</file>
-
-<file path=ppt/slides/slide7.xml><?xml version="1.0" encoding="utf-8"?>
-<p:sld xmlns:a="http://schemas.openxmlformats.org/drawingml/2006/main" xmlns:r="http://schemas.openxmlformats.org/officeDocument/2006/relationships" xmlns:p="http://schemas.openxmlformats.org/presentationml/2006/main">
-  <p:cSld>
-    <p:bg>
-      <p:bgPr>
-        <a:solidFill>
-          <a:schemeClr val="bg1"/>
-        </a:solidFill>
-        <a:effectLst/>
-      </p:bgPr>
-    </p:bg>
-    <p:spTree>
-      <p:nvGrpSpPr>
-        <p:cNvPr id="1" name="">
-          <a:extLst>
-            <a:ext uri="{FF2B5EF4-FFF2-40B4-BE49-F238E27FC236}">
-              <a16:creationId xmlns:a16="http://schemas.microsoft.com/office/drawing/2014/main" id="{804F899A-82DB-32BA-11CA-FB170407C6ED}"/>
-            </a:ext>
-          </a:extLst>
-        </p:cNvPr>
-        <p:cNvGrpSpPr/>
-        <p:nvPr/>
-      </p:nvGrpSpPr>
-      <p:grpSpPr>
-        <a:xfrm>
-          <a:off x="0" y="0"/>
-          <a:ext cx="0" cy="0"/>
-          <a:chOff x="0" y="0"/>
-          <a:chExt cx="0" cy="0"/>
-        </a:xfrm>
-      </p:grpSpPr>
-      <p:sp useBgFill="1">
-        <p:nvSpPr>
-          <p:cNvPr id="19" name="Rectangle 18">
-            <a:extLst>
-              <a:ext uri="{FF2B5EF4-FFF2-40B4-BE49-F238E27FC236}">
-                <a16:creationId xmlns:a16="http://schemas.microsoft.com/office/drawing/2014/main" id="{DBF61EA3-B236-439E-9C0B-340980D56BEE}"/>
-              </a:ext>
-              <a:ext uri="{C183D7F6-B498-43B3-948B-1728B52AA6E4}">
-                <adec:decorative xmlns:adec="http://schemas.microsoft.com/office/drawing/2017/decorative" val="1"/>
-              </a:ext>
-            </a:extLst>
-          </p:cNvPr>
-          <p:cNvSpPr>
-            <a:spLocks noGrp="1" noRot="1" noChangeAspect="1" noMove="1" noResize="1" noEditPoints="1" noAdjustHandles="1" noChangeArrowheads="1" noChangeShapeType="1" noTextEdit="1"/>
-          </p:cNvSpPr>
-          <p:nvPr>
-            <p:extLst>
-              <p:ext uri="{386F3935-93C4-4BCD-93E2-E3B085C9AB24}">
-                <p16:designElem xmlns:p16="http://schemas.microsoft.com/office/powerpoint/2015/main" val="1"/>
-              </p:ext>
-            </p:extLst>
-          </p:nvPr>
-        </p:nvSpPr>
-        <p:spPr>
-          <a:xfrm>
-            <a:off x="0" y="0"/>
-            <a:ext cx="12191999" cy="6857365"/>
-          </a:xfrm>
-          <a:prstGeom prst="rect">
-            <a:avLst/>
-          </a:prstGeom>
-          <a:ln>
-            <a:noFill/>
-          </a:ln>
-        </p:spPr>
-        <p:style>
-          <a:lnRef idx="2">
-            <a:schemeClr val="accent1">
-              <a:shade val="50000"/>
-            </a:schemeClr>
-          </a:lnRef>
-          <a:fillRef idx="1">
-            <a:schemeClr val="accent1"/>
-          </a:fillRef>
-          <a:effectRef idx="0">
-            <a:schemeClr val="accent1"/>
-          </a:effectRef>
-          <a:fontRef idx="minor">
-            <a:schemeClr val="lt1"/>
-          </a:fontRef>
-        </p:style>
-        <p:txBody>
-          <a:bodyPr rtlCol="0" anchor="ctr"/>
-          <a:lstStyle/>
-          <a:p>
-            <a:pPr algn="ctr"/>
-            <a:endParaRPr lang="en-US"/>
-          </a:p>
-        </p:txBody>
-      </p:sp>
-      <p:sp>
-        <p:nvSpPr>
-          <p:cNvPr id="2" name="Title 1">
-            <a:extLst>
-              <a:ext uri="{FF2B5EF4-FFF2-40B4-BE49-F238E27FC236}">
-                <a16:creationId xmlns:a16="http://schemas.microsoft.com/office/drawing/2014/main" id="{BCD4DA82-A375-32FC-9970-27879B727406}"/>
-              </a:ext>
-            </a:extLst>
-          </p:cNvPr>
-          <p:cNvSpPr>
-            <a:spLocks noGrp="1"/>
-          </p:cNvSpPr>
-          <p:nvPr>
-            <p:ph type="title"/>
-          </p:nvPr>
-        </p:nvSpPr>
-        <p:spPr>
-          <a:xfrm>
-            <a:off x="808638" y="386930"/>
-            <a:ext cx="9236700" cy="1188950"/>
-          </a:xfrm>
-        </p:spPr>
-        <p:txBody>
-          <a:bodyPr anchor="b">
-            <a:normAutofit/>
-          </a:bodyPr>
-          <a:lstStyle/>
-          <a:p>
-            <a:r>
-              <a:rPr lang="en-US" sz="5400" b="1"/>
-              <a:t>Interaction Loop</a:t>
-            </a:r>
-            <a:endParaRPr lang="en-US" sz="5400"/>
-          </a:p>
-        </p:txBody>
-      </p:sp>
-      <p:grpSp>
-        <p:nvGrpSpPr>
-          <p:cNvPr id="21" name="Group 20">
-            <a:extLst>
-              <a:ext uri="{FF2B5EF4-FFF2-40B4-BE49-F238E27FC236}">
-                <a16:creationId xmlns:a16="http://schemas.microsoft.com/office/drawing/2014/main" id="{28FAF094-D087-493F-8DF9-A486C2D6BBAA}"/>
-              </a:ext>
-              <a:ext uri="{C183D7F6-B498-43B3-948B-1728B52AA6E4}">
-                <adec:decorative xmlns:adec="http://schemas.microsoft.com/office/drawing/2017/decorative" val="1"/>
-              </a:ext>
-            </a:extLst>
-          </p:cNvPr>
-          <p:cNvGrpSpPr>
-            <a:grpSpLocks noGrp="1" noUngrp="1" noRot="1" noChangeAspect="1" noMove="1" noResize="1"/>
-          </p:cNvGrpSpPr>
-          <p:nvPr>
-            <p:extLst>
-              <p:ext uri="{386F3935-93C4-4BCD-93E2-E3B085C9AB24}">
-                <p16:designElem xmlns:p16="http://schemas.microsoft.com/office/powerpoint/2015/main" val="1"/>
-              </p:ext>
-            </p:extLst>
-          </p:nvPr>
-        </p:nvGrpSpPr>
-        <p:grpSpPr>
-          <a:xfrm>
-            <a:off x="-2" y="1998368"/>
-            <a:ext cx="11695083" cy="782176"/>
-            <a:chOff x="-2" y="1998368"/>
-            <a:chExt cx="11695083" cy="782176"/>
-          </a:xfrm>
-        </p:grpSpPr>
-        <p:sp>
-          <p:nvSpPr>
-            <p:cNvPr id="22" name="Rectangle 21">
-              <a:extLst>
-                <a:ext uri="{FF2B5EF4-FFF2-40B4-BE49-F238E27FC236}">
-                  <a16:creationId xmlns:a16="http://schemas.microsoft.com/office/drawing/2014/main" id="{8D7C88D8-5509-4514-925A-9CE148E5CBD6}"/>
-                </a:ext>
-                <a:ext uri="{C183D7F6-B498-43B3-948B-1728B52AA6E4}">
-                  <adec:decorative xmlns:adec="http://schemas.microsoft.com/office/drawing/2017/decorative" val="1"/>
-                </a:ext>
-              </a:extLst>
-            </p:cNvPr>
-            <p:cNvSpPr/>
-            <p:nvPr>
-              <p:extLst>
-                <p:ext uri="{386F3935-93C4-4BCD-93E2-E3B085C9AB24}">
-                  <p16:designElem xmlns:p16="http://schemas.microsoft.com/office/powerpoint/2015/main" val="1"/>
-                </p:ext>
-              </p:extLst>
-            </p:nvPr>
-          </p:nvSpPr>
-          <p:spPr>
-            <a:xfrm rot="5400000">
-              <a:off x="11228040" y="2313027"/>
-              <a:ext cx="781700" cy="152382"/>
-            </a:xfrm>
-            <a:prstGeom prst="rect">
-              <a:avLst/>
-            </a:prstGeom>
-            <a:solidFill>
-              <a:schemeClr val="accent4"/>
-            </a:solidFill>
-            <a:ln>
-              <a:noFill/>
-            </a:ln>
-          </p:spPr>
-          <p:style>
-            <a:lnRef idx="2">
-              <a:schemeClr val="accent1">
-                <a:shade val="50000"/>
-              </a:schemeClr>
-            </a:lnRef>
-            <a:fillRef idx="1">
-              <a:schemeClr val="accent1"/>
-            </a:fillRef>
-            <a:effectRef idx="0">
-              <a:schemeClr val="accent1"/>
-            </a:effectRef>
-            <a:fontRef idx="minor">
-              <a:schemeClr val="lt1"/>
-            </a:fontRef>
-          </p:style>
-          <p:txBody>
-            <a:bodyPr rtlCol="0" anchor="ctr"/>
-            <a:lstStyle/>
-            <a:p>
-              <a:pPr algn="ctr"/>
-              <a:endParaRPr lang="en-US"/>
-            </a:p>
-          </p:txBody>
-        </p:sp>
-        <p:sp>
-          <p:nvSpPr>
-            <p:cNvPr id="23" name="Rectangle 22">
-              <a:extLst>
-                <a:ext uri="{FF2B5EF4-FFF2-40B4-BE49-F238E27FC236}">
-                  <a16:creationId xmlns:a16="http://schemas.microsoft.com/office/drawing/2014/main" id="{7275593D-F75E-4426-AE3E-2CDEFD228D25}"/>
-                </a:ext>
-                <a:ext uri="{C183D7F6-B498-43B3-948B-1728B52AA6E4}">
-                  <adec:decorative xmlns:adec="http://schemas.microsoft.com/office/drawing/2017/decorative" val="1"/>
-                </a:ext>
-              </a:extLst>
-            </p:cNvPr>
-            <p:cNvSpPr/>
-            <p:nvPr>
-              <p:extLst>
-                <p:ext uri="{386F3935-93C4-4BCD-93E2-E3B085C9AB24}">
-                  <p16:designElem xmlns:p16="http://schemas.microsoft.com/office/powerpoint/2015/main" val="1"/>
-                </p:ext>
-              </p:extLst>
-            </p:nvPr>
-          </p:nvSpPr>
-          <p:spPr>
-            <a:xfrm flipH="1" flipV="1">
-              <a:off x="-2" y="1998845"/>
-              <a:ext cx="11454595" cy="781699"/>
-            </a:xfrm>
-            <a:prstGeom prst="rect">
-              <a:avLst/>
-            </a:prstGeom>
-            <a:solidFill>
-              <a:schemeClr val="accent4"/>
-            </a:solidFill>
-            <a:ln>
-              <a:noFill/>
-            </a:ln>
-          </p:spPr>
-          <p:style>
-            <a:lnRef idx="2">
-              <a:schemeClr val="accent1">
-                <a:shade val="50000"/>
-              </a:schemeClr>
-            </a:lnRef>
-            <a:fillRef idx="1">
-              <a:schemeClr val="accent1"/>
-            </a:fillRef>
-            <a:effectRef idx="0">
-              <a:schemeClr val="accent1"/>
-            </a:effectRef>
-            <a:fontRef idx="minor">
-              <a:schemeClr val="lt1"/>
-            </a:fontRef>
-          </p:style>
-          <p:txBody>
-            <a:bodyPr rtlCol="0" anchor="ctr"/>
-            <a:lstStyle/>
-            <a:p>
-              <a:pPr algn="ctr"/>
-              <a:endParaRPr lang="en-US"/>
-            </a:p>
-          </p:txBody>
-        </p:sp>
-      </p:grpSp>
-      <p:sp>
-        <p:nvSpPr>
-          <p:cNvPr id="25" name="Rectangle 24">
-            <a:extLst>
-              <a:ext uri="{FF2B5EF4-FFF2-40B4-BE49-F238E27FC236}">
-                <a16:creationId xmlns:a16="http://schemas.microsoft.com/office/drawing/2014/main" id="{E659831F-0D9A-4C63-9EBB-8435B85A440F}"/>
-              </a:ext>
-              <a:ext uri="{C183D7F6-B498-43B3-948B-1728B52AA6E4}">
-                <adec:decorative xmlns:adec="http://schemas.microsoft.com/office/drawing/2017/decorative" val="1"/>
-              </a:ext>
-            </a:extLst>
-          </p:cNvPr>
-          <p:cNvSpPr>
-            <a:spLocks noGrp="1" noRot="1" noChangeAspect="1" noMove="1" noResize="1" noEditPoints="1" noAdjustHandles="1" noChangeArrowheads="1" noChangeShapeType="1" noTextEdit="1"/>
-          </p:cNvSpPr>
-          <p:nvPr>
-            <p:extLst>
-              <p:ext uri="{386F3935-93C4-4BCD-93E2-E3B085C9AB24}">
-                <p16:designElem xmlns:p16="http://schemas.microsoft.com/office/powerpoint/2015/main" val="1"/>
-              </p:ext>
-            </p:extLst>
-          </p:nvPr>
-        </p:nvSpPr>
-        <p:spPr>
-          <a:xfrm>
-            <a:off x="0" y="2203079"/>
-            <a:ext cx="11383362" cy="4147845"/>
-          </a:xfrm>
-          <a:prstGeom prst="rect">
-            <a:avLst/>
-          </a:prstGeom>
-          <a:solidFill>
-            <a:schemeClr val="bg1"/>
-          </a:solidFill>
-          <a:ln>
-            <a:noFill/>
-          </a:ln>
-          <a:effectLst>
-            <a:outerShdw blurRad="139700" dist="127000" dir="5400000" algn="t" rotWithShape="0">
-              <a:prstClr val="black">
-                <a:alpha val="15000"/>
-              </a:prstClr>
-            </a:outerShdw>
-          </a:effectLst>
-        </p:spPr>
-        <p:style>
-          <a:lnRef idx="2">
-            <a:schemeClr val="accent1">
-              <a:shade val="50000"/>
-            </a:schemeClr>
-          </a:lnRef>
-          <a:fillRef idx="1">
-            <a:schemeClr val="accent1"/>
-          </a:fillRef>
-          <a:effectRef idx="0">
-            <a:schemeClr val="accent1"/>
-          </a:effectRef>
-          <a:fontRef idx="minor">
-            <a:schemeClr val="lt1"/>
-          </a:fontRef>
-        </p:style>
-        <p:txBody>
-          <a:bodyPr rtlCol="0" anchor="ctr"/>
-          <a:lstStyle/>
-          <a:p>
-            <a:pPr algn="ctr"/>
-            <a:endParaRPr lang="en-US"/>
-          </a:p>
-        </p:txBody>
-      </p:sp>
-      <p:sp>
-        <p:nvSpPr>
-          <p:cNvPr id="3" name="Content Placeholder 2">
-            <a:extLst>
-              <a:ext uri="{FF2B5EF4-FFF2-40B4-BE49-F238E27FC236}">
                 <a16:creationId xmlns:a16="http://schemas.microsoft.com/office/drawing/2014/main" id="{680C0B37-C476-2E80-8C30-F6619428BFCF}"/>
               </a:ext>
             </a:extLst>
@@ -10783,7 +11690,7 @@
 </p:sld>
 </file>
 
-<file path=ppt/slides/slide8.xml><?xml version="1.0" encoding="utf-8"?>
+<file path=ppt/slides/slide9.xml><?xml version="1.0" encoding="utf-8"?>
 <p:sld xmlns:a="http://schemas.openxmlformats.org/drawingml/2006/main" xmlns:r="http://schemas.openxmlformats.org/officeDocument/2006/relationships" xmlns:p="http://schemas.openxmlformats.org/presentationml/2006/main">
   <p:cSld>
     <p:bg>
@@ -10816,7 +11723,7 @@
       </p:grpSpPr>
       <p:sp useBgFill="1">
         <p:nvSpPr>
-          <p:cNvPr id="19" name="Rectangle 18">
+          <p:cNvPr id="36" name="Rectangle 35">
             <a:extLst>
               <a:ext uri="{FF2B5EF4-FFF2-40B4-BE49-F238E27FC236}">
                 <a16:creationId xmlns:a16="http://schemas.microsoft.com/office/drawing/2014/main" id="{AAAE94E3-A7DB-4868-B1E3-E49703488BBC}"/>
@@ -10903,16 +11810,16 @@
           <a:lstStyle/>
           <a:p>
             <a:r>
-              <a:rPr lang="en-US" sz="4000" b="1"/>
-              <a:t>Results</a:t>
-            </a:r>
-            <a:endParaRPr lang="en-US" sz="4000"/>
+              <a:rPr lang="en-US" sz="4000" b="1" dirty="0"/>
+              <a:t>Results- Profitability</a:t>
+            </a:r>
+            <a:endParaRPr lang="en-US" sz="4000" dirty="0"/>
           </a:p>
         </p:txBody>
       </p:sp>
       <p:grpSp>
         <p:nvGrpSpPr>
-          <p:cNvPr id="21" name="Group 20">
+          <p:cNvPr id="38" name="Group 37">
             <a:extLst>
               <a:ext uri="{FF2B5EF4-FFF2-40B4-BE49-F238E27FC236}">
                 <a16:creationId xmlns:a16="http://schemas.microsoft.com/office/drawing/2014/main" id="{1DE889C7-FAD6-4397-98E2-05D503484459}"/>
@@ -10943,7 +11850,7 @@
         </p:grpSpPr>
         <p:sp>
           <p:nvSpPr>
-            <p:cNvPr id="22" name="Rectangle 21">
+            <p:cNvPr id="39" name="Rectangle 38">
               <a:extLst>
                 <a:ext uri="{FF2B5EF4-FFF2-40B4-BE49-F238E27FC236}">
                   <a16:creationId xmlns:a16="http://schemas.microsoft.com/office/drawing/2014/main" id="{F399A70F-F8CD-4992-9EF5-6CF15472E73F}"/>
@@ -11004,7 +11911,7 @@
         </p:sp>
         <p:sp>
           <p:nvSpPr>
-            <p:cNvPr id="23" name="Rectangle 22">
+            <p:cNvPr id="40" name="Rectangle 39">
               <a:extLst>
                 <a:ext uri="{FF2B5EF4-FFF2-40B4-BE49-F238E27FC236}">
                   <a16:creationId xmlns:a16="http://schemas.microsoft.com/office/drawing/2014/main" id="{48F4FEDC-6D80-458C-A665-075D9B9500FD}"/>
@@ -11066,7 +11973,7 @@
       </p:grpSp>
       <p:sp>
         <p:nvSpPr>
-          <p:cNvPr id="25" name="Rectangle 24">
+          <p:cNvPr id="42" name="Rectangle 41">
             <a:extLst>
               <a:ext uri="{FF2B5EF4-FFF2-40B4-BE49-F238E27FC236}">
                 <a16:creationId xmlns:a16="http://schemas.microsoft.com/office/drawing/2014/main" id="{3873B707-463F-40B0-8227-E8CC6C67EB25}"/>
@@ -11156,12 +12063,26 @@
           <a:lstStyle/>
           <a:p>
             <a:r>
-              <a:rPr lang="en-US" sz="2000" b="1" dirty="0"/>
-              <a:t>What happened: </a:t>
-            </a:r>
-            <a:r>
               <a:rPr lang="en-US" sz="2000" dirty="0"/>
-              <a:t>The ARL agent achieved ~1.5% total return. The rolling reward plot shows the agent initially struggling (exploration) before converging to a stable, positive-reward policy.</a:t>
+              <a:t>Achieved ~0.7% total return.</a:t>
+            </a:r>
+          </a:p>
+          <a:p>
+            <a:r>
+              <a:rPr lang="en-US" sz="2000" dirty="0"/>
+              <a:t>Agent struggled at parts where the trend wasn’t seen before.</a:t>
+            </a:r>
+          </a:p>
+          <a:p>
+            <a:r>
+              <a:rPr lang="en-US" sz="2000" dirty="0"/>
+              <a:t>The AI didn’t make any risky trades. </a:t>
+            </a:r>
+          </a:p>
+          <a:p>
+            <a:r>
+              <a:rPr lang="en-US" sz="2000" dirty="0"/>
+              <a:t>Although in other data sets there were times when it lost money, it made a profit at the end.</a:t>
             </a:r>
           </a:p>
           <a:p>
@@ -11175,7 +12096,7 @@
       </p:sp>
       <p:sp>
         <p:nvSpPr>
-          <p:cNvPr id="27" name="Rectangle 26">
+          <p:cNvPr id="44" name="Rectangle 43">
             <a:extLst>
               <a:ext uri="{FF2B5EF4-FFF2-40B4-BE49-F238E27FC236}">
                 <a16:creationId xmlns:a16="http://schemas.microsoft.com/office/drawing/2014/main" id="{C13237C8-E62C-4F0D-A318-BD6FB6C2D138}"/>
@@ -11238,7 +12159,7 @@
       </p:sp>
       <p:sp>
         <p:nvSpPr>
-          <p:cNvPr id="29" name="Rectangle 28">
+          <p:cNvPr id="46" name="Rectangle 45">
             <a:extLst>
               <a:ext uri="{FF2B5EF4-FFF2-40B4-BE49-F238E27FC236}">
                 <a16:creationId xmlns:a16="http://schemas.microsoft.com/office/drawing/2014/main" id="{19C9EAEA-39D0-4B0E-A0EB-51E7B26740B1}"/>
@@ -11308,10 +12229,10 @@
       </p:sp>
       <p:pic>
         <p:nvPicPr>
-          <p:cNvPr id="7" name="Picture 6" descr="A graph showing a number of numbers&#10;&#10;AI-generated content may be incorrect.">
-            <a:extLst>
-              <a:ext uri="{FF2B5EF4-FFF2-40B4-BE49-F238E27FC236}">
-                <a16:creationId xmlns:a16="http://schemas.microsoft.com/office/drawing/2014/main" id="{D6327075-2952-D62F-0906-D63EF0959F03}"/>
+          <p:cNvPr id="4" name="Picture 3" descr="A graph showing the price of a stock market&#10;&#10;AI-generated content may be incorrect.">
+            <a:extLst>
+              <a:ext uri="{FF2B5EF4-FFF2-40B4-BE49-F238E27FC236}">
+                <a16:creationId xmlns:a16="http://schemas.microsoft.com/office/drawing/2014/main" id="{F09E981B-C047-DF2A-FCBB-02D7C9417A63}"/>
               </a:ext>
             </a:extLst>
           </p:cNvPr>
@@ -11344,7 +12265,7 @@
       </p:pic>
       <p:sp>
         <p:nvSpPr>
-          <p:cNvPr id="31" name="Rectangle 30">
+          <p:cNvPr id="48" name="Rectangle 47">
             <a:extLst>
               <a:ext uri="{FF2B5EF4-FFF2-40B4-BE49-F238E27FC236}">
                 <a16:creationId xmlns:a16="http://schemas.microsoft.com/office/drawing/2014/main" id="{8CB5D2D7-DF65-4E86-BFBA-FFB9B5ACEB64}"/>
@@ -11452,704 +12373,6 @@
     <p:extLst>
       <p:ext uri="{BB962C8B-B14F-4D97-AF65-F5344CB8AC3E}">
         <p14:creationId xmlns:p14="http://schemas.microsoft.com/office/powerpoint/2010/main" val="2737580902"/>
-      </p:ext>
-    </p:extLst>
-  </p:cSld>
-  <p:clrMapOvr>
-    <a:masterClrMapping/>
-  </p:clrMapOvr>
-</p:sld>
-</file>
-
-<file path=ppt/slides/slide9.xml><?xml version="1.0" encoding="utf-8"?>
-<p:sld xmlns:a="http://schemas.openxmlformats.org/drawingml/2006/main" xmlns:r="http://schemas.openxmlformats.org/officeDocument/2006/relationships" xmlns:p="http://schemas.openxmlformats.org/presentationml/2006/main">
-  <p:cSld>
-    <p:bg>
-      <p:bgPr>
-        <a:solidFill>
-          <a:schemeClr val="bg1"/>
-        </a:solidFill>
-        <a:effectLst/>
-      </p:bgPr>
-    </p:bg>
-    <p:spTree>
-      <p:nvGrpSpPr>
-        <p:cNvPr id="1" name="">
-          <a:extLst>
-            <a:ext uri="{FF2B5EF4-FFF2-40B4-BE49-F238E27FC236}">
-              <a16:creationId xmlns:a16="http://schemas.microsoft.com/office/drawing/2014/main" id="{4B934869-54B6-5C0F-DD74-581A1E85E2A8}"/>
-            </a:ext>
-          </a:extLst>
-        </p:cNvPr>
-        <p:cNvGrpSpPr/>
-        <p:nvPr/>
-      </p:nvGrpSpPr>
-      <p:grpSpPr>
-        <a:xfrm>
-          <a:off x="0" y="0"/>
-          <a:ext cx="0" cy="0"/>
-          <a:chOff x="0" y="0"/>
-          <a:chExt cx="0" cy="0"/>
-        </a:xfrm>
-      </p:grpSpPr>
-      <p:sp useBgFill="1">
-        <p:nvSpPr>
-          <p:cNvPr id="19" name="Rectangle 18">
-            <a:extLst>
-              <a:ext uri="{FF2B5EF4-FFF2-40B4-BE49-F238E27FC236}">
-                <a16:creationId xmlns:a16="http://schemas.microsoft.com/office/drawing/2014/main" id="{AAAE94E3-A7DB-4868-B1E3-E49703488BBC}"/>
-              </a:ext>
-              <a:ext uri="{C183D7F6-B498-43B3-948B-1728B52AA6E4}">
-                <adec:decorative xmlns:adec="http://schemas.microsoft.com/office/drawing/2017/decorative" val="1"/>
-              </a:ext>
-            </a:extLst>
-          </p:cNvPr>
-          <p:cNvSpPr>
-            <a:spLocks noGrp="1" noRot="1" noChangeAspect="1" noMove="1" noResize="1" noEditPoints="1" noAdjustHandles="1" noChangeArrowheads="1" noChangeShapeType="1" noTextEdit="1"/>
-          </p:cNvSpPr>
-          <p:nvPr>
-            <p:extLst>
-              <p:ext uri="{386F3935-93C4-4BCD-93E2-E3B085C9AB24}">
-                <p16:designElem xmlns:p16="http://schemas.microsoft.com/office/powerpoint/2015/main" val="1"/>
-              </p:ext>
-            </p:extLst>
-          </p:nvPr>
-        </p:nvSpPr>
-        <p:spPr>
-          <a:xfrm>
-            <a:off x="0" y="0"/>
-            <a:ext cx="12191999" cy="6857365"/>
-          </a:xfrm>
-          <a:prstGeom prst="rect">
-            <a:avLst/>
-          </a:prstGeom>
-          <a:ln>
-            <a:noFill/>
-          </a:ln>
-        </p:spPr>
-        <p:style>
-          <a:lnRef idx="2">
-            <a:schemeClr val="accent1">
-              <a:shade val="50000"/>
-            </a:schemeClr>
-          </a:lnRef>
-          <a:fillRef idx="1">
-            <a:schemeClr val="accent1"/>
-          </a:fillRef>
-          <a:effectRef idx="0">
-            <a:schemeClr val="accent1"/>
-          </a:effectRef>
-          <a:fontRef idx="minor">
-            <a:schemeClr val="lt1"/>
-          </a:fontRef>
-        </p:style>
-        <p:txBody>
-          <a:bodyPr rtlCol="0" anchor="ctr"/>
-          <a:lstStyle/>
-          <a:p>
-            <a:pPr algn="ctr"/>
-            <a:endParaRPr lang="en-US"/>
-          </a:p>
-        </p:txBody>
-      </p:sp>
-      <p:sp>
-        <p:nvSpPr>
-          <p:cNvPr id="2" name="Title 1">
-            <a:extLst>
-              <a:ext uri="{FF2B5EF4-FFF2-40B4-BE49-F238E27FC236}">
-                <a16:creationId xmlns:a16="http://schemas.microsoft.com/office/drawing/2014/main" id="{3CBEE90E-E32B-AE72-4980-AFB0ACD89080}"/>
-              </a:ext>
-            </a:extLst>
-          </p:cNvPr>
-          <p:cNvSpPr>
-            <a:spLocks noGrp="1"/>
-          </p:cNvSpPr>
-          <p:nvPr>
-            <p:ph type="title"/>
-          </p:nvPr>
-        </p:nvSpPr>
-        <p:spPr>
-          <a:xfrm>
-            <a:off x="589560" y="856180"/>
-            <a:ext cx="5279408" cy="1128068"/>
-          </a:xfrm>
-        </p:spPr>
-        <p:txBody>
-          <a:bodyPr anchor="ctr">
-            <a:normAutofit/>
-          </a:bodyPr>
-          <a:lstStyle/>
-          <a:p>
-            <a:r>
-              <a:rPr lang="en-US" sz="4000" b="1"/>
-              <a:t>Results (continued)</a:t>
-            </a:r>
-            <a:endParaRPr lang="en-US" sz="4000"/>
-          </a:p>
-        </p:txBody>
-      </p:sp>
-      <p:grpSp>
-        <p:nvGrpSpPr>
-          <p:cNvPr id="21" name="Group 20">
-            <a:extLst>
-              <a:ext uri="{FF2B5EF4-FFF2-40B4-BE49-F238E27FC236}">
-                <a16:creationId xmlns:a16="http://schemas.microsoft.com/office/drawing/2014/main" id="{1DE889C7-FAD6-4397-98E2-05D503484459}"/>
-              </a:ext>
-              <a:ext uri="{C183D7F6-B498-43B3-948B-1728B52AA6E4}">
-                <adec:decorative xmlns:adec="http://schemas.microsoft.com/office/drawing/2017/decorative" val="1"/>
-              </a:ext>
-            </a:extLst>
-          </p:cNvPr>
-          <p:cNvGrpSpPr>
-            <a:grpSpLocks noGrp="1" noUngrp="1" noRot="1" noChangeAspect="1" noMove="1" noResize="1"/>
-          </p:cNvGrpSpPr>
-          <p:nvPr>
-            <p:extLst>
-              <p:ext uri="{386F3935-93C4-4BCD-93E2-E3B085C9AB24}">
-                <p16:designElem xmlns:p16="http://schemas.microsoft.com/office/powerpoint/2015/main" val="1"/>
-              </p:ext>
-            </p:extLst>
-          </p:nvPr>
-        </p:nvGrpSpPr>
-        <p:grpSpPr>
-          <a:xfrm>
-            <a:off x="0" y="1083484"/>
-            <a:ext cx="355196" cy="673460"/>
-            <a:chOff x="0" y="823811"/>
-            <a:chExt cx="355196" cy="673460"/>
-          </a:xfrm>
-        </p:grpSpPr>
-        <p:sp>
-          <p:nvSpPr>
-            <p:cNvPr id="22" name="Rectangle 21">
-              <a:extLst>
-                <a:ext uri="{FF2B5EF4-FFF2-40B4-BE49-F238E27FC236}">
-                  <a16:creationId xmlns:a16="http://schemas.microsoft.com/office/drawing/2014/main" id="{F399A70F-F8CD-4992-9EF5-6CF15472E73F}"/>
-                </a:ext>
-                <a:ext uri="{C183D7F6-B498-43B3-948B-1728B52AA6E4}">
-                  <adec:decorative xmlns:adec="http://schemas.microsoft.com/office/drawing/2017/decorative" val="1"/>
-                </a:ext>
-              </a:extLst>
-            </p:cNvPr>
-            <p:cNvSpPr/>
-            <p:nvPr>
-              <p:extLst>
-                <p:ext uri="{386F3935-93C4-4BCD-93E2-E3B085C9AB24}">
-                  <p16:designElem xmlns:p16="http://schemas.microsoft.com/office/powerpoint/2015/main" val="1"/>
-                </p:ext>
-              </p:extLst>
-            </p:nvPr>
-          </p:nvSpPr>
-          <p:spPr>
-            <a:xfrm>
-              <a:off x="0" y="823811"/>
-              <a:ext cx="87363" cy="673460"/>
-            </a:xfrm>
-            <a:prstGeom prst="rect">
-              <a:avLst/>
-            </a:prstGeom>
-            <a:solidFill>
-              <a:schemeClr val="accent4"/>
-            </a:solidFill>
-            <a:ln>
-              <a:noFill/>
-            </a:ln>
-          </p:spPr>
-          <p:style>
-            <a:lnRef idx="2">
-              <a:schemeClr val="accent1">
-                <a:shade val="50000"/>
-              </a:schemeClr>
-            </a:lnRef>
-            <a:fillRef idx="1">
-              <a:schemeClr val="accent1"/>
-            </a:fillRef>
-            <a:effectRef idx="0">
-              <a:schemeClr val="accent1"/>
-            </a:effectRef>
-            <a:fontRef idx="minor">
-              <a:schemeClr val="lt1"/>
-            </a:fontRef>
-          </p:style>
-          <p:txBody>
-            <a:bodyPr rtlCol="0" anchor="ctr"/>
-            <a:lstStyle/>
-            <a:p>
-              <a:pPr algn="ctr"/>
-              <a:endParaRPr lang="en-US"/>
-            </a:p>
-          </p:txBody>
-        </p:sp>
-        <p:sp>
-          <p:nvSpPr>
-            <p:cNvPr id="23" name="Rectangle 22">
-              <a:extLst>
-                <a:ext uri="{FF2B5EF4-FFF2-40B4-BE49-F238E27FC236}">
-                  <a16:creationId xmlns:a16="http://schemas.microsoft.com/office/drawing/2014/main" id="{48F4FEDC-6D80-458C-A665-075D9B9500FD}"/>
-                </a:ext>
-                <a:ext uri="{C183D7F6-B498-43B3-948B-1728B52AA6E4}">
-                  <adec:decorative xmlns:adec="http://schemas.microsoft.com/office/drawing/2017/decorative" val="1"/>
-                </a:ext>
-              </a:extLst>
-            </p:cNvPr>
-            <p:cNvSpPr/>
-            <p:nvPr>
-              <p:extLst>
-                <p:ext uri="{386F3935-93C4-4BCD-93E2-E3B085C9AB24}">
-                  <p16:designElem xmlns:p16="http://schemas.microsoft.com/office/powerpoint/2015/main" val="1"/>
-                </p:ext>
-              </p:extLst>
-            </p:nvPr>
-          </p:nvSpPr>
-          <p:spPr>
-            <a:xfrm>
-              <a:off x="159341" y="823811"/>
-              <a:ext cx="195855" cy="673460"/>
-            </a:xfrm>
-            <a:prstGeom prst="rect">
-              <a:avLst/>
-            </a:prstGeom>
-            <a:solidFill>
-              <a:schemeClr val="accent4"/>
-            </a:solidFill>
-            <a:ln>
-              <a:noFill/>
-            </a:ln>
-          </p:spPr>
-          <p:style>
-            <a:lnRef idx="2">
-              <a:schemeClr val="accent1">
-                <a:shade val="50000"/>
-              </a:schemeClr>
-            </a:lnRef>
-            <a:fillRef idx="1">
-              <a:schemeClr val="accent1"/>
-            </a:fillRef>
-            <a:effectRef idx="0">
-              <a:schemeClr val="accent1"/>
-            </a:effectRef>
-            <a:fontRef idx="minor">
-              <a:schemeClr val="lt1"/>
-            </a:fontRef>
-          </p:style>
-          <p:txBody>
-            <a:bodyPr rtlCol="0" anchor="ctr"/>
-            <a:lstStyle/>
-            <a:p>
-              <a:pPr algn="ctr"/>
-              <a:endParaRPr lang="en-US"/>
-            </a:p>
-          </p:txBody>
-        </p:sp>
-      </p:grpSp>
-      <p:sp>
-        <p:nvSpPr>
-          <p:cNvPr id="25" name="Rectangle 24">
-            <a:extLst>
-              <a:ext uri="{FF2B5EF4-FFF2-40B4-BE49-F238E27FC236}">
-                <a16:creationId xmlns:a16="http://schemas.microsoft.com/office/drawing/2014/main" id="{3873B707-463F-40B0-8227-E8CC6C67EB25}"/>
-              </a:ext>
-              <a:ext uri="{C183D7F6-B498-43B3-948B-1728B52AA6E4}">
-                <adec:decorative xmlns:adec="http://schemas.microsoft.com/office/drawing/2017/decorative" val="1"/>
-              </a:ext>
-            </a:extLst>
-          </p:cNvPr>
-          <p:cNvSpPr>
-            <a:spLocks noGrp="1" noRot="1" noChangeAspect="1" noMove="1" noResize="1" noEditPoints="1" noAdjustHandles="1" noChangeArrowheads="1" noChangeShapeType="1" noTextEdit="1"/>
-          </p:cNvSpPr>
-          <p:nvPr>
-            <p:extLst>
-              <p:ext uri="{386F3935-93C4-4BCD-93E2-E3B085C9AB24}">
-                <p16:designElem xmlns:p16="http://schemas.microsoft.com/office/powerpoint/2015/main" val="1"/>
-              </p:ext>
-            </p:extLst>
-          </p:nvPr>
-        </p:nvSpPr>
-        <p:spPr>
-          <a:xfrm flipH="1">
-            <a:off x="665085" y="2123821"/>
-            <a:ext cx="4975066" cy="27432"/>
-          </a:xfrm>
-          <a:prstGeom prst="rect">
-            <a:avLst/>
-          </a:prstGeom>
-          <a:solidFill>
-            <a:schemeClr val="accent4"/>
-          </a:solidFill>
-          <a:ln>
-            <a:noFill/>
-          </a:ln>
-        </p:spPr>
-        <p:style>
-          <a:lnRef idx="2">
-            <a:schemeClr val="accent1">
-              <a:shade val="50000"/>
-            </a:schemeClr>
-          </a:lnRef>
-          <a:fillRef idx="1">
-            <a:schemeClr val="accent1"/>
-          </a:fillRef>
-          <a:effectRef idx="0">
-            <a:schemeClr val="accent1"/>
-          </a:effectRef>
-          <a:fontRef idx="minor">
-            <a:schemeClr val="lt1"/>
-          </a:fontRef>
-        </p:style>
-        <p:txBody>
-          <a:bodyPr rtlCol="0" anchor="ctr"/>
-          <a:lstStyle/>
-          <a:p>
-            <a:pPr algn="ctr"/>
-            <a:endParaRPr lang="en-US"/>
-          </a:p>
-        </p:txBody>
-      </p:sp>
-      <p:sp>
-        <p:nvSpPr>
-          <p:cNvPr id="3" name="Content Placeholder 2">
-            <a:extLst>
-              <a:ext uri="{FF2B5EF4-FFF2-40B4-BE49-F238E27FC236}">
-                <a16:creationId xmlns:a16="http://schemas.microsoft.com/office/drawing/2014/main" id="{44B3DB00-4BE9-27B8-9CAE-47E9E9DF951F}"/>
-              </a:ext>
-            </a:extLst>
-          </p:cNvPr>
-          <p:cNvSpPr>
-            <a:spLocks noGrp="1"/>
-          </p:cNvSpPr>
-          <p:nvPr>
-            <p:ph idx="1"/>
-          </p:nvPr>
-        </p:nvSpPr>
-        <p:spPr>
-          <a:xfrm>
-            <a:off x="590719" y="2330505"/>
-            <a:ext cx="5278066" cy="3979585"/>
-          </a:xfrm>
-        </p:spPr>
-        <p:txBody>
-          <a:bodyPr anchor="ctr">
-            <a:normAutofit/>
-          </a:bodyPr>
-          <a:lstStyle/>
-          <a:p>
-            <a:r>
-              <a:rPr lang="en-US" sz="2000" b="1" dirty="0"/>
-              <a:t>Start: </a:t>
-            </a:r>
-            <a:r>
-              <a:rPr lang="en-US" sz="2000" dirty="0"/>
-              <a:t>Mixed population</a:t>
-            </a:r>
-          </a:p>
-          <a:p>
-            <a:r>
-              <a:rPr lang="en-US" sz="2000" b="1" dirty="0"/>
-              <a:t>Middle: </a:t>
-            </a:r>
-            <a:r>
-              <a:rPr lang="en-US" sz="2000" dirty="0"/>
-              <a:t>Aggressive traders tried to exploit the agent. The agent countered by widening spreads.</a:t>
-            </a:r>
-          </a:p>
-          <a:p>
-            <a:r>
-              <a:rPr lang="af-ZA" sz="2000" b="1" dirty="0"/>
-              <a:t>End: </a:t>
-            </a:r>
-            <a:r>
-              <a:rPr lang="en-US" sz="2000" dirty="0"/>
-              <a:t>Aggressive traders went bankrupt. Passive traders (green area) took over &gt;99% of the market.</a:t>
-            </a:r>
-          </a:p>
-          <a:p>
-            <a:r>
-              <a:rPr lang="en-US" sz="2000" dirty="0"/>
-              <a:t>The AI "starved" the aggressive traders by refusing to give them good prices. It shaped its own environment.</a:t>
-            </a:r>
-            <a:endParaRPr lang="en-US" sz="2000" b="1" dirty="0"/>
-          </a:p>
-        </p:txBody>
-      </p:sp>
-      <p:sp>
-        <p:nvSpPr>
-          <p:cNvPr id="27" name="Rectangle 26">
-            <a:extLst>
-              <a:ext uri="{FF2B5EF4-FFF2-40B4-BE49-F238E27FC236}">
-                <a16:creationId xmlns:a16="http://schemas.microsoft.com/office/drawing/2014/main" id="{C13237C8-E62C-4F0D-A318-BD6FB6C2D138}"/>
-              </a:ext>
-              <a:ext uri="{C183D7F6-B498-43B3-948B-1728B52AA6E4}">
-                <adec:decorative xmlns:adec="http://schemas.microsoft.com/office/drawing/2017/decorative" val="1"/>
-              </a:ext>
-            </a:extLst>
-          </p:cNvPr>
-          <p:cNvSpPr>
-            <a:spLocks noGrp="1" noRot="1" noChangeAspect="1" noMove="1" noResize="1" noEditPoints="1" noAdjustHandles="1" noChangeArrowheads="1" noChangeShapeType="1" noTextEdit="1"/>
-          </p:cNvSpPr>
-          <p:nvPr>
-            <p:extLst>
-              <p:ext uri="{386F3935-93C4-4BCD-93E2-E3B085C9AB24}">
-                <p16:designElem xmlns:p16="http://schemas.microsoft.com/office/powerpoint/2015/main" val="1"/>
-              </p:ext>
-            </p:extLst>
-          </p:nvPr>
-        </p:nvSpPr>
-        <p:spPr>
-          <a:xfrm flipH="1">
-            <a:off x="10697670" y="0"/>
-            <a:ext cx="1494330" cy="6858000"/>
-          </a:xfrm>
-          <a:prstGeom prst="rect">
-            <a:avLst/>
-          </a:prstGeom>
-          <a:solidFill>
-            <a:schemeClr val="accent4"/>
-          </a:solidFill>
-          <a:ln>
-            <a:noFill/>
-          </a:ln>
-        </p:spPr>
-        <p:style>
-          <a:lnRef idx="2">
-            <a:schemeClr val="accent1">
-              <a:shade val="50000"/>
-            </a:schemeClr>
-          </a:lnRef>
-          <a:fillRef idx="1">
-            <a:schemeClr val="accent1"/>
-          </a:fillRef>
-          <a:effectRef idx="0">
-            <a:schemeClr val="accent1"/>
-          </a:effectRef>
-          <a:fontRef idx="minor">
-            <a:schemeClr val="lt1"/>
-          </a:fontRef>
-        </p:style>
-        <p:txBody>
-          <a:bodyPr rtlCol="0" anchor="ctr"/>
-          <a:lstStyle/>
-          <a:p>
-            <a:pPr algn="ctr"/>
-            <a:endParaRPr lang="en-US"/>
-          </a:p>
-        </p:txBody>
-      </p:sp>
-      <p:sp>
-        <p:nvSpPr>
-          <p:cNvPr id="29" name="Rectangle 28">
-            <a:extLst>
-              <a:ext uri="{FF2B5EF4-FFF2-40B4-BE49-F238E27FC236}">
-                <a16:creationId xmlns:a16="http://schemas.microsoft.com/office/drawing/2014/main" id="{19C9EAEA-39D0-4B0E-A0EB-51E7B26740B1}"/>
-              </a:ext>
-              <a:ext uri="{C183D7F6-B498-43B3-948B-1728B52AA6E4}">
-                <adec:decorative xmlns:adec="http://schemas.microsoft.com/office/drawing/2017/decorative" val="1"/>
-              </a:ext>
-            </a:extLst>
-          </p:cNvPr>
-          <p:cNvSpPr>
-            <a:spLocks noGrp="1" noRot="1" noChangeAspect="1" noMove="1" noResize="1" noEditPoints="1" noAdjustHandles="1" noChangeArrowheads="1" noChangeShapeType="1" noTextEdit="1"/>
-          </p:cNvSpPr>
-          <p:nvPr>
-            <p:extLst>
-              <p:ext uri="{386F3935-93C4-4BCD-93E2-E3B085C9AB24}">
-                <p16:designElem xmlns:p16="http://schemas.microsoft.com/office/powerpoint/2015/main" val="1"/>
-              </p:ext>
-            </p:extLst>
-          </p:nvPr>
-        </p:nvSpPr>
-        <p:spPr>
-          <a:xfrm>
-            <a:off x="6849687" y="357447"/>
-            <a:ext cx="4845488" cy="2923587"/>
-          </a:xfrm>
-          <a:prstGeom prst="rect">
-            <a:avLst/>
-          </a:prstGeom>
-          <a:solidFill>
-            <a:schemeClr val="bg1"/>
-          </a:solidFill>
-          <a:ln>
-            <a:noFill/>
-          </a:ln>
-          <a:effectLst>
-            <a:outerShdw blurRad="139700" dist="127000" dir="5400000" algn="t" rotWithShape="0">
-              <a:prstClr val="black">
-                <a:alpha val="15000"/>
-              </a:prstClr>
-            </a:outerShdw>
-          </a:effectLst>
-        </p:spPr>
-        <p:style>
-          <a:lnRef idx="2">
-            <a:schemeClr val="accent1">
-              <a:shade val="50000"/>
-            </a:schemeClr>
-          </a:lnRef>
-          <a:fillRef idx="1">
-            <a:schemeClr val="accent1"/>
-          </a:fillRef>
-          <a:effectRef idx="0">
-            <a:schemeClr val="accent1"/>
-          </a:effectRef>
-          <a:fontRef idx="minor">
-            <a:schemeClr val="lt1"/>
-          </a:fontRef>
-        </p:style>
-        <p:txBody>
-          <a:bodyPr rtlCol="0" anchor="ctr"/>
-          <a:lstStyle/>
-          <a:p>
-            <a:pPr algn="ctr"/>
-            <a:endParaRPr lang="en-US"/>
-          </a:p>
-        </p:txBody>
-      </p:sp>
-      <p:pic>
-        <p:nvPicPr>
-          <p:cNvPr id="5" name="Picture 4" descr="A graph of different colors&#10;&#10;AI-generated content may be incorrect.">
-            <a:extLst>
-              <a:ext uri="{FF2B5EF4-FFF2-40B4-BE49-F238E27FC236}">
-                <a16:creationId xmlns:a16="http://schemas.microsoft.com/office/drawing/2014/main" id="{23128665-E3DF-705E-B2D4-973DC43A6609}"/>
-              </a:ext>
-            </a:extLst>
-          </p:cNvPr>
-          <p:cNvPicPr>
-            <a:picLocks noChangeAspect="1"/>
-          </p:cNvPicPr>
-          <p:nvPr/>
-        </p:nvPicPr>
-        <p:blipFill>
-          <a:blip r:embed="rId3">
-            <a:extLst>
-              <a:ext uri="{28A0092B-C50C-407E-A947-70E740481C1C}">
-                <a14:useLocalDpi xmlns:a14="http://schemas.microsoft.com/office/drawing/2010/main" val="0"/>
-              </a:ext>
-            </a:extLst>
-          </a:blip>
-          <a:stretch>
-            <a:fillRect/>
-          </a:stretch>
-        </p:blipFill>
-        <p:spPr>
-          <a:xfrm>
-            <a:off x="7602970" y="581892"/>
-            <a:ext cx="3358339" cy="2518756"/>
-          </a:xfrm>
-          <a:prstGeom prst="rect">
-            <a:avLst/>
-          </a:prstGeom>
-        </p:spPr>
-      </p:pic>
-      <p:sp>
-        <p:nvSpPr>
-          <p:cNvPr id="31" name="Rectangle 30">
-            <a:extLst>
-              <a:ext uri="{FF2B5EF4-FFF2-40B4-BE49-F238E27FC236}">
-                <a16:creationId xmlns:a16="http://schemas.microsoft.com/office/drawing/2014/main" id="{8CB5D2D7-DF65-4E86-BFBA-FFB9B5ACEB64}"/>
-              </a:ext>
-              <a:ext uri="{C183D7F6-B498-43B3-948B-1728B52AA6E4}">
-                <adec:decorative xmlns:adec="http://schemas.microsoft.com/office/drawing/2017/decorative" val="1"/>
-              </a:ext>
-            </a:extLst>
-          </p:cNvPr>
-          <p:cNvSpPr>
-            <a:spLocks noGrp="1" noRot="1" noChangeAspect="1" noMove="1" noResize="1" noEditPoints="1" noAdjustHandles="1" noChangeArrowheads="1" noChangeShapeType="1" noTextEdit="1"/>
-          </p:cNvSpPr>
-          <p:nvPr>
-            <p:extLst>
-              <p:ext uri="{386F3935-93C4-4BCD-93E2-E3B085C9AB24}">
-                <p16:designElem xmlns:p16="http://schemas.microsoft.com/office/powerpoint/2015/main" val="1"/>
-              </p:ext>
-            </p:extLst>
-          </p:nvPr>
-        </p:nvSpPr>
-        <p:spPr>
-          <a:xfrm>
-            <a:off x="6849687" y="3505479"/>
-            <a:ext cx="4845488" cy="2923587"/>
-          </a:xfrm>
-          <a:prstGeom prst="rect">
-            <a:avLst/>
-          </a:prstGeom>
-          <a:solidFill>
-            <a:schemeClr val="bg1"/>
-          </a:solidFill>
-          <a:ln>
-            <a:noFill/>
-          </a:ln>
-          <a:effectLst>
-            <a:outerShdw blurRad="139700" dist="127000" dir="5400000" algn="t" rotWithShape="0">
-              <a:prstClr val="black">
-                <a:alpha val="15000"/>
-              </a:prstClr>
-            </a:outerShdw>
-          </a:effectLst>
-        </p:spPr>
-        <p:style>
-          <a:lnRef idx="2">
-            <a:schemeClr val="accent1">
-              <a:shade val="50000"/>
-            </a:schemeClr>
-          </a:lnRef>
-          <a:fillRef idx="1">
-            <a:schemeClr val="accent1"/>
-          </a:fillRef>
-          <a:effectRef idx="0">
-            <a:schemeClr val="accent1"/>
-          </a:effectRef>
-          <a:fontRef idx="minor">
-            <a:schemeClr val="lt1"/>
-          </a:fontRef>
-        </p:style>
-        <p:txBody>
-          <a:bodyPr rtlCol="0" anchor="ctr"/>
-          <a:lstStyle/>
-          <a:p>
-            <a:pPr algn="ctr"/>
-            <a:endParaRPr lang="en-US"/>
-          </a:p>
-        </p:txBody>
-      </p:sp>
-      <p:pic>
-        <p:nvPicPr>
-          <p:cNvPr id="7" name="Picture 6" descr="A graph with orange lines&#10;&#10;AI-generated content may be incorrect.">
-            <a:extLst>
-              <a:ext uri="{FF2B5EF4-FFF2-40B4-BE49-F238E27FC236}">
-                <a16:creationId xmlns:a16="http://schemas.microsoft.com/office/drawing/2014/main" id="{AEC64E70-C0EA-31BD-433C-B77A0C101729}"/>
-              </a:ext>
-            </a:extLst>
-          </p:cNvPr>
-          <p:cNvPicPr>
-            <a:picLocks noChangeAspect="1"/>
-          </p:cNvPicPr>
-          <p:nvPr/>
-        </p:nvPicPr>
-        <p:blipFill>
-          <a:blip r:embed="rId4">
-            <a:extLst>
-              <a:ext uri="{28A0092B-C50C-407E-A947-70E740481C1C}">
-                <a14:useLocalDpi xmlns:a14="http://schemas.microsoft.com/office/drawing/2010/main" val="0"/>
-              </a:ext>
-            </a:extLst>
-          </a:blip>
-          <a:stretch>
-            <a:fillRect/>
-          </a:stretch>
-        </p:blipFill>
-        <p:spPr>
-          <a:xfrm>
-            <a:off x="7602038" y="3707894"/>
-            <a:ext cx="3358339" cy="2518756"/>
-          </a:xfrm>
-          <a:prstGeom prst="rect">
-            <a:avLst/>
-          </a:prstGeom>
-        </p:spPr>
-      </p:pic>
-    </p:spTree>
-    <p:extLst>
-      <p:ext uri="{BB962C8B-B14F-4D97-AF65-F5344CB8AC3E}">
-        <p14:creationId xmlns:p14="http://schemas.microsoft.com/office/powerpoint/2010/main" val="2750523041"/>
       </p:ext>
     </p:extLst>
   </p:cSld>

--- a/presentation.pptx
+++ b/presentation.pptx
@@ -15420,7 +15420,7 @@
           <a:p>
             <a:r>
               <a:rPr lang="en-US" sz="1600" dirty="0"/>
-              <a:t>The agent tried different spread widths before settling on a gap of 0.4.</a:t>
+              <a:t>The graph shows us that its learned policy favors a narrow band of spreads over all other options.</a:t>
             </a:r>
           </a:p>
           <a:p>

--- a/presentation.pptx
+++ b/presentation.pptx
@@ -9044,7 +9044,7 @@
           <a:p>
             <a:fld id="{008829AC-564D-4DC6-A57F-0801BB802372}" type="datetimeFigureOut">
               <a:rPr lang="en-US" smtClean="0"/>
-              <a:t>12/6/2025</a:t>
+              <a:t>12/8/2025</a:t>
             </a:fld>
             <a:endParaRPr lang="en-US"/>
           </a:p>
@@ -10715,7 +10715,7 @@
           <a:p>
             <a:fld id="{09D397A9-6129-4C50-B0E5-F102EDF526C0}" type="datetimeFigureOut">
               <a:rPr lang="en-US" smtClean="0"/>
-              <a:t>12/6/2025</a:t>
+              <a:t>12/8/2025</a:t>
             </a:fld>
             <a:endParaRPr lang="en-US"/>
           </a:p>
@@ -10913,7 +10913,7 @@
           <a:p>
             <a:fld id="{09D397A9-6129-4C50-B0E5-F102EDF526C0}" type="datetimeFigureOut">
               <a:rPr lang="en-US" smtClean="0"/>
-              <a:t>12/6/2025</a:t>
+              <a:t>12/8/2025</a:t>
             </a:fld>
             <a:endParaRPr lang="en-US"/>
           </a:p>
@@ -11121,7 +11121,7 @@
           <a:p>
             <a:fld id="{09D397A9-6129-4C50-B0E5-F102EDF526C0}" type="datetimeFigureOut">
               <a:rPr lang="en-US" smtClean="0"/>
-              <a:t>12/6/2025</a:t>
+              <a:t>12/8/2025</a:t>
             </a:fld>
             <a:endParaRPr lang="en-US"/>
           </a:p>
@@ -11319,7 +11319,7 @@
           <a:p>
             <a:fld id="{09D397A9-6129-4C50-B0E5-F102EDF526C0}" type="datetimeFigureOut">
               <a:rPr lang="en-US" smtClean="0"/>
-              <a:t>12/6/2025</a:t>
+              <a:t>12/8/2025</a:t>
             </a:fld>
             <a:endParaRPr lang="en-US"/>
           </a:p>
@@ -11594,7 +11594,7 @@
           <a:p>
             <a:fld id="{09D397A9-6129-4C50-B0E5-F102EDF526C0}" type="datetimeFigureOut">
               <a:rPr lang="en-US" smtClean="0"/>
-              <a:t>12/6/2025</a:t>
+              <a:t>12/8/2025</a:t>
             </a:fld>
             <a:endParaRPr lang="en-US"/>
           </a:p>
@@ -11859,7 +11859,7 @@
           <a:p>
             <a:fld id="{09D397A9-6129-4C50-B0E5-F102EDF526C0}" type="datetimeFigureOut">
               <a:rPr lang="en-US" smtClean="0"/>
-              <a:t>12/6/2025</a:t>
+              <a:t>12/8/2025</a:t>
             </a:fld>
             <a:endParaRPr lang="en-US"/>
           </a:p>
@@ -12271,7 +12271,7 @@
           <a:p>
             <a:fld id="{09D397A9-6129-4C50-B0E5-F102EDF526C0}" type="datetimeFigureOut">
               <a:rPr lang="en-US" smtClean="0"/>
-              <a:t>12/6/2025</a:t>
+              <a:t>12/8/2025</a:t>
             </a:fld>
             <a:endParaRPr lang="en-US"/>
           </a:p>
@@ -12412,7 +12412,7 @@
           <a:p>
             <a:fld id="{09D397A9-6129-4C50-B0E5-F102EDF526C0}" type="datetimeFigureOut">
               <a:rPr lang="en-US" smtClean="0"/>
-              <a:t>12/6/2025</a:t>
+              <a:t>12/8/2025</a:t>
             </a:fld>
             <a:endParaRPr lang="en-US"/>
           </a:p>
@@ -12525,7 +12525,7 @@
           <a:p>
             <a:fld id="{09D397A9-6129-4C50-B0E5-F102EDF526C0}" type="datetimeFigureOut">
               <a:rPr lang="en-US" smtClean="0"/>
-              <a:t>12/6/2025</a:t>
+              <a:t>12/8/2025</a:t>
             </a:fld>
             <a:endParaRPr lang="en-US"/>
           </a:p>
@@ -12836,7 +12836,7 @@
           <a:p>
             <a:fld id="{09D397A9-6129-4C50-B0E5-F102EDF526C0}" type="datetimeFigureOut">
               <a:rPr lang="en-US" smtClean="0"/>
-              <a:t>12/6/2025</a:t>
+              <a:t>12/8/2025</a:t>
             </a:fld>
             <a:endParaRPr lang="en-US"/>
           </a:p>
@@ -13124,7 +13124,7 @@
           <a:p>
             <a:fld id="{09D397A9-6129-4C50-B0E5-F102EDF526C0}" type="datetimeFigureOut">
               <a:rPr lang="en-US" smtClean="0"/>
-              <a:t>12/6/2025</a:t>
+              <a:t>12/8/2025</a:t>
             </a:fld>
             <a:endParaRPr lang="en-US"/>
           </a:p>
@@ -13365,7 +13365,7 @@
           <a:p>
             <a:fld id="{09D397A9-6129-4C50-B0E5-F102EDF526C0}" type="datetimeFigureOut">
               <a:rPr lang="en-US" smtClean="0"/>
-              <a:t>12/6/2025</a:t>
+              <a:t>12/8/2025</a:t>
             </a:fld>
             <a:endParaRPr lang="en-US"/>
           </a:p>
@@ -14964,6 +14964,36 @@
           </a:prstGeom>
         </p:spPr>
       </p:pic>
+      <p:pic>
+        <p:nvPicPr>
+          <p:cNvPr id="3" name="Picture 2">
+            <a:extLst>
+              <a:ext uri="{FF2B5EF4-FFF2-40B4-BE49-F238E27FC236}">
+                <a16:creationId xmlns:a16="http://schemas.microsoft.com/office/drawing/2014/main" id="{CE6C6EEE-46F3-7F6B-02DC-978E62DC9563}"/>
+              </a:ext>
+            </a:extLst>
+          </p:cNvPr>
+          <p:cNvPicPr>
+            <a:picLocks noChangeAspect="1"/>
+          </p:cNvPicPr>
+          <p:nvPr/>
+        </p:nvPicPr>
+        <p:blipFill>
+          <a:blip r:embed="rId8"/>
+          <a:stretch>
+            <a:fillRect/>
+          </a:stretch>
+        </p:blipFill>
+        <p:spPr>
+          <a:xfrm>
+            <a:off x="10062190" y="810190"/>
+            <a:ext cx="58085" cy="83255"/>
+          </a:xfrm>
+          <a:prstGeom prst="rect">
+            <a:avLst/>
+          </a:prstGeom>
+        </p:spPr>
+      </p:pic>
     </p:spTree>
     <p:extLst>
       <p:ext uri="{BB962C8B-B14F-4D97-AF65-F5344CB8AC3E}">
@@ -15515,6 +15545,66 @@
           </a:prstGeom>
         </p:spPr>
       </p:pic>
+      <p:pic>
+        <p:nvPicPr>
+          <p:cNvPr id="6" name="Picture 5">
+            <a:extLst>
+              <a:ext uri="{FF2B5EF4-FFF2-40B4-BE49-F238E27FC236}">
+                <a16:creationId xmlns:a16="http://schemas.microsoft.com/office/drawing/2014/main" id="{F730D811-A370-B362-B5DD-47192FC5CBB1}"/>
+              </a:ext>
+            </a:extLst>
+          </p:cNvPr>
+          <p:cNvPicPr>
+            <a:picLocks noChangeAspect="1"/>
+          </p:cNvPicPr>
+          <p:nvPr/>
+        </p:nvPicPr>
+        <p:blipFill>
+          <a:blip r:embed="rId5"/>
+          <a:stretch>
+            <a:fillRect/>
+          </a:stretch>
+        </p:blipFill>
+        <p:spPr>
+          <a:xfrm>
+            <a:off x="8289494" y="828025"/>
+            <a:ext cx="58933" cy="84470"/>
+          </a:xfrm>
+          <a:prstGeom prst="rect">
+            <a:avLst/>
+          </a:prstGeom>
+        </p:spPr>
+      </p:pic>
+      <p:pic>
+        <p:nvPicPr>
+          <p:cNvPr id="9" name="Picture 8">
+            <a:extLst>
+              <a:ext uri="{FF2B5EF4-FFF2-40B4-BE49-F238E27FC236}">
+                <a16:creationId xmlns:a16="http://schemas.microsoft.com/office/drawing/2014/main" id="{3CFA822D-89B7-8472-79A4-63CFA9632A4B}"/>
+              </a:ext>
+            </a:extLst>
+          </p:cNvPr>
+          <p:cNvPicPr>
+            <a:picLocks noChangeAspect="1"/>
+          </p:cNvPicPr>
+          <p:nvPr/>
+        </p:nvPicPr>
+        <p:blipFill>
+          <a:blip r:embed="rId5"/>
+          <a:stretch>
+            <a:fillRect/>
+          </a:stretch>
+        </p:blipFill>
+        <p:spPr>
+          <a:xfrm>
+            <a:off x="8521065" y="3631212"/>
+            <a:ext cx="59934" cy="85906"/>
+          </a:xfrm>
+          <a:prstGeom prst="rect">
+            <a:avLst/>
+          </a:prstGeom>
+        </p:spPr>
+      </p:pic>
     </p:spTree>
     <p:extLst>
       <p:ext uri="{BB962C8B-B14F-4D97-AF65-F5344CB8AC3E}">
@@ -15561,10 +15651,10 @@
       </p:grpSpPr>
       <p:sp useBgFill="1">
         <p:nvSpPr>
-          <p:cNvPr id="32" name="Rectangle 31">
+          <p:cNvPr id="56" name="Rectangle 55">
             <a:extLst>
               <a:ext uri="{FF2B5EF4-FFF2-40B4-BE49-F238E27FC236}">
-                <a16:creationId xmlns:a16="http://schemas.microsoft.com/office/drawing/2014/main" id="{EB708185-20C0-40F2-8F2D-8EB9E34B3C00}"/>
+                <a16:creationId xmlns:a16="http://schemas.microsoft.com/office/drawing/2014/main" id="{149FB5C3-7336-4FE0-A30C-CC0A3646D499}"/>
               </a:ext>
               <a:ext uri="{C183D7F6-B498-43B3-948B-1728B52AA6E4}">
                 <adec:decorative xmlns:adec="http://schemas.microsoft.com/office/drawing/2017/decorative" val="1"/>
@@ -15621,7 +15711,7 @@
       </p:sp>
       <p:grpSp>
         <p:nvGrpSpPr>
-          <p:cNvPr id="34" name="Group 33">
+          <p:cNvPr id="58" name="Group 57">
             <a:extLst>
               <a:ext uri="{FF2B5EF4-FFF2-40B4-BE49-F238E27FC236}">
                 <a16:creationId xmlns:a16="http://schemas.microsoft.com/office/drawing/2014/main" id="{19A6B5CE-CB1D-48EE-8B43-E952235C8371}"/>
@@ -15655,7 +15745,7 @@
         </p:grpSpPr>
         <p:sp>
           <p:nvSpPr>
-            <p:cNvPr id="35" name="Rectangle 34">
+            <p:cNvPr id="59" name="Rectangle 58">
               <a:extLst>
                 <a:ext uri="{FF2B5EF4-FFF2-40B4-BE49-F238E27FC236}">
                   <a16:creationId xmlns:a16="http://schemas.microsoft.com/office/drawing/2014/main" id="{E3F3EAA5-4E15-400B-BBA3-82B3F49A2178}"/>
@@ -15714,7 +15804,7 @@
         </p:sp>
         <p:sp>
           <p:nvSpPr>
-            <p:cNvPr id="36" name="Rectangle 35">
+            <p:cNvPr id="60" name="Rectangle 59">
               <a:extLst>
                 <a:ext uri="{FF2B5EF4-FFF2-40B4-BE49-F238E27FC236}">
                   <a16:creationId xmlns:a16="http://schemas.microsoft.com/office/drawing/2014/main" id="{72BA2E40-BE9B-4C54-9CDD-40EE804CCE64}"/>
@@ -15774,7 +15864,7 @@
       </p:grpSp>
       <p:sp>
         <p:nvSpPr>
-          <p:cNvPr id="50" name="Rectangle 49">
+          <p:cNvPr id="62" name="Rectangle 61">
             <a:extLst>
               <a:ext uri="{FF2B5EF4-FFF2-40B4-BE49-F238E27FC236}">
                 <a16:creationId xmlns:a16="http://schemas.microsoft.com/office/drawing/2014/main" id="{0DA909B4-15FF-46A6-8A7F-7AEF977FE9ED}"/>
@@ -15880,7 +15970,7 @@
       </p:sp>
       <p:sp>
         <p:nvSpPr>
-          <p:cNvPr id="51" name="Rectangle 50">
+          <p:cNvPr id="64" name="Rectangle 63">
             <a:extLst>
               <a:ext uri="{FF2B5EF4-FFF2-40B4-BE49-F238E27FC236}">
                 <a16:creationId xmlns:a16="http://schemas.microsoft.com/office/drawing/2014/main" id="{1382A32C-5B0C-4B1C-A074-76C6DBCC9F87}"/>
@@ -15970,25 +16060,25 @@
           <a:lstStyle/>
           <a:p>
             <a:r>
-              <a:rPr lang="af-ZA" sz="1700" dirty="0"/>
+              <a:rPr lang="af-ZA" sz="1900"/>
               <a:t>The AI isn’t lucky, it made small returns over a long period of time.</a:t>
             </a:r>
           </a:p>
           <a:p>
             <a:r>
-              <a:rPr lang="af-ZA" sz="1700" dirty="0"/>
+              <a:rPr lang="af-ZA" sz="1900"/>
               <a:t>When the agent makes a mistake, it learnt to recover from the loss, instead of tilting and losing more like our previous iteration. </a:t>
             </a:r>
           </a:p>
           <a:p>
             <a:r>
-              <a:rPr lang="en-US" sz="1700" dirty="0"/>
+              <a:rPr lang="en-US" sz="1900"/>
               <a:t>The bright center line proves the agent learned to keep its inventory near zero, validating that it understands risk management. </a:t>
             </a:r>
           </a:p>
           <a:p>
             <a:r>
-              <a:rPr lang="en-US" sz="1700" dirty="0"/>
+              <a:rPr lang="en-US" sz="1900"/>
               <a:t>It makes money by trading flow, not by taking dangerous bets on the direction of the stock.</a:t>
             </a:r>
           </a:p>
@@ -16023,8 +16113,8 @@
         </p:blipFill>
         <p:spPr>
           <a:xfrm>
-            <a:off x="6946666" y="774285"/>
-            <a:ext cx="2112264" cy="1999673"/>
+            <a:off x="7777976" y="774285"/>
+            <a:ext cx="2726502" cy="2581173"/>
           </a:xfrm>
           <a:prstGeom prst="rect">
             <a:avLst/>
@@ -16033,10 +16123,10 @@
       </p:pic>
       <p:pic>
         <p:nvPicPr>
-          <p:cNvPr id="7" name="Picture 6" descr="A graph showing a graph&#10;&#10;AI-generated content may be incorrect.">
+          <p:cNvPr id="5" name="Picture 4" descr="A graph showing a number of data&#10;&#10;AI-generated content may be incorrect.">
             <a:extLst>
               <a:ext uri="{FF2B5EF4-FFF2-40B4-BE49-F238E27FC236}">
-                <a16:creationId xmlns:a16="http://schemas.microsoft.com/office/drawing/2014/main" id="{06807FFC-A01A-9A72-B5EF-969C6A79EDBB}"/>
+                <a16:creationId xmlns:a16="http://schemas.microsoft.com/office/drawing/2014/main" id="{B5335CB0-0D3C-573D-4EA1-C431CFC51BB0}"/>
               </a:ext>
             </a:extLst>
           </p:cNvPr>
@@ -16053,43 +16143,6 @@
               </a:ext>
             </a:extLst>
           </a:blip>
-          <a:srcRect l="17656" r="3126" b="6"/>
-          <a:stretch>
-            <a:fillRect/>
-          </a:stretch>
-        </p:blipFill>
-        <p:spPr>
-          <a:xfrm>
-            <a:off x="9223523" y="774285"/>
-            <a:ext cx="2112264" cy="1999673"/>
-          </a:xfrm>
-          <a:prstGeom prst="rect">
-            <a:avLst/>
-          </a:prstGeom>
-        </p:spPr>
-      </p:pic>
-      <p:pic>
-        <p:nvPicPr>
-          <p:cNvPr id="5" name="Picture 4" descr="A graph showing a number of data&#10;&#10;AI-generated content may be incorrect.">
-            <a:extLst>
-              <a:ext uri="{FF2B5EF4-FFF2-40B4-BE49-F238E27FC236}">
-                <a16:creationId xmlns:a16="http://schemas.microsoft.com/office/drawing/2014/main" id="{B5335CB0-0D3C-573D-4EA1-C431CFC51BB0}"/>
-              </a:ext>
-            </a:extLst>
-          </p:cNvPr>
-          <p:cNvPicPr>
-            <a:picLocks noChangeAspect="1"/>
-          </p:cNvPicPr>
-          <p:nvPr/>
-        </p:nvPicPr>
-        <p:blipFill>
-          <a:blip r:embed="rId5">
-            <a:extLst>
-              <a:ext uri="{28A0092B-C50C-407E-A947-70E740481C1C}">
-                <a14:useLocalDpi xmlns:a14="http://schemas.microsoft.com/office/drawing/2010/main" val="0"/>
-              </a:ext>
-            </a:extLst>
-          </a:blip>
           <a:srcRect l="2442" r="12193" b="-1"/>
           <a:stretch>
             <a:fillRect/>
@@ -16097,8 +16150,8 @@
         </p:blipFill>
         <p:spPr>
           <a:xfrm>
-            <a:off x="6946667" y="2942704"/>
-            <a:ext cx="4389120" cy="3213543"/>
+            <a:off x="7378510" y="3575074"/>
+            <a:ext cx="3525434" cy="2581173"/>
           </a:xfrm>
           <a:prstGeom prst="rect">
             <a:avLst/>
@@ -16932,7 +16985,7 @@
         </p:spPr>
         <p:txBody>
           <a:bodyPr anchor="ctr">
-            <a:normAutofit/>
+            <a:normAutofit lnSpcReduction="10000"/>
           </a:bodyPr>
           <a:lstStyle/>
           <a:p>
@@ -16966,7 +17019,18 @@
               <a:rPr lang="en-US" sz="2200" dirty="0"/>
               <a:t>Replace heuristic EGT agents with other RL agents (Multi-Agent Reinforcement Learning) for a "smarter" enemy.</a:t>
             </a:r>
-            <a:endParaRPr lang="en-US" sz="2200" b="1" dirty="0"/>
+          </a:p>
+          <a:p>
+            <a:pPr lvl="1"/>
+            <a:r>
+              <a:rPr lang="en-US" sz="2200" dirty="0"/>
+              <a:t>Adding a LOB to give more options for the Arl agent to set </a:t>
+            </a:r>
+            <a:r>
+              <a:rPr lang="en-US" dirty="0"/>
+              <a:t>prices through actual buy and sell orders stacked at different levels.</a:t>
+            </a:r>
+            <a:endParaRPr lang="en-US" sz="2200" dirty="0"/>
           </a:p>
         </p:txBody>
       </p:sp>
@@ -18215,7 +18279,7 @@
             </a:r>
             <a:r>
               <a:rPr lang="en-US" sz="1900" dirty="0"/>
-              <a:t>A simulated order-book market where agents interact via "crossing quotes.</a:t>
+              <a:t>A simulated market where agents interact via crossing quotes.</a:t>
             </a:r>
           </a:p>
           <a:p>
@@ -21178,6 +21242,36 @@
           <a:xfrm>
             <a:off x="7602038" y="3707894"/>
             <a:ext cx="3358339" cy="2518756"/>
+          </a:xfrm>
+          <a:prstGeom prst="rect">
+            <a:avLst/>
+          </a:prstGeom>
+        </p:spPr>
+      </p:pic>
+      <p:pic>
+        <p:nvPicPr>
+          <p:cNvPr id="7" name="Picture 6">
+            <a:extLst>
+              <a:ext uri="{FF2B5EF4-FFF2-40B4-BE49-F238E27FC236}">
+                <a16:creationId xmlns:a16="http://schemas.microsoft.com/office/drawing/2014/main" id="{ED102EEC-6CC0-C936-C672-19E6C2EB2DC0}"/>
+              </a:ext>
+            </a:extLst>
+          </p:cNvPr>
+          <p:cNvPicPr>
+            <a:picLocks noChangeAspect="1"/>
+          </p:cNvPicPr>
+          <p:nvPr/>
+        </p:nvPicPr>
+        <p:blipFill>
+          <a:blip r:embed="rId5"/>
+          <a:stretch>
+            <a:fillRect/>
+          </a:stretch>
+        </p:blipFill>
+        <p:spPr>
+          <a:xfrm>
+            <a:off x="8807235" y="3762375"/>
+            <a:ext cx="56292" cy="80685"/>
           </a:xfrm>
           <a:prstGeom prst="rect">
             <a:avLst/>
